--- a/Graphic & Tables.pptx
+++ b/Graphic & Tables.pptx
@@ -6,6 +6,8 @@
   </p:sldMasterIdLst>
   <p:sldIdLst>
     <p:sldId id="256" r:id="rId2"/>
+    <p:sldId id="257" r:id="rId3"/>
+    <p:sldId id="259" r:id="rId4"/>
   </p:sldIdLst>
   <p:sldSz cx="9144000" cy="6858000" type="screen4x3"/>
   <p:notesSz cx="6858000" cy="9144000"/>
@@ -104,6 +106,23 @@
       </a:defRPr>
     </a:lvl9pPr>
   </p:defaultTextStyle>
+  <p:extLst>
+    <p:ext uri="{521415D9-36F7-43E2-AB2F-B90AF26B5E84}">
+      <p14:sectionLst xmlns:p14="http://schemas.microsoft.com/office/powerpoint/2010/main">
+        <p14:section name="第一章-表" id="{5DDE9ECE-E1D4-44EE-8734-BEAC235B8DA3}">
+          <p14:sldIdLst>
+            <p14:sldId id="256"/>
+          </p14:sldIdLst>
+        </p14:section>
+        <p14:section name="第一章-图" id="{A59240F9-DC6E-4C1B-AD6C-982BA58D889D}">
+          <p14:sldIdLst>
+            <p14:sldId id="257"/>
+            <p14:sldId id="259"/>
+          </p14:sldIdLst>
+        </p14:section>
+      </p14:sectionLst>
+    </p:ext>
+  </p:extLst>
 </p:presentation>
 </file>
 
@@ -3095,1259 +3114,17 @@
           <a:chExt cx="0" cy="0"/>
         </a:xfrm>
       </p:grpSpPr>
-      <p:graphicFrame>
-        <p:nvGraphicFramePr>
-          <p:cNvPr id="9" name="表格 8"/>
-          <p:cNvGraphicFramePr>
-            <a:graphicFrameLocks noGrp="1"/>
-          </p:cNvGraphicFramePr>
+      <p:sp>
+        <p:nvSpPr>
+          <p:cNvPr id="10" name="Rectangle 3"/>
+          <p:cNvSpPr>
+            <a:spLocks noChangeArrowheads="1"/>
+          </p:cNvSpPr>
           <p:nvPr/>
-        </p:nvGraphicFramePr>
-        <p:xfrm>
-          <a:off x="1784350" y="2816701"/>
-          <a:ext cx="5575300" cy="2092960"/>
-        </p:xfrm>
-        <a:graphic>
-          <a:graphicData uri="http://schemas.openxmlformats.org/drawingml/2006/table">
-            <a:tbl>
-              <a:tblPr/>
-              <a:tblGrid>
-                <a:gridCol w="1016000"/>
-                <a:gridCol w="2641600"/>
-                <a:gridCol w="1917700"/>
-              </a:tblGrid>
-              <a:tr h="220980">
-                <a:tc>
-                  <a:txBody>
-                    <a:bodyPr/>
-                    <a:lstStyle/>
-                    <a:p>
-                      <a:endParaRPr lang="zh-CN" sz="1000">
-                        <a:effectLst/>
-                        <a:latin typeface="Times New Roman"/>
-                      </a:endParaRPr>
-                    </a:p>
-                  </a:txBody>
-                  <a:tcPr marL="9525" marR="9525" marT="9525" marB="0" anchor="b">
-                    <a:lnL>
-                      <a:noFill/>
-                    </a:lnL>
-                    <a:lnR>
-                      <a:noFill/>
-                    </a:lnR>
-                    <a:lnT w="12700" cap="flat" cmpd="sng" algn="ctr">
-                      <a:solidFill>
-                        <a:srgbClr val="000000"/>
-                      </a:solidFill>
-                      <a:prstDash val="solid"/>
-                      <a:round/>
-                      <a:headEnd type="none" w="med" len="med"/>
-                      <a:tailEnd type="none" w="med" len="med"/>
-                    </a:lnT>
-                    <a:lnB w="12700" cap="flat" cmpd="sng" algn="ctr">
-                      <a:solidFill>
-                        <a:srgbClr val="000000"/>
-                      </a:solidFill>
-                      <a:prstDash val="solid"/>
-                      <a:round/>
-                      <a:headEnd type="none" w="med" len="med"/>
-                      <a:tailEnd type="none" w="med" len="med"/>
-                    </a:lnB>
-                    <a:solidFill>
-                      <a:srgbClr val="FFFFFF"/>
-                    </a:solidFill>
-                  </a:tcPr>
-                </a:tc>
-                <a:tc>
-                  <a:txBody>
-                    <a:bodyPr/>
-                    <a:lstStyle/>
-                    <a:p>
-                      <a:pPr algn="ctr">
-                        <a:spcBef>
-                          <a:spcPts val="300"/>
-                        </a:spcBef>
-                        <a:spcAft>
-                          <a:spcPts val="300"/>
-                        </a:spcAft>
-                      </a:pPr>
-                      <a:r>
-                        <a:rPr lang="zh-CN" sz="1050" kern="100">
-                          <a:effectLst/>
-                          <a:latin typeface="宋体"/>
-                          <a:cs typeface="Times New Roman"/>
-                        </a:rPr>
-                        <a:t>三坐标测量机</a:t>
-                      </a:r>
-                    </a:p>
-                  </a:txBody>
-                  <a:tcPr marL="9525" marR="9525" marT="9525" marB="0" anchor="b">
-                    <a:lnL>
-                      <a:noFill/>
-                    </a:lnL>
-                    <a:lnR>
-                      <a:noFill/>
-                    </a:lnR>
-                    <a:lnT w="12700" cap="flat" cmpd="sng" algn="ctr">
-                      <a:solidFill>
-                        <a:srgbClr val="000000"/>
-                      </a:solidFill>
-                      <a:prstDash val="solid"/>
-                      <a:round/>
-                      <a:headEnd type="none" w="med" len="med"/>
-                      <a:tailEnd type="none" w="med" len="med"/>
-                    </a:lnT>
-                    <a:lnB w="12700" cap="flat" cmpd="sng" algn="ctr">
-                      <a:solidFill>
-                        <a:srgbClr val="000000"/>
-                      </a:solidFill>
-                      <a:prstDash val="solid"/>
-                      <a:round/>
-                      <a:headEnd type="none" w="med" len="med"/>
-                      <a:tailEnd type="none" w="med" len="med"/>
-                    </a:lnB>
-                    <a:solidFill>
-                      <a:srgbClr val="FFFFFF"/>
-                    </a:solidFill>
-                  </a:tcPr>
-                </a:tc>
-                <a:tc>
-                  <a:txBody>
-                    <a:bodyPr/>
-                    <a:lstStyle/>
-                    <a:p>
-                      <a:pPr algn="ctr">
-                        <a:spcBef>
-                          <a:spcPts val="300"/>
-                        </a:spcBef>
-                        <a:spcAft>
-                          <a:spcPts val="300"/>
-                        </a:spcAft>
-                      </a:pPr>
-                      <a:r>
-                        <a:rPr lang="zh-CN" sz="1050" kern="100">
-                          <a:effectLst/>
-                          <a:latin typeface="宋体"/>
-                          <a:cs typeface="Times New Roman"/>
-                        </a:rPr>
-                        <a:t>结构光</a:t>
-                      </a:r>
-                    </a:p>
-                  </a:txBody>
-                  <a:tcPr marL="9525" marR="9525" marT="9525" marB="0" anchor="b">
-                    <a:lnL>
-                      <a:noFill/>
-                    </a:lnL>
-                    <a:lnR>
-                      <a:noFill/>
-                    </a:lnR>
-                    <a:lnT w="12700" cap="flat" cmpd="sng" algn="ctr">
-                      <a:solidFill>
-                        <a:srgbClr val="000000"/>
-                      </a:solidFill>
-                      <a:prstDash val="solid"/>
-                      <a:round/>
-                      <a:headEnd type="none" w="med" len="med"/>
-                      <a:tailEnd type="none" w="med" len="med"/>
-                    </a:lnT>
-                    <a:lnB w="12700" cap="flat" cmpd="sng" algn="ctr">
-                      <a:solidFill>
-                        <a:srgbClr val="000000"/>
-                      </a:solidFill>
-                      <a:prstDash val="solid"/>
-                      <a:round/>
-                      <a:headEnd type="none" w="med" len="med"/>
-                      <a:tailEnd type="none" w="med" len="med"/>
-                    </a:lnB>
-                    <a:solidFill>
-                      <a:srgbClr val="FFFFFF"/>
-                    </a:solidFill>
-                  </a:tcPr>
-                </a:tc>
-              </a:tr>
-              <a:tr h="171450">
-                <a:tc>
-                  <a:txBody>
-                    <a:bodyPr/>
-                    <a:lstStyle/>
-                    <a:p>
-                      <a:pPr algn="ctr">
-                        <a:spcBef>
-                          <a:spcPts val="300"/>
-                        </a:spcBef>
-                        <a:spcAft>
-                          <a:spcPts val="300"/>
-                        </a:spcAft>
-                      </a:pPr>
-                      <a:r>
-                        <a:rPr lang="zh-CN" sz="1050" kern="100">
-                          <a:effectLst/>
-                          <a:latin typeface="宋体"/>
-                          <a:cs typeface="Times New Roman"/>
-                        </a:rPr>
-                        <a:t>安装校准</a:t>
-                      </a:r>
-                    </a:p>
-                  </a:txBody>
-                  <a:tcPr marL="9525" marR="9525" marT="9525" marB="0" anchor="b">
-                    <a:lnL>
-                      <a:noFill/>
-                    </a:lnL>
-                    <a:lnR>
-                      <a:noFill/>
-                    </a:lnR>
-                    <a:lnT w="12700" cap="flat" cmpd="sng" algn="ctr">
-                      <a:solidFill>
-                        <a:srgbClr val="000000"/>
-                      </a:solidFill>
-                      <a:prstDash val="solid"/>
-                      <a:round/>
-                      <a:headEnd type="none" w="med" len="med"/>
-                      <a:tailEnd type="none" w="med" len="med"/>
-                    </a:lnT>
-                    <a:lnB>
-                      <a:noFill/>
-                    </a:lnB>
-                    <a:solidFill>
-                      <a:srgbClr val="FFFFFF"/>
-                    </a:solidFill>
-                  </a:tcPr>
-                </a:tc>
-                <a:tc>
-                  <a:txBody>
-                    <a:bodyPr/>
-                    <a:lstStyle/>
-                    <a:p>
-                      <a:pPr algn="ctr">
-                        <a:spcBef>
-                          <a:spcPts val="300"/>
-                        </a:spcBef>
-                        <a:spcAft>
-                          <a:spcPts val="300"/>
-                        </a:spcAft>
-                      </a:pPr>
-                      <a:r>
-                        <a:rPr lang="zh-CN" sz="1050" kern="100">
-                          <a:effectLst/>
-                          <a:latin typeface="宋体"/>
-                          <a:cs typeface="Times New Roman"/>
-                        </a:rPr>
-                        <a:t>一次性安装校准，但费用贵</a:t>
-                      </a:r>
-                    </a:p>
-                  </a:txBody>
-                  <a:tcPr marL="9525" marR="9525" marT="9525" marB="0" anchor="b">
-                    <a:lnL>
-                      <a:noFill/>
-                    </a:lnL>
-                    <a:lnR>
-                      <a:noFill/>
-                    </a:lnR>
-                    <a:lnT w="12700" cap="flat" cmpd="sng" algn="ctr">
-                      <a:solidFill>
-                        <a:srgbClr val="000000"/>
-                      </a:solidFill>
-                      <a:prstDash val="solid"/>
-                      <a:round/>
-                      <a:headEnd type="none" w="med" len="med"/>
-                      <a:tailEnd type="none" w="med" len="med"/>
-                    </a:lnT>
-                    <a:lnB>
-                      <a:noFill/>
-                    </a:lnB>
-                    <a:solidFill>
-                      <a:srgbClr val="FFFFFF"/>
-                    </a:solidFill>
-                  </a:tcPr>
-                </a:tc>
-                <a:tc>
-                  <a:txBody>
-                    <a:bodyPr/>
-                    <a:lstStyle/>
-                    <a:p>
-                      <a:pPr algn="ctr">
-                        <a:spcBef>
-                          <a:spcPts val="300"/>
-                        </a:spcBef>
-                        <a:spcAft>
-                          <a:spcPts val="300"/>
-                        </a:spcAft>
-                      </a:pPr>
-                      <a:r>
-                        <a:rPr lang="zh-CN" sz="1050" kern="100">
-                          <a:effectLst/>
-                          <a:latin typeface="宋体"/>
-                          <a:cs typeface="Times New Roman"/>
-                        </a:rPr>
-                        <a:t>无需安装，移动设备需校准</a:t>
-                      </a:r>
-                    </a:p>
-                  </a:txBody>
-                  <a:tcPr marL="9525" marR="9525" marT="9525" marB="0" anchor="b">
-                    <a:lnL>
-                      <a:noFill/>
-                    </a:lnL>
-                    <a:lnR>
-                      <a:noFill/>
-                    </a:lnR>
-                    <a:lnT w="12700" cap="flat" cmpd="sng" algn="ctr">
-                      <a:solidFill>
-                        <a:srgbClr val="000000"/>
-                      </a:solidFill>
-                      <a:prstDash val="solid"/>
-                      <a:round/>
-                      <a:headEnd type="none" w="med" len="med"/>
-                      <a:tailEnd type="none" w="med" len="med"/>
-                    </a:lnT>
-                    <a:lnB>
-                      <a:noFill/>
-                    </a:lnB>
-                    <a:solidFill>
-                      <a:srgbClr val="FFFFFF"/>
-                    </a:solidFill>
-                  </a:tcPr>
-                </a:tc>
-              </a:tr>
-              <a:tr h="171450">
-                <a:tc>
-                  <a:txBody>
-                    <a:bodyPr/>
-                    <a:lstStyle/>
-                    <a:p>
-                      <a:pPr algn="ctr">
-                        <a:spcBef>
-                          <a:spcPts val="300"/>
-                        </a:spcBef>
-                        <a:spcAft>
-                          <a:spcPts val="300"/>
-                        </a:spcAft>
-                      </a:pPr>
-                      <a:r>
-                        <a:rPr lang="zh-CN" sz="1050" kern="100">
-                          <a:effectLst/>
-                          <a:latin typeface="宋体"/>
-                          <a:cs typeface="Times New Roman"/>
-                        </a:rPr>
-                        <a:t>适用表面</a:t>
-                      </a:r>
-                    </a:p>
-                  </a:txBody>
-                  <a:tcPr marL="9525" marR="9525" marT="9525" marB="0" anchor="b">
-                    <a:lnL>
-                      <a:noFill/>
-                    </a:lnL>
-                    <a:lnR>
-                      <a:noFill/>
-                    </a:lnR>
-                    <a:lnT>
-                      <a:noFill/>
-                    </a:lnT>
-                    <a:lnB>
-                      <a:noFill/>
-                    </a:lnB>
-                    <a:solidFill>
-                      <a:srgbClr val="FFFFFF"/>
-                    </a:solidFill>
-                  </a:tcPr>
-                </a:tc>
-                <a:tc>
-                  <a:txBody>
-                    <a:bodyPr/>
-                    <a:lstStyle/>
-                    <a:p>
-                      <a:pPr algn="ctr">
-                        <a:spcBef>
-                          <a:spcPts val="300"/>
-                        </a:spcBef>
-                        <a:spcAft>
-                          <a:spcPts val="300"/>
-                        </a:spcAft>
-                      </a:pPr>
-                      <a:r>
-                        <a:rPr lang="zh-CN" sz="1050" kern="100">
-                          <a:effectLst/>
-                          <a:latin typeface="宋体"/>
-                          <a:cs typeface="Times New Roman"/>
-                        </a:rPr>
-                        <a:t>坚硬，粗糙细腻都可</a:t>
-                      </a:r>
-                    </a:p>
-                  </a:txBody>
-                  <a:tcPr marL="9525" marR="9525" marT="9525" marB="0" anchor="b">
-                    <a:lnL>
-                      <a:noFill/>
-                    </a:lnL>
-                    <a:lnR>
-                      <a:noFill/>
-                    </a:lnR>
-                    <a:lnT>
-                      <a:noFill/>
-                    </a:lnT>
-                    <a:lnB>
-                      <a:noFill/>
-                    </a:lnB>
-                    <a:solidFill>
-                      <a:srgbClr val="FFFFFF"/>
-                    </a:solidFill>
-                  </a:tcPr>
-                </a:tc>
-                <a:tc>
-                  <a:txBody>
-                    <a:bodyPr/>
-                    <a:lstStyle/>
-                    <a:p>
-                      <a:pPr algn="ctr">
-                        <a:spcBef>
-                          <a:spcPts val="300"/>
-                        </a:spcBef>
-                        <a:spcAft>
-                          <a:spcPts val="300"/>
-                        </a:spcAft>
-                      </a:pPr>
-                      <a:r>
-                        <a:rPr lang="zh-CN" sz="1050" kern="100">
-                          <a:effectLst/>
-                          <a:latin typeface="宋体"/>
-                          <a:cs typeface="Times New Roman"/>
-                        </a:rPr>
-                        <a:t>坚硬柔软都可，不反光，突变不多</a:t>
-                      </a:r>
-                    </a:p>
-                  </a:txBody>
-                  <a:tcPr marL="9525" marR="9525" marT="9525" marB="0" anchor="b">
-                    <a:lnL>
-                      <a:noFill/>
-                    </a:lnL>
-                    <a:lnR>
-                      <a:noFill/>
-                    </a:lnR>
-                    <a:lnT>
-                      <a:noFill/>
-                    </a:lnT>
-                    <a:lnB>
-                      <a:noFill/>
-                    </a:lnB>
-                    <a:solidFill>
-                      <a:srgbClr val="FFFFFF"/>
-                    </a:solidFill>
-                  </a:tcPr>
-                </a:tc>
-              </a:tr>
-              <a:tr h="171450">
-                <a:tc>
-                  <a:txBody>
-                    <a:bodyPr/>
-                    <a:lstStyle/>
-                    <a:p>
-                      <a:pPr algn="ctr">
-                        <a:spcBef>
-                          <a:spcPts val="300"/>
-                        </a:spcBef>
-                        <a:spcAft>
-                          <a:spcPts val="300"/>
-                        </a:spcAft>
-                      </a:pPr>
-                      <a:r>
-                        <a:rPr lang="zh-CN" sz="1050" kern="100">
-                          <a:effectLst/>
-                          <a:latin typeface="宋体"/>
-                          <a:cs typeface="Times New Roman"/>
-                        </a:rPr>
-                        <a:t>量程</a:t>
-                      </a:r>
-                    </a:p>
-                  </a:txBody>
-                  <a:tcPr marL="9525" marR="9525" marT="9525" marB="0" anchor="b">
-                    <a:lnL>
-                      <a:noFill/>
-                    </a:lnL>
-                    <a:lnR>
-                      <a:noFill/>
-                    </a:lnR>
-                    <a:lnT>
-                      <a:noFill/>
-                    </a:lnT>
-                    <a:lnB>
-                      <a:noFill/>
-                    </a:lnB>
-                    <a:solidFill>
-                      <a:srgbClr val="FFFFFF"/>
-                    </a:solidFill>
-                  </a:tcPr>
-                </a:tc>
-                <a:tc>
-                  <a:txBody>
-                    <a:bodyPr/>
-                    <a:lstStyle/>
-                    <a:p>
-                      <a:pPr algn="ctr">
-                        <a:spcBef>
-                          <a:spcPts val="300"/>
-                        </a:spcBef>
-                        <a:spcAft>
-                          <a:spcPts val="300"/>
-                        </a:spcAft>
-                      </a:pPr>
-                      <a:r>
-                        <a:rPr lang="zh-CN" sz="1050" kern="100">
-                          <a:effectLst/>
-                          <a:latin typeface="宋体"/>
-                          <a:cs typeface="Times New Roman"/>
-                        </a:rPr>
-                        <a:t>固定，有设备尺寸决定</a:t>
-                      </a:r>
-                    </a:p>
-                  </a:txBody>
-                  <a:tcPr marL="9525" marR="9525" marT="9525" marB="0" anchor="b">
-                    <a:lnL>
-                      <a:noFill/>
-                    </a:lnL>
-                    <a:lnR>
-                      <a:noFill/>
-                    </a:lnR>
-                    <a:lnT>
-                      <a:noFill/>
-                    </a:lnT>
-                    <a:lnB>
-                      <a:noFill/>
-                    </a:lnB>
-                    <a:solidFill>
-                      <a:srgbClr val="FFFFFF"/>
-                    </a:solidFill>
-                  </a:tcPr>
-                </a:tc>
-                <a:tc>
-                  <a:txBody>
-                    <a:bodyPr/>
-                    <a:lstStyle/>
-                    <a:p>
-                      <a:pPr algn="ctr">
-                        <a:spcBef>
-                          <a:spcPts val="300"/>
-                        </a:spcBef>
-                        <a:spcAft>
-                          <a:spcPts val="300"/>
-                        </a:spcAft>
-                      </a:pPr>
-                      <a:r>
-                        <a:rPr lang="zh-CN" sz="1050" kern="100">
-                          <a:effectLst/>
-                          <a:latin typeface="宋体"/>
-                          <a:cs typeface="Times New Roman"/>
-                        </a:rPr>
-                        <a:t>较大，有投影图样和设备分辨率决定</a:t>
-                      </a:r>
-                    </a:p>
-                  </a:txBody>
-                  <a:tcPr marL="9525" marR="9525" marT="9525" marB="0" anchor="b">
-                    <a:lnL>
-                      <a:noFill/>
-                    </a:lnL>
-                    <a:lnR>
-                      <a:noFill/>
-                    </a:lnR>
-                    <a:lnT>
-                      <a:noFill/>
-                    </a:lnT>
-                    <a:lnB>
-                      <a:noFill/>
-                    </a:lnB>
-                    <a:solidFill>
-                      <a:srgbClr val="FFFFFF"/>
-                    </a:solidFill>
-                  </a:tcPr>
-                </a:tc>
-              </a:tr>
-              <a:tr h="171450">
-                <a:tc>
-                  <a:txBody>
-                    <a:bodyPr/>
-                    <a:lstStyle/>
-                    <a:p>
-                      <a:pPr algn="ctr">
-                        <a:spcBef>
-                          <a:spcPts val="300"/>
-                        </a:spcBef>
-                        <a:spcAft>
-                          <a:spcPts val="300"/>
-                        </a:spcAft>
-                      </a:pPr>
-                      <a:r>
-                        <a:rPr lang="zh-CN" sz="1050" kern="100">
-                          <a:effectLst/>
-                          <a:latin typeface="宋体"/>
-                          <a:cs typeface="Times New Roman"/>
-                        </a:rPr>
-                        <a:t>算法难度</a:t>
-                      </a:r>
-                    </a:p>
-                  </a:txBody>
-                  <a:tcPr marL="9525" marR="9525" marT="9525" marB="0" anchor="b">
-                    <a:lnL>
-                      <a:noFill/>
-                    </a:lnL>
-                    <a:lnR>
-                      <a:noFill/>
-                    </a:lnR>
-                    <a:lnT>
-                      <a:noFill/>
-                    </a:lnT>
-                    <a:lnB>
-                      <a:noFill/>
-                    </a:lnB>
-                    <a:solidFill>
-                      <a:srgbClr val="FFFFFF"/>
-                    </a:solidFill>
-                  </a:tcPr>
-                </a:tc>
-                <a:tc>
-                  <a:txBody>
-                    <a:bodyPr/>
-                    <a:lstStyle/>
-                    <a:p>
-                      <a:pPr algn="ctr">
-                        <a:spcBef>
-                          <a:spcPts val="300"/>
-                        </a:spcBef>
-                        <a:spcAft>
-                          <a:spcPts val="300"/>
-                        </a:spcAft>
-                      </a:pPr>
-                      <a:r>
-                        <a:rPr lang="zh-CN" sz="1050" kern="100">
-                          <a:effectLst/>
-                          <a:latin typeface="宋体"/>
-                          <a:cs typeface="Times New Roman"/>
-                        </a:rPr>
-                        <a:t>前期路径规划，</a:t>
-                      </a:r>
-                      <a:r>
-                        <a:rPr lang="en-US" sz="1050" kern="100">
-                          <a:effectLst/>
-                          <a:latin typeface="宋体"/>
-                          <a:cs typeface="Times New Roman"/>
-                        </a:rPr>
-                        <a:t>NP</a:t>
-                      </a:r>
-                      <a:r>
-                        <a:rPr lang="zh-CN" sz="1050" kern="100">
-                          <a:effectLst/>
-                          <a:latin typeface="宋体"/>
-                          <a:cs typeface="Times New Roman"/>
-                        </a:rPr>
-                        <a:t>问题</a:t>
-                      </a:r>
-                    </a:p>
-                  </a:txBody>
-                  <a:tcPr marL="9525" marR="9525" marT="9525" marB="0" anchor="b">
-                    <a:lnL>
-                      <a:noFill/>
-                    </a:lnL>
-                    <a:lnR>
-                      <a:noFill/>
-                    </a:lnR>
-                    <a:lnT>
-                      <a:noFill/>
-                    </a:lnT>
-                    <a:lnB>
-                      <a:noFill/>
-                    </a:lnB>
-                    <a:solidFill>
-                      <a:srgbClr val="FFFFFF"/>
-                    </a:solidFill>
-                  </a:tcPr>
-                </a:tc>
-                <a:tc>
-                  <a:txBody>
-                    <a:bodyPr/>
-                    <a:lstStyle/>
-                    <a:p>
-                      <a:pPr algn="ctr">
-                        <a:spcBef>
-                          <a:spcPts val="300"/>
-                        </a:spcBef>
-                        <a:spcAft>
-                          <a:spcPts val="300"/>
-                        </a:spcAft>
-                      </a:pPr>
-                      <a:r>
-                        <a:rPr lang="zh-CN" sz="1050" kern="100">
-                          <a:effectLst/>
-                          <a:latin typeface="宋体"/>
-                          <a:cs typeface="Times New Roman"/>
-                        </a:rPr>
-                        <a:t>后期图像处理，可借助</a:t>
-                      </a:r>
-                      <a:r>
-                        <a:rPr lang="en-US" sz="1050" kern="100">
-                          <a:effectLst/>
-                          <a:latin typeface="宋体"/>
-                          <a:cs typeface="Times New Roman"/>
-                        </a:rPr>
-                        <a:t>GPU</a:t>
-                      </a:r>
-                      <a:r>
-                        <a:rPr lang="zh-CN" sz="1050" kern="100">
-                          <a:effectLst/>
-                          <a:latin typeface="宋体"/>
-                          <a:cs typeface="Times New Roman"/>
-                        </a:rPr>
-                        <a:t>并行处理</a:t>
-                      </a:r>
-                    </a:p>
-                  </a:txBody>
-                  <a:tcPr marL="9525" marR="9525" marT="9525" marB="0" anchor="b">
-                    <a:lnL>
-                      <a:noFill/>
-                    </a:lnL>
-                    <a:lnR>
-                      <a:noFill/>
-                    </a:lnR>
-                    <a:lnT>
-                      <a:noFill/>
-                    </a:lnT>
-                    <a:lnB>
-                      <a:noFill/>
-                    </a:lnB>
-                    <a:solidFill>
-                      <a:srgbClr val="FFFFFF"/>
-                    </a:solidFill>
-                  </a:tcPr>
-                </a:tc>
-              </a:tr>
-              <a:tr h="199390">
-                <a:tc>
-                  <a:txBody>
-                    <a:bodyPr/>
-                    <a:lstStyle/>
-                    <a:p>
-                      <a:pPr algn="ctr">
-                        <a:spcBef>
-                          <a:spcPts val="300"/>
-                        </a:spcBef>
-                        <a:spcAft>
-                          <a:spcPts val="300"/>
-                        </a:spcAft>
-                      </a:pPr>
-                      <a:r>
-                        <a:rPr lang="zh-CN" sz="1050" kern="100">
-                          <a:effectLst/>
-                          <a:latin typeface="宋体"/>
-                          <a:cs typeface="Times New Roman"/>
-                        </a:rPr>
-                        <a:t>成本</a:t>
-                      </a:r>
-                    </a:p>
-                  </a:txBody>
-                  <a:tcPr marL="9525" marR="9525" marT="9525" marB="0" anchor="b">
-                    <a:lnL>
-                      <a:noFill/>
-                    </a:lnL>
-                    <a:lnR>
-                      <a:noFill/>
-                    </a:lnR>
-                    <a:lnT>
-                      <a:noFill/>
-                    </a:lnT>
-                    <a:lnB>
-                      <a:noFill/>
-                    </a:lnB>
-                    <a:solidFill>
-                      <a:srgbClr val="FFFFFF"/>
-                    </a:solidFill>
-                  </a:tcPr>
-                </a:tc>
-                <a:tc>
-                  <a:txBody>
-                    <a:bodyPr/>
-                    <a:lstStyle/>
-                    <a:p>
-                      <a:pPr algn="ctr">
-                        <a:spcBef>
-                          <a:spcPts val="300"/>
-                        </a:spcBef>
-                        <a:spcAft>
-                          <a:spcPts val="300"/>
-                        </a:spcAft>
-                      </a:pPr>
-                      <a:r>
-                        <a:rPr lang="zh-CN" sz="1050" kern="100">
-                          <a:effectLst/>
-                          <a:latin typeface="宋体"/>
-                          <a:cs typeface="Times New Roman"/>
-                        </a:rPr>
-                        <a:t>非常昂贵，维护成本高</a:t>
-                      </a:r>
-                    </a:p>
-                  </a:txBody>
-                  <a:tcPr marL="9525" marR="9525" marT="9525" marB="0" anchor="b">
-                    <a:lnL>
-                      <a:noFill/>
-                    </a:lnL>
-                    <a:lnR>
-                      <a:noFill/>
-                    </a:lnR>
-                    <a:lnT>
-                      <a:noFill/>
-                    </a:lnT>
-                    <a:lnB>
-                      <a:noFill/>
-                    </a:lnB>
-                    <a:solidFill>
-                      <a:srgbClr val="FFFFFF"/>
-                    </a:solidFill>
-                  </a:tcPr>
-                </a:tc>
-                <a:tc>
-                  <a:txBody>
-                    <a:bodyPr/>
-                    <a:lstStyle/>
-                    <a:p>
-                      <a:pPr algn="ctr">
-                        <a:spcBef>
-                          <a:spcPts val="300"/>
-                        </a:spcBef>
-                        <a:spcAft>
-                          <a:spcPts val="300"/>
-                        </a:spcAft>
-                      </a:pPr>
-                      <a:r>
-                        <a:rPr lang="zh-CN" sz="1050" kern="100">
-                          <a:effectLst/>
-                          <a:latin typeface="宋体"/>
-                          <a:cs typeface="Times New Roman"/>
-                        </a:rPr>
-                        <a:t>较昂贵，但设备普及</a:t>
-                      </a:r>
-                    </a:p>
-                  </a:txBody>
-                  <a:tcPr marL="9525" marR="9525" marT="9525" marB="0" anchor="b">
-                    <a:lnL>
-                      <a:noFill/>
-                    </a:lnL>
-                    <a:lnR>
-                      <a:noFill/>
-                    </a:lnR>
-                    <a:lnT>
-                      <a:noFill/>
-                    </a:lnT>
-                    <a:lnB>
-                      <a:noFill/>
-                    </a:lnB>
-                    <a:solidFill>
-                      <a:srgbClr val="FFFFFF"/>
-                    </a:solidFill>
-                  </a:tcPr>
-                </a:tc>
-              </a:tr>
-              <a:tr h="171450">
-                <a:tc>
-                  <a:txBody>
-                    <a:bodyPr/>
-                    <a:lstStyle/>
-                    <a:p>
-                      <a:pPr algn="ctr">
-                        <a:spcBef>
-                          <a:spcPts val="300"/>
-                        </a:spcBef>
-                        <a:spcAft>
-                          <a:spcPts val="300"/>
-                        </a:spcAft>
-                      </a:pPr>
-                      <a:r>
-                        <a:rPr lang="zh-CN" sz="1050" kern="100">
-                          <a:effectLst/>
-                          <a:latin typeface="宋体"/>
-                          <a:cs typeface="Times New Roman"/>
-                        </a:rPr>
-                        <a:t>便携</a:t>
-                      </a:r>
-                    </a:p>
-                  </a:txBody>
-                  <a:tcPr marL="9525" marR="9525" marT="9525" marB="0" anchor="b">
-                    <a:lnL>
-                      <a:noFill/>
-                    </a:lnL>
-                    <a:lnR>
-                      <a:noFill/>
-                    </a:lnR>
-                    <a:lnT>
-                      <a:noFill/>
-                    </a:lnT>
-                    <a:lnB>
-                      <a:noFill/>
-                    </a:lnB>
-                    <a:solidFill>
-                      <a:srgbClr val="FFFFFF"/>
-                    </a:solidFill>
-                  </a:tcPr>
-                </a:tc>
-                <a:tc>
-                  <a:txBody>
-                    <a:bodyPr/>
-                    <a:lstStyle/>
-                    <a:p>
-                      <a:pPr algn="ctr">
-                        <a:spcBef>
-                          <a:spcPts val="300"/>
-                        </a:spcBef>
-                        <a:spcAft>
-                          <a:spcPts val="300"/>
-                        </a:spcAft>
-                      </a:pPr>
-                      <a:r>
-                        <a:rPr lang="zh-CN" sz="1050" kern="100">
-                          <a:effectLst/>
-                          <a:latin typeface="宋体"/>
-                          <a:cs typeface="Times New Roman"/>
-                        </a:rPr>
-                        <a:t>由于测量精度要求，无法随意移动</a:t>
-                      </a:r>
-                    </a:p>
-                  </a:txBody>
-                  <a:tcPr marL="9525" marR="9525" marT="9525" marB="0" anchor="b">
-                    <a:lnL>
-                      <a:noFill/>
-                    </a:lnL>
-                    <a:lnR>
-                      <a:noFill/>
-                    </a:lnR>
-                    <a:lnT>
-                      <a:noFill/>
-                    </a:lnT>
-                    <a:lnB>
-                      <a:noFill/>
-                    </a:lnB>
-                    <a:solidFill>
-                      <a:srgbClr val="FFFFFF"/>
-                    </a:solidFill>
-                  </a:tcPr>
-                </a:tc>
-                <a:tc>
-                  <a:txBody>
-                    <a:bodyPr/>
-                    <a:lstStyle/>
-                    <a:p>
-                      <a:pPr algn="ctr">
-                        <a:spcBef>
-                          <a:spcPts val="300"/>
-                        </a:spcBef>
-                        <a:spcAft>
-                          <a:spcPts val="300"/>
-                        </a:spcAft>
-                      </a:pPr>
-                      <a:r>
-                        <a:rPr lang="zh-CN" sz="1050" kern="100">
-                          <a:effectLst/>
-                          <a:latin typeface="宋体"/>
-                          <a:cs typeface="Times New Roman"/>
-                        </a:rPr>
-                        <a:t>部分方案，可随意移动</a:t>
-                      </a:r>
-                    </a:p>
-                  </a:txBody>
-                  <a:tcPr marL="9525" marR="9525" marT="9525" marB="0" anchor="b">
-                    <a:lnL>
-                      <a:noFill/>
-                    </a:lnL>
-                    <a:lnR>
-                      <a:noFill/>
-                    </a:lnR>
-                    <a:lnT>
-                      <a:noFill/>
-                    </a:lnT>
-                    <a:lnB>
-                      <a:noFill/>
-                    </a:lnB>
-                    <a:solidFill>
-                      <a:srgbClr val="FFFFFF"/>
-                    </a:solidFill>
-                  </a:tcPr>
-                </a:tc>
-              </a:tr>
-              <a:tr h="67310">
-                <a:tc>
-                  <a:txBody>
-                    <a:bodyPr/>
-                    <a:lstStyle/>
-                    <a:p>
-                      <a:pPr algn="ctr">
-                        <a:spcBef>
-                          <a:spcPts val="300"/>
-                        </a:spcBef>
-                        <a:spcAft>
-                          <a:spcPts val="300"/>
-                        </a:spcAft>
-                      </a:pPr>
-                      <a:r>
-                        <a:rPr lang="zh-CN" sz="1050" kern="100">
-                          <a:effectLst/>
-                          <a:latin typeface="宋体"/>
-                          <a:cs typeface="Times New Roman"/>
-                        </a:rPr>
-                        <a:t>精度</a:t>
-                      </a:r>
-                    </a:p>
-                  </a:txBody>
-                  <a:tcPr marL="9525" marR="9525" marT="9525" marB="0" anchor="b">
-                    <a:lnL>
-                      <a:noFill/>
-                    </a:lnL>
-                    <a:lnR>
-                      <a:noFill/>
-                    </a:lnR>
-                    <a:lnT>
-                      <a:noFill/>
-                    </a:lnT>
-                    <a:lnB>
-                      <a:noFill/>
-                    </a:lnB>
-                    <a:solidFill>
-                      <a:srgbClr val="FFFFFF"/>
-                    </a:solidFill>
-                  </a:tcPr>
-                </a:tc>
-                <a:tc>
-                  <a:txBody>
-                    <a:bodyPr/>
-                    <a:lstStyle/>
-                    <a:p>
-                      <a:pPr algn="ctr">
-                        <a:spcBef>
-                          <a:spcPts val="300"/>
-                        </a:spcBef>
-                        <a:spcAft>
-                          <a:spcPts val="300"/>
-                        </a:spcAft>
-                      </a:pPr>
-                      <a:r>
-                        <a:rPr lang="zh-CN" sz="1050" kern="100">
-                          <a:effectLst/>
-                          <a:latin typeface="宋体"/>
-                          <a:cs typeface="Times New Roman"/>
-                        </a:rPr>
-                        <a:t>非常高</a:t>
-                      </a:r>
-                    </a:p>
-                  </a:txBody>
-                  <a:tcPr marL="9525" marR="9525" marT="9525" marB="0" anchor="b">
-                    <a:lnL>
-                      <a:noFill/>
-                    </a:lnL>
-                    <a:lnR>
-                      <a:noFill/>
-                    </a:lnR>
-                    <a:lnT>
-                      <a:noFill/>
-                    </a:lnT>
-                    <a:lnB>
-                      <a:noFill/>
-                    </a:lnB>
-                    <a:solidFill>
-                      <a:srgbClr val="FFFFFF"/>
-                    </a:solidFill>
-                  </a:tcPr>
-                </a:tc>
-                <a:tc>
-                  <a:txBody>
-                    <a:bodyPr/>
-                    <a:lstStyle/>
-                    <a:p>
-                      <a:pPr algn="ctr">
-                        <a:spcBef>
-                          <a:spcPts val="300"/>
-                        </a:spcBef>
-                        <a:spcAft>
-                          <a:spcPts val="300"/>
-                        </a:spcAft>
-                      </a:pPr>
-                      <a:r>
-                        <a:rPr lang="zh-CN" sz="1050" kern="100">
-                          <a:effectLst/>
-                          <a:latin typeface="宋体"/>
-                          <a:cs typeface="Times New Roman"/>
-                        </a:rPr>
-                        <a:t>还原三维模型，精度差</a:t>
-                      </a:r>
-                    </a:p>
-                  </a:txBody>
-                  <a:tcPr marL="9525" marR="9525" marT="9525" marB="0" anchor="b">
-                    <a:lnL>
-                      <a:noFill/>
-                    </a:lnL>
-                    <a:lnR>
-                      <a:noFill/>
-                    </a:lnR>
-                    <a:lnT>
-                      <a:noFill/>
-                    </a:lnT>
-                    <a:lnB>
-                      <a:noFill/>
-                    </a:lnB>
-                    <a:solidFill>
-                      <a:srgbClr val="FFFFFF"/>
-                    </a:solidFill>
-                  </a:tcPr>
-                </a:tc>
-              </a:tr>
-              <a:tr h="171450">
-                <a:tc>
-                  <a:txBody>
-                    <a:bodyPr/>
-                    <a:lstStyle/>
-                    <a:p>
-                      <a:pPr algn="ctr">
-                        <a:spcBef>
-                          <a:spcPts val="300"/>
-                        </a:spcBef>
-                        <a:spcAft>
-                          <a:spcPts val="300"/>
-                        </a:spcAft>
-                      </a:pPr>
-                      <a:r>
-                        <a:rPr lang="zh-CN" sz="1050" kern="100">
-                          <a:effectLst/>
-                          <a:latin typeface="宋体"/>
-                          <a:cs typeface="Times New Roman"/>
-                        </a:rPr>
-                        <a:t>时间</a:t>
-                      </a:r>
-                    </a:p>
-                  </a:txBody>
-                  <a:tcPr marL="9525" marR="9525" marT="9525" marB="0" anchor="b">
-                    <a:lnL>
-                      <a:noFill/>
-                    </a:lnL>
-                    <a:lnR>
-                      <a:noFill/>
-                    </a:lnR>
-                    <a:lnT>
-                      <a:noFill/>
-                    </a:lnT>
-                    <a:lnB w="12700" cap="flat" cmpd="sng" algn="ctr">
-                      <a:solidFill>
-                        <a:srgbClr val="000000"/>
-                      </a:solidFill>
-                      <a:prstDash val="solid"/>
-                      <a:round/>
-                      <a:headEnd type="none" w="med" len="med"/>
-                      <a:tailEnd type="none" w="med" len="med"/>
-                    </a:lnB>
-                    <a:solidFill>
-                      <a:srgbClr val="FFFFFF"/>
-                    </a:solidFill>
-                  </a:tcPr>
-                </a:tc>
-                <a:tc>
-                  <a:txBody>
-                    <a:bodyPr/>
-                    <a:lstStyle/>
-                    <a:p>
-                      <a:pPr algn="ctr">
-                        <a:spcBef>
-                          <a:spcPts val="300"/>
-                        </a:spcBef>
-                        <a:spcAft>
-                          <a:spcPts val="300"/>
-                        </a:spcAft>
-                      </a:pPr>
-                      <a:r>
-                        <a:rPr lang="zh-CN" sz="1050" kern="100">
-                          <a:effectLst/>
-                          <a:latin typeface="宋体"/>
-                          <a:cs typeface="Times New Roman"/>
-                        </a:rPr>
-                        <a:t>前期路径规划时间长，测量时间长</a:t>
-                      </a:r>
-                    </a:p>
-                  </a:txBody>
-                  <a:tcPr marL="9525" marR="9525" marT="9525" marB="0" anchor="b">
-                    <a:lnL>
-                      <a:noFill/>
-                    </a:lnL>
-                    <a:lnR>
-                      <a:noFill/>
-                    </a:lnR>
-                    <a:lnT>
-                      <a:noFill/>
-                    </a:lnT>
-                    <a:lnB w="12700" cap="flat" cmpd="sng" algn="ctr">
-                      <a:solidFill>
-                        <a:srgbClr val="000000"/>
-                      </a:solidFill>
-                      <a:prstDash val="solid"/>
-                      <a:round/>
-                      <a:headEnd type="none" w="med" len="med"/>
-                      <a:tailEnd type="none" w="med" len="med"/>
-                    </a:lnB>
-                    <a:solidFill>
-                      <a:srgbClr val="FFFFFF"/>
-                    </a:solidFill>
-                  </a:tcPr>
-                </a:tc>
-                <a:tc>
-                  <a:txBody>
-                    <a:bodyPr/>
-                    <a:lstStyle/>
-                    <a:p>
-                      <a:pPr algn="ctr">
-                        <a:spcBef>
-                          <a:spcPts val="300"/>
-                        </a:spcBef>
-                        <a:spcAft>
-                          <a:spcPts val="300"/>
-                        </a:spcAft>
-                      </a:pPr>
-                      <a:r>
-                        <a:rPr lang="zh-CN" sz="1050" kern="100" dirty="0">
-                          <a:effectLst/>
-                          <a:latin typeface="宋体"/>
-                          <a:cs typeface="Times New Roman"/>
-                        </a:rPr>
-                        <a:t>测量时间短，处理时间较长</a:t>
-                      </a:r>
-                    </a:p>
-                  </a:txBody>
-                  <a:tcPr marL="9525" marR="9525" marT="9525" marB="0" anchor="b">
-                    <a:lnL>
-                      <a:noFill/>
-                    </a:lnL>
-                    <a:lnR>
-                      <a:noFill/>
-                    </a:lnR>
-                    <a:lnT>
-                      <a:noFill/>
-                    </a:lnT>
-                    <a:lnB w="12700" cap="flat" cmpd="sng" algn="ctr">
-                      <a:solidFill>
-                        <a:srgbClr val="000000"/>
-                      </a:solidFill>
-                      <a:prstDash val="solid"/>
-                      <a:round/>
-                      <a:headEnd type="none" w="med" len="med"/>
-                      <a:tailEnd type="none" w="med" len="med"/>
-                    </a:lnB>
-                    <a:solidFill>
-                      <a:srgbClr val="FFFFFF"/>
-                    </a:solidFill>
-                  </a:tcPr>
-                </a:tc>
-              </a:tr>
-            </a:tbl>
-          </a:graphicData>
-        </a:graphic>
-      </p:graphicFrame>
-      <p:sp>
-        <p:nvSpPr>
-          <p:cNvPr id="10" name="Rectangle 3"/>
-          <p:cNvSpPr>
-            <a:spLocks noChangeArrowheads="1"/>
-          </p:cNvSpPr>
-          <p:nvPr/>
         </p:nvSpPr>
         <p:spPr bwMode="auto">
           <a:xfrm>
-            <a:off x="1784350" y="2816225"/>
+            <a:off x="107504" y="548680"/>
             <a:ext cx="9144000" cy="457200"/>
           </a:xfrm>
           <a:prstGeom prst="rect">
@@ -4413,7 +3190,7 @@
               <a:tabLst/>
             </a:pPr>
             <a:r>
-              <a:rPr kumimoji="0" lang="zh-CN" altLang="zh-CN" sz="1000" b="0" i="0" u="none" strike="noStrike" cap="none" normalizeH="0" baseline="0" smtClean="0">
+              <a:rPr kumimoji="0" lang="zh-CN" altLang="zh-CN" sz="1000" b="0" i="0" u="none" strike="noStrike" cap="none" normalizeH="0" baseline="0" dirty="0" smtClean="0">
                 <a:ln>
                   <a:noFill/>
                 </a:ln>
@@ -4428,7 +3205,7 @@
               <a:t>表 </a:t>
             </a:r>
             <a:r>
-              <a:rPr kumimoji="0" lang="en-US" altLang="zh-CN" sz="1000" b="0" i="0" u="none" strike="noStrike" cap="none" normalizeH="0" baseline="0" smtClean="0">
+              <a:rPr kumimoji="0" lang="en-US" altLang="zh-CN" sz="1000" b="0" i="0" u="none" strike="noStrike" cap="none" normalizeH="0" baseline="0" dirty="0" smtClean="0">
                 <a:ln>
                   <a:noFill/>
                 </a:ln>
@@ -4443,7 +3220,7 @@
               <a:t>1</a:t>
             </a:r>
             <a:r>
-              <a:rPr kumimoji="0" lang="zh-CN" altLang="en-US" sz="1000" b="0" i="0" u="none" strike="noStrike" cap="none" normalizeH="0" baseline="0" smtClean="0">
+              <a:rPr kumimoji="0" lang="zh-CN" altLang="en-US" sz="1000" b="0" i="0" u="none" strike="noStrike" cap="none" normalizeH="0" baseline="0" dirty="0" smtClean="0">
                 <a:ln>
                   <a:noFill/>
                 </a:ln>
@@ -4457,7 +3234,7 @@
               </a:rPr>
               <a:t>三维测量方法对比</a:t>
             </a:r>
-            <a:endParaRPr kumimoji="0" lang="zh-CN" altLang="en-US" sz="1800" b="0" i="0" u="none" strike="noStrike" cap="none" normalizeH="0" baseline="0" smtClean="0">
+            <a:endParaRPr kumimoji="0" lang="zh-CN" altLang="en-US" sz="1800" b="0" i="0" u="none" strike="noStrike" cap="none" normalizeH="0" baseline="0" dirty="0" smtClean="0">
               <a:ln>
                 <a:noFill/>
               </a:ln>
@@ -4472,10 +3249,1483 @@
           </a:p>
         </p:txBody>
       </p:sp>
+      <p:graphicFrame>
+        <p:nvGraphicFramePr>
+          <p:cNvPr id="3" name="对象 2"/>
+          <p:cNvGraphicFramePr>
+            <a:graphicFrameLocks noChangeAspect="1"/>
+          </p:cNvGraphicFramePr>
+          <p:nvPr>
+            <p:extLst>
+              <p:ext uri="{D42A27DB-BD31-4B8C-83A1-F6EECF244321}">
+                <p14:modId xmlns:p14="http://schemas.microsoft.com/office/powerpoint/2010/main" val="2013690901"/>
+              </p:ext>
+            </p:extLst>
+          </p:nvPr>
+        </p:nvGraphicFramePr>
+        <p:xfrm>
+          <a:off x="1882329" y="1018565"/>
+          <a:ext cx="5594350" cy="3640137"/>
+        </p:xfrm>
+        <a:graphic>
+          <a:graphicData uri="http://schemas.openxmlformats.org/presentationml/2006/ole">
+            <mc:AlternateContent xmlns:mc="http://schemas.openxmlformats.org/markup-compatibility/2006">
+              <mc:Choice xmlns:v="urn:schemas-microsoft-com:vml" Requires="v">
+                <p:oleObj spid="_x0000_s1029" name="文档" r:id="rId3" imgW="5594453" imgH="3640410" progId="Word.Document.12">
+                  <p:embed/>
+                </p:oleObj>
+              </mc:Choice>
+              <mc:Fallback>
+                <p:oleObj name="文档" r:id="rId3" imgW="5594453" imgH="3640410" progId="Word.Document.12">
+                  <p:embed/>
+                  <p:pic>
+                    <p:nvPicPr>
+                      <p:cNvPr id="0" name=""/>
+                      <p:cNvPicPr/>
+                      <p:nvPr/>
+                    </p:nvPicPr>
+                    <p:blipFill>
+                      <a:blip r:embed="rId4"/>
+                      <a:stretch>
+                        <a:fillRect/>
+                      </a:stretch>
+                    </p:blipFill>
+                    <p:spPr>
+                      <a:xfrm>
+                        <a:off x="1882329" y="1018565"/>
+                        <a:ext cx="5594350" cy="3640137"/>
+                      </a:xfrm>
+                      <a:prstGeom prst="rect">
+                        <a:avLst/>
+                      </a:prstGeom>
+                    </p:spPr>
+                  </p:pic>
+                </p:oleObj>
+              </mc:Fallback>
+            </mc:AlternateContent>
+          </a:graphicData>
+        </a:graphic>
+      </p:graphicFrame>
     </p:spTree>
     <p:extLst>
       <p:ext uri="{BB962C8B-B14F-4D97-AF65-F5344CB8AC3E}">
         <p14:creationId xmlns:p14="http://schemas.microsoft.com/office/powerpoint/2010/main" val="4180933587"/>
+      </p:ext>
+    </p:extLst>
+  </p:cSld>
+  <p:clrMapOvr>
+    <a:masterClrMapping/>
+  </p:clrMapOvr>
+</p:sld>
+</file>
+
+<file path=ppt/slides/slide2.xml><?xml version="1.0" encoding="utf-8"?>
+<p:sld xmlns:a="http://schemas.openxmlformats.org/drawingml/2006/main" xmlns:r="http://schemas.openxmlformats.org/officeDocument/2006/relationships" xmlns:p="http://schemas.openxmlformats.org/presentationml/2006/main">
+  <p:cSld>
+    <p:spTree>
+      <p:nvGrpSpPr>
+        <p:cNvPr id="1" name=""/>
+        <p:cNvGrpSpPr/>
+        <p:nvPr/>
+      </p:nvGrpSpPr>
+      <p:grpSpPr>
+        <a:xfrm>
+          <a:off x="0" y="0"/>
+          <a:ext cx="0" cy="0"/>
+          <a:chOff x="0" y="0"/>
+          <a:chExt cx="0" cy="0"/>
+        </a:xfrm>
+      </p:grpSpPr>
+      <p:sp>
+        <p:nvSpPr>
+          <p:cNvPr id="33" name="任意多边形 32"/>
+          <p:cNvSpPr/>
+          <p:nvPr/>
+        </p:nvSpPr>
+        <p:spPr>
+          <a:xfrm>
+            <a:off x="3917511" y="3579293"/>
+            <a:ext cx="349286" cy="704374"/>
+          </a:xfrm>
+          <a:custGeom>
+            <a:avLst/>
+            <a:gdLst>
+              <a:gd name="connsiteX0" fmla="*/ 0 w 1266092"/>
+              <a:gd name="connsiteY0" fmla="*/ 729762 h 1139568"/>
+              <a:gd name="connsiteX1" fmla="*/ 1028700 w 1266092"/>
+              <a:gd name="connsiteY1" fmla="*/ 1107831 h 1139568"/>
+              <a:gd name="connsiteX2" fmla="*/ 1266092 w 1266092"/>
+              <a:gd name="connsiteY2" fmla="*/ 0 h 1139568"/>
+            </a:gdLst>
+            <a:ahLst/>
+            <a:cxnLst>
+              <a:cxn ang="0">
+                <a:pos x="connsiteX0" y="connsiteY0"/>
+              </a:cxn>
+              <a:cxn ang="0">
+                <a:pos x="connsiteX1" y="connsiteY1"/>
+              </a:cxn>
+              <a:cxn ang="0">
+                <a:pos x="connsiteX2" y="connsiteY2"/>
+              </a:cxn>
+            </a:cxnLst>
+            <a:rect l="l" t="t" r="r" b="b"/>
+            <a:pathLst>
+              <a:path w="1266092" h="1139568">
+                <a:moveTo>
+                  <a:pt x="0" y="729762"/>
+                </a:moveTo>
+                <a:cubicBezTo>
+                  <a:pt x="408842" y="979610"/>
+                  <a:pt x="817685" y="1229458"/>
+                  <a:pt x="1028700" y="1107831"/>
+                </a:cubicBezTo>
+                <a:cubicBezTo>
+                  <a:pt x="1239715" y="986204"/>
+                  <a:pt x="1219200" y="118696"/>
+                  <a:pt x="1266092" y="0"/>
+                </a:cubicBezTo>
+              </a:path>
+            </a:pathLst>
+          </a:custGeom>
+          <a:noFill/>
+          <a:ln>
+            <a:solidFill>
+              <a:schemeClr val="tx1"/>
+            </a:solidFill>
+          </a:ln>
+        </p:spPr>
+        <p:style>
+          <a:lnRef idx="2">
+            <a:schemeClr val="accent1">
+              <a:shade val="50000"/>
+            </a:schemeClr>
+          </a:lnRef>
+          <a:fillRef idx="1">
+            <a:schemeClr val="accent1"/>
+          </a:fillRef>
+          <a:effectRef idx="0">
+            <a:schemeClr val="accent1"/>
+          </a:effectRef>
+          <a:fontRef idx="minor">
+            <a:schemeClr val="lt1"/>
+          </a:fontRef>
+        </p:style>
+        <p:txBody>
+          <a:bodyPr rtlCol="0" anchor="ctr"/>
+          <a:lstStyle/>
+          <a:p>
+            <a:pPr algn="ctr"/>
+            <a:endParaRPr lang="zh-CN" altLang="en-US"/>
+          </a:p>
+        </p:txBody>
+      </p:sp>
+      <p:pic>
+        <p:nvPicPr>
+          <p:cNvPr id="2051" name="Picture 3"/>
+          <p:cNvPicPr>
+            <a:picLocks noChangeAspect="1" noChangeArrowheads="1"/>
+          </p:cNvPicPr>
+          <p:nvPr/>
+        </p:nvPicPr>
+        <p:blipFill>
+          <a:blip r:embed="rId2" cstate="print">
+            <a:extLst>
+              <a:ext uri="{28A0092B-C50C-407E-A947-70E740481C1C}">
+                <a14:useLocalDpi xmlns:a14="http://schemas.microsoft.com/office/drawing/2010/main" val="0"/>
+              </a:ext>
+            </a:extLst>
+          </a:blip>
+          <a:srcRect/>
+          <a:stretch>
+            <a:fillRect/>
+          </a:stretch>
+        </p:blipFill>
+        <p:spPr bwMode="auto">
+          <a:xfrm>
+            <a:off x="4320438" y="3300781"/>
+            <a:ext cx="611126" cy="423477"/>
+          </a:xfrm>
+          <a:prstGeom prst="rect">
+            <a:avLst/>
+          </a:prstGeom>
+          <a:noFill/>
+          <a:ln>
+            <a:noFill/>
+          </a:ln>
+          <a:extLst>
+            <a:ext uri="{909E8E84-426E-40DD-AFC4-6F175D3DCCD1}">
+              <a14:hiddenFill xmlns:a14="http://schemas.microsoft.com/office/drawing/2010/main">
+                <a:solidFill>
+                  <a:schemeClr val="accent1"/>
+                </a:solidFill>
+              </a14:hiddenFill>
+            </a:ext>
+            <a:ext uri="{91240B29-F687-4F45-9708-019B960494DF}">
+              <a14:hiddenLine xmlns:a14="http://schemas.microsoft.com/office/drawing/2010/main" w="9525">
+                <a:solidFill>
+                  <a:schemeClr val="tx1"/>
+                </a:solidFill>
+                <a:miter lim="800000"/>
+                <a:headEnd/>
+                <a:tailEnd/>
+              </a14:hiddenLine>
+            </a:ext>
+          </a:extLst>
+        </p:spPr>
+      </p:pic>
+      <p:sp>
+        <p:nvSpPr>
+          <p:cNvPr id="25" name="任意多边形 24"/>
+          <p:cNvSpPr/>
+          <p:nvPr/>
+        </p:nvSpPr>
+        <p:spPr>
+          <a:xfrm>
+            <a:off x="4020079" y="3821261"/>
+            <a:ext cx="390734" cy="899478"/>
+          </a:xfrm>
+          <a:custGeom>
+            <a:avLst/>
+            <a:gdLst>
+              <a:gd name="connsiteX0" fmla="*/ 0 w 1266092"/>
+              <a:gd name="connsiteY0" fmla="*/ 729762 h 1139568"/>
+              <a:gd name="connsiteX1" fmla="*/ 1028700 w 1266092"/>
+              <a:gd name="connsiteY1" fmla="*/ 1107831 h 1139568"/>
+              <a:gd name="connsiteX2" fmla="*/ 1266092 w 1266092"/>
+              <a:gd name="connsiteY2" fmla="*/ 0 h 1139568"/>
+            </a:gdLst>
+            <a:ahLst/>
+            <a:cxnLst>
+              <a:cxn ang="0">
+                <a:pos x="connsiteX0" y="connsiteY0"/>
+              </a:cxn>
+              <a:cxn ang="0">
+                <a:pos x="connsiteX1" y="connsiteY1"/>
+              </a:cxn>
+              <a:cxn ang="0">
+                <a:pos x="connsiteX2" y="connsiteY2"/>
+              </a:cxn>
+            </a:cxnLst>
+            <a:rect l="l" t="t" r="r" b="b"/>
+            <a:pathLst>
+              <a:path w="1266092" h="1139568">
+                <a:moveTo>
+                  <a:pt x="0" y="729762"/>
+                </a:moveTo>
+                <a:cubicBezTo>
+                  <a:pt x="408842" y="979610"/>
+                  <a:pt x="817685" y="1229458"/>
+                  <a:pt x="1028700" y="1107831"/>
+                </a:cubicBezTo>
+                <a:cubicBezTo>
+                  <a:pt x="1239715" y="986204"/>
+                  <a:pt x="1219200" y="118696"/>
+                  <a:pt x="1266092" y="0"/>
+                </a:cubicBezTo>
+              </a:path>
+            </a:pathLst>
+          </a:custGeom>
+          <a:noFill/>
+          <a:ln>
+            <a:solidFill>
+              <a:schemeClr val="tx1"/>
+            </a:solidFill>
+          </a:ln>
+        </p:spPr>
+        <p:style>
+          <a:lnRef idx="2">
+            <a:schemeClr val="accent1">
+              <a:shade val="50000"/>
+            </a:schemeClr>
+          </a:lnRef>
+          <a:fillRef idx="1">
+            <a:schemeClr val="accent1"/>
+          </a:fillRef>
+          <a:effectRef idx="0">
+            <a:schemeClr val="accent1"/>
+          </a:effectRef>
+          <a:fontRef idx="minor">
+            <a:schemeClr val="lt1"/>
+          </a:fontRef>
+        </p:style>
+        <p:txBody>
+          <a:bodyPr rtlCol="0" anchor="ctr"/>
+          <a:lstStyle/>
+          <a:p>
+            <a:pPr algn="ctr"/>
+            <a:endParaRPr lang="zh-CN" altLang="en-US"/>
+          </a:p>
+        </p:txBody>
+      </p:sp>
+      <p:sp>
+        <p:nvSpPr>
+          <p:cNvPr id="22" name="圆角矩形 21"/>
+          <p:cNvSpPr/>
+          <p:nvPr/>
+        </p:nvSpPr>
+        <p:spPr>
+          <a:xfrm>
+            <a:off x="3555003" y="4393909"/>
+            <a:ext cx="561372" cy="225128"/>
+          </a:xfrm>
+          <a:prstGeom prst="roundRect">
+            <a:avLst/>
+          </a:prstGeom>
+          <a:solidFill>
+            <a:schemeClr val="bg1"/>
+          </a:solidFill>
+          <a:ln w="28575">
+            <a:solidFill>
+              <a:schemeClr val="tx1"/>
+            </a:solidFill>
+          </a:ln>
+        </p:spPr>
+        <p:style>
+          <a:lnRef idx="2">
+            <a:schemeClr val="accent1">
+              <a:shade val="50000"/>
+            </a:schemeClr>
+          </a:lnRef>
+          <a:fillRef idx="1">
+            <a:schemeClr val="accent1"/>
+          </a:fillRef>
+          <a:effectRef idx="0">
+            <a:schemeClr val="accent1"/>
+          </a:effectRef>
+          <a:fontRef idx="minor">
+            <a:schemeClr val="lt1"/>
+          </a:fontRef>
+        </p:style>
+        <p:txBody>
+          <a:bodyPr rtlCol="0" anchor="ctr"/>
+          <a:lstStyle/>
+          <a:p>
+            <a:pPr algn="ctr"/>
+            <a:endParaRPr lang="zh-CN" altLang="en-US"/>
+          </a:p>
+        </p:txBody>
+      </p:sp>
+      <p:sp>
+        <p:nvSpPr>
+          <p:cNvPr id="2" name="TextBox 1"/>
+          <p:cNvSpPr txBox="1"/>
+          <p:nvPr/>
+        </p:nvSpPr>
+        <p:spPr>
+          <a:xfrm>
+            <a:off x="467544" y="404664"/>
+            <a:ext cx="1656184" cy="1754326"/>
+          </a:xfrm>
+          <a:prstGeom prst="rect">
+            <a:avLst/>
+          </a:prstGeom>
+          <a:noFill/>
+        </p:spPr>
+        <p:txBody>
+          <a:bodyPr wrap="square" rtlCol="0">
+            <a:spAutoFit/>
+          </a:bodyPr>
+          <a:lstStyle/>
+          <a:p>
+            <a:r>
+              <a:rPr lang="zh-CN" altLang="en-US" dirty="0" smtClean="0"/>
+              <a:t>系统校准</a:t>
+            </a:r>
+            <a:endParaRPr lang="en-US" altLang="zh-CN" dirty="0" smtClean="0"/>
+          </a:p>
+          <a:p>
+            <a:r>
+              <a:rPr lang="zh-CN" altLang="en-US" dirty="0" smtClean="0"/>
+              <a:t>数字相移</a:t>
+            </a:r>
+            <a:endParaRPr lang="en-US" altLang="zh-CN" dirty="0" smtClean="0"/>
+          </a:p>
+          <a:p>
+            <a:r>
+              <a:rPr lang="zh-CN" altLang="en-US" dirty="0"/>
+              <a:t>条</a:t>
+            </a:r>
+            <a:r>
+              <a:rPr lang="zh-CN" altLang="en-US" dirty="0" smtClean="0"/>
+              <a:t>纹去除</a:t>
+            </a:r>
+            <a:endParaRPr lang="en-US" altLang="zh-CN" dirty="0" smtClean="0"/>
+          </a:p>
+          <a:p>
+            <a:r>
+              <a:rPr lang="zh-CN" altLang="en-US" dirty="0"/>
+              <a:t>相</a:t>
+            </a:r>
+            <a:r>
+              <a:rPr lang="zh-CN" altLang="en-US" dirty="0" smtClean="0"/>
+              <a:t>位提取</a:t>
+            </a:r>
+            <a:endParaRPr lang="en-US" altLang="zh-CN" dirty="0" smtClean="0"/>
+          </a:p>
+          <a:p>
+            <a:r>
+              <a:rPr lang="zh-CN" altLang="en-US" dirty="0"/>
+              <a:t>相</a:t>
+            </a:r>
+            <a:r>
+              <a:rPr lang="zh-CN" altLang="en-US" dirty="0" smtClean="0"/>
+              <a:t>位展开</a:t>
+            </a:r>
+            <a:endParaRPr lang="en-US" altLang="zh-CN" dirty="0" smtClean="0"/>
+          </a:p>
+          <a:p>
+            <a:r>
+              <a:rPr lang="zh-CN" altLang="en-US" dirty="0" smtClean="0"/>
+              <a:t>高度转换</a:t>
+            </a:r>
+            <a:endParaRPr lang="zh-CN" altLang="en-US" dirty="0"/>
+          </a:p>
+        </p:txBody>
+      </p:sp>
+      <p:sp>
+        <p:nvSpPr>
+          <p:cNvPr id="3" name="矩形 2"/>
+          <p:cNvSpPr/>
+          <p:nvPr/>
+        </p:nvSpPr>
+        <p:spPr>
+          <a:xfrm>
+            <a:off x="4266797" y="3124740"/>
+            <a:ext cx="1080120" cy="720080"/>
+          </a:xfrm>
+          <a:prstGeom prst="rect">
+            <a:avLst/>
+          </a:prstGeom>
+          <a:noFill/>
+          <a:ln w="76200">
+            <a:solidFill>
+              <a:schemeClr val="tx1"/>
+            </a:solidFill>
+          </a:ln>
+        </p:spPr>
+        <p:style>
+          <a:lnRef idx="2">
+            <a:schemeClr val="accent1">
+              <a:shade val="50000"/>
+            </a:schemeClr>
+          </a:lnRef>
+          <a:fillRef idx="1">
+            <a:schemeClr val="accent1"/>
+          </a:fillRef>
+          <a:effectRef idx="0">
+            <a:schemeClr val="accent1"/>
+          </a:effectRef>
+          <a:fontRef idx="minor">
+            <a:schemeClr val="lt1"/>
+          </a:fontRef>
+        </p:style>
+        <p:txBody>
+          <a:bodyPr rtlCol="0" anchor="ctr"/>
+          <a:lstStyle/>
+          <a:p>
+            <a:pPr algn="ctr"/>
+            <a:endParaRPr lang="zh-CN" altLang="en-US"/>
+          </a:p>
+        </p:txBody>
+      </p:sp>
+      <p:sp>
+        <p:nvSpPr>
+          <p:cNvPr id="4" name="梯形 3"/>
+          <p:cNvSpPr/>
+          <p:nvPr/>
+        </p:nvSpPr>
+        <p:spPr>
+          <a:xfrm>
+            <a:off x="4554829" y="3844820"/>
+            <a:ext cx="504056" cy="216024"/>
+          </a:xfrm>
+          <a:prstGeom prst="trapezoid">
+            <a:avLst/>
+          </a:prstGeom>
+          <a:solidFill>
+            <a:schemeClr val="bg1"/>
+          </a:solidFill>
+          <a:ln w="19050">
+            <a:solidFill>
+              <a:schemeClr val="tx1"/>
+            </a:solidFill>
+          </a:ln>
+        </p:spPr>
+        <p:style>
+          <a:lnRef idx="2">
+            <a:schemeClr val="accent1">
+              <a:shade val="50000"/>
+            </a:schemeClr>
+          </a:lnRef>
+          <a:fillRef idx="1">
+            <a:schemeClr val="accent1"/>
+          </a:fillRef>
+          <a:effectRef idx="0">
+            <a:schemeClr val="accent1"/>
+          </a:effectRef>
+          <a:fontRef idx="minor">
+            <a:schemeClr val="lt1"/>
+          </a:fontRef>
+        </p:style>
+        <p:txBody>
+          <a:bodyPr rtlCol="0" anchor="ctr"/>
+          <a:lstStyle/>
+          <a:p>
+            <a:pPr algn="ctr"/>
+            <a:endParaRPr lang="zh-CN" altLang="en-US"/>
+          </a:p>
+        </p:txBody>
+      </p:sp>
+      <p:cxnSp>
+        <p:nvCxnSpPr>
+          <p:cNvPr id="6" name="直接箭头连接符 5"/>
+          <p:cNvCxnSpPr/>
+          <p:nvPr/>
+        </p:nvCxnSpPr>
+        <p:spPr>
+          <a:xfrm>
+            <a:off x="2558469" y="2325597"/>
+            <a:ext cx="1440160" cy="1407352"/>
+          </a:xfrm>
+          <a:prstGeom prst="straightConnector1">
+            <a:avLst/>
+          </a:prstGeom>
+          <a:ln w="19050">
+            <a:solidFill>
+              <a:schemeClr val="tx1"/>
+            </a:solidFill>
+            <a:tailEnd type="arrow"/>
+          </a:ln>
+        </p:spPr>
+        <p:style>
+          <a:lnRef idx="1">
+            <a:schemeClr val="accent1"/>
+          </a:lnRef>
+          <a:fillRef idx="0">
+            <a:schemeClr val="accent1"/>
+          </a:fillRef>
+          <a:effectRef idx="0">
+            <a:schemeClr val="accent1"/>
+          </a:effectRef>
+          <a:fontRef idx="minor">
+            <a:schemeClr val="tx1"/>
+          </a:fontRef>
+        </p:style>
+      </p:cxnSp>
+      <p:cxnSp>
+        <p:nvCxnSpPr>
+          <p:cNvPr id="9" name="直接连接符 8"/>
+          <p:cNvCxnSpPr/>
+          <p:nvPr/>
+        </p:nvCxnSpPr>
+        <p:spPr>
+          <a:xfrm>
+            <a:off x="2646945" y="2278369"/>
+            <a:ext cx="0" cy="108012"/>
+          </a:xfrm>
+          <a:prstGeom prst="line">
+            <a:avLst/>
+          </a:prstGeom>
+          <a:ln w="19050">
+            <a:solidFill>
+              <a:schemeClr val="tx1"/>
+            </a:solidFill>
+          </a:ln>
+        </p:spPr>
+        <p:style>
+          <a:lnRef idx="1">
+            <a:schemeClr val="accent1"/>
+          </a:lnRef>
+          <a:fillRef idx="0">
+            <a:schemeClr val="accent1"/>
+          </a:fillRef>
+          <a:effectRef idx="0">
+            <a:schemeClr val="accent1"/>
+          </a:effectRef>
+          <a:fontRef idx="minor">
+            <a:schemeClr val="tx1"/>
+          </a:fontRef>
+        </p:style>
+      </p:cxnSp>
+      <p:cxnSp>
+        <p:nvCxnSpPr>
+          <p:cNvPr id="11" name="直接连接符 10"/>
+          <p:cNvCxnSpPr/>
+          <p:nvPr/>
+        </p:nvCxnSpPr>
+        <p:spPr>
+          <a:xfrm>
+            <a:off x="2799345" y="2430769"/>
+            <a:ext cx="0" cy="108012"/>
+          </a:xfrm>
+          <a:prstGeom prst="line">
+            <a:avLst/>
+          </a:prstGeom>
+          <a:ln w="19050">
+            <a:solidFill>
+              <a:schemeClr val="tx1"/>
+            </a:solidFill>
+          </a:ln>
+        </p:spPr>
+        <p:style>
+          <a:lnRef idx="1">
+            <a:schemeClr val="accent1"/>
+          </a:lnRef>
+          <a:fillRef idx="0">
+            <a:schemeClr val="accent1"/>
+          </a:fillRef>
+          <a:effectRef idx="0">
+            <a:schemeClr val="accent1"/>
+          </a:effectRef>
+          <a:fontRef idx="minor">
+            <a:schemeClr val="tx1"/>
+          </a:fontRef>
+        </p:style>
+      </p:cxnSp>
+      <p:cxnSp>
+        <p:nvCxnSpPr>
+          <p:cNvPr id="12" name="直接连接符 11"/>
+          <p:cNvCxnSpPr/>
+          <p:nvPr/>
+        </p:nvCxnSpPr>
+        <p:spPr>
+          <a:xfrm>
+            <a:off x="2951745" y="2583169"/>
+            <a:ext cx="0" cy="108012"/>
+          </a:xfrm>
+          <a:prstGeom prst="line">
+            <a:avLst/>
+          </a:prstGeom>
+          <a:ln w="19050">
+            <a:solidFill>
+              <a:schemeClr val="tx1"/>
+            </a:solidFill>
+          </a:ln>
+        </p:spPr>
+        <p:style>
+          <a:lnRef idx="1">
+            <a:schemeClr val="accent1"/>
+          </a:lnRef>
+          <a:fillRef idx="0">
+            <a:schemeClr val="accent1"/>
+          </a:fillRef>
+          <a:effectRef idx="0">
+            <a:schemeClr val="accent1"/>
+          </a:effectRef>
+          <a:fontRef idx="minor">
+            <a:schemeClr val="tx1"/>
+          </a:fontRef>
+        </p:style>
+      </p:cxnSp>
+      <p:cxnSp>
+        <p:nvCxnSpPr>
+          <p:cNvPr id="13" name="直接连接符 12"/>
+          <p:cNvCxnSpPr/>
+          <p:nvPr/>
+        </p:nvCxnSpPr>
+        <p:spPr>
+          <a:xfrm>
+            <a:off x="3104145" y="2735569"/>
+            <a:ext cx="0" cy="108012"/>
+          </a:xfrm>
+          <a:prstGeom prst="line">
+            <a:avLst/>
+          </a:prstGeom>
+          <a:ln w="19050">
+            <a:solidFill>
+              <a:schemeClr val="tx1"/>
+            </a:solidFill>
+          </a:ln>
+        </p:spPr>
+        <p:style>
+          <a:lnRef idx="1">
+            <a:schemeClr val="accent1"/>
+          </a:lnRef>
+          <a:fillRef idx="0">
+            <a:schemeClr val="accent1"/>
+          </a:fillRef>
+          <a:effectRef idx="0">
+            <a:schemeClr val="accent1"/>
+          </a:effectRef>
+          <a:fontRef idx="minor">
+            <a:schemeClr val="tx1"/>
+          </a:fontRef>
+        </p:style>
+      </p:cxnSp>
+      <p:cxnSp>
+        <p:nvCxnSpPr>
+          <p:cNvPr id="14" name="直接连接符 13"/>
+          <p:cNvCxnSpPr/>
+          <p:nvPr/>
+        </p:nvCxnSpPr>
+        <p:spPr>
+          <a:xfrm>
+            <a:off x="3256545" y="2887969"/>
+            <a:ext cx="0" cy="108012"/>
+          </a:xfrm>
+          <a:prstGeom prst="line">
+            <a:avLst/>
+          </a:prstGeom>
+          <a:ln w="19050">
+            <a:solidFill>
+              <a:schemeClr val="tx1"/>
+            </a:solidFill>
+          </a:ln>
+        </p:spPr>
+        <p:style>
+          <a:lnRef idx="1">
+            <a:schemeClr val="accent1"/>
+          </a:lnRef>
+          <a:fillRef idx="0">
+            <a:schemeClr val="accent1"/>
+          </a:fillRef>
+          <a:effectRef idx="0">
+            <a:schemeClr val="accent1"/>
+          </a:effectRef>
+          <a:fontRef idx="minor">
+            <a:schemeClr val="tx1"/>
+          </a:fontRef>
+        </p:style>
+      </p:cxnSp>
+      <p:cxnSp>
+        <p:nvCxnSpPr>
+          <p:cNvPr id="15" name="直接连接符 14"/>
+          <p:cNvCxnSpPr/>
+          <p:nvPr/>
+        </p:nvCxnSpPr>
+        <p:spPr>
+          <a:xfrm>
+            <a:off x="3408945" y="3040369"/>
+            <a:ext cx="0" cy="108012"/>
+          </a:xfrm>
+          <a:prstGeom prst="line">
+            <a:avLst/>
+          </a:prstGeom>
+          <a:ln w="19050">
+            <a:solidFill>
+              <a:schemeClr val="tx1"/>
+            </a:solidFill>
+          </a:ln>
+        </p:spPr>
+        <p:style>
+          <a:lnRef idx="1">
+            <a:schemeClr val="accent1"/>
+          </a:lnRef>
+          <a:fillRef idx="0">
+            <a:schemeClr val="accent1"/>
+          </a:fillRef>
+          <a:effectRef idx="0">
+            <a:schemeClr val="accent1"/>
+          </a:effectRef>
+          <a:fontRef idx="minor">
+            <a:schemeClr val="tx1"/>
+          </a:fontRef>
+        </p:style>
+      </p:cxnSp>
+      <p:cxnSp>
+        <p:nvCxnSpPr>
+          <p:cNvPr id="16" name="直接连接符 15"/>
+          <p:cNvCxnSpPr/>
+          <p:nvPr/>
+        </p:nvCxnSpPr>
+        <p:spPr>
+          <a:xfrm>
+            <a:off x="3561345" y="3192769"/>
+            <a:ext cx="0" cy="108012"/>
+          </a:xfrm>
+          <a:prstGeom prst="line">
+            <a:avLst/>
+          </a:prstGeom>
+          <a:ln w="19050">
+            <a:solidFill>
+              <a:schemeClr val="tx1"/>
+            </a:solidFill>
+          </a:ln>
+        </p:spPr>
+        <p:style>
+          <a:lnRef idx="1">
+            <a:schemeClr val="accent1"/>
+          </a:lnRef>
+          <a:fillRef idx="0">
+            <a:schemeClr val="accent1"/>
+          </a:fillRef>
+          <a:effectRef idx="0">
+            <a:schemeClr val="accent1"/>
+          </a:effectRef>
+          <a:fontRef idx="minor">
+            <a:schemeClr val="tx1"/>
+          </a:fontRef>
+        </p:style>
+      </p:cxnSp>
+      <p:cxnSp>
+        <p:nvCxnSpPr>
+          <p:cNvPr id="17" name="直接连接符 16"/>
+          <p:cNvCxnSpPr/>
+          <p:nvPr/>
+        </p:nvCxnSpPr>
+        <p:spPr>
+          <a:xfrm>
+            <a:off x="3713745" y="3345169"/>
+            <a:ext cx="0" cy="108012"/>
+          </a:xfrm>
+          <a:prstGeom prst="line">
+            <a:avLst/>
+          </a:prstGeom>
+          <a:ln w="19050">
+            <a:solidFill>
+              <a:schemeClr val="tx1"/>
+            </a:solidFill>
+          </a:ln>
+        </p:spPr>
+        <p:style>
+          <a:lnRef idx="1">
+            <a:schemeClr val="accent1"/>
+          </a:lnRef>
+          <a:fillRef idx="0">
+            <a:schemeClr val="accent1"/>
+          </a:fillRef>
+          <a:effectRef idx="0">
+            <a:schemeClr val="accent1"/>
+          </a:effectRef>
+          <a:fontRef idx="minor">
+            <a:schemeClr val="tx1"/>
+          </a:fontRef>
+        </p:style>
+      </p:cxnSp>
+      <p:cxnSp>
+        <p:nvCxnSpPr>
+          <p:cNvPr id="18" name="直接连接符 17"/>
+          <p:cNvCxnSpPr/>
+          <p:nvPr/>
+        </p:nvCxnSpPr>
+        <p:spPr>
+          <a:xfrm>
+            <a:off x="3888149" y="3490791"/>
+            <a:ext cx="0" cy="108012"/>
+          </a:xfrm>
+          <a:prstGeom prst="line">
+            <a:avLst/>
+          </a:prstGeom>
+          <a:ln w="19050">
+            <a:solidFill>
+              <a:schemeClr val="tx1"/>
+            </a:solidFill>
+          </a:ln>
+        </p:spPr>
+        <p:style>
+          <a:lnRef idx="1">
+            <a:schemeClr val="accent1"/>
+          </a:lnRef>
+          <a:fillRef idx="0">
+            <a:schemeClr val="accent1"/>
+          </a:fillRef>
+          <a:effectRef idx="0">
+            <a:schemeClr val="accent1"/>
+          </a:effectRef>
+          <a:fontRef idx="minor">
+            <a:schemeClr val="tx1"/>
+          </a:fontRef>
+        </p:style>
+      </p:cxnSp>
+      <p:sp>
+        <p:nvSpPr>
+          <p:cNvPr id="23" name="椭圆 22"/>
+          <p:cNvSpPr/>
+          <p:nvPr/>
+        </p:nvSpPr>
+        <p:spPr>
+          <a:xfrm>
+            <a:off x="3717021" y="4283667"/>
+            <a:ext cx="200490" cy="244387"/>
+          </a:xfrm>
+          <a:prstGeom prst="ellipse">
+            <a:avLst/>
+          </a:prstGeom>
+          <a:solidFill>
+            <a:schemeClr val="bg1"/>
+          </a:solidFill>
+          <a:ln w="38100">
+            <a:solidFill>
+              <a:schemeClr val="tx1"/>
+            </a:solidFill>
+          </a:ln>
+        </p:spPr>
+        <p:style>
+          <a:lnRef idx="2">
+            <a:schemeClr val="accent1">
+              <a:shade val="50000"/>
+            </a:schemeClr>
+          </a:lnRef>
+          <a:fillRef idx="1">
+            <a:schemeClr val="accent1"/>
+          </a:fillRef>
+          <a:effectRef idx="0">
+            <a:schemeClr val="accent1"/>
+          </a:effectRef>
+          <a:fontRef idx="minor">
+            <a:schemeClr val="lt1"/>
+          </a:fontRef>
+        </p:style>
+        <p:txBody>
+          <a:bodyPr rtlCol="0" anchor="ctr"/>
+          <a:lstStyle/>
+          <a:p>
+            <a:pPr algn="ctr"/>
+            <a:endParaRPr lang="zh-CN" altLang="en-US"/>
+          </a:p>
+        </p:txBody>
+      </p:sp>
+      <p:sp>
+        <p:nvSpPr>
+          <p:cNvPr id="26" name="TextBox 25"/>
+          <p:cNvSpPr txBox="1"/>
+          <p:nvPr/>
+        </p:nvSpPr>
+        <p:spPr>
+          <a:xfrm>
+            <a:off x="4936355" y="3232752"/>
+            <a:ext cx="338554" cy="617658"/>
+          </a:xfrm>
+          <a:prstGeom prst="rect">
+            <a:avLst/>
+          </a:prstGeom>
+          <a:noFill/>
+        </p:spPr>
+        <p:txBody>
+          <a:bodyPr vert="eaVert" wrap="square" rtlCol="0">
+            <a:spAutoFit/>
+          </a:bodyPr>
+          <a:lstStyle/>
+          <a:p>
+            <a:r>
+              <a:rPr lang="zh-CN" altLang="en-US" sz="1000" b="1" dirty="0" smtClean="0"/>
+              <a:t>系统校准</a:t>
+            </a:r>
+            <a:endParaRPr lang="zh-CN" altLang="en-US" sz="1000" b="1" dirty="0"/>
+          </a:p>
+        </p:txBody>
+      </p:sp>
+      <p:sp>
+        <p:nvSpPr>
+          <p:cNvPr id="27" name="圆角矩形 26"/>
+          <p:cNvSpPr/>
+          <p:nvPr/>
+        </p:nvSpPr>
+        <p:spPr>
+          <a:xfrm>
+            <a:off x="3588031" y="3893269"/>
+            <a:ext cx="432048" cy="271527"/>
+          </a:xfrm>
+          <a:prstGeom prst="roundRect">
+            <a:avLst/>
+          </a:prstGeom>
+          <a:solidFill>
+            <a:schemeClr val="bg1"/>
+          </a:solidFill>
+          <a:ln>
+            <a:solidFill>
+              <a:schemeClr val="tx1"/>
+            </a:solidFill>
+          </a:ln>
+        </p:spPr>
+        <p:style>
+          <a:lnRef idx="2">
+            <a:schemeClr val="accent1">
+              <a:shade val="50000"/>
+            </a:schemeClr>
+          </a:lnRef>
+          <a:fillRef idx="1">
+            <a:schemeClr val="accent1"/>
+          </a:fillRef>
+          <a:effectRef idx="0">
+            <a:schemeClr val="accent1"/>
+          </a:effectRef>
+          <a:fontRef idx="minor">
+            <a:schemeClr val="lt1"/>
+          </a:fontRef>
+        </p:style>
+        <p:txBody>
+          <a:bodyPr rtlCol="0" anchor="ctr"/>
+          <a:lstStyle/>
+          <a:p>
+            <a:pPr algn="ctr"/>
+            <a:endParaRPr lang="zh-CN" altLang="en-US"/>
+          </a:p>
+        </p:txBody>
+      </p:sp>
+      <p:sp>
+        <p:nvSpPr>
+          <p:cNvPr id="28" name="椭圆 27"/>
+          <p:cNvSpPr/>
+          <p:nvPr/>
+        </p:nvSpPr>
+        <p:spPr>
+          <a:xfrm>
+            <a:off x="3717021" y="3952832"/>
+            <a:ext cx="174068" cy="152400"/>
+          </a:xfrm>
+          <a:prstGeom prst="ellipse">
+            <a:avLst/>
+          </a:prstGeom>
+          <a:noFill/>
+          <a:ln>
+            <a:solidFill>
+              <a:schemeClr val="tx1"/>
+            </a:solidFill>
+          </a:ln>
+        </p:spPr>
+        <p:style>
+          <a:lnRef idx="2">
+            <a:schemeClr val="accent1">
+              <a:shade val="50000"/>
+            </a:schemeClr>
+          </a:lnRef>
+          <a:fillRef idx="1">
+            <a:schemeClr val="accent1"/>
+          </a:fillRef>
+          <a:effectRef idx="0">
+            <a:schemeClr val="accent1"/>
+          </a:effectRef>
+          <a:fontRef idx="minor">
+            <a:schemeClr val="lt1"/>
+          </a:fontRef>
+        </p:style>
+        <p:txBody>
+          <a:bodyPr rtlCol="0" anchor="ctr"/>
+          <a:lstStyle/>
+          <a:p>
+            <a:pPr algn="ctr"/>
+            <a:endParaRPr lang="zh-CN" altLang="en-US"/>
+          </a:p>
+        </p:txBody>
+      </p:sp>
+      <p:sp>
+        <p:nvSpPr>
+          <p:cNvPr id="29" name="矩形 28"/>
+          <p:cNvSpPr/>
+          <p:nvPr/>
+        </p:nvSpPr>
+        <p:spPr>
+          <a:xfrm>
+            <a:off x="3845369" y="3821261"/>
+            <a:ext cx="102702" cy="72008"/>
+          </a:xfrm>
+          <a:prstGeom prst="rect">
+            <a:avLst/>
+          </a:prstGeom>
+          <a:noFill/>
+          <a:ln>
+            <a:solidFill>
+              <a:schemeClr val="tx1"/>
+            </a:solidFill>
+          </a:ln>
+        </p:spPr>
+        <p:style>
+          <a:lnRef idx="2">
+            <a:schemeClr val="accent1">
+              <a:shade val="50000"/>
+            </a:schemeClr>
+          </a:lnRef>
+          <a:fillRef idx="1">
+            <a:schemeClr val="accent1"/>
+          </a:fillRef>
+          <a:effectRef idx="0">
+            <a:schemeClr val="accent1"/>
+          </a:effectRef>
+          <a:fontRef idx="minor">
+            <a:schemeClr val="lt1"/>
+          </a:fontRef>
+        </p:style>
+        <p:txBody>
+          <a:bodyPr rtlCol="0" anchor="ctr"/>
+          <a:lstStyle/>
+          <a:p>
+            <a:pPr algn="ctr"/>
+            <a:endParaRPr lang="zh-CN" altLang="en-US"/>
+          </a:p>
+        </p:txBody>
+      </p:sp>
+      <p:sp>
+        <p:nvSpPr>
+          <p:cNvPr id="31" name="流程图: 数据 30"/>
+          <p:cNvSpPr/>
+          <p:nvPr/>
+        </p:nvSpPr>
+        <p:spPr>
+          <a:xfrm rot="10800000">
+            <a:off x="2633625" y="2458307"/>
+            <a:ext cx="1080120" cy="541815"/>
+          </a:xfrm>
+          <a:prstGeom prst="flowChartInputOutput">
+            <a:avLst/>
+          </a:prstGeom>
+          <a:solidFill>
+            <a:schemeClr val="bg1"/>
+          </a:solidFill>
+          <a:ln>
+            <a:solidFill>
+              <a:schemeClr val="tx1"/>
+            </a:solidFill>
+          </a:ln>
+        </p:spPr>
+        <p:style>
+          <a:lnRef idx="2">
+            <a:schemeClr val="accent1">
+              <a:shade val="50000"/>
+            </a:schemeClr>
+          </a:lnRef>
+          <a:fillRef idx="1">
+            <a:schemeClr val="accent1"/>
+          </a:fillRef>
+          <a:effectRef idx="0">
+            <a:schemeClr val="accent1"/>
+          </a:effectRef>
+          <a:fontRef idx="minor">
+            <a:schemeClr val="lt1"/>
+          </a:fontRef>
+        </p:style>
+        <p:txBody>
+          <a:bodyPr rtlCol="0" anchor="ctr"/>
+          <a:lstStyle/>
+          <a:p>
+            <a:pPr algn="ctr"/>
+            <a:endParaRPr lang="zh-CN" altLang="en-US"/>
+          </a:p>
+        </p:txBody>
+      </p:sp>
+      <p:sp>
+        <p:nvSpPr>
+          <p:cNvPr id="52" name="矩形 51"/>
+          <p:cNvSpPr/>
+          <p:nvPr/>
+        </p:nvSpPr>
+        <p:spPr>
+          <a:xfrm>
+            <a:off x="2799345" y="2583169"/>
+            <a:ext cx="831538" cy="54006"/>
+          </a:xfrm>
+          <a:prstGeom prst="rect">
+            <a:avLst/>
+          </a:prstGeom>
+          <a:solidFill>
+            <a:schemeClr val="tx1"/>
+          </a:solidFill>
+          <a:ln>
+            <a:solidFill>
+              <a:schemeClr val="tx1"/>
+            </a:solidFill>
+          </a:ln>
+        </p:spPr>
+        <p:style>
+          <a:lnRef idx="2">
+            <a:schemeClr val="accent1">
+              <a:shade val="50000"/>
+            </a:schemeClr>
+          </a:lnRef>
+          <a:fillRef idx="1">
+            <a:schemeClr val="accent1"/>
+          </a:fillRef>
+          <a:effectRef idx="0">
+            <a:schemeClr val="accent1"/>
+          </a:effectRef>
+          <a:fontRef idx="minor">
+            <a:schemeClr val="lt1"/>
+          </a:fontRef>
+        </p:style>
+        <p:txBody>
+          <a:bodyPr rtlCol="0" anchor="ctr"/>
+          <a:lstStyle/>
+          <a:p>
+            <a:pPr algn="ctr"/>
+            <a:endParaRPr lang="zh-CN" altLang="en-US"/>
+          </a:p>
+        </p:txBody>
+      </p:sp>
+      <p:sp>
+        <p:nvSpPr>
+          <p:cNvPr id="53" name="矩形 52"/>
+          <p:cNvSpPr/>
+          <p:nvPr/>
+        </p:nvSpPr>
+        <p:spPr>
+          <a:xfrm>
+            <a:off x="2757915" y="2719772"/>
+            <a:ext cx="831538" cy="54006"/>
+          </a:xfrm>
+          <a:prstGeom prst="rect">
+            <a:avLst/>
+          </a:prstGeom>
+          <a:solidFill>
+            <a:schemeClr val="tx1"/>
+          </a:solidFill>
+          <a:ln>
+            <a:solidFill>
+              <a:schemeClr val="tx1"/>
+            </a:solidFill>
+          </a:ln>
+        </p:spPr>
+        <p:style>
+          <a:lnRef idx="2">
+            <a:schemeClr val="accent1">
+              <a:shade val="50000"/>
+            </a:schemeClr>
+          </a:lnRef>
+          <a:fillRef idx="1">
+            <a:schemeClr val="accent1"/>
+          </a:fillRef>
+          <a:effectRef idx="0">
+            <a:schemeClr val="accent1"/>
+          </a:effectRef>
+          <a:fontRef idx="minor">
+            <a:schemeClr val="lt1"/>
+          </a:fontRef>
+        </p:style>
+        <p:txBody>
+          <a:bodyPr rtlCol="0" anchor="ctr"/>
+          <a:lstStyle/>
+          <a:p>
+            <a:pPr algn="ctr"/>
+            <a:endParaRPr lang="zh-CN" altLang="en-US"/>
+          </a:p>
+        </p:txBody>
+      </p:sp>
+      <p:sp>
+        <p:nvSpPr>
+          <p:cNvPr id="54" name="矩形 53"/>
+          <p:cNvSpPr/>
+          <p:nvPr/>
+        </p:nvSpPr>
+        <p:spPr>
+          <a:xfrm>
+            <a:off x="2688376" y="2843581"/>
+            <a:ext cx="831538" cy="54006"/>
+          </a:xfrm>
+          <a:prstGeom prst="rect">
+            <a:avLst/>
+          </a:prstGeom>
+          <a:solidFill>
+            <a:schemeClr val="tx1"/>
+          </a:solidFill>
+          <a:ln>
+            <a:solidFill>
+              <a:schemeClr val="tx1"/>
+            </a:solidFill>
+          </a:ln>
+        </p:spPr>
+        <p:style>
+          <a:lnRef idx="2">
+            <a:schemeClr val="accent1">
+              <a:shade val="50000"/>
+            </a:schemeClr>
+          </a:lnRef>
+          <a:fillRef idx="1">
+            <a:schemeClr val="accent1"/>
+          </a:fillRef>
+          <a:effectRef idx="0">
+            <a:schemeClr val="accent1"/>
+          </a:effectRef>
+          <a:fontRef idx="minor">
+            <a:schemeClr val="lt1"/>
+          </a:fontRef>
+        </p:style>
+        <p:txBody>
+          <a:bodyPr rtlCol="0" anchor="ctr"/>
+          <a:lstStyle/>
+          <a:p>
+            <a:pPr algn="ctr"/>
+            <a:endParaRPr lang="zh-CN" altLang="en-US"/>
+          </a:p>
+        </p:txBody>
+      </p:sp>
+      <p:sp>
+        <p:nvSpPr>
+          <p:cNvPr id="2063" name="矩形 2062"/>
+          <p:cNvSpPr/>
+          <p:nvPr/>
+        </p:nvSpPr>
+        <p:spPr>
+          <a:xfrm>
+            <a:off x="2123728" y="1628800"/>
+            <a:ext cx="3744416" cy="3456384"/>
+          </a:xfrm>
+          <a:prstGeom prst="rect">
+            <a:avLst/>
+          </a:prstGeom>
+          <a:noFill/>
+          <a:ln>
+            <a:solidFill>
+              <a:schemeClr val="tx1"/>
+            </a:solidFill>
+            <a:prstDash val="sysDot"/>
+          </a:ln>
+        </p:spPr>
+        <p:style>
+          <a:lnRef idx="2">
+            <a:schemeClr val="accent1">
+              <a:shade val="50000"/>
+            </a:schemeClr>
+          </a:lnRef>
+          <a:fillRef idx="1">
+            <a:schemeClr val="accent1"/>
+          </a:fillRef>
+          <a:effectRef idx="0">
+            <a:schemeClr val="accent1"/>
+          </a:effectRef>
+          <a:fontRef idx="minor">
+            <a:schemeClr val="lt1"/>
+          </a:fontRef>
+        </p:style>
+        <p:txBody>
+          <a:bodyPr rtlCol="0" anchor="ctr"/>
+          <a:lstStyle/>
+          <a:p>
+            <a:pPr algn="ctr"/>
+            <a:endParaRPr lang="zh-CN" altLang="en-US"/>
+          </a:p>
+        </p:txBody>
+      </p:sp>
+    </p:spTree>
+    <p:extLst>
+      <p:ext uri="{BB962C8B-B14F-4D97-AF65-F5344CB8AC3E}">
+        <p14:creationId xmlns:p14="http://schemas.microsoft.com/office/powerpoint/2010/main" val="772118323"/>
+      </p:ext>
+    </p:extLst>
+  </p:cSld>
+  <p:clrMapOvr>
+    <a:masterClrMapping/>
+  </p:clrMapOvr>
+</p:sld>
+</file>
+
+<file path=ppt/slides/slide3.xml><?xml version="1.0" encoding="utf-8"?>
+<p:sld xmlns:a="http://schemas.openxmlformats.org/drawingml/2006/main" xmlns:r="http://schemas.openxmlformats.org/officeDocument/2006/relationships" xmlns:p="http://schemas.openxmlformats.org/presentationml/2006/main">
+  <p:cSld>
+    <p:spTree>
+      <p:nvGrpSpPr>
+        <p:cNvPr id="1" name=""/>
+        <p:cNvGrpSpPr/>
+        <p:nvPr/>
+      </p:nvGrpSpPr>
+      <p:grpSpPr>
+        <a:xfrm>
+          <a:off x="0" y="0"/>
+          <a:ext cx="0" cy="0"/>
+          <a:chOff x="0" y="0"/>
+          <a:chExt cx="0" cy="0"/>
+        </a:xfrm>
+      </p:grpSpPr>
+      <p:sp>
+        <p:nvSpPr>
+          <p:cNvPr id="2" name="TextBox 1"/>
+          <p:cNvSpPr txBox="1"/>
+          <p:nvPr/>
+        </p:nvSpPr>
+        <p:spPr>
+          <a:xfrm>
+            <a:off x="467544" y="404664"/>
+            <a:ext cx="1656184" cy="1754326"/>
+          </a:xfrm>
+          <a:prstGeom prst="rect">
+            <a:avLst/>
+          </a:prstGeom>
+          <a:noFill/>
+        </p:spPr>
+        <p:txBody>
+          <a:bodyPr wrap="square" rtlCol="0">
+            <a:spAutoFit/>
+          </a:bodyPr>
+          <a:lstStyle/>
+          <a:p>
+            <a:r>
+              <a:rPr lang="zh-CN" altLang="en-US" dirty="0" smtClean="0"/>
+              <a:t>系统校准</a:t>
+            </a:r>
+            <a:endParaRPr lang="en-US" altLang="zh-CN" dirty="0" smtClean="0"/>
+          </a:p>
+          <a:p>
+            <a:r>
+              <a:rPr lang="zh-CN" altLang="en-US" dirty="0" smtClean="0"/>
+              <a:t>数字相移</a:t>
+            </a:r>
+            <a:endParaRPr lang="en-US" altLang="zh-CN" dirty="0" smtClean="0"/>
+          </a:p>
+          <a:p>
+            <a:r>
+              <a:rPr lang="zh-CN" altLang="en-US" dirty="0"/>
+              <a:t>条</a:t>
+            </a:r>
+            <a:r>
+              <a:rPr lang="zh-CN" altLang="en-US" dirty="0" smtClean="0"/>
+              <a:t>纹去除</a:t>
+            </a:r>
+            <a:endParaRPr lang="en-US" altLang="zh-CN" dirty="0" smtClean="0"/>
+          </a:p>
+          <a:p>
+            <a:r>
+              <a:rPr lang="zh-CN" altLang="en-US" dirty="0"/>
+              <a:t>相</a:t>
+            </a:r>
+            <a:r>
+              <a:rPr lang="zh-CN" altLang="en-US" dirty="0" smtClean="0"/>
+              <a:t>位提取</a:t>
+            </a:r>
+            <a:endParaRPr lang="en-US" altLang="zh-CN" dirty="0" smtClean="0"/>
+          </a:p>
+          <a:p>
+            <a:r>
+              <a:rPr lang="zh-CN" altLang="en-US" dirty="0"/>
+              <a:t>相</a:t>
+            </a:r>
+            <a:r>
+              <a:rPr lang="zh-CN" altLang="en-US" dirty="0" smtClean="0"/>
+              <a:t>位展开</a:t>
+            </a:r>
+            <a:endParaRPr lang="en-US" altLang="zh-CN" dirty="0" smtClean="0"/>
+          </a:p>
+          <a:p>
+            <a:r>
+              <a:rPr lang="zh-CN" altLang="en-US" dirty="0" smtClean="0"/>
+              <a:t>高度转换</a:t>
+            </a:r>
+            <a:endParaRPr lang="zh-CN" altLang="en-US" dirty="0"/>
+          </a:p>
+        </p:txBody>
+      </p:sp>
+      <p:pic>
+        <p:nvPicPr>
+          <p:cNvPr id="5" name="图片 4"/>
+          <p:cNvPicPr>
+            <a:picLocks noChangeAspect="1"/>
+          </p:cNvPicPr>
+          <p:nvPr/>
+        </p:nvPicPr>
+        <p:blipFill>
+          <a:blip r:embed="rId2" cstate="print">
+            <a:extLst>
+              <a:ext uri="{28A0092B-C50C-407E-A947-70E740481C1C}">
+                <a14:useLocalDpi xmlns:a14="http://schemas.microsoft.com/office/drawing/2010/main" val="0"/>
+              </a:ext>
+            </a:extLst>
+          </a:blip>
+          <a:stretch>
+            <a:fillRect/>
+          </a:stretch>
+        </p:blipFill>
+        <p:spPr>
+          <a:xfrm>
+            <a:off x="2123728" y="1556792"/>
+            <a:ext cx="2304256" cy="2125574"/>
+          </a:xfrm>
+          <a:prstGeom prst="rect">
+            <a:avLst/>
+          </a:prstGeom>
+        </p:spPr>
+      </p:pic>
+    </p:spTree>
+    <p:extLst>
+      <p:ext uri="{BB962C8B-B14F-4D97-AF65-F5344CB8AC3E}">
+        <p14:creationId xmlns:p14="http://schemas.microsoft.com/office/powerpoint/2010/main" val="2341805650"/>
       </p:ext>
     </p:extLst>
   </p:cSld>

--- a/Graphic & Tables.pptx
+++ b/Graphic & Tables.pptx
@@ -4,10 +4,14 @@
   <p:sldMasterIdLst>
     <p:sldMasterId id="2147483648" r:id="rId1"/>
   </p:sldMasterIdLst>
+  <p:notesMasterIdLst>
+    <p:notesMasterId r:id="rId6"/>
+  </p:notesMasterIdLst>
   <p:sldIdLst>
     <p:sldId id="256" r:id="rId2"/>
     <p:sldId id="257" r:id="rId3"/>
     <p:sldId id="259" r:id="rId4"/>
+    <p:sldId id="260" r:id="rId5"/>
   </p:sldIdLst>
   <p:sldSz cx="9144000" cy="6858000" type="screen4x3"/>
   <p:notesSz cx="6858000" cy="9144000"/>
@@ -118,12 +122,363 @@
           <p14:sldIdLst>
             <p14:sldId id="257"/>
             <p14:sldId id="259"/>
+            <p14:sldId id="260"/>
           </p14:sldIdLst>
         </p14:section>
       </p14:sectionLst>
     </p:ext>
   </p:extLst>
 </p:presentation>
+</file>
+
+<file path=ppt/notesMasters/notesMaster1.xml><?xml version="1.0" encoding="utf-8"?>
+<p:notesMaster xmlns:a="http://schemas.openxmlformats.org/drawingml/2006/main" xmlns:r="http://schemas.openxmlformats.org/officeDocument/2006/relationships" xmlns:p="http://schemas.openxmlformats.org/presentationml/2006/main">
+  <p:cSld>
+    <p:bg>
+      <p:bgRef idx="1001">
+        <a:schemeClr val="bg1"/>
+      </p:bgRef>
+    </p:bg>
+    <p:spTree>
+      <p:nvGrpSpPr>
+        <p:cNvPr id="1" name=""/>
+        <p:cNvGrpSpPr/>
+        <p:nvPr/>
+      </p:nvGrpSpPr>
+      <p:grpSpPr>
+        <a:xfrm>
+          <a:off x="0" y="0"/>
+          <a:ext cx="0" cy="0"/>
+          <a:chOff x="0" y="0"/>
+          <a:chExt cx="0" cy="0"/>
+        </a:xfrm>
+      </p:grpSpPr>
+      <p:sp>
+        <p:nvSpPr>
+          <p:cNvPr id="2" name="页眉占位符 1"/>
+          <p:cNvSpPr>
+            <a:spLocks noGrp="1"/>
+          </p:cNvSpPr>
+          <p:nvPr>
+            <p:ph type="hdr" sz="quarter"/>
+          </p:nvPr>
+        </p:nvSpPr>
+        <p:spPr>
+          <a:xfrm>
+            <a:off x="0" y="0"/>
+            <a:ext cx="2971800" cy="457200"/>
+          </a:xfrm>
+          <a:prstGeom prst="rect">
+            <a:avLst/>
+          </a:prstGeom>
+        </p:spPr>
+        <p:txBody>
+          <a:bodyPr vert="horz" lIns="91440" tIns="45720" rIns="91440" bIns="45720" rtlCol="0"/>
+          <a:lstStyle>
+            <a:lvl1pPr algn="l">
+              <a:defRPr sz="1200"/>
+            </a:lvl1pPr>
+          </a:lstStyle>
+          <a:p>
+            <a:endParaRPr lang="zh-CN" altLang="en-US"/>
+          </a:p>
+        </p:txBody>
+      </p:sp>
+      <p:sp>
+        <p:nvSpPr>
+          <p:cNvPr id="3" name="日期占位符 2"/>
+          <p:cNvSpPr>
+            <a:spLocks noGrp="1"/>
+          </p:cNvSpPr>
+          <p:nvPr>
+            <p:ph type="dt" idx="1"/>
+          </p:nvPr>
+        </p:nvSpPr>
+        <p:spPr>
+          <a:xfrm>
+            <a:off x="3884613" y="0"/>
+            <a:ext cx="2971800" cy="457200"/>
+          </a:xfrm>
+          <a:prstGeom prst="rect">
+            <a:avLst/>
+          </a:prstGeom>
+        </p:spPr>
+        <p:txBody>
+          <a:bodyPr vert="horz" lIns="91440" tIns="45720" rIns="91440" bIns="45720" rtlCol="0"/>
+          <a:lstStyle>
+            <a:lvl1pPr algn="r">
+              <a:defRPr sz="1200"/>
+            </a:lvl1pPr>
+          </a:lstStyle>
+          <a:p>
+            <a:fld id="{EDA7B775-790A-4D64-B62E-B7503A0D88A5}" type="datetimeFigureOut">
+              <a:rPr lang="zh-CN" altLang="en-US" smtClean="0"/>
+              <a:t>2019/5/18</a:t>
+            </a:fld>
+            <a:endParaRPr lang="zh-CN" altLang="en-US"/>
+          </a:p>
+        </p:txBody>
+      </p:sp>
+      <p:sp>
+        <p:nvSpPr>
+          <p:cNvPr id="4" name="幻灯片图像占位符 3"/>
+          <p:cNvSpPr>
+            <a:spLocks noGrp="1" noRot="1" noChangeAspect="1"/>
+          </p:cNvSpPr>
+          <p:nvPr>
+            <p:ph type="sldImg" idx="2"/>
+          </p:nvPr>
+        </p:nvSpPr>
+        <p:spPr>
+          <a:xfrm>
+            <a:off x="1143000" y="685800"/>
+            <a:ext cx="4572000" cy="3429000"/>
+          </a:xfrm>
+          <a:prstGeom prst="rect">
+            <a:avLst/>
+          </a:prstGeom>
+          <a:noFill/>
+          <a:ln w="12700">
+            <a:solidFill>
+              <a:prstClr val="black"/>
+            </a:solidFill>
+          </a:ln>
+        </p:spPr>
+        <p:txBody>
+          <a:bodyPr vert="horz" lIns="91440" tIns="45720" rIns="91440" bIns="45720" rtlCol="0" anchor="ctr"/>
+          <a:lstStyle/>
+          <a:p>
+            <a:endParaRPr lang="zh-CN" altLang="en-US"/>
+          </a:p>
+        </p:txBody>
+      </p:sp>
+      <p:sp>
+        <p:nvSpPr>
+          <p:cNvPr id="5" name="备注占位符 4"/>
+          <p:cNvSpPr>
+            <a:spLocks noGrp="1"/>
+          </p:cNvSpPr>
+          <p:nvPr>
+            <p:ph type="body" sz="quarter" idx="3"/>
+          </p:nvPr>
+        </p:nvSpPr>
+        <p:spPr>
+          <a:xfrm>
+            <a:off x="685800" y="4343400"/>
+            <a:ext cx="5486400" cy="4114800"/>
+          </a:xfrm>
+          <a:prstGeom prst="rect">
+            <a:avLst/>
+          </a:prstGeom>
+        </p:spPr>
+        <p:txBody>
+          <a:bodyPr vert="horz" lIns="91440" tIns="45720" rIns="91440" bIns="45720" rtlCol="0"/>
+          <a:lstStyle/>
+          <a:p>
+            <a:pPr lvl="0"/>
+            <a:r>
+              <a:rPr lang="zh-CN" altLang="en-US" smtClean="0"/>
+              <a:t>单击此处编辑母版文本样式</a:t>
+            </a:r>
+          </a:p>
+          <a:p>
+            <a:pPr lvl="1"/>
+            <a:r>
+              <a:rPr lang="zh-CN" altLang="en-US" smtClean="0"/>
+              <a:t>第二级</a:t>
+            </a:r>
+          </a:p>
+          <a:p>
+            <a:pPr lvl="2"/>
+            <a:r>
+              <a:rPr lang="zh-CN" altLang="en-US" smtClean="0"/>
+              <a:t>第三级</a:t>
+            </a:r>
+          </a:p>
+          <a:p>
+            <a:pPr lvl="3"/>
+            <a:r>
+              <a:rPr lang="zh-CN" altLang="en-US" smtClean="0"/>
+              <a:t>第四级</a:t>
+            </a:r>
+          </a:p>
+          <a:p>
+            <a:pPr lvl="4"/>
+            <a:r>
+              <a:rPr lang="zh-CN" altLang="en-US" smtClean="0"/>
+              <a:t>第五级</a:t>
+            </a:r>
+            <a:endParaRPr lang="zh-CN" altLang="en-US"/>
+          </a:p>
+        </p:txBody>
+      </p:sp>
+      <p:sp>
+        <p:nvSpPr>
+          <p:cNvPr id="6" name="页脚占位符 5"/>
+          <p:cNvSpPr>
+            <a:spLocks noGrp="1"/>
+          </p:cNvSpPr>
+          <p:nvPr>
+            <p:ph type="ftr" sz="quarter" idx="4"/>
+          </p:nvPr>
+        </p:nvSpPr>
+        <p:spPr>
+          <a:xfrm>
+            <a:off x="0" y="8685213"/>
+            <a:ext cx="2971800" cy="457200"/>
+          </a:xfrm>
+          <a:prstGeom prst="rect">
+            <a:avLst/>
+          </a:prstGeom>
+        </p:spPr>
+        <p:txBody>
+          <a:bodyPr vert="horz" lIns="91440" tIns="45720" rIns="91440" bIns="45720" rtlCol="0" anchor="b"/>
+          <a:lstStyle>
+            <a:lvl1pPr algn="l">
+              <a:defRPr sz="1200"/>
+            </a:lvl1pPr>
+          </a:lstStyle>
+          <a:p>
+            <a:endParaRPr lang="zh-CN" altLang="en-US"/>
+          </a:p>
+        </p:txBody>
+      </p:sp>
+      <p:sp>
+        <p:nvSpPr>
+          <p:cNvPr id="7" name="灯片编号占位符 6"/>
+          <p:cNvSpPr>
+            <a:spLocks noGrp="1"/>
+          </p:cNvSpPr>
+          <p:nvPr>
+            <p:ph type="sldNum" sz="quarter" idx="5"/>
+          </p:nvPr>
+        </p:nvSpPr>
+        <p:spPr>
+          <a:xfrm>
+            <a:off x="3884613" y="8685213"/>
+            <a:ext cx="2971800" cy="457200"/>
+          </a:xfrm>
+          <a:prstGeom prst="rect">
+            <a:avLst/>
+          </a:prstGeom>
+        </p:spPr>
+        <p:txBody>
+          <a:bodyPr vert="horz" lIns="91440" tIns="45720" rIns="91440" bIns="45720" rtlCol="0" anchor="b"/>
+          <a:lstStyle>
+            <a:lvl1pPr algn="r">
+              <a:defRPr sz="1200"/>
+            </a:lvl1pPr>
+          </a:lstStyle>
+          <a:p>
+            <a:fld id="{1439F869-DA14-4207-AB02-EF6C83FE5B97}" type="slidenum">
+              <a:rPr lang="zh-CN" altLang="en-US" smtClean="0"/>
+              <a:t>‹#›</a:t>
+            </a:fld>
+            <a:endParaRPr lang="zh-CN" altLang="en-US"/>
+          </a:p>
+        </p:txBody>
+      </p:sp>
+    </p:spTree>
+    <p:extLst>
+      <p:ext uri="{BB962C8B-B14F-4D97-AF65-F5344CB8AC3E}">
+        <p14:creationId xmlns:p14="http://schemas.microsoft.com/office/powerpoint/2010/main" val="3539870264"/>
+      </p:ext>
+    </p:extLst>
+  </p:cSld>
+  <p:clrMap bg1="lt1" tx1="dk1" bg2="lt2" tx2="dk2" accent1="accent1" accent2="accent2" accent3="accent3" accent4="accent4" accent5="accent5" accent6="accent6" hlink="hlink" folHlink="folHlink"/>
+  <p:notesStyle>
+    <a:lvl1pPr marL="0" algn="l" defTabSz="914400" rtl="0" eaLnBrk="1" latinLnBrk="0" hangingPunct="1">
+      <a:defRPr sz="1200" kern="1200">
+        <a:solidFill>
+          <a:schemeClr val="tx1"/>
+        </a:solidFill>
+        <a:latin typeface="+mn-lt"/>
+        <a:ea typeface="+mn-ea"/>
+        <a:cs typeface="+mn-cs"/>
+      </a:defRPr>
+    </a:lvl1pPr>
+    <a:lvl2pPr marL="457200" algn="l" defTabSz="914400" rtl="0" eaLnBrk="1" latinLnBrk="0" hangingPunct="1">
+      <a:defRPr sz="1200" kern="1200">
+        <a:solidFill>
+          <a:schemeClr val="tx1"/>
+        </a:solidFill>
+        <a:latin typeface="+mn-lt"/>
+        <a:ea typeface="+mn-ea"/>
+        <a:cs typeface="+mn-cs"/>
+      </a:defRPr>
+    </a:lvl2pPr>
+    <a:lvl3pPr marL="914400" algn="l" defTabSz="914400" rtl="0" eaLnBrk="1" latinLnBrk="0" hangingPunct="1">
+      <a:defRPr sz="1200" kern="1200">
+        <a:solidFill>
+          <a:schemeClr val="tx1"/>
+        </a:solidFill>
+        <a:latin typeface="+mn-lt"/>
+        <a:ea typeface="+mn-ea"/>
+        <a:cs typeface="+mn-cs"/>
+      </a:defRPr>
+    </a:lvl3pPr>
+    <a:lvl4pPr marL="1371600" algn="l" defTabSz="914400" rtl="0" eaLnBrk="1" latinLnBrk="0" hangingPunct="1">
+      <a:defRPr sz="1200" kern="1200">
+        <a:solidFill>
+          <a:schemeClr val="tx1"/>
+        </a:solidFill>
+        <a:latin typeface="+mn-lt"/>
+        <a:ea typeface="+mn-ea"/>
+        <a:cs typeface="+mn-cs"/>
+      </a:defRPr>
+    </a:lvl4pPr>
+    <a:lvl5pPr marL="1828800" algn="l" defTabSz="914400" rtl="0" eaLnBrk="1" latinLnBrk="0" hangingPunct="1">
+      <a:defRPr sz="1200" kern="1200">
+        <a:solidFill>
+          <a:schemeClr val="tx1"/>
+        </a:solidFill>
+        <a:latin typeface="+mn-lt"/>
+        <a:ea typeface="+mn-ea"/>
+        <a:cs typeface="+mn-cs"/>
+      </a:defRPr>
+    </a:lvl5pPr>
+    <a:lvl6pPr marL="2286000" algn="l" defTabSz="914400" rtl="0" eaLnBrk="1" latinLnBrk="0" hangingPunct="1">
+      <a:defRPr sz="1200" kern="1200">
+        <a:solidFill>
+          <a:schemeClr val="tx1"/>
+        </a:solidFill>
+        <a:latin typeface="+mn-lt"/>
+        <a:ea typeface="+mn-ea"/>
+        <a:cs typeface="+mn-cs"/>
+      </a:defRPr>
+    </a:lvl6pPr>
+    <a:lvl7pPr marL="2743200" algn="l" defTabSz="914400" rtl="0" eaLnBrk="1" latinLnBrk="0" hangingPunct="1">
+      <a:defRPr sz="1200" kern="1200">
+        <a:solidFill>
+          <a:schemeClr val="tx1"/>
+        </a:solidFill>
+        <a:latin typeface="+mn-lt"/>
+        <a:ea typeface="+mn-ea"/>
+        <a:cs typeface="+mn-cs"/>
+      </a:defRPr>
+    </a:lvl7pPr>
+    <a:lvl8pPr marL="3200400" algn="l" defTabSz="914400" rtl="0" eaLnBrk="1" latinLnBrk="0" hangingPunct="1">
+      <a:defRPr sz="1200" kern="1200">
+        <a:solidFill>
+          <a:schemeClr val="tx1"/>
+        </a:solidFill>
+        <a:latin typeface="+mn-lt"/>
+        <a:ea typeface="+mn-ea"/>
+        <a:cs typeface="+mn-cs"/>
+      </a:defRPr>
+    </a:lvl8pPr>
+    <a:lvl9pPr marL="3657600" algn="l" defTabSz="914400" rtl="0" eaLnBrk="1" latinLnBrk="0" hangingPunct="1">
+      <a:defRPr sz="1200" kern="1200">
+        <a:solidFill>
+          <a:schemeClr val="tx1"/>
+        </a:solidFill>
+        <a:latin typeface="+mn-lt"/>
+        <a:ea typeface="+mn-ea"/>
+        <a:cs typeface="+mn-cs"/>
+      </a:defRPr>
+    </a:lvl9pPr>
+  </p:notesStyle>
+</p:notesMaster>
 </file>
 
 <file path=ppt/slideLayouts/slideLayout1.xml><?xml version="1.0" encoding="utf-8"?>
@@ -3271,7 +3626,7 @@
           <a:graphicData uri="http://schemas.openxmlformats.org/presentationml/2006/ole">
             <mc:AlternateContent xmlns:mc="http://schemas.openxmlformats.org/markup-compatibility/2006">
               <mc:Choice xmlns:v="urn:schemas-microsoft-com:vml" Requires="v">
-                <p:oleObj spid="_x0000_s1029" name="文档" r:id="rId3" imgW="5594453" imgH="3640410" progId="Word.Document.12">
+                <p:oleObj spid="_x0000_s1037" name="文档" r:id="rId3" imgW="5594453" imgH="3640410" progId="Word.Document.12">
                   <p:embed/>
                 </p:oleObj>
               </mc:Choice>
@@ -3338,14 +3693,172 @@
       </p:grpSpPr>
       <p:sp>
         <p:nvSpPr>
-          <p:cNvPr id="33" name="任意多边形 32"/>
+          <p:cNvPr id="39" name="任意多边形 38"/>
           <p:cNvSpPr/>
           <p:nvPr/>
         </p:nvSpPr>
         <p:spPr>
           <a:xfrm>
-            <a:off x="3917511" y="3579293"/>
-            <a:ext cx="349286" cy="704374"/>
+            <a:off x="4215446" y="2760685"/>
+            <a:ext cx="346006" cy="369522"/>
+          </a:xfrm>
+          <a:custGeom>
+            <a:avLst/>
+            <a:gdLst>
+              <a:gd name="connsiteX0" fmla="*/ 0 w 376314"/>
+              <a:gd name="connsiteY0" fmla="*/ 0 h 307876"/>
+              <a:gd name="connsiteX1" fmla="*/ 114300 w 376314"/>
+              <a:gd name="connsiteY1" fmla="*/ 149469 h 307876"/>
+              <a:gd name="connsiteX2" fmla="*/ 360485 w 376314"/>
+              <a:gd name="connsiteY2" fmla="*/ 70338 h 307876"/>
+              <a:gd name="connsiteX3" fmla="*/ 351693 w 376314"/>
+              <a:gd name="connsiteY3" fmla="*/ 272561 h 307876"/>
+              <a:gd name="connsiteX4" fmla="*/ 351693 w 376314"/>
+              <a:gd name="connsiteY4" fmla="*/ 307731 h 307876"/>
+            </a:gdLst>
+            <a:ahLst/>
+            <a:cxnLst>
+              <a:cxn ang="0">
+                <a:pos x="connsiteX0" y="connsiteY0"/>
+              </a:cxn>
+              <a:cxn ang="0">
+                <a:pos x="connsiteX1" y="connsiteY1"/>
+              </a:cxn>
+              <a:cxn ang="0">
+                <a:pos x="connsiteX2" y="connsiteY2"/>
+              </a:cxn>
+              <a:cxn ang="0">
+                <a:pos x="connsiteX3" y="connsiteY3"/>
+              </a:cxn>
+              <a:cxn ang="0">
+                <a:pos x="connsiteX4" y="connsiteY4"/>
+              </a:cxn>
+            </a:cxnLst>
+            <a:rect l="l" t="t" r="r" b="b"/>
+            <a:pathLst>
+              <a:path w="376314" h="307876">
+                <a:moveTo>
+                  <a:pt x="0" y="0"/>
+                </a:moveTo>
+                <a:cubicBezTo>
+                  <a:pt x="27109" y="68873"/>
+                  <a:pt x="54219" y="137746"/>
+                  <a:pt x="114300" y="149469"/>
+                </a:cubicBezTo>
+                <a:cubicBezTo>
+                  <a:pt x="174381" y="161192"/>
+                  <a:pt x="320920" y="49823"/>
+                  <a:pt x="360485" y="70338"/>
+                </a:cubicBezTo>
+                <a:cubicBezTo>
+                  <a:pt x="400050" y="90853"/>
+                  <a:pt x="353158" y="232996"/>
+                  <a:pt x="351693" y="272561"/>
+                </a:cubicBezTo>
+                <a:cubicBezTo>
+                  <a:pt x="350228" y="312126"/>
+                  <a:pt x="351693" y="307731"/>
+                  <a:pt x="351693" y="307731"/>
+                </a:cubicBezTo>
+              </a:path>
+            </a:pathLst>
+          </a:custGeom>
+          <a:noFill/>
+          <a:ln>
+            <a:solidFill>
+              <a:schemeClr val="tx1"/>
+            </a:solidFill>
+          </a:ln>
+        </p:spPr>
+        <p:style>
+          <a:lnRef idx="2">
+            <a:schemeClr val="accent1">
+              <a:shade val="50000"/>
+            </a:schemeClr>
+          </a:lnRef>
+          <a:fillRef idx="1">
+            <a:schemeClr val="accent1"/>
+          </a:fillRef>
+          <a:effectRef idx="0">
+            <a:schemeClr val="accent1"/>
+          </a:effectRef>
+          <a:fontRef idx="minor">
+            <a:schemeClr val="lt1"/>
+          </a:fontRef>
+        </p:style>
+        <p:txBody>
+          <a:bodyPr rtlCol="0" anchor="ctr"/>
+          <a:lstStyle/>
+          <a:p>
+            <a:pPr algn="ctr"/>
+            <a:endParaRPr lang="zh-CN" altLang="en-US"/>
+          </a:p>
+        </p:txBody>
+      </p:sp>
+      <p:pic>
+        <p:nvPicPr>
+          <p:cNvPr id="2051" name="Picture 3"/>
+          <p:cNvPicPr>
+            <a:picLocks noChangeAspect="1" noChangeArrowheads="1"/>
+          </p:cNvPicPr>
+          <p:nvPr/>
+        </p:nvPicPr>
+        <p:blipFill>
+          <a:blip r:embed="rId2" cstate="print">
+            <a:extLst>
+              <a:ext uri="{28A0092B-C50C-407E-A947-70E740481C1C}">
+                <a14:useLocalDpi xmlns:a14="http://schemas.microsoft.com/office/drawing/2010/main" val="0"/>
+              </a:ext>
+            </a:extLst>
+          </a:blip>
+          <a:srcRect/>
+          <a:stretch>
+            <a:fillRect/>
+          </a:stretch>
+        </p:blipFill>
+        <p:spPr bwMode="auto">
+          <a:xfrm>
+            <a:off x="4320438" y="3300781"/>
+            <a:ext cx="611126" cy="423477"/>
+          </a:xfrm>
+          <a:prstGeom prst="rect">
+            <a:avLst/>
+          </a:prstGeom>
+          <a:noFill/>
+          <a:ln>
+            <a:noFill/>
+          </a:ln>
+          <a:extLst>
+            <a:ext uri="{909E8E84-426E-40DD-AFC4-6F175D3DCCD1}">
+              <a14:hiddenFill xmlns:a14="http://schemas.microsoft.com/office/drawing/2010/main">
+                <a:solidFill>
+                  <a:schemeClr val="accent1"/>
+                </a:solidFill>
+              </a14:hiddenFill>
+            </a:ext>
+            <a:ext uri="{91240B29-F687-4F45-9708-019B960494DF}">
+              <a14:hiddenLine xmlns:a14="http://schemas.microsoft.com/office/drawing/2010/main" w="9525">
+                <a:solidFill>
+                  <a:schemeClr val="tx1"/>
+                </a:solidFill>
+                <a:miter lim="800000"/>
+                <a:headEnd/>
+                <a:tailEnd/>
+              </a14:hiddenLine>
+            </a:ext>
+          </a:extLst>
+        </p:spPr>
+      </p:pic>
+      <p:sp>
+        <p:nvSpPr>
+          <p:cNvPr id="25" name="任意多边形 24"/>
+          <p:cNvSpPr/>
+          <p:nvPr/>
+        </p:nvSpPr>
+        <p:spPr>
+          <a:xfrm>
+            <a:off x="4020079" y="3821261"/>
+            <a:ext cx="390734" cy="899478"/>
           </a:xfrm>
           <a:custGeom>
             <a:avLst/>
@@ -3420,15 +3933,1191 @@
           </a:p>
         </p:txBody>
       </p:sp>
+      <p:sp>
+        <p:nvSpPr>
+          <p:cNvPr id="22" name="圆角矩形 21"/>
+          <p:cNvSpPr/>
+          <p:nvPr/>
+        </p:nvSpPr>
+        <p:spPr>
+          <a:xfrm>
+            <a:off x="3555003" y="4393909"/>
+            <a:ext cx="561372" cy="225128"/>
+          </a:xfrm>
+          <a:prstGeom prst="roundRect">
+            <a:avLst/>
+          </a:prstGeom>
+          <a:solidFill>
+            <a:schemeClr val="bg1"/>
+          </a:solidFill>
+          <a:ln w="28575">
+            <a:solidFill>
+              <a:schemeClr val="tx1"/>
+            </a:solidFill>
+          </a:ln>
+        </p:spPr>
+        <p:style>
+          <a:lnRef idx="2">
+            <a:schemeClr val="accent1">
+              <a:shade val="50000"/>
+            </a:schemeClr>
+          </a:lnRef>
+          <a:fillRef idx="1">
+            <a:schemeClr val="accent1"/>
+          </a:fillRef>
+          <a:effectRef idx="0">
+            <a:schemeClr val="accent1"/>
+          </a:effectRef>
+          <a:fontRef idx="minor">
+            <a:schemeClr val="lt1"/>
+          </a:fontRef>
+        </p:style>
+        <p:txBody>
+          <a:bodyPr rtlCol="0" anchor="ctr"/>
+          <a:lstStyle/>
+          <a:p>
+            <a:pPr algn="ctr"/>
+            <a:endParaRPr lang="zh-CN" altLang="en-US"/>
+          </a:p>
+        </p:txBody>
+      </p:sp>
+      <p:sp>
+        <p:nvSpPr>
+          <p:cNvPr id="2" name="TextBox 1"/>
+          <p:cNvSpPr txBox="1"/>
+          <p:nvPr/>
+        </p:nvSpPr>
+        <p:spPr>
+          <a:xfrm>
+            <a:off x="107504" y="99601"/>
+            <a:ext cx="1656184" cy="1754326"/>
+          </a:xfrm>
+          <a:prstGeom prst="rect">
+            <a:avLst/>
+          </a:prstGeom>
+          <a:noFill/>
+        </p:spPr>
+        <p:txBody>
+          <a:bodyPr wrap="square" rtlCol="0">
+            <a:spAutoFit/>
+          </a:bodyPr>
+          <a:lstStyle/>
+          <a:p>
+            <a:r>
+              <a:rPr lang="zh-CN" altLang="en-US" dirty="0" smtClean="0"/>
+              <a:t>系统校准</a:t>
+            </a:r>
+            <a:endParaRPr lang="en-US" altLang="zh-CN" dirty="0" smtClean="0"/>
+          </a:p>
+          <a:p>
+            <a:r>
+              <a:rPr lang="zh-CN" altLang="en-US" dirty="0" smtClean="0"/>
+              <a:t>数字相移</a:t>
+            </a:r>
+            <a:endParaRPr lang="en-US" altLang="zh-CN" dirty="0" smtClean="0"/>
+          </a:p>
+          <a:p>
+            <a:r>
+              <a:rPr lang="zh-CN" altLang="en-US" dirty="0"/>
+              <a:t>条</a:t>
+            </a:r>
+            <a:r>
+              <a:rPr lang="zh-CN" altLang="en-US" dirty="0" smtClean="0"/>
+              <a:t>纹去除</a:t>
+            </a:r>
+            <a:endParaRPr lang="en-US" altLang="zh-CN" dirty="0" smtClean="0"/>
+          </a:p>
+          <a:p>
+            <a:r>
+              <a:rPr lang="zh-CN" altLang="en-US" dirty="0"/>
+              <a:t>相</a:t>
+            </a:r>
+            <a:r>
+              <a:rPr lang="zh-CN" altLang="en-US" dirty="0" smtClean="0"/>
+              <a:t>位提取</a:t>
+            </a:r>
+            <a:endParaRPr lang="en-US" altLang="zh-CN" dirty="0" smtClean="0"/>
+          </a:p>
+          <a:p>
+            <a:r>
+              <a:rPr lang="zh-CN" altLang="en-US" dirty="0"/>
+              <a:t>相</a:t>
+            </a:r>
+            <a:r>
+              <a:rPr lang="zh-CN" altLang="en-US" dirty="0" smtClean="0"/>
+              <a:t>位展开</a:t>
+            </a:r>
+            <a:endParaRPr lang="en-US" altLang="zh-CN" dirty="0" smtClean="0"/>
+          </a:p>
+          <a:p>
+            <a:r>
+              <a:rPr lang="zh-CN" altLang="en-US" dirty="0" smtClean="0"/>
+              <a:t>高度转换</a:t>
+            </a:r>
+            <a:endParaRPr lang="zh-CN" altLang="en-US" dirty="0"/>
+          </a:p>
+        </p:txBody>
+      </p:sp>
+      <p:sp>
+        <p:nvSpPr>
+          <p:cNvPr id="3" name="矩形 2"/>
+          <p:cNvSpPr/>
+          <p:nvPr/>
+        </p:nvSpPr>
+        <p:spPr>
+          <a:xfrm>
+            <a:off x="4266797" y="3124740"/>
+            <a:ext cx="1080120" cy="720080"/>
+          </a:xfrm>
+          <a:prstGeom prst="rect">
+            <a:avLst/>
+          </a:prstGeom>
+          <a:noFill/>
+          <a:ln w="76200">
+            <a:solidFill>
+              <a:schemeClr val="tx1"/>
+            </a:solidFill>
+          </a:ln>
+        </p:spPr>
+        <p:style>
+          <a:lnRef idx="2">
+            <a:schemeClr val="accent1">
+              <a:shade val="50000"/>
+            </a:schemeClr>
+          </a:lnRef>
+          <a:fillRef idx="1">
+            <a:schemeClr val="accent1"/>
+          </a:fillRef>
+          <a:effectRef idx="0">
+            <a:schemeClr val="accent1"/>
+          </a:effectRef>
+          <a:fontRef idx="minor">
+            <a:schemeClr val="lt1"/>
+          </a:fontRef>
+        </p:style>
+        <p:txBody>
+          <a:bodyPr rtlCol="0" anchor="ctr"/>
+          <a:lstStyle/>
+          <a:p>
+            <a:pPr algn="ctr"/>
+            <a:endParaRPr lang="zh-CN" altLang="en-US"/>
+          </a:p>
+        </p:txBody>
+      </p:sp>
+      <p:sp>
+        <p:nvSpPr>
+          <p:cNvPr id="4" name="梯形 3"/>
+          <p:cNvSpPr/>
+          <p:nvPr/>
+        </p:nvSpPr>
+        <p:spPr>
+          <a:xfrm>
+            <a:off x="4554829" y="3844820"/>
+            <a:ext cx="504056" cy="216024"/>
+          </a:xfrm>
+          <a:prstGeom prst="trapezoid">
+            <a:avLst/>
+          </a:prstGeom>
+          <a:solidFill>
+            <a:schemeClr val="bg1"/>
+          </a:solidFill>
+          <a:ln w="19050">
+            <a:solidFill>
+              <a:schemeClr val="tx1"/>
+            </a:solidFill>
+          </a:ln>
+        </p:spPr>
+        <p:style>
+          <a:lnRef idx="2">
+            <a:schemeClr val="accent1">
+              <a:shade val="50000"/>
+            </a:schemeClr>
+          </a:lnRef>
+          <a:fillRef idx="1">
+            <a:schemeClr val="accent1"/>
+          </a:fillRef>
+          <a:effectRef idx="0">
+            <a:schemeClr val="accent1"/>
+          </a:effectRef>
+          <a:fontRef idx="minor">
+            <a:schemeClr val="lt1"/>
+          </a:fontRef>
+        </p:style>
+        <p:txBody>
+          <a:bodyPr rtlCol="0" anchor="ctr"/>
+          <a:lstStyle/>
+          <a:p>
+            <a:pPr algn="ctr"/>
+            <a:endParaRPr lang="zh-CN" altLang="en-US"/>
+          </a:p>
+        </p:txBody>
+      </p:sp>
+      <p:cxnSp>
+        <p:nvCxnSpPr>
+          <p:cNvPr id="6" name="直接箭头连接符 5"/>
+          <p:cNvCxnSpPr/>
+          <p:nvPr/>
+        </p:nvCxnSpPr>
+        <p:spPr>
+          <a:xfrm>
+            <a:off x="2225561" y="2449107"/>
+            <a:ext cx="1440160" cy="1407352"/>
+          </a:xfrm>
+          <a:prstGeom prst="straightConnector1">
+            <a:avLst/>
+          </a:prstGeom>
+          <a:ln w="19050">
+            <a:solidFill>
+              <a:schemeClr val="tx1"/>
+            </a:solidFill>
+            <a:tailEnd type="arrow"/>
+          </a:ln>
+        </p:spPr>
+        <p:style>
+          <a:lnRef idx="1">
+            <a:schemeClr val="accent1"/>
+          </a:lnRef>
+          <a:fillRef idx="0">
+            <a:schemeClr val="accent1"/>
+          </a:fillRef>
+          <a:effectRef idx="0">
+            <a:schemeClr val="accent1"/>
+          </a:effectRef>
+          <a:fontRef idx="minor">
+            <a:schemeClr val="tx1"/>
+          </a:fontRef>
+        </p:style>
+      </p:cxnSp>
+      <p:cxnSp>
+        <p:nvCxnSpPr>
+          <p:cNvPr id="9" name="直接连接符 8"/>
+          <p:cNvCxnSpPr/>
+          <p:nvPr/>
+        </p:nvCxnSpPr>
+        <p:spPr>
+          <a:xfrm>
+            <a:off x="2314037" y="2401879"/>
+            <a:ext cx="0" cy="108012"/>
+          </a:xfrm>
+          <a:prstGeom prst="line">
+            <a:avLst/>
+          </a:prstGeom>
+          <a:ln w="19050">
+            <a:solidFill>
+              <a:schemeClr val="tx1"/>
+            </a:solidFill>
+          </a:ln>
+        </p:spPr>
+        <p:style>
+          <a:lnRef idx="1">
+            <a:schemeClr val="accent1"/>
+          </a:lnRef>
+          <a:fillRef idx="0">
+            <a:schemeClr val="accent1"/>
+          </a:fillRef>
+          <a:effectRef idx="0">
+            <a:schemeClr val="accent1"/>
+          </a:effectRef>
+          <a:fontRef idx="minor">
+            <a:schemeClr val="tx1"/>
+          </a:fontRef>
+        </p:style>
+      </p:cxnSp>
+      <p:cxnSp>
+        <p:nvCxnSpPr>
+          <p:cNvPr id="11" name="直接连接符 10"/>
+          <p:cNvCxnSpPr/>
+          <p:nvPr/>
+        </p:nvCxnSpPr>
+        <p:spPr>
+          <a:xfrm>
+            <a:off x="2466437" y="2554279"/>
+            <a:ext cx="0" cy="108012"/>
+          </a:xfrm>
+          <a:prstGeom prst="line">
+            <a:avLst/>
+          </a:prstGeom>
+          <a:ln w="19050">
+            <a:solidFill>
+              <a:schemeClr val="tx1"/>
+            </a:solidFill>
+          </a:ln>
+        </p:spPr>
+        <p:style>
+          <a:lnRef idx="1">
+            <a:schemeClr val="accent1"/>
+          </a:lnRef>
+          <a:fillRef idx="0">
+            <a:schemeClr val="accent1"/>
+          </a:fillRef>
+          <a:effectRef idx="0">
+            <a:schemeClr val="accent1"/>
+          </a:effectRef>
+          <a:fontRef idx="minor">
+            <a:schemeClr val="tx1"/>
+          </a:fontRef>
+        </p:style>
+      </p:cxnSp>
+      <p:cxnSp>
+        <p:nvCxnSpPr>
+          <p:cNvPr id="12" name="直接连接符 11"/>
+          <p:cNvCxnSpPr/>
+          <p:nvPr/>
+        </p:nvCxnSpPr>
+        <p:spPr>
+          <a:xfrm>
+            <a:off x="2618837" y="2706679"/>
+            <a:ext cx="0" cy="108012"/>
+          </a:xfrm>
+          <a:prstGeom prst="line">
+            <a:avLst/>
+          </a:prstGeom>
+          <a:ln w="19050">
+            <a:solidFill>
+              <a:schemeClr val="tx1"/>
+            </a:solidFill>
+          </a:ln>
+        </p:spPr>
+        <p:style>
+          <a:lnRef idx="1">
+            <a:schemeClr val="accent1"/>
+          </a:lnRef>
+          <a:fillRef idx="0">
+            <a:schemeClr val="accent1"/>
+          </a:fillRef>
+          <a:effectRef idx="0">
+            <a:schemeClr val="accent1"/>
+          </a:effectRef>
+          <a:fontRef idx="minor">
+            <a:schemeClr val="tx1"/>
+          </a:fontRef>
+        </p:style>
+      </p:cxnSp>
+      <p:cxnSp>
+        <p:nvCxnSpPr>
+          <p:cNvPr id="13" name="直接连接符 12"/>
+          <p:cNvCxnSpPr/>
+          <p:nvPr/>
+        </p:nvCxnSpPr>
+        <p:spPr>
+          <a:xfrm>
+            <a:off x="2771237" y="2859079"/>
+            <a:ext cx="0" cy="108012"/>
+          </a:xfrm>
+          <a:prstGeom prst="line">
+            <a:avLst/>
+          </a:prstGeom>
+          <a:ln w="19050">
+            <a:solidFill>
+              <a:schemeClr val="tx1"/>
+            </a:solidFill>
+          </a:ln>
+        </p:spPr>
+        <p:style>
+          <a:lnRef idx="1">
+            <a:schemeClr val="accent1"/>
+          </a:lnRef>
+          <a:fillRef idx="0">
+            <a:schemeClr val="accent1"/>
+          </a:fillRef>
+          <a:effectRef idx="0">
+            <a:schemeClr val="accent1"/>
+          </a:effectRef>
+          <a:fontRef idx="minor">
+            <a:schemeClr val="tx1"/>
+          </a:fontRef>
+        </p:style>
+      </p:cxnSp>
+      <p:cxnSp>
+        <p:nvCxnSpPr>
+          <p:cNvPr id="14" name="直接连接符 13"/>
+          <p:cNvCxnSpPr/>
+          <p:nvPr/>
+        </p:nvCxnSpPr>
+        <p:spPr>
+          <a:xfrm>
+            <a:off x="2923637" y="3011479"/>
+            <a:ext cx="0" cy="108012"/>
+          </a:xfrm>
+          <a:prstGeom prst="line">
+            <a:avLst/>
+          </a:prstGeom>
+          <a:ln w="19050">
+            <a:solidFill>
+              <a:schemeClr val="tx1"/>
+            </a:solidFill>
+          </a:ln>
+        </p:spPr>
+        <p:style>
+          <a:lnRef idx="1">
+            <a:schemeClr val="accent1"/>
+          </a:lnRef>
+          <a:fillRef idx="0">
+            <a:schemeClr val="accent1"/>
+          </a:fillRef>
+          <a:effectRef idx="0">
+            <a:schemeClr val="accent1"/>
+          </a:effectRef>
+          <a:fontRef idx="minor">
+            <a:schemeClr val="tx1"/>
+          </a:fontRef>
+        </p:style>
+      </p:cxnSp>
+      <p:cxnSp>
+        <p:nvCxnSpPr>
+          <p:cNvPr id="15" name="直接连接符 14"/>
+          <p:cNvCxnSpPr/>
+          <p:nvPr/>
+        </p:nvCxnSpPr>
+        <p:spPr>
+          <a:xfrm>
+            <a:off x="3076037" y="3163879"/>
+            <a:ext cx="0" cy="108012"/>
+          </a:xfrm>
+          <a:prstGeom prst="line">
+            <a:avLst/>
+          </a:prstGeom>
+          <a:ln w="19050">
+            <a:solidFill>
+              <a:schemeClr val="tx1"/>
+            </a:solidFill>
+          </a:ln>
+        </p:spPr>
+        <p:style>
+          <a:lnRef idx="1">
+            <a:schemeClr val="accent1"/>
+          </a:lnRef>
+          <a:fillRef idx="0">
+            <a:schemeClr val="accent1"/>
+          </a:fillRef>
+          <a:effectRef idx="0">
+            <a:schemeClr val="accent1"/>
+          </a:effectRef>
+          <a:fontRef idx="minor">
+            <a:schemeClr val="tx1"/>
+          </a:fontRef>
+        </p:style>
+      </p:cxnSp>
+      <p:cxnSp>
+        <p:nvCxnSpPr>
+          <p:cNvPr id="16" name="直接连接符 15"/>
+          <p:cNvCxnSpPr/>
+          <p:nvPr/>
+        </p:nvCxnSpPr>
+        <p:spPr>
+          <a:xfrm>
+            <a:off x="3228437" y="3316279"/>
+            <a:ext cx="0" cy="108012"/>
+          </a:xfrm>
+          <a:prstGeom prst="line">
+            <a:avLst/>
+          </a:prstGeom>
+          <a:ln w="19050">
+            <a:solidFill>
+              <a:schemeClr val="tx1"/>
+            </a:solidFill>
+          </a:ln>
+        </p:spPr>
+        <p:style>
+          <a:lnRef idx="1">
+            <a:schemeClr val="accent1"/>
+          </a:lnRef>
+          <a:fillRef idx="0">
+            <a:schemeClr val="accent1"/>
+          </a:fillRef>
+          <a:effectRef idx="0">
+            <a:schemeClr val="accent1"/>
+          </a:effectRef>
+          <a:fontRef idx="minor">
+            <a:schemeClr val="tx1"/>
+          </a:fontRef>
+        </p:style>
+      </p:cxnSp>
+      <p:cxnSp>
+        <p:nvCxnSpPr>
+          <p:cNvPr id="17" name="直接连接符 16"/>
+          <p:cNvCxnSpPr/>
+          <p:nvPr/>
+        </p:nvCxnSpPr>
+        <p:spPr>
+          <a:xfrm>
+            <a:off x="3380837" y="3468679"/>
+            <a:ext cx="0" cy="108012"/>
+          </a:xfrm>
+          <a:prstGeom prst="line">
+            <a:avLst/>
+          </a:prstGeom>
+          <a:ln w="19050">
+            <a:solidFill>
+              <a:schemeClr val="tx1"/>
+            </a:solidFill>
+          </a:ln>
+        </p:spPr>
+        <p:style>
+          <a:lnRef idx="1">
+            <a:schemeClr val="accent1"/>
+          </a:lnRef>
+          <a:fillRef idx="0">
+            <a:schemeClr val="accent1"/>
+          </a:fillRef>
+          <a:effectRef idx="0">
+            <a:schemeClr val="accent1"/>
+          </a:effectRef>
+          <a:fontRef idx="minor">
+            <a:schemeClr val="tx1"/>
+          </a:fontRef>
+        </p:style>
+      </p:cxnSp>
+      <p:cxnSp>
+        <p:nvCxnSpPr>
+          <p:cNvPr id="18" name="直接连接符 17"/>
+          <p:cNvCxnSpPr/>
+          <p:nvPr/>
+        </p:nvCxnSpPr>
+        <p:spPr>
+          <a:xfrm>
+            <a:off x="3555241" y="3614301"/>
+            <a:ext cx="0" cy="108012"/>
+          </a:xfrm>
+          <a:prstGeom prst="line">
+            <a:avLst/>
+          </a:prstGeom>
+          <a:ln w="19050">
+            <a:solidFill>
+              <a:schemeClr val="tx1"/>
+            </a:solidFill>
+          </a:ln>
+        </p:spPr>
+        <p:style>
+          <a:lnRef idx="1">
+            <a:schemeClr val="accent1"/>
+          </a:lnRef>
+          <a:fillRef idx="0">
+            <a:schemeClr val="accent1"/>
+          </a:fillRef>
+          <a:effectRef idx="0">
+            <a:schemeClr val="accent1"/>
+          </a:effectRef>
+          <a:fontRef idx="minor">
+            <a:schemeClr val="tx1"/>
+          </a:fontRef>
+        </p:style>
+      </p:cxnSp>
+      <p:sp>
+        <p:nvSpPr>
+          <p:cNvPr id="23" name="椭圆 22"/>
+          <p:cNvSpPr/>
+          <p:nvPr/>
+        </p:nvSpPr>
+        <p:spPr>
+          <a:xfrm>
+            <a:off x="3717021" y="4283667"/>
+            <a:ext cx="200490" cy="244387"/>
+          </a:xfrm>
+          <a:prstGeom prst="ellipse">
+            <a:avLst/>
+          </a:prstGeom>
+          <a:solidFill>
+            <a:schemeClr val="bg1"/>
+          </a:solidFill>
+          <a:ln w="38100">
+            <a:solidFill>
+              <a:schemeClr val="tx1"/>
+            </a:solidFill>
+          </a:ln>
+        </p:spPr>
+        <p:style>
+          <a:lnRef idx="2">
+            <a:schemeClr val="accent1">
+              <a:shade val="50000"/>
+            </a:schemeClr>
+          </a:lnRef>
+          <a:fillRef idx="1">
+            <a:schemeClr val="accent1"/>
+          </a:fillRef>
+          <a:effectRef idx="0">
+            <a:schemeClr val="accent1"/>
+          </a:effectRef>
+          <a:fontRef idx="minor">
+            <a:schemeClr val="lt1"/>
+          </a:fontRef>
+        </p:style>
+        <p:txBody>
+          <a:bodyPr rtlCol="0" anchor="ctr"/>
+          <a:lstStyle/>
+          <a:p>
+            <a:pPr algn="ctr"/>
+            <a:endParaRPr lang="zh-CN" altLang="en-US"/>
+          </a:p>
+        </p:txBody>
+      </p:sp>
+      <p:sp>
+        <p:nvSpPr>
+          <p:cNvPr id="26" name="TextBox 25"/>
+          <p:cNvSpPr txBox="1"/>
+          <p:nvPr/>
+        </p:nvSpPr>
+        <p:spPr>
+          <a:xfrm>
+            <a:off x="4936355" y="3232752"/>
+            <a:ext cx="338554" cy="617658"/>
+          </a:xfrm>
+          <a:prstGeom prst="rect">
+            <a:avLst/>
+          </a:prstGeom>
+          <a:noFill/>
+        </p:spPr>
+        <p:txBody>
+          <a:bodyPr vert="eaVert" wrap="square" rtlCol="0">
+            <a:spAutoFit/>
+          </a:bodyPr>
+          <a:lstStyle/>
+          <a:p>
+            <a:r>
+              <a:rPr lang="zh-CN" altLang="en-US" sz="1000" dirty="0" smtClean="0"/>
+              <a:t>系统校准</a:t>
+            </a:r>
+            <a:endParaRPr lang="zh-CN" altLang="en-US" sz="1000" dirty="0"/>
+          </a:p>
+        </p:txBody>
+      </p:sp>
+      <p:sp>
+        <p:nvSpPr>
+          <p:cNvPr id="27" name="圆角矩形 26"/>
+          <p:cNvSpPr/>
+          <p:nvPr/>
+        </p:nvSpPr>
+        <p:spPr>
+          <a:xfrm>
+            <a:off x="3999422" y="2526527"/>
+            <a:ext cx="432048" cy="271527"/>
+          </a:xfrm>
+          <a:prstGeom prst="roundRect">
+            <a:avLst/>
+          </a:prstGeom>
+          <a:solidFill>
+            <a:schemeClr val="bg1"/>
+          </a:solidFill>
+          <a:ln>
+            <a:solidFill>
+              <a:schemeClr val="tx1"/>
+            </a:solidFill>
+          </a:ln>
+        </p:spPr>
+        <p:style>
+          <a:lnRef idx="2">
+            <a:schemeClr val="accent1">
+              <a:shade val="50000"/>
+            </a:schemeClr>
+          </a:lnRef>
+          <a:fillRef idx="1">
+            <a:schemeClr val="accent1"/>
+          </a:fillRef>
+          <a:effectRef idx="0">
+            <a:schemeClr val="accent1"/>
+          </a:effectRef>
+          <a:fontRef idx="minor">
+            <a:schemeClr val="lt1"/>
+          </a:fontRef>
+        </p:style>
+        <p:txBody>
+          <a:bodyPr rtlCol="0" anchor="ctr"/>
+          <a:lstStyle/>
+          <a:p>
+            <a:pPr algn="ctr"/>
+            <a:endParaRPr lang="zh-CN" altLang="en-US"/>
+          </a:p>
+        </p:txBody>
+      </p:sp>
+      <p:sp>
+        <p:nvSpPr>
+          <p:cNvPr id="28" name="椭圆 27"/>
+          <p:cNvSpPr/>
+          <p:nvPr/>
+        </p:nvSpPr>
+        <p:spPr>
+          <a:xfrm>
+            <a:off x="4128412" y="2586090"/>
+            <a:ext cx="174068" cy="152400"/>
+          </a:xfrm>
+          <a:prstGeom prst="ellipse">
+            <a:avLst/>
+          </a:prstGeom>
+          <a:noFill/>
+          <a:ln>
+            <a:solidFill>
+              <a:schemeClr val="tx1"/>
+            </a:solidFill>
+          </a:ln>
+        </p:spPr>
+        <p:style>
+          <a:lnRef idx="2">
+            <a:schemeClr val="accent1">
+              <a:shade val="50000"/>
+            </a:schemeClr>
+          </a:lnRef>
+          <a:fillRef idx="1">
+            <a:schemeClr val="accent1"/>
+          </a:fillRef>
+          <a:effectRef idx="0">
+            <a:schemeClr val="accent1"/>
+          </a:effectRef>
+          <a:fontRef idx="minor">
+            <a:schemeClr val="lt1"/>
+          </a:fontRef>
+        </p:style>
+        <p:txBody>
+          <a:bodyPr rtlCol="0" anchor="ctr"/>
+          <a:lstStyle/>
+          <a:p>
+            <a:pPr algn="ctr"/>
+            <a:endParaRPr lang="zh-CN" altLang="en-US"/>
+          </a:p>
+        </p:txBody>
+      </p:sp>
+      <p:sp>
+        <p:nvSpPr>
+          <p:cNvPr id="29" name="矩形 28"/>
+          <p:cNvSpPr/>
+          <p:nvPr/>
+        </p:nvSpPr>
+        <p:spPr>
+          <a:xfrm>
+            <a:off x="4256760" y="2454519"/>
+            <a:ext cx="102702" cy="72008"/>
+          </a:xfrm>
+          <a:prstGeom prst="rect">
+            <a:avLst/>
+          </a:prstGeom>
+          <a:noFill/>
+          <a:ln>
+            <a:solidFill>
+              <a:schemeClr val="tx1"/>
+            </a:solidFill>
+          </a:ln>
+        </p:spPr>
+        <p:style>
+          <a:lnRef idx="2">
+            <a:schemeClr val="accent1">
+              <a:shade val="50000"/>
+            </a:schemeClr>
+          </a:lnRef>
+          <a:fillRef idx="1">
+            <a:schemeClr val="accent1"/>
+          </a:fillRef>
+          <a:effectRef idx="0">
+            <a:schemeClr val="accent1"/>
+          </a:effectRef>
+          <a:fontRef idx="minor">
+            <a:schemeClr val="lt1"/>
+          </a:fontRef>
+        </p:style>
+        <p:txBody>
+          <a:bodyPr rtlCol="0" anchor="ctr"/>
+          <a:lstStyle/>
+          <a:p>
+            <a:pPr algn="ctr"/>
+            <a:endParaRPr lang="zh-CN" altLang="en-US"/>
+          </a:p>
+        </p:txBody>
+      </p:sp>
+      <p:sp>
+        <p:nvSpPr>
+          <p:cNvPr id="31" name="流程图: 数据 30"/>
+          <p:cNvSpPr/>
+          <p:nvPr/>
+        </p:nvSpPr>
+        <p:spPr>
+          <a:xfrm rot="10800000">
+            <a:off x="2300717" y="2581817"/>
+            <a:ext cx="1080120" cy="541815"/>
+          </a:xfrm>
+          <a:prstGeom prst="flowChartInputOutput">
+            <a:avLst/>
+          </a:prstGeom>
+          <a:solidFill>
+            <a:schemeClr val="bg1"/>
+          </a:solidFill>
+          <a:ln>
+            <a:solidFill>
+              <a:schemeClr val="tx1"/>
+            </a:solidFill>
+          </a:ln>
+        </p:spPr>
+        <p:style>
+          <a:lnRef idx="2">
+            <a:schemeClr val="accent1">
+              <a:shade val="50000"/>
+            </a:schemeClr>
+          </a:lnRef>
+          <a:fillRef idx="1">
+            <a:schemeClr val="accent1"/>
+          </a:fillRef>
+          <a:effectRef idx="0">
+            <a:schemeClr val="accent1"/>
+          </a:effectRef>
+          <a:fontRef idx="minor">
+            <a:schemeClr val="lt1"/>
+          </a:fontRef>
+        </p:style>
+        <p:txBody>
+          <a:bodyPr rtlCol="0" anchor="ctr"/>
+          <a:lstStyle/>
+          <a:p>
+            <a:pPr algn="ctr"/>
+            <a:endParaRPr lang="zh-CN" altLang="en-US"/>
+          </a:p>
+        </p:txBody>
+      </p:sp>
+      <p:sp>
+        <p:nvSpPr>
+          <p:cNvPr id="52" name="矩形 51"/>
+          <p:cNvSpPr/>
+          <p:nvPr/>
+        </p:nvSpPr>
+        <p:spPr>
+          <a:xfrm>
+            <a:off x="2466437" y="2706679"/>
+            <a:ext cx="831538" cy="54006"/>
+          </a:xfrm>
+          <a:prstGeom prst="rect">
+            <a:avLst/>
+          </a:prstGeom>
+          <a:solidFill>
+            <a:schemeClr val="tx1"/>
+          </a:solidFill>
+          <a:ln>
+            <a:solidFill>
+              <a:schemeClr val="tx1"/>
+            </a:solidFill>
+          </a:ln>
+        </p:spPr>
+        <p:style>
+          <a:lnRef idx="2">
+            <a:schemeClr val="accent1">
+              <a:shade val="50000"/>
+            </a:schemeClr>
+          </a:lnRef>
+          <a:fillRef idx="1">
+            <a:schemeClr val="accent1"/>
+          </a:fillRef>
+          <a:effectRef idx="0">
+            <a:schemeClr val="accent1"/>
+          </a:effectRef>
+          <a:fontRef idx="minor">
+            <a:schemeClr val="lt1"/>
+          </a:fontRef>
+        </p:style>
+        <p:txBody>
+          <a:bodyPr rtlCol="0" anchor="ctr"/>
+          <a:lstStyle/>
+          <a:p>
+            <a:pPr algn="ctr"/>
+            <a:endParaRPr lang="zh-CN" altLang="en-US"/>
+          </a:p>
+        </p:txBody>
+      </p:sp>
+      <p:sp>
+        <p:nvSpPr>
+          <p:cNvPr id="53" name="矩形 52"/>
+          <p:cNvSpPr/>
+          <p:nvPr/>
+        </p:nvSpPr>
+        <p:spPr>
+          <a:xfrm>
+            <a:off x="2425007" y="2843282"/>
+            <a:ext cx="831538" cy="54006"/>
+          </a:xfrm>
+          <a:prstGeom prst="rect">
+            <a:avLst/>
+          </a:prstGeom>
+          <a:solidFill>
+            <a:schemeClr val="tx1"/>
+          </a:solidFill>
+          <a:ln>
+            <a:solidFill>
+              <a:schemeClr val="tx1"/>
+            </a:solidFill>
+          </a:ln>
+        </p:spPr>
+        <p:style>
+          <a:lnRef idx="2">
+            <a:schemeClr val="accent1">
+              <a:shade val="50000"/>
+            </a:schemeClr>
+          </a:lnRef>
+          <a:fillRef idx="1">
+            <a:schemeClr val="accent1"/>
+          </a:fillRef>
+          <a:effectRef idx="0">
+            <a:schemeClr val="accent1"/>
+          </a:effectRef>
+          <a:fontRef idx="minor">
+            <a:schemeClr val="lt1"/>
+          </a:fontRef>
+        </p:style>
+        <p:txBody>
+          <a:bodyPr rtlCol="0" anchor="ctr"/>
+          <a:lstStyle/>
+          <a:p>
+            <a:pPr algn="ctr"/>
+            <a:endParaRPr lang="zh-CN" altLang="en-US"/>
+          </a:p>
+        </p:txBody>
+      </p:sp>
+      <p:sp>
+        <p:nvSpPr>
+          <p:cNvPr id="54" name="矩形 53"/>
+          <p:cNvSpPr/>
+          <p:nvPr/>
+        </p:nvSpPr>
+        <p:spPr>
+          <a:xfrm>
+            <a:off x="2355468" y="2967091"/>
+            <a:ext cx="831538" cy="54006"/>
+          </a:xfrm>
+          <a:prstGeom prst="rect">
+            <a:avLst/>
+          </a:prstGeom>
+          <a:solidFill>
+            <a:schemeClr val="tx1"/>
+          </a:solidFill>
+          <a:ln>
+            <a:solidFill>
+              <a:schemeClr val="tx1"/>
+            </a:solidFill>
+          </a:ln>
+        </p:spPr>
+        <p:style>
+          <a:lnRef idx="2">
+            <a:schemeClr val="accent1">
+              <a:shade val="50000"/>
+            </a:schemeClr>
+          </a:lnRef>
+          <a:fillRef idx="1">
+            <a:schemeClr val="accent1"/>
+          </a:fillRef>
+          <a:effectRef idx="0">
+            <a:schemeClr val="accent1"/>
+          </a:effectRef>
+          <a:fontRef idx="minor">
+            <a:schemeClr val="lt1"/>
+          </a:fontRef>
+        </p:style>
+        <p:txBody>
+          <a:bodyPr rtlCol="0" anchor="ctr"/>
+          <a:lstStyle/>
+          <a:p>
+            <a:pPr algn="ctr"/>
+            <a:endParaRPr lang="zh-CN" altLang="en-US"/>
+          </a:p>
+        </p:txBody>
+      </p:sp>
+      <p:sp>
+        <p:nvSpPr>
+          <p:cNvPr id="2063" name="矩形 2062"/>
+          <p:cNvSpPr/>
+          <p:nvPr/>
+        </p:nvSpPr>
+        <p:spPr>
+          <a:xfrm>
+            <a:off x="2151392" y="2285008"/>
+            <a:ext cx="3407967" cy="2666674"/>
+          </a:xfrm>
+          <a:prstGeom prst="rect">
+            <a:avLst/>
+          </a:prstGeom>
+          <a:noFill/>
+          <a:ln>
+            <a:solidFill>
+              <a:schemeClr val="tx1"/>
+            </a:solidFill>
+            <a:prstDash val="sysDot"/>
+          </a:ln>
+        </p:spPr>
+        <p:style>
+          <a:lnRef idx="2">
+            <a:schemeClr val="accent1">
+              <a:shade val="50000"/>
+            </a:schemeClr>
+          </a:lnRef>
+          <a:fillRef idx="1">
+            <a:schemeClr val="accent1"/>
+          </a:fillRef>
+          <a:effectRef idx="0">
+            <a:schemeClr val="accent1"/>
+          </a:effectRef>
+          <a:fontRef idx="minor">
+            <a:schemeClr val="lt1"/>
+          </a:fontRef>
+        </p:style>
+        <p:txBody>
+          <a:bodyPr rtlCol="0" anchor="ctr"/>
+          <a:lstStyle/>
+          <a:p>
+            <a:pPr algn="ctr"/>
+            <a:endParaRPr lang="zh-CN" altLang="en-US"/>
+          </a:p>
+        </p:txBody>
+      </p:sp>
+      <p:sp>
+        <p:nvSpPr>
+          <p:cNvPr id="5" name="TextBox 4"/>
+          <p:cNvSpPr txBox="1"/>
+          <p:nvPr/>
+        </p:nvSpPr>
+        <p:spPr>
+          <a:xfrm>
+            <a:off x="3038601" y="4393909"/>
+            <a:ext cx="797088" cy="246221"/>
+          </a:xfrm>
+          <a:prstGeom prst="rect">
+            <a:avLst/>
+          </a:prstGeom>
+          <a:noFill/>
+        </p:spPr>
+        <p:txBody>
+          <a:bodyPr wrap="square" rtlCol="0">
+            <a:spAutoFit/>
+          </a:bodyPr>
+          <a:lstStyle/>
+          <a:p>
+            <a:r>
+              <a:rPr lang="zh-CN" altLang="en-US" sz="1000" dirty="0" smtClean="0"/>
+              <a:t>投影仪</a:t>
+            </a:r>
+            <a:endParaRPr lang="zh-CN" altLang="en-US" sz="1000" dirty="0"/>
+          </a:p>
+        </p:txBody>
+      </p:sp>
+      <p:sp>
+        <p:nvSpPr>
+          <p:cNvPr id="30" name="TextBox 29"/>
+          <p:cNvSpPr txBox="1"/>
+          <p:nvPr/>
+        </p:nvSpPr>
+        <p:spPr>
+          <a:xfrm>
+            <a:off x="3665721" y="2263670"/>
+            <a:ext cx="797088" cy="246221"/>
+          </a:xfrm>
+          <a:prstGeom prst="rect">
+            <a:avLst/>
+          </a:prstGeom>
+          <a:noFill/>
+        </p:spPr>
+        <p:txBody>
+          <a:bodyPr wrap="square" rtlCol="0">
+            <a:spAutoFit/>
+          </a:bodyPr>
+          <a:lstStyle/>
+          <a:p>
+            <a:r>
+              <a:rPr lang="zh-CN" altLang="en-US" sz="1000" dirty="0" smtClean="0"/>
+              <a:t>相机</a:t>
+            </a:r>
+            <a:endParaRPr lang="zh-CN" altLang="en-US" sz="1000" dirty="0"/>
+          </a:p>
+        </p:txBody>
+      </p:sp>
+      <p:sp>
+        <p:nvSpPr>
+          <p:cNvPr id="7" name="TextBox 6"/>
+          <p:cNvSpPr txBox="1"/>
+          <p:nvPr/>
+        </p:nvSpPr>
+        <p:spPr>
+          <a:xfrm>
+            <a:off x="2147490" y="3224481"/>
+            <a:ext cx="1171512" cy="246221"/>
+          </a:xfrm>
+          <a:prstGeom prst="rect">
+            <a:avLst/>
+          </a:prstGeom>
+          <a:noFill/>
+        </p:spPr>
+        <p:txBody>
+          <a:bodyPr wrap="square" rtlCol="0">
+            <a:spAutoFit/>
+          </a:bodyPr>
+          <a:lstStyle/>
+          <a:p>
+            <a:r>
+              <a:rPr lang="zh-CN" altLang="en-US" sz="1000" dirty="0"/>
+              <a:t>平移台</a:t>
+            </a:r>
+          </a:p>
+        </p:txBody>
+      </p:sp>
+      <p:sp>
+        <p:nvSpPr>
+          <p:cNvPr id="8" name="TextBox 7"/>
+          <p:cNvSpPr txBox="1"/>
+          <p:nvPr/>
+        </p:nvSpPr>
+        <p:spPr>
+          <a:xfrm>
+            <a:off x="2579295" y="2325996"/>
+            <a:ext cx="923486" cy="246221"/>
+          </a:xfrm>
+          <a:prstGeom prst="rect">
+            <a:avLst/>
+          </a:prstGeom>
+          <a:noFill/>
+        </p:spPr>
+        <p:txBody>
+          <a:bodyPr wrap="square" rtlCol="0">
+            <a:spAutoFit/>
+          </a:bodyPr>
+          <a:lstStyle/>
+          <a:p>
+            <a:r>
+              <a:rPr lang="zh-CN" altLang="en-US" sz="1000" dirty="0" smtClean="0"/>
+              <a:t>校准平面</a:t>
+            </a:r>
+            <a:endParaRPr lang="zh-CN" altLang="en-US" sz="1000" dirty="0"/>
+          </a:p>
+        </p:txBody>
+      </p:sp>
+    </p:spTree>
+    <p:extLst>
+      <p:ext uri="{BB962C8B-B14F-4D97-AF65-F5344CB8AC3E}">
+        <p14:creationId xmlns:p14="http://schemas.microsoft.com/office/powerpoint/2010/main" val="772118323"/>
+      </p:ext>
+    </p:extLst>
+  </p:cSld>
+  <p:clrMapOvr>
+    <a:masterClrMapping/>
+  </p:clrMapOvr>
+</p:sld>
+</file>
+
+<file path=ppt/slides/slide3.xml><?xml version="1.0" encoding="utf-8"?>
+<p:sld xmlns:a="http://schemas.openxmlformats.org/drawingml/2006/main" xmlns:r="http://schemas.openxmlformats.org/officeDocument/2006/relationships" xmlns:p="http://schemas.openxmlformats.org/presentationml/2006/main">
+  <p:cSld>
+    <p:spTree>
+      <p:nvGrpSpPr>
+        <p:cNvPr id="1" name=""/>
+        <p:cNvGrpSpPr/>
+        <p:nvPr/>
+      </p:nvGrpSpPr>
+      <p:grpSpPr>
+        <a:xfrm>
+          <a:off x="0" y="0"/>
+          <a:ext cx="0" cy="0"/>
+          <a:chOff x="0" y="0"/>
+          <a:chExt cx="0" cy="0"/>
+        </a:xfrm>
+      </p:grpSpPr>
       <p:pic>
         <p:nvPicPr>
-          <p:cNvPr id="2051" name="Picture 3"/>
+          <p:cNvPr id="2050" name="Picture 2"/>
           <p:cNvPicPr>
             <a:picLocks noChangeAspect="1" noChangeArrowheads="1"/>
           </p:cNvPicPr>
           <p:nvPr/>
         </p:nvPicPr>
-        <p:blipFill>
+        <p:blipFill rotWithShape="1">
           <a:blip r:embed="rId2" cstate="print">
             <a:extLst>
               <a:ext uri="{28A0092B-C50C-407E-A947-70E740481C1C}">
@@ -3436,15 +5125,13 @@
               </a:ext>
             </a:extLst>
           </a:blip>
-          <a:srcRect/>
-          <a:stretch>
-            <a:fillRect/>
-          </a:stretch>
+          <a:srcRect l="32338" t="35953" r="32338" b="31832"/>
+          <a:stretch/>
         </p:blipFill>
         <p:spPr bwMode="auto">
           <a:xfrm>
-            <a:off x="4320438" y="3300781"/>
-            <a:ext cx="611126" cy="423477"/>
+            <a:off x="6628082" y="3686410"/>
+            <a:ext cx="588529" cy="678391"/>
           </a:xfrm>
           <a:prstGeom prst="rect">
             <a:avLst/>
@@ -3474,9 +5161,615 @@
           </a:extLst>
         </p:spPr>
       </p:pic>
-      <p:sp>
-        <p:nvSpPr>
-          <p:cNvPr id="25" name="任意多边形 24"/>
+      <p:pic>
+        <p:nvPicPr>
+          <p:cNvPr id="12" name="Picture 2"/>
+          <p:cNvPicPr>
+            <a:picLocks noChangeAspect="1" noChangeArrowheads="1"/>
+          </p:cNvPicPr>
+          <p:nvPr/>
+        </p:nvPicPr>
+        <p:blipFill rotWithShape="1">
+          <a:blip r:embed="rId3" cstate="print">
+            <a:extLst>
+              <a:ext uri="{28A0092B-C50C-407E-A947-70E740481C1C}">
+                <a14:useLocalDpi xmlns:a14="http://schemas.microsoft.com/office/drawing/2010/main" val="0"/>
+              </a:ext>
+            </a:extLst>
+          </a:blip>
+          <a:srcRect l="32338" t="35953" r="32338" b="31832"/>
+          <a:stretch/>
+        </p:blipFill>
+        <p:spPr bwMode="auto">
+          <a:xfrm>
+            <a:off x="467545" y="4669548"/>
+            <a:ext cx="592390" cy="682842"/>
+          </a:xfrm>
+          <a:prstGeom prst="rect">
+            <a:avLst/>
+          </a:prstGeom>
+          <a:noFill/>
+          <a:ln>
+            <a:noFill/>
+          </a:ln>
+          <a:extLst>
+            <a:ext uri="{909E8E84-426E-40DD-AFC4-6F175D3DCCD1}">
+              <a14:hiddenFill xmlns:a14="http://schemas.microsoft.com/office/drawing/2010/main">
+                <a:solidFill>
+                  <a:schemeClr val="accent1"/>
+                </a:solidFill>
+              </a14:hiddenFill>
+            </a:ext>
+            <a:ext uri="{91240B29-F687-4F45-9708-019B960494DF}">
+              <a14:hiddenLine xmlns:a14="http://schemas.microsoft.com/office/drawing/2010/main" w="9525">
+                <a:solidFill>
+                  <a:schemeClr val="tx1"/>
+                </a:solidFill>
+                <a:miter lim="800000"/>
+                <a:headEnd/>
+                <a:tailEnd/>
+              </a14:hiddenLine>
+            </a:ext>
+          </a:extLst>
+        </p:spPr>
+      </p:pic>
+      <p:pic>
+        <p:nvPicPr>
+          <p:cNvPr id="2052" name="Picture 4"/>
+          <p:cNvPicPr>
+            <a:picLocks noChangeAspect="1" noChangeArrowheads="1"/>
+          </p:cNvPicPr>
+          <p:nvPr/>
+        </p:nvPicPr>
+        <p:blipFill rotWithShape="1">
+          <a:blip r:embed="rId4">
+            <a:extLst>
+              <a:ext uri="{28A0092B-C50C-407E-A947-70E740481C1C}">
+                <a14:useLocalDpi xmlns:a14="http://schemas.microsoft.com/office/drawing/2010/main" val="0"/>
+              </a:ext>
+            </a:extLst>
+          </a:blip>
+          <a:srcRect r="20244" b="8892"/>
+          <a:stretch/>
+        </p:blipFill>
+        <p:spPr bwMode="auto">
+          <a:xfrm>
+            <a:off x="4302480" y="3121034"/>
+            <a:ext cx="633875" cy="700227"/>
+          </a:xfrm>
+          <a:prstGeom prst="rect">
+            <a:avLst/>
+          </a:prstGeom>
+          <a:noFill/>
+          <a:ln>
+            <a:noFill/>
+          </a:ln>
+          <a:extLst>
+            <a:ext uri="{909E8E84-426E-40DD-AFC4-6F175D3DCCD1}">
+              <a14:hiddenFill xmlns:a14="http://schemas.microsoft.com/office/drawing/2010/main">
+                <a:solidFill>
+                  <a:schemeClr val="accent1"/>
+                </a:solidFill>
+              </a14:hiddenFill>
+            </a:ext>
+            <a:ext uri="{91240B29-F687-4F45-9708-019B960494DF}">
+              <a14:hiddenLine xmlns:a14="http://schemas.microsoft.com/office/drawing/2010/main" w="9525">
+                <a:solidFill>
+                  <a:schemeClr val="tx1"/>
+                </a:solidFill>
+                <a:miter lim="800000"/>
+                <a:headEnd/>
+                <a:tailEnd/>
+              </a14:hiddenLine>
+            </a:ext>
+          </a:extLst>
+        </p:spPr>
+      </p:pic>
+      <p:sp>
+        <p:nvSpPr>
+          <p:cNvPr id="2" name="TextBox 1"/>
+          <p:cNvSpPr txBox="1"/>
+          <p:nvPr/>
+        </p:nvSpPr>
+        <p:spPr>
+          <a:xfrm>
+            <a:off x="467544" y="404664"/>
+            <a:ext cx="1656184" cy="2031325"/>
+          </a:xfrm>
+          <a:prstGeom prst="rect">
+            <a:avLst/>
+          </a:prstGeom>
+          <a:noFill/>
+        </p:spPr>
+        <p:txBody>
+          <a:bodyPr wrap="square" rtlCol="0">
+            <a:spAutoFit/>
+          </a:bodyPr>
+          <a:lstStyle/>
+          <a:p>
+            <a:r>
+              <a:rPr lang="zh-CN" altLang="en-US" dirty="0" smtClean="0"/>
+              <a:t>系统校准</a:t>
+            </a:r>
+            <a:endParaRPr lang="en-US" altLang="zh-CN" dirty="0" smtClean="0"/>
+          </a:p>
+          <a:p>
+            <a:r>
+              <a:rPr lang="zh-CN" altLang="en-US" dirty="0"/>
+              <a:t>投</a:t>
+            </a:r>
+            <a:r>
+              <a:rPr lang="zh-CN" altLang="en-US" dirty="0" smtClean="0"/>
+              <a:t>影成像</a:t>
+            </a:r>
+            <a:endParaRPr lang="en-US" altLang="zh-CN" dirty="0" smtClean="0"/>
+          </a:p>
+          <a:p>
+            <a:r>
+              <a:rPr lang="zh-CN" altLang="en-US" dirty="0" smtClean="0"/>
+              <a:t>数字相移</a:t>
+            </a:r>
+            <a:endParaRPr lang="en-US" altLang="zh-CN" dirty="0" smtClean="0"/>
+          </a:p>
+          <a:p>
+            <a:r>
+              <a:rPr lang="zh-CN" altLang="en-US" dirty="0"/>
+              <a:t>条</a:t>
+            </a:r>
+            <a:r>
+              <a:rPr lang="zh-CN" altLang="en-US" dirty="0" smtClean="0"/>
+              <a:t>纹去除</a:t>
+            </a:r>
+            <a:endParaRPr lang="en-US" altLang="zh-CN" dirty="0" smtClean="0"/>
+          </a:p>
+          <a:p>
+            <a:r>
+              <a:rPr lang="zh-CN" altLang="en-US" dirty="0"/>
+              <a:t>相</a:t>
+            </a:r>
+            <a:r>
+              <a:rPr lang="zh-CN" altLang="en-US" dirty="0" smtClean="0"/>
+              <a:t>位提取</a:t>
+            </a:r>
+            <a:endParaRPr lang="en-US" altLang="zh-CN" dirty="0" smtClean="0"/>
+          </a:p>
+          <a:p>
+            <a:r>
+              <a:rPr lang="zh-CN" altLang="en-US" dirty="0"/>
+              <a:t>相</a:t>
+            </a:r>
+            <a:r>
+              <a:rPr lang="zh-CN" altLang="en-US" dirty="0" smtClean="0"/>
+              <a:t>位展开</a:t>
+            </a:r>
+            <a:endParaRPr lang="en-US" altLang="zh-CN" dirty="0" smtClean="0"/>
+          </a:p>
+          <a:p>
+            <a:r>
+              <a:rPr lang="zh-CN" altLang="en-US" dirty="0" smtClean="0"/>
+              <a:t>高度转换</a:t>
+            </a:r>
+            <a:endParaRPr lang="zh-CN" altLang="en-US" dirty="0"/>
+          </a:p>
+        </p:txBody>
+      </p:sp>
+      <p:sp>
+        <p:nvSpPr>
+          <p:cNvPr id="6" name="矩形 5"/>
+          <p:cNvSpPr/>
+          <p:nvPr/>
+        </p:nvSpPr>
+        <p:spPr>
+          <a:xfrm>
+            <a:off x="6588224" y="3665566"/>
+            <a:ext cx="1080120" cy="720080"/>
+          </a:xfrm>
+          <a:prstGeom prst="rect">
+            <a:avLst/>
+          </a:prstGeom>
+          <a:noFill/>
+          <a:ln w="76200">
+            <a:solidFill>
+              <a:schemeClr val="tx1"/>
+            </a:solidFill>
+          </a:ln>
+        </p:spPr>
+        <p:style>
+          <a:lnRef idx="2">
+            <a:schemeClr val="accent1">
+              <a:shade val="50000"/>
+            </a:schemeClr>
+          </a:lnRef>
+          <a:fillRef idx="1">
+            <a:schemeClr val="accent1"/>
+          </a:fillRef>
+          <a:effectRef idx="0">
+            <a:schemeClr val="accent1"/>
+          </a:effectRef>
+          <a:fontRef idx="minor">
+            <a:schemeClr val="lt1"/>
+          </a:fontRef>
+        </p:style>
+        <p:txBody>
+          <a:bodyPr rtlCol="0" anchor="ctr"/>
+          <a:lstStyle/>
+          <a:p>
+            <a:pPr algn="ctr"/>
+            <a:endParaRPr lang="zh-CN" altLang="en-US"/>
+          </a:p>
+        </p:txBody>
+      </p:sp>
+      <p:sp>
+        <p:nvSpPr>
+          <p:cNvPr id="7" name="梯形 6"/>
+          <p:cNvSpPr/>
+          <p:nvPr/>
+        </p:nvSpPr>
+        <p:spPr>
+          <a:xfrm>
+            <a:off x="6876256" y="4385646"/>
+            <a:ext cx="504056" cy="216024"/>
+          </a:xfrm>
+          <a:prstGeom prst="trapezoid">
+            <a:avLst/>
+          </a:prstGeom>
+          <a:solidFill>
+            <a:schemeClr val="bg1"/>
+          </a:solidFill>
+          <a:ln w="19050">
+            <a:solidFill>
+              <a:schemeClr val="tx1"/>
+            </a:solidFill>
+          </a:ln>
+        </p:spPr>
+        <p:style>
+          <a:lnRef idx="2">
+            <a:schemeClr val="accent1">
+              <a:shade val="50000"/>
+            </a:schemeClr>
+          </a:lnRef>
+          <a:fillRef idx="1">
+            <a:schemeClr val="accent1"/>
+          </a:fillRef>
+          <a:effectRef idx="0">
+            <a:schemeClr val="accent1"/>
+          </a:effectRef>
+          <a:fontRef idx="minor">
+            <a:schemeClr val="lt1"/>
+          </a:fontRef>
+        </p:style>
+        <p:txBody>
+          <a:bodyPr rtlCol="0" anchor="ctr"/>
+          <a:lstStyle/>
+          <a:p>
+            <a:pPr algn="ctr"/>
+            <a:endParaRPr lang="zh-CN" altLang="en-US"/>
+          </a:p>
+        </p:txBody>
+      </p:sp>
+      <p:sp>
+        <p:nvSpPr>
+          <p:cNvPr id="8" name="TextBox 7"/>
+          <p:cNvSpPr txBox="1"/>
+          <p:nvPr/>
+        </p:nvSpPr>
+        <p:spPr>
+          <a:xfrm>
+            <a:off x="7273177" y="3773578"/>
+            <a:ext cx="323165" cy="617658"/>
+          </a:xfrm>
+          <a:prstGeom prst="rect">
+            <a:avLst/>
+          </a:prstGeom>
+          <a:noFill/>
+        </p:spPr>
+        <p:txBody>
+          <a:bodyPr vert="eaVert" wrap="square" rtlCol="0">
+            <a:spAutoFit/>
+          </a:bodyPr>
+          <a:lstStyle/>
+          <a:p>
+            <a:r>
+              <a:rPr lang="zh-CN" altLang="en-US" sz="900" dirty="0"/>
+              <a:t>数</a:t>
+            </a:r>
+            <a:r>
+              <a:rPr lang="zh-CN" altLang="en-US" sz="900" dirty="0" smtClean="0"/>
+              <a:t>字相移</a:t>
+            </a:r>
+            <a:endParaRPr lang="zh-CN" altLang="en-US" sz="900" dirty="0"/>
+          </a:p>
+        </p:txBody>
+      </p:sp>
+      <p:sp>
+        <p:nvSpPr>
+          <p:cNvPr id="9" name="矩形 8"/>
+          <p:cNvSpPr/>
+          <p:nvPr/>
+        </p:nvSpPr>
+        <p:spPr>
+          <a:xfrm>
+            <a:off x="467544" y="4632309"/>
+            <a:ext cx="1080120" cy="720080"/>
+          </a:xfrm>
+          <a:prstGeom prst="rect">
+            <a:avLst/>
+          </a:prstGeom>
+          <a:noFill/>
+          <a:ln w="76200">
+            <a:solidFill>
+              <a:schemeClr val="tx1"/>
+            </a:solidFill>
+          </a:ln>
+        </p:spPr>
+        <p:style>
+          <a:lnRef idx="2">
+            <a:schemeClr val="accent1">
+              <a:shade val="50000"/>
+            </a:schemeClr>
+          </a:lnRef>
+          <a:fillRef idx="1">
+            <a:schemeClr val="accent1"/>
+          </a:fillRef>
+          <a:effectRef idx="0">
+            <a:schemeClr val="accent1"/>
+          </a:effectRef>
+          <a:fontRef idx="minor">
+            <a:schemeClr val="lt1"/>
+          </a:fontRef>
+        </p:style>
+        <p:txBody>
+          <a:bodyPr rtlCol="0" anchor="ctr"/>
+          <a:lstStyle/>
+          <a:p>
+            <a:pPr algn="ctr"/>
+            <a:endParaRPr lang="zh-CN" altLang="en-US"/>
+          </a:p>
+        </p:txBody>
+      </p:sp>
+      <p:sp>
+        <p:nvSpPr>
+          <p:cNvPr id="10" name="梯形 9"/>
+          <p:cNvSpPr/>
+          <p:nvPr/>
+        </p:nvSpPr>
+        <p:spPr>
+          <a:xfrm>
+            <a:off x="755576" y="5352389"/>
+            <a:ext cx="504056" cy="216024"/>
+          </a:xfrm>
+          <a:prstGeom prst="trapezoid">
+            <a:avLst/>
+          </a:prstGeom>
+          <a:solidFill>
+            <a:schemeClr val="bg1"/>
+          </a:solidFill>
+          <a:ln w="19050">
+            <a:solidFill>
+              <a:schemeClr val="tx1"/>
+            </a:solidFill>
+          </a:ln>
+        </p:spPr>
+        <p:style>
+          <a:lnRef idx="2">
+            <a:schemeClr val="accent1">
+              <a:shade val="50000"/>
+            </a:schemeClr>
+          </a:lnRef>
+          <a:fillRef idx="1">
+            <a:schemeClr val="accent1"/>
+          </a:fillRef>
+          <a:effectRef idx="0">
+            <a:schemeClr val="accent1"/>
+          </a:effectRef>
+          <a:fontRef idx="minor">
+            <a:schemeClr val="lt1"/>
+          </a:fontRef>
+        </p:style>
+        <p:txBody>
+          <a:bodyPr rtlCol="0" anchor="ctr"/>
+          <a:lstStyle/>
+          <a:p>
+            <a:pPr algn="ctr"/>
+            <a:endParaRPr lang="zh-CN" altLang="en-US"/>
+          </a:p>
+        </p:txBody>
+      </p:sp>
+      <p:sp>
+        <p:nvSpPr>
+          <p:cNvPr id="11" name="TextBox 10"/>
+          <p:cNvSpPr txBox="1"/>
+          <p:nvPr/>
+        </p:nvSpPr>
+        <p:spPr>
+          <a:xfrm>
+            <a:off x="1152497" y="4740321"/>
+            <a:ext cx="323165" cy="617658"/>
+          </a:xfrm>
+          <a:prstGeom prst="rect">
+            <a:avLst/>
+          </a:prstGeom>
+          <a:noFill/>
+        </p:spPr>
+        <p:txBody>
+          <a:bodyPr vert="eaVert" wrap="square" rtlCol="0">
+            <a:spAutoFit/>
+          </a:bodyPr>
+          <a:lstStyle/>
+          <a:p>
+            <a:r>
+              <a:rPr lang="zh-CN" altLang="en-US" sz="900" dirty="0"/>
+              <a:t>条</a:t>
+            </a:r>
+            <a:r>
+              <a:rPr lang="zh-CN" altLang="en-US" sz="900" dirty="0" smtClean="0"/>
+              <a:t>纹去除</a:t>
+            </a:r>
+            <a:endParaRPr lang="zh-CN" altLang="en-US" sz="900" dirty="0"/>
+          </a:p>
+        </p:txBody>
+      </p:sp>
+      <p:pic>
+        <p:nvPicPr>
+          <p:cNvPr id="14" name="Picture 3"/>
+          <p:cNvPicPr>
+            <a:picLocks noChangeAspect="1" noChangeArrowheads="1"/>
+          </p:cNvPicPr>
+          <p:nvPr/>
+        </p:nvPicPr>
+        <p:blipFill>
+          <a:blip r:embed="rId5" cstate="print">
+            <a:extLst>
+              <a:ext uri="{28A0092B-C50C-407E-A947-70E740481C1C}">
+                <a14:useLocalDpi xmlns:a14="http://schemas.microsoft.com/office/drawing/2010/main" val="0"/>
+              </a:ext>
+            </a:extLst>
+          </a:blip>
+          <a:srcRect/>
+          <a:stretch>
+            <a:fillRect/>
+          </a:stretch>
+        </p:blipFill>
+        <p:spPr bwMode="auto">
+          <a:xfrm>
+            <a:off x="3170149" y="3989283"/>
+            <a:ext cx="611126" cy="423477"/>
+          </a:xfrm>
+          <a:prstGeom prst="rect">
+            <a:avLst/>
+          </a:prstGeom>
+          <a:noFill/>
+          <a:ln>
+            <a:noFill/>
+          </a:ln>
+          <a:extLst>
+            <a:ext uri="{909E8E84-426E-40DD-AFC4-6F175D3DCCD1}">
+              <a14:hiddenFill xmlns:a14="http://schemas.microsoft.com/office/drawing/2010/main">
+                <a:solidFill>
+                  <a:schemeClr val="accent1"/>
+                </a:solidFill>
+              </a14:hiddenFill>
+            </a:ext>
+            <a:ext uri="{91240B29-F687-4F45-9708-019B960494DF}">
+              <a14:hiddenLine xmlns:a14="http://schemas.microsoft.com/office/drawing/2010/main" w="9525">
+                <a:solidFill>
+                  <a:schemeClr val="tx1"/>
+                </a:solidFill>
+                <a:miter lim="800000"/>
+                <a:headEnd/>
+                <a:tailEnd/>
+              </a14:hiddenLine>
+            </a:ext>
+          </a:extLst>
+        </p:spPr>
+      </p:pic>
+      <p:sp>
+        <p:nvSpPr>
+          <p:cNvPr id="13" name="任意多边形 12"/>
+          <p:cNvSpPr/>
+          <p:nvPr/>
+        </p:nvSpPr>
+        <p:spPr>
+          <a:xfrm>
+            <a:off x="4215446" y="2760685"/>
+            <a:ext cx="346006" cy="369522"/>
+          </a:xfrm>
+          <a:custGeom>
+            <a:avLst/>
+            <a:gdLst>
+              <a:gd name="connsiteX0" fmla="*/ 0 w 376314"/>
+              <a:gd name="connsiteY0" fmla="*/ 0 h 307876"/>
+              <a:gd name="connsiteX1" fmla="*/ 114300 w 376314"/>
+              <a:gd name="connsiteY1" fmla="*/ 149469 h 307876"/>
+              <a:gd name="connsiteX2" fmla="*/ 360485 w 376314"/>
+              <a:gd name="connsiteY2" fmla="*/ 70338 h 307876"/>
+              <a:gd name="connsiteX3" fmla="*/ 351693 w 376314"/>
+              <a:gd name="connsiteY3" fmla="*/ 272561 h 307876"/>
+              <a:gd name="connsiteX4" fmla="*/ 351693 w 376314"/>
+              <a:gd name="connsiteY4" fmla="*/ 307731 h 307876"/>
+            </a:gdLst>
+            <a:ahLst/>
+            <a:cxnLst>
+              <a:cxn ang="0">
+                <a:pos x="connsiteX0" y="connsiteY0"/>
+              </a:cxn>
+              <a:cxn ang="0">
+                <a:pos x="connsiteX1" y="connsiteY1"/>
+              </a:cxn>
+              <a:cxn ang="0">
+                <a:pos x="connsiteX2" y="connsiteY2"/>
+              </a:cxn>
+              <a:cxn ang="0">
+                <a:pos x="connsiteX3" y="connsiteY3"/>
+              </a:cxn>
+              <a:cxn ang="0">
+                <a:pos x="connsiteX4" y="connsiteY4"/>
+              </a:cxn>
+            </a:cxnLst>
+            <a:rect l="l" t="t" r="r" b="b"/>
+            <a:pathLst>
+              <a:path w="376314" h="307876">
+                <a:moveTo>
+                  <a:pt x="0" y="0"/>
+                </a:moveTo>
+                <a:cubicBezTo>
+                  <a:pt x="27109" y="68873"/>
+                  <a:pt x="54219" y="137746"/>
+                  <a:pt x="114300" y="149469"/>
+                </a:cubicBezTo>
+                <a:cubicBezTo>
+                  <a:pt x="174381" y="161192"/>
+                  <a:pt x="320920" y="49823"/>
+                  <a:pt x="360485" y="70338"/>
+                </a:cubicBezTo>
+                <a:cubicBezTo>
+                  <a:pt x="400050" y="90853"/>
+                  <a:pt x="353158" y="232996"/>
+                  <a:pt x="351693" y="272561"/>
+                </a:cubicBezTo>
+                <a:cubicBezTo>
+                  <a:pt x="350228" y="312126"/>
+                  <a:pt x="351693" y="307731"/>
+                  <a:pt x="351693" y="307731"/>
+                </a:cubicBezTo>
+              </a:path>
+            </a:pathLst>
+          </a:custGeom>
+          <a:noFill/>
+          <a:ln>
+            <a:solidFill>
+              <a:schemeClr val="tx1"/>
+            </a:solidFill>
+          </a:ln>
+        </p:spPr>
+        <p:style>
+          <a:lnRef idx="2">
+            <a:schemeClr val="accent1">
+              <a:shade val="50000"/>
+            </a:schemeClr>
+          </a:lnRef>
+          <a:fillRef idx="1">
+            <a:schemeClr val="accent1"/>
+          </a:fillRef>
+          <a:effectRef idx="0">
+            <a:schemeClr val="accent1"/>
+          </a:effectRef>
+          <a:fontRef idx="minor">
+            <a:schemeClr val="lt1"/>
+          </a:fontRef>
+        </p:style>
+        <p:txBody>
+          <a:bodyPr rtlCol="0" anchor="ctr"/>
+          <a:lstStyle/>
+          <a:p>
+            <a:pPr algn="ctr"/>
+            <a:endParaRPr lang="zh-CN" altLang="en-US"/>
+          </a:p>
+        </p:txBody>
+      </p:sp>
+      <p:sp>
+        <p:nvSpPr>
+          <p:cNvPr id="15" name="任意多边形 14"/>
           <p:cNvSpPr/>
           <p:nvPr/>
         </p:nvSpPr>
@@ -3560,7 +5853,7 @@
       </p:sp>
       <p:sp>
         <p:nvSpPr>
-          <p:cNvPr id="22" name="圆角矩形 21"/>
+          <p:cNvPr id="16" name="圆角矩形 15"/>
           <p:cNvSpPr/>
           <p:nvPr/>
         </p:nvSpPr>
@@ -3608,84 +5901,7 @@
       </p:sp>
       <p:sp>
         <p:nvSpPr>
-          <p:cNvPr id="2" name="TextBox 1"/>
-          <p:cNvSpPr txBox="1"/>
-          <p:nvPr/>
-        </p:nvSpPr>
-        <p:spPr>
-          <a:xfrm>
-            <a:off x="467544" y="404664"/>
-            <a:ext cx="1656184" cy="1754326"/>
-          </a:xfrm>
-          <a:prstGeom prst="rect">
-            <a:avLst/>
-          </a:prstGeom>
-          <a:noFill/>
-        </p:spPr>
-        <p:txBody>
-          <a:bodyPr wrap="square" rtlCol="0">
-            <a:spAutoFit/>
-          </a:bodyPr>
-          <a:lstStyle/>
-          <a:p>
-            <a:r>
-              <a:rPr lang="zh-CN" altLang="en-US" dirty="0" smtClean="0"/>
-              <a:t>系统校准</a:t>
-            </a:r>
-            <a:endParaRPr lang="en-US" altLang="zh-CN" dirty="0" smtClean="0"/>
-          </a:p>
-          <a:p>
-            <a:r>
-              <a:rPr lang="zh-CN" altLang="en-US" dirty="0" smtClean="0"/>
-              <a:t>数字相移</a:t>
-            </a:r>
-            <a:endParaRPr lang="en-US" altLang="zh-CN" dirty="0" smtClean="0"/>
-          </a:p>
-          <a:p>
-            <a:r>
-              <a:rPr lang="zh-CN" altLang="en-US" dirty="0"/>
-              <a:t>条</a:t>
-            </a:r>
-            <a:r>
-              <a:rPr lang="zh-CN" altLang="en-US" dirty="0" smtClean="0"/>
-              <a:t>纹去除</a:t>
-            </a:r>
-            <a:endParaRPr lang="en-US" altLang="zh-CN" dirty="0" smtClean="0"/>
-          </a:p>
-          <a:p>
-            <a:r>
-              <a:rPr lang="zh-CN" altLang="en-US" dirty="0"/>
-              <a:t>相</a:t>
-            </a:r>
-            <a:r>
-              <a:rPr lang="zh-CN" altLang="en-US" dirty="0" smtClean="0"/>
-              <a:t>位提取</a:t>
-            </a:r>
-            <a:endParaRPr lang="en-US" altLang="zh-CN" dirty="0" smtClean="0"/>
-          </a:p>
-          <a:p>
-            <a:r>
-              <a:rPr lang="zh-CN" altLang="en-US" dirty="0"/>
-              <a:t>相</a:t>
-            </a:r>
-            <a:r>
-              <a:rPr lang="zh-CN" altLang="en-US" dirty="0" smtClean="0"/>
-              <a:t>位展开</a:t>
-            </a:r>
-            <a:endParaRPr lang="en-US" altLang="zh-CN" dirty="0" smtClean="0"/>
-          </a:p>
-          <a:p>
-            <a:r>
-              <a:rPr lang="zh-CN" altLang="en-US" dirty="0" smtClean="0"/>
-              <a:t>高度转换</a:t>
-            </a:r>
-            <a:endParaRPr lang="zh-CN" altLang="en-US" dirty="0"/>
-          </a:p>
-        </p:txBody>
-      </p:sp>
-      <p:sp>
-        <p:nvSpPr>
-          <p:cNvPr id="3" name="矩形 2"/>
+          <p:cNvPr id="17" name="矩形 16"/>
           <p:cNvSpPr/>
           <p:nvPr/>
         </p:nvSpPr>
@@ -3731,7 +5947,7 @@
       </p:sp>
       <p:sp>
         <p:nvSpPr>
-          <p:cNvPr id="4" name="梯形 3"/>
+          <p:cNvPr id="18" name="梯形 17"/>
           <p:cNvSpPr/>
           <p:nvPr/>
         </p:nvSpPr>
@@ -3777,360 +5993,9 @@
           </a:p>
         </p:txBody>
       </p:sp>
-      <p:cxnSp>
-        <p:nvCxnSpPr>
-          <p:cNvPr id="6" name="直接箭头连接符 5"/>
-          <p:cNvCxnSpPr/>
-          <p:nvPr/>
-        </p:nvCxnSpPr>
-        <p:spPr>
-          <a:xfrm>
-            <a:off x="2558469" y="2325597"/>
-            <a:ext cx="1440160" cy="1407352"/>
-          </a:xfrm>
-          <a:prstGeom prst="straightConnector1">
-            <a:avLst/>
-          </a:prstGeom>
-          <a:ln w="19050">
-            <a:solidFill>
-              <a:schemeClr val="tx1"/>
-            </a:solidFill>
-            <a:tailEnd type="arrow"/>
-          </a:ln>
-        </p:spPr>
-        <p:style>
-          <a:lnRef idx="1">
-            <a:schemeClr val="accent1"/>
-          </a:lnRef>
-          <a:fillRef idx="0">
-            <a:schemeClr val="accent1"/>
-          </a:fillRef>
-          <a:effectRef idx="0">
-            <a:schemeClr val="accent1"/>
-          </a:effectRef>
-          <a:fontRef idx="minor">
-            <a:schemeClr val="tx1"/>
-          </a:fontRef>
-        </p:style>
-      </p:cxnSp>
-      <p:cxnSp>
-        <p:nvCxnSpPr>
-          <p:cNvPr id="9" name="直接连接符 8"/>
-          <p:cNvCxnSpPr/>
-          <p:nvPr/>
-        </p:nvCxnSpPr>
-        <p:spPr>
-          <a:xfrm>
-            <a:off x="2646945" y="2278369"/>
-            <a:ext cx="0" cy="108012"/>
-          </a:xfrm>
-          <a:prstGeom prst="line">
-            <a:avLst/>
-          </a:prstGeom>
-          <a:ln w="19050">
-            <a:solidFill>
-              <a:schemeClr val="tx1"/>
-            </a:solidFill>
-          </a:ln>
-        </p:spPr>
-        <p:style>
-          <a:lnRef idx="1">
-            <a:schemeClr val="accent1"/>
-          </a:lnRef>
-          <a:fillRef idx="0">
-            <a:schemeClr val="accent1"/>
-          </a:fillRef>
-          <a:effectRef idx="0">
-            <a:schemeClr val="accent1"/>
-          </a:effectRef>
-          <a:fontRef idx="minor">
-            <a:schemeClr val="tx1"/>
-          </a:fontRef>
-        </p:style>
-      </p:cxnSp>
-      <p:cxnSp>
-        <p:nvCxnSpPr>
-          <p:cNvPr id="11" name="直接连接符 10"/>
-          <p:cNvCxnSpPr/>
-          <p:nvPr/>
-        </p:nvCxnSpPr>
-        <p:spPr>
-          <a:xfrm>
-            <a:off x="2799345" y="2430769"/>
-            <a:ext cx="0" cy="108012"/>
-          </a:xfrm>
-          <a:prstGeom prst="line">
-            <a:avLst/>
-          </a:prstGeom>
-          <a:ln w="19050">
-            <a:solidFill>
-              <a:schemeClr val="tx1"/>
-            </a:solidFill>
-          </a:ln>
-        </p:spPr>
-        <p:style>
-          <a:lnRef idx="1">
-            <a:schemeClr val="accent1"/>
-          </a:lnRef>
-          <a:fillRef idx="0">
-            <a:schemeClr val="accent1"/>
-          </a:fillRef>
-          <a:effectRef idx="0">
-            <a:schemeClr val="accent1"/>
-          </a:effectRef>
-          <a:fontRef idx="minor">
-            <a:schemeClr val="tx1"/>
-          </a:fontRef>
-        </p:style>
-      </p:cxnSp>
-      <p:cxnSp>
-        <p:nvCxnSpPr>
-          <p:cNvPr id="12" name="直接连接符 11"/>
-          <p:cNvCxnSpPr/>
-          <p:nvPr/>
-        </p:nvCxnSpPr>
-        <p:spPr>
-          <a:xfrm>
-            <a:off x="2951745" y="2583169"/>
-            <a:ext cx="0" cy="108012"/>
-          </a:xfrm>
-          <a:prstGeom prst="line">
-            <a:avLst/>
-          </a:prstGeom>
-          <a:ln w="19050">
-            <a:solidFill>
-              <a:schemeClr val="tx1"/>
-            </a:solidFill>
-          </a:ln>
-        </p:spPr>
-        <p:style>
-          <a:lnRef idx="1">
-            <a:schemeClr val="accent1"/>
-          </a:lnRef>
-          <a:fillRef idx="0">
-            <a:schemeClr val="accent1"/>
-          </a:fillRef>
-          <a:effectRef idx="0">
-            <a:schemeClr val="accent1"/>
-          </a:effectRef>
-          <a:fontRef idx="minor">
-            <a:schemeClr val="tx1"/>
-          </a:fontRef>
-        </p:style>
-      </p:cxnSp>
-      <p:cxnSp>
-        <p:nvCxnSpPr>
-          <p:cNvPr id="13" name="直接连接符 12"/>
-          <p:cNvCxnSpPr/>
-          <p:nvPr/>
-        </p:nvCxnSpPr>
-        <p:spPr>
-          <a:xfrm>
-            <a:off x="3104145" y="2735569"/>
-            <a:ext cx="0" cy="108012"/>
-          </a:xfrm>
-          <a:prstGeom prst="line">
-            <a:avLst/>
-          </a:prstGeom>
-          <a:ln w="19050">
-            <a:solidFill>
-              <a:schemeClr val="tx1"/>
-            </a:solidFill>
-          </a:ln>
-        </p:spPr>
-        <p:style>
-          <a:lnRef idx="1">
-            <a:schemeClr val="accent1"/>
-          </a:lnRef>
-          <a:fillRef idx="0">
-            <a:schemeClr val="accent1"/>
-          </a:fillRef>
-          <a:effectRef idx="0">
-            <a:schemeClr val="accent1"/>
-          </a:effectRef>
-          <a:fontRef idx="minor">
-            <a:schemeClr val="tx1"/>
-          </a:fontRef>
-        </p:style>
-      </p:cxnSp>
-      <p:cxnSp>
-        <p:nvCxnSpPr>
-          <p:cNvPr id="14" name="直接连接符 13"/>
-          <p:cNvCxnSpPr/>
-          <p:nvPr/>
-        </p:nvCxnSpPr>
-        <p:spPr>
-          <a:xfrm>
-            <a:off x="3256545" y="2887969"/>
-            <a:ext cx="0" cy="108012"/>
-          </a:xfrm>
-          <a:prstGeom prst="line">
-            <a:avLst/>
-          </a:prstGeom>
-          <a:ln w="19050">
-            <a:solidFill>
-              <a:schemeClr val="tx1"/>
-            </a:solidFill>
-          </a:ln>
-        </p:spPr>
-        <p:style>
-          <a:lnRef idx="1">
-            <a:schemeClr val="accent1"/>
-          </a:lnRef>
-          <a:fillRef idx="0">
-            <a:schemeClr val="accent1"/>
-          </a:fillRef>
-          <a:effectRef idx="0">
-            <a:schemeClr val="accent1"/>
-          </a:effectRef>
-          <a:fontRef idx="minor">
-            <a:schemeClr val="tx1"/>
-          </a:fontRef>
-        </p:style>
-      </p:cxnSp>
-      <p:cxnSp>
-        <p:nvCxnSpPr>
-          <p:cNvPr id="15" name="直接连接符 14"/>
-          <p:cNvCxnSpPr/>
-          <p:nvPr/>
-        </p:nvCxnSpPr>
-        <p:spPr>
-          <a:xfrm>
-            <a:off x="3408945" y="3040369"/>
-            <a:ext cx="0" cy="108012"/>
-          </a:xfrm>
-          <a:prstGeom prst="line">
-            <a:avLst/>
-          </a:prstGeom>
-          <a:ln w="19050">
-            <a:solidFill>
-              <a:schemeClr val="tx1"/>
-            </a:solidFill>
-          </a:ln>
-        </p:spPr>
-        <p:style>
-          <a:lnRef idx="1">
-            <a:schemeClr val="accent1"/>
-          </a:lnRef>
-          <a:fillRef idx="0">
-            <a:schemeClr val="accent1"/>
-          </a:fillRef>
-          <a:effectRef idx="0">
-            <a:schemeClr val="accent1"/>
-          </a:effectRef>
-          <a:fontRef idx="minor">
-            <a:schemeClr val="tx1"/>
-          </a:fontRef>
-        </p:style>
-      </p:cxnSp>
-      <p:cxnSp>
-        <p:nvCxnSpPr>
-          <p:cNvPr id="16" name="直接连接符 15"/>
-          <p:cNvCxnSpPr/>
-          <p:nvPr/>
-        </p:nvCxnSpPr>
-        <p:spPr>
-          <a:xfrm>
-            <a:off x="3561345" y="3192769"/>
-            <a:ext cx="0" cy="108012"/>
-          </a:xfrm>
-          <a:prstGeom prst="line">
-            <a:avLst/>
-          </a:prstGeom>
-          <a:ln w="19050">
-            <a:solidFill>
-              <a:schemeClr val="tx1"/>
-            </a:solidFill>
-          </a:ln>
-        </p:spPr>
-        <p:style>
-          <a:lnRef idx="1">
-            <a:schemeClr val="accent1"/>
-          </a:lnRef>
-          <a:fillRef idx="0">
-            <a:schemeClr val="accent1"/>
-          </a:fillRef>
-          <a:effectRef idx="0">
-            <a:schemeClr val="accent1"/>
-          </a:effectRef>
-          <a:fontRef idx="minor">
-            <a:schemeClr val="tx1"/>
-          </a:fontRef>
-        </p:style>
-      </p:cxnSp>
-      <p:cxnSp>
-        <p:nvCxnSpPr>
-          <p:cNvPr id="17" name="直接连接符 16"/>
-          <p:cNvCxnSpPr/>
-          <p:nvPr/>
-        </p:nvCxnSpPr>
-        <p:spPr>
-          <a:xfrm>
-            <a:off x="3713745" y="3345169"/>
-            <a:ext cx="0" cy="108012"/>
-          </a:xfrm>
-          <a:prstGeom prst="line">
-            <a:avLst/>
-          </a:prstGeom>
-          <a:ln w="19050">
-            <a:solidFill>
-              <a:schemeClr val="tx1"/>
-            </a:solidFill>
-          </a:ln>
-        </p:spPr>
-        <p:style>
-          <a:lnRef idx="1">
-            <a:schemeClr val="accent1"/>
-          </a:lnRef>
-          <a:fillRef idx="0">
-            <a:schemeClr val="accent1"/>
-          </a:fillRef>
-          <a:effectRef idx="0">
-            <a:schemeClr val="accent1"/>
-          </a:effectRef>
-          <a:fontRef idx="minor">
-            <a:schemeClr val="tx1"/>
-          </a:fontRef>
-        </p:style>
-      </p:cxnSp>
-      <p:cxnSp>
-        <p:nvCxnSpPr>
-          <p:cNvPr id="18" name="直接连接符 17"/>
-          <p:cNvCxnSpPr/>
-          <p:nvPr/>
-        </p:nvCxnSpPr>
-        <p:spPr>
-          <a:xfrm>
-            <a:off x="3888149" y="3490791"/>
-            <a:ext cx="0" cy="108012"/>
-          </a:xfrm>
-          <a:prstGeom prst="line">
-            <a:avLst/>
-          </a:prstGeom>
-          <a:ln w="19050">
-            <a:solidFill>
-              <a:schemeClr val="tx1"/>
-            </a:solidFill>
-          </a:ln>
-        </p:spPr>
-        <p:style>
-          <a:lnRef idx="1">
-            <a:schemeClr val="accent1"/>
-          </a:lnRef>
-          <a:fillRef idx="0">
-            <a:schemeClr val="accent1"/>
-          </a:fillRef>
-          <a:effectRef idx="0">
-            <a:schemeClr val="accent1"/>
-          </a:effectRef>
-          <a:fontRef idx="minor">
-            <a:schemeClr val="tx1"/>
-          </a:fontRef>
-        </p:style>
-      </p:cxnSp>
-      <p:sp>
-        <p:nvSpPr>
-          <p:cNvPr id="23" name="椭圆 22"/>
+      <p:sp>
+        <p:nvSpPr>
+          <p:cNvPr id="29" name="椭圆 28"/>
           <p:cNvSpPr/>
           <p:nvPr/>
         </p:nvSpPr>
@@ -4178,14 +6043,14 @@
       </p:sp>
       <p:sp>
         <p:nvSpPr>
-          <p:cNvPr id="26" name="TextBox 25"/>
+          <p:cNvPr id="30" name="TextBox 29"/>
           <p:cNvSpPr txBox="1"/>
           <p:nvPr/>
         </p:nvSpPr>
         <p:spPr>
           <a:xfrm>
-            <a:off x="4936355" y="3232752"/>
-            <a:ext cx="338554" cy="617658"/>
+            <a:off x="4951748" y="3232752"/>
+            <a:ext cx="323165" cy="617658"/>
           </a:xfrm>
           <a:prstGeom prst="rect">
             <a:avLst/>
@@ -4199,22 +6064,22 @@
           <a:lstStyle/>
           <a:p>
             <a:r>
-              <a:rPr lang="zh-CN" altLang="en-US" sz="1000" b="1" dirty="0" smtClean="0"/>
-              <a:t>系统校准</a:t>
-            </a:r>
-            <a:endParaRPr lang="zh-CN" altLang="en-US" sz="1000" b="1" dirty="0"/>
-          </a:p>
-        </p:txBody>
-      </p:sp>
-      <p:sp>
-        <p:nvSpPr>
-          <p:cNvPr id="27" name="圆角矩形 26"/>
+              <a:rPr lang="zh-CN" altLang="en-US" sz="900" dirty="0" smtClean="0"/>
+              <a:t>投影成像</a:t>
+            </a:r>
+            <a:endParaRPr lang="zh-CN" altLang="en-US" sz="900" dirty="0"/>
+          </a:p>
+        </p:txBody>
+      </p:sp>
+      <p:sp>
+        <p:nvSpPr>
+          <p:cNvPr id="31" name="圆角矩形 30"/>
           <p:cNvSpPr/>
           <p:nvPr/>
         </p:nvSpPr>
         <p:spPr>
           <a:xfrm>
-            <a:off x="3588031" y="3893269"/>
+            <a:off x="3999422" y="2526527"/>
             <a:ext cx="432048" cy="271527"/>
           </a:xfrm>
           <a:prstGeom prst="roundRect">
@@ -4256,13 +6121,13 @@
       </p:sp>
       <p:sp>
         <p:nvSpPr>
-          <p:cNvPr id="28" name="椭圆 27"/>
+          <p:cNvPr id="32" name="椭圆 31"/>
           <p:cNvSpPr/>
           <p:nvPr/>
         </p:nvSpPr>
         <p:spPr>
           <a:xfrm>
-            <a:off x="3717021" y="3952832"/>
+            <a:off x="4128412" y="2586090"/>
             <a:ext cx="174068" cy="152400"/>
           </a:xfrm>
           <a:prstGeom prst="ellipse">
@@ -4302,13 +6167,13 @@
       </p:sp>
       <p:sp>
         <p:nvSpPr>
-          <p:cNvPr id="29" name="矩形 28"/>
+          <p:cNvPr id="33" name="矩形 32"/>
           <p:cNvSpPr/>
           <p:nvPr/>
         </p:nvSpPr>
         <p:spPr>
           <a:xfrm>
-            <a:off x="3845369" y="3821261"/>
+            <a:off x="4256760" y="2454519"/>
             <a:ext cx="102702" cy="72008"/>
           </a:xfrm>
           <a:prstGeom prst="rect">
@@ -4348,16 +6213,347 @@
       </p:sp>
       <p:sp>
         <p:nvSpPr>
-          <p:cNvPr id="31" name="流程图: 数据 30"/>
+          <p:cNvPr id="38" name="矩形 37"/>
           <p:cNvSpPr/>
           <p:nvPr/>
         </p:nvSpPr>
         <p:spPr>
-          <a:xfrm rot="10800000">
-            <a:off x="2633625" y="2458307"/>
-            <a:ext cx="1080120" cy="541815"/>
-          </a:xfrm>
-          <a:prstGeom prst="flowChartInputOutput">
+          <a:xfrm>
+            <a:off x="2213527" y="2208246"/>
+            <a:ext cx="3407967" cy="2666674"/>
+          </a:xfrm>
+          <a:prstGeom prst="rect">
+            <a:avLst/>
+          </a:prstGeom>
+          <a:noFill/>
+          <a:ln>
+            <a:solidFill>
+              <a:schemeClr val="tx1"/>
+            </a:solidFill>
+            <a:prstDash val="sysDot"/>
+          </a:ln>
+        </p:spPr>
+        <p:style>
+          <a:lnRef idx="2">
+            <a:schemeClr val="accent1">
+              <a:shade val="50000"/>
+            </a:schemeClr>
+          </a:lnRef>
+          <a:fillRef idx="1">
+            <a:schemeClr val="accent1"/>
+          </a:fillRef>
+          <a:effectRef idx="0">
+            <a:schemeClr val="accent1"/>
+          </a:effectRef>
+          <a:fontRef idx="minor">
+            <a:schemeClr val="lt1"/>
+          </a:fontRef>
+        </p:style>
+        <p:txBody>
+          <a:bodyPr rtlCol="0" anchor="ctr"/>
+          <a:lstStyle/>
+          <a:p>
+            <a:pPr algn="ctr"/>
+            <a:endParaRPr lang="zh-CN" altLang="en-US"/>
+          </a:p>
+        </p:txBody>
+      </p:sp>
+      <p:sp>
+        <p:nvSpPr>
+          <p:cNvPr id="39" name="TextBox 38"/>
+          <p:cNvSpPr txBox="1"/>
+          <p:nvPr/>
+        </p:nvSpPr>
+        <p:spPr>
+          <a:xfrm>
+            <a:off x="3038601" y="4393909"/>
+            <a:ext cx="797088" cy="230832"/>
+          </a:xfrm>
+          <a:prstGeom prst="rect">
+            <a:avLst/>
+          </a:prstGeom>
+          <a:noFill/>
+        </p:spPr>
+        <p:txBody>
+          <a:bodyPr wrap="square" rtlCol="0">
+            <a:spAutoFit/>
+          </a:bodyPr>
+          <a:lstStyle/>
+          <a:p>
+            <a:r>
+              <a:rPr lang="zh-CN" altLang="en-US" sz="900" dirty="0" smtClean="0"/>
+              <a:t>投影仪</a:t>
+            </a:r>
+            <a:endParaRPr lang="zh-CN" altLang="en-US" sz="900" dirty="0"/>
+          </a:p>
+        </p:txBody>
+      </p:sp>
+      <p:sp>
+        <p:nvSpPr>
+          <p:cNvPr id="40" name="TextBox 39"/>
+          <p:cNvSpPr txBox="1"/>
+          <p:nvPr/>
+        </p:nvSpPr>
+        <p:spPr>
+          <a:xfrm>
+            <a:off x="3665721" y="2263670"/>
+            <a:ext cx="797088" cy="230832"/>
+          </a:xfrm>
+          <a:prstGeom prst="rect">
+            <a:avLst/>
+          </a:prstGeom>
+          <a:noFill/>
+        </p:spPr>
+        <p:txBody>
+          <a:bodyPr wrap="square" rtlCol="0">
+            <a:spAutoFit/>
+          </a:bodyPr>
+          <a:lstStyle/>
+          <a:p>
+            <a:r>
+              <a:rPr lang="zh-CN" altLang="en-US" sz="900" dirty="0" smtClean="0"/>
+              <a:t>相机</a:t>
+            </a:r>
+            <a:endParaRPr lang="zh-CN" altLang="en-US" sz="900" dirty="0"/>
+          </a:p>
+        </p:txBody>
+      </p:sp>
+      <p:pic>
+        <p:nvPicPr>
+          <p:cNvPr id="2051" name="Picture 3"/>
+          <p:cNvPicPr preferRelativeResize="0">
+            <a:picLocks noChangeArrowheads="1"/>
+          </p:cNvPicPr>
+          <p:nvPr/>
+        </p:nvPicPr>
+        <p:blipFill>
+          <a:blip r:embed="rId4">
+            <a:extLst>
+              <a:ext uri="{28A0092B-C50C-407E-A947-70E740481C1C}">
+                <a14:useLocalDpi xmlns:a14="http://schemas.microsoft.com/office/drawing/2010/main" val="0"/>
+              </a:ext>
+            </a:extLst>
+          </a:blip>
+          <a:srcRect/>
+          <a:stretch>
+            <a:fillRect/>
+          </a:stretch>
+        </p:blipFill>
+        <p:spPr bwMode="auto">
+          <a:xfrm>
+            <a:off x="2615132" y="2815340"/>
+            <a:ext cx="1110034" cy="611387"/>
+          </a:xfrm>
+          <a:prstGeom prst="rect">
+            <a:avLst/>
+          </a:prstGeom>
+          <a:noFill/>
+          <a:ln>
+            <a:noFill/>
+          </a:ln>
+          <a:extLst>
+            <a:ext uri="{909E8E84-426E-40DD-AFC4-6F175D3DCCD1}">
+              <a14:hiddenFill xmlns:a14="http://schemas.microsoft.com/office/drawing/2010/main">
+                <a:solidFill>
+                  <a:schemeClr val="accent1"/>
+                </a:solidFill>
+              </a14:hiddenFill>
+            </a:ext>
+            <a:ext uri="{91240B29-F687-4F45-9708-019B960494DF}">
+              <a14:hiddenLine xmlns:a14="http://schemas.microsoft.com/office/drawing/2010/main" w="9525">
+                <a:solidFill>
+                  <a:schemeClr val="tx1"/>
+                </a:solidFill>
+                <a:miter lim="800000"/>
+                <a:headEnd/>
+                <a:tailEnd/>
+              </a14:hiddenLine>
+            </a:ext>
+          </a:extLst>
+        </p:spPr>
+      </p:pic>
+      <p:sp>
+        <p:nvSpPr>
+          <p:cNvPr id="3" name="TextBox 2"/>
+          <p:cNvSpPr txBox="1"/>
+          <p:nvPr/>
+        </p:nvSpPr>
+        <p:spPr>
+          <a:xfrm>
+            <a:off x="2411761" y="2569119"/>
+            <a:ext cx="733826" cy="230832"/>
+          </a:xfrm>
+          <a:prstGeom prst="rect">
+            <a:avLst/>
+          </a:prstGeom>
+          <a:noFill/>
+        </p:spPr>
+        <p:txBody>
+          <a:bodyPr wrap="square" rtlCol="0">
+            <a:spAutoFit/>
+          </a:bodyPr>
+          <a:lstStyle/>
+          <a:p>
+            <a:r>
+              <a:rPr lang="zh-CN" altLang="en-US" sz="900" dirty="0"/>
+              <a:t>被</a:t>
+            </a:r>
+            <a:r>
+              <a:rPr lang="zh-CN" altLang="en-US" sz="900" dirty="0" smtClean="0"/>
+              <a:t>测物体</a:t>
+            </a:r>
+            <a:endParaRPr lang="zh-CN" altLang="en-US" sz="900" dirty="0"/>
+          </a:p>
+        </p:txBody>
+      </p:sp>
+      <p:sp>
+        <p:nvSpPr>
+          <p:cNvPr id="47" name="TextBox 46"/>
+          <p:cNvSpPr txBox="1"/>
+          <p:nvPr/>
+        </p:nvSpPr>
+        <p:spPr>
+          <a:xfrm>
+            <a:off x="2879818" y="3743062"/>
+            <a:ext cx="733826" cy="230832"/>
+          </a:xfrm>
+          <a:prstGeom prst="rect">
+            <a:avLst/>
+          </a:prstGeom>
+          <a:noFill/>
+        </p:spPr>
+        <p:txBody>
+          <a:bodyPr wrap="square" rtlCol="0">
+            <a:spAutoFit/>
+          </a:bodyPr>
+          <a:lstStyle/>
+          <a:p>
+            <a:r>
+              <a:rPr lang="zh-CN" altLang="en-US" sz="900" dirty="0" smtClean="0"/>
+              <a:t>投影条纹</a:t>
+            </a:r>
+            <a:endParaRPr lang="zh-CN" altLang="en-US" sz="900" dirty="0"/>
+          </a:p>
+        </p:txBody>
+      </p:sp>
+      <p:pic>
+        <p:nvPicPr>
+          <p:cNvPr id="48" name="Picture 3"/>
+          <p:cNvPicPr>
+            <a:picLocks noChangeAspect="1" noChangeArrowheads="1"/>
+          </p:cNvPicPr>
+          <p:nvPr/>
+        </p:nvPicPr>
+        <p:blipFill>
+          <a:blip r:embed="rId5" cstate="print">
+            <a:extLst>
+              <a:ext uri="{28A0092B-C50C-407E-A947-70E740481C1C}">
+                <a14:useLocalDpi xmlns:a14="http://schemas.microsoft.com/office/drawing/2010/main" val="0"/>
+              </a:ext>
+            </a:extLst>
+          </a:blip>
+          <a:srcRect/>
+          <a:stretch>
+            <a:fillRect/>
+          </a:stretch>
+        </p:blipFill>
+        <p:spPr bwMode="auto">
+          <a:xfrm>
+            <a:off x="6141043" y="2586315"/>
+            <a:ext cx="611126" cy="423477"/>
+          </a:xfrm>
+          <a:prstGeom prst="rect">
+            <a:avLst/>
+          </a:prstGeom>
+          <a:noFill/>
+          <a:ln>
+            <a:noFill/>
+          </a:ln>
+          <a:extLst>
+            <a:ext uri="{909E8E84-426E-40DD-AFC4-6F175D3DCCD1}">
+              <a14:hiddenFill xmlns:a14="http://schemas.microsoft.com/office/drawing/2010/main">
+                <a:solidFill>
+                  <a:schemeClr val="accent1"/>
+                </a:solidFill>
+              </a14:hiddenFill>
+            </a:ext>
+            <a:ext uri="{91240B29-F687-4F45-9708-019B960494DF}">
+              <a14:hiddenLine xmlns:a14="http://schemas.microsoft.com/office/drawing/2010/main" w="9525">
+                <a:solidFill>
+                  <a:schemeClr val="tx1"/>
+                </a:solidFill>
+                <a:miter lim="800000"/>
+                <a:headEnd/>
+                <a:tailEnd/>
+              </a14:hiddenLine>
+            </a:ext>
+          </a:extLst>
+        </p:spPr>
+      </p:pic>
+      <p:pic>
+        <p:nvPicPr>
+          <p:cNvPr id="51" name="Picture 4"/>
+          <p:cNvPicPr>
+            <a:picLocks noChangeAspect="1" noChangeArrowheads="1"/>
+          </p:cNvPicPr>
+          <p:nvPr/>
+        </p:nvPicPr>
+        <p:blipFill rotWithShape="1">
+          <a:blip r:embed="rId4">
+            <a:extLst>
+              <a:ext uri="{28A0092B-C50C-407E-A947-70E740481C1C}">
+                <a14:useLocalDpi xmlns:a14="http://schemas.microsoft.com/office/drawing/2010/main" val="0"/>
+              </a:ext>
+            </a:extLst>
+          </a:blip>
+          <a:srcRect r="20244" b="8892"/>
+          <a:stretch/>
+        </p:blipFill>
+        <p:spPr bwMode="auto">
+          <a:xfrm>
+            <a:off x="7143943" y="2381586"/>
+            <a:ext cx="633875" cy="700227"/>
+          </a:xfrm>
+          <a:prstGeom prst="rect">
+            <a:avLst/>
+          </a:prstGeom>
+          <a:noFill/>
+          <a:ln>
+            <a:noFill/>
+          </a:ln>
+          <a:extLst>
+            <a:ext uri="{909E8E84-426E-40DD-AFC4-6F175D3DCCD1}">
+              <a14:hiddenFill xmlns:a14="http://schemas.microsoft.com/office/drawing/2010/main">
+                <a:solidFill>
+                  <a:schemeClr val="accent1"/>
+                </a:solidFill>
+              </a14:hiddenFill>
+            </a:ext>
+            <a:ext uri="{91240B29-F687-4F45-9708-019B960494DF}">
+              <a14:hiddenLine xmlns:a14="http://schemas.microsoft.com/office/drawing/2010/main" w="9525">
+                <a:solidFill>
+                  <a:schemeClr val="tx1"/>
+                </a:solidFill>
+                <a:miter lim="800000"/>
+                <a:headEnd/>
+                <a:tailEnd/>
+              </a14:hiddenLine>
+            </a:ext>
+          </a:extLst>
+        </p:spPr>
+      </p:pic>
+      <p:sp>
+        <p:nvSpPr>
+          <p:cNvPr id="2053" name="右箭头 2052"/>
+          <p:cNvSpPr/>
+          <p:nvPr/>
+        </p:nvSpPr>
+        <p:spPr>
+          <a:xfrm rot="5400000">
+            <a:off x="6769926" y="3233052"/>
+            <a:ext cx="411374" cy="205687"/>
+          </a:xfrm>
+          <a:prstGeom prst="rightArrow">
             <a:avLst/>
           </a:prstGeom>
           <a:solidFill>
@@ -4367,6 +6563,7 @@
             <a:solidFill>
               <a:schemeClr val="tx1"/>
             </a:solidFill>
+            <a:prstDash val="sysDot"/>
           </a:ln>
         </p:spPr>
         <p:style>
@@ -4396,25 +6593,24 @@
       </p:sp>
       <p:sp>
         <p:nvSpPr>
-          <p:cNvPr id="52" name="矩形 51"/>
+          <p:cNvPr id="2054" name="矩形 2053"/>
           <p:cNvSpPr/>
           <p:nvPr/>
         </p:nvSpPr>
         <p:spPr>
           <a:xfrm>
-            <a:off x="2799345" y="2583169"/>
-            <a:ext cx="831538" cy="54006"/>
+            <a:off x="5941608" y="1792592"/>
+            <a:ext cx="2232248" cy="3384376"/>
           </a:xfrm>
           <a:prstGeom prst="rect">
             <a:avLst/>
           </a:prstGeom>
-          <a:solidFill>
-            <a:schemeClr val="tx1"/>
-          </a:solidFill>
+          <a:noFill/>
           <a:ln>
             <a:solidFill>
               <a:schemeClr val="tx1"/>
             </a:solidFill>
+            <a:prstDash val="sysDot"/>
           </a:ln>
         </p:spPr>
         <p:style>
@@ -4442,24 +6638,74 @@
           </a:p>
         </p:txBody>
       </p:sp>
-      <p:sp>
-        <p:nvSpPr>
-          <p:cNvPr id="53" name="矩形 52"/>
+      <p:pic>
+        <p:nvPicPr>
+          <p:cNvPr id="56" name="Picture 2"/>
+          <p:cNvPicPr>
+            <a:picLocks noChangeAspect="1" noChangeArrowheads="1"/>
+          </p:cNvPicPr>
+          <p:nvPr/>
+        </p:nvPicPr>
+        <p:blipFill rotWithShape="1">
+          <a:blip r:embed="rId3" cstate="print">
+            <a:extLst>
+              <a:ext uri="{28A0092B-C50C-407E-A947-70E740481C1C}">
+                <a14:useLocalDpi xmlns:a14="http://schemas.microsoft.com/office/drawing/2010/main" val="0"/>
+              </a:ext>
+            </a:extLst>
+          </a:blip>
+          <a:srcRect l="32338" t="35953" r="32338" b="31832"/>
+          <a:stretch/>
+        </p:blipFill>
+        <p:spPr bwMode="auto">
+          <a:xfrm>
+            <a:off x="2757579" y="5118980"/>
+            <a:ext cx="592390" cy="682842"/>
+          </a:xfrm>
+          <a:prstGeom prst="rect">
+            <a:avLst/>
+          </a:prstGeom>
+          <a:noFill/>
+          <a:ln>
+            <a:noFill/>
+          </a:ln>
+          <a:extLst>
+            <a:ext uri="{909E8E84-426E-40DD-AFC4-6F175D3DCCD1}">
+              <a14:hiddenFill xmlns:a14="http://schemas.microsoft.com/office/drawing/2010/main">
+                <a:solidFill>
+                  <a:schemeClr val="accent1"/>
+                </a:solidFill>
+              </a14:hiddenFill>
+            </a:ext>
+            <a:ext uri="{91240B29-F687-4F45-9708-019B960494DF}">
+              <a14:hiddenLine xmlns:a14="http://schemas.microsoft.com/office/drawing/2010/main" w="9525">
+                <a:solidFill>
+                  <a:schemeClr val="tx1"/>
+                </a:solidFill>
+                <a:miter lim="800000"/>
+                <a:headEnd/>
+                <a:tailEnd/>
+              </a14:hiddenLine>
+            </a:ext>
+          </a:extLst>
+        </p:spPr>
+      </p:pic>
+      <p:sp>
+        <p:nvSpPr>
+          <p:cNvPr id="57" name="矩形 56"/>
           <p:cNvSpPr/>
           <p:nvPr/>
         </p:nvSpPr>
         <p:spPr>
           <a:xfrm>
-            <a:off x="2757915" y="2719772"/>
-            <a:ext cx="831538" cy="54006"/>
+            <a:off x="2757578" y="5081741"/>
+            <a:ext cx="1080120" cy="720080"/>
           </a:xfrm>
           <a:prstGeom prst="rect">
             <a:avLst/>
           </a:prstGeom>
-          <a:solidFill>
-            <a:schemeClr val="tx1"/>
-          </a:solidFill>
-          <a:ln>
+          <a:noFill/>
+          <a:ln w="76200">
             <a:solidFill>
               <a:schemeClr val="tx1"/>
             </a:solidFill>
@@ -4492,22 +6738,22 @@
       </p:sp>
       <p:sp>
         <p:nvSpPr>
-          <p:cNvPr id="54" name="矩形 53"/>
+          <p:cNvPr id="58" name="梯形 57"/>
           <p:cNvSpPr/>
           <p:nvPr/>
         </p:nvSpPr>
         <p:spPr>
           <a:xfrm>
-            <a:off x="2688376" y="2843581"/>
-            <a:ext cx="831538" cy="54006"/>
-          </a:xfrm>
-          <a:prstGeom prst="rect">
+            <a:off x="3045610" y="5801821"/>
+            <a:ext cx="504056" cy="216024"/>
+          </a:xfrm>
+          <a:prstGeom prst="trapezoid">
             <a:avLst/>
           </a:prstGeom>
           <a:solidFill>
-            <a:schemeClr val="tx1"/>
+            <a:schemeClr val="bg1"/>
           </a:solidFill>
-          <a:ln>
+          <a:ln w="19050">
             <a:solidFill>
               <a:schemeClr val="tx1"/>
             </a:solidFill>
@@ -4540,24 +6786,105 @@
       </p:sp>
       <p:sp>
         <p:nvSpPr>
-          <p:cNvPr id="2063" name="矩形 2062"/>
-          <p:cNvSpPr/>
-          <p:nvPr/>
-        </p:nvSpPr>
-        <p:spPr>
-          <a:xfrm>
-            <a:off x="2123728" y="1628800"/>
-            <a:ext cx="3744416" cy="3456384"/>
+          <p:cNvPr id="59" name="TextBox 58"/>
+          <p:cNvSpPr txBox="1"/>
+          <p:nvPr/>
+        </p:nvSpPr>
+        <p:spPr>
+          <a:xfrm>
+            <a:off x="3442531" y="5189753"/>
+            <a:ext cx="323165" cy="617658"/>
+          </a:xfrm>
+          <a:prstGeom prst="rect">
+            <a:avLst/>
+          </a:prstGeom>
+          <a:noFill/>
+        </p:spPr>
+        <p:txBody>
+          <a:bodyPr vert="eaVert" wrap="square" rtlCol="0">
+            <a:spAutoFit/>
+          </a:bodyPr>
+          <a:lstStyle/>
+          <a:p>
+            <a:r>
+              <a:rPr lang="zh-CN" altLang="en-US" sz="900" dirty="0" smtClean="0"/>
+              <a:t>相位提取</a:t>
+            </a:r>
+            <a:endParaRPr lang="zh-CN" altLang="en-US" sz="900" dirty="0"/>
+          </a:p>
+        </p:txBody>
+      </p:sp>
+      <p:pic>
+        <p:nvPicPr>
+          <p:cNvPr id="60" name="Picture 2"/>
+          <p:cNvPicPr>
+            <a:picLocks noChangeAspect="1" noChangeArrowheads="1"/>
+          </p:cNvPicPr>
+          <p:nvPr/>
+        </p:nvPicPr>
+        <p:blipFill rotWithShape="1">
+          <a:blip r:embed="rId3" cstate="print">
+            <a:extLst>
+              <a:ext uri="{28A0092B-C50C-407E-A947-70E740481C1C}">
+                <a14:useLocalDpi xmlns:a14="http://schemas.microsoft.com/office/drawing/2010/main" val="0"/>
+              </a:ext>
+            </a:extLst>
+          </a:blip>
+          <a:srcRect l="32338" t="35953" r="32338" b="31832"/>
+          <a:stretch/>
+        </p:blipFill>
+        <p:spPr bwMode="auto">
+          <a:xfrm>
+            <a:off x="4166614" y="5166758"/>
+            <a:ext cx="592390" cy="682842"/>
           </a:xfrm>
           <a:prstGeom prst="rect">
             <a:avLst/>
           </a:prstGeom>
           <a:noFill/>
           <a:ln>
+            <a:noFill/>
+          </a:ln>
+          <a:extLst>
+            <a:ext uri="{909E8E84-426E-40DD-AFC4-6F175D3DCCD1}">
+              <a14:hiddenFill xmlns:a14="http://schemas.microsoft.com/office/drawing/2010/main">
+                <a:solidFill>
+                  <a:schemeClr val="accent1"/>
+                </a:solidFill>
+              </a14:hiddenFill>
+            </a:ext>
+            <a:ext uri="{91240B29-F687-4F45-9708-019B960494DF}">
+              <a14:hiddenLine xmlns:a14="http://schemas.microsoft.com/office/drawing/2010/main" w="9525">
+                <a:solidFill>
+                  <a:schemeClr val="tx1"/>
+                </a:solidFill>
+                <a:miter lim="800000"/>
+                <a:headEnd/>
+                <a:tailEnd/>
+              </a14:hiddenLine>
+            </a:ext>
+          </a:extLst>
+        </p:spPr>
+      </p:pic>
+      <p:sp>
+        <p:nvSpPr>
+          <p:cNvPr id="61" name="矩形 60"/>
+          <p:cNvSpPr/>
+          <p:nvPr/>
+        </p:nvSpPr>
+        <p:spPr>
+          <a:xfrm>
+            <a:off x="4166613" y="5129519"/>
+            <a:ext cx="1080120" cy="720080"/>
+          </a:xfrm>
+          <a:prstGeom prst="rect">
+            <a:avLst/>
+          </a:prstGeom>
+          <a:noFill/>
+          <a:ln w="76200">
             <a:solidFill>
               <a:schemeClr val="tx1"/>
             </a:solidFill>
-            <a:prstDash val="sysDot"/>
           </a:ln>
         </p:spPr>
         <p:style>
@@ -4585,10 +6912,311 @@
           </a:p>
         </p:txBody>
       </p:sp>
+      <p:sp>
+        <p:nvSpPr>
+          <p:cNvPr id="62" name="梯形 61"/>
+          <p:cNvSpPr/>
+          <p:nvPr/>
+        </p:nvSpPr>
+        <p:spPr>
+          <a:xfrm>
+            <a:off x="4454645" y="5849599"/>
+            <a:ext cx="504056" cy="216024"/>
+          </a:xfrm>
+          <a:prstGeom prst="trapezoid">
+            <a:avLst/>
+          </a:prstGeom>
+          <a:solidFill>
+            <a:schemeClr val="bg1"/>
+          </a:solidFill>
+          <a:ln w="19050">
+            <a:solidFill>
+              <a:schemeClr val="tx1"/>
+            </a:solidFill>
+          </a:ln>
+        </p:spPr>
+        <p:style>
+          <a:lnRef idx="2">
+            <a:schemeClr val="accent1">
+              <a:shade val="50000"/>
+            </a:schemeClr>
+          </a:lnRef>
+          <a:fillRef idx="1">
+            <a:schemeClr val="accent1"/>
+          </a:fillRef>
+          <a:effectRef idx="0">
+            <a:schemeClr val="accent1"/>
+          </a:effectRef>
+          <a:fontRef idx="minor">
+            <a:schemeClr val="lt1"/>
+          </a:fontRef>
+        </p:style>
+        <p:txBody>
+          <a:bodyPr rtlCol="0" anchor="ctr"/>
+          <a:lstStyle/>
+          <a:p>
+            <a:pPr algn="ctr"/>
+            <a:endParaRPr lang="zh-CN" altLang="en-US"/>
+          </a:p>
+        </p:txBody>
+      </p:sp>
+      <p:sp>
+        <p:nvSpPr>
+          <p:cNvPr id="63" name="TextBox 62"/>
+          <p:cNvSpPr txBox="1"/>
+          <p:nvPr/>
+        </p:nvSpPr>
+        <p:spPr>
+          <a:xfrm>
+            <a:off x="4851570" y="5237531"/>
+            <a:ext cx="323165" cy="617658"/>
+          </a:xfrm>
+          <a:prstGeom prst="rect">
+            <a:avLst/>
+          </a:prstGeom>
+          <a:noFill/>
+        </p:spPr>
+        <p:txBody>
+          <a:bodyPr vert="eaVert" wrap="square" rtlCol="0">
+            <a:spAutoFit/>
+          </a:bodyPr>
+          <a:lstStyle/>
+          <a:p>
+            <a:r>
+              <a:rPr lang="zh-CN" altLang="en-US" sz="900" dirty="0" smtClean="0"/>
+              <a:t>相位展开</a:t>
+            </a:r>
+            <a:endParaRPr lang="zh-CN" altLang="en-US" sz="900" dirty="0"/>
+          </a:p>
+        </p:txBody>
+      </p:sp>
+      <p:pic>
+        <p:nvPicPr>
+          <p:cNvPr id="64" name="Picture 2"/>
+          <p:cNvPicPr>
+            <a:picLocks noChangeAspect="1" noChangeArrowheads="1"/>
+          </p:cNvPicPr>
+          <p:nvPr/>
+        </p:nvPicPr>
+        <p:blipFill rotWithShape="1">
+          <a:blip r:embed="rId3" cstate="print">
+            <a:extLst>
+              <a:ext uri="{28A0092B-C50C-407E-A947-70E740481C1C}">
+                <a14:useLocalDpi xmlns:a14="http://schemas.microsoft.com/office/drawing/2010/main" val="0"/>
+              </a:ext>
+            </a:extLst>
+          </a:blip>
+          <a:srcRect l="32338" t="35953" r="32338" b="31832"/>
+          <a:stretch/>
+        </p:blipFill>
+        <p:spPr bwMode="auto">
+          <a:xfrm>
+            <a:off x="6136368" y="5427169"/>
+            <a:ext cx="592390" cy="682842"/>
+          </a:xfrm>
+          <a:prstGeom prst="rect">
+            <a:avLst/>
+          </a:prstGeom>
+          <a:noFill/>
+          <a:ln>
+            <a:noFill/>
+          </a:ln>
+          <a:extLst>
+            <a:ext uri="{909E8E84-426E-40DD-AFC4-6F175D3DCCD1}">
+              <a14:hiddenFill xmlns:a14="http://schemas.microsoft.com/office/drawing/2010/main">
+                <a:solidFill>
+                  <a:schemeClr val="accent1"/>
+                </a:solidFill>
+              </a14:hiddenFill>
+            </a:ext>
+            <a:ext uri="{91240B29-F687-4F45-9708-019B960494DF}">
+              <a14:hiddenLine xmlns:a14="http://schemas.microsoft.com/office/drawing/2010/main" w="9525">
+                <a:solidFill>
+                  <a:schemeClr val="tx1"/>
+                </a:solidFill>
+                <a:miter lim="800000"/>
+                <a:headEnd/>
+                <a:tailEnd/>
+              </a14:hiddenLine>
+            </a:ext>
+          </a:extLst>
+        </p:spPr>
+      </p:pic>
+      <p:sp>
+        <p:nvSpPr>
+          <p:cNvPr id="65" name="矩形 64"/>
+          <p:cNvSpPr/>
+          <p:nvPr/>
+        </p:nvSpPr>
+        <p:spPr>
+          <a:xfrm>
+            <a:off x="6136367" y="5389930"/>
+            <a:ext cx="1080120" cy="720080"/>
+          </a:xfrm>
+          <a:prstGeom prst="rect">
+            <a:avLst/>
+          </a:prstGeom>
+          <a:noFill/>
+          <a:ln w="76200">
+            <a:solidFill>
+              <a:schemeClr val="tx1"/>
+            </a:solidFill>
+          </a:ln>
+        </p:spPr>
+        <p:style>
+          <a:lnRef idx="2">
+            <a:schemeClr val="accent1">
+              <a:shade val="50000"/>
+            </a:schemeClr>
+          </a:lnRef>
+          <a:fillRef idx="1">
+            <a:schemeClr val="accent1"/>
+          </a:fillRef>
+          <a:effectRef idx="0">
+            <a:schemeClr val="accent1"/>
+          </a:effectRef>
+          <a:fontRef idx="minor">
+            <a:schemeClr val="lt1"/>
+          </a:fontRef>
+        </p:style>
+        <p:txBody>
+          <a:bodyPr rtlCol="0" anchor="ctr"/>
+          <a:lstStyle/>
+          <a:p>
+            <a:pPr algn="ctr"/>
+            <a:endParaRPr lang="zh-CN" altLang="en-US"/>
+          </a:p>
+        </p:txBody>
+      </p:sp>
+      <p:sp>
+        <p:nvSpPr>
+          <p:cNvPr id="66" name="梯形 65"/>
+          <p:cNvSpPr/>
+          <p:nvPr/>
+        </p:nvSpPr>
+        <p:spPr>
+          <a:xfrm>
+            <a:off x="6424399" y="6110010"/>
+            <a:ext cx="504056" cy="216024"/>
+          </a:xfrm>
+          <a:prstGeom prst="trapezoid">
+            <a:avLst/>
+          </a:prstGeom>
+          <a:solidFill>
+            <a:schemeClr val="bg1"/>
+          </a:solidFill>
+          <a:ln w="19050">
+            <a:solidFill>
+              <a:schemeClr val="tx1"/>
+            </a:solidFill>
+          </a:ln>
+        </p:spPr>
+        <p:style>
+          <a:lnRef idx="2">
+            <a:schemeClr val="accent1">
+              <a:shade val="50000"/>
+            </a:schemeClr>
+          </a:lnRef>
+          <a:fillRef idx="1">
+            <a:schemeClr val="accent1"/>
+          </a:fillRef>
+          <a:effectRef idx="0">
+            <a:schemeClr val="accent1"/>
+          </a:effectRef>
+          <a:fontRef idx="minor">
+            <a:schemeClr val="lt1"/>
+          </a:fontRef>
+        </p:style>
+        <p:txBody>
+          <a:bodyPr rtlCol="0" anchor="ctr"/>
+          <a:lstStyle/>
+          <a:p>
+            <a:pPr algn="ctr"/>
+            <a:endParaRPr lang="zh-CN" altLang="en-US"/>
+          </a:p>
+        </p:txBody>
+      </p:sp>
+      <p:sp>
+        <p:nvSpPr>
+          <p:cNvPr id="67" name="TextBox 66"/>
+          <p:cNvSpPr txBox="1"/>
+          <p:nvPr/>
+        </p:nvSpPr>
+        <p:spPr>
+          <a:xfrm>
+            <a:off x="6821340" y="5459761"/>
+            <a:ext cx="323165" cy="617658"/>
+          </a:xfrm>
+          <a:prstGeom prst="rect">
+            <a:avLst/>
+          </a:prstGeom>
+          <a:noFill/>
+        </p:spPr>
+        <p:txBody>
+          <a:bodyPr vert="eaVert" wrap="square" rtlCol="0">
+            <a:spAutoFit/>
+          </a:bodyPr>
+          <a:lstStyle/>
+          <a:p>
+            <a:r>
+              <a:rPr lang="zh-CN" altLang="en-US" sz="900" dirty="0" smtClean="0"/>
+              <a:t>高度转换</a:t>
+            </a:r>
+            <a:endParaRPr lang="zh-CN" altLang="en-US" sz="900" dirty="0"/>
+          </a:p>
+        </p:txBody>
+      </p:sp>
+      <p:sp>
+        <p:nvSpPr>
+          <p:cNvPr id="4" name="加号 3"/>
+          <p:cNvSpPr/>
+          <p:nvPr/>
+        </p:nvSpPr>
+        <p:spPr>
+          <a:xfrm>
+            <a:off x="6757072" y="2632346"/>
+            <a:ext cx="342766" cy="212288"/>
+          </a:xfrm>
+          <a:prstGeom prst="mathPlus">
+            <a:avLst/>
+          </a:prstGeom>
+          <a:solidFill>
+            <a:schemeClr val="tx1"/>
+          </a:solidFill>
+          <a:ln w="12700">
+            <a:noFill/>
+            <a:prstDash val="sysDot"/>
+          </a:ln>
+        </p:spPr>
+        <p:style>
+          <a:lnRef idx="2">
+            <a:schemeClr val="accent1">
+              <a:shade val="50000"/>
+            </a:schemeClr>
+          </a:lnRef>
+          <a:fillRef idx="1">
+            <a:schemeClr val="accent1"/>
+          </a:fillRef>
+          <a:effectRef idx="0">
+            <a:schemeClr val="accent1"/>
+          </a:effectRef>
+          <a:fontRef idx="minor">
+            <a:schemeClr val="lt1"/>
+          </a:fontRef>
+        </p:style>
+        <p:txBody>
+          <a:bodyPr rtlCol="0" anchor="ctr"/>
+          <a:lstStyle/>
+          <a:p>
+            <a:pPr algn="ctr"/>
+            <a:endParaRPr lang="zh-CN" altLang="en-US"/>
+          </a:p>
+        </p:txBody>
+      </p:sp>
     </p:spTree>
     <p:extLst>
       <p:ext uri="{BB962C8B-B14F-4D97-AF65-F5344CB8AC3E}">
-        <p14:creationId xmlns:p14="http://schemas.microsoft.com/office/powerpoint/2010/main" val="772118323"/>
+        <p14:creationId xmlns:p14="http://schemas.microsoft.com/office/powerpoint/2010/main" val="2341805650"/>
       </p:ext>
     </p:extLst>
   </p:cSld>
@@ -4598,7 +7226,7 @@
 </p:sld>
 </file>
 
-<file path=ppt/slides/slide3.xml><?xml version="1.0" encoding="utf-8"?>
+<file path=ppt/slides/slide4.xml><?xml version="1.0" encoding="utf-8"?>
 <p:sld xmlns:a="http://schemas.openxmlformats.org/drawingml/2006/main" xmlns:r="http://schemas.openxmlformats.org/officeDocument/2006/relationships" xmlns:p="http://schemas.openxmlformats.org/presentationml/2006/main">
   <p:cSld>
     <p:spTree>
@@ -4617,14 +7245,360 @@
       </p:grpSpPr>
       <p:sp>
         <p:nvSpPr>
-          <p:cNvPr id="2" name="TextBox 1"/>
+          <p:cNvPr id="14" name="流程图: 可选过程 13"/>
+          <p:cNvSpPr/>
+          <p:nvPr/>
+        </p:nvSpPr>
+        <p:spPr>
+          <a:xfrm>
+            <a:off x="2338689" y="2097578"/>
+            <a:ext cx="720080" cy="288032"/>
+          </a:xfrm>
+          <a:prstGeom prst="flowChartAlternateProcess">
+            <a:avLst/>
+          </a:prstGeom>
+          <a:solidFill>
+            <a:schemeClr val="bg1"/>
+          </a:solidFill>
+          <a:ln w="12700">
+            <a:solidFill>
+              <a:schemeClr val="tx1"/>
+            </a:solidFill>
+          </a:ln>
+        </p:spPr>
+        <p:style>
+          <a:lnRef idx="2">
+            <a:schemeClr val="accent1">
+              <a:shade val="50000"/>
+            </a:schemeClr>
+          </a:lnRef>
+          <a:fillRef idx="1">
+            <a:schemeClr val="accent1"/>
+          </a:fillRef>
+          <a:effectRef idx="0">
+            <a:schemeClr val="accent1"/>
+          </a:effectRef>
+          <a:fontRef idx="minor">
+            <a:schemeClr val="lt1"/>
+          </a:fontRef>
+        </p:style>
+        <p:txBody>
+          <a:bodyPr rtlCol="0" anchor="ctr"/>
+          <a:lstStyle/>
+          <a:p>
+            <a:pPr algn="ctr"/>
+            <a:r>
+              <a:rPr lang="zh-CN" altLang="en-US" sz="900" dirty="0">
+                <a:solidFill>
+                  <a:schemeClr val="tx1"/>
+                </a:solidFill>
+              </a:rPr>
+              <a:t>系</a:t>
+            </a:r>
+            <a:r>
+              <a:rPr lang="zh-CN" altLang="en-US" sz="900" dirty="0" smtClean="0">
+                <a:solidFill>
+                  <a:schemeClr val="tx1"/>
+                </a:solidFill>
+              </a:rPr>
+              <a:t>统校准</a:t>
+            </a:r>
+            <a:endParaRPr lang="zh-CN" altLang="en-US" sz="900" dirty="0">
+              <a:solidFill>
+                <a:schemeClr val="tx1"/>
+              </a:solidFill>
+            </a:endParaRPr>
+          </a:p>
+        </p:txBody>
+      </p:sp>
+      <p:sp>
+        <p:nvSpPr>
+          <p:cNvPr id="15" name="流程图: 可选过程 14"/>
+          <p:cNvSpPr/>
+          <p:nvPr/>
+        </p:nvSpPr>
+        <p:spPr>
+          <a:xfrm>
+            <a:off x="3491880" y="1138836"/>
+            <a:ext cx="720080" cy="288032"/>
+          </a:xfrm>
+          <a:prstGeom prst="flowChartAlternateProcess">
+            <a:avLst/>
+          </a:prstGeom>
+          <a:solidFill>
+            <a:schemeClr val="bg1"/>
+          </a:solidFill>
+          <a:ln w="12700">
+            <a:solidFill>
+              <a:schemeClr val="tx1"/>
+            </a:solidFill>
+          </a:ln>
+        </p:spPr>
+        <p:style>
+          <a:lnRef idx="2">
+            <a:schemeClr val="accent1">
+              <a:shade val="50000"/>
+            </a:schemeClr>
+          </a:lnRef>
+          <a:fillRef idx="1">
+            <a:schemeClr val="accent1"/>
+          </a:fillRef>
+          <a:effectRef idx="0">
+            <a:schemeClr val="accent1"/>
+          </a:effectRef>
+          <a:fontRef idx="minor">
+            <a:schemeClr val="lt1"/>
+          </a:fontRef>
+        </p:style>
+        <p:txBody>
+          <a:bodyPr rtlCol="0" anchor="ctr"/>
+          <a:lstStyle/>
+          <a:p>
+            <a:pPr algn="ctr"/>
+            <a:r>
+              <a:rPr lang="zh-CN" altLang="en-US" sz="900" dirty="0" smtClean="0">
+                <a:solidFill>
+                  <a:schemeClr val="tx1"/>
+                </a:solidFill>
+              </a:rPr>
+              <a:t>投影成像</a:t>
+            </a:r>
+            <a:endParaRPr lang="zh-CN" altLang="en-US" sz="900" dirty="0">
+              <a:solidFill>
+                <a:schemeClr val="tx1"/>
+              </a:solidFill>
+            </a:endParaRPr>
+          </a:p>
+        </p:txBody>
+      </p:sp>
+      <p:sp>
+        <p:nvSpPr>
+          <p:cNvPr id="16" name="流程图: 可选过程 15"/>
+          <p:cNvSpPr/>
+          <p:nvPr/>
+        </p:nvSpPr>
+        <p:spPr>
+          <a:xfrm>
+            <a:off x="3491880" y="1646397"/>
+            <a:ext cx="720080" cy="288032"/>
+          </a:xfrm>
+          <a:prstGeom prst="flowChartAlternateProcess">
+            <a:avLst/>
+          </a:prstGeom>
+          <a:solidFill>
+            <a:schemeClr val="bg1"/>
+          </a:solidFill>
+          <a:ln w="12700">
+            <a:solidFill>
+              <a:schemeClr val="tx1"/>
+            </a:solidFill>
+          </a:ln>
+        </p:spPr>
+        <p:style>
+          <a:lnRef idx="2">
+            <a:schemeClr val="accent1">
+              <a:shade val="50000"/>
+            </a:schemeClr>
+          </a:lnRef>
+          <a:fillRef idx="1">
+            <a:schemeClr val="accent1"/>
+          </a:fillRef>
+          <a:effectRef idx="0">
+            <a:schemeClr val="accent1"/>
+          </a:effectRef>
+          <a:fontRef idx="minor">
+            <a:schemeClr val="lt1"/>
+          </a:fontRef>
+        </p:style>
+        <p:txBody>
+          <a:bodyPr rtlCol="0" anchor="ctr"/>
+          <a:lstStyle/>
+          <a:p>
+            <a:pPr algn="ctr"/>
+            <a:r>
+              <a:rPr lang="zh-CN" altLang="en-US" sz="900" dirty="0">
+                <a:solidFill>
+                  <a:schemeClr val="tx1"/>
+                </a:solidFill>
+              </a:rPr>
+              <a:t>数字相</a:t>
+            </a:r>
+            <a:r>
+              <a:rPr lang="zh-CN" altLang="en-US" sz="900" dirty="0" smtClean="0">
+                <a:solidFill>
+                  <a:schemeClr val="tx1"/>
+                </a:solidFill>
+              </a:rPr>
+              <a:t>移</a:t>
+            </a:r>
+            <a:endParaRPr lang="en-US" altLang="zh-CN" sz="900" dirty="0" smtClean="0">
+              <a:solidFill>
+                <a:schemeClr val="tx1"/>
+              </a:solidFill>
+            </a:endParaRPr>
+          </a:p>
+        </p:txBody>
+      </p:sp>
+      <p:sp>
+        <p:nvSpPr>
+          <p:cNvPr id="17" name="流程图: 多文档 16"/>
+          <p:cNvSpPr/>
+          <p:nvPr/>
+        </p:nvSpPr>
+        <p:spPr>
+          <a:xfrm>
+            <a:off x="2428169" y="1139839"/>
+            <a:ext cx="648072" cy="286027"/>
+          </a:xfrm>
+          <a:prstGeom prst="flowChartMultidocument">
+            <a:avLst/>
+          </a:prstGeom>
+          <a:noFill/>
+          <a:ln w="12700">
+            <a:solidFill>
+              <a:schemeClr val="tx1"/>
+            </a:solidFill>
+          </a:ln>
+        </p:spPr>
+        <p:style>
+          <a:lnRef idx="2">
+            <a:schemeClr val="accent1">
+              <a:shade val="50000"/>
+            </a:schemeClr>
+          </a:lnRef>
+          <a:fillRef idx="1">
+            <a:schemeClr val="accent1"/>
+          </a:fillRef>
+          <a:effectRef idx="0">
+            <a:schemeClr val="accent1"/>
+          </a:effectRef>
+          <a:fontRef idx="minor">
+            <a:schemeClr val="lt1"/>
+          </a:fontRef>
+        </p:style>
+        <p:txBody>
+          <a:bodyPr rtlCol="0" anchor="ctr"/>
+          <a:lstStyle/>
+          <a:p>
+            <a:pPr algn="ctr"/>
+            <a:endParaRPr lang="zh-CN" altLang="en-US"/>
+          </a:p>
+        </p:txBody>
+      </p:sp>
+      <p:sp>
+        <p:nvSpPr>
+          <p:cNvPr id="18" name="矩形 17"/>
+          <p:cNvSpPr/>
+          <p:nvPr/>
+        </p:nvSpPr>
+        <p:spPr>
+          <a:xfrm>
+            <a:off x="2428169" y="1237133"/>
+            <a:ext cx="541122" cy="45719"/>
+          </a:xfrm>
+          <a:prstGeom prst="rect">
+            <a:avLst/>
+          </a:prstGeom>
+          <a:solidFill>
+            <a:schemeClr val="tx1"/>
+          </a:solidFill>
+          <a:ln>
+            <a:solidFill>
+              <a:schemeClr val="tx1"/>
+            </a:solidFill>
+          </a:ln>
+        </p:spPr>
+        <p:style>
+          <a:lnRef idx="2">
+            <a:schemeClr val="accent1">
+              <a:shade val="50000"/>
+            </a:schemeClr>
+          </a:lnRef>
+          <a:fillRef idx="1">
+            <a:schemeClr val="accent1"/>
+          </a:fillRef>
+          <a:effectRef idx="0">
+            <a:schemeClr val="accent1"/>
+          </a:effectRef>
+          <a:fontRef idx="minor">
+            <a:schemeClr val="lt1"/>
+          </a:fontRef>
+        </p:style>
+        <p:txBody>
+          <a:bodyPr rtlCol="0" anchor="ctr"/>
+          <a:lstStyle/>
+          <a:p>
+            <a:pPr algn="ctr"/>
+            <a:endParaRPr lang="zh-CN" altLang="en-US">
+              <a:solidFill>
+                <a:schemeClr val="tx1"/>
+              </a:solidFill>
+            </a:endParaRPr>
+          </a:p>
+        </p:txBody>
+      </p:sp>
+      <p:sp>
+        <p:nvSpPr>
+          <p:cNvPr id="21" name="矩形 20"/>
+          <p:cNvSpPr/>
+          <p:nvPr/>
+        </p:nvSpPr>
+        <p:spPr>
+          <a:xfrm>
+            <a:off x="2428169" y="1361249"/>
+            <a:ext cx="541122" cy="45719"/>
+          </a:xfrm>
+          <a:prstGeom prst="rect">
+            <a:avLst/>
+          </a:prstGeom>
+          <a:solidFill>
+            <a:schemeClr val="tx1"/>
+          </a:solidFill>
+          <a:ln>
+            <a:solidFill>
+              <a:schemeClr val="tx1"/>
+            </a:solidFill>
+          </a:ln>
+        </p:spPr>
+        <p:style>
+          <a:lnRef idx="2">
+            <a:schemeClr val="accent1">
+              <a:shade val="50000"/>
+            </a:schemeClr>
+          </a:lnRef>
+          <a:fillRef idx="1">
+            <a:schemeClr val="accent1"/>
+          </a:fillRef>
+          <a:effectRef idx="0">
+            <a:schemeClr val="accent1"/>
+          </a:effectRef>
+          <a:fontRef idx="minor">
+            <a:schemeClr val="lt1"/>
+          </a:fontRef>
+        </p:style>
+        <p:txBody>
+          <a:bodyPr rtlCol="0" anchor="ctr"/>
+          <a:lstStyle/>
+          <a:p>
+            <a:pPr algn="ctr"/>
+            <a:endParaRPr lang="zh-CN" altLang="en-US">
+              <a:solidFill>
+                <a:schemeClr val="tx1"/>
+              </a:solidFill>
+            </a:endParaRPr>
+          </a:p>
+        </p:txBody>
+      </p:sp>
+      <p:sp>
+        <p:nvSpPr>
+          <p:cNvPr id="22" name="TextBox 21"/>
           <p:cNvSpPr txBox="1"/>
           <p:nvPr/>
         </p:nvSpPr>
         <p:spPr>
           <a:xfrm>
-            <a:off x="467544" y="404664"/>
-            <a:ext cx="1656184" cy="1754326"/>
+            <a:off x="2085600" y="836712"/>
+            <a:ext cx="1333210" cy="230832"/>
           </a:xfrm>
           <a:prstGeom prst="rect">
             <a:avLst/>
@@ -4638,94 +7612,732 @@
           <a:lstStyle/>
           <a:p>
             <a:r>
-              <a:rPr lang="zh-CN" altLang="en-US" dirty="0" smtClean="0"/>
-              <a:t>系统校准</a:t>
-            </a:r>
-            <a:endParaRPr lang="en-US" altLang="zh-CN" dirty="0" smtClean="0"/>
-          </a:p>
-          <a:p>
-            <a:r>
-              <a:rPr lang="zh-CN" altLang="en-US" dirty="0" smtClean="0"/>
-              <a:t>数字相移</a:t>
-            </a:r>
-            <a:endParaRPr lang="en-US" altLang="zh-CN" dirty="0" smtClean="0"/>
-          </a:p>
-          <a:p>
-            <a:r>
-              <a:rPr lang="zh-CN" altLang="en-US" dirty="0"/>
-              <a:t>条</a:t>
-            </a:r>
-            <a:r>
-              <a:rPr lang="zh-CN" altLang="en-US" dirty="0" smtClean="0"/>
-              <a:t>纹去除</a:t>
-            </a:r>
-            <a:endParaRPr lang="en-US" altLang="zh-CN" dirty="0" smtClean="0"/>
-          </a:p>
-          <a:p>
-            <a:r>
-              <a:rPr lang="zh-CN" altLang="en-US" dirty="0"/>
-              <a:t>相</a:t>
-            </a:r>
-            <a:r>
-              <a:rPr lang="zh-CN" altLang="en-US" dirty="0" smtClean="0"/>
-              <a:t>位提取</a:t>
-            </a:r>
-            <a:endParaRPr lang="en-US" altLang="zh-CN" dirty="0" smtClean="0"/>
-          </a:p>
-          <a:p>
-            <a:r>
-              <a:rPr lang="zh-CN" altLang="en-US" dirty="0"/>
-              <a:t>相</a:t>
-            </a:r>
-            <a:r>
-              <a:rPr lang="zh-CN" altLang="en-US" dirty="0" smtClean="0"/>
-              <a:t>位展开</a:t>
-            </a:r>
-            <a:endParaRPr lang="en-US" altLang="zh-CN" dirty="0" smtClean="0"/>
-          </a:p>
-          <a:p>
-            <a:r>
-              <a:rPr lang="zh-CN" altLang="en-US" dirty="0" smtClean="0"/>
+              <a:rPr lang="zh-CN" altLang="en-US" sz="900" dirty="0" smtClean="0"/>
+              <a:t>不同频率的条文图样</a:t>
+            </a:r>
+            <a:endParaRPr lang="zh-CN" altLang="en-US" sz="900" dirty="0"/>
+          </a:p>
+        </p:txBody>
+      </p:sp>
+      <p:sp>
+        <p:nvSpPr>
+          <p:cNvPr id="23" name="流程图: 可选过程 22"/>
+          <p:cNvSpPr/>
+          <p:nvPr/>
+        </p:nvSpPr>
+        <p:spPr>
+          <a:xfrm>
+            <a:off x="4394484" y="1138836"/>
+            <a:ext cx="720080" cy="288032"/>
+          </a:xfrm>
+          <a:prstGeom prst="flowChartAlternateProcess">
+            <a:avLst/>
+          </a:prstGeom>
+          <a:solidFill>
+            <a:schemeClr val="bg1"/>
+          </a:solidFill>
+          <a:ln w="12700">
+            <a:solidFill>
+              <a:schemeClr val="tx1"/>
+            </a:solidFill>
+          </a:ln>
+        </p:spPr>
+        <p:style>
+          <a:lnRef idx="2">
+            <a:schemeClr val="accent1">
+              <a:shade val="50000"/>
+            </a:schemeClr>
+          </a:lnRef>
+          <a:fillRef idx="1">
+            <a:schemeClr val="accent1"/>
+          </a:fillRef>
+          <a:effectRef idx="0">
+            <a:schemeClr val="accent1"/>
+          </a:effectRef>
+          <a:fontRef idx="minor">
+            <a:schemeClr val="lt1"/>
+          </a:fontRef>
+        </p:style>
+        <p:txBody>
+          <a:bodyPr rtlCol="0" anchor="ctr"/>
+          <a:lstStyle/>
+          <a:p>
+            <a:pPr algn="ctr"/>
+            <a:r>
+              <a:rPr lang="zh-CN" altLang="en-US" sz="900" dirty="0" smtClean="0">
+                <a:solidFill>
+                  <a:schemeClr val="tx1"/>
+                </a:solidFill>
+              </a:rPr>
+              <a:t>条纹去除</a:t>
+            </a:r>
+            <a:endParaRPr lang="zh-CN" altLang="en-US" sz="900" dirty="0">
+              <a:solidFill>
+                <a:schemeClr val="tx1"/>
+              </a:solidFill>
+            </a:endParaRPr>
+          </a:p>
+        </p:txBody>
+      </p:sp>
+      <p:sp>
+        <p:nvSpPr>
+          <p:cNvPr id="24" name="流程图: 可选过程 23"/>
+          <p:cNvSpPr/>
+          <p:nvPr/>
+        </p:nvSpPr>
+        <p:spPr>
+          <a:xfrm>
+            <a:off x="4394484" y="1674205"/>
+            <a:ext cx="720080" cy="288032"/>
+          </a:xfrm>
+          <a:prstGeom prst="flowChartAlternateProcess">
+            <a:avLst/>
+          </a:prstGeom>
+          <a:solidFill>
+            <a:schemeClr val="bg1"/>
+          </a:solidFill>
+          <a:ln w="12700">
+            <a:solidFill>
+              <a:schemeClr val="tx1"/>
+            </a:solidFill>
+          </a:ln>
+        </p:spPr>
+        <p:style>
+          <a:lnRef idx="2">
+            <a:schemeClr val="accent1">
+              <a:shade val="50000"/>
+            </a:schemeClr>
+          </a:lnRef>
+          <a:fillRef idx="1">
+            <a:schemeClr val="accent1"/>
+          </a:fillRef>
+          <a:effectRef idx="0">
+            <a:schemeClr val="accent1"/>
+          </a:effectRef>
+          <a:fontRef idx="minor">
+            <a:schemeClr val="lt1"/>
+          </a:fontRef>
+        </p:style>
+        <p:txBody>
+          <a:bodyPr rtlCol="0" anchor="ctr"/>
+          <a:lstStyle/>
+          <a:p>
+            <a:pPr algn="ctr"/>
+            <a:r>
+              <a:rPr lang="zh-CN" altLang="en-US" sz="900" dirty="0" smtClean="0">
+                <a:solidFill>
+                  <a:schemeClr val="tx1"/>
+                </a:solidFill>
+              </a:rPr>
+              <a:t>相位展开</a:t>
+            </a:r>
+            <a:endParaRPr lang="zh-CN" altLang="en-US" sz="900" dirty="0">
+              <a:solidFill>
+                <a:schemeClr val="tx1"/>
+              </a:solidFill>
+            </a:endParaRPr>
+          </a:p>
+        </p:txBody>
+      </p:sp>
+      <p:sp>
+        <p:nvSpPr>
+          <p:cNvPr id="25" name="流程图: 可选过程 24"/>
+          <p:cNvSpPr/>
+          <p:nvPr/>
+        </p:nvSpPr>
+        <p:spPr>
+          <a:xfrm>
+            <a:off x="3491880" y="2276872"/>
+            <a:ext cx="720080" cy="288032"/>
+          </a:xfrm>
+          <a:prstGeom prst="flowChartAlternateProcess">
+            <a:avLst/>
+          </a:prstGeom>
+          <a:solidFill>
+            <a:schemeClr val="bg1"/>
+          </a:solidFill>
+          <a:ln w="12700">
+            <a:solidFill>
+              <a:schemeClr val="tx1"/>
+            </a:solidFill>
+          </a:ln>
+        </p:spPr>
+        <p:style>
+          <a:lnRef idx="2">
+            <a:schemeClr val="accent1">
+              <a:shade val="50000"/>
+            </a:schemeClr>
+          </a:lnRef>
+          <a:fillRef idx="1">
+            <a:schemeClr val="accent1"/>
+          </a:fillRef>
+          <a:effectRef idx="0">
+            <a:schemeClr val="accent1"/>
+          </a:effectRef>
+          <a:fontRef idx="minor">
+            <a:schemeClr val="lt1"/>
+          </a:fontRef>
+        </p:style>
+        <p:txBody>
+          <a:bodyPr rtlCol="0" anchor="ctr"/>
+          <a:lstStyle/>
+          <a:p>
+            <a:pPr algn="ctr"/>
+            <a:r>
+              <a:rPr lang="zh-CN" altLang="en-US" sz="900" dirty="0" smtClean="0">
+                <a:solidFill>
+                  <a:schemeClr val="tx1"/>
+                </a:solidFill>
+              </a:rPr>
               <a:t>高度转换</a:t>
             </a:r>
-            <a:endParaRPr lang="zh-CN" altLang="en-US" dirty="0"/>
-          </a:p>
-        </p:txBody>
-      </p:sp>
-      <p:pic>
-        <p:nvPicPr>
-          <p:cNvPr id="5" name="图片 4"/>
-          <p:cNvPicPr>
-            <a:picLocks noChangeAspect="1"/>
-          </p:cNvPicPr>
-          <p:nvPr/>
-        </p:nvPicPr>
-        <p:blipFill>
-          <a:blip r:embed="rId2" cstate="print">
-            <a:extLst>
-              <a:ext uri="{28A0092B-C50C-407E-A947-70E740481C1C}">
-                <a14:useLocalDpi xmlns:a14="http://schemas.microsoft.com/office/drawing/2010/main" val="0"/>
-              </a:ext>
-            </a:extLst>
-          </a:blip>
-          <a:stretch>
-            <a:fillRect/>
-          </a:stretch>
-        </p:blipFill>
-        <p:spPr>
-          <a:xfrm>
-            <a:off x="2123728" y="1556792"/>
-            <a:ext cx="2304256" cy="2125574"/>
+            <a:endParaRPr lang="zh-CN" altLang="en-US" sz="900" dirty="0">
+              <a:solidFill>
+                <a:schemeClr val="tx1"/>
+              </a:solidFill>
+            </a:endParaRPr>
+          </a:p>
+        </p:txBody>
+      </p:sp>
+      <p:sp>
+        <p:nvSpPr>
+          <p:cNvPr id="26" name="流程图: 磁盘 25"/>
+          <p:cNvSpPr/>
+          <p:nvPr/>
+        </p:nvSpPr>
+        <p:spPr>
+          <a:xfrm>
+            <a:off x="3578269" y="393132"/>
+            <a:ext cx="475402" cy="443580"/>
+          </a:xfrm>
+          <a:prstGeom prst="flowChartMagneticDisk">
+            <a:avLst/>
+          </a:prstGeom>
+          <a:solidFill>
+            <a:schemeClr val="bg1"/>
+          </a:solidFill>
+          <a:ln>
+            <a:solidFill>
+              <a:schemeClr val="tx1"/>
+            </a:solidFill>
+          </a:ln>
+        </p:spPr>
+        <p:style>
+          <a:lnRef idx="2">
+            <a:schemeClr val="accent1">
+              <a:shade val="50000"/>
+            </a:schemeClr>
+          </a:lnRef>
+          <a:fillRef idx="1">
+            <a:schemeClr val="accent1"/>
+          </a:fillRef>
+          <a:effectRef idx="0">
+            <a:schemeClr val="accent1"/>
+          </a:effectRef>
+          <a:fontRef idx="minor">
+            <a:schemeClr val="lt1"/>
+          </a:fontRef>
+        </p:style>
+        <p:txBody>
+          <a:bodyPr rtlCol="0" anchor="ctr"/>
+          <a:lstStyle/>
+          <a:p>
+            <a:pPr algn="ctr"/>
+            <a:endParaRPr lang="zh-CN" altLang="en-US"/>
+          </a:p>
+        </p:txBody>
+      </p:sp>
+      <p:sp>
+        <p:nvSpPr>
+          <p:cNvPr id="27" name="TextBox 26"/>
+          <p:cNvSpPr txBox="1"/>
+          <p:nvPr/>
+        </p:nvSpPr>
+        <p:spPr>
+          <a:xfrm>
+            <a:off x="3522485" y="116632"/>
+            <a:ext cx="720080" cy="230832"/>
           </a:xfrm>
           <a:prstGeom prst="rect">
             <a:avLst/>
           </a:prstGeom>
-        </p:spPr>
-      </p:pic>
+          <a:noFill/>
+        </p:spPr>
+        <p:txBody>
+          <a:bodyPr wrap="square" rtlCol="0">
+            <a:spAutoFit/>
+          </a:bodyPr>
+          <a:lstStyle/>
+          <a:p>
+            <a:r>
+              <a:rPr lang="zh-CN" altLang="en-US" sz="900" dirty="0" smtClean="0"/>
+              <a:t>被测物体</a:t>
+            </a:r>
+            <a:endParaRPr lang="zh-CN" altLang="en-US" sz="900" dirty="0"/>
+          </a:p>
+        </p:txBody>
+      </p:sp>
+      <p:sp>
+        <p:nvSpPr>
+          <p:cNvPr id="28" name="流程图: 磁盘 27"/>
+          <p:cNvSpPr/>
+          <p:nvPr/>
+        </p:nvSpPr>
+        <p:spPr>
+          <a:xfrm>
+            <a:off x="4516823" y="2420888"/>
+            <a:ext cx="475402" cy="443580"/>
+          </a:xfrm>
+          <a:prstGeom prst="flowChartMagneticDisk">
+            <a:avLst/>
+          </a:prstGeom>
+          <a:solidFill>
+            <a:schemeClr val="bg1"/>
+          </a:solidFill>
+          <a:ln>
+            <a:solidFill>
+              <a:schemeClr val="tx1"/>
+            </a:solidFill>
+            <a:prstDash val="sysDot"/>
+          </a:ln>
+        </p:spPr>
+        <p:style>
+          <a:lnRef idx="2">
+            <a:schemeClr val="accent1">
+              <a:shade val="50000"/>
+            </a:schemeClr>
+          </a:lnRef>
+          <a:fillRef idx="1">
+            <a:schemeClr val="accent1"/>
+          </a:fillRef>
+          <a:effectRef idx="0">
+            <a:schemeClr val="accent1"/>
+          </a:effectRef>
+          <a:fontRef idx="minor">
+            <a:schemeClr val="lt1"/>
+          </a:fontRef>
+        </p:style>
+        <p:txBody>
+          <a:bodyPr rtlCol="0" anchor="ctr"/>
+          <a:lstStyle/>
+          <a:p>
+            <a:pPr algn="ctr"/>
+            <a:endParaRPr lang="zh-CN" altLang="en-US"/>
+          </a:p>
+        </p:txBody>
+      </p:sp>
+      <p:sp>
+        <p:nvSpPr>
+          <p:cNvPr id="29" name="TextBox 28"/>
+          <p:cNvSpPr txBox="1"/>
+          <p:nvPr/>
+        </p:nvSpPr>
+        <p:spPr>
+          <a:xfrm>
+            <a:off x="4411624" y="2161456"/>
+            <a:ext cx="952464" cy="230832"/>
+          </a:xfrm>
+          <a:prstGeom prst="rect">
+            <a:avLst/>
+          </a:prstGeom>
+          <a:noFill/>
+        </p:spPr>
+        <p:txBody>
+          <a:bodyPr wrap="square" rtlCol="0">
+            <a:spAutoFit/>
+          </a:bodyPr>
+          <a:lstStyle/>
+          <a:p>
+            <a:r>
+              <a:rPr lang="zh-CN" altLang="en-US" sz="900" dirty="0" smtClean="0"/>
+              <a:t>绝对三维模型</a:t>
+            </a:r>
+            <a:endParaRPr lang="zh-CN" altLang="en-US" sz="900" dirty="0"/>
+          </a:p>
+        </p:txBody>
+      </p:sp>
+      <p:cxnSp>
+        <p:nvCxnSpPr>
+          <p:cNvPr id="31" name="直接箭头连接符 30"/>
+          <p:cNvCxnSpPr>
+            <a:stCxn id="17" idx="3"/>
+            <a:endCxn id="15" idx="1"/>
+          </p:cNvCxnSpPr>
+          <p:nvPr/>
+        </p:nvCxnSpPr>
+        <p:spPr>
+          <a:xfrm flipV="1">
+            <a:off x="3076241" y="1282852"/>
+            <a:ext cx="415639" cy="1"/>
+          </a:xfrm>
+          <a:prstGeom prst="straightConnector1">
+            <a:avLst/>
+          </a:prstGeom>
+          <a:ln>
+            <a:solidFill>
+              <a:schemeClr val="tx1"/>
+            </a:solidFill>
+            <a:tailEnd type="arrow"/>
+          </a:ln>
+        </p:spPr>
+        <p:style>
+          <a:lnRef idx="1">
+            <a:schemeClr val="accent1"/>
+          </a:lnRef>
+          <a:fillRef idx="0">
+            <a:schemeClr val="accent1"/>
+          </a:fillRef>
+          <a:effectRef idx="0">
+            <a:schemeClr val="accent1"/>
+          </a:effectRef>
+          <a:fontRef idx="minor">
+            <a:schemeClr val="tx1"/>
+          </a:fontRef>
+        </p:style>
+      </p:cxnSp>
+      <p:cxnSp>
+        <p:nvCxnSpPr>
+          <p:cNvPr id="34" name="肘形连接符 33"/>
+          <p:cNvCxnSpPr>
+            <a:stCxn id="21" idx="2"/>
+            <a:endCxn id="14" idx="0"/>
+          </p:cNvCxnSpPr>
+          <p:nvPr/>
+        </p:nvCxnSpPr>
+        <p:spPr>
+          <a:xfrm rot="5400000">
+            <a:off x="2353425" y="1752273"/>
+            <a:ext cx="690610" cy="1"/>
+          </a:xfrm>
+          <a:prstGeom prst="bentConnector3">
+            <a:avLst/>
+          </a:prstGeom>
+          <a:ln>
+            <a:solidFill>
+              <a:schemeClr val="tx1"/>
+            </a:solidFill>
+            <a:tailEnd type="arrow"/>
+          </a:ln>
+        </p:spPr>
+        <p:style>
+          <a:lnRef idx="1">
+            <a:schemeClr val="accent1"/>
+          </a:lnRef>
+          <a:fillRef idx="0">
+            <a:schemeClr val="accent1"/>
+          </a:fillRef>
+          <a:effectRef idx="0">
+            <a:schemeClr val="accent1"/>
+          </a:effectRef>
+          <a:fontRef idx="minor">
+            <a:schemeClr val="tx1"/>
+          </a:fontRef>
+        </p:style>
+      </p:cxnSp>
+      <p:cxnSp>
+        <p:nvCxnSpPr>
+          <p:cNvPr id="43" name="肘形连接符 42"/>
+          <p:cNvCxnSpPr>
+            <a:stCxn id="14" idx="3"/>
+            <a:endCxn id="25" idx="1"/>
+          </p:cNvCxnSpPr>
+          <p:nvPr/>
+        </p:nvCxnSpPr>
+        <p:spPr>
+          <a:xfrm>
+            <a:off x="3058769" y="2241594"/>
+            <a:ext cx="433111" cy="179294"/>
+          </a:xfrm>
+          <a:prstGeom prst="bentConnector3">
+            <a:avLst/>
+          </a:prstGeom>
+          <a:ln>
+            <a:solidFill>
+              <a:schemeClr val="tx1"/>
+            </a:solidFill>
+            <a:tailEnd type="arrow"/>
+          </a:ln>
+        </p:spPr>
+        <p:style>
+          <a:lnRef idx="1">
+            <a:schemeClr val="accent1"/>
+          </a:lnRef>
+          <a:fillRef idx="0">
+            <a:schemeClr val="accent1"/>
+          </a:fillRef>
+          <a:effectRef idx="0">
+            <a:schemeClr val="accent1"/>
+          </a:effectRef>
+          <a:fontRef idx="minor">
+            <a:schemeClr val="tx1"/>
+          </a:fontRef>
+        </p:style>
+      </p:cxnSp>
+      <p:cxnSp>
+        <p:nvCxnSpPr>
+          <p:cNvPr id="53" name="肘形连接符 52"/>
+          <p:cNvCxnSpPr/>
+          <p:nvPr/>
+        </p:nvCxnSpPr>
+        <p:spPr>
+          <a:xfrm rot="5400000">
+            <a:off x="3947253" y="1290309"/>
+            <a:ext cx="135341" cy="1479200"/>
+          </a:xfrm>
+          <a:prstGeom prst="bentConnector2">
+            <a:avLst/>
+          </a:prstGeom>
+          <a:ln>
+            <a:solidFill>
+              <a:schemeClr val="tx1"/>
+            </a:solidFill>
+          </a:ln>
+        </p:spPr>
+        <p:style>
+          <a:lnRef idx="1">
+            <a:schemeClr val="accent1"/>
+          </a:lnRef>
+          <a:fillRef idx="0">
+            <a:schemeClr val="accent1"/>
+          </a:fillRef>
+          <a:effectRef idx="0">
+            <a:schemeClr val="accent1"/>
+          </a:effectRef>
+          <a:fontRef idx="minor">
+            <a:schemeClr val="tx1"/>
+          </a:fontRef>
+        </p:style>
+      </p:cxnSp>
+      <p:cxnSp>
+        <p:nvCxnSpPr>
+          <p:cNvPr id="56" name="直接连接符 55"/>
+          <p:cNvCxnSpPr/>
+          <p:nvPr/>
+        </p:nvCxnSpPr>
+        <p:spPr>
+          <a:xfrm>
+            <a:off x="3275324" y="2097578"/>
+            <a:ext cx="0" cy="144016"/>
+          </a:xfrm>
+          <a:prstGeom prst="line">
+            <a:avLst/>
+          </a:prstGeom>
+          <a:ln w="9525">
+            <a:solidFill>
+              <a:schemeClr val="tx1"/>
+            </a:solidFill>
+          </a:ln>
+        </p:spPr>
+        <p:style>
+          <a:lnRef idx="1">
+            <a:schemeClr val="accent1"/>
+          </a:lnRef>
+          <a:fillRef idx="0">
+            <a:schemeClr val="accent1"/>
+          </a:fillRef>
+          <a:effectRef idx="0">
+            <a:schemeClr val="accent1"/>
+          </a:effectRef>
+          <a:fontRef idx="minor">
+            <a:schemeClr val="tx1"/>
+          </a:fontRef>
+        </p:style>
+      </p:cxnSp>
+      <p:cxnSp>
+        <p:nvCxnSpPr>
+          <p:cNvPr id="60" name="直接箭头连接符 59"/>
+          <p:cNvCxnSpPr>
+            <a:stCxn id="15" idx="2"/>
+            <a:endCxn id="16" idx="0"/>
+          </p:cNvCxnSpPr>
+          <p:nvPr/>
+        </p:nvCxnSpPr>
+        <p:spPr>
+          <a:xfrm>
+            <a:off x="3851920" y="1426868"/>
+            <a:ext cx="0" cy="219529"/>
+          </a:xfrm>
+          <a:prstGeom prst="straightConnector1">
+            <a:avLst/>
+          </a:prstGeom>
+          <a:ln>
+            <a:solidFill>
+              <a:schemeClr val="tx1"/>
+            </a:solidFill>
+            <a:tailEnd type="arrow"/>
+          </a:ln>
+        </p:spPr>
+        <p:style>
+          <a:lnRef idx="1">
+            <a:schemeClr val="accent1"/>
+          </a:lnRef>
+          <a:fillRef idx="0">
+            <a:schemeClr val="accent1"/>
+          </a:fillRef>
+          <a:effectRef idx="0">
+            <a:schemeClr val="accent1"/>
+          </a:effectRef>
+          <a:fontRef idx="minor">
+            <a:schemeClr val="tx1"/>
+          </a:fontRef>
+        </p:style>
+      </p:cxnSp>
+      <p:cxnSp>
+        <p:nvCxnSpPr>
+          <p:cNvPr id="68" name="肘形连接符 67"/>
+          <p:cNvCxnSpPr>
+            <a:stCxn id="16" idx="3"/>
+            <a:endCxn id="23" idx="1"/>
+          </p:cNvCxnSpPr>
+          <p:nvPr/>
+        </p:nvCxnSpPr>
+        <p:spPr>
+          <a:xfrm flipV="1">
+            <a:off x="4211960" y="1282852"/>
+            <a:ext cx="182524" cy="507561"/>
+          </a:xfrm>
+          <a:prstGeom prst="bentConnector3">
+            <a:avLst/>
+          </a:prstGeom>
+          <a:ln>
+            <a:solidFill>
+              <a:schemeClr val="tx1"/>
+            </a:solidFill>
+            <a:tailEnd type="arrow"/>
+          </a:ln>
+        </p:spPr>
+        <p:style>
+          <a:lnRef idx="1">
+            <a:schemeClr val="accent1"/>
+          </a:lnRef>
+          <a:fillRef idx="0">
+            <a:schemeClr val="accent1"/>
+          </a:fillRef>
+          <a:effectRef idx="0">
+            <a:schemeClr val="accent1"/>
+          </a:effectRef>
+          <a:fontRef idx="minor">
+            <a:schemeClr val="tx1"/>
+          </a:fontRef>
+        </p:style>
+      </p:cxnSp>
+      <p:cxnSp>
+        <p:nvCxnSpPr>
+          <p:cNvPr id="71" name="直接箭头连接符 70"/>
+          <p:cNvCxnSpPr>
+            <a:stCxn id="23" idx="2"/>
+            <a:endCxn id="24" idx="0"/>
+          </p:cNvCxnSpPr>
+          <p:nvPr/>
+        </p:nvCxnSpPr>
+        <p:spPr>
+          <a:xfrm>
+            <a:off x="4754524" y="1426868"/>
+            <a:ext cx="0" cy="247337"/>
+          </a:xfrm>
+          <a:prstGeom prst="straightConnector1">
+            <a:avLst/>
+          </a:prstGeom>
+          <a:ln>
+            <a:solidFill>
+              <a:schemeClr val="tx1"/>
+            </a:solidFill>
+            <a:tailEnd type="arrow"/>
+          </a:ln>
+        </p:spPr>
+        <p:style>
+          <a:lnRef idx="1">
+            <a:schemeClr val="accent1"/>
+          </a:lnRef>
+          <a:fillRef idx="0">
+            <a:schemeClr val="accent1"/>
+          </a:fillRef>
+          <a:effectRef idx="0">
+            <a:schemeClr val="accent1"/>
+          </a:effectRef>
+          <a:fontRef idx="minor">
+            <a:schemeClr val="tx1"/>
+          </a:fontRef>
+        </p:style>
+      </p:cxnSp>
+      <p:cxnSp>
+        <p:nvCxnSpPr>
+          <p:cNvPr id="74" name="直接箭头连接符 73"/>
+          <p:cNvCxnSpPr>
+            <a:stCxn id="25" idx="3"/>
+          </p:cNvCxnSpPr>
+          <p:nvPr/>
+        </p:nvCxnSpPr>
+        <p:spPr>
+          <a:xfrm>
+            <a:off x="4211960" y="2420888"/>
+            <a:ext cx="199664" cy="0"/>
+          </a:xfrm>
+          <a:prstGeom prst="straightConnector1">
+            <a:avLst/>
+          </a:prstGeom>
+          <a:ln>
+            <a:solidFill>
+              <a:schemeClr val="tx1"/>
+            </a:solidFill>
+            <a:tailEnd type="arrow"/>
+          </a:ln>
+        </p:spPr>
+        <p:style>
+          <a:lnRef idx="1">
+            <a:schemeClr val="accent1"/>
+          </a:lnRef>
+          <a:fillRef idx="0">
+            <a:schemeClr val="accent1"/>
+          </a:fillRef>
+          <a:effectRef idx="0">
+            <a:schemeClr val="accent1"/>
+          </a:effectRef>
+          <a:fontRef idx="minor">
+            <a:schemeClr val="tx1"/>
+          </a:fontRef>
+        </p:style>
+      </p:cxnSp>
+      <p:cxnSp>
+        <p:nvCxnSpPr>
+          <p:cNvPr id="77" name="直接箭头连接符 76"/>
+          <p:cNvCxnSpPr/>
+          <p:nvPr/>
+        </p:nvCxnSpPr>
+        <p:spPr>
+          <a:xfrm>
+            <a:off x="3854587" y="953131"/>
+            <a:ext cx="0" cy="186708"/>
+          </a:xfrm>
+          <a:prstGeom prst="straightConnector1">
+            <a:avLst/>
+          </a:prstGeom>
+          <a:ln>
+            <a:solidFill>
+              <a:schemeClr val="tx1"/>
+            </a:solidFill>
+            <a:tailEnd type="arrow"/>
+          </a:ln>
+        </p:spPr>
+        <p:style>
+          <a:lnRef idx="1">
+            <a:schemeClr val="accent1"/>
+          </a:lnRef>
+          <a:fillRef idx="0">
+            <a:schemeClr val="accent1"/>
+          </a:fillRef>
+          <a:effectRef idx="0">
+            <a:schemeClr val="accent1"/>
+          </a:effectRef>
+          <a:fontRef idx="minor">
+            <a:schemeClr val="tx1"/>
+          </a:fontRef>
+        </p:style>
+      </p:cxnSp>
     </p:spTree>
     <p:extLst>
       <p:ext uri="{BB962C8B-B14F-4D97-AF65-F5344CB8AC3E}">
-        <p14:creationId xmlns:p14="http://schemas.microsoft.com/office/powerpoint/2010/main" val="2341805650"/>
+        <p14:creationId xmlns:p14="http://schemas.microsoft.com/office/powerpoint/2010/main" val="1813516298"/>
       </p:ext>
     </p:extLst>
   </p:cSld>
@@ -5018,4 +8630,289 @@
   <a:objectDefaults/>
   <a:extraClrSchemeLst/>
 </a:theme>
+</file>
+
+<file path=ppt/theme/theme2.xml><?xml version="1.0" encoding="utf-8"?>
+<a:theme xmlns:a="http://schemas.openxmlformats.org/drawingml/2006/main" name="Office 主题​​">
+  <a:themeElements>
+    <a:clrScheme name="Office">
+      <a:dk1>
+        <a:sysClr val="windowText" lastClr="000000"/>
+      </a:dk1>
+      <a:lt1>
+        <a:sysClr val="window" lastClr="FFFFFF"/>
+      </a:lt1>
+      <a:dk2>
+        <a:srgbClr val="1F497D"/>
+      </a:dk2>
+      <a:lt2>
+        <a:srgbClr val="EEECE1"/>
+      </a:lt2>
+      <a:accent1>
+        <a:srgbClr val="4F81BD"/>
+      </a:accent1>
+      <a:accent2>
+        <a:srgbClr val="C0504D"/>
+      </a:accent2>
+      <a:accent3>
+        <a:srgbClr val="9BBB59"/>
+      </a:accent3>
+      <a:accent4>
+        <a:srgbClr val="8064A2"/>
+      </a:accent4>
+      <a:accent5>
+        <a:srgbClr val="4BACC6"/>
+      </a:accent5>
+      <a:accent6>
+        <a:srgbClr val="F79646"/>
+      </a:accent6>
+      <a:hlink>
+        <a:srgbClr val="0000FF"/>
+      </a:hlink>
+      <a:folHlink>
+        <a:srgbClr val="800080"/>
+      </a:folHlink>
+    </a:clrScheme>
+    <a:fontScheme name="Office">
+      <a:majorFont>
+        <a:latin typeface="Calibri"/>
+        <a:ea typeface=""/>
+        <a:cs typeface=""/>
+        <a:font script="Jpan" typeface="ＭＳ Ｐゴシック"/>
+        <a:font script="Hang" typeface="맑은 고딕"/>
+        <a:font script="Hans" typeface="宋体"/>
+        <a:font script="Hant" typeface="新細明體"/>
+        <a:font script="Arab" typeface="Times New Roman"/>
+        <a:font script="Hebr" typeface="Times New Roman"/>
+        <a:font script="Thai" typeface="Angsana New"/>
+        <a:font script="Ethi" typeface="Nyala"/>
+        <a:font script="Beng" typeface="Vrinda"/>
+        <a:font script="Gujr" typeface="Shruti"/>
+        <a:font script="Khmr" typeface="MoolBoran"/>
+        <a:font script="Knda" typeface="Tunga"/>
+        <a:font script="Guru" typeface="Raavi"/>
+        <a:font script="Cans" typeface="Euphemia"/>
+        <a:font script="Cher" typeface="Plantagenet Cherokee"/>
+        <a:font script="Yiii" typeface="Microsoft Yi Baiti"/>
+        <a:font script="Tibt" typeface="Microsoft Himalaya"/>
+        <a:font script="Thaa" typeface="MV Boli"/>
+        <a:font script="Deva" typeface="Mangal"/>
+        <a:font script="Telu" typeface="Gautami"/>
+        <a:font script="Taml" typeface="Latha"/>
+        <a:font script="Syrc" typeface="Estrangelo Edessa"/>
+        <a:font script="Orya" typeface="Kalinga"/>
+        <a:font script="Mlym" typeface="Kartika"/>
+        <a:font script="Laoo" typeface="DokChampa"/>
+        <a:font script="Sinh" typeface="Iskoola Pota"/>
+        <a:font script="Mong" typeface="Mongolian Baiti"/>
+        <a:font script="Viet" typeface="Times New Roman"/>
+        <a:font script="Uigh" typeface="Microsoft Uighur"/>
+        <a:font script="Geor" typeface="Sylfaen"/>
+      </a:majorFont>
+      <a:minorFont>
+        <a:latin typeface="Calibri"/>
+        <a:ea typeface=""/>
+        <a:cs typeface=""/>
+        <a:font script="Jpan" typeface="ＭＳ Ｐゴシック"/>
+        <a:font script="Hang" typeface="맑은 고딕"/>
+        <a:font script="Hans" typeface="宋体"/>
+        <a:font script="Hant" typeface="新細明體"/>
+        <a:font script="Arab" typeface="Arial"/>
+        <a:font script="Hebr" typeface="Arial"/>
+        <a:font script="Thai" typeface="Cordia New"/>
+        <a:font script="Ethi" typeface="Nyala"/>
+        <a:font script="Beng" typeface="Vrinda"/>
+        <a:font script="Gujr" typeface="Shruti"/>
+        <a:font script="Khmr" typeface="DaunPenh"/>
+        <a:font script="Knda" typeface="Tunga"/>
+        <a:font script="Guru" typeface="Raavi"/>
+        <a:font script="Cans" typeface="Euphemia"/>
+        <a:font script="Cher" typeface="Plantagenet Cherokee"/>
+        <a:font script="Yiii" typeface="Microsoft Yi Baiti"/>
+        <a:font script="Tibt" typeface="Microsoft Himalaya"/>
+        <a:font script="Thaa" typeface="MV Boli"/>
+        <a:font script="Deva" typeface="Mangal"/>
+        <a:font script="Telu" typeface="Gautami"/>
+        <a:font script="Taml" typeface="Latha"/>
+        <a:font script="Syrc" typeface="Estrangelo Edessa"/>
+        <a:font script="Orya" typeface="Kalinga"/>
+        <a:font script="Mlym" typeface="Kartika"/>
+        <a:font script="Laoo" typeface="DokChampa"/>
+        <a:font script="Sinh" typeface="Iskoola Pota"/>
+        <a:font script="Mong" typeface="Mongolian Baiti"/>
+        <a:font script="Viet" typeface="Arial"/>
+        <a:font script="Uigh" typeface="Microsoft Uighur"/>
+        <a:font script="Geor" typeface="Sylfaen"/>
+      </a:minorFont>
+    </a:fontScheme>
+    <a:fmtScheme name="Office">
+      <a:fillStyleLst>
+        <a:solidFill>
+          <a:schemeClr val="phClr"/>
+        </a:solidFill>
+        <a:gradFill rotWithShape="1">
+          <a:gsLst>
+            <a:gs pos="0">
+              <a:schemeClr val="phClr">
+                <a:tint val="50000"/>
+                <a:satMod val="300000"/>
+              </a:schemeClr>
+            </a:gs>
+            <a:gs pos="35000">
+              <a:schemeClr val="phClr">
+                <a:tint val="37000"/>
+                <a:satMod val="300000"/>
+              </a:schemeClr>
+            </a:gs>
+            <a:gs pos="100000">
+              <a:schemeClr val="phClr">
+                <a:tint val="15000"/>
+                <a:satMod val="350000"/>
+              </a:schemeClr>
+            </a:gs>
+          </a:gsLst>
+          <a:lin ang="16200000" scaled="1"/>
+        </a:gradFill>
+        <a:gradFill rotWithShape="1">
+          <a:gsLst>
+            <a:gs pos="0">
+              <a:schemeClr val="phClr">
+                <a:shade val="51000"/>
+                <a:satMod val="130000"/>
+              </a:schemeClr>
+            </a:gs>
+            <a:gs pos="80000">
+              <a:schemeClr val="phClr">
+                <a:shade val="93000"/>
+                <a:satMod val="130000"/>
+              </a:schemeClr>
+            </a:gs>
+            <a:gs pos="100000">
+              <a:schemeClr val="phClr">
+                <a:shade val="94000"/>
+                <a:satMod val="135000"/>
+              </a:schemeClr>
+            </a:gs>
+          </a:gsLst>
+          <a:lin ang="16200000" scaled="0"/>
+        </a:gradFill>
+      </a:fillStyleLst>
+      <a:lnStyleLst>
+        <a:ln w="9525" cap="flat" cmpd="sng" algn="ctr">
+          <a:solidFill>
+            <a:schemeClr val="phClr">
+              <a:shade val="95000"/>
+              <a:satMod val="105000"/>
+            </a:schemeClr>
+          </a:solidFill>
+          <a:prstDash val="solid"/>
+        </a:ln>
+        <a:ln w="25400" cap="flat" cmpd="sng" algn="ctr">
+          <a:solidFill>
+            <a:schemeClr val="phClr"/>
+          </a:solidFill>
+          <a:prstDash val="solid"/>
+        </a:ln>
+        <a:ln w="38100" cap="flat" cmpd="sng" algn="ctr">
+          <a:solidFill>
+            <a:schemeClr val="phClr"/>
+          </a:solidFill>
+          <a:prstDash val="solid"/>
+        </a:ln>
+      </a:lnStyleLst>
+      <a:effectStyleLst>
+        <a:effectStyle>
+          <a:effectLst>
+            <a:outerShdw blurRad="40000" dist="20000" dir="5400000" rotWithShape="0">
+              <a:srgbClr val="000000">
+                <a:alpha val="38000"/>
+              </a:srgbClr>
+            </a:outerShdw>
+          </a:effectLst>
+        </a:effectStyle>
+        <a:effectStyle>
+          <a:effectLst>
+            <a:outerShdw blurRad="40000" dist="23000" dir="5400000" rotWithShape="0">
+              <a:srgbClr val="000000">
+                <a:alpha val="35000"/>
+              </a:srgbClr>
+            </a:outerShdw>
+          </a:effectLst>
+        </a:effectStyle>
+        <a:effectStyle>
+          <a:effectLst>
+            <a:outerShdw blurRad="40000" dist="23000" dir="5400000" rotWithShape="0">
+              <a:srgbClr val="000000">
+                <a:alpha val="35000"/>
+              </a:srgbClr>
+            </a:outerShdw>
+          </a:effectLst>
+          <a:scene3d>
+            <a:camera prst="orthographicFront">
+              <a:rot lat="0" lon="0" rev="0"/>
+            </a:camera>
+            <a:lightRig rig="threePt" dir="t">
+              <a:rot lat="0" lon="0" rev="1200000"/>
+            </a:lightRig>
+          </a:scene3d>
+          <a:sp3d>
+            <a:bevelT w="63500" h="25400"/>
+          </a:sp3d>
+        </a:effectStyle>
+      </a:effectStyleLst>
+      <a:bgFillStyleLst>
+        <a:solidFill>
+          <a:schemeClr val="phClr"/>
+        </a:solidFill>
+        <a:gradFill rotWithShape="1">
+          <a:gsLst>
+            <a:gs pos="0">
+              <a:schemeClr val="phClr">
+                <a:tint val="40000"/>
+                <a:satMod val="350000"/>
+              </a:schemeClr>
+            </a:gs>
+            <a:gs pos="40000">
+              <a:schemeClr val="phClr">
+                <a:tint val="45000"/>
+                <a:shade val="99000"/>
+                <a:satMod val="350000"/>
+              </a:schemeClr>
+            </a:gs>
+            <a:gs pos="100000">
+              <a:schemeClr val="phClr">
+                <a:shade val="20000"/>
+                <a:satMod val="255000"/>
+              </a:schemeClr>
+            </a:gs>
+          </a:gsLst>
+          <a:path path="circle">
+            <a:fillToRect l="50000" t="-80000" r="50000" b="180000"/>
+          </a:path>
+        </a:gradFill>
+        <a:gradFill rotWithShape="1">
+          <a:gsLst>
+            <a:gs pos="0">
+              <a:schemeClr val="phClr">
+                <a:tint val="80000"/>
+                <a:satMod val="300000"/>
+              </a:schemeClr>
+            </a:gs>
+            <a:gs pos="100000">
+              <a:schemeClr val="phClr">
+                <a:shade val="30000"/>
+                <a:satMod val="200000"/>
+              </a:schemeClr>
+            </a:gs>
+          </a:gsLst>
+          <a:path path="circle">
+            <a:fillToRect l="50000" t="50000" r="50000" b="50000"/>
+          </a:path>
+        </a:gradFill>
+      </a:bgFillStyleLst>
+    </a:fmtScheme>
+  </a:themeElements>
+  <a:objectDefaults/>
+  <a:extraClrSchemeLst/>
+</a:theme>
 </file>
--- a/Graphic & Tables.pptx
+++ b/Graphic & Tables.pptx
@@ -3626,7 +3626,7 @@
           <a:graphicData uri="http://schemas.openxmlformats.org/presentationml/2006/ole">
             <mc:AlternateContent xmlns:mc="http://schemas.openxmlformats.org/markup-compatibility/2006">
               <mc:Choice xmlns:v="urn:schemas-microsoft-com:vml" Requires="v">
-                <p:oleObj spid="_x0000_s1037" name="文档" r:id="rId3" imgW="5594453" imgH="3640410" progId="Word.Document.12">
+                <p:oleObj spid="_x0000_s1040" name="文档" r:id="rId3" imgW="5594453" imgH="3640410" progId="Word.Document.12">
                   <p:embed/>
                 </p:oleObj>
               </mc:Choice>
@@ -5111,27 +5111,56 @@
       </p:grpSpPr>
       <p:pic>
         <p:nvPicPr>
-          <p:cNvPr id="2050" name="Picture 2"/>
+          <p:cNvPr id="23" name="图片 22"/>
           <p:cNvPicPr>
-            <a:picLocks noChangeAspect="1" noChangeArrowheads="1"/>
+            <a:picLocks noChangeAspect="1"/>
           </p:cNvPicPr>
           <p:nvPr/>
         </p:nvPicPr>
         <p:blipFill rotWithShape="1">
-          <a:blip r:embed="rId2" cstate="print">
+          <a:blip r:embed="rId2">
             <a:extLst>
               <a:ext uri="{28A0092B-C50C-407E-A947-70E740481C1C}">
                 <a14:useLocalDpi xmlns:a14="http://schemas.microsoft.com/office/drawing/2010/main" val="0"/>
               </a:ext>
             </a:extLst>
           </a:blip>
-          <a:srcRect l="32338" t="35953" r="32338" b="31832"/>
+          <a:srcRect l="47309" t="53106" r="47788" b="39472"/>
+          <a:stretch/>
+        </p:blipFill>
+        <p:spPr>
+          <a:xfrm>
+            <a:off x="2962501" y="4242523"/>
+            <a:ext cx="634240" cy="720079"/>
+          </a:xfrm>
+          <a:prstGeom prst="rect">
+            <a:avLst/>
+          </a:prstGeom>
+        </p:spPr>
+      </p:pic>
+      <p:pic>
+        <p:nvPicPr>
+          <p:cNvPr id="22" name="Picture 5"/>
+          <p:cNvPicPr>
+            <a:picLocks noChangeAspect="1" noChangeArrowheads="1"/>
+          </p:cNvPicPr>
+          <p:nvPr/>
+        </p:nvPicPr>
+        <p:blipFill rotWithShape="1">
+          <a:blip r:embed="rId3">
+            <a:extLst>
+              <a:ext uri="{28A0092B-C50C-407E-A947-70E740481C1C}">
+                <a14:useLocalDpi xmlns:a14="http://schemas.microsoft.com/office/drawing/2010/main" val="0"/>
+              </a:ext>
+            </a:extLst>
+          </a:blip>
+          <a:srcRect l="28277" t="40887" r="24357" b="23448"/>
           <a:stretch/>
         </p:blipFill>
         <p:spPr bwMode="auto">
           <a:xfrm>
-            <a:off x="6628082" y="3686410"/>
-            <a:ext cx="588529" cy="678391"/>
+            <a:off x="4559835" y="4252752"/>
+            <a:ext cx="678859" cy="717819"/>
           </a:xfrm>
           <a:prstGeom prst="rect">
             <a:avLst/>
@@ -5163,27 +5192,27 @@
       </p:pic>
       <p:pic>
         <p:nvPicPr>
-          <p:cNvPr id="12" name="Picture 2"/>
+          <p:cNvPr id="21" name="Picture 4"/>
           <p:cNvPicPr>
             <a:picLocks noChangeAspect="1" noChangeArrowheads="1"/>
           </p:cNvPicPr>
           <p:nvPr/>
         </p:nvPicPr>
         <p:blipFill rotWithShape="1">
-          <a:blip r:embed="rId3" cstate="print">
+          <a:blip r:embed="rId4">
             <a:extLst>
               <a:ext uri="{28A0092B-C50C-407E-A947-70E740481C1C}">
                 <a14:useLocalDpi xmlns:a14="http://schemas.microsoft.com/office/drawing/2010/main" val="0"/>
               </a:ext>
             </a:extLst>
           </a:blip>
-          <a:srcRect l="32338" t="35953" r="32338" b="31832"/>
+          <a:srcRect l="30520" t="33012" r="28821" b="33305"/>
           <a:stretch/>
         </p:blipFill>
         <p:spPr bwMode="auto">
           <a:xfrm>
-            <a:off x="467545" y="4669548"/>
-            <a:ext cx="592390" cy="682842"/>
+            <a:off x="6071682" y="4293617"/>
+            <a:ext cx="596420" cy="676954"/>
           </a:xfrm>
           <a:prstGeom prst="rect">
             <a:avLst/>
@@ -5215,27 +5244,27 @@
       </p:pic>
       <p:pic>
         <p:nvPicPr>
-          <p:cNvPr id="2052" name="Picture 4"/>
+          <p:cNvPr id="20" name="Picture 2"/>
           <p:cNvPicPr>
             <a:picLocks noChangeAspect="1" noChangeArrowheads="1"/>
           </p:cNvPicPr>
           <p:nvPr/>
         </p:nvPicPr>
         <p:blipFill rotWithShape="1">
-          <a:blip r:embed="rId4">
+          <a:blip r:embed="rId5">
             <a:extLst>
               <a:ext uri="{28A0092B-C50C-407E-A947-70E740481C1C}">
                 <a14:useLocalDpi xmlns:a14="http://schemas.microsoft.com/office/drawing/2010/main" val="0"/>
               </a:ext>
             </a:extLst>
           </a:blip>
-          <a:srcRect r="20244" b="8892"/>
+          <a:srcRect l="19711" t="37051" r="22024" b="29162"/>
           <a:stretch/>
         </p:blipFill>
         <p:spPr bwMode="auto">
           <a:xfrm>
-            <a:off x="4302480" y="3121034"/>
-            <a:ext cx="633875" cy="700227"/>
+            <a:off x="7572354" y="4279649"/>
+            <a:ext cx="792087" cy="690922"/>
           </a:xfrm>
           <a:prstGeom prst="rect">
             <a:avLst/>
@@ -5265,375 +5294,29 @@
           </a:extLst>
         </p:spPr>
       </p:pic>
-      <p:sp>
-        <p:nvSpPr>
-          <p:cNvPr id="2" name="TextBox 1"/>
-          <p:cNvSpPr txBox="1"/>
-          <p:nvPr/>
-        </p:nvSpPr>
-        <p:spPr>
-          <a:xfrm>
-            <a:off x="467544" y="404664"/>
-            <a:ext cx="1656184" cy="2031325"/>
-          </a:xfrm>
-          <a:prstGeom prst="rect">
-            <a:avLst/>
-          </a:prstGeom>
-          <a:noFill/>
-        </p:spPr>
-        <p:txBody>
-          <a:bodyPr wrap="square" rtlCol="0">
-            <a:spAutoFit/>
-          </a:bodyPr>
-          <a:lstStyle/>
-          <a:p>
-            <a:r>
-              <a:rPr lang="zh-CN" altLang="en-US" dirty="0" smtClean="0"/>
-              <a:t>系统校准</a:t>
-            </a:r>
-            <a:endParaRPr lang="en-US" altLang="zh-CN" dirty="0" smtClean="0"/>
-          </a:p>
-          <a:p>
-            <a:r>
-              <a:rPr lang="zh-CN" altLang="en-US" dirty="0"/>
-              <a:t>投</a:t>
-            </a:r>
-            <a:r>
-              <a:rPr lang="zh-CN" altLang="en-US" dirty="0" smtClean="0"/>
-              <a:t>影成像</a:t>
-            </a:r>
-            <a:endParaRPr lang="en-US" altLang="zh-CN" dirty="0" smtClean="0"/>
-          </a:p>
-          <a:p>
-            <a:r>
-              <a:rPr lang="zh-CN" altLang="en-US" dirty="0" smtClean="0"/>
-              <a:t>数字相移</a:t>
-            </a:r>
-            <a:endParaRPr lang="en-US" altLang="zh-CN" dirty="0" smtClean="0"/>
-          </a:p>
-          <a:p>
-            <a:r>
-              <a:rPr lang="zh-CN" altLang="en-US" dirty="0"/>
-              <a:t>条</a:t>
-            </a:r>
-            <a:r>
-              <a:rPr lang="zh-CN" altLang="en-US" dirty="0" smtClean="0"/>
-              <a:t>纹去除</a:t>
-            </a:r>
-            <a:endParaRPr lang="en-US" altLang="zh-CN" dirty="0" smtClean="0"/>
-          </a:p>
-          <a:p>
-            <a:r>
-              <a:rPr lang="zh-CN" altLang="en-US" dirty="0"/>
-              <a:t>相</a:t>
-            </a:r>
-            <a:r>
-              <a:rPr lang="zh-CN" altLang="en-US" dirty="0" smtClean="0"/>
-              <a:t>位提取</a:t>
-            </a:r>
-            <a:endParaRPr lang="en-US" altLang="zh-CN" dirty="0" smtClean="0"/>
-          </a:p>
-          <a:p>
-            <a:r>
-              <a:rPr lang="zh-CN" altLang="en-US" dirty="0"/>
-              <a:t>相</a:t>
-            </a:r>
-            <a:r>
-              <a:rPr lang="zh-CN" altLang="en-US" dirty="0" smtClean="0"/>
-              <a:t>位展开</a:t>
-            </a:r>
-            <a:endParaRPr lang="en-US" altLang="zh-CN" dirty="0" smtClean="0"/>
-          </a:p>
-          <a:p>
-            <a:r>
-              <a:rPr lang="zh-CN" altLang="en-US" dirty="0" smtClean="0"/>
-              <a:t>高度转换</a:t>
-            </a:r>
-            <a:endParaRPr lang="zh-CN" altLang="en-US" dirty="0"/>
-          </a:p>
-        </p:txBody>
-      </p:sp>
-      <p:sp>
-        <p:nvSpPr>
-          <p:cNvPr id="6" name="矩形 5"/>
-          <p:cNvSpPr/>
-          <p:nvPr/>
-        </p:nvSpPr>
-        <p:spPr>
-          <a:xfrm>
-            <a:off x="6588224" y="3665566"/>
-            <a:ext cx="1080120" cy="720080"/>
-          </a:xfrm>
-          <a:prstGeom prst="rect">
-            <a:avLst/>
-          </a:prstGeom>
-          <a:noFill/>
-          <a:ln w="76200">
-            <a:solidFill>
-              <a:schemeClr val="tx1"/>
-            </a:solidFill>
-          </a:ln>
-        </p:spPr>
-        <p:style>
-          <a:lnRef idx="2">
-            <a:schemeClr val="accent1">
-              <a:shade val="50000"/>
-            </a:schemeClr>
-          </a:lnRef>
-          <a:fillRef idx="1">
-            <a:schemeClr val="accent1"/>
-          </a:fillRef>
-          <a:effectRef idx="0">
-            <a:schemeClr val="accent1"/>
-          </a:effectRef>
-          <a:fontRef idx="minor">
-            <a:schemeClr val="lt1"/>
-          </a:fontRef>
-        </p:style>
-        <p:txBody>
-          <a:bodyPr rtlCol="0" anchor="ctr"/>
-          <a:lstStyle/>
-          <a:p>
-            <a:pPr algn="ctr"/>
-            <a:endParaRPr lang="zh-CN" altLang="en-US"/>
-          </a:p>
-        </p:txBody>
-      </p:sp>
-      <p:sp>
-        <p:nvSpPr>
-          <p:cNvPr id="7" name="梯形 6"/>
-          <p:cNvSpPr/>
-          <p:nvPr/>
-        </p:nvSpPr>
-        <p:spPr>
-          <a:xfrm>
-            <a:off x="6876256" y="4385646"/>
-            <a:ext cx="504056" cy="216024"/>
-          </a:xfrm>
-          <a:prstGeom prst="trapezoid">
-            <a:avLst/>
-          </a:prstGeom>
-          <a:solidFill>
-            <a:schemeClr val="bg1"/>
-          </a:solidFill>
-          <a:ln w="19050">
-            <a:solidFill>
-              <a:schemeClr val="tx1"/>
-            </a:solidFill>
-          </a:ln>
-        </p:spPr>
-        <p:style>
-          <a:lnRef idx="2">
-            <a:schemeClr val="accent1">
-              <a:shade val="50000"/>
-            </a:schemeClr>
-          </a:lnRef>
-          <a:fillRef idx="1">
-            <a:schemeClr val="accent1"/>
-          </a:fillRef>
-          <a:effectRef idx="0">
-            <a:schemeClr val="accent1"/>
-          </a:effectRef>
-          <a:fontRef idx="minor">
-            <a:schemeClr val="lt1"/>
-          </a:fontRef>
-        </p:style>
-        <p:txBody>
-          <a:bodyPr rtlCol="0" anchor="ctr"/>
-          <a:lstStyle/>
-          <a:p>
-            <a:pPr algn="ctr"/>
-            <a:endParaRPr lang="zh-CN" altLang="en-US"/>
-          </a:p>
-        </p:txBody>
-      </p:sp>
-      <p:sp>
-        <p:nvSpPr>
-          <p:cNvPr id="8" name="TextBox 7"/>
-          <p:cNvSpPr txBox="1"/>
-          <p:nvPr/>
-        </p:nvSpPr>
-        <p:spPr>
-          <a:xfrm>
-            <a:off x="7273177" y="3773578"/>
-            <a:ext cx="323165" cy="617658"/>
-          </a:xfrm>
-          <a:prstGeom prst="rect">
-            <a:avLst/>
-          </a:prstGeom>
-          <a:noFill/>
-        </p:spPr>
-        <p:txBody>
-          <a:bodyPr vert="eaVert" wrap="square" rtlCol="0">
-            <a:spAutoFit/>
-          </a:bodyPr>
-          <a:lstStyle/>
-          <a:p>
-            <a:r>
-              <a:rPr lang="zh-CN" altLang="en-US" sz="900" dirty="0"/>
-              <a:t>数</a:t>
-            </a:r>
-            <a:r>
-              <a:rPr lang="zh-CN" altLang="en-US" sz="900" dirty="0" smtClean="0"/>
-              <a:t>字相移</a:t>
-            </a:r>
-            <a:endParaRPr lang="zh-CN" altLang="en-US" sz="900" dirty="0"/>
-          </a:p>
-        </p:txBody>
-      </p:sp>
-      <p:sp>
-        <p:nvSpPr>
-          <p:cNvPr id="9" name="矩形 8"/>
-          <p:cNvSpPr/>
-          <p:nvPr/>
-        </p:nvSpPr>
-        <p:spPr>
-          <a:xfrm>
-            <a:off x="467544" y="4632309"/>
-            <a:ext cx="1080120" cy="720080"/>
-          </a:xfrm>
-          <a:prstGeom prst="rect">
-            <a:avLst/>
-          </a:prstGeom>
-          <a:noFill/>
-          <a:ln w="76200">
-            <a:solidFill>
-              <a:schemeClr val="tx1"/>
-            </a:solidFill>
-          </a:ln>
-        </p:spPr>
-        <p:style>
-          <a:lnRef idx="2">
-            <a:schemeClr val="accent1">
-              <a:shade val="50000"/>
-            </a:schemeClr>
-          </a:lnRef>
-          <a:fillRef idx="1">
-            <a:schemeClr val="accent1"/>
-          </a:fillRef>
-          <a:effectRef idx="0">
-            <a:schemeClr val="accent1"/>
-          </a:effectRef>
-          <a:fontRef idx="minor">
-            <a:schemeClr val="lt1"/>
-          </a:fontRef>
-        </p:style>
-        <p:txBody>
-          <a:bodyPr rtlCol="0" anchor="ctr"/>
-          <a:lstStyle/>
-          <a:p>
-            <a:pPr algn="ctr"/>
-            <a:endParaRPr lang="zh-CN" altLang="en-US"/>
-          </a:p>
-        </p:txBody>
-      </p:sp>
-      <p:sp>
-        <p:nvSpPr>
-          <p:cNvPr id="10" name="梯形 9"/>
-          <p:cNvSpPr/>
-          <p:nvPr/>
-        </p:nvSpPr>
-        <p:spPr>
-          <a:xfrm>
-            <a:off x="755576" y="5352389"/>
-            <a:ext cx="504056" cy="216024"/>
-          </a:xfrm>
-          <a:prstGeom prst="trapezoid">
-            <a:avLst/>
-          </a:prstGeom>
-          <a:solidFill>
-            <a:schemeClr val="bg1"/>
-          </a:solidFill>
-          <a:ln w="19050">
-            <a:solidFill>
-              <a:schemeClr val="tx1"/>
-            </a:solidFill>
-          </a:ln>
-        </p:spPr>
-        <p:style>
-          <a:lnRef idx="2">
-            <a:schemeClr val="accent1">
-              <a:shade val="50000"/>
-            </a:schemeClr>
-          </a:lnRef>
-          <a:fillRef idx="1">
-            <a:schemeClr val="accent1"/>
-          </a:fillRef>
-          <a:effectRef idx="0">
-            <a:schemeClr val="accent1"/>
-          </a:effectRef>
-          <a:fontRef idx="minor">
-            <a:schemeClr val="lt1"/>
-          </a:fontRef>
-        </p:style>
-        <p:txBody>
-          <a:bodyPr rtlCol="0" anchor="ctr"/>
-          <a:lstStyle/>
-          <a:p>
-            <a:pPr algn="ctr"/>
-            <a:endParaRPr lang="zh-CN" altLang="en-US"/>
-          </a:p>
-        </p:txBody>
-      </p:sp>
-      <p:sp>
-        <p:nvSpPr>
-          <p:cNvPr id="11" name="TextBox 10"/>
-          <p:cNvSpPr txBox="1"/>
-          <p:nvPr/>
-        </p:nvSpPr>
-        <p:spPr>
-          <a:xfrm>
-            <a:off x="1152497" y="4740321"/>
-            <a:ext cx="323165" cy="617658"/>
-          </a:xfrm>
-          <a:prstGeom prst="rect">
-            <a:avLst/>
-          </a:prstGeom>
-          <a:noFill/>
-        </p:spPr>
-        <p:txBody>
-          <a:bodyPr vert="eaVert" wrap="square" rtlCol="0">
-            <a:spAutoFit/>
-          </a:bodyPr>
-          <a:lstStyle/>
-          <a:p>
-            <a:r>
-              <a:rPr lang="zh-CN" altLang="en-US" sz="900" dirty="0"/>
-              <a:t>条</a:t>
-            </a:r>
-            <a:r>
-              <a:rPr lang="zh-CN" altLang="en-US" sz="900" dirty="0" smtClean="0"/>
-              <a:t>纹去除</a:t>
-            </a:r>
-            <a:endParaRPr lang="zh-CN" altLang="en-US" sz="900" dirty="0"/>
-          </a:p>
-        </p:txBody>
-      </p:sp>
       <p:pic>
         <p:nvPicPr>
-          <p:cNvPr id="14" name="Picture 3"/>
+          <p:cNvPr id="2050" name="Picture 2"/>
           <p:cNvPicPr>
             <a:picLocks noChangeAspect="1" noChangeArrowheads="1"/>
           </p:cNvPicPr>
           <p:nvPr/>
         </p:nvPicPr>
-        <p:blipFill>
-          <a:blip r:embed="rId5" cstate="print">
+        <p:blipFill rotWithShape="1">
+          <a:blip r:embed="rId6" cstate="print">
             <a:extLst>
               <a:ext uri="{28A0092B-C50C-407E-A947-70E740481C1C}">
                 <a14:useLocalDpi xmlns:a14="http://schemas.microsoft.com/office/drawing/2010/main" val="0"/>
               </a:ext>
             </a:extLst>
           </a:blip>
-          <a:srcRect/>
-          <a:stretch>
-            <a:fillRect/>
-          </a:stretch>
+          <a:srcRect l="32338" t="35953" r="32338" b="31832"/>
+          <a:stretch/>
         </p:blipFill>
         <p:spPr bwMode="auto">
           <a:xfrm>
-            <a:off x="3170149" y="3989283"/>
-            <a:ext cx="611126" cy="423477"/>
+            <a:off x="7996840" y="2316586"/>
+            <a:ext cx="588529" cy="678391"/>
           </a:xfrm>
           <a:prstGeom prst="rect">
             <a:avLst/>
@@ -5663,6 +5346,368 @@
           </a:extLst>
         </p:spPr>
       </p:pic>
+      <p:pic>
+        <p:nvPicPr>
+          <p:cNvPr id="2052" name="Picture 4"/>
+          <p:cNvPicPr>
+            <a:picLocks noChangeAspect="1" noChangeArrowheads="1"/>
+          </p:cNvPicPr>
+          <p:nvPr/>
+        </p:nvPicPr>
+        <p:blipFill rotWithShape="1">
+          <a:blip r:embed="rId7">
+            <a:extLst>
+              <a:ext uri="{28A0092B-C50C-407E-A947-70E740481C1C}">
+                <a14:useLocalDpi xmlns:a14="http://schemas.microsoft.com/office/drawing/2010/main" val="0"/>
+              </a:ext>
+            </a:extLst>
+          </a:blip>
+          <a:srcRect r="20244" b="8892"/>
+          <a:stretch/>
+        </p:blipFill>
+        <p:spPr bwMode="auto">
+          <a:xfrm>
+            <a:off x="5623665" y="1337402"/>
+            <a:ext cx="633875" cy="700227"/>
+          </a:xfrm>
+          <a:prstGeom prst="rect">
+            <a:avLst/>
+          </a:prstGeom>
+          <a:noFill/>
+          <a:ln>
+            <a:noFill/>
+          </a:ln>
+          <a:extLst>
+            <a:ext uri="{909E8E84-426E-40DD-AFC4-6F175D3DCCD1}">
+              <a14:hiddenFill xmlns:a14="http://schemas.microsoft.com/office/drawing/2010/main">
+                <a:solidFill>
+                  <a:schemeClr val="accent1"/>
+                </a:solidFill>
+              </a14:hiddenFill>
+            </a:ext>
+            <a:ext uri="{91240B29-F687-4F45-9708-019B960494DF}">
+              <a14:hiddenLine xmlns:a14="http://schemas.microsoft.com/office/drawing/2010/main" w="9525">
+                <a:solidFill>
+                  <a:schemeClr val="tx1"/>
+                </a:solidFill>
+                <a:miter lim="800000"/>
+                <a:headEnd/>
+                <a:tailEnd/>
+              </a14:hiddenLine>
+            </a:ext>
+          </a:extLst>
+        </p:spPr>
+      </p:pic>
+      <p:sp>
+        <p:nvSpPr>
+          <p:cNvPr id="6" name="矩形 5"/>
+          <p:cNvSpPr/>
+          <p:nvPr/>
+        </p:nvSpPr>
+        <p:spPr>
+          <a:xfrm>
+            <a:off x="7956982" y="2295742"/>
+            <a:ext cx="1080120" cy="720080"/>
+          </a:xfrm>
+          <a:prstGeom prst="rect">
+            <a:avLst/>
+          </a:prstGeom>
+          <a:noFill/>
+          <a:ln w="76200">
+            <a:solidFill>
+              <a:schemeClr val="tx1"/>
+            </a:solidFill>
+          </a:ln>
+        </p:spPr>
+        <p:style>
+          <a:lnRef idx="2">
+            <a:schemeClr val="accent1">
+              <a:shade val="50000"/>
+            </a:schemeClr>
+          </a:lnRef>
+          <a:fillRef idx="1">
+            <a:schemeClr val="accent1"/>
+          </a:fillRef>
+          <a:effectRef idx="0">
+            <a:schemeClr val="accent1"/>
+          </a:effectRef>
+          <a:fontRef idx="minor">
+            <a:schemeClr val="lt1"/>
+          </a:fontRef>
+        </p:style>
+        <p:txBody>
+          <a:bodyPr rtlCol="0" anchor="ctr"/>
+          <a:lstStyle/>
+          <a:p>
+            <a:pPr algn="ctr"/>
+            <a:endParaRPr lang="zh-CN" altLang="en-US"/>
+          </a:p>
+        </p:txBody>
+      </p:sp>
+      <p:sp>
+        <p:nvSpPr>
+          <p:cNvPr id="7" name="梯形 6"/>
+          <p:cNvSpPr/>
+          <p:nvPr/>
+        </p:nvSpPr>
+        <p:spPr>
+          <a:xfrm>
+            <a:off x="8245014" y="3015822"/>
+            <a:ext cx="504056" cy="216024"/>
+          </a:xfrm>
+          <a:prstGeom prst="trapezoid">
+            <a:avLst/>
+          </a:prstGeom>
+          <a:solidFill>
+            <a:schemeClr val="bg1"/>
+          </a:solidFill>
+          <a:ln w="19050">
+            <a:solidFill>
+              <a:schemeClr val="tx1"/>
+            </a:solidFill>
+          </a:ln>
+        </p:spPr>
+        <p:style>
+          <a:lnRef idx="2">
+            <a:schemeClr val="accent1">
+              <a:shade val="50000"/>
+            </a:schemeClr>
+          </a:lnRef>
+          <a:fillRef idx="1">
+            <a:schemeClr val="accent1"/>
+          </a:fillRef>
+          <a:effectRef idx="0">
+            <a:schemeClr val="accent1"/>
+          </a:effectRef>
+          <a:fontRef idx="minor">
+            <a:schemeClr val="lt1"/>
+          </a:fontRef>
+        </p:style>
+        <p:txBody>
+          <a:bodyPr rtlCol="0" anchor="ctr"/>
+          <a:lstStyle/>
+          <a:p>
+            <a:pPr algn="ctr"/>
+            <a:endParaRPr lang="zh-CN" altLang="en-US"/>
+          </a:p>
+        </p:txBody>
+      </p:sp>
+      <p:sp>
+        <p:nvSpPr>
+          <p:cNvPr id="8" name="TextBox 7"/>
+          <p:cNvSpPr txBox="1"/>
+          <p:nvPr/>
+        </p:nvSpPr>
+        <p:spPr>
+          <a:xfrm>
+            <a:off x="8641935" y="2403754"/>
+            <a:ext cx="323165" cy="617658"/>
+          </a:xfrm>
+          <a:prstGeom prst="rect">
+            <a:avLst/>
+          </a:prstGeom>
+          <a:noFill/>
+        </p:spPr>
+        <p:txBody>
+          <a:bodyPr vert="eaVert" wrap="square" rtlCol="0">
+            <a:spAutoFit/>
+          </a:bodyPr>
+          <a:lstStyle/>
+          <a:p>
+            <a:r>
+              <a:rPr lang="zh-CN" altLang="en-US" sz="900" dirty="0"/>
+              <a:t>数</a:t>
+            </a:r>
+            <a:r>
+              <a:rPr lang="zh-CN" altLang="en-US" sz="900" dirty="0" smtClean="0"/>
+              <a:t>字相移</a:t>
+            </a:r>
+            <a:endParaRPr lang="zh-CN" altLang="en-US" sz="900" dirty="0"/>
+          </a:p>
+        </p:txBody>
+      </p:sp>
+      <p:sp>
+        <p:nvSpPr>
+          <p:cNvPr id="9" name="矩形 8"/>
+          <p:cNvSpPr/>
+          <p:nvPr/>
+        </p:nvSpPr>
+        <p:spPr>
+          <a:xfrm>
+            <a:off x="7572354" y="4265070"/>
+            <a:ext cx="1080120" cy="720080"/>
+          </a:xfrm>
+          <a:prstGeom prst="rect">
+            <a:avLst/>
+          </a:prstGeom>
+          <a:noFill/>
+          <a:ln w="76200">
+            <a:solidFill>
+              <a:schemeClr val="tx1"/>
+            </a:solidFill>
+          </a:ln>
+        </p:spPr>
+        <p:style>
+          <a:lnRef idx="2">
+            <a:schemeClr val="accent1">
+              <a:shade val="50000"/>
+            </a:schemeClr>
+          </a:lnRef>
+          <a:fillRef idx="1">
+            <a:schemeClr val="accent1"/>
+          </a:fillRef>
+          <a:effectRef idx="0">
+            <a:schemeClr val="accent1"/>
+          </a:effectRef>
+          <a:fontRef idx="minor">
+            <a:schemeClr val="lt1"/>
+          </a:fontRef>
+        </p:style>
+        <p:txBody>
+          <a:bodyPr rtlCol="0" anchor="ctr"/>
+          <a:lstStyle/>
+          <a:p>
+            <a:pPr algn="ctr"/>
+            <a:endParaRPr lang="zh-CN" altLang="en-US"/>
+          </a:p>
+        </p:txBody>
+      </p:sp>
+      <p:sp>
+        <p:nvSpPr>
+          <p:cNvPr id="10" name="梯形 9"/>
+          <p:cNvSpPr/>
+          <p:nvPr/>
+        </p:nvSpPr>
+        <p:spPr>
+          <a:xfrm>
+            <a:off x="7860386" y="4985150"/>
+            <a:ext cx="504056" cy="216024"/>
+          </a:xfrm>
+          <a:prstGeom prst="trapezoid">
+            <a:avLst/>
+          </a:prstGeom>
+          <a:solidFill>
+            <a:schemeClr val="bg1"/>
+          </a:solidFill>
+          <a:ln w="19050">
+            <a:solidFill>
+              <a:schemeClr val="tx1"/>
+            </a:solidFill>
+          </a:ln>
+        </p:spPr>
+        <p:style>
+          <a:lnRef idx="2">
+            <a:schemeClr val="accent1">
+              <a:shade val="50000"/>
+            </a:schemeClr>
+          </a:lnRef>
+          <a:fillRef idx="1">
+            <a:schemeClr val="accent1"/>
+          </a:fillRef>
+          <a:effectRef idx="0">
+            <a:schemeClr val="accent1"/>
+          </a:effectRef>
+          <a:fontRef idx="minor">
+            <a:schemeClr val="lt1"/>
+          </a:fontRef>
+        </p:style>
+        <p:txBody>
+          <a:bodyPr rtlCol="0" anchor="ctr"/>
+          <a:lstStyle/>
+          <a:p>
+            <a:pPr algn="ctr"/>
+            <a:endParaRPr lang="zh-CN" altLang="en-US"/>
+          </a:p>
+        </p:txBody>
+      </p:sp>
+      <p:sp>
+        <p:nvSpPr>
+          <p:cNvPr id="11" name="TextBox 10"/>
+          <p:cNvSpPr txBox="1"/>
+          <p:nvPr/>
+        </p:nvSpPr>
+        <p:spPr>
+          <a:xfrm>
+            <a:off x="8257307" y="4373082"/>
+            <a:ext cx="323165" cy="617658"/>
+          </a:xfrm>
+          <a:prstGeom prst="rect">
+            <a:avLst/>
+          </a:prstGeom>
+          <a:noFill/>
+        </p:spPr>
+        <p:txBody>
+          <a:bodyPr vert="eaVert" wrap="square" rtlCol="0">
+            <a:spAutoFit/>
+          </a:bodyPr>
+          <a:lstStyle/>
+          <a:p>
+            <a:r>
+              <a:rPr lang="zh-CN" altLang="en-US" sz="900" dirty="0"/>
+              <a:t>条</a:t>
+            </a:r>
+            <a:r>
+              <a:rPr lang="zh-CN" altLang="en-US" sz="900" dirty="0" smtClean="0"/>
+              <a:t>纹去除</a:t>
+            </a:r>
+            <a:endParaRPr lang="zh-CN" altLang="en-US" sz="900" dirty="0"/>
+          </a:p>
+        </p:txBody>
+      </p:sp>
+      <p:pic>
+        <p:nvPicPr>
+          <p:cNvPr id="14" name="Picture 3"/>
+          <p:cNvPicPr>
+            <a:picLocks noChangeAspect="1" noChangeArrowheads="1"/>
+          </p:cNvPicPr>
+          <p:nvPr/>
+        </p:nvPicPr>
+        <p:blipFill>
+          <a:blip r:embed="rId8" cstate="print">
+            <a:extLst>
+              <a:ext uri="{28A0092B-C50C-407E-A947-70E740481C1C}">
+                <a14:useLocalDpi xmlns:a14="http://schemas.microsoft.com/office/drawing/2010/main" val="0"/>
+              </a:ext>
+            </a:extLst>
+          </a:blip>
+          <a:srcRect/>
+          <a:stretch>
+            <a:fillRect/>
+          </a:stretch>
+        </p:blipFill>
+        <p:spPr bwMode="auto">
+          <a:xfrm>
+            <a:off x="4491334" y="2205651"/>
+            <a:ext cx="611126" cy="423477"/>
+          </a:xfrm>
+          <a:prstGeom prst="rect">
+            <a:avLst/>
+          </a:prstGeom>
+          <a:noFill/>
+          <a:ln>
+            <a:noFill/>
+          </a:ln>
+          <a:extLst>
+            <a:ext uri="{909E8E84-426E-40DD-AFC4-6F175D3DCCD1}">
+              <a14:hiddenFill xmlns:a14="http://schemas.microsoft.com/office/drawing/2010/main">
+                <a:solidFill>
+                  <a:schemeClr val="accent1"/>
+                </a:solidFill>
+              </a14:hiddenFill>
+            </a:ext>
+            <a:ext uri="{91240B29-F687-4F45-9708-019B960494DF}">
+              <a14:hiddenLine xmlns:a14="http://schemas.microsoft.com/office/drawing/2010/main" w="9525">
+                <a:solidFill>
+                  <a:schemeClr val="tx1"/>
+                </a:solidFill>
+                <a:miter lim="800000"/>
+                <a:headEnd/>
+                <a:tailEnd/>
+              </a14:hiddenLine>
+            </a:ext>
+          </a:extLst>
+        </p:spPr>
+      </p:pic>
       <p:sp>
         <p:nvSpPr>
           <p:cNvPr id="13" name="任意多边形 12"/>
@@ -5671,7 +5716,7 @@
         </p:nvSpPr>
         <p:spPr>
           <a:xfrm>
-            <a:off x="4215446" y="2760685"/>
+            <a:off x="5536631" y="977053"/>
             <a:ext cx="346006" cy="369522"/>
           </a:xfrm>
           <a:custGeom>
@@ -5775,7 +5820,7 @@
         </p:nvSpPr>
         <p:spPr>
           <a:xfrm>
-            <a:off x="4020079" y="3821261"/>
+            <a:off x="5341264" y="2037629"/>
             <a:ext cx="390734" cy="899478"/>
           </a:xfrm>
           <a:custGeom>
@@ -5859,7 +5904,7 @@
         </p:nvSpPr>
         <p:spPr>
           <a:xfrm>
-            <a:off x="3555003" y="4393909"/>
+            <a:off x="4876188" y="2610277"/>
             <a:ext cx="561372" cy="225128"/>
           </a:xfrm>
           <a:prstGeom prst="roundRect">
@@ -5907,7 +5952,7 @@
         </p:nvSpPr>
         <p:spPr>
           <a:xfrm>
-            <a:off x="4266797" y="3124740"/>
+            <a:off x="5587982" y="1341108"/>
             <a:ext cx="1080120" cy="720080"/>
           </a:xfrm>
           <a:prstGeom prst="rect">
@@ -5953,7 +5998,7 @@
         </p:nvSpPr>
         <p:spPr>
           <a:xfrm>
-            <a:off x="4554829" y="3844820"/>
+            <a:off x="5876014" y="2061188"/>
             <a:ext cx="504056" cy="216024"/>
           </a:xfrm>
           <a:prstGeom prst="trapezoid">
@@ -6001,7 +6046,7 @@
         </p:nvSpPr>
         <p:spPr>
           <a:xfrm>
-            <a:off x="3717021" y="4283667"/>
+            <a:off x="5038206" y="2500035"/>
             <a:ext cx="200490" cy="244387"/>
           </a:xfrm>
           <a:prstGeom prst="ellipse">
@@ -6049,7 +6094,7 @@
         </p:nvSpPr>
         <p:spPr>
           <a:xfrm>
-            <a:off x="4951748" y="3232752"/>
+            <a:off x="6272933" y="1449120"/>
             <a:ext cx="323165" cy="617658"/>
           </a:xfrm>
           <a:prstGeom prst="rect">
@@ -6079,7 +6124,7 @@
         </p:nvSpPr>
         <p:spPr>
           <a:xfrm>
-            <a:off x="3999422" y="2526527"/>
+            <a:off x="5371958" y="794893"/>
             <a:ext cx="432048" cy="271527"/>
           </a:xfrm>
           <a:prstGeom prst="roundRect">
@@ -6127,7 +6172,7 @@
         </p:nvSpPr>
         <p:spPr>
           <a:xfrm>
-            <a:off x="4128412" y="2586090"/>
+            <a:off x="5500948" y="854456"/>
             <a:ext cx="174068" cy="152400"/>
           </a:xfrm>
           <a:prstGeom prst="ellipse">
@@ -6173,7 +6218,7 @@
         </p:nvSpPr>
         <p:spPr>
           <a:xfrm>
-            <a:off x="4256760" y="2454519"/>
+            <a:off x="5629296" y="722885"/>
             <a:ext cx="102702" cy="72008"/>
           </a:xfrm>
           <a:prstGeom prst="rect">
@@ -6219,7 +6264,7 @@
         </p:nvSpPr>
         <p:spPr>
           <a:xfrm>
-            <a:off x="2213527" y="2208246"/>
+            <a:off x="3534711" y="424612"/>
             <a:ext cx="3407967" cy="2666674"/>
           </a:xfrm>
           <a:prstGeom prst="rect">
@@ -6266,7 +6311,7 @@
         </p:nvSpPr>
         <p:spPr>
           <a:xfrm>
-            <a:off x="3038601" y="4393909"/>
+            <a:off x="4359786" y="2610277"/>
             <a:ext cx="797088" cy="230832"/>
           </a:xfrm>
           <a:prstGeom prst="rect">
@@ -6296,7 +6341,7 @@
         </p:nvSpPr>
         <p:spPr>
           <a:xfrm>
-            <a:off x="3665721" y="2263670"/>
+            <a:off x="5341264" y="511973"/>
             <a:ext cx="797088" cy="230832"/>
           </a:xfrm>
           <a:prstGeom prst="rect">
@@ -6318,16 +6363,80 @@
           </a:p>
         </p:txBody>
       </p:sp>
+      <p:sp>
+        <p:nvSpPr>
+          <p:cNvPr id="3" name="TextBox 2"/>
+          <p:cNvSpPr txBox="1"/>
+          <p:nvPr/>
+        </p:nvSpPr>
+        <p:spPr>
+          <a:xfrm>
+            <a:off x="4115985" y="613276"/>
+            <a:ext cx="733826" cy="230832"/>
+          </a:xfrm>
+          <a:prstGeom prst="rect">
+            <a:avLst/>
+          </a:prstGeom>
+          <a:noFill/>
+        </p:spPr>
+        <p:txBody>
+          <a:bodyPr wrap="square" rtlCol="0">
+            <a:spAutoFit/>
+          </a:bodyPr>
+          <a:lstStyle/>
+          <a:p>
+            <a:r>
+              <a:rPr lang="zh-CN" altLang="en-US" sz="900" dirty="0"/>
+              <a:t>被</a:t>
+            </a:r>
+            <a:r>
+              <a:rPr lang="zh-CN" altLang="en-US" sz="900" dirty="0" smtClean="0"/>
+              <a:t>测物体</a:t>
+            </a:r>
+            <a:endParaRPr lang="zh-CN" altLang="en-US" sz="900" dirty="0"/>
+          </a:p>
+        </p:txBody>
+      </p:sp>
+      <p:sp>
+        <p:nvSpPr>
+          <p:cNvPr id="47" name="TextBox 46"/>
+          <p:cNvSpPr txBox="1"/>
+          <p:nvPr/>
+        </p:nvSpPr>
+        <p:spPr>
+          <a:xfrm>
+            <a:off x="4201003" y="1959430"/>
+            <a:ext cx="733826" cy="230832"/>
+          </a:xfrm>
+          <a:prstGeom prst="rect">
+            <a:avLst/>
+          </a:prstGeom>
+          <a:noFill/>
+        </p:spPr>
+        <p:txBody>
+          <a:bodyPr wrap="square" rtlCol="0">
+            <a:spAutoFit/>
+          </a:bodyPr>
+          <a:lstStyle/>
+          <a:p>
+            <a:r>
+              <a:rPr lang="zh-CN" altLang="en-US" sz="900" dirty="0" smtClean="0"/>
+              <a:t>投影条纹</a:t>
+            </a:r>
+            <a:endParaRPr lang="zh-CN" altLang="en-US" sz="900" dirty="0"/>
+          </a:p>
+        </p:txBody>
+      </p:sp>
       <p:pic>
         <p:nvPicPr>
-          <p:cNvPr id="2051" name="Picture 3"/>
-          <p:cNvPicPr preferRelativeResize="0">
-            <a:picLocks noChangeArrowheads="1"/>
+          <p:cNvPr id="48" name="Picture 3"/>
+          <p:cNvPicPr>
+            <a:picLocks noChangeAspect="1" noChangeArrowheads="1"/>
           </p:cNvPicPr>
           <p:nvPr/>
         </p:nvPicPr>
         <p:blipFill>
-          <a:blip r:embed="rId4">
+          <a:blip r:embed="rId8" cstate="print">
             <a:extLst>
               <a:ext uri="{28A0092B-C50C-407E-A947-70E740481C1C}">
                 <a14:useLocalDpi xmlns:a14="http://schemas.microsoft.com/office/drawing/2010/main" val="0"/>
@@ -6341,8 +6450,8 @@
         </p:blipFill>
         <p:spPr bwMode="auto">
           <a:xfrm>
-            <a:off x="2615132" y="2815340"/>
-            <a:ext cx="1110034" cy="611387"/>
+            <a:off x="7509801" y="1216491"/>
+            <a:ext cx="611126" cy="423477"/>
           </a:xfrm>
           <a:prstGeom prst="rect">
             <a:avLst/>
@@ -6372,95 +6481,29 @@
           </a:extLst>
         </p:spPr>
       </p:pic>
-      <p:sp>
-        <p:nvSpPr>
-          <p:cNvPr id="3" name="TextBox 2"/>
-          <p:cNvSpPr txBox="1"/>
-          <p:nvPr/>
-        </p:nvSpPr>
-        <p:spPr>
-          <a:xfrm>
-            <a:off x="2411761" y="2569119"/>
-            <a:ext cx="733826" cy="230832"/>
-          </a:xfrm>
-          <a:prstGeom prst="rect">
-            <a:avLst/>
-          </a:prstGeom>
-          <a:noFill/>
-        </p:spPr>
-        <p:txBody>
-          <a:bodyPr wrap="square" rtlCol="0">
-            <a:spAutoFit/>
-          </a:bodyPr>
-          <a:lstStyle/>
-          <a:p>
-            <a:r>
-              <a:rPr lang="zh-CN" altLang="en-US" sz="900" dirty="0"/>
-              <a:t>被</a:t>
-            </a:r>
-            <a:r>
-              <a:rPr lang="zh-CN" altLang="en-US" sz="900" dirty="0" smtClean="0"/>
-              <a:t>测物体</a:t>
-            </a:r>
-            <a:endParaRPr lang="zh-CN" altLang="en-US" sz="900" dirty="0"/>
-          </a:p>
-        </p:txBody>
-      </p:sp>
-      <p:sp>
-        <p:nvSpPr>
-          <p:cNvPr id="47" name="TextBox 46"/>
-          <p:cNvSpPr txBox="1"/>
-          <p:nvPr/>
-        </p:nvSpPr>
-        <p:spPr>
-          <a:xfrm>
-            <a:off x="2879818" y="3743062"/>
-            <a:ext cx="733826" cy="230832"/>
-          </a:xfrm>
-          <a:prstGeom prst="rect">
-            <a:avLst/>
-          </a:prstGeom>
-          <a:noFill/>
-        </p:spPr>
-        <p:txBody>
-          <a:bodyPr wrap="square" rtlCol="0">
-            <a:spAutoFit/>
-          </a:bodyPr>
-          <a:lstStyle/>
-          <a:p>
-            <a:r>
-              <a:rPr lang="zh-CN" altLang="en-US" sz="900" dirty="0" smtClean="0"/>
-              <a:t>投影条纹</a:t>
-            </a:r>
-            <a:endParaRPr lang="zh-CN" altLang="en-US" sz="900" dirty="0"/>
-          </a:p>
-        </p:txBody>
-      </p:sp>
       <p:pic>
         <p:nvPicPr>
-          <p:cNvPr id="48" name="Picture 3"/>
+          <p:cNvPr id="51" name="Picture 4"/>
           <p:cNvPicPr>
             <a:picLocks noChangeAspect="1" noChangeArrowheads="1"/>
           </p:cNvPicPr>
           <p:nvPr/>
         </p:nvPicPr>
-        <p:blipFill>
-          <a:blip r:embed="rId5" cstate="print">
+        <p:blipFill rotWithShape="1">
+          <a:blip r:embed="rId7">
             <a:extLst>
               <a:ext uri="{28A0092B-C50C-407E-A947-70E740481C1C}">
                 <a14:useLocalDpi xmlns:a14="http://schemas.microsoft.com/office/drawing/2010/main" val="0"/>
               </a:ext>
             </a:extLst>
           </a:blip>
-          <a:srcRect/>
-          <a:stretch>
-            <a:fillRect/>
-          </a:stretch>
+          <a:srcRect r="20244" b="8892"/>
+          <a:stretch/>
         </p:blipFill>
         <p:spPr bwMode="auto">
           <a:xfrm>
-            <a:off x="6141043" y="2586315"/>
-            <a:ext cx="611126" cy="423477"/>
+            <a:off x="8512701" y="1011762"/>
+            <a:ext cx="633875" cy="700227"/>
           </a:xfrm>
           <a:prstGeom prst="rect">
             <a:avLst/>
@@ -6490,29 +6533,679 @@
           </a:extLst>
         </p:spPr>
       </p:pic>
+      <p:sp>
+        <p:nvSpPr>
+          <p:cNvPr id="2053" name="右箭头 2052"/>
+          <p:cNvSpPr/>
+          <p:nvPr/>
+        </p:nvSpPr>
+        <p:spPr>
+          <a:xfrm rot="5400000">
+            <a:off x="8138684" y="1863228"/>
+            <a:ext cx="411374" cy="205687"/>
+          </a:xfrm>
+          <a:prstGeom prst="rightArrow">
+            <a:avLst/>
+          </a:prstGeom>
+          <a:solidFill>
+            <a:schemeClr val="bg1"/>
+          </a:solidFill>
+          <a:ln>
+            <a:solidFill>
+              <a:schemeClr val="tx1"/>
+            </a:solidFill>
+            <a:prstDash val="sysDot"/>
+          </a:ln>
+        </p:spPr>
+        <p:style>
+          <a:lnRef idx="2">
+            <a:schemeClr val="accent1">
+              <a:shade val="50000"/>
+            </a:schemeClr>
+          </a:lnRef>
+          <a:fillRef idx="1">
+            <a:schemeClr val="accent1"/>
+          </a:fillRef>
+          <a:effectRef idx="0">
+            <a:schemeClr val="accent1"/>
+          </a:effectRef>
+          <a:fontRef idx="minor">
+            <a:schemeClr val="lt1"/>
+          </a:fontRef>
+        </p:style>
+        <p:txBody>
+          <a:bodyPr rtlCol="0" anchor="ctr"/>
+          <a:lstStyle/>
+          <a:p>
+            <a:pPr algn="ctr"/>
+            <a:endParaRPr lang="zh-CN" altLang="en-US"/>
+          </a:p>
+        </p:txBody>
+      </p:sp>
+      <p:sp>
+        <p:nvSpPr>
+          <p:cNvPr id="2054" name="矩形 2053"/>
+          <p:cNvSpPr/>
+          <p:nvPr/>
+        </p:nvSpPr>
+        <p:spPr>
+          <a:xfrm>
+            <a:off x="7310366" y="422768"/>
+            <a:ext cx="2232248" cy="3384376"/>
+          </a:xfrm>
+          <a:prstGeom prst="rect">
+            <a:avLst/>
+          </a:prstGeom>
+          <a:noFill/>
+          <a:ln>
+            <a:solidFill>
+              <a:schemeClr val="tx1"/>
+            </a:solidFill>
+            <a:prstDash val="sysDot"/>
+          </a:ln>
+        </p:spPr>
+        <p:style>
+          <a:lnRef idx="2">
+            <a:schemeClr val="accent1">
+              <a:shade val="50000"/>
+            </a:schemeClr>
+          </a:lnRef>
+          <a:fillRef idx="1">
+            <a:schemeClr val="accent1"/>
+          </a:fillRef>
+          <a:effectRef idx="0">
+            <a:schemeClr val="accent1"/>
+          </a:effectRef>
+          <a:fontRef idx="minor">
+            <a:schemeClr val="lt1"/>
+          </a:fontRef>
+        </p:style>
+        <p:txBody>
+          <a:bodyPr rtlCol="0" anchor="ctr"/>
+          <a:lstStyle/>
+          <a:p>
+            <a:pPr algn="ctr"/>
+            <a:endParaRPr lang="zh-CN" altLang="en-US"/>
+          </a:p>
+        </p:txBody>
+      </p:sp>
+      <p:sp>
+        <p:nvSpPr>
+          <p:cNvPr id="57" name="矩形 56"/>
+          <p:cNvSpPr/>
+          <p:nvPr/>
+        </p:nvSpPr>
+        <p:spPr>
+          <a:xfrm>
+            <a:off x="6050586" y="4254074"/>
+            <a:ext cx="1080120" cy="720080"/>
+          </a:xfrm>
+          <a:prstGeom prst="rect">
+            <a:avLst/>
+          </a:prstGeom>
+          <a:noFill/>
+          <a:ln w="76200">
+            <a:solidFill>
+              <a:schemeClr val="tx1"/>
+            </a:solidFill>
+          </a:ln>
+        </p:spPr>
+        <p:style>
+          <a:lnRef idx="2">
+            <a:schemeClr val="accent1">
+              <a:shade val="50000"/>
+            </a:schemeClr>
+          </a:lnRef>
+          <a:fillRef idx="1">
+            <a:schemeClr val="accent1"/>
+          </a:fillRef>
+          <a:effectRef idx="0">
+            <a:schemeClr val="accent1"/>
+          </a:effectRef>
+          <a:fontRef idx="minor">
+            <a:schemeClr val="lt1"/>
+          </a:fontRef>
+        </p:style>
+        <p:txBody>
+          <a:bodyPr rtlCol="0" anchor="ctr"/>
+          <a:lstStyle/>
+          <a:p>
+            <a:pPr algn="ctr"/>
+            <a:endParaRPr lang="zh-CN" altLang="en-US"/>
+          </a:p>
+        </p:txBody>
+      </p:sp>
+      <p:sp>
+        <p:nvSpPr>
+          <p:cNvPr id="58" name="梯形 57"/>
+          <p:cNvSpPr/>
+          <p:nvPr/>
+        </p:nvSpPr>
+        <p:spPr>
+          <a:xfrm>
+            <a:off x="6338618" y="4974154"/>
+            <a:ext cx="504056" cy="216024"/>
+          </a:xfrm>
+          <a:prstGeom prst="trapezoid">
+            <a:avLst/>
+          </a:prstGeom>
+          <a:solidFill>
+            <a:schemeClr val="bg1"/>
+          </a:solidFill>
+          <a:ln w="19050">
+            <a:solidFill>
+              <a:schemeClr val="tx1"/>
+            </a:solidFill>
+          </a:ln>
+        </p:spPr>
+        <p:style>
+          <a:lnRef idx="2">
+            <a:schemeClr val="accent1">
+              <a:shade val="50000"/>
+            </a:schemeClr>
+          </a:lnRef>
+          <a:fillRef idx="1">
+            <a:schemeClr val="accent1"/>
+          </a:fillRef>
+          <a:effectRef idx="0">
+            <a:schemeClr val="accent1"/>
+          </a:effectRef>
+          <a:fontRef idx="minor">
+            <a:schemeClr val="lt1"/>
+          </a:fontRef>
+        </p:style>
+        <p:txBody>
+          <a:bodyPr rtlCol="0" anchor="ctr"/>
+          <a:lstStyle/>
+          <a:p>
+            <a:pPr algn="ctr"/>
+            <a:endParaRPr lang="zh-CN" altLang="en-US"/>
+          </a:p>
+        </p:txBody>
+      </p:sp>
+      <p:sp>
+        <p:nvSpPr>
+          <p:cNvPr id="59" name="TextBox 58"/>
+          <p:cNvSpPr txBox="1"/>
+          <p:nvPr/>
+        </p:nvSpPr>
+        <p:spPr>
+          <a:xfrm>
+            <a:off x="6735539" y="4362086"/>
+            <a:ext cx="323165" cy="617658"/>
+          </a:xfrm>
+          <a:prstGeom prst="rect">
+            <a:avLst/>
+          </a:prstGeom>
+          <a:noFill/>
+        </p:spPr>
+        <p:txBody>
+          <a:bodyPr vert="eaVert" wrap="square" rtlCol="0">
+            <a:spAutoFit/>
+          </a:bodyPr>
+          <a:lstStyle/>
+          <a:p>
+            <a:r>
+              <a:rPr lang="zh-CN" altLang="en-US" sz="900" dirty="0" smtClean="0"/>
+              <a:t>相位提取</a:t>
+            </a:r>
+            <a:endParaRPr lang="zh-CN" altLang="en-US" sz="900" dirty="0"/>
+          </a:p>
+        </p:txBody>
+      </p:sp>
+      <p:sp>
+        <p:nvSpPr>
+          <p:cNvPr id="61" name="矩形 60"/>
+          <p:cNvSpPr/>
+          <p:nvPr/>
+        </p:nvSpPr>
+        <p:spPr>
+          <a:xfrm>
+            <a:off x="4559835" y="4242523"/>
+            <a:ext cx="1080120" cy="720080"/>
+          </a:xfrm>
+          <a:prstGeom prst="rect">
+            <a:avLst/>
+          </a:prstGeom>
+          <a:noFill/>
+          <a:ln w="76200">
+            <a:solidFill>
+              <a:schemeClr val="tx1"/>
+            </a:solidFill>
+          </a:ln>
+        </p:spPr>
+        <p:style>
+          <a:lnRef idx="2">
+            <a:schemeClr val="accent1">
+              <a:shade val="50000"/>
+            </a:schemeClr>
+          </a:lnRef>
+          <a:fillRef idx="1">
+            <a:schemeClr val="accent1"/>
+          </a:fillRef>
+          <a:effectRef idx="0">
+            <a:schemeClr val="accent1"/>
+          </a:effectRef>
+          <a:fontRef idx="minor">
+            <a:schemeClr val="lt1"/>
+          </a:fontRef>
+        </p:style>
+        <p:txBody>
+          <a:bodyPr rtlCol="0" anchor="ctr"/>
+          <a:lstStyle/>
+          <a:p>
+            <a:pPr algn="ctr"/>
+            <a:endParaRPr lang="zh-CN" altLang="en-US"/>
+          </a:p>
+        </p:txBody>
+      </p:sp>
+      <p:sp>
+        <p:nvSpPr>
+          <p:cNvPr id="62" name="梯形 61"/>
+          <p:cNvSpPr/>
+          <p:nvPr/>
+        </p:nvSpPr>
+        <p:spPr>
+          <a:xfrm>
+            <a:off x="4847867" y="4962603"/>
+            <a:ext cx="504056" cy="216024"/>
+          </a:xfrm>
+          <a:prstGeom prst="trapezoid">
+            <a:avLst/>
+          </a:prstGeom>
+          <a:solidFill>
+            <a:schemeClr val="bg1"/>
+          </a:solidFill>
+          <a:ln w="19050">
+            <a:solidFill>
+              <a:schemeClr val="tx1"/>
+            </a:solidFill>
+          </a:ln>
+        </p:spPr>
+        <p:style>
+          <a:lnRef idx="2">
+            <a:schemeClr val="accent1">
+              <a:shade val="50000"/>
+            </a:schemeClr>
+          </a:lnRef>
+          <a:fillRef idx="1">
+            <a:schemeClr val="accent1"/>
+          </a:fillRef>
+          <a:effectRef idx="0">
+            <a:schemeClr val="accent1"/>
+          </a:effectRef>
+          <a:fontRef idx="minor">
+            <a:schemeClr val="lt1"/>
+          </a:fontRef>
+        </p:style>
+        <p:txBody>
+          <a:bodyPr rtlCol="0" anchor="ctr"/>
+          <a:lstStyle/>
+          <a:p>
+            <a:pPr algn="ctr"/>
+            <a:endParaRPr lang="zh-CN" altLang="en-US"/>
+          </a:p>
+        </p:txBody>
+      </p:sp>
+      <p:sp>
+        <p:nvSpPr>
+          <p:cNvPr id="63" name="TextBox 62"/>
+          <p:cNvSpPr txBox="1"/>
+          <p:nvPr/>
+        </p:nvSpPr>
+        <p:spPr>
+          <a:xfrm>
+            <a:off x="5244792" y="4350535"/>
+            <a:ext cx="323165" cy="617658"/>
+          </a:xfrm>
+          <a:prstGeom prst="rect">
+            <a:avLst/>
+          </a:prstGeom>
+          <a:noFill/>
+        </p:spPr>
+        <p:txBody>
+          <a:bodyPr vert="eaVert" wrap="square" rtlCol="0">
+            <a:spAutoFit/>
+          </a:bodyPr>
+          <a:lstStyle/>
+          <a:p>
+            <a:r>
+              <a:rPr lang="zh-CN" altLang="en-US" sz="900" dirty="0" smtClean="0"/>
+              <a:t>相位展开</a:t>
+            </a:r>
+            <a:endParaRPr lang="zh-CN" altLang="en-US" sz="900" dirty="0"/>
+          </a:p>
+        </p:txBody>
+      </p:sp>
+      <p:sp>
+        <p:nvSpPr>
+          <p:cNvPr id="65" name="矩形 64"/>
+          <p:cNvSpPr/>
+          <p:nvPr/>
+        </p:nvSpPr>
+        <p:spPr>
+          <a:xfrm>
+            <a:off x="2976036" y="4242523"/>
+            <a:ext cx="1080120" cy="720080"/>
+          </a:xfrm>
+          <a:prstGeom prst="rect">
+            <a:avLst/>
+          </a:prstGeom>
+          <a:noFill/>
+          <a:ln w="76200">
+            <a:solidFill>
+              <a:schemeClr val="tx1"/>
+            </a:solidFill>
+          </a:ln>
+        </p:spPr>
+        <p:style>
+          <a:lnRef idx="2">
+            <a:schemeClr val="accent1">
+              <a:shade val="50000"/>
+            </a:schemeClr>
+          </a:lnRef>
+          <a:fillRef idx="1">
+            <a:schemeClr val="accent1"/>
+          </a:fillRef>
+          <a:effectRef idx="0">
+            <a:schemeClr val="accent1"/>
+          </a:effectRef>
+          <a:fontRef idx="minor">
+            <a:schemeClr val="lt1"/>
+          </a:fontRef>
+        </p:style>
+        <p:txBody>
+          <a:bodyPr rtlCol="0" anchor="ctr"/>
+          <a:lstStyle/>
+          <a:p>
+            <a:pPr algn="ctr"/>
+            <a:endParaRPr lang="zh-CN" altLang="en-US"/>
+          </a:p>
+        </p:txBody>
+      </p:sp>
+      <p:sp>
+        <p:nvSpPr>
+          <p:cNvPr id="66" name="梯形 65"/>
+          <p:cNvSpPr/>
+          <p:nvPr/>
+        </p:nvSpPr>
+        <p:spPr>
+          <a:xfrm>
+            <a:off x="3264068" y="4962603"/>
+            <a:ext cx="504056" cy="216024"/>
+          </a:xfrm>
+          <a:prstGeom prst="trapezoid">
+            <a:avLst/>
+          </a:prstGeom>
+          <a:solidFill>
+            <a:schemeClr val="bg1"/>
+          </a:solidFill>
+          <a:ln w="19050">
+            <a:solidFill>
+              <a:schemeClr val="tx1"/>
+            </a:solidFill>
+          </a:ln>
+        </p:spPr>
+        <p:style>
+          <a:lnRef idx="2">
+            <a:schemeClr val="accent1">
+              <a:shade val="50000"/>
+            </a:schemeClr>
+          </a:lnRef>
+          <a:fillRef idx="1">
+            <a:schemeClr val="accent1"/>
+          </a:fillRef>
+          <a:effectRef idx="0">
+            <a:schemeClr val="accent1"/>
+          </a:effectRef>
+          <a:fontRef idx="minor">
+            <a:schemeClr val="lt1"/>
+          </a:fontRef>
+        </p:style>
+        <p:txBody>
+          <a:bodyPr rtlCol="0" anchor="ctr"/>
+          <a:lstStyle/>
+          <a:p>
+            <a:pPr algn="ctr"/>
+            <a:endParaRPr lang="zh-CN" altLang="en-US"/>
+          </a:p>
+        </p:txBody>
+      </p:sp>
+      <p:sp>
+        <p:nvSpPr>
+          <p:cNvPr id="67" name="TextBox 66"/>
+          <p:cNvSpPr txBox="1"/>
+          <p:nvPr/>
+        </p:nvSpPr>
+        <p:spPr>
+          <a:xfrm>
+            <a:off x="3661009" y="4312354"/>
+            <a:ext cx="323165" cy="617658"/>
+          </a:xfrm>
+          <a:prstGeom prst="rect">
+            <a:avLst/>
+          </a:prstGeom>
+          <a:noFill/>
+        </p:spPr>
+        <p:txBody>
+          <a:bodyPr vert="eaVert" wrap="square" rtlCol="0">
+            <a:spAutoFit/>
+          </a:bodyPr>
+          <a:lstStyle/>
+          <a:p>
+            <a:r>
+              <a:rPr lang="zh-CN" altLang="en-US" sz="900" dirty="0" smtClean="0"/>
+              <a:t>高度转换</a:t>
+            </a:r>
+            <a:endParaRPr lang="zh-CN" altLang="en-US" sz="900" dirty="0"/>
+          </a:p>
+        </p:txBody>
+      </p:sp>
+      <p:sp>
+        <p:nvSpPr>
+          <p:cNvPr id="4" name="加号 3"/>
+          <p:cNvSpPr/>
+          <p:nvPr/>
+        </p:nvSpPr>
+        <p:spPr>
+          <a:xfrm>
+            <a:off x="8125830" y="1262522"/>
+            <a:ext cx="342766" cy="212288"/>
+          </a:xfrm>
+          <a:prstGeom prst="mathPlus">
+            <a:avLst/>
+          </a:prstGeom>
+          <a:solidFill>
+            <a:schemeClr val="tx1"/>
+          </a:solidFill>
+          <a:ln w="12700">
+            <a:noFill/>
+            <a:prstDash val="sysDot"/>
+          </a:ln>
+        </p:spPr>
+        <p:style>
+          <a:lnRef idx="2">
+            <a:schemeClr val="accent1">
+              <a:shade val="50000"/>
+            </a:schemeClr>
+          </a:lnRef>
+          <a:fillRef idx="1">
+            <a:schemeClr val="accent1"/>
+          </a:fillRef>
+          <a:effectRef idx="0">
+            <a:schemeClr val="accent1"/>
+          </a:effectRef>
+          <a:fontRef idx="minor">
+            <a:schemeClr val="lt1"/>
+          </a:fontRef>
+        </p:style>
+        <p:txBody>
+          <a:bodyPr rtlCol="0" anchor="ctr"/>
+          <a:lstStyle/>
+          <a:p>
+            <a:pPr algn="ctr"/>
+            <a:endParaRPr lang="zh-CN" altLang="en-US"/>
+          </a:p>
+        </p:txBody>
+      </p:sp>
       <p:pic>
         <p:nvPicPr>
-          <p:cNvPr id="51" name="Picture 4"/>
+          <p:cNvPr id="19" name="图片 18"/>
           <p:cNvPicPr>
-            <a:picLocks noChangeAspect="1" noChangeArrowheads="1"/>
+            <a:picLocks noChangeAspect="1"/>
           </p:cNvPicPr>
           <p:nvPr/>
         </p:nvPicPr>
         <p:blipFill rotWithShape="1">
-          <a:blip r:embed="rId4">
+          <a:blip r:embed="rId9" cstate="print">
             <a:extLst>
               <a:ext uri="{28A0092B-C50C-407E-A947-70E740481C1C}">
                 <a14:useLocalDpi xmlns:a14="http://schemas.microsoft.com/office/drawing/2010/main" val="0"/>
               </a:ext>
             </a:extLst>
           </a:blip>
-          <a:srcRect r="20244" b="8892"/>
+          <a:srcRect l="37384" t="24437" r="29760" b="19977"/>
           <a:stretch/>
         </p:blipFill>
+        <p:spPr>
+          <a:xfrm>
+            <a:off x="4184239" y="878658"/>
+            <a:ext cx="636609" cy="807785"/>
+          </a:xfrm>
+          <a:prstGeom prst="rect">
+            <a:avLst/>
+          </a:prstGeom>
+        </p:spPr>
+      </p:pic>
+      <p:sp>
+        <p:nvSpPr>
+          <p:cNvPr id="52" name="任意多边形 51"/>
+          <p:cNvSpPr/>
+          <p:nvPr/>
+        </p:nvSpPr>
+        <p:spPr>
+          <a:xfrm>
+            <a:off x="1739608" y="893287"/>
+            <a:ext cx="346006" cy="369522"/>
+          </a:xfrm>
+          <a:custGeom>
+            <a:avLst/>
+            <a:gdLst>
+              <a:gd name="connsiteX0" fmla="*/ 0 w 376314"/>
+              <a:gd name="connsiteY0" fmla="*/ 0 h 307876"/>
+              <a:gd name="connsiteX1" fmla="*/ 114300 w 376314"/>
+              <a:gd name="connsiteY1" fmla="*/ 149469 h 307876"/>
+              <a:gd name="connsiteX2" fmla="*/ 360485 w 376314"/>
+              <a:gd name="connsiteY2" fmla="*/ 70338 h 307876"/>
+              <a:gd name="connsiteX3" fmla="*/ 351693 w 376314"/>
+              <a:gd name="connsiteY3" fmla="*/ 272561 h 307876"/>
+              <a:gd name="connsiteX4" fmla="*/ 351693 w 376314"/>
+              <a:gd name="connsiteY4" fmla="*/ 307731 h 307876"/>
+            </a:gdLst>
+            <a:ahLst/>
+            <a:cxnLst>
+              <a:cxn ang="0">
+                <a:pos x="connsiteX0" y="connsiteY0"/>
+              </a:cxn>
+              <a:cxn ang="0">
+                <a:pos x="connsiteX1" y="connsiteY1"/>
+              </a:cxn>
+              <a:cxn ang="0">
+                <a:pos x="connsiteX2" y="connsiteY2"/>
+              </a:cxn>
+              <a:cxn ang="0">
+                <a:pos x="connsiteX3" y="connsiteY3"/>
+              </a:cxn>
+              <a:cxn ang="0">
+                <a:pos x="connsiteX4" y="connsiteY4"/>
+              </a:cxn>
+            </a:cxnLst>
+            <a:rect l="l" t="t" r="r" b="b"/>
+            <a:pathLst>
+              <a:path w="376314" h="307876">
+                <a:moveTo>
+                  <a:pt x="0" y="0"/>
+                </a:moveTo>
+                <a:cubicBezTo>
+                  <a:pt x="27109" y="68873"/>
+                  <a:pt x="54219" y="137746"/>
+                  <a:pt x="114300" y="149469"/>
+                </a:cubicBezTo>
+                <a:cubicBezTo>
+                  <a:pt x="174381" y="161192"/>
+                  <a:pt x="320920" y="49823"/>
+                  <a:pt x="360485" y="70338"/>
+                </a:cubicBezTo>
+                <a:cubicBezTo>
+                  <a:pt x="400050" y="90853"/>
+                  <a:pt x="353158" y="232996"/>
+                  <a:pt x="351693" y="272561"/>
+                </a:cubicBezTo>
+                <a:cubicBezTo>
+                  <a:pt x="350228" y="312126"/>
+                  <a:pt x="351693" y="307731"/>
+                  <a:pt x="351693" y="307731"/>
+                </a:cubicBezTo>
+              </a:path>
+            </a:pathLst>
+          </a:custGeom>
+          <a:noFill/>
+          <a:ln>
+            <a:solidFill>
+              <a:schemeClr val="tx1"/>
+            </a:solidFill>
+          </a:ln>
+        </p:spPr>
+        <p:style>
+          <a:lnRef idx="2">
+            <a:schemeClr val="accent1">
+              <a:shade val="50000"/>
+            </a:schemeClr>
+          </a:lnRef>
+          <a:fillRef idx="1">
+            <a:schemeClr val="accent1"/>
+          </a:fillRef>
+          <a:effectRef idx="0">
+            <a:schemeClr val="accent1"/>
+          </a:effectRef>
+          <a:fontRef idx="minor">
+            <a:schemeClr val="lt1"/>
+          </a:fontRef>
+        </p:style>
+        <p:txBody>
+          <a:bodyPr rtlCol="0" anchor="ctr"/>
+          <a:lstStyle/>
+          <a:p>
+            <a:pPr algn="ctr"/>
+            <a:endParaRPr lang="zh-CN" altLang="en-US"/>
+          </a:p>
+        </p:txBody>
+      </p:sp>
+      <p:pic>
+        <p:nvPicPr>
+          <p:cNvPr id="53" name="Picture 3"/>
+          <p:cNvPicPr>
+            <a:picLocks noChangeAspect="1" noChangeArrowheads="1"/>
+          </p:cNvPicPr>
+          <p:nvPr/>
+        </p:nvPicPr>
+        <p:blipFill>
+          <a:blip r:embed="rId8" cstate="print">
+            <a:extLst>
+              <a:ext uri="{28A0092B-C50C-407E-A947-70E740481C1C}">
+                <a14:useLocalDpi xmlns:a14="http://schemas.microsoft.com/office/drawing/2010/main" val="0"/>
+              </a:ext>
+            </a:extLst>
+          </a:blip>
+          <a:srcRect/>
+          <a:stretch>
+            <a:fillRect/>
+          </a:stretch>
+        </p:blipFill>
         <p:spPr bwMode="auto">
           <a:xfrm>
-            <a:off x="7143943" y="2381586"/>
-            <a:ext cx="633875" cy="700227"/>
+            <a:off x="1844600" y="1433383"/>
+            <a:ext cx="611126" cy="423477"/>
           </a:xfrm>
           <a:prstGeom prst="rect">
             <a:avLst/>
@@ -6544,16 +7237,671 @@
       </p:pic>
       <p:sp>
         <p:nvSpPr>
-          <p:cNvPr id="2053" name="右箭头 2052"/>
+          <p:cNvPr id="54" name="任意多边形 53"/>
           <p:cNvSpPr/>
           <p:nvPr/>
         </p:nvSpPr>
         <p:spPr>
-          <a:xfrm rot="5400000">
-            <a:off x="6769926" y="3233052"/>
-            <a:ext cx="411374" cy="205687"/>
-          </a:xfrm>
-          <a:prstGeom prst="rightArrow">
+          <a:xfrm>
+            <a:off x="1544241" y="1953863"/>
+            <a:ext cx="390734" cy="899478"/>
+          </a:xfrm>
+          <a:custGeom>
+            <a:avLst/>
+            <a:gdLst>
+              <a:gd name="connsiteX0" fmla="*/ 0 w 1266092"/>
+              <a:gd name="connsiteY0" fmla="*/ 729762 h 1139568"/>
+              <a:gd name="connsiteX1" fmla="*/ 1028700 w 1266092"/>
+              <a:gd name="connsiteY1" fmla="*/ 1107831 h 1139568"/>
+              <a:gd name="connsiteX2" fmla="*/ 1266092 w 1266092"/>
+              <a:gd name="connsiteY2" fmla="*/ 0 h 1139568"/>
+            </a:gdLst>
+            <a:ahLst/>
+            <a:cxnLst>
+              <a:cxn ang="0">
+                <a:pos x="connsiteX0" y="connsiteY0"/>
+              </a:cxn>
+              <a:cxn ang="0">
+                <a:pos x="connsiteX1" y="connsiteY1"/>
+              </a:cxn>
+              <a:cxn ang="0">
+                <a:pos x="connsiteX2" y="connsiteY2"/>
+              </a:cxn>
+            </a:cxnLst>
+            <a:rect l="l" t="t" r="r" b="b"/>
+            <a:pathLst>
+              <a:path w="1266092" h="1139568">
+                <a:moveTo>
+                  <a:pt x="0" y="729762"/>
+                </a:moveTo>
+                <a:cubicBezTo>
+                  <a:pt x="408842" y="979610"/>
+                  <a:pt x="817685" y="1229458"/>
+                  <a:pt x="1028700" y="1107831"/>
+                </a:cubicBezTo>
+                <a:cubicBezTo>
+                  <a:pt x="1239715" y="986204"/>
+                  <a:pt x="1219200" y="118696"/>
+                  <a:pt x="1266092" y="0"/>
+                </a:cubicBezTo>
+              </a:path>
+            </a:pathLst>
+          </a:custGeom>
+          <a:noFill/>
+          <a:ln>
+            <a:solidFill>
+              <a:schemeClr val="tx1"/>
+            </a:solidFill>
+          </a:ln>
+        </p:spPr>
+        <p:style>
+          <a:lnRef idx="2">
+            <a:schemeClr val="accent1">
+              <a:shade val="50000"/>
+            </a:schemeClr>
+          </a:lnRef>
+          <a:fillRef idx="1">
+            <a:schemeClr val="accent1"/>
+          </a:fillRef>
+          <a:effectRef idx="0">
+            <a:schemeClr val="accent1"/>
+          </a:effectRef>
+          <a:fontRef idx="minor">
+            <a:schemeClr val="lt1"/>
+          </a:fontRef>
+        </p:style>
+        <p:txBody>
+          <a:bodyPr rtlCol="0" anchor="ctr"/>
+          <a:lstStyle/>
+          <a:p>
+            <a:pPr algn="ctr"/>
+            <a:endParaRPr lang="zh-CN" altLang="en-US"/>
+          </a:p>
+        </p:txBody>
+      </p:sp>
+      <p:sp>
+        <p:nvSpPr>
+          <p:cNvPr id="55" name="圆角矩形 54"/>
+          <p:cNvSpPr/>
+          <p:nvPr/>
+        </p:nvSpPr>
+        <p:spPr>
+          <a:xfrm>
+            <a:off x="1079165" y="2526511"/>
+            <a:ext cx="561372" cy="225128"/>
+          </a:xfrm>
+          <a:prstGeom prst="roundRect">
+            <a:avLst/>
+          </a:prstGeom>
+          <a:solidFill>
+            <a:schemeClr val="bg1"/>
+          </a:solidFill>
+          <a:ln w="28575">
+            <a:solidFill>
+              <a:schemeClr val="tx1"/>
+            </a:solidFill>
+          </a:ln>
+        </p:spPr>
+        <p:style>
+          <a:lnRef idx="2">
+            <a:schemeClr val="accent1">
+              <a:shade val="50000"/>
+            </a:schemeClr>
+          </a:lnRef>
+          <a:fillRef idx="1">
+            <a:schemeClr val="accent1"/>
+          </a:fillRef>
+          <a:effectRef idx="0">
+            <a:schemeClr val="accent1"/>
+          </a:effectRef>
+          <a:fontRef idx="minor">
+            <a:schemeClr val="lt1"/>
+          </a:fontRef>
+        </p:style>
+        <p:txBody>
+          <a:bodyPr rtlCol="0" anchor="ctr"/>
+          <a:lstStyle/>
+          <a:p>
+            <a:pPr algn="ctr"/>
+            <a:endParaRPr lang="zh-CN" altLang="en-US"/>
+          </a:p>
+        </p:txBody>
+      </p:sp>
+      <p:sp>
+        <p:nvSpPr>
+          <p:cNvPr id="68" name="矩形 67"/>
+          <p:cNvSpPr/>
+          <p:nvPr/>
+        </p:nvSpPr>
+        <p:spPr>
+          <a:xfrm>
+            <a:off x="1790959" y="1257342"/>
+            <a:ext cx="1080120" cy="720080"/>
+          </a:xfrm>
+          <a:prstGeom prst="rect">
+            <a:avLst/>
+          </a:prstGeom>
+          <a:noFill/>
+          <a:ln w="76200">
+            <a:solidFill>
+              <a:schemeClr val="tx1"/>
+            </a:solidFill>
+          </a:ln>
+        </p:spPr>
+        <p:style>
+          <a:lnRef idx="2">
+            <a:schemeClr val="accent1">
+              <a:shade val="50000"/>
+            </a:schemeClr>
+          </a:lnRef>
+          <a:fillRef idx="1">
+            <a:schemeClr val="accent1"/>
+          </a:fillRef>
+          <a:effectRef idx="0">
+            <a:schemeClr val="accent1"/>
+          </a:effectRef>
+          <a:fontRef idx="minor">
+            <a:schemeClr val="lt1"/>
+          </a:fontRef>
+        </p:style>
+        <p:txBody>
+          <a:bodyPr rtlCol="0" anchor="ctr"/>
+          <a:lstStyle/>
+          <a:p>
+            <a:pPr algn="ctr"/>
+            <a:endParaRPr lang="zh-CN" altLang="en-US"/>
+          </a:p>
+        </p:txBody>
+      </p:sp>
+      <p:sp>
+        <p:nvSpPr>
+          <p:cNvPr id="69" name="梯形 68"/>
+          <p:cNvSpPr/>
+          <p:nvPr/>
+        </p:nvSpPr>
+        <p:spPr>
+          <a:xfrm>
+            <a:off x="2078991" y="1977422"/>
+            <a:ext cx="504056" cy="216024"/>
+          </a:xfrm>
+          <a:prstGeom prst="trapezoid">
+            <a:avLst/>
+          </a:prstGeom>
+          <a:solidFill>
+            <a:schemeClr val="bg1"/>
+          </a:solidFill>
+          <a:ln w="19050">
+            <a:solidFill>
+              <a:schemeClr val="tx1"/>
+            </a:solidFill>
+          </a:ln>
+        </p:spPr>
+        <p:style>
+          <a:lnRef idx="2">
+            <a:schemeClr val="accent1">
+              <a:shade val="50000"/>
+            </a:schemeClr>
+          </a:lnRef>
+          <a:fillRef idx="1">
+            <a:schemeClr val="accent1"/>
+          </a:fillRef>
+          <a:effectRef idx="0">
+            <a:schemeClr val="accent1"/>
+          </a:effectRef>
+          <a:fontRef idx="minor">
+            <a:schemeClr val="lt1"/>
+          </a:fontRef>
+        </p:style>
+        <p:txBody>
+          <a:bodyPr rtlCol="0" anchor="ctr"/>
+          <a:lstStyle/>
+          <a:p>
+            <a:pPr algn="ctr"/>
+            <a:endParaRPr lang="zh-CN" altLang="en-US"/>
+          </a:p>
+        </p:txBody>
+      </p:sp>
+      <p:cxnSp>
+        <p:nvCxnSpPr>
+          <p:cNvPr id="70" name="直接箭头连接符 69"/>
+          <p:cNvCxnSpPr/>
+          <p:nvPr/>
+        </p:nvCxnSpPr>
+        <p:spPr>
+          <a:xfrm>
+            <a:off x="-250277" y="581709"/>
+            <a:ext cx="1440160" cy="1407352"/>
+          </a:xfrm>
+          <a:prstGeom prst="straightConnector1">
+            <a:avLst/>
+          </a:prstGeom>
+          <a:ln w="19050">
+            <a:solidFill>
+              <a:schemeClr val="tx1"/>
+            </a:solidFill>
+            <a:tailEnd type="arrow"/>
+          </a:ln>
+        </p:spPr>
+        <p:style>
+          <a:lnRef idx="1">
+            <a:schemeClr val="accent1"/>
+          </a:lnRef>
+          <a:fillRef idx="0">
+            <a:schemeClr val="accent1"/>
+          </a:fillRef>
+          <a:effectRef idx="0">
+            <a:schemeClr val="accent1"/>
+          </a:effectRef>
+          <a:fontRef idx="minor">
+            <a:schemeClr val="tx1"/>
+          </a:fontRef>
+        </p:style>
+      </p:cxnSp>
+      <p:cxnSp>
+        <p:nvCxnSpPr>
+          <p:cNvPr id="71" name="直接连接符 70"/>
+          <p:cNvCxnSpPr/>
+          <p:nvPr/>
+        </p:nvCxnSpPr>
+        <p:spPr>
+          <a:xfrm>
+            <a:off x="-161801" y="534481"/>
+            <a:ext cx="0" cy="108012"/>
+          </a:xfrm>
+          <a:prstGeom prst="line">
+            <a:avLst/>
+          </a:prstGeom>
+          <a:ln w="19050">
+            <a:solidFill>
+              <a:schemeClr val="tx1"/>
+            </a:solidFill>
+          </a:ln>
+        </p:spPr>
+        <p:style>
+          <a:lnRef idx="1">
+            <a:schemeClr val="accent1"/>
+          </a:lnRef>
+          <a:fillRef idx="0">
+            <a:schemeClr val="accent1"/>
+          </a:fillRef>
+          <a:effectRef idx="0">
+            <a:schemeClr val="accent1"/>
+          </a:effectRef>
+          <a:fontRef idx="minor">
+            <a:schemeClr val="tx1"/>
+          </a:fontRef>
+        </p:style>
+      </p:cxnSp>
+      <p:cxnSp>
+        <p:nvCxnSpPr>
+          <p:cNvPr id="72" name="直接连接符 71"/>
+          <p:cNvCxnSpPr/>
+          <p:nvPr/>
+        </p:nvCxnSpPr>
+        <p:spPr>
+          <a:xfrm>
+            <a:off x="-9401" y="686881"/>
+            <a:ext cx="0" cy="108012"/>
+          </a:xfrm>
+          <a:prstGeom prst="line">
+            <a:avLst/>
+          </a:prstGeom>
+          <a:ln w="19050">
+            <a:solidFill>
+              <a:schemeClr val="tx1"/>
+            </a:solidFill>
+          </a:ln>
+        </p:spPr>
+        <p:style>
+          <a:lnRef idx="1">
+            <a:schemeClr val="accent1"/>
+          </a:lnRef>
+          <a:fillRef idx="0">
+            <a:schemeClr val="accent1"/>
+          </a:fillRef>
+          <a:effectRef idx="0">
+            <a:schemeClr val="accent1"/>
+          </a:effectRef>
+          <a:fontRef idx="minor">
+            <a:schemeClr val="tx1"/>
+          </a:fontRef>
+        </p:style>
+      </p:cxnSp>
+      <p:cxnSp>
+        <p:nvCxnSpPr>
+          <p:cNvPr id="73" name="直接连接符 72"/>
+          <p:cNvCxnSpPr/>
+          <p:nvPr/>
+        </p:nvCxnSpPr>
+        <p:spPr>
+          <a:xfrm>
+            <a:off x="142999" y="839281"/>
+            <a:ext cx="0" cy="108012"/>
+          </a:xfrm>
+          <a:prstGeom prst="line">
+            <a:avLst/>
+          </a:prstGeom>
+          <a:ln w="19050">
+            <a:solidFill>
+              <a:schemeClr val="tx1"/>
+            </a:solidFill>
+          </a:ln>
+        </p:spPr>
+        <p:style>
+          <a:lnRef idx="1">
+            <a:schemeClr val="accent1"/>
+          </a:lnRef>
+          <a:fillRef idx="0">
+            <a:schemeClr val="accent1"/>
+          </a:fillRef>
+          <a:effectRef idx="0">
+            <a:schemeClr val="accent1"/>
+          </a:effectRef>
+          <a:fontRef idx="minor">
+            <a:schemeClr val="tx1"/>
+          </a:fontRef>
+        </p:style>
+      </p:cxnSp>
+      <p:cxnSp>
+        <p:nvCxnSpPr>
+          <p:cNvPr id="74" name="直接连接符 73"/>
+          <p:cNvCxnSpPr/>
+          <p:nvPr/>
+        </p:nvCxnSpPr>
+        <p:spPr>
+          <a:xfrm>
+            <a:off x="295399" y="991681"/>
+            <a:ext cx="0" cy="108012"/>
+          </a:xfrm>
+          <a:prstGeom prst="line">
+            <a:avLst/>
+          </a:prstGeom>
+          <a:ln w="19050">
+            <a:solidFill>
+              <a:schemeClr val="tx1"/>
+            </a:solidFill>
+          </a:ln>
+        </p:spPr>
+        <p:style>
+          <a:lnRef idx="1">
+            <a:schemeClr val="accent1"/>
+          </a:lnRef>
+          <a:fillRef idx="0">
+            <a:schemeClr val="accent1"/>
+          </a:fillRef>
+          <a:effectRef idx="0">
+            <a:schemeClr val="accent1"/>
+          </a:effectRef>
+          <a:fontRef idx="minor">
+            <a:schemeClr val="tx1"/>
+          </a:fontRef>
+        </p:style>
+      </p:cxnSp>
+      <p:cxnSp>
+        <p:nvCxnSpPr>
+          <p:cNvPr id="75" name="直接连接符 74"/>
+          <p:cNvCxnSpPr/>
+          <p:nvPr/>
+        </p:nvCxnSpPr>
+        <p:spPr>
+          <a:xfrm>
+            <a:off x="447799" y="1144081"/>
+            <a:ext cx="0" cy="108012"/>
+          </a:xfrm>
+          <a:prstGeom prst="line">
+            <a:avLst/>
+          </a:prstGeom>
+          <a:ln w="19050">
+            <a:solidFill>
+              <a:schemeClr val="tx1"/>
+            </a:solidFill>
+          </a:ln>
+        </p:spPr>
+        <p:style>
+          <a:lnRef idx="1">
+            <a:schemeClr val="accent1"/>
+          </a:lnRef>
+          <a:fillRef idx="0">
+            <a:schemeClr val="accent1"/>
+          </a:fillRef>
+          <a:effectRef idx="0">
+            <a:schemeClr val="accent1"/>
+          </a:effectRef>
+          <a:fontRef idx="minor">
+            <a:schemeClr val="tx1"/>
+          </a:fontRef>
+        </p:style>
+      </p:cxnSp>
+      <p:cxnSp>
+        <p:nvCxnSpPr>
+          <p:cNvPr id="76" name="直接连接符 75"/>
+          <p:cNvCxnSpPr/>
+          <p:nvPr/>
+        </p:nvCxnSpPr>
+        <p:spPr>
+          <a:xfrm>
+            <a:off x="600199" y="1296481"/>
+            <a:ext cx="0" cy="108012"/>
+          </a:xfrm>
+          <a:prstGeom prst="line">
+            <a:avLst/>
+          </a:prstGeom>
+          <a:ln w="19050">
+            <a:solidFill>
+              <a:schemeClr val="tx1"/>
+            </a:solidFill>
+          </a:ln>
+        </p:spPr>
+        <p:style>
+          <a:lnRef idx="1">
+            <a:schemeClr val="accent1"/>
+          </a:lnRef>
+          <a:fillRef idx="0">
+            <a:schemeClr val="accent1"/>
+          </a:fillRef>
+          <a:effectRef idx="0">
+            <a:schemeClr val="accent1"/>
+          </a:effectRef>
+          <a:fontRef idx="minor">
+            <a:schemeClr val="tx1"/>
+          </a:fontRef>
+        </p:style>
+      </p:cxnSp>
+      <p:cxnSp>
+        <p:nvCxnSpPr>
+          <p:cNvPr id="77" name="直接连接符 76"/>
+          <p:cNvCxnSpPr/>
+          <p:nvPr/>
+        </p:nvCxnSpPr>
+        <p:spPr>
+          <a:xfrm>
+            <a:off x="752599" y="1448881"/>
+            <a:ext cx="0" cy="108012"/>
+          </a:xfrm>
+          <a:prstGeom prst="line">
+            <a:avLst/>
+          </a:prstGeom>
+          <a:ln w="19050">
+            <a:solidFill>
+              <a:schemeClr val="tx1"/>
+            </a:solidFill>
+          </a:ln>
+        </p:spPr>
+        <p:style>
+          <a:lnRef idx="1">
+            <a:schemeClr val="accent1"/>
+          </a:lnRef>
+          <a:fillRef idx="0">
+            <a:schemeClr val="accent1"/>
+          </a:fillRef>
+          <a:effectRef idx="0">
+            <a:schemeClr val="accent1"/>
+          </a:effectRef>
+          <a:fontRef idx="minor">
+            <a:schemeClr val="tx1"/>
+          </a:fontRef>
+        </p:style>
+      </p:cxnSp>
+      <p:cxnSp>
+        <p:nvCxnSpPr>
+          <p:cNvPr id="78" name="直接连接符 77"/>
+          <p:cNvCxnSpPr/>
+          <p:nvPr/>
+        </p:nvCxnSpPr>
+        <p:spPr>
+          <a:xfrm>
+            <a:off x="904999" y="1601281"/>
+            <a:ext cx="0" cy="108012"/>
+          </a:xfrm>
+          <a:prstGeom prst="line">
+            <a:avLst/>
+          </a:prstGeom>
+          <a:ln w="19050">
+            <a:solidFill>
+              <a:schemeClr val="tx1"/>
+            </a:solidFill>
+          </a:ln>
+        </p:spPr>
+        <p:style>
+          <a:lnRef idx="1">
+            <a:schemeClr val="accent1"/>
+          </a:lnRef>
+          <a:fillRef idx="0">
+            <a:schemeClr val="accent1"/>
+          </a:fillRef>
+          <a:effectRef idx="0">
+            <a:schemeClr val="accent1"/>
+          </a:effectRef>
+          <a:fontRef idx="minor">
+            <a:schemeClr val="tx1"/>
+          </a:fontRef>
+        </p:style>
+      </p:cxnSp>
+      <p:cxnSp>
+        <p:nvCxnSpPr>
+          <p:cNvPr id="79" name="直接连接符 78"/>
+          <p:cNvCxnSpPr/>
+          <p:nvPr/>
+        </p:nvCxnSpPr>
+        <p:spPr>
+          <a:xfrm>
+            <a:off x="1079403" y="1746903"/>
+            <a:ext cx="0" cy="108012"/>
+          </a:xfrm>
+          <a:prstGeom prst="line">
+            <a:avLst/>
+          </a:prstGeom>
+          <a:ln w="19050">
+            <a:solidFill>
+              <a:schemeClr val="tx1"/>
+            </a:solidFill>
+          </a:ln>
+        </p:spPr>
+        <p:style>
+          <a:lnRef idx="1">
+            <a:schemeClr val="accent1"/>
+          </a:lnRef>
+          <a:fillRef idx="0">
+            <a:schemeClr val="accent1"/>
+          </a:fillRef>
+          <a:effectRef idx="0">
+            <a:schemeClr val="accent1"/>
+          </a:effectRef>
+          <a:fontRef idx="minor">
+            <a:schemeClr val="tx1"/>
+          </a:fontRef>
+        </p:style>
+      </p:cxnSp>
+      <p:sp>
+        <p:nvSpPr>
+          <p:cNvPr id="80" name="椭圆 79"/>
+          <p:cNvSpPr/>
+          <p:nvPr/>
+        </p:nvSpPr>
+        <p:spPr>
+          <a:xfrm>
+            <a:off x="1241183" y="2416269"/>
+            <a:ext cx="200490" cy="244387"/>
+          </a:xfrm>
+          <a:prstGeom prst="ellipse">
+            <a:avLst/>
+          </a:prstGeom>
+          <a:solidFill>
+            <a:schemeClr val="bg1"/>
+          </a:solidFill>
+          <a:ln w="38100">
+            <a:solidFill>
+              <a:schemeClr val="tx1"/>
+            </a:solidFill>
+          </a:ln>
+        </p:spPr>
+        <p:style>
+          <a:lnRef idx="2">
+            <a:schemeClr val="accent1">
+              <a:shade val="50000"/>
+            </a:schemeClr>
+          </a:lnRef>
+          <a:fillRef idx="1">
+            <a:schemeClr val="accent1"/>
+          </a:fillRef>
+          <a:effectRef idx="0">
+            <a:schemeClr val="accent1"/>
+          </a:effectRef>
+          <a:fontRef idx="minor">
+            <a:schemeClr val="lt1"/>
+          </a:fontRef>
+        </p:style>
+        <p:txBody>
+          <a:bodyPr rtlCol="0" anchor="ctr"/>
+          <a:lstStyle/>
+          <a:p>
+            <a:pPr algn="ctr"/>
+            <a:endParaRPr lang="zh-CN" altLang="en-US"/>
+          </a:p>
+        </p:txBody>
+      </p:sp>
+      <p:sp>
+        <p:nvSpPr>
+          <p:cNvPr id="81" name="TextBox 80"/>
+          <p:cNvSpPr txBox="1"/>
+          <p:nvPr/>
+        </p:nvSpPr>
+        <p:spPr>
+          <a:xfrm>
+            <a:off x="2460517" y="1365354"/>
+            <a:ext cx="338554" cy="617658"/>
+          </a:xfrm>
+          <a:prstGeom prst="rect">
+            <a:avLst/>
+          </a:prstGeom>
+          <a:noFill/>
+        </p:spPr>
+        <p:txBody>
+          <a:bodyPr vert="eaVert" wrap="square" rtlCol="0">
+            <a:spAutoFit/>
+          </a:bodyPr>
+          <a:lstStyle/>
+          <a:p>
+            <a:r>
+              <a:rPr lang="zh-CN" altLang="en-US" sz="1000" dirty="0" smtClean="0"/>
+              <a:t>系统校准</a:t>
+            </a:r>
+            <a:endParaRPr lang="zh-CN" altLang="en-US" sz="1000" dirty="0"/>
+          </a:p>
+        </p:txBody>
+      </p:sp>
+      <p:sp>
+        <p:nvSpPr>
+          <p:cNvPr id="82" name="圆角矩形 81"/>
+          <p:cNvSpPr/>
+          <p:nvPr/>
+        </p:nvSpPr>
+        <p:spPr>
+          <a:xfrm>
+            <a:off x="1523584" y="659129"/>
+            <a:ext cx="432048" cy="271527"/>
+          </a:xfrm>
+          <a:prstGeom prst="roundRect">
             <a:avLst/>
           </a:prstGeom>
           <a:solidFill>
@@ -6563,7 +7911,6 @@
             <a:solidFill>
               <a:schemeClr val="tx1"/>
             </a:solidFill>
-            <a:prstDash val="sysDot"/>
           </a:ln>
         </p:spPr>
         <p:style>
@@ -6593,16 +7940,16 @@
       </p:sp>
       <p:sp>
         <p:nvSpPr>
-          <p:cNvPr id="2054" name="矩形 2053"/>
+          <p:cNvPr id="83" name="椭圆 82"/>
           <p:cNvSpPr/>
           <p:nvPr/>
         </p:nvSpPr>
         <p:spPr>
           <a:xfrm>
-            <a:off x="5941608" y="1792592"/>
-            <a:ext cx="2232248" cy="3384376"/>
-          </a:xfrm>
-          <a:prstGeom prst="rect">
+            <a:off x="1652574" y="718692"/>
+            <a:ext cx="174068" cy="152400"/>
+          </a:xfrm>
+          <a:prstGeom prst="ellipse">
             <a:avLst/>
           </a:prstGeom>
           <a:noFill/>
@@ -6610,7 +7957,6 @@
             <a:solidFill>
               <a:schemeClr val="tx1"/>
             </a:solidFill>
-            <a:prstDash val="sysDot"/>
           </a:ln>
         </p:spPr>
         <p:style>
@@ -6638,74 +7984,22 @@
           </a:p>
         </p:txBody>
       </p:sp>
-      <p:pic>
-        <p:nvPicPr>
-          <p:cNvPr id="56" name="Picture 2"/>
-          <p:cNvPicPr>
-            <a:picLocks noChangeAspect="1" noChangeArrowheads="1"/>
-          </p:cNvPicPr>
-          <p:nvPr/>
-        </p:nvPicPr>
-        <p:blipFill rotWithShape="1">
-          <a:blip r:embed="rId3" cstate="print">
-            <a:extLst>
-              <a:ext uri="{28A0092B-C50C-407E-A947-70E740481C1C}">
-                <a14:useLocalDpi xmlns:a14="http://schemas.microsoft.com/office/drawing/2010/main" val="0"/>
-              </a:ext>
-            </a:extLst>
-          </a:blip>
-          <a:srcRect l="32338" t="35953" r="32338" b="31832"/>
-          <a:stretch/>
-        </p:blipFill>
-        <p:spPr bwMode="auto">
-          <a:xfrm>
-            <a:off x="2757579" y="5118980"/>
-            <a:ext cx="592390" cy="682842"/>
+      <p:sp>
+        <p:nvSpPr>
+          <p:cNvPr id="84" name="矩形 83"/>
+          <p:cNvSpPr/>
+          <p:nvPr/>
+        </p:nvSpPr>
+        <p:spPr>
+          <a:xfrm>
+            <a:off x="1780922" y="587121"/>
+            <a:ext cx="102702" cy="72008"/>
           </a:xfrm>
           <a:prstGeom prst="rect">
             <a:avLst/>
           </a:prstGeom>
           <a:noFill/>
           <a:ln>
-            <a:noFill/>
-          </a:ln>
-          <a:extLst>
-            <a:ext uri="{909E8E84-426E-40DD-AFC4-6F175D3DCCD1}">
-              <a14:hiddenFill xmlns:a14="http://schemas.microsoft.com/office/drawing/2010/main">
-                <a:solidFill>
-                  <a:schemeClr val="accent1"/>
-                </a:solidFill>
-              </a14:hiddenFill>
-            </a:ext>
-            <a:ext uri="{91240B29-F687-4F45-9708-019B960494DF}">
-              <a14:hiddenLine xmlns:a14="http://schemas.microsoft.com/office/drawing/2010/main" w="9525">
-                <a:solidFill>
-                  <a:schemeClr val="tx1"/>
-                </a:solidFill>
-                <a:miter lim="800000"/>
-                <a:headEnd/>
-                <a:tailEnd/>
-              </a14:hiddenLine>
-            </a:ext>
-          </a:extLst>
-        </p:spPr>
-      </p:pic>
-      <p:sp>
-        <p:nvSpPr>
-          <p:cNvPr id="57" name="矩形 56"/>
-          <p:cNvSpPr/>
-          <p:nvPr/>
-        </p:nvSpPr>
-        <p:spPr>
-          <a:xfrm>
-            <a:off x="2757578" y="5081741"/>
-            <a:ext cx="1080120" cy="720080"/>
-          </a:xfrm>
-          <a:prstGeom prst="rect">
-            <a:avLst/>
-          </a:prstGeom>
-          <a:noFill/>
-          <a:ln w="76200">
             <a:solidFill>
               <a:schemeClr val="tx1"/>
             </a:solidFill>
@@ -6738,22 +8032,22 @@
       </p:sp>
       <p:sp>
         <p:nvSpPr>
-          <p:cNvPr id="58" name="梯形 57"/>
+          <p:cNvPr id="85" name="流程图: 数据 84"/>
           <p:cNvSpPr/>
           <p:nvPr/>
         </p:nvSpPr>
         <p:spPr>
-          <a:xfrm>
-            <a:off x="3045610" y="5801821"/>
-            <a:ext cx="504056" cy="216024"/>
-          </a:xfrm>
-          <a:prstGeom prst="trapezoid">
+          <a:xfrm rot="10800000">
+            <a:off x="-175121" y="714419"/>
+            <a:ext cx="1080120" cy="541815"/>
+          </a:xfrm>
+          <a:prstGeom prst="flowChartInputOutput">
             <a:avLst/>
           </a:prstGeom>
           <a:solidFill>
             <a:schemeClr val="bg1"/>
           </a:solidFill>
-          <a:ln w="19050">
+          <a:ln>
             <a:solidFill>
               <a:schemeClr val="tx1"/>
             </a:solidFill>
@@ -6786,102 +8080,22 @@
       </p:sp>
       <p:sp>
         <p:nvSpPr>
-          <p:cNvPr id="59" name="TextBox 58"/>
-          <p:cNvSpPr txBox="1"/>
-          <p:nvPr/>
-        </p:nvSpPr>
-        <p:spPr>
-          <a:xfrm>
-            <a:off x="3442531" y="5189753"/>
-            <a:ext cx="323165" cy="617658"/>
+          <p:cNvPr id="86" name="矩形 85"/>
+          <p:cNvSpPr/>
+          <p:nvPr/>
+        </p:nvSpPr>
+        <p:spPr>
+          <a:xfrm>
+            <a:off x="-9401" y="839281"/>
+            <a:ext cx="831538" cy="54006"/>
           </a:xfrm>
           <a:prstGeom prst="rect">
             <a:avLst/>
           </a:prstGeom>
-          <a:noFill/>
-        </p:spPr>
-        <p:txBody>
-          <a:bodyPr vert="eaVert" wrap="square" rtlCol="0">
-            <a:spAutoFit/>
-          </a:bodyPr>
-          <a:lstStyle/>
-          <a:p>
-            <a:r>
-              <a:rPr lang="zh-CN" altLang="en-US" sz="900" dirty="0" smtClean="0"/>
-              <a:t>相位提取</a:t>
-            </a:r>
-            <a:endParaRPr lang="zh-CN" altLang="en-US" sz="900" dirty="0"/>
-          </a:p>
-        </p:txBody>
-      </p:sp>
-      <p:pic>
-        <p:nvPicPr>
-          <p:cNvPr id="60" name="Picture 2"/>
-          <p:cNvPicPr>
-            <a:picLocks noChangeAspect="1" noChangeArrowheads="1"/>
-          </p:cNvPicPr>
-          <p:nvPr/>
-        </p:nvPicPr>
-        <p:blipFill rotWithShape="1">
-          <a:blip r:embed="rId3" cstate="print">
-            <a:extLst>
-              <a:ext uri="{28A0092B-C50C-407E-A947-70E740481C1C}">
-                <a14:useLocalDpi xmlns:a14="http://schemas.microsoft.com/office/drawing/2010/main" val="0"/>
-              </a:ext>
-            </a:extLst>
-          </a:blip>
-          <a:srcRect l="32338" t="35953" r="32338" b="31832"/>
-          <a:stretch/>
-        </p:blipFill>
-        <p:spPr bwMode="auto">
-          <a:xfrm>
-            <a:off x="4166614" y="5166758"/>
-            <a:ext cx="592390" cy="682842"/>
-          </a:xfrm>
-          <a:prstGeom prst="rect">
-            <a:avLst/>
-          </a:prstGeom>
-          <a:noFill/>
+          <a:solidFill>
+            <a:schemeClr val="tx1"/>
+          </a:solidFill>
           <a:ln>
-            <a:noFill/>
-          </a:ln>
-          <a:extLst>
-            <a:ext uri="{909E8E84-426E-40DD-AFC4-6F175D3DCCD1}">
-              <a14:hiddenFill xmlns:a14="http://schemas.microsoft.com/office/drawing/2010/main">
-                <a:solidFill>
-                  <a:schemeClr val="accent1"/>
-                </a:solidFill>
-              </a14:hiddenFill>
-            </a:ext>
-            <a:ext uri="{91240B29-F687-4F45-9708-019B960494DF}">
-              <a14:hiddenLine xmlns:a14="http://schemas.microsoft.com/office/drawing/2010/main" w="9525">
-                <a:solidFill>
-                  <a:schemeClr val="tx1"/>
-                </a:solidFill>
-                <a:miter lim="800000"/>
-                <a:headEnd/>
-                <a:tailEnd/>
-              </a14:hiddenLine>
-            </a:ext>
-          </a:extLst>
-        </p:spPr>
-      </p:pic>
-      <p:sp>
-        <p:nvSpPr>
-          <p:cNvPr id="61" name="矩形 60"/>
-          <p:cNvSpPr/>
-          <p:nvPr/>
-        </p:nvSpPr>
-        <p:spPr>
-          <a:xfrm>
-            <a:off x="4166613" y="5129519"/>
-            <a:ext cx="1080120" cy="720080"/>
-          </a:xfrm>
-          <a:prstGeom prst="rect">
-            <a:avLst/>
-          </a:prstGeom>
-          <a:noFill/>
-          <a:ln w="76200">
             <a:solidFill>
               <a:schemeClr val="tx1"/>
             </a:solidFill>
@@ -6914,22 +8128,22 @@
       </p:sp>
       <p:sp>
         <p:nvSpPr>
-          <p:cNvPr id="62" name="梯形 61"/>
+          <p:cNvPr id="87" name="矩形 86"/>
           <p:cNvSpPr/>
           <p:nvPr/>
         </p:nvSpPr>
         <p:spPr>
           <a:xfrm>
-            <a:off x="4454645" y="5849599"/>
-            <a:ext cx="504056" cy="216024"/>
-          </a:xfrm>
-          <a:prstGeom prst="trapezoid">
+            <a:off x="-50831" y="975884"/>
+            <a:ext cx="831538" cy="54006"/>
+          </a:xfrm>
+          <a:prstGeom prst="rect">
             <a:avLst/>
           </a:prstGeom>
           <a:solidFill>
-            <a:schemeClr val="bg1"/>
+            <a:schemeClr val="tx1"/>
           </a:solidFill>
-          <a:ln w="19050">
+          <a:ln>
             <a:solidFill>
               <a:schemeClr val="tx1"/>
             </a:solidFill>
@@ -6962,102 +8176,22 @@
       </p:sp>
       <p:sp>
         <p:nvSpPr>
-          <p:cNvPr id="63" name="TextBox 62"/>
-          <p:cNvSpPr txBox="1"/>
-          <p:nvPr/>
-        </p:nvSpPr>
-        <p:spPr>
-          <a:xfrm>
-            <a:off x="4851570" y="5237531"/>
-            <a:ext cx="323165" cy="617658"/>
+          <p:cNvPr id="88" name="矩形 87"/>
+          <p:cNvSpPr/>
+          <p:nvPr/>
+        </p:nvSpPr>
+        <p:spPr>
+          <a:xfrm>
+            <a:off x="-120370" y="1099693"/>
+            <a:ext cx="831538" cy="54006"/>
           </a:xfrm>
           <a:prstGeom prst="rect">
             <a:avLst/>
           </a:prstGeom>
-          <a:noFill/>
-        </p:spPr>
-        <p:txBody>
-          <a:bodyPr vert="eaVert" wrap="square" rtlCol="0">
-            <a:spAutoFit/>
-          </a:bodyPr>
-          <a:lstStyle/>
-          <a:p>
-            <a:r>
-              <a:rPr lang="zh-CN" altLang="en-US" sz="900" dirty="0" smtClean="0"/>
-              <a:t>相位展开</a:t>
-            </a:r>
-            <a:endParaRPr lang="zh-CN" altLang="en-US" sz="900" dirty="0"/>
-          </a:p>
-        </p:txBody>
-      </p:sp>
-      <p:pic>
-        <p:nvPicPr>
-          <p:cNvPr id="64" name="Picture 2"/>
-          <p:cNvPicPr>
-            <a:picLocks noChangeAspect="1" noChangeArrowheads="1"/>
-          </p:cNvPicPr>
-          <p:nvPr/>
-        </p:nvPicPr>
-        <p:blipFill rotWithShape="1">
-          <a:blip r:embed="rId3" cstate="print">
-            <a:extLst>
-              <a:ext uri="{28A0092B-C50C-407E-A947-70E740481C1C}">
-                <a14:useLocalDpi xmlns:a14="http://schemas.microsoft.com/office/drawing/2010/main" val="0"/>
-              </a:ext>
-            </a:extLst>
-          </a:blip>
-          <a:srcRect l="32338" t="35953" r="32338" b="31832"/>
-          <a:stretch/>
-        </p:blipFill>
-        <p:spPr bwMode="auto">
-          <a:xfrm>
-            <a:off x="6136368" y="5427169"/>
-            <a:ext cx="592390" cy="682842"/>
-          </a:xfrm>
-          <a:prstGeom prst="rect">
-            <a:avLst/>
-          </a:prstGeom>
-          <a:noFill/>
+          <a:solidFill>
+            <a:schemeClr val="tx1"/>
+          </a:solidFill>
           <a:ln>
-            <a:noFill/>
-          </a:ln>
-          <a:extLst>
-            <a:ext uri="{909E8E84-426E-40DD-AFC4-6F175D3DCCD1}">
-              <a14:hiddenFill xmlns:a14="http://schemas.microsoft.com/office/drawing/2010/main">
-                <a:solidFill>
-                  <a:schemeClr val="accent1"/>
-                </a:solidFill>
-              </a14:hiddenFill>
-            </a:ext>
-            <a:ext uri="{91240B29-F687-4F45-9708-019B960494DF}">
-              <a14:hiddenLine xmlns:a14="http://schemas.microsoft.com/office/drawing/2010/main" w="9525">
-                <a:solidFill>
-                  <a:schemeClr val="tx1"/>
-                </a:solidFill>
-                <a:miter lim="800000"/>
-                <a:headEnd/>
-                <a:tailEnd/>
-              </a14:hiddenLine>
-            </a:ext>
-          </a:extLst>
-        </p:spPr>
-      </p:pic>
-      <p:sp>
-        <p:nvSpPr>
-          <p:cNvPr id="65" name="矩形 64"/>
-          <p:cNvSpPr/>
-          <p:nvPr/>
-        </p:nvSpPr>
-        <p:spPr>
-          <a:xfrm>
-            <a:off x="6136367" y="5389930"/>
-            <a:ext cx="1080120" cy="720080"/>
-          </a:xfrm>
-          <a:prstGeom prst="rect">
-            <a:avLst/>
-          </a:prstGeom>
-          <a:noFill/>
-          <a:ln w="76200">
             <a:solidFill>
               <a:schemeClr val="tx1"/>
             </a:solidFill>
@@ -7090,25 +8224,24 @@
       </p:sp>
       <p:sp>
         <p:nvSpPr>
-          <p:cNvPr id="66" name="梯形 65"/>
+          <p:cNvPr id="89" name="矩形 88"/>
           <p:cNvSpPr/>
           <p:nvPr/>
         </p:nvSpPr>
         <p:spPr>
           <a:xfrm>
-            <a:off x="6424399" y="6110010"/>
-            <a:ext cx="504056" cy="216024"/>
-          </a:xfrm>
-          <a:prstGeom prst="trapezoid">
-            <a:avLst/>
-          </a:prstGeom>
-          <a:solidFill>
-            <a:schemeClr val="bg1"/>
-          </a:solidFill>
-          <a:ln w="19050">
+            <a:off x="-324446" y="417610"/>
+            <a:ext cx="3407967" cy="2666674"/>
+          </a:xfrm>
+          <a:prstGeom prst="rect">
+            <a:avLst/>
+          </a:prstGeom>
+          <a:noFill/>
+          <a:ln>
             <a:solidFill>
               <a:schemeClr val="tx1"/>
             </a:solidFill>
+            <a:prstDash val="sysDot"/>
           </a:ln>
         </p:spPr>
         <p:style>
@@ -7138,14 +8271,14 @@
       </p:sp>
       <p:sp>
         <p:nvSpPr>
-          <p:cNvPr id="67" name="TextBox 66"/>
+          <p:cNvPr id="90" name="TextBox 89"/>
           <p:cNvSpPr txBox="1"/>
           <p:nvPr/>
         </p:nvSpPr>
         <p:spPr>
           <a:xfrm>
-            <a:off x="6821340" y="5459761"/>
-            <a:ext cx="323165" cy="617658"/>
+            <a:off x="562763" y="2526511"/>
+            <a:ext cx="797088" cy="246221"/>
           </a:xfrm>
           <a:prstGeom prst="rect">
             <a:avLst/>
@@ -7153,39 +8286,417 @@
           <a:noFill/>
         </p:spPr>
         <p:txBody>
-          <a:bodyPr vert="eaVert" wrap="square" rtlCol="0">
+          <a:bodyPr wrap="square" rtlCol="0">
             <a:spAutoFit/>
           </a:bodyPr>
           <a:lstStyle/>
           <a:p>
             <a:r>
-              <a:rPr lang="zh-CN" altLang="en-US" sz="900" dirty="0" smtClean="0"/>
-              <a:t>高度转换</a:t>
-            </a:r>
-            <a:endParaRPr lang="zh-CN" altLang="en-US" sz="900" dirty="0"/>
-          </a:p>
-        </p:txBody>
-      </p:sp>
-      <p:sp>
-        <p:nvSpPr>
-          <p:cNvPr id="4" name="加号 3"/>
+              <a:rPr lang="zh-CN" altLang="en-US" sz="1000" dirty="0" smtClean="0"/>
+              <a:t>投影仪</a:t>
+            </a:r>
+            <a:endParaRPr lang="zh-CN" altLang="en-US" sz="1000" dirty="0"/>
+          </a:p>
+        </p:txBody>
+      </p:sp>
+      <p:sp>
+        <p:nvSpPr>
+          <p:cNvPr id="91" name="TextBox 90"/>
+          <p:cNvSpPr txBox="1"/>
+          <p:nvPr/>
+        </p:nvSpPr>
+        <p:spPr>
+          <a:xfrm>
+            <a:off x="1189883" y="396272"/>
+            <a:ext cx="797088" cy="246221"/>
+          </a:xfrm>
+          <a:prstGeom prst="rect">
+            <a:avLst/>
+          </a:prstGeom>
+          <a:noFill/>
+        </p:spPr>
+        <p:txBody>
+          <a:bodyPr wrap="square" rtlCol="0">
+            <a:spAutoFit/>
+          </a:bodyPr>
+          <a:lstStyle/>
+          <a:p>
+            <a:r>
+              <a:rPr lang="zh-CN" altLang="en-US" sz="1000" dirty="0" smtClean="0"/>
+              <a:t>相机</a:t>
+            </a:r>
+            <a:endParaRPr lang="zh-CN" altLang="en-US" sz="1000" dirty="0"/>
+          </a:p>
+        </p:txBody>
+      </p:sp>
+      <p:sp>
+        <p:nvSpPr>
+          <p:cNvPr id="92" name="TextBox 91"/>
+          <p:cNvSpPr txBox="1"/>
+          <p:nvPr/>
+        </p:nvSpPr>
+        <p:spPr>
+          <a:xfrm>
+            <a:off x="-328348" y="1357083"/>
+            <a:ext cx="1171512" cy="246221"/>
+          </a:xfrm>
+          <a:prstGeom prst="rect">
+            <a:avLst/>
+          </a:prstGeom>
+          <a:noFill/>
+        </p:spPr>
+        <p:txBody>
+          <a:bodyPr wrap="square" rtlCol="0">
+            <a:spAutoFit/>
+          </a:bodyPr>
+          <a:lstStyle/>
+          <a:p>
+            <a:r>
+              <a:rPr lang="zh-CN" altLang="en-US" sz="1000" dirty="0"/>
+              <a:t>平移台</a:t>
+            </a:r>
+          </a:p>
+        </p:txBody>
+      </p:sp>
+      <p:sp>
+        <p:nvSpPr>
+          <p:cNvPr id="93" name="TextBox 92"/>
+          <p:cNvSpPr txBox="1"/>
+          <p:nvPr/>
+        </p:nvSpPr>
+        <p:spPr>
+          <a:xfrm>
+            <a:off x="103457" y="458598"/>
+            <a:ext cx="923486" cy="246221"/>
+          </a:xfrm>
+          <a:prstGeom prst="rect">
+            <a:avLst/>
+          </a:prstGeom>
+          <a:noFill/>
+        </p:spPr>
+        <p:txBody>
+          <a:bodyPr wrap="square" rtlCol="0">
+            <a:spAutoFit/>
+          </a:bodyPr>
+          <a:lstStyle/>
+          <a:p>
+            <a:r>
+              <a:rPr lang="zh-CN" altLang="en-US" sz="1000" dirty="0" smtClean="0"/>
+              <a:t>校准平面</a:t>
+            </a:r>
+            <a:endParaRPr lang="zh-CN" altLang="en-US" sz="1000" dirty="0"/>
+          </a:p>
+        </p:txBody>
+      </p:sp>
+      <p:sp>
+        <p:nvSpPr>
+          <p:cNvPr id="2068" name="右箭头 2067"/>
           <p:cNvSpPr/>
           <p:nvPr/>
         </p:nvSpPr>
         <p:spPr>
           <a:xfrm>
-            <a:off x="6757072" y="2632346"/>
-            <a:ext cx="342766" cy="212288"/>
-          </a:xfrm>
-          <a:prstGeom prst="mathPlus">
+            <a:off x="6991713" y="1788904"/>
+            <a:ext cx="277115" cy="253634"/>
+          </a:xfrm>
+          <a:prstGeom prst="rightArrow">
             <a:avLst/>
           </a:prstGeom>
           <a:solidFill>
-            <a:schemeClr val="tx1"/>
+            <a:schemeClr val="bg1"/>
           </a:solidFill>
-          <a:ln w="12700">
-            <a:noFill/>
-            <a:prstDash val="sysDot"/>
+          <a:ln>
+            <a:solidFill>
+              <a:schemeClr val="tx1"/>
+            </a:solidFill>
+          </a:ln>
+        </p:spPr>
+        <p:style>
+          <a:lnRef idx="2">
+            <a:schemeClr val="accent1">
+              <a:shade val="50000"/>
+            </a:schemeClr>
+          </a:lnRef>
+          <a:fillRef idx="1">
+            <a:schemeClr val="accent1"/>
+          </a:fillRef>
+          <a:effectRef idx="0">
+            <a:schemeClr val="accent1"/>
+          </a:effectRef>
+          <a:fontRef idx="minor">
+            <a:schemeClr val="lt1"/>
+          </a:fontRef>
+        </p:style>
+        <p:txBody>
+          <a:bodyPr rtlCol="0" anchor="ctr"/>
+          <a:lstStyle/>
+          <a:p>
+            <a:pPr algn="ctr"/>
+            <a:endParaRPr lang="zh-CN" altLang="en-US"/>
+          </a:p>
+        </p:txBody>
+      </p:sp>
+      <p:sp>
+        <p:nvSpPr>
+          <p:cNvPr id="103" name="右箭头 102"/>
+          <p:cNvSpPr/>
+          <p:nvPr/>
+        </p:nvSpPr>
+        <p:spPr>
+          <a:xfrm>
+            <a:off x="3141064" y="1601281"/>
+            <a:ext cx="277115" cy="253634"/>
+          </a:xfrm>
+          <a:prstGeom prst="rightArrow">
+            <a:avLst/>
+          </a:prstGeom>
+          <a:solidFill>
+            <a:schemeClr val="bg1"/>
+          </a:solidFill>
+          <a:ln>
+            <a:solidFill>
+              <a:schemeClr val="tx1"/>
+            </a:solidFill>
+          </a:ln>
+        </p:spPr>
+        <p:style>
+          <a:lnRef idx="2">
+            <a:schemeClr val="accent1">
+              <a:shade val="50000"/>
+            </a:schemeClr>
+          </a:lnRef>
+          <a:fillRef idx="1">
+            <a:schemeClr val="accent1"/>
+          </a:fillRef>
+          <a:effectRef idx="0">
+            <a:schemeClr val="accent1"/>
+          </a:effectRef>
+          <a:fontRef idx="minor">
+            <a:schemeClr val="lt1"/>
+          </a:fontRef>
+        </p:style>
+        <p:txBody>
+          <a:bodyPr rtlCol="0" anchor="ctr"/>
+          <a:lstStyle/>
+          <a:p>
+            <a:pPr algn="ctr"/>
+            <a:endParaRPr lang="zh-CN" altLang="en-US"/>
+          </a:p>
+        </p:txBody>
+      </p:sp>
+      <p:sp>
+        <p:nvSpPr>
+          <p:cNvPr id="104" name="右箭头 103"/>
+          <p:cNvSpPr/>
+          <p:nvPr/>
+        </p:nvSpPr>
+        <p:spPr>
+          <a:xfrm rot="5400000">
+            <a:off x="8158655" y="3891684"/>
+            <a:ext cx="277115" cy="253634"/>
+          </a:xfrm>
+          <a:prstGeom prst="rightArrow">
+            <a:avLst/>
+          </a:prstGeom>
+          <a:solidFill>
+            <a:schemeClr val="bg1"/>
+          </a:solidFill>
+          <a:ln>
+            <a:solidFill>
+              <a:schemeClr val="tx1"/>
+            </a:solidFill>
+          </a:ln>
+        </p:spPr>
+        <p:style>
+          <a:lnRef idx="2">
+            <a:schemeClr val="accent1">
+              <a:shade val="50000"/>
+            </a:schemeClr>
+          </a:lnRef>
+          <a:fillRef idx="1">
+            <a:schemeClr val="accent1"/>
+          </a:fillRef>
+          <a:effectRef idx="0">
+            <a:schemeClr val="accent1"/>
+          </a:effectRef>
+          <a:fontRef idx="minor">
+            <a:schemeClr val="lt1"/>
+          </a:fontRef>
+        </p:style>
+        <p:txBody>
+          <a:bodyPr rtlCol="0" anchor="ctr"/>
+          <a:lstStyle/>
+          <a:p>
+            <a:pPr algn="ctr"/>
+            <a:endParaRPr lang="zh-CN" altLang="en-US"/>
+          </a:p>
+        </p:txBody>
+      </p:sp>
+      <p:sp>
+        <p:nvSpPr>
+          <p:cNvPr id="105" name="右箭头 104"/>
+          <p:cNvSpPr/>
+          <p:nvPr/>
+        </p:nvSpPr>
+        <p:spPr>
+          <a:xfrm rot="10800000">
+            <a:off x="7171808" y="4487297"/>
+            <a:ext cx="277115" cy="253634"/>
+          </a:xfrm>
+          <a:prstGeom prst="rightArrow">
+            <a:avLst/>
+          </a:prstGeom>
+          <a:solidFill>
+            <a:schemeClr val="bg1"/>
+          </a:solidFill>
+          <a:ln>
+            <a:solidFill>
+              <a:schemeClr val="tx1"/>
+            </a:solidFill>
+          </a:ln>
+        </p:spPr>
+        <p:style>
+          <a:lnRef idx="2">
+            <a:schemeClr val="accent1">
+              <a:shade val="50000"/>
+            </a:schemeClr>
+          </a:lnRef>
+          <a:fillRef idx="1">
+            <a:schemeClr val="accent1"/>
+          </a:fillRef>
+          <a:effectRef idx="0">
+            <a:schemeClr val="accent1"/>
+          </a:effectRef>
+          <a:fontRef idx="minor">
+            <a:schemeClr val="lt1"/>
+          </a:fontRef>
+        </p:style>
+        <p:txBody>
+          <a:bodyPr rtlCol="0" anchor="ctr"/>
+          <a:lstStyle/>
+          <a:p>
+            <a:pPr algn="ctr"/>
+            <a:endParaRPr lang="zh-CN" altLang="en-US"/>
+          </a:p>
+        </p:txBody>
+      </p:sp>
+      <p:sp>
+        <p:nvSpPr>
+          <p:cNvPr id="106" name="右箭头 105"/>
+          <p:cNvSpPr/>
+          <p:nvPr/>
+        </p:nvSpPr>
+        <p:spPr>
+          <a:xfrm rot="10800000">
+            <a:off x="5709634" y="4428385"/>
+            <a:ext cx="277115" cy="253634"/>
+          </a:xfrm>
+          <a:prstGeom prst="rightArrow">
+            <a:avLst/>
+          </a:prstGeom>
+          <a:solidFill>
+            <a:schemeClr val="bg1"/>
+          </a:solidFill>
+          <a:ln>
+            <a:solidFill>
+              <a:schemeClr val="tx1"/>
+            </a:solidFill>
+          </a:ln>
+        </p:spPr>
+        <p:style>
+          <a:lnRef idx="2">
+            <a:schemeClr val="accent1">
+              <a:shade val="50000"/>
+            </a:schemeClr>
+          </a:lnRef>
+          <a:fillRef idx="1">
+            <a:schemeClr val="accent1"/>
+          </a:fillRef>
+          <a:effectRef idx="0">
+            <a:schemeClr val="accent1"/>
+          </a:effectRef>
+          <a:fontRef idx="minor">
+            <a:schemeClr val="lt1"/>
+          </a:fontRef>
+        </p:style>
+        <p:txBody>
+          <a:bodyPr rtlCol="0" anchor="ctr"/>
+          <a:lstStyle/>
+          <a:p>
+            <a:pPr algn="ctr"/>
+            <a:endParaRPr lang="zh-CN" altLang="en-US"/>
+          </a:p>
+        </p:txBody>
+      </p:sp>
+      <p:sp>
+        <p:nvSpPr>
+          <p:cNvPr id="107" name="右箭头 106"/>
+          <p:cNvSpPr/>
+          <p:nvPr/>
+        </p:nvSpPr>
+        <p:spPr>
+          <a:xfrm rot="10800000">
+            <a:off x="4167084" y="4484844"/>
+            <a:ext cx="277115" cy="253634"/>
+          </a:xfrm>
+          <a:prstGeom prst="rightArrow">
+            <a:avLst/>
+          </a:prstGeom>
+          <a:solidFill>
+            <a:schemeClr val="bg1"/>
+          </a:solidFill>
+          <a:ln>
+            <a:solidFill>
+              <a:schemeClr val="tx1"/>
+            </a:solidFill>
+          </a:ln>
+        </p:spPr>
+        <p:style>
+          <a:lnRef idx="2">
+            <a:schemeClr val="accent1">
+              <a:shade val="50000"/>
+            </a:schemeClr>
+          </a:lnRef>
+          <a:fillRef idx="1">
+            <a:schemeClr val="accent1"/>
+          </a:fillRef>
+          <a:effectRef idx="0">
+            <a:schemeClr val="accent1"/>
+          </a:effectRef>
+          <a:fontRef idx="minor">
+            <a:schemeClr val="lt1"/>
+          </a:fontRef>
+        </p:style>
+        <p:txBody>
+          <a:bodyPr rtlCol="0" anchor="ctr"/>
+          <a:lstStyle/>
+          <a:p>
+            <a:pPr algn="ctr"/>
+            <a:endParaRPr lang="zh-CN" altLang="en-US"/>
+          </a:p>
+        </p:txBody>
+      </p:sp>
+      <p:sp>
+        <p:nvSpPr>
+          <p:cNvPr id="109" name="右箭头 108"/>
+          <p:cNvSpPr/>
+          <p:nvPr/>
+        </p:nvSpPr>
+        <p:spPr>
+          <a:xfrm rot="5400000">
+            <a:off x="2745867" y="3510068"/>
+            <a:ext cx="504057" cy="253634"/>
+          </a:xfrm>
+          <a:prstGeom prst="rightArrow">
+            <a:avLst/>
+          </a:prstGeom>
+          <a:solidFill>
+            <a:schemeClr val="bg1"/>
+          </a:solidFill>
+          <a:ln>
+            <a:solidFill>
+              <a:schemeClr val="tx1"/>
+            </a:solidFill>
           </a:ln>
         </p:spPr>
         <p:style>

--- a/Graphic & Tables.pptx
+++ b/Graphic & Tables.pptx
@@ -5,13 +5,14 @@
     <p:sldMasterId id="2147483648" r:id="rId1"/>
   </p:sldMasterIdLst>
   <p:notesMasterIdLst>
-    <p:notesMasterId r:id="rId6"/>
+    <p:notesMasterId r:id="rId7"/>
   </p:notesMasterIdLst>
   <p:sldIdLst>
     <p:sldId id="256" r:id="rId2"/>
     <p:sldId id="257" r:id="rId3"/>
     <p:sldId id="259" r:id="rId4"/>
     <p:sldId id="260" r:id="rId5"/>
+    <p:sldId id="261" r:id="rId6"/>
   </p:sldIdLst>
   <p:sldSz cx="9144000" cy="6858000" type="screen4x3"/>
   <p:notesSz cx="6858000" cy="9144000"/>
@@ -125,6 +126,11 @@
             <p14:sldId id="260"/>
           </p14:sldIdLst>
         </p14:section>
+        <p14:section name="第二章图" id="{D6ABDE09-FEE3-4938-8CE5-BB6E0A650E38}">
+          <p14:sldIdLst>
+            <p14:sldId id="261"/>
+          </p14:sldIdLst>
+        </p14:section>
       </p14:sectionLst>
     </p:ext>
   </p:extLst>
@@ -213,7 +219,7 @@
           <a:p>
             <a:fld id="{EDA7B775-790A-4D64-B62E-B7503A0D88A5}" type="datetimeFigureOut">
               <a:rPr lang="zh-CN" altLang="en-US" smtClean="0"/>
-              <a:t>2019/5/18</a:t>
+              <a:t>2019/5/19</a:t>
             </a:fld>
             <a:endParaRPr lang="zh-CN" altLang="en-US"/>
           </a:p>
@@ -662,7 +668,7 @@
           <a:p>
             <a:fld id="{794C1F84-8C4E-4FA9-B7BA-3801BE6D5074}" type="datetimeFigureOut">
               <a:rPr lang="zh-CN" altLang="en-US" smtClean="0"/>
-              <a:t>2019/5/18</a:t>
+              <a:t>2019/5/19</a:t>
             </a:fld>
             <a:endParaRPr lang="zh-CN" altLang="en-US"/>
           </a:p>
@@ -832,7 +838,7 @@
           <a:p>
             <a:fld id="{794C1F84-8C4E-4FA9-B7BA-3801BE6D5074}" type="datetimeFigureOut">
               <a:rPr lang="zh-CN" altLang="en-US" smtClean="0"/>
-              <a:t>2019/5/18</a:t>
+              <a:t>2019/5/19</a:t>
             </a:fld>
             <a:endParaRPr lang="zh-CN" altLang="en-US"/>
           </a:p>
@@ -1012,7 +1018,7 @@
           <a:p>
             <a:fld id="{794C1F84-8C4E-4FA9-B7BA-3801BE6D5074}" type="datetimeFigureOut">
               <a:rPr lang="zh-CN" altLang="en-US" smtClean="0"/>
-              <a:t>2019/5/18</a:t>
+              <a:t>2019/5/19</a:t>
             </a:fld>
             <a:endParaRPr lang="zh-CN" altLang="en-US"/>
           </a:p>
@@ -1182,7 +1188,7 @@
           <a:p>
             <a:fld id="{794C1F84-8C4E-4FA9-B7BA-3801BE6D5074}" type="datetimeFigureOut">
               <a:rPr lang="zh-CN" altLang="en-US" smtClean="0"/>
-              <a:t>2019/5/18</a:t>
+              <a:t>2019/5/19</a:t>
             </a:fld>
             <a:endParaRPr lang="zh-CN" altLang="en-US"/>
           </a:p>
@@ -1428,7 +1434,7 @@
           <a:p>
             <a:fld id="{794C1F84-8C4E-4FA9-B7BA-3801BE6D5074}" type="datetimeFigureOut">
               <a:rPr lang="zh-CN" altLang="en-US" smtClean="0"/>
-              <a:t>2019/5/18</a:t>
+              <a:t>2019/5/19</a:t>
             </a:fld>
             <a:endParaRPr lang="zh-CN" altLang="en-US"/>
           </a:p>
@@ -1716,7 +1722,7 @@
           <a:p>
             <a:fld id="{794C1F84-8C4E-4FA9-B7BA-3801BE6D5074}" type="datetimeFigureOut">
               <a:rPr lang="zh-CN" altLang="en-US" smtClean="0"/>
-              <a:t>2019/5/18</a:t>
+              <a:t>2019/5/19</a:t>
             </a:fld>
             <a:endParaRPr lang="zh-CN" altLang="en-US"/>
           </a:p>
@@ -2138,7 +2144,7 @@
           <a:p>
             <a:fld id="{794C1F84-8C4E-4FA9-B7BA-3801BE6D5074}" type="datetimeFigureOut">
               <a:rPr lang="zh-CN" altLang="en-US" smtClean="0"/>
-              <a:t>2019/5/18</a:t>
+              <a:t>2019/5/19</a:t>
             </a:fld>
             <a:endParaRPr lang="zh-CN" altLang="en-US"/>
           </a:p>
@@ -2256,7 +2262,7 @@
           <a:p>
             <a:fld id="{794C1F84-8C4E-4FA9-B7BA-3801BE6D5074}" type="datetimeFigureOut">
               <a:rPr lang="zh-CN" altLang="en-US" smtClean="0"/>
-              <a:t>2019/5/18</a:t>
+              <a:t>2019/5/19</a:t>
             </a:fld>
             <a:endParaRPr lang="zh-CN" altLang="en-US"/>
           </a:p>
@@ -2351,7 +2357,7 @@
           <a:p>
             <a:fld id="{794C1F84-8C4E-4FA9-B7BA-3801BE6D5074}" type="datetimeFigureOut">
               <a:rPr lang="zh-CN" altLang="en-US" smtClean="0"/>
-              <a:t>2019/5/18</a:t>
+              <a:t>2019/5/19</a:t>
             </a:fld>
             <a:endParaRPr lang="zh-CN" altLang="en-US"/>
           </a:p>
@@ -2628,7 +2634,7 @@
           <a:p>
             <a:fld id="{794C1F84-8C4E-4FA9-B7BA-3801BE6D5074}" type="datetimeFigureOut">
               <a:rPr lang="zh-CN" altLang="en-US" smtClean="0"/>
-              <a:t>2019/5/18</a:t>
+              <a:t>2019/5/19</a:t>
             </a:fld>
             <a:endParaRPr lang="zh-CN" altLang="en-US"/>
           </a:p>
@@ -2881,7 +2887,7 @@
           <a:p>
             <a:fld id="{794C1F84-8C4E-4FA9-B7BA-3801BE6D5074}" type="datetimeFigureOut">
               <a:rPr lang="zh-CN" altLang="en-US" smtClean="0"/>
-              <a:t>2019/5/18</a:t>
+              <a:t>2019/5/19</a:t>
             </a:fld>
             <a:endParaRPr lang="zh-CN" altLang="en-US"/>
           </a:p>
@@ -3094,7 +3100,7 @@
           <a:p>
             <a:fld id="{794C1F84-8C4E-4FA9-B7BA-3801BE6D5074}" type="datetimeFigureOut">
               <a:rPr lang="zh-CN" altLang="en-US" smtClean="0"/>
-              <a:t>2019/5/18</a:t>
+              <a:t>2019/5/19</a:t>
             </a:fld>
             <a:endParaRPr lang="zh-CN" altLang="en-US"/>
           </a:p>
@@ -3626,7 +3632,7 @@
           <a:graphicData uri="http://schemas.openxmlformats.org/presentationml/2006/ole">
             <mc:AlternateContent xmlns:mc="http://schemas.openxmlformats.org/markup-compatibility/2006">
               <mc:Choice xmlns:v="urn:schemas-microsoft-com:vml" Requires="v">
-                <p:oleObj spid="_x0000_s1040" name="文档" r:id="rId3" imgW="5594453" imgH="3640410" progId="Word.Document.12">
+                <p:oleObj spid="_x0000_s1044" name="文档" r:id="rId3" imgW="5594453" imgH="3640410" progId="Word.Document.12">
                   <p:embed/>
                 </p:oleObj>
               </mc:Choice>
@@ -9849,6 +9855,122 @@
     <p:extLst>
       <p:ext uri="{BB962C8B-B14F-4D97-AF65-F5344CB8AC3E}">
         <p14:creationId xmlns:p14="http://schemas.microsoft.com/office/powerpoint/2010/main" val="1813516298"/>
+      </p:ext>
+    </p:extLst>
+  </p:cSld>
+  <p:clrMapOvr>
+    <a:masterClrMapping/>
+  </p:clrMapOvr>
+</p:sld>
+</file>
+
+<file path=ppt/slides/slide5.xml><?xml version="1.0" encoding="utf-8"?>
+<p:sld xmlns:a="http://schemas.openxmlformats.org/drawingml/2006/main" xmlns:r="http://schemas.openxmlformats.org/officeDocument/2006/relationships" xmlns:p="http://schemas.openxmlformats.org/presentationml/2006/main">
+  <p:cSld>
+    <p:spTree>
+      <p:nvGrpSpPr>
+        <p:cNvPr id="1" name=""/>
+        <p:cNvGrpSpPr/>
+        <p:nvPr/>
+      </p:nvGrpSpPr>
+      <p:grpSpPr>
+        <a:xfrm>
+          <a:off x="0" y="0"/>
+          <a:ext cx="0" cy="0"/>
+          <a:chOff x="0" y="0"/>
+          <a:chExt cx="0" cy="0"/>
+        </a:xfrm>
+      </p:grpSpPr>
+      <p:sp>
+        <p:nvSpPr>
+          <p:cNvPr id="4" name="矩形 3"/>
+          <p:cNvSpPr/>
+          <p:nvPr/>
+        </p:nvSpPr>
+        <p:spPr>
+          <a:xfrm>
+            <a:off x="4453217" y="3244334"/>
+            <a:ext cx="237566" cy="369332"/>
+          </a:xfrm>
+          <a:prstGeom prst="rect">
+            <a:avLst/>
+          </a:prstGeom>
+        </p:spPr>
+        <p:txBody>
+          <a:bodyPr wrap="none">
+            <a:spAutoFit/>
+          </a:bodyPr>
+          <a:lstStyle/>
+          <a:p>
+            <a:r>
+              <a:rPr lang="zh-CN" altLang="en-US" dirty="0"/>
+              <a:t> </a:t>
+            </a:r>
+          </a:p>
+        </p:txBody>
+      </p:sp>
+      <p:sp>
+        <p:nvSpPr>
+          <p:cNvPr id="5" name="矩形 4"/>
+          <p:cNvSpPr/>
+          <p:nvPr/>
+        </p:nvSpPr>
+        <p:spPr>
+          <a:xfrm>
+            <a:off x="4453217" y="3244334"/>
+            <a:ext cx="237566" cy="369332"/>
+          </a:xfrm>
+          <a:prstGeom prst="rect">
+            <a:avLst/>
+          </a:prstGeom>
+        </p:spPr>
+        <p:txBody>
+          <a:bodyPr wrap="none">
+            <a:spAutoFit/>
+          </a:bodyPr>
+          <a:lstStyle/>
+          <a:p>
+            <a:r>
+              <a:rPr lang="zh-CN" altLang="en-US" dirty="0"/>
+              <a:t> </a:t>
+            </a:r>
+          </a:p>
+        </p:txBody>
+      </p:sp>
+      <p:pic>
+        <p:nvPicPr>
+          <p:cNvPr id="6" name="图片 5"/>
+          <p:cNvPicPr>
+            <a:picLocks noChangeAspect="1"/>
+          </p:cNvPicPr>
+          <p:nvPr/>
+        </p:nvPicPr>
+        <p:blipFill>
+          <a:blip r:embed="rId2">
+            <a:extLst>
+              <a:ext uri="{28A0092B-C50C-407E-A947-70E740481C1C}">
+                <a14:useLocalDpi xmlns:a14="http://schemas.microsoft.com/office/drawing/2010/main" val="0"/>
+              </a:ext>
+            </a:extLst>
+          </a:blip>
+          <a:stretch>
+            <a:fillRect/>
+          </a:stretch>
+        </p:blipFill>
+        <p:spPr>
+          <a:xfrm>
+            <a:off x="0" y="0"/>
+            <a:ext cx="9144000" cy="6858000"/>
+          </a:xfrm>
+          <a:prstGeom prst="rect">
+            <a:avLst/>
+          </a:prstGeom>
+        </p:spPr>
+      </p:pic>
+    </p:spTree>
+    <p:extLst>
+      <p:ext uri="{BB962C8B-B14F-4D97-AF65-F5344CB8AC3E}">
+        <p14:creationId xmlns:p14="http://schemas.microsoft.com/office/powerpoint/2010/main" val="3360288799"/>
       </p:ext>
     </p:extLst>
   </p:cSld>

--- a/Graphic & Tables.pptx
+++ b/Graphic & Tables.pptx
@@ -5,7 +5,7 @@
     <p:sldMasterId id="2147483648" r:id="rId1"/>
   </p:sldMasterIdLst>
   <p:notesMasterIdLst>
-    <p:notesMasterId r:id="rId7"/>
+    <p:notesMasterId r:id="rId9"/>
   </p:notesMasterIdLst>
   <p:sldIdLst>
     <p:sldId id="256" r:id="rId2"/>
@@ -13,6 +13,8 @@
     <p:sldId id="259" r:id="rId4"/>
     <p:sldId id="260" r:id="rId5"/>
     <p:sldId id="261" r:id="rId6"/>
+    <p:sldId id="262" r:id="rId7"/>
+    <p:sldId id="263" r:id="rId8"/>
   </p:sldIdLst>
   <p:sldSz cx="9144000" cy="6858000" type="screen4x3"/>
   <p:notesSz cx="6858000" cy="9144000"/>
@@ -129,6 +131,8 @@
         <p14:section name="第二章图" id="{D6ABDE09-FEE3-4938-8CE5-BB6E0A650E38}">
           <p14:sldIdLst>
             <p14:sldId id="261"/>
+            <p14:sldId id="262"/>
+            <p14:sldId id="263"/>
           </p14:sldIdLst>
         </p14:section>
       </p14:sectionLst>
@@ -3632,7 +3636,7 @@
           <a:graphicData uri="http://schemas.openxmlformats.org/presentationml/2006/ole">
             <mc:AlternateContent xmlns:mc="http://schemas.openxmlformats.org/markup-compatibility/2006">
               <mc:Choice xmlns:v="urn:schemas-microsoft-com:vml" Requires="v">
-                <p:oleObj spid="_x0000_s1044" name="文档" r:id="rId3" imgW="5594453" imgH="3640410" progId="Word.Document.12">
+                <p:oleObj spid="_x0000_s1047" name="文档" r:id="rId3" imgW="5594453" imgH="3640410" progId="Word.Document.12">
                   <p:embed/>
                 </p:oleObj>
               </mc:Choice>
@@ -9939,7 +9943,7 @@
       </p:sp>
       <p:pic>
         <p:nvPicPr>
-          <p:cNvPr id="6" name="图片 5"/>
+          <p:cNvPr id="2" name="图片 1"/>
           <p:cNvPicPr>
             <a:picLocks noChangeAspect="1"/>
           </p:cNvPicPr>
@@ -9971,6 +9975,3495 @@
     <p:extLst>
       <p:ext uri="{BB962C8B-B14F-4D97-AF65-F5344CB8AC3E}">
         <p14:creationId xmlns:p14="http://schemas.microsoft.com/office/powerpoint/2010/main" val="3360288799"/>
+      </p:ext>
+    </p:extLst>
+  </p:cSld>
+  <p:clrMapOvr>
+    <a:masterClrMapping/>
+  </p:clrMapOvr>
+</p:sld>
+</file>
+
+<file path=ppt/slides/slide6.xml><?xml version="1.0" encoding="utf-8"?>
+<p:sld xmlns:a="http://schemas.openxmlformats.org/drawingml/2006/main" xmlns:r="http://schemas.openxmlformats.org/officeDocument/2006/relationships" xmlns:p="http://schemas.openxmlformats.org/presentationml/2006/main">
+  <p:cSld>
+    <p:spTree>
+      <p:nvGrpSpPr>
+        <p:cNvPr id="1" name=""/>
+        <p:cNvGrpSpPr/>
+        <p:nvPr/>
+      </p:nvGrpSpPr>
+      <p:grpSpPr>
+        <a:xfrm>
+          <a:off x="0" y="0"/>
+          <a:ext cx="0" cy="0"/>
+          <a:chOff x="0" y="0"/>
+          <a:chExt cx="0" cy="0"/>
+        </a:xfrm>
+      </p:grpSpPr>
+      <p:sp>
+        <p:nvSpPr>
+          <p:cNvPr id="32" name="矩形 31"/>
+          <p:cNvSpPr/>
+          <p:nvPr/>
+        </p:nvSpPr>
+        <p:spPr>
+          <a:xfrm rot="480000">
+            <a:off x="3323213" y="1037554"/>
+            <a:ext cx="45719" cy="3773742"/>
+          </a:xfrm>
+          <a:prstGeom prst="rect">
+            <a:avLst/>
+          </a:prstGeom>
+          <a:solidFill>
+            <a:schemeClr val="tx1"/>
+          </a:solidFill>
+          <a:ln>
+            <a:solidFill>
+              <a:schemeClr val="tx1"/>
+            </a:solidFill>
+          </a:ln>
+        </p:spPr>
+        <p:style>
+          <a:lnRef idx="2">
+            <a:schemeClr val="accent1">
+              <a:shade val="50000"/>
+            </a:schemeClr>
+          </a:lnRef>
+          <a:fillRef idx="1">
+            <a:schemeClr val="accent1"/>
+          </a:fillRef>
+          <a:effectRef idx="0">
+            <a:schemeClr val="accent1"/>
+          </a:effectRef>
+          <a:fontRef idx="minor">
+            <a:schemeClr val="lt1"/>
+          </a:fontRef>
+        </p:style>
+        <p:txBody>
+          <a:bodyPr rtlCol="0" anchor="ctr"/>
+          <a:lstStyle/>
+          <a:p>
+            <a:pPr algn="ctr"/>
+            <a:endParaRPr lang="zh-CN" altLang="en-US"/>
+          </a:p>
+        </p:txBody>
+      </p:sp>
+      <p:sp>
+        <p:nvSpPr>
+          <p:cNvPr id="93" name="矩形 92"/>
+          <p:cNvSpPr/>
+          <p:nvPr/>
+        </p:nvSpPr>
+        <p:spPr>
+          <a:xfrm rot="480000">
+            <a:off x="3475613" y="1037554"/>
+            <a:ext cx="45719" cy="3773742"/>
+          </a:xfrm>
+          <a:prstGeom prst="rect">
+            <a:avLst/>
+          </a:prstGeom>
+          <a:solidFill>
+            <a:schemeClr val="tx1"/>
+          </a:solidFill>
+          <a:ln>
+            <a:solidFill>
+              <a:schemeClr val="tx1"/>
+            </a:solidFill>
+          </a:ln>
+        </p:spPr>
+        <p:style>
+          <a:lnRef idx="2">
+            <a:schemeClr val="accent1">
+              <a:shade val="50000"/>
+            </a:schemeClr>
+          </a:lnRef>
+          <a:fillRef idx="1">
+            <a:schemeClr val="accent1"/>
+          </a:fillRef>
+          <a:effectRef idx="0">
+            <a:schemeClr val="accent1"/>
+          </a:effectRef>
+          <a:fontRef idx="minor">
+            <a:schemeClr val="lt1"/>
+          </a:fontRef>
+        </p:style>
+        <p:txBody>
+          <a:bodyPr rtlCol="0" anchor="ctr"/>
+          <a:lstStyle/>
+          <a:p>
+            <a:pPr algn="ctr"/>
+            <a:endParaRPr lang="zh-CN" altLang="en-US"/>
+          </a:p>
+        </p:txBody>
+      </p:sp>
+      <p:sp>
+        <p:nvSpPr>
+          <p:cNvPr id="94" name="矩形 93"/>
+          <p:cNvSpPr/>
+          <p:nvPr/>
+        </p:nvSpPr>
+        <p:spPr>
+          <a:xfrm rot="480000">
+            <a:off x="3628013" y="1037554"/>
+            <a:ext cx="45719" cy="3773742"/>
+          </a:xfrm>
+          <a:prstGeom prst="rect">
+            <a:avLst/>
+          </a:prstGeom>
+          <a:solidFill>
+            <a:schemeClr val="tx1"/>
+          </a:solidFill>
+          <a:ln>
+            <a:solidFill>
+              <a:schemeClr val="tx1"/>
+            </a:solidFill>
+          </a:ln>
+        </p:spPr>
+        <p:style>
+          <a:lnRef idx="2">
+            <a:schemeClr val="accent1">
+              <a:shade val="50000"/>
+            </a:schemeClr>
+          </a:lnRef>
+          <a:fillRef idx="1">
+            <a:schemeClr val="accent1"/>
+          </a:fillRef>
+          <a:effectRef idx="0">
+            <a:schemeClr val="accent1"/>
+          </a:effectRef>
+          <a:fontRef idx="minor">
+            <a:schemeClr val="lt1"/>
+          </a:fontRef>
+        </p:style>
+        <p:txBody>
+          <a:bodyPr rtlCol="0" anchor="ctr"/>
+          <a:lstStyle/>
+          <a:p>
+            <a:pPr algn="ctr"/>
+            <a:endParaRPr lang="zh-CN" altLang="en-US"/>
+          </a:p>
+        </p:txBody>
+      </p:sp>
+      <p:sp>
+        <p:nvSpPr>
+          <p:cNvPr id="95" name="矩形 94"/>
+          <p:cNvSpPr/>
+          <p:nvPr/>
+        </p:nvSpPr>
+        <p:spPr>
+          <a:xfrm rot="480000">
+            <a:off x="3780413" y="1037554"/>
+            <a:ext cx="45719" cy="3773742"/>
+          </a:xfrm>
+          <a:prstGeom prst="rect">
+            <a:avLst/>
+          </a:prstGeom>
+          <a:solidFill>
+            <a:schemeClr val="tx1"/>
+          </a:solidFill>
+          <a:ln>
+            <a:solidFill>
+              <a:schemeClr val="tx1"/>
+            </a:solidFill>
+          </a:ln>
+        </p:spPr>
+        <p:style>
+          <a:lnRef idx="2">
+            <a:schemeClr val="accent1">
+              <a:shade val="50000"/>
+            </a:schemeClr>
+          </a:lnRef>
+          <a:fillRef idx="1">
+            <a:schemeClr val="accent1"/>
+          </a:fillRef>
+          <a:effectRef idx="0">
+            <a:schemeClr val="accent1"/>
+          </a:effectRef>
+          <a:fontRef idx="minor">
+            <a:schemeClr val="lt1"/>
+          </a:fontRef>
+        </p:style>
+        <p:txBody>
+          <a:bodyPr rtlCol="0" anchor="ctr"/>
+          <a:lstStyle/>
+          <a:p>
+            <a:pPr algn="ctr"/>
+            <a:endParaRPr lang="zh-CN" altLang="en-US"/>
+          </a:p>
+        </p:txBody>
+      </p:sp>
+      <p:sp>
+        <p:nvSpPr>
+          <p:cNvPr id="96" name="矩形 95"/>
+          <p:cNvSpPr/>
+          <p:nvPr/>
+        </p:nvSpPr>
+        <p:spPr>
+          <a:xfrm rot="480000">
+            <a:off x="3932813" y="1037554"/>
+            <a:ext cx="45719" cy="3773742"/>
+          </a:xfrm>
+          <a:prstGeom prst="rect">
+            <a:avLst/>
+          </a:prstGeom>
+          <a:solidFill>
+            <a:schemeClr val="tx1"/>
+          </a:solidFill>
+          <a:ln>
+            <a:solidFill>
+              <a:schemeClr val="tx1"/>
+            </a:solidFill>
+          </a:ln>
+        </p:spPr>
+        <p:style>
+          <a:lnRef idx="2">
+            <a:schemeClr val="accent1">
+              <a:shade val="50000"/>
+            </a:schemeClr>
+          </a:lnRef>
+          <a:fillRef idx="1">
+            <a:schemeClr val="accent1"/>
+          </a:fillRef>
+          <a:effectRef idx="0">
+            <a:schemeClr val="accent1"/>
+          </a:effectRef>
+          <a:fontRef idx="minor">
+            <a:schemeClr val="lt1"/>
+          </a:fontRef>
+        </p:style>
+        <p:txBody>
+          <a:bodyPr rtlCol="0" anchor="ctr"/>
+          <a:lstStyle/>
+          <a:p>
+            <a:pPr algn="ctr"/>
+            <a:endParaRPr lang="zh-CN" altLang="en-US"/>
+          </a:p>
+        </p:txBody>
+      </p:sp>
+      <p:sp>
+        <p:nvSpPr>
+          <p:cNvPr id="97" name="矩形 96"/>
+          <p:cNvSpPr/>
+          <p:nvPr/>
+        </p:nvSpPr>
+        <p:spPr>
+          <a:xfrm rot="480000">
+            <a:off x="4085213" y="1037554"/>
+            <a:ext cx="45719" cy="3773742"/>
+          </a:xfrm>
+          <a:prstGeom prst="rect">
+            <a:avLst/>
+          </a:prstGeom>
+          <a:solidFill>
+            <a:schemeClr val="tx1"/>
+          </a:solidFill>
+          <a:ln>
+            <a:solidFill>
+              <a:schemeClr val="tx1"/>
+            </a:solidFill>
+          </a:ln>
+        </p:spPr>
+        <p:style>
+          <a:lnRef idx="2">
+            <a:schemeClr val="accent1">
+              <a:shade val="50000"/>
+            </a:schemeClr>
+          </a:lnRef>
+          <a:fillRef idx="1">
+            <a:schemeClr val="accent1"/>
+          </a:fillRef>
+          <a:effectRef idx="0">
+            <a:schemeClr val="accent1"/>
+          </a:effectRef>
+          <a:fontRef idx="minor">
+            <a:schemeClr val="lt1"/>
+          </a:fontRef>
+        </p:style>
+        <p:txBody>
+          <a:bodyPr rtlCol="0" anchor="ctr"/>
+          <a:lstStyle/>
+          <a:p>
+            <a:pPr algn="ctr"/>
+            <a:endParaRPr lang="zh-CN" altLang="en-US"/>
+          </a:p>
+        </p:txBody>
+      </p:sp>
+      <p:sp>
+        <p:nvSpPr>
+          <p:cNvPr id="98" name="矩形 97"/>
+          <p:cNvSpPr/>
+          <p:nvPr/>
+        </p:nvSpPr>
+        <p:spPr>
+          <a:xfrm rot="480000">
+            <a:off x="4237613" y="1037554"/>
+            <a:ext cx="45719" cy="3773742"/>
+          </a:xfrm>
+          <a:prstGeom prst="rect">
+            <a:avLst/>
+          </a:prstGeom>
+          <a:solidFill>
+            <a:schemeClr val="tx1"/>
+          </a:solidFill>
+          <a:ln>
+            <a:solidFill>
+              <a:schemeClr val="tx1"/>
+            </a:solidFill>
+          </a:ln>
+        </p:spPr>
+        <p:style>
+          <a:lnRef idx="2">
+            <a:schemeClr val="accent1">
+              <a:shade val="50000"/>
+            </a:schemeClr>
+          </a:lnRef>
+          <a:fillRef idx="1">
+            <a:schemeClr val="accent1"/>
+          </a:fillRef>
+          <a:effectRef idx="0">
+            <a:schemeClr val="accent1"/>
+          </a:effectRef>
+          <a:fontRef idx="minor">
+            <a:schemeClr val="lt1"/>
+          </a:fontRef>
+        </p:style>
+        <p:txBody>
+          <a:bodyPr rtlCol="0" anchor="ctr"/>
+          <a:lstStyle/>
+          <a:p>
+            <a:pPr algn="ctr"/>
+            <a:endParaRPr lang="zh-CN" altLang="en-US"/>
+          </a:p>
+        </p:txBody>
+      </p:sp>
+      <p:sp>
+        <p:nvSpPr>
+          <p:cNvPr id="99" name="矩形 98"/>
+          <p:cNvSpPr/>
+          <p:nvPr/>
+        </p:nvSpPr>
+        <p:spPr>
+          <a:xfrm rot="480000">
+            <a:off x="4390013" y="1037554"/>
+            <a:ext cx="45719" cy="3773742"/>
+          </a:xfrm>
+          <a:prstGeom prst="rect">
+            <a:avLst/>
+          </a:prstGeom>
+          <a:solidFill>
+            <a:schemeClr val="tx1"/>
+          </a:solidFill>
+          <a:ln>
+            <a:solidFill>
+              <a:schemeClr val="tx1"/>
+            </a:solidFill>
+          </a:ln>
+        </p:spPr>
+        <p:style>
+          <a:lnRef idx="2">
+            <a:schemeClr val="accent1">
+              <a:shade val="50000"/>
+            </a:schemeClr>
+          </a:lnRef>
+          <a:fillRef idx="1">
+            <a:schemeClr val="accent1"/>
+          </a:fillRef>
+          <a:effectRef idx="0">
+            <a:schemeClr val="accent1"/>
+          </a:effectRef>
+          <a:fontRef idx="minor">
+            <a:schemeClr val="lt1"/>
+          </a:fontRef>
+        </p:style>
+        <p:txBody>
+          <a:bodyPr rtlCol="0" anchor="ctr"/>
+          <a:lstStyle/>
+          <a:p>
+            <a:pPr algn="ctr"/>
+            <a:endParaRPr lang="zh-CN" altLang="en-US"/>
+          </a:p>
+        </p:txBody>
+      </p:sp>
+      <p:sp>
+        <p:nvSpPr>
+          <p:cNvPr id="100" name="矩形 99"/>
+          <p:cNvSpPr/>
+          <p:nvPr/>
+        </p:nvSpPr>
+        <p:spPr>
+          <a:xfrm rot="480000">
+            <a:off x="4542413" y="1037554"/>
+            <a:ext cx="45719" cy="3773742"/>
+          </a:xfrm>
+          <a:prstGeom prst="rect">
+            <a:avLst/>
+          </a:prstGeom>
+          <a:solidFill>
+            <a:schemeClr val="tx1"/>
+          </a:solidFill>
+          <a:ln>
+            <a:solidFill>
+              <a:schemeClr val="tx1"/>
+            </a:solidFill>
+          </a:ln>
+        </p:spPr>
+        <p:style>
+          <a:lnRef idx="2">
+            <a:schemeClr val="accent1">
+              <a:shade val="50000"/>
+            </a:schemeClr>
+          </a:lnRef>
+          <a:fillRef idx="1">
+            <a:schemeClr val="accent1"/>
+          </a:fillRef>
+          <a:effectRef idx="0">
+            <a:schemeClr val="accent1"/>
+          </a:effectRef>
+          <a:fontRef idx="minor">
+            <a:schemeClr val="lt1"/>
+          </a:fontRef>
+        </p:style>
+        <p:txBody>
+          <a:bodyPr rtlCol="0" anchor="ctr"/>
+          <a:lstStyle/>
+          <a:p>
+            <a:pPr algn="ctr"/>
+            <a:endParaRPr lang="zh-CN" altLang="en-US"/>
+          </a:p>
+        </p:txBody>
+      </p:sp>
+      <p:sp>
+        <p:nvSpPr>
+          <p:cNvPr id="101" name="矩形 100"/>
+          <p:cNvSpPr/>
+          <p:nvPr/>
+        </p:nvSpPr>
+        <p:spPr>
+          <a:xfrm rot="480000">
+            <a:off x="4694813" y="1037554"/>
+            <a:ext cx="45719" cy="3773742"/>
+          </a:xfrm>
+          <a:prstGeom prst="rect">
+            <a:avLst/>
+          </a:prstGeom>
+          <a:solidFill>
+            <a:schemeClr val="tx1"/>
+          </a:solidFill>
+          <a:ln>
+            <a:solidFill>
+              <a:schemeClr val="tx1"/>
+            </a:solidFill>
+          </a:ln>
+        </p:spPr>
+        <p:style>
+          <a:lnRef idx="2">
+            <a:schemeClr val="accent1">
+              <a:shade val="50000"/>
+            </a:schemeClr>
+          </a:lnRef>
+          <a:fillRef idx="1">
+            <a:schemeClr val="accent1"/>
+          </a:fillRef>
+          <a:effectRef idx="0">
+            <a:schemeClr val="accent1"/>
+          </a:effectRef>
+          <a:fontRef idx="minor">
+            <a:schemeClr val="lt1"/>
+          </a:fontRef>
+        </p:style>
+        <p:txBody>
+          <a:bodyPr rtlCol="0" anchor="ctr"/>
+          <a:lstStyle/>
+          <a:p>
+            <a:pPr algn="ctr"/>
+            <a:endParaRPr lang="zh-CN" altLang="en-US"/>
+          </a:p>
+        </p:txBody>
+      </p:sp>
+      <p:sp>
+        <p:nvSpPr>
+          <p:cNvPr id="102" name="矩形 101"/>
+          <p:cNvSpPr/>
+          <p:nvPr/>
+        </p:nvSpPr>
+        <p:spPr>
+          <a:xfrm rot="480000">
+            <a:off x="4847213" y="1037554"/>
+            <a:ext cx="45719" cy="3773742"/>
+          </a:xfrm>
+          <a:prstGeom prst="rect">
+            <a:avLst/>
+          </a:prstGeom>
+          <a:solidFill>
+            <a:schemeClr val="tx1"/>
+          </a:solidFill>
+          <a:ln>
+            <a:solidFill>
+              <a:schemeClr val="tx1"/>
+            </a:solidFill>
+          </a:ln>
+        </p:spPr>
+        <p:style>
+          <a:lnRef idx="2">
+            <a:schemeClr val="accent1">
+              <a:shade val="50000"/>
+            </a:schemeClr>
+          </a:lnRef>
+          <a:fillRef idx="1">
+            <a:schemeClr val="accent1"/>
+          </a:fillRef>
+          <a:effectRef idx="0">
+            <a:schemeClr val="accent1"/>
+          </a:effectRef>
+          <a:fontRef idx="minor">
+            <a:schemeClr val="lt1"/>
+          </a:fontRef>
+        </p:style>
+        <p:txBody>
+          <a:bodyPr rtlCol="0" anchor="ctr"/>
+          <a:lstStyle/>
+          <a:p>
+            <a:pPr algn="ctr"/>
+            <a:endParaRPr lang="zh-CN" altLang="en-US"/>
+          </a:p>
+        </p:txBody>
+      </p:sp>
+      <p:sp>
+        <p:nvSpPr>
+          <p:cNvPr id="103" name="矩形 102"/>
+          <p:cNvSpPr/>
+          <p:nvPr/>
+        </p:nvSpPr>
+        <p:spPr>
+          <a:xfrm rot="480000">
+            <a:off x="4999613" y="1037554"/>
+            <a:ext cx="45719" cy="3773742"/>
+          </a:xfrm>
+          <a:prstGeom prst="rect">
+            <a:avLst/>
+          </a:prstGeom>
+          <a:solidFill>
+            <a:schemeClr val="tx1"/>
+          </a:solidFill>
+          <a:ln>
+            <a:solidFill>
+              <a:schemeClr val="tx1"/>
+            </a:solidFill>
+          </a:ln>
+        </p:spPr>
+        <p:style>
+          <a:lnRef idx="2">
+            <a:schemeClr val="accent1">
+              <a:shade val="50000"/>
+            </a:schemeClr>
+          </a:lnRef>
+          <a:fillRef idx="1">
+            <a:schemeClr val="accent1"/>
+          </a:fillRef>
+          <a:effectRef idx="0">
+            <a:schemeClr val="accent1"/>
+          </a:effectRef>
+          <a:fontRef idx="minor">
+            <a:schemeClr val="lt1"/>
+          </a:fontRef>
+        </p:style>
+        <p:txBody>
+          <a:bodyPr rtlCol="0" anchor="ctr"/>
+          <a:lstStyle/>
+          <a:p>
+            <a:pPr algn="ctr"/>
+            <a:endParaRPr lang="zh-CN" altLang="en-US"/>
+          </a:p>
+        </p:txBody>
+      </p:sp>
+      <p:sp>
+        <p:nvSpPr>
+          <p:cNvPr id="104" name="矩形 103"/>
+          <p:cNvSpPr/>
+          <p:nvPr/>
+        </p:nvSpPr>
+        <p:spPr>
+          <a:xfrm>
+            <a:off x="3433192" y="1145178"/>
+            <a:ext cx="45719" cy="3773742"/>
+          </a:xfrm>
+          <a:prstGeom prst="rect">
+            <a:avLst/>
+          </a:prstGeom>
+          <a:solidFill>
+            <a:schemeClr val="tx1"/>
+          </a:solidFill>
+          <a:ln>
+            <a:solidFill>
+              <a:schemeClr val="tx1"/>
+            </a:solidFill>
+          </a:ln>
+        </p:spPr>
+        <p:style>
+          <a:lnRef idx="2">
+            <a:schemeClr val="accent1">
+              <a:shade val="50000"/>
+            </a:schemeClr>
+          </a:lnRef>
+          <a:fillRef idx="1">
+            <a:schemeClr val="accent1"/>
+          </a:fillRef>
+          <a:effectRef idx="0">
+            <a:schemeClr val="accent1"/>
+          </a:effectRef>
+          <a:fontRef idx="minor">
+            <a:schemeClr val="lt1"/>
+          </a:fontRef>
+        </p:style>
+        <p:txBody>
+          <a:bodyPr rtlCol="0" anchor="ctr"/>
+          <a:lstStyle/>
+          <a:p>
+            <a:pPr algn="ctr"/>
+            <a:endParaRPr lang="zh-CN" altLang="en-US"/>
+          </a:p>
+        </p:txBody>
+      </p:sp>
+      <p:sp>
+        <p:nvSpPr>
+          <p:cNvPr id="105" name="矩形 104"/>
+          <p:cNvSpPr/>
+          <p:nvPr/>
+        </p:nvSpPr>
+        <p:spPr>
+          <a:xfrm>
+            <a:off x="3585592" y="1145178"/>
+            <a:ext cx="45719" cy="3773742"/>
+          </a:xfrm>
+          <a:prstGeom prst="rect">
+            <a:avLst/>
+          </a:prstGeom>
+          <a:solidFill>
+            <a:schemeClr val="tx1"/>
+          </a:solidFill>
+          <a:ln>
+            <a:solidFill>
+              <a:schemeClr val="tx1"/>
+            </a:solidFill>
+          </a:ln>
+        </p:spPr>
+        <p:style>
+          <a:lnRef idx="2">
+            <a:schemeClr val="accent1">
+              <a:shade val="50000"/>
+            </a:schemeClr>
+          </a:lnRef>
+          <a:fillRef idx="1">
+            <a:schemeClr val="accent1"/>
+          </a:fillRef>
+          <a:effectRef idx="0">
+            <a:schemeClr val="accent1"/>
+          </a:effectRef>
+          <a:fontRef idx="minor">
+            <a:schemeClr val="lt1"/>
+          </a:fontRef>
+        </p:style>
+        <p:txBody>
+          <a:bodyPr rtlCol="0" anchor="ctr"/>
+          <a:lstStyle/>
+          <a:p>
+            <a:pPr algn="ctr"/>
+            <a:endParaRPr lang="zh-CN" altLang="en-US"/>
+          </a:p>
+        </p:txBody>
+      </p:sp>
+      <p:sp>
+        <p:nvSpPr>
+          <p:cNvPr id="106" name="矩形 105"/>
+          <p:cNvSpPr/>
+          <p:nvPr/>
+        </p:nvSpPr>
+        <p:spPr>
+          <a:xfrm>
+            <a:off x="3737992" y="1145178"/>
+            <a:ext cx="45719" cy="3773742"/>
+          </a:xfrm>
+          <a:prstGeom prst="rect">
+            <a:avLst/>
+          </a:prstGeom>
+          <a:solidFill>
+            <a:schemeClr val="tx1"/>
+          </a:solidFill>
+          <a:ln>
+            <a:solidFill>
+              <a:schemeClr val="tx1"/>
+            </a:solidFill>
+          </a:ln>
+        </p:spPr>
+        <p:style>
+          <a:lnRef idx="2">
+            <a:schemeClr val="accent1">
+              <a:shade val="50000"/>
+            </a:schemeClr>
+          </a:lnRef>
+          <a:fillRef idx="1">
+            <a:schemeClr val="accent1"/>
+          </a:fillRef>
+          <a:effectRef idx="0">
+            <a:schemeClr val="accent1"/>
+          </a:effectRef>
+          <a:fontRef idx="minor">
+            <a:schemeClr val="lt1"/>
+          </a:fontRef>
+        </p:style>
+        <p:txBody>
+          <a:bodyPr rtlCol="0" anchor="ctr"/>
+          <a:lstStyle/>
+          <a:p>
+            <a:pPr algn="ctr"/>
+            <a:endParaRPr lang="zh-CN" altLang="en-US"/>
+          </a:p>
+        </p:txBody>
+      </p:sp>
+      <p:sp>
+        <p:nvSpPr>
+          <p:cNvPr id="107" name="矩形 106"/>
+          <p:cNvSpPr/>
+          <p:nvPr/>
+        </p:nvSpPr>
+        <p:spPr>
+          <a:xfrm>
+            <a:off x="3890392" y="1145178"/>
+            <a:ext cx="45719" cy="3773742"/>
+          </a:xfrm>
+          <a:prstGeom prst="rect">
+            <a:avLst/>
+          </a:prstGeom>
+          <a:solidFill>
+            <a:schemeClr val="tx1"/>
+          </a:solidFill>
+          <a:ln>
+            <a:solidFill>
+              <a:schemeClr val="tx1"/>
+            </a:solidFill>
+          </a:ln>
+        </p:spPr>
+        <p:style>
+          <a:lnRef idx="2">
+            <a:schemeClr val="accent1">
+              <a:shade val="50000"/>
+            </a:schemeClr>
+          </a:lnRef>
+          <a:fillRef idx="1">
+            <a:schemeClr val="accent1"/>
+          </a:fillRef>
+          <a:effectRef idx="0">
+            <a:schemeClr val="accent1"/>
+          </a:effectRef>
+          <a:fontRef idx="minor">
+            <a:schemeClr val="lt1"/>
+          </a:fontRef>
+        </p:style>
+        <p:txBody>
+          <a:bodyPr rtlCol="0" anchor="ctr"/>
+          <a:lstStyle/>
+          <a:p>
+            <a:pPr algn="ctr"/>
+            <a:endParaRPr lang="zh-CN" altLang="en-US"/>
+          </a:p>
+        </p:txBody>
+      </p:sp>
+      <p:sp>
+        <p:nvSpPr>
+          <p:cNvPr id="108" name="矩形 107"/>
+          <p:cNvSpPr/>
+          <p:nvPr/>
+        </p:nvSpPr>
+        <p:spPr>
+          <a:xfrm>
+            <a:off x="4042792" y="1145178"/>
+            <a:ext cx="45719" cy="3773742"/>
+          </a:xfrm>
+          <a:prstGeom prst="rect">
+            <a:avLst/>
+          </a:prstGeom>
+          <a:solidFill>
+            <a:schemeClr val="tx1"/>
+          </a:solidFill>
+          <a:ln>
+            <a:solidFill>
+              <a:schemeClr val="tx1"/>
+            </a:solidFill>
+          </a:ln>
+        </p:spPr>
+        <p:style>
+          <a:lnRef idx="2">
+            <a:schemeClr val="accent1">
+              <a:shade val="50000"/>
+            </a:schemeClr>
+          </a:lnRef>
+          <a:fillRef idx="1">
+            <a:schemeClr val="accent1"/>
+          </a:fillRef>
+          <a:effectRef idx="0">
+            <a:schemeClr val="accent1"/>
+          </a:effectRef>
+          <a:fontRef idx="minor">
+            <a:schemeClr val="lt1"/>
+          </a:fontRef>
+        </p:style>
+        <p:txBody>
+          <a:bodyPr rtlCol="0" anchor="ctr"/>
+          <a:lstStyle/>
+          <a:p>
+            <a:pPr algn="ctr"/>
+            <a:endParaRPr lang="zh-CN" altLang="en-US"/>
+          </a:p>
+        </p:txBody>
+      </p:sp>
+      <p:sp>
+        <p:nvSpPr>
+          <p:cNvPr id="109" name="矩形 108"/>
+          <p:cNvSpPr/>
+          <p:nvPr/>
+        </p:nvSpPr>
+        <p:spPr>
+          <a:xfrm>
+            <a:off x="4195192" y="1145178"/>
+            <a:ext cx="45719" cy="3773742"/>
+          </a:xfrm>
+          <a:prstGeom prst="rect">
+            <a:avLst/>
+          </a:prstGeom>
+          <a:solidFill>
+            <a:schemeClr val="tx1"/>
+          </a:solidFill>
+          <a:ln>
+            <a:solidFill>
+              <a:schemeClr val="tx1"/>
+            </a:solidFill>
+          </a:ln>
+        </p:spPr>
+        <p:style>
+          <a:lnRef idx="2">
+            <a:schemeClr val="accent1">
+              <a:shade val="50000"/>
+            </a:schemeClr>
+          </a:lnRef>
+          <a:fillRef idx="1">
+            <a:schemeClr val="accent1"/>
+          </a:fillRef>
+          <a:effectRef idx="0">
+            <a:schemeClr val="accent1"/>
+          </a:effectRef>
+          <a:fontRef idx="minor">
+            <a:schemeClr val="lt1"/>
+          </a:fontRef>
+        </p:style>
+        <p:txBody>
+          <a:bodyPr rtlCol="0" anchor="ctr"/>
+          <a:lstStyle/>
+          <a:p>
+            <a:pPr algn="ctr"/>
+            <a:endParaRPr lang="zh-CN" altLang="en-US"/>
+          </a:p>
+        </p:txBody>
+      </p:sp>
+      <p:sp>
+        <p:nvSpPr>
+          <p:cNvPr id="110" name="矩形 109"/>
+          <p:cNvSpPr/>
+          <p:nvPr/>
+        </p:nvSpPr>
+        <p:spPr>
+          <a:xfrm>
+            <a:off x="4347592" y="1145178"/>
+            <a:ext cx="45719" cy="3773742"/>
+          </a:xfrm>
+          <a:prstGeom prst="rect">
+            <a:avLst/>
+          </a:prstGeom>
+          <a:solidFill>
+            <a:schemeClr val="tx1"/>
+          </a:solidFill>
+          <a:ln>
+            <a:solidFill>
+              <a:schemeClr val="tx1"/>
+            </a:solidFill>
+          </a:ln>
+        </p:spPr>
+        <p:style>
+          <a:lnRef idx="2">
+            <a:schemeClr val="accent1">
+              <a:shade val="50000"/>
+            </a:schemeClr>
+          </a:lnRef>
+          <a:fillRef idx="1">
+            <a:schemeClr val="accent1"/>
+          </a:fillRef>
+          <a:effectRef idx="0">
+            <a:schemeClr val="accent1"/>
+          </a:effectRef>
+          <a:fontRef idx="minor">
+            <a:schemeClr val="lt1"/>
+          </a:fontRef>
+        </p:style>
+        <p:txBody>
+          <a:bodyPr rtlCol="0" anchor="ctr"/>
+          <a:lstStyle/>
+          <a:p>
+            <a:pPr algn="ctr"/>
+            <a:endParaRPr lang="zh-CN" altLang="en-US"/>
+          </a:p>
+        </p:txBody>
+      </p:sp>
+      <p:sp>
+        <p:nvSpPr>
+          <p:cNvPr id="111" name="矩形 110"/>
+          <p:cNvSpPr/>
+          <p:nvPr/>
+        </p:nvSpPr>
+        <p:spPr>
+          <a:xfrm>
+            <a:off x="4499992" y="1145178"/>
+            <a:ext cx="45719" cy="3773742"/>
+          </a:xfrm>
+          <a:prstGeom prst="rect">
+            <a:avLst/>
+          </a:prstGeom>
+          <a:solidFill>
+            <a:schemeClr val="tx1"/>
+          </a:solidFill>
+          <a:ln>
+            <a:solidFill>
+              <a:schemeClr val="tx1"/>
+            </a:solidFill>
+          </a:ln>
+        </p:spPr>
+        <p:style>
+          <a:lnRef idx="2">
+            <a:schemeClr val="accent1">
+              <a:shade val="50000"/>
+            </a:schemeClr>
+          </a:lnRef>
+          <a:fillRef idx="1">
+            <a:schemeClr val="accent1"/>
+          </a:fillRef>
+          <a:effectRef idx="0">
+            <a:schemeClr val="accent1"/>
+          </a:effectRef>
+          <a:fontRef idx="minor">
+            <a:schemeClr val="lt1"/>
+          </a:fontRef>
+        </p:style>
+        <p:txBody>
+          <a:bodyPr rtlCol="0" anchor="ctr"/>
+          <a:lstStyle/>
+          <a:p>
+            <a:pPr algn="ctr"/>
+            <a:endParaRPr lang="zh-CN" altLang="en-US"/>
+          </a:p>
+        </p:txBody>
+      </p:sp>
+      <p:sp>
+        <p:nvSpPr>
+          <p:cNvPr id="112" name="矩形 111"/>
+          <p:cNvSpPr/>
+          <p:nvPr/>
+        </p:nvSpPr>
+        <p:spPr>
+          <a:xfrm>
+            <a:off x="4652392" y="1145178"/>
+            <a:ext cx="45719" cy="3773742"/>
+          </a:xfrm>
+          <a:prstGeom prst="rect">
+            <a:avLst/>
+          </a:prstGeom>
+          <a:solidFill>
+            <a:schemeClr val="tx1"/>
+          </a:solidFill>
+          <a:ln>
+            <a:solidFill>
+              <a:schemeClr val="tx1"/>
+            </a:solidFill>
+          </a:ln>
+        </p:spPr>
+        <p:style>
+          <a:lnRef idx="2">
+            <a:schemeClr val="accent1">
+              <a:shade val="50000"/>
+            </a:schemeClr>
+          </a:lnRef>
+          <a:fillRef idx="1">
+            <a:schemeClr val="accent1"/>
+          </a:fillRef>
+          <a:effectRef idx="0">
+            <a:schemeClr val="accent1"/>
+          </a:effectRef>
+          <a:fontRef idx="minor">
+            <a:schemeClr val="lt1"/>
+          </a:fontRef>
+        </p:style>
+        <p:txBody>
+          <a:bodyPr rtlCol="0" anchor="ctr"/>
+          <a:lstStyle/>
+          <a:p>
+            <a:pPr algn="ctr"/>
+            <a:endParaRPr lang="zh-CN" altLang="en-US"/>
+          </a:p>
+        </p:txBody>
+      </p:sp>
+      <p:sp>
+        <p:nvSpPr>
+          <p:cNvPr id="113" name="矩形 112"/>
+          <p:cNvSpPr/>
+          <p:nvPr/>
+        </p:nvSpPr>
+        <p:spPr>
+          <a:xfrm>
+            <a:off x="4804792" y="1145178"/>
+            <a:ext cx="45719" cy="3773742"/>
+          </a:xfrm>
+          <a:prstGeom prst="rect">
+            <a:avLst/>
+          </a:prstGeom>
+          <a:solidFill>
+            <a:schemeClr val="tx1"/>
+          </a:solidFill>
+          <a:ln>
+            <a:solidFill>
+              <a:schemeClr val="tx1"/>
+            </a:solidFill>
+          </a:ln>
+        </p:spPr>
+        <p:style>
+          <a:lnRef idx="2">
+            <a:schemeClr val="accent1">
+              <a:shade val="50000"/>
+            </a:schemeClr>
+          </a:lnRef>
+          <a:fillRef idx="1">
+            <a:schemeClr val="accent1"/>
+          </a:fillRef>
+          <a:effectRef idx="0">
+            <a:schemeClr val="accent1"/>
+          </a:effectRef>
+          <a:fontRef idx="minor">
+            <a:schemeClr val="lt1"/>
+          </a:fontRef>
+        </p:style>
+        <p:txBody>
+          <a:bodyPr rtlCol="0" anchor="ctr"/>
+          <a:lstStyle/>
+          <a:p>
+            <a:pPr algn="ctr"/>
+            <a:endParaRPr lang="zh-CN" altLang="en-US"/>
+          </a:p>
+        </p:txBody>
+      </p:sp>
+      <p:sp>
+        <p:nvSpPr>
+          <p:cNvPr id="114" name="矩形 113"/>
+          <p:cNvSpPr/>
+          <p:nvPr/>
+        </p:nvSpPr>
+        <p:spPr>
+          <a:xfrm>
+            <a:off x="4957192" y="1145178"/>
+            <a:ext cx="45719" cy="3773742"/>
+          </a:xfrm>
+          <a:prstGeom prst="rect">
+            <a:avLst/>
+          </a:prstGeom>
+          <a:solidFill>
+            <a:schemeClr val="tx1"/>
+          </a:solidFill>
+          <a:ln>
+            <a:solidFill>
+              <a:schemeClr val="tx1"/>
+            </a:solidFill>
+          </a:ln>
+        </p:spPr>
+        <p:style>
+          <a:lnRef idx="2">
+            <a:schemeClr val="accent1">
+              <a:shade val="50000"/>
+            </a:schemeClr>
+          </a:lnRef>
+          <a:fillRef idx="1">
+            <a:schemeClr val="accent1"/>
+          </a:fillRef>
+          <a:effectRef idx="0">
+            <a:schemeClr val="accent1"/>
+          </a:effectRef>
+          <a:fontRef idx="minor">
+            <a:schemeClr val="lt1"/>
+          </a:fontRef>
+        </p:style>
+        <p:txBody>
+          <a:bodyPr rtlCol="0" anchor="ctr"/>
+          <a:lstStyle/>
+          <a:p>
+            <a:pPr algn="ctr"/>
+            <a:endParaRPr lang="zh-CN" altLang="en-US"/>
+          </a:p>
+        </p:txBody>
+      </p:sp>
+      <p:sp>
+        <p:nvSpPr>
+          <p:cNvPr id="115" name="矩形 114"/>
+          <p:cNvSpPr/>
+          <p:nvPr/>
+        </p:nvSpPr>
+        <p:spPr>
+          <a:xfrm>
+            <a:off x="5109592" y="1145178"/>
+            <a:ext cx="45719" cy="3773742"/>
+          </a:xfrm>
+          <a:prstGeom prst="rect">
+            <a:avLst/>
+          </a:prstGeom>
+          <a:solidFill>
+            <a:schemeClr val="tx1"/>
+          </a:solidFill>
+          <a:ln>
+            <a:solidFill>
+              <a:schemeClr val="tx1"/>
+            </a:solidFill>
+          </a:ln>
+        </p:spPr>
+        <p:style>
+          <a:lnRef idx="2">
+            <a:schemeClr val="accent1">
+              <a:shade val="50000"/>
+            </a:schemeClr>
+          </a:lnRef>
+          <a:fillRef idx="1">
+            <a:schemeClr val="accent1"/>
+          </a:fillRef>
+          <a:effectRef idx="0">
+            <a:schemeClr val="accent1"/>
+          </a:effectRef>
+          <a:fontRef idx="minor">
+            <a:schemeClr val="lt1"/>
+          </a:fontRef>
+        </p:style>
+        <p:txBody>
+          <a:bodyPr rtlCol="0" anchor="ctr"/>
+          <a:lstStyle/>
+          <a:p>
+            <a:pPr algn="ctr"/>
+            <a:endParaRPr lang="zh-CN" altLang="en-US"/>
+          </a:p>
+        </p:txBody>
+      </p:sp>
+    </p:spTree>
+    <p:extLst>
+      <p:ext uri="{BB962C8B-B14F-4D97-AF65-F5344CB8AC3E}">
+        <p14:creationId xmlns:p14="http://schemas.microsoft.com/office/powerpoint/2010/main" val="1400595726"/>
+      </p:ext>
+    </p:extLst>
+  </p:cSld>
+  <p:clrMapOvr>
+    <a:masterClrMapping/>
+  </p:clrMapOvr>
+</p:sld>
+</file>
+
+<file path=ppt/slides/slide7.xml><?xml version="1.0" encoding="utf-8"?>
+<p:sld xmlns:a="http://schemas.openxmlformats.org/drawingml/2006/main" xmlns:r="http://schemas.openxmlformats.org/officeDocument/2006/relationships" xmlns:p="http://schemas.openxmlformats.org/presentationml/2006/main">
+  <p:cSld>
+    <p:spTree>
+      <p:nvGrpSpPr>
+        <p:cNvPr id="1" name=""/>
+        <p:cNvGrpSpPr/>
+        <p:nvPr/>
+      </p:nvGrpSpPr>
+      <p:grpSpPr>
+        <a:xfrm>
+          <a:off x="0" y="0"/>
+          <a:ext cx="0" cy="0"/>
+          <a:chOff x="0" y="0"/>
+          <a:chExt cx="0" cy="0"/>
+        </a:xfrm>
+      </p:grpSpPr>
+      <p:graphicFrame>
+        <p:nvGraphicFramePr>
+          <p:cNvPr id="2" name="表格 1"/>
+          <p:cNvGraphicFramePr>
+            <a:graphicFrameLocks noGrp="1"/>
+          </p:cNvGraphicFramePr>
+          <p:nvPr>
+            <p:extLst>
+              <p:ext uri="{D42A27DB-BD31-4B8C-83A1-F6EECF244321}">
+                <p14:modId xmlns:p14="http://schemas.microsoft.com/office/powerpoint/2010/main" val="4290557915"/>
+              </p:ext>
+            </p:extLst>
+          </p:nvPr>
+        </p:nvGraphicFramePr>
+        <p:xfrm>
+          <a:off x="1879600" y="2389188"/>
+          <a:ext cx="5384801" cy="2263948"/>
+        </p:xfrm>
+        <a:graphic>
+          <a:graphicData uri="http://schemas.openxmlformats.org/drawingml/2006/table">
+            <a:tbl>
+              <a:tblPr>
+                <a:tableStyleId>{5C22544A-7EE6-4342-B048-85BDC9FD1C3A}</a:tableStyleId>
+              </a:tblPr>
+              <a:tblGrid>
+                <a:gridCol w="825014"/>
+                <a:gridCol w="2208498"/>
+                <a:gridCol w="2351289"/>
+              </a:tblGrid>
+              <a:tr h="171450">
+                <a:tc>
+                  <a:txBody>
+                    <a:bodyPr/>
+                    <a:lstStyle/>
+                    <a:p>
+                      <a:pPr algn="l" fontAlgn="b"/>
+                      <a:r>
+                        <a:rPr lang="zh-CN" altLang="en-US" sz="1100" u="none" strike="noStrike" dirty="0">
+                          <a:effectLst/>
+                        </a:rPr>
+                        <a:t>函数名称</a:t>
+                      </a:r>
+                      <a:endParaRPr lang="zh-CN" altLang="en-US" sz="1100" b="0" i="0" u="none" strike="noStrike" dirty="0">
+                        <a:solidFill>
+                          <a:srgbClr val="000000"/>
+                        </a:solidFill>
+                        <a:effectLst/>
+                        <a:latin typeface="宋体"/>
+                      </a:endParaRPr>
+                    </a:p>
+                  </a:txBody>
+                  <a:tcPr marL="0" marR="0" marT="0" marB="0" anchor="b">
+                    <a:lnT w="12700" cap="flat" cmpd="sng" algn="ctr">
+                      <a:solidFill>
+                        <a:schemeClr val="tx1"/>
+                      </a:solidFill>
+                      <a:prstDash val="solid"/>
+                      <a:round/>
+                      <a:headEnd type="none" w="med" len="med"/>
+                      <a:tailEnd type="none" w="med" len="med"/>
+                    </a:lnT>
+                    <a:lnB w="12700" cap="flat" cmpd="sng" algn="ctr">
+                      <a:solidFill>
+                        <a:schemeClr val="tx1"/>
+                      </a:solidFill>
+                      <a:prstDash val="solid"/>
+                      <a:round/>
+                      <a:headEnd type="none" w="med" len="med"/>
+                      <a:tailEnd type="none" w="med" len="med"/>
+                    </a:lnB>
+                  </a:tcPr>
+                </a:tc>
+                <a:tc>
+                  <a:txBody>
+                    <a:bodyPr/>
+                    <a:lstStyle/>
+                    <a:p>
+                      <a:pPr algn="l" fontAlgn="b"/>
+                      <a:r>
+                        <a:rPr lang="zh-CN" altLang="en-US" sz="1100" u="none" strike="noStrike">
+                          <a:effectLst/>
+                        </a:rPr>
+                        <a:t>单周期函数表达式</a:t>
+                      </a:r>
+                      <a:endParaRPr lang="zh-CN" altLang="en-US" sz="1100" b="0" i="0" u="none" strike="noStrike">
+                        <a:solidFill>
+                          <a:srgbClr val="000000"/>
+                        </a:solidFill>
+                        <a:effectLst/>
+                        <a:latin typeface="宋体"/>
+                      </a:endParaRPr>
+                    </a:p>
+                  </a:txBody>
+                  <a:tcPr marL="0" marR="0" marT="0" marB="0" anchor="b">
+                    <a:lnT w="12700" cap="flat" cmpd="sng" algn="ctr">
+                      <a:solidFill>
+                        <a:schemeClr val="tx1"/>
+                      </a:solidFill>
+                      <a:prstDash val="solid"/>
+                      <a:round/>
+                      <a:headEnd type="none" w="med" len="med"/>
+                      <a:tailEnd type="none" w="med" len="med"/>
+                    </a:lnT>
+                    <a:lnB w="12700" cap="flat" cmpd="sng" algn="ctr">
+                      <a:solidFill>
+                        <a:schemeClr val="tx1"/>
+                      </a:solidFill>
+                      <a:prstDash val="solid"/>
+                      <a:round/>
+                      <a:headEnd type="none" w="med" len="med"/>
+                      <a:tailEnd type="none" w="med" len="med"/>
+                    </a:lnB>
+                  </a:tcPr>
+                </a:tc>
+                <a:tc>
+                  <a:txBody>
+                    <a:bodyPr/>
+                    <a:lstStyle/>
+                    <a:p>
+                      <a:pPr algn="l" fontAlgn="b"/>
+                      <a:r>
+                        <a:rPr lang="zh-CN" altLang="en-US" sz="1100" u="none" strike="noStrike" dirty="0">
+                          <a:effectLst/>
+                        </a:rPr>
+                        <a:t>单周期傅立叶级数</a:t>
+                      </a:r>
+                      <a:endParaRPr lang="zh-CN" altLang="en-US" sz="1100" b="0" i="0" u="none" strike="noStrike" dirty="0">
+                        <a:solidFill>
+                          <a:srgbClr val="000000"/>
+                        </a:solidFill>
+                        <a:effectLst/>
+                        <a:latin typeface="宋体"/>
+                      </a:endParaRPr>
+                    </a:p>
+                  </a:txBody>
+                  <a:tcPr marL="0" marR="0" marT="0" marB="0" anchor="b">
+                    <a:lnT w="12700" cap="flat" cmpd="sng" algn="ctr">
+                      <a:solidFill>
+                        <a:schemeClr val="tx1"/>
+                      </a:solidFill>
+                      <a:prstDash val="solid"/>
+                      <a:round/>
+                      <a:headEnd type="none" w="med" len="med"/>
+                      <a:tailEnd type="none" w="med" len="med"/>
+                    </a:lnT>
+                    <a:lnB w="12700" cap="flat" cmpd="sng" algn="ctr">
+                      <a:solidFill>
+                        <a:schemeClr val="tx1"/>
+                      </a:solidFill>
+                      <a:prstDash val="solid"/>
+                      <a:round/>
+                      <a:headEnd type="none" w="med" len="med"/>
+                      <a:tailEnd type="none" w="med" len="med"/>
+                    </a:lnB>
+                  </a:tcPr>
+                </a:tc>
+              </a:tr>
+              <a:tr h="636270">
+                <a:tc>
+                  <a:txBody>
+                    <a:bodyPr/>
+                    <a:lstStyle/>
+                    <a:p>
+                      <a:pPr algn="l" fontAlgn="b"/>
+                      <a:r>
+                        <a:rPr lang="zh-CN" altLang="en-US" sz="1100" u="none" strike="noStrike" dirty="0">
+                          <a:effectLst/>
+                        </a:rPr>
+                        <a:t>方波</a:t>
+                      </a:r>
+                      <a:endParaRPr lang="zh-CN" altLang="en-US" sz="1100" b="0" i="0" u="none" strike="noStrike" dirty="0">
+                        <a:solidFill>
+                          <a:srgbClr val="000000"/>
+                        </a:solidFill>
+                        <a:effectLst/>
+                        <a:latin typeface="宋体"/>
+                      </a:endParaRPr>
+                    </a:p>
+                  </a:txBody>
+                  <a:tcPr marL="0" marR="0" marT="0" marB="0" anchor="b">
+                    <a:lnT w="12700" cap="flat" cmpd="sng" algn="ctr">
+                      <a:solidFill>
+                        <a:schemeClr val="tx1"/>
+                      </a:solidFill>
+                      <a:prstDash val="solid"/>
+                      <a:round/>
+                      <a:headEnd type="none" w="med" len="med"/>
+                      <a:tailEnd type="none" w="med" len="med"/>
+                    </a:lnT>
+                  </a:tcPr>
+                </a:tc>
+                <a:tc>
+                  <a:txBody>
+                    <a:bodyPr/>
+                    <a:lstStyle/>
+                    <a:p>
+                      <a:pPr algn="l" fontAlgn="b"/>
+                      <a:endParaRPr lang="zh-CN" altLang="en-US" sz="1100" b="0" i="0" u="none" strike="noStrike" dirty="0">
+                        <a:solidFill>
+                          <a:srgbClr val="000000"/>
+                        </a:solidFill>
+                        <a:effectLst/>
+                        <a:latin typeface="宋体"/>
+                      </a:endParaRPr>
+                    </a:p>
+                  </a:txBody>
+                  <a:tcPr marL="0" marR="0" marT="0" marB="0">
+                    <a:lnT w="12700" cap="flat" cmpd="sng" algn="ctr">
+                      <a:solidFill>
+                        <a:schemeClr val="tx1"/>
+                      </a:solidFill>
+                      <a:prstDash val="solid"/>
+                      <a:round/>
+                      <a:headEnd type="none" w="med" len="med"/>
+                      <a:tailEnd type="none" w="med" len="med"/>
+                    </a:lnT>
+                  </a:tcPr>
+                </a:tc>
+                <a:tc>
+                  <a:txBody>
+                    <a:bodyPr/>
+                    <a:lstStyle/>
+                    <a:p>
+                      <a:pPr algn="l" fontAlgn="b"/>
+                      <a:endParaRPr lang="zh-CN" altLang="en-US" sz="1100" b="0" i="0" u="none" strike="noStrike" dirty="0">
+                        <a:solidFill>
+                          <a:srgbClr val="000000"/>
+                        </a:solidFill>
+                        <a:effectLst/>
+                        <a:latin typeface="宋体"/>
+                      </a:endParaRPr>
+                    </a:p>
+                  </a:txBody>
+                  <a:tcPr marL="0" marR="0" marT="0" marB="0" anchor="b">
+                    <a:lnT w="12700" cap="flat" cmpd="sng" algn="ctr">
+                      <a:solidFill>
+                        <a:schemeClr val="tx1"/>
+                      </a:solidFill>
+                      <a:prstDash val="solid"/>
+                      <a:round/>
+                      <a:headEnd type="none" w="med" len="med"/>
+                      <a:tailEnd type="none" w="med" len="med"/>
+                    </a:lnT>
+                  </a:tcPr>
+                </a:tc>
+              </a:tr>
+              <a:tr h="636270">
+                <a:tc>
+                  <a:txBody>
+                    <a:bodyPr/>
+                    <a:lstStyle/>
+                    <a:p>
+                      <a:pPr algn="l" fontAlgn="b"/>
+                      <a:r>
+                        <a:rPr lang="zh-CN" altLang="en-US" sz="1100" u="none" strike="noStrike" dirty="0">
+                          <a:effectLst/>
+                        </a:rPr>
+                        <a:t>锯齿波</a:t>
+                      </a:r>
+                      <a:endParaRPr lang="zh-CN" altLang="en-US" sz="1100" b="0" i="0" u="none" strike="noStrike" dirty="0">
+                        <a:solidFill>
+                          <a:srgbClr val="000000"/>
+                        </a:solidFill>
+                        <a:effectLst/>
+                        <a:latin typeface="宋体"/>
+                      </a:endParaRPr>
+                    </a:p>
+                  </a:txBody>
+                  <a:tcPr marL="0" marR="0" marT="0" marB="0" anchor="b"/>
+                </a:tc>
+                <a:tc>
+                  <a:txBody>
+                    <a:bodyPr/>
+                    <a:lstStyle/>
+                    <a:p>
+                      <a:pPr algn="l" fontAlgn="b"/>
+                      <a:endParaRPr lang="zh-CN" altLang="en-US" sz="1100" b="0" i="0" u="none" strike="noStrike" dirty="0">
+                        <a:solidFill>
+                          <a:srgbClr val="000000"/>
+                        </a:solidFill>
+                        <a:effectLst/>
+                        <a:latin typeface="宋体"/>
+                      </a:endParaRPr>
+                    </a:p>
+                  </a:txBody>
+                  <a:tcPr marL="0" marR="0" marT="0" marB="0" anchor="b"/>
+                </a:tc>
+                <a:tc>
+                  <a:txBody>
+                    <a:bodyPr/>
+                    <a:lstStyle/>
+                    <a:p>
+                      <a:pPr algn="l" fontAlgn="b"/>
+                      <a:endParaRPr lang="zh-CN" altLang="en-US" sz="1100" b="0" i="0" u="none" strike="noStrike" dirty="0">
+                        <a:solidFill>
+                          <a:srgbClr val="000000"/>
+                        </a:solidFill>
+                        <a:effectLst/>
+                        <a:latin typeface="宋体"/>
+                      </a:endParaRPr>
+                    </a:p>
+                  </a:txBody>
+                  <a:tcPr marL="0" marR="0" marT="0" marB="0" anchor="b"/>
+                </a:tc>
+              </a:tr>
+              <a:tr h="819958">
+                <a:tc>
+                  <a:txBody>
+                    <a:bodyPr/>
+                    <a:lstStyle/>
+                    <a:p>
+                      <a:pPr algn="l" fontAlgn="b"/>
+                      <a:r>
+                        <a:rPr lang="zh-CN" altLang="en-US" sz="1100" u="none" strike="noStrike" dirty="0">
+                          <a:effectLst/>
+                        </a:rPr>
+                        <a:t>三角波</a:t>
+                      </a:r>
+                      <a:endParaRPr lang="zh-CN" altLang="en-US" sz="1100" b="0" i="0" u="none" strike="noStrike" dirty="0">
+                        <a:solidFill>
+                          <a:srgbClr val="000000"/>
+                        </a:solidFill>
+                        <a:effectLst/>
+                        <a:latin typeface="宋体"/>
+                      </a:endParaRPr>
+                    </a:p>
+                  </a:txBody>
+                  <a:tcPr marL="0" marR="0" marT="0" marB="0" anchor="b">
+                    <a:lnB w="12700" cap="flat" cmpd="sng" algn="ctr">
+                      <a:solidFill>
+                        <a:schemeClr val="tx1"/>
+                      </a:solidFill>
+                      <a:prstDash val="solid"/>
+                      <a:round/>
+                      <a:headEnd type="none" w="med" len="med"/>
+                      <a:tailEnd type="none" w="med" len="med"/>
+                    </a:lnB>
+                  </a:tcPr>
+                </a:tc>
+                <a:tc gridSpan="2">
+                  <a:txBody>
+                    <a:bodyPr/>
+                    <a:lstStyle/>
+                    <a:p>
+                      <a:pPr algn="l" fontAlgn="b"/>
+                      <a:endParaRPr lang="zh-CN" altLang="en-US" sz="1100" b="0" i="0" u="none" strike="noStrike" dirty="0">
+                        <a:solidFill>
+                          <a:srgbClr val="000000"/>
+                        </a:solidFill>
+                        <a:effectLst/>
+                        <a:latin typeface="宋体"/>
+                      </a:endParaRPr>
+                    </a:p>
+                  </a:txBody>
+                  <a:tcPr marL="0" marR="0" marT="0" marB="0" anchor="b">
+                    <a:lnB w="12700" cap="flat" cmpd="sng" algn="ctr">
+                      <a:solidFill>
+                        <a:schemeClr val="tx1"/>
+                      </a:solidFill>
+                      <a:prstDash val="solid"/>
+                      <a:round/>
+                      <a:headEnd type="none" w="med" len="med"/>
+                      <a:tailEnd type="none" w="med" len="med"/>
+                    </a:lnB>
+                  </a:tcPr>
+                </a:tc>
+                <a:tc hMerge="1">
+                  <a:txBody>
+                    <a:bodyPr/>
+                    <a:lstStyle/>
+                    <a:p>
+                      <a:endParaRPr lang="zh-CN" altLang="en-US"/>
+                    </a:p>
+                  </a:txBody>
+                  <a:tcPr/>
+                </a:tc>
+              </a:tr>
+            </a:tbl>
+          </a:graphicData>
+        </a:graphic>
+      </p:graphicFrame>
+      <mc:AlternateContent xmlns:mc="http://schemas.openxmlformats.org/markup-compatibility/2006">
+        <mc:Choice xmlns:a14="http://schemas.microsoft.com/office/drawing/2010/main" Requires="a14">
+          <p:sp>
+            <p:nvSpPr>
+              <p:cNvPr id="3" name="TextBox 4"/>
+              <p:cNvSpPr txBox="1"/>
+              <p:nvPr/>
+            </p:nvSpPr>
+            <p:spPr>
+              <a:xfrm>
+                <a:off x="2577144" y="2770448"/>
+                <a:ext cx="2228850" cy="381000"/>
+              </a:xfrm>
+              <a:prstGeom prst="rect">
+                <a:avLst/>
+              </a:prstGeom>
+              <a:noFill/>
+            </p:spPr>
+            <p:style>
+              <a:lnRef idx="0">
+                <a:scrgbClr r="0" g="0" b="0"/>
+              </a:lnRef>
+              <a:fillRef idx="0">
+                <a:scrgbClr r="0" g="0" b="0"/>
+              </a:fillRef>
+              <a:effectRef idx="0">
+                <a:scrgbClr r="0" g="0" b="0"/>
+              </a:effectRef>
+              <a:fontRef idx="minor">
+                <a:schemeClr val="tx1"/>
+              </a:fontRef>
+            </p:style>
+            <p:txBody>
+              <a:bodyPr wrap="square" rtlCol="0" anchor="t">
+                <a:spAutoFit/>
+              </a:bodyPr>
+              <a:lstStyle>
+                <a:lvl1pPr marL="0" indent="0">
+                  <a:defRPr sz="1100">
+                    <a:solidFill>
+                      <a:schemeClr val="tx1"/>
+                    </a:solidFill>
+                    <a:latin typeface="+mn-lt"/>
+                    <a:ea typeface="+mn-ea"/>
+                    <a:cs typeface="+mn-cs"/>
+                  </a:defRPr>
+                </a:lvl1pPr>
+                <a:lvl2pPr marL="457200" indent="0">
+                  <a:defRPr sz="1100">
+                    <a:solidFill>
+                      <a:schemeClr val="tx1"/>
+                    </a:solidFill>
+                    <a:latin typeface="+mn-lt"/>
+                    <a:ea typeface="+mn-ea"/>
+                    <a:cs typeface="+mn-cs"/>
+                  </a:defRPr>
+                </a:lvl2pPr>
+                <a:lvl3pPr marL="914400" indent="0">
+                  <a:defRPr sz="1100">
+                    <a:solidFill>
+                      <a:schemeClr val="tx1"/>
+                    </a:solidFill>
+                    <a:latin typeface="+mn-lt"/>
+                    <a:ea typeface="+mn-ea"/>
+                    <a:cs typeface="+mn-cs"/>
+                  </a:defRPr>
+                </a:lvl3pPr>
+                <a:lvl4pPr marL="1371600" indent="0">
+                  <a:defRPr sz="1100">
+                    <a:solidFill>
+                      <a:schemeClr val="tx1"/>
+                    </a:solidFill>
+                    <a:latin typeface="+mn-lt"/>
+                    <a:ea typeface="+mn-ea"/>
+                    <a:cs typeface="+mn-cs"/>
+                  </a:defRPr>
+                </a:lvl4pPr>
+                <a:lvl5pPr marL="1828800" indent="0">
+                  <a:defRPr sz="1100">
+                    <a:solidFill>
+                      <a:schemeClr val="tx1"/>
+                    </a:solidFill>
+                    <a:latin typeface="+mn-lt"/>
+                    <a:ea typeface="+mn-ea"/>
+                    <a:cs typeface="+mn-cs"/>
+                  </a:defRPr>
+                </a:lvl5pPr>
+                <a:lvl6pPr marL="2286000" indent="0">
+                  <a:defRPr sz="1100">
+                    <a:solidFill>
+                      <a:schemeClr val="tx1"/>
+                    </a:solidFill>
+                    <a:latin typeface="+mn-lt"/>
+                    <a:ea typeface="+mn-ea"/>
+                    <a:cs typeface="+mn-cs"/>
+                  </a:defRPr>
+                </a:lvl6pPr>
+                <a:lvl7pPr marL="2743200" indent="0">
+                  <a:defRPr sz="1100">
+                    <a:solidFill>
+                      <a:schemeClr val="tx1"/>
+                    </a:solidFill>
+                    <a:latin typeface="+mn-lt"/>
+                    <a:ea typeface="+mn-ea"/>
+                    <a:cs typeface="+mn-cs"/>
+                  </a:defRPr>
+                </a:lvl7pPr>
+                <a:lvl8pPr marL="3200400" indent="0">
+                  <a:defRPr sz="1100">
+                    <a:solidFill>
+                      <a:schemeClr val="tx1"/>
+                    </a:solidFill>
+                    <a:latin typeface="+mn-lt"/>
+                    <a:ea typeface="+mn-ea"/>
+                    <a:cs typeface="+mn-cs"/>
+                  </a:defRPr>
+                </a:lvl8pPr>
+                <a:lvl9pPr marL="3657600" indent="0">
+                  <a:defRPr sz="1100">
+                    <a:solidFill>
+                      <a:schemeClr val="tx1"/>
+                    </a:solidFill>
+                    <a:latin typeface="+mn-lt"/>
+                    <a:ea typeface="+mn-ea"/>
+                    <a:cs typeface="+mn-cs"/>
+                  </a:defRPr>
+                </a:lvl9pPr>
+              </a:lstStyle>
+              <a:p>
+                <a:pPr/>
+                <a14:m>
+                  <m:oMathPara xmlns:m="http://schemas.openxmlformats.org/officeDocument/2006/math">
+                    <m:oMathParaPr>
+                      <m:jc m:val="centerGroup"/>
+                    </m:oMathParaPr>
+                    <m:oMath xmlns:m="http://schemas.openxmlformats.org/officeDocument/2006/math">
+                      <m:r>
+                        <a:rPr lang="en-US" altLang="zh-CN" sz="1100" b="0" i="1">
+                          <a:latin typeface="Cambria Math"/>
+                        </a:rPr>
+                        <m:t>2</m:t>
+                      </m:r>
+                      <m:d>
+                        <m:dPr>
+                          <m:begChr m:val="["/>
+                          <m:endChr m:val="]"/>
+                          <m:ctrlPr>
+                            <a:rPr lang="en-US" altLang="zh-CN" sz="1100" b="0" i="1">
+                              <a:solidFill>
+                                <a:schemeClr val="tx1"/>
+                              </a:solidFill>
+                              <a:effectLst/>
+                              <a:latin typeface="Cambria Math"/>
+                              <a:ea typeface="+mn-ea"/>
+                              <a:cs typeface="+mn-cs"/>
+                            </a:rPr>
+                          </m:ctrlPr>
+                        </m:dPr>
+                        <m:e>
+                          <m:r>
+                            <a:rPr lang="en-US" altLang="zh-CN" sz="1100" b="0" i="1">
+                              <a:solidFill>
+                                <a:schemeClr val="tx1"/>
+                              </a:solidFill>
+                              <a:effectLst/>
+                              <a:latin typeface="Cambria Math"/>
+                              <a:ea typeface="+mn-ea"/>
+                              <a:cs typeface="+mn-cs"/>
+                            </a:rPr>
+                            <m:t>𝐻</m:t>
+                          </m:r>
+                          <m:d>
+                            <m:dPr>
+                              <m:ctrlPr>
+                                <a:rPr lang="en-US" altLang="zh-CN" sz="1100" b="0" i="1">
+                                  <a:solidFill>
+                                    <a:schemeClr val="tx1"/>
+                                  </a:solidFill>
+                                  <a:effectLst/>
+                                  <a:latin typeface="Cambria Math"/>
+                                  <a:ea typeface="+mn-ea"/>
+                                  <a:cs typeface="+mn-cs"/>
+                                </a:rPr>
+                              </m:ctrlPr>
+                            </m:dPr>
+                            <m:e>
+                              <m:f>
+                                <m:fPr>
+                                  <m:ctrlPr>
+                                    <a:rPr lang="en-US" altLang="zh-CN" sz="1100" b="0" i="1">
+                                      <a:solidFill>
+                                        <a:schemeClr val="tx1"/>
+                                      </a:solidFill>
+                                      <a:effectLst/>
+                                      <a:latin typeface="Cambria Math"/>
+                                      <a:ea typeface="+mn-ea"/>
+                                      <a:cs typeface="+mn-cs"/>
+                                    </a:rPr>
+                                  </m:ctrlPr>
+                                </m:fPr>
+                                <m:num>
+                                  <m:r>
+                                    <a:rPr lang="en-US" altLang="zh-CN" sz="1100" b="0" i="1">
+                                      <a:solidFill>
+                                        <a:schemeClr val="tx1"/>
+                                      </a:solidFill>
+                                      <a:effectLst/>
+                                      <a:latin typeface="Cambria Math"/>
+                                      <a:ea typeface="+mn-ea"/>
+                                      <a:cs typeface="+mn-cs"/>
+                                    </a:rPr>
+                                    <m:t>𝑥</m:t>
+                                  </m:r>
+                                </m:num>
+                                <m:den>
+                                  <m:r>
+                                    <a:rPr lang="en-US" altLang="zh-CN" sz="1100" b="0" i="1">
+                                      <a:solidFill>
+                                        <a:schemeClr val="tx1"/>
+                                      </a:solidFill>
+                                      <a:effectLst/>
+                                      <a:latin typeface="Cambria Math"/>
+                                      <a:ea typeface="+mn-ea"/>
+                                      <a:cs typeface="+mn-cs"/>
+                                    </a:rPr>
+                                    <m:t>𝐿</m:t>
+                                  </m:r>
+                                </m:den>
+                              </m:f>
+                            </m:e>
+                          </m:d>
+                          <m:r>
+                            <a:rPr lang="en-US" altLang="zh-CN" sz="1100" b="0" i="1">
+                              <a:latin typeface="Cambria Math"/>
+                            </a:rPr>
+                            <m:t>−</m:t>
+                          </m:r>
+                          <m:r>
+                            <a:rPr lang="en-US" altLang="zh-CN" sz="1100" b="0" i="1">
+                              <a:latin typeface="Cambria Math"/>
+                            </a:rPr>
+                            <m:t>𝐻</m:t>
+                          </m:r>
+                          <m:d>
+                            <m:dPr>
+                              <m:ctrlPr>
+                                <a:rPr lang="en-US" altLang="zh-CN" sz="1100" b="0" i="1">
+                                  <a:latin typeface="Cambria Math"/>
+                                </a:rPr>
+                              </m:ctrlPr>
+                            </m:dPr>
+                            <m:e>
+                              <m:f>
+                                <m:fPr>
+                                  <m:ctrlPr>
+                                    <a:rPr lang="en-US" altLang="zh-CN" sz="1100" b="0" i="1">
+                                      <a:latin typeface="Cambria Math"/>
+                                    </a:rPr>
+                                  </m:ctrlPr>
+                                </m:fPr>
+                                <m:num>
+                                  <m:r>
+                                    <a:rPr lang="en-US" altLang="zh-CN" sz="1100" b="0" i="1">
+                                      <a:latin typeface="Cambria Math"/>
+                                    </a:rPr>
+                                    <m:t>𝑥</m:t>
+                                  </m:r>
+                                </m:num>
+                                <m:den>
+                                  <m:r>
+                                    <a:rPr lang="en-US" altLang="zh-CN" sz="1100" b="0" i="1">
+                                      <a:latin typeface="Cambria Math"/>
+                                    </a:rPr>
+                                    <m:t>𝐿</m:t>
+                                  </m:r>
+                                </m:den>
+                              </m:f>
+                              <m:r>
+                                <a:rPr lang="en-US" altLang="zh-CN" sz="1100" b="0" i="1">
+                                  <a:latin typeface="Cambria Math"/>
+                                </a:rPr>
+                                <m:t>−1</m:t>
+                              </m:r>
+                            </m:e>
+                          </m:d>
+                        </m:e>
+                      </m:d>
+                      <m:r>
+                        <a:rPr lang="en-US" altLang="zh-CN" sz="1100" b="0" i="0">
+                          <a:latin typeface="Cambria Math"/>
+                        </a:rPr>
+                        <m:t>−1</m:t>
+                      </m:r>
+                    </m:oMath>
+                  </m:oMathPara>
+                </a14:m>
+                <a:endParaRPr lang="zh-CN" altLang="en-US" sz="1100" dirty="0"/>
+              </a:p>
+            </p:txBody>
+          </p:sp>
+        </mc:Choice>
+        <mc:Fallback>
+          <p:sp>
+            <p:nvSpPr>
+              <p:cNvPr id="3" name="TextBox 4"/>
+              <p:cNvSpPr txBox="1">
+                <a:spLocks noRot="1" noChangeAspect="1" noMove="1" noResize="1" noEditPoints="1" noAdjustHandles="1" noChangeArrowheads="1" noChangeShapeType="1" noTextEdit="1"/>
+              </p:cNvSpPr>
+              <p:nvPr/>
+            </p:nvSpPr>
+            <p:spPr>
+              <a:xfrm>
+                <a:off x="2577144" y="2770448"/>
+                <a:ext cx="2228850" cy="381000"/>
+              </a:xfrm>
+              <a:prstGeom prst="rect">
+                <a:avLst/>
+              </a:prstGeom>
+              <a:blipFill rotWithShape="1">
+                <a:blip r:embed="rId2"/>
+                <a:stretch>
+                  <a:fillRect/>
+                </a:stretch>
+              </a:blipFill>
+            </p:spPr>
+            <p:txBody>
+              <a:bodyPr/>
+              <a:lstStyle/>
+              <a:p>
+                <a:r>
+                  <a:rPr lang="zh-CN" altLang="en-US">
+                    <a:noFill/>
+                  </a:rPr>
+                  <a:t> </a:t>
+                </a:r>
+              </a:p>
+            </p:txBody>
+          </p:sp>
+        </mc:Fallback>
+      </mc:AlternateContent>
+      <mc:AlternateContent xmlns:mc="http://schemas.openxmlformats.org/markup-compatibility/2006">
+        <mc:Choice xmlns:a14="http://schemas.microsoft.com/office/drawing/2010/main" Requires="a14">
+          <p:sp>
+            <p:nvSpPr>
+              <p:cNvPr id="4" name="TextBox 5"/>
+              <p:cNvSpPr txBox="1"/>
+              <p:nvPr/>
+            </p:nvSpPr>
+            <p:spPr>
+              <a:xfrm>
+                <a:off x="4797742" y="2677579"/>
+                <a:ext cx="2281237" cy="566737"/>
+              </a:xfrm>
+              <a:prstGeom prst="rect">
+                <a:avLst/>
+              </a:prstGeom>
+              <a:noFill/>
+            </p:spPr>
+            <p:style>
+              <a:lnRef idx="0">
+                <a:scrgbClr r="0" g="0" b="0"/>
+              </a:lnRef>
+              <a:fillRef idx="0">
+                <a:scrgbClr r="0" g="0" b="0"/>
+              </a:fillRef>
+              <a:effectRef idx="0">
+                <a:scrgbClr r="0" g="0" b="0"/>
+              </a:effectRef>
+              <a:fontRef idx="minor">
+                <a:schemeClr val="tx1"/>
+              </a:fontRef>
+            </p:style>
+            <p:txBody>
+              <a:bodyPr wrap="square" rtlCol="0" anchor="t">
+                <a:spAutoFit/>
+              </a:bodyPr>
+              <a:lstStyle>
+                <a:lvl1pPr marL="0" indent="0">
+                  <a:defRPr sz="1100">
+                    <a:solidFill>
+                      <a:schemeClr val="tx1"/>
+                    </a:solidFill>
+                    <a:latin typeface="+mn-lt"/>
+                    <a:ea typeface="+mn-ea"/>
+                    <a:cs typeface="+mn-cs"/>
+                  </a:defRPr>
+                </a:lvl1pPr>
+                <a:lvl2pPr marL="457200" indent="0">
+                  <a:defRPr sz="1100">
+                    <a:solidFill>
+                      <a:schemeClr val="tx1"/>
+                    </a:solidFill>
+                    <a:latin typeface="+mn-lt"/>
+                    <a:ea typeface="+mn-ea"/>
+                    <a:cs typeface="+mn-cs"/>
+                  </a:defRPr>
+                </a:lvl2pPr>
+                <a:lvl3pPr marL="914400" indent="0">
+                  <a:defRPr sz="1100">
+                    <a:solidFill>
+                      <a:schemeClr val="tx1"/>
+                    </a:solidFill>
+                    <a:latin typeface="+mn-lt"/>
+                    <a:ea typeface="+mn-ea"/>
+                    <a:cs typeface="+mn-cs"/>
+                  </a:defRPr>
+                </a:lvl3pPr>
+                <a:lvl4pPr marL="1371600" indent="0">
+                  <a:defRPr sz="1100">
+                    <a:solidFill>
+                      <a:schemeClr val="tx1"/>
+                    </a:solidFill>
+                    <a:latin typeface="+mn-lt"/>
+                    <a:ea typeface="+mn-ea"/>
+                    <a:cs typeface="+mn-cs"/>
+                  </a:defRPr>
+                </a:lvl4pPr>
+                <a:lvl5pPr marL="1828800" indent="0">
+                  <a:defRPr sz="1100">
+                    <a:solidFill>
+                      <a:schemeClr val="tx1"/>
+                    </a:solidFill>
+                    <a:latin typeface="+mn-lt"/>
+                    <a:ea typeface="+mn-ea"/>
+                    <a:cs typeface="+mn-cs"/>
+                  </a:defRPr>
+                </a:lvl5pPr>
+                <a:lvl6pPr marL="2286000" indent="0">
+                  <a:defRPr sz="1100">
+                    <a:solidFill>
+                      <a:schemeClr val="tx1"/>
+                    </a:solidFill>
+                    <a:latin typeface="+mn-lt"/>
+                    <a:ea typeface="+mn-ea"/>
+                    <a:cs typeface="+mn-cs"/>
+                  </a:defRPr>
+                </a:lvl6pPr>
+                <a:lvl7pPr marL="2743200" indent="0">
+                  <a:defRPr sz="1100">
+                    <a:solidFill>
+                      <a:schemeClr val="tx1"/>
+                    </a:solidFill>
+                    <a:latin typeface="+mn-lt"/>
+                    <a:ea typeface="+mn-ea"/>
+                    <a:cs typeface="+mn-cs"/>
+                  </a:defRPr>
+                </a:lvl7pPr>
+                <a:lvl8pPr marL="3200400" indent="0">
+                  <a:defRPr sz="1100">
+                    <a:solidFill>
+                      <a:schemeClr val="tx1"/>
+                    </a:solidFill>
+                    <a:latin typeface="+mn-lt"/>
+                    <a:ea typeface="+mn-ea"/>
+                    <a:cs typeface="+mn-cs"/>
+                  </a:defRPr>
+                </a:lvl8pPr>
+                <a:lvl9pPr marL="3657600" indent="0">
+                  <a:defRPr sz="1100">
+                    <a:solidFill>
+                      <a:schemeClr val="tx1"/>
+                    </a:solidFill>
+                    <a:latin typeface="+mn-lt"/>
+                    <a:ea typeface="+mn-ea"/>
+                    <a:cs typeface="+mn-cs"/>
+                  </a:defRPr>
+                </a:lvl9pPr>
+              </a:lstStyle>
+              <a:p>
+                <a:pPr/>
+                <a14:m>
+                  <m:oMathPara xmlns:m="http://schemas.openxmlformats.org/officeDocument/2006/math">
+                    <m:oMathParaPr>
+                      <m:jc m:val="centerGroup"/>
+                    </m:oMathParaPr>
+                    <m:oMath xmlns:m="http://schemas.openxmlformats.org/officeDocument/2006/math">
+                      <m:f>
+                        <m:fPr>
+                          <m:ctrlPr>
+                            <a:rPr lang="en-US" altLang="zh-CN" sz="1100" i="1">
+                              <a:latin typeface="Cambria Math"/>
+                            </a:rPr>
+                          </m:ctrlPr>
+                        </m:fPr>
+                        <m:num>
+                          <m:r>
+                            <a:rPr lang="en-US" altLang="zh-CN" sz="1100" b="0" i="1">
+                              <a:latin typeface="Cambria Math"/>
+                            </a:rPr>
+                            <m:t>4</m:t>
+                          </m:r>
+                        </m:num>
+                        <m:den>
+                          <m:r>
+                            <a:rPr lang="zh-CN" altLang="en-US" sz="1100" i="1">
+                              <a:latin typeface="Cambria Math"/>
+                            </a:rPr>
+                            <m:t>𝜋</m:t>
+                          </m:r>
+                        </m:den>
+                      </m:f>
+                      <m:nary>
+                        <m:naryPr>
+                          <m:chr m:val="∑"/>
+                          <m:ctrlPr>
+                            <a:rPr lang="en-US" altLang="zh-CN" sz="1100" i="1">
+                              <a:latin typeface="Cambria Math"/>
+                              <a:ea typeface="Cambria Math"/>
+                            </a:rPr>
+                          </m:ctrlPr>
+                        </m:naryPr>
+                        <m:sub>
+                          <m:r>
+                            <m:rPr>
+                              <m:brk m:alnAt="23"/>
+                            </m:rPr>
+                            <a:rPr lang="en-US" altLang="zh-CN" sz="1100" b="0" i="1">
+                              <a:latin typeface="Cambria Math"/>
+                              <a:ea typeface="Cambria Math"/>
+                            </a:rPr>
+                            <m:t>𝑛</m:t>
+                          </m:r>
+                          <m:r>
+                            <a:rPr lang="en-US" altLang="zh-CN" sz="1100" b="0" i="1">
+                              <a:latin typeface="Cambria Math"/>
+                              <a:ea typeface="Cambria Math"/>
+                            </a:rPr>
+                            <m:t>=1,3,5…</m:t>
+                          </m:r>
+                        </m:sub>
+                        <m:sup>
+                          <m:r>
+                            <a:rPr lang="en-US" altLang="zh-CN" sz="1100" i="1">
+                              <a:latin typeface="Cambria Math"/>
+                              <a:ea typeface="Cambria Math"/>
+                            </a:rPr>
+                            <m:t>∞</m:t>
+                          </m:r>
+                        </m:sup>
+                        <m:e>
+                          <m:f>
+                            <m:fPr>
+                              <m:ctrlPr>
+                                <a:rPr lang="en-US" altLang="zh-CN" sz="1100" i="1">
+                                  <a:latin typeface="Cambria Math"/>
+                                  <a:ea typeface="Cambria Math"/>
+                                </a:rPr>
+                              </m:ctrlPr>
+                            </m:fPr>
+                            <m:num>
+                              <m:r>
+                                <a:rPr lang="en-US" altLang="zh-CN" sz="1100" b="0" i="1">
+                                  <a:latin typeface="Cambria Math"/>
+                                  <a:ea typeface="Cambria Math"/>
+                                </a:rPr>
+                                <m:t>1</m:t>
+                              </m:r>
+                            </m:num>
+                            <m:den>
+                              <m:r>
+                                <a:rPr lang="en-US" altLang="zh-CN" sz="1100" b="0" i="1">
+                                  <a:latin typeface="Cambria Math"/>
+                                  <a:ea typeface="Cambria Math"/>
+                                </a:rPr>
+                                <m:t>𝑛</m:t>
+                              </m:r>
+                            </m:den>
+                          </m:f>
+                          <m:r>
+                            <m:rPr>
+                              <m:sty m:val="p"/>
+                            </m:rPr>
+                            <a:rPr lang="en-US" altLang="zh-CN" sz="1100" b="0" i="0">
+                              <a:latin typeface="Cambria Math"/>
+                              <a:ea typeface="Cambria Math"/>
+                            </a:rPr>
+                            <m:t>sin</m:t>
+                          </m:r>
+                          <m:r>
+                            <a:rPr lang="en-US" altLang="zh-CN" sz="1100" b="0" i="1">
+                              <a:latin typeface="Cambria Math"/>
+                              <a:ea typeface="Cambria Math"/>
+                            </a:rPr>
+                            <m:t>⁡(</m:t>
+                          </m:r>
+                          <m:f>
+                            <m:fPr>
+                              <m:ctrlPr>
+                                <a:rPr lang="en-US" altLang="zh-CN" sz="1100" b="0" i="1">
+                                  <a:latin typeface="Cambria Math"/>
+                                  <a:ea typeface="Cambria Math"/>
+                                </a:rPr>
+                              </m:ctrlPr>
+                            </m:fPr>
+                            <m:num>
+                              <m:r>
+                                <a:rPr lang="en-US" altLang="zh-CN" sz="1100" b="0" i="1">
+                                  <a:latin typeface="Cambria Math"/>
+                                  <a:ea typeface="Cambria Math"/>
+                                </a:rPr>
+                                <m:t>𝑛</m:t>
+                              </m:r>
+                              <m:r>
+                                <a:rPr lang="zh-CN" altLang="en-US" sz="1100" b="0" i="1">
+                                  <a:latin typeface="Cambria Math"/>
+                                  <a:ea typeface="Cambria Math"/>
+                                </a:rPr>
+                                <m:t>𝜋</m:t>
+                              </m:r>
+                              <m:r>
+                                <a:rPr lang="en-US" altLang="zh-CN" sz="1100" b="0" i="1">
+                                  <a:latin typeface="Cambria Math"/>
+                                  <a:ea typeface="Cambria Math"/>
+                                </a:rPr>
+                                <m:t>𝑥</m:t>
+                              </m:r>
+                            </m:num>
+                            <m:den>
+                              <m:r>
+                                <a:rPr lang="en-US" altLang="zh-CN" sz="1100" b="0" i="1">
+                                  <a:latin typeface="Cambria Math"/>
+                                  <a:ea typeface="Cambria Math"/>
+                                </a:rPr>
+                                <m:t>𝐿</m:t>
+                              </m:r>
+                            </m:den>
+                          </m:f>
+                          <m:r>
+                            <a:rPr lang="en-US" altLang="zh-CN" sz="1100" b="0" i="1">
+                              <a:latin typeface="Cambria Math"/>
+                              <a:ea typeface="Cambria Math"/>
+                            </a:rPr>
+                            <m:t>)</m:t>
+                          </m:r>
+                        </m:e>
+                      </m:nary>
+                    </m:oMath>
+                  </m:oMathPara>
+                </a14:m>
+                <a:endParaRPr lang="zh-CN" altLang="en-US" sz="1100" dirty="0"/>
+              </a:p>
+            </p:txBody>
+          </p:sp>
+        </mc:Choice>
+        <mc:Fallback>
+          <p:sp>
+            <p:nvSpPr>
+              <p:cNvPr id="4" name="TextBox 5"/>
+              <p:cNvSpPr txBox="1">
+                <a:spLocks noRot="1" noChangeAspect="1" noMove="1" noResize="1" noEditPoints="1" noAdjustHandles="1" noChangeArrowheads="1" noChangeShapeType="1" noTextEdit="1"/>
+              </p:cNvSpPr>
+              <p:nvPr/>
+            </p:nvSpPr>
+            <p:spPr>
+              <a:xfrm>
+                <a:off x="4797742" y="2677579"/>
+                <a:ext cx="2281237" cy="566737"/>
+              </a:xfrm>
+              <a:prstGeom prst="rect">
+                <a:avLst/>
+              </a:prstGeom>
+              <a:blipFill rotWithShape="1">
+                <a:blip r:embed="rId3"/>
+                <a:stretch>
+                  <a:fillRect t="-92473" b="-139785"/>
+                </a:stretch>
+              </a:blipFill>
+            </p:spPr>
+            <p:txBody>
+              <a:bodyPr/>
+              <a:lstStyle/>
+              <a:p>
+                <a:r>
+                  <a:rPr lang="zh-CN" altLang="en-US">
+                    <a:noFill/>
+                  </a:rPr>
+                  <a:t> </a:t>
+                </a:r>
+              </a:p>
+            </p:txBody>
+          </p:sp>
+        </mc:Fallback>
+      </mc:AlternateContent>
+      <mc:AlternateContent xmlns:mc="http://schemas.openxmlformats.org/markup-compatibility/2006">
+        <mc:Choice xmlns:a14="http://schemas.microsoft.com/office/drawing/2010/main" Requires="a14">
+          <p:sp>
+            <p:nvSpPr>
+              <p:cNvPr id="5" name="TextBox 6"/>
+              <p:cNvSpPr txBox="1"/>
+              <p:nvPr/>
+            </p:nvSpPr>
+            <p:spPr>
+              <a:xfrm>
+                <a:off x="2609864" y="3455286"/>
+                <a:ext cx="2209800" cy="381000"/>
+              </a:xfrm>
+              <a:prstGeom prst="rect">
+                <a:avLst/>
+              </a:prstGeom>
+              <a:noFill/>
+            </p:spPr>
+            <p:style>
+              <a:lnRef idx="0">
+                <a:scrgbClr r="0" g="0" b="0"/>
+              </a:lnRef>
+              <a:fillRef idx="0">
+                <a:scrgbClr r="0" g="0" b="0"/>
+              </a:fillRef>
+              <a:effectRef idx="0">
+                <a:scrgbClr r="0" g="0" b="0"/>
+              </a:effectRef>
+              <a:fontRef idx="minor">
+                <a:schemeClr val="tx1"/>
+              </a:fontRef>
+            </p:style>
+            <p:txBody>
+              <a:bodyPr wrap="square" rtlCol="0" anchor="t">
+                <a:spAutoFit/>
+              </a:bodyPr>
+              <a:lstStyle>
+                <a:lvl1pPr marL="0" indent="0">
+                  <a:defRPr sz="1100">
+                    <a:solidFill>
+                      <a:schemeClr val="tx1"/>
+                    </a:solidFill>
+                    <a:latin typeface="+mn-lt"/>
+                    <a:ea typeface="+mn-ea"/>
+                    <a:cs typeface="+mn-cs"/>
+                  </a:defRPr>
+                </a:lvl1pPr>
+                <a:lvl2pPr marL="457200" indent="0">
+                  <a:defRPr sz="1100">
+                    <a:solidFill>
+                      <a:schemeClr val="tx1"/>
+                    </a:solidFill>
+                    <a:latin typeface="+mn-lt"/>
+                    <a:ea typeface="+mn-ea"/>
+                    <a:cs typeface="+mn-cs"/>
+                  </a:defRPr>
+                </a:lvl2pPr>
+                <a:lvl3pPr marL="914400" indent="0">
+                  <a:defRPr sz="1100">
+                    <a:solidFill>
+                      <a:schemeClr val="tx1"/>
+                    </a:solidFill>
+                    <a:latin typeface="+mn-lt"/>
+                    <a:ea typeface="+mn-ea"/>
+                    <a:cs typeface="+mn-cs"/>
+                  </a:defRPr>
+                </a:lvl3pPr>
+                <a:lvl4pPr marL="1371600" indent="0">
+                  <a:defRPr sz="1100">
+                    <a:solidFill>
+                      <a:schemeClr val="tx1"/>
+                    </a:solidFill>
+                    <a:latin typeface="+mn-lt"/>
+                    <a:ea typeface="+mn-ea"/>
+                    <a:cs typeface="+mn-cs"/>
+                  </a:defRPr>
+                </a:lvl4pPr>
+                <a:lvl5pPr marL="1828800" indent="0">
+                  <a:defRPr sz="1100">
+                    <a:solidFill>
+                      <a:schemeClr val="tx1"/>
+                    </a:solidFill>
+                    <a:latin typeface="+mn-lt"/>
+                    <a:ea typeface="+mn-ea"/>
+                    <a:cs typeface="+mn-cs"/>
+                  </a:defRPr>
+                </a:lvl5pPr>
+                <a:lvl6pPr marL="2286000" indent="0">
+                  <a:defRPr sz="1100">
+                    <a:solidFill>
+                      <a:schemeClr val="tx1"/>
+                    </a:solidFill>
+                    <a:latin typeface="+mn-lt"/>
+                    <a:ea typeface="+mn-ea"/>
+                    <a:cs typeface="+mn-cs"/>
+                  </a:defRPr>
+                </a:lvl6pPr>
+                <a:lvl7pPr marL="2743200" indent="0">
+                  <a:defRPr sz="1100">
+                    <a:solidFill>
+                      <a:schemeClr val="tx1"/>
+                    </a:solidFill>
+                    <a:latin typeface="+mn-lt"/>
+                    <a:ea typeface="+mn-ea"/>
+                    <a:cs typeface="+mn-cs"/>
+                  </a:defRPr>
+                </a:lvl7pPr>
+                <a:lvl8pPr marL="3200400" indent="0">
+                  <a:defRPr sz="1100">
+                    <a:solidFill>
+                      <a:schemeClr val="tx1"/>
+                    </a:solidFill>
+                    <a:latin typeface="+mn-lt"/>
+                    <a:ea typeface="+mn-ea"/>
+                    <a:cs typeface="+mn-cs"/>
+                  </a:defRPr>
+                </a:lvl8pPr>
+                <a:lvl9pPr marL="3657600" indent="0">
+                  <a:defRPr sz="1100">
+                    <a:solidFill>
+                      <a:schemeClr val="tx1"/>
+                    </a:solidFill>
+                    <a:latin typeface="+mn-lt"/>
+                    <a:ea typeface="+mn-ea"/>
+                    <a:cs typeface="+mn-cs"/>
+                  </a:defRPr>
+                </a:lvl9pPr>
+              </a:lstStyle>
+              <a:p>
+                <a:pPr/>
+                <a14:m>
+                  <m:oMathPara xmlns:m="http://schemas.openxmlformats.org/officeDocument/2006/math">
+                    <m:oMathParaPr>
+                      <m:jc m:val="centerGroup"/>
+                    </m:oMathParaPr>
+                    <m:oMath xmlns:m="http://schemas.openxmlformats.org/officeDocument/2006/math">
+                      <m:f>
+                        <m:fPr>
+                          <m:ctrlPr>
+                            <a:rPr lang="en-US" altLang="zh-CN" sz="1100" i="1">
+                              <a:latin typeface="Cambria Math"/>
+                            </a:rPr>
+                          </m:ctrlPr>
+                        </m:fPr>
+                        <m:num>
+                          <m:r>
+                            <a:rPr lang="en-US" altLang="zh-CN" sz="1100" b="0" i="1">
+                              <a:latin typeface="Cambria Math"/>
+                            </a:rPr>
+                            <m:t>𝑥</m:t>
+                          </m:r>
+                        </m:num>
+                        <m:den>
+                          <m:r>
+                            <a:rPr lang="en-US" altLang="zh-CN" sz="1100" b="0" i="1">
+                              <a:latin typeface="Cambria Math"/>
+                            </a:rPr>
+                            <m:t>2</m:t>
+                          </m:r>
+                          <m:r>
+                            <a:rPr lang="en-US" altLang="zh-CN" sz="1100" b="0" i="1">
+                              <a:latin typeface="Cambria Math"/>
+                            </a:rPr>
+                            <m:t>𝐿</m:t>
+                          </m:r>
+                        </m:den>
+                      </m:f>
+                    </m:oMath>
+                  </m:oMathPara>
+                </a14:m>
+                <a:endParaRPr lang="zh-CN" altLang="en-US" sz="1100" dirty="0"/>
+              </a:p>
+            </p:txBody>
+          </p:sp>
+        </mc:Choice>
+        <mc:Fallback>
+          <p:sp>
+            <p:nvSpPr>
+              <p:cNvPr id="5" name="TextBox 6"/>
+              <p:cNvSpPr txBox="1">
+                <a:spLocks noRot="1" noChangeAspect="1" noMove="1" noResize="1" noEditPoints="1" noAdjustHandles="1" noChangeArrowheads="1" noChangeShapeType="1" noTextEdit="1"/>
+              </p:cNvSpPr>
+              <p:nvPr/>
+            </p:nvSpPr>
+            <p:spPr>
+              <a:xfrm>
+                <a:off x="2609864" y="3455286"/>
+                <a:ext cx="2209800" cy="381000"/>
+              </a:xfrm>
+              <a:prstGeom prst="rect">
+                <a:avLst/>
+              </a:prstGeom>
+              <a:blipFill rotWithShape="1">
+                <a:blip r:embed="rId4"/>
+                <a:stretch>
+                  <a:fillRect/>
+                </a:stretch>
+              </a:blipFill>
+            </p:spPr>
+            <p:txBody>
+              <a:bodyPr/>
+              <a:lstStyle/>
+              <a:p>
+                <a:r>
+                  <a:rPr lang="zh-CN" altLang="en-US">
+                    <a:noFill/>
+                  </a:rPr>
+                  <a:t> </a:t>
+                </a:r>
+              </a:p>
+            </p:txBody>
+          </p:sp>
+        </mc:Fallback>
+      </mc:AlternateContent>
+      <mc:AlternateContent xmlns:mc="http://schemas.openxmlformats.org/markup-compatibility/2006">
+        <mc:Choice xmlns:a14="http://schemas.microsoft.com/office/drawing/2010/main" Requires="a14">
+          <p:sp>
+            <p:nvSpPr>
+              <p:cNvPr id="6" name="TextBox 7"/>
+              <p:cNvSpPr txBox="1"/>
+              <p:nvPr/>
+            </p:nvSpPr>
+            <p:spPr>
+              <a:xfrm>
+                <a:off x="4796798" y="3362418"/>
+                <a:ext cx="2281237" cy="566737"/>
+              </a:xfrm>
+              <a:prstGeom prst="rect">
+                <a:avLst/>
+              </a:prstGeom>
+              <a:noFill/>
+            </p:spPr>
+            <p:style>
+              <a:lnRef idx="0">
+                <a:scrgbClr r="0" g="0" b="0"/>
+              </a:lnRef>
+              <a:fillRef idx="0">
+                <a:scrgbClr r="0" g="0" b="0"/>
+              </a:fillRef>
+              <a:effectRef idx="0">
+                <a:scrgbClr r="0" g="0" b="0"/>
+              </a:effectRef>
+              <a:fontRef idx="minor">
+                <a:schemeClr val="tx1"/>
+              </a:fontRef>
+            </p:style>
+            <p:txBody>
+              <a:bodyPr wrap="square" rtlCol="0" anchor="t">
+                <a:spAutoFit/>
+              </a:bodyPr>
+              <a:lstStyle>
+                <a:lvl1pPr marL="0" indent="0">
+                  <a:defRPr sz="1100">
+                    <a:solidFill>
+                      <a:schemeClr val="tx1"/>
+                    </a:solidFill>
+                    <a:latin typeface="+mn-lt"/>
+                    <a:ea typeface="+mn-ea"/>
+                    <a:cs typeface="+mn-cs"/>
+                  </a:defRPr>
+                </a:lvl1pPr>
+                <a:lvl2pPr marL="457200" indent="0">
+                  <a:defRPr sz="1100">
+                    <a:solidFill>
+                      <a:schemeClr val="tx1"/>
+                    </a:solidFill>
+                    <a:latin typeface="+mn-lt"/>
+                    <a:ea typeface="+mn-ea"/>
+                    <a:cs typeface="+mn-cs"/>
+                  </a:defRPr>
+                </a:lvl2pPr>
+                <a:lvl3pPr marL="914400" indent="0">
+                  <a:defRPr sz="1100">
+                    <a:solidFill>
+                      <a:schemeClr val="tx1"/>
+                    </a:solidFill>
+                    <a:latin typeface="+mn-lt"/>
+                    <a:ea typeface="+mn-ea"/>
+                    <a:cs typeface="+mn-cs"/>
+                  </a:defRPr>
+                </a:lvl3pPr>
+                <a:lvl4pPr marL="1371600" indent="0">
+                  <a:defRPr sz="1100">
+                    <a:solidFill>
+                      <a:schemeClr val="tx1"/>
+                    </a:solidFill>
+                    <a:latin typeface="+mn-lt"/>
+                    <a:ea typeface="+mn-ea"/>
+                    <a:cs typeface="+mn-cs"/>
+                  </a:defRPr>
+                </a:lvl4pPr>
+                <a:lvl5pPr marL="1828800" indent="0">
+                  <a:defRPr sz="1100">
+                    <a:solidFill>
+                      <a:schemeClr val="tx1"/>
+                    </a:solidFill>
+                    <a:latin typeface="+mn-lt"/>
+                    <a:ea typeface="+mn-ea"/>
+                    <a:cs typeface="+mn-cs"/>
+                  </a:defRPr>
+                </a:lvl5pPr>
+                <a:lvl6pPr marL="2286000" indent="0">
+                  <a:defRPr sz="1100">
+                    <a:solidFill>
+                      <a:schemeClr val="tx1"/>
+                    </a:solidFill>
+                    <a:latin typeface="+mn-lt"/>
+                    <a:ea typeface="+mn-ea"/>
+                    <a:cs typeface="+mn-cs"/>
+                  </a:defRPr>
+                </a:lvl6pPr>
+                <a:lvl7pPr marL="2743200" indent="0">
+                  <a:defRPr sz="1100">
+                    <a:solidFill>
+                      <a:schemeClr val="tx1"/>
+                    </a:solidFill>
+                    <a:latin typeface="+mn-lt"/>
+                    <a:ea typeface="+mn-ea"/>
+                    <a:cs typeface="+mn-cs"/>
+                  </a:defRPr>
+                </a:lvl7pPr>
+                <a:lvl8pPr marL="3200400" indent="0">
+                  <a:defRPr sz="1100">
+                    <a:solidFill>
+                      <a:schemeClr val="tx1"/>
+                    </a:solidFill>
+                    <a:latin typeface="+mn-lt"/>
+                    <a:ea typeface="+mn-ea"/>
+                    <a:cs typeface="+mn-cs"/>
+                  </a:defRPr>
+                </a:lvl8pPr>
+                <a:lvl9pPr marL="3657600" indent="0">
+                  <a:defRPr sz="1100">
+                    <a:solidFill>
+                      <a:schemeClr val="tx1"/>
+                    </a:solidFill>
+                    <a:latin typeface="+mn-lt"/>
+                    <a:ea typeface="+mn-ea"/>
+                    <a:cs typeface="+mn-cs"/>
+                  </a:defRPr>
+                </a:lvl9pPr>
+              </a:lstStyle>
+              <a:p>
+                <a:pPr/>
+                <a14:m>
+                  <m:oMathPara xmlns:m="http://schemas.openxmlformats.org/officeDocument/2006/math">
+                    <m:oMathParaPr>
+                      <m:jc m:val="centerGroup"/>
+                    </m:oMathParaPr>
+                    <m:oMath xmlns:m="http://schemas.openxmlformats.org/officeDocument/2006/math">
+                      <m:f>
+                        <m:fPr>
+                          <m:ctrlPr>
+                            <a:rPr lang="en-US" altLang="zh-CN" sz="1100" i="1">
+                              <a:latin typeface="Cambria Math"/>
+                            </a:rPr>
+                          </m:ctrlPr>
+                        </m:fPr>
+                        <m:num>
+                          <m:r>
+                            <a:rPr lang="en-US" altLang="zh-CN" sz="1100" b="0" i="1">
+                              <a:latin typeface="Cambria Math"/>
+                            </a:rPr>
+                            <m:t>1</m:t>
+                          </m:r>
+                        </m:num>
+                        <m:den>
+                          <m:r>
+                            <a:rPr lang="en-US" altLang="zh-CN" sz="1100" b="0" i="1">
+                              <a:latin typeface="Cambria Math"/>
+                            </a:rPr>
+                            <m:t>2</m:t>
+                          </m:r>
+                        </m:den>
+                      </m:f>
+                      <m:r>
+                        <a:rPr lang="en-US" altLang="zh-CN" sz="1100" b="0" i="1">
+                          <a:latin typeface="Cambria Math"/>
+                        </a:rPr>
+                        <m:t>−</m:t>
+                      </m:r>
+                      <m:f>
+                        <m:fPr>
+                          <m:ctrlPr>
+                            <a:rPr lang="en-US" altLang="zh-CN" sz="1100" i="1">
+                              <a:latin typeface="Cambria Math"/>
+                            </a:rPr>
+                          </m:ctrlPr>
+                        </m:fPr>
+                        <m:num>
+                          <m:r>
+                            <a:rPr lang="en-US" altLang="zh-CN" sz="1100" b="0" i="1">
+                              <a:latin typeface="Cambria Math"/>
+                            </a:rPr>
+                            <m:t>1</m:t>
+                          </m:r>
+                        </m:num>
+                        <m:den>
+                          <m:r>
+                            <a:rPr lang="zh-CN" altLang="en-US" sz="1100" i="1">
+                              <a:latin typeface="Cambria Math"/>
+                            </a:rPr>
+                            <m:t>𝜋</m:t>
+                          </m:r>
+                        </m:den>
+                      </m:f>
+                      <m:nary>
+                        <m:naryPr>
+                          <m:chr m:val="∑"/>
+                          <m:ctrlPr>
+                            <a:rPr lang="en-US" altLang="zh-CN" sz="1100" i="1">
+                              <a:latin typeface="Cambria Math"/>
+                              <a:ea typeface="Cambria Math"/>
+                            </a:rPr>
+                          </m:ctrlPr>
+                        </m:naryPr>
+                        <m:sub>
+                          <m:r>
+                            <m:rPr>
+                              <m:brk m:alnAt="23"/>
+                            </m:rPr>
+                            <a:rPr lang="en-US" altLang="zh-CN" sz="1100" b="0" i="1">
+                              <a:latin typeface="Cambria Math"/>
+                              <a:ea typeface="Cambria Math"/>
+                            </a:rPr>
+                            <m:t>𝑛</m:t>
+                          </m:r>
+                          <m:r>
+                            <a:rPr lang="en-US" altLang="zh-CN" sz="1100" b="0" i="1">
+                              <a:latin typeface="Cambria Math"/>
+                              <a:ea typeface="Cambria Math"/>
+                            </a:rPr>
+                            <m:t>=1</m:t>
+                          </m:r>
+                        </m:sub>
+                        <m:sup>
+                          <m:r>
+                            <a:rPr lang="en-US" altLang="zh-CN" sz="1100" i="1">
+                              <a:latin typeface="Cambria Math"/>
+                              <a:ea typeface="Cambria Math"/>
+                            </a:rPr>
+                            <m:t>∞</m:t>
+                          </m:r>
+                        </m:sup>
+                        <m:e>
+                          <m:f>
+                            <m:fPr>
+                              <m:ctrlPr>
+                                <a:rPr lang="en-US" altLang="zh-CN" sz="1100" i="1">
+                                  <a:latin typeface="Cambria Math"/>
+                                  <a:ea typeface="Cambria Math"/>
+                                </a:rPr>
+                              </m:ctrlPr>
+                            </m:fPr>
+                            <m:num>
+                              <m:r>
+                                <a:rPr lang="en-US" altLang="zh-CN" sz="1100" b="0" i="1">
+                                  <a:latin typeface="Cambria Math"/>
+                                  <a:ea typeface="Cambria Math"/>
+                                </a:rPr>
+                                <m:t>1</m:t>
+                              </m:r>
+                            </m:num>
+                            <m:den>
+                              <m:r>
+                                <a:rPr lang="en-US" altLang="zh-CN" sz="1100" b="0" i="1">
+                                  <a:latin typeface="Cambria Math"/>
+                                  <a:ea typeface="Cambria Math"/>
+                                </a:rPr>
+                                <m:t>𝑛</m:t>
+                              </m:r>
+                            </m:den>
+                          </m:f>
+                          <m:r>
+                            <m:rPr>
+                              <m:sty m:val="p"/>
+                            </m:rPr>
+                            <a:rPr lang="en-US" altLang="zh-CN" sz="1100" b="0" i="0">
+                              <a:latin typeface="Cambria Math"/>
+                              <a:ea typeface="Cambria Math"/>
+                            </a:rPr>
+                            <m:t>sin</m:t>
+                          </m:r>
+                          <m:r>
+                            <a:rPr lang="en-US" altLang="zh-CN" sz="1100" b="0" i="1">
+                              <a:latin typeface="Cambria Math"/>
+                              <a:ea typeface="Cambria Math"/>
+                            </a:rPr>
+                            <m:t>⁡(</m:t>
+                          </m:r>
+                          <m:f>
+                            <m:fPr>
+                              <m:ctrlPr>
+                                <a:rPr lang="en-US" altLang="zh-CN" sz="1100" b="0" i="1">
+                                  <a:latin typeface="Cambria Math"/>
+                                  <a:ea typeface="Cambria Math"/>
+                                </a:rPr>
+                              </m:ctrlPr>
+                            </m:fPr>
+                            <m:num>
+                              <m:r>
+                                <a:rPr lang="en-US" altLang="zh-CN" sz="1100" b="0" i="1">
+                                  <a:latin typeface="Cambria Math"/>
+                                  <a:ea typeface="Cambria Math"/>
+                                </a:rPr>
+                                <m:t>𝑛</m:t>
+                              </m:r>
+                              <m:r>
+                                <a:rPr lang="zh-CN" altLang="en-US" sz="1100" b="0" i="1">
+                                  <a:latin typeface="Cambria Math"/>
+                                  <a:ea typeface="Cambria Math"/>
+                                </a:rPr>
+                                <m:t>𝜋</m:t>
+                              </m:r>
+                              <m:r>
+                                <a:rPr lang="en-US" altLang="zh-CN" sz="1100" b="0" i="1">
+                                  <a:latin typeface="Cambria Math"/>
+                                  <a:ea typeface="Cambria Math"/>
+                                </a:rPr>
+                                <m:t>𝑥</m:t>
+                              </m:r>
+                            </m:num>
+                            <m:den>
+                              <m:r>
+                                <a:rPr lang="en-US" altLang="zh-CN" sz="1100" b="0" i="1">
+                                  <a:latin typeface="Cambria Math"/>
+                                  <a:ea typeface="Cambria Math"/>
+                                </a:rPr>
+                                <m:t>𝐿</m:t>
+                              </m:r>
+                            </m:den>
+                          </m:f>
+                          <m:r>
+                            <a:rPr lang="en-US" altLang="zh-CN" sz="1100" b="0" i="1">
+                              <a:latin typeface="Cambria Math"/>
+                              <a:ea typeface="Cambria Math"/>
+                            </a:rPr>
+                            <m:t>)</m:t>
+                          </m:r>
+                        </m:e>
+                      </m:nary>
+                    </m:oMath>
+                  </m:oMathPara>
+                </a14:m>
+                <a:endParaRPr lang="zh-CN" altLang="en-US" sz="1100" dirty="0"/>
+              </a:p>
+            </p:txBody>
+          </p:sp>
+        </mc:Choice>
+        <mc:Fallback>
+          <p:sp>
+            <p:nvSpPr>
+              <p:cNvPr id="6" name="TextBox 7"/>
+              <p:cNvSpPr txBox="1">
+                <a:spLocks noRot="1" noChangeAspect="1" noMove="1" noResize="1" noEditPoints="1" noAdjustHandles="1" noChangeArrowheads="1" noChangeShapeType="1" noTextEdit="1"/>
+              </p:cNvSpPr>
+              <p:nvPr/>
+            </p:nvSpPr>
+            <p:spPr>
+              <a:xfrm>
+                <a:off x="4796798" y="3362418"/>
+                <a:ext cx="2281237" cy="566737"/>
+              </a:xfrm>
+              <a:prstGeom prst="rect">
+                <a:avLst/>
+              </a:prstGeom>
+              <a:blipFill rotWithShape="1">
+                <a:blip r:embed="rId5"/>
+                <a:stretch>
+                  <a:fillRect t="-92473" b="-139785"/>
+                </a:stretch>
+              </a:blipFill>
+            </p:spPr>
+            <p:txBody>
+              <a:bodyPr/>
+              <a:lstStyle/>
+              <a:p>
+                <a:r>
+                  <a:rPr lang="zh-CN" altLang="en-US">
+                    <a:noFill/>
+                  </a:rPr>
+                  <a:t> </a:t>
+                </a:r>
+              </a:p>
+            </p:txBody>
+          </p:sp>
+        </mc:Fallback>
+      </mc:AlternateContent>
+      <mc:AlternateContent xmlns:mc="http://schemas.openxmlformats.org/markup-compatibility/2006">
+        <mc:Choice xmlns:a14="http://schemas.microsoft.com/office/drawing/2010/main" Requires="a14">
+          <p:sp>
+            <p:nvSpPr>
+              <p:cNvPr id="7" name="TextBox 9"/>
+              <p:cNvSpPr txBox="1"/>
+              <p:nvPr/>
+            </p:nvSpPr>
+            <p:spPr>
+              <a:xfrm>
+                <a:off x="4654638" y="4082185"/>
+                <a:ext cx="2281238" cy="566738"/>
+              </a:xfrm>
+              <a:prstGeom prst="rect">
+                <a:avLst/>
+              </a:prstGeom>
+              <a:noFill/>
+            </p:spPr>
+            <p:style>
+              <a:lnRef idx="0">
+                <a:scrgbClr r="0" g="0" b="0"/>
+              </a:lnRef>
+              <a:fillRef idx="0">
+                <a:scrgbClr r="0" g="0" b="0"/>
+              </a:fillRef>
+              <a:effectRef idx="0">
+                <a:scrgbClr r="0" g="0" b="0"/>
+              </a:effectRef>
+              <a:fontRef idx="minor">
+                <a:schemeClr val="tx1"/>
+              </a:fontRef>
+            </p:style>
+            <p:txBody>
+              <a:bodyPr wrap="square" rtlCol="0" anchor="t">
+                <a:spAutoFit/>
+              </a:bodyPr>
+              <a:lstStyle>
+                <a:lvl1pPr marL="0" indent="0">
+                  <a:defRPr sz="1100">
+                    <a:solidFill>
+                      <a:schemeClr val="tx1"/>
+                    </a:solidFill>
+                    <a:latin typeface="+mn-lt"/>
+                    <a:ea typeface="+mn-ea"/>
+                    <a:cs typeface="+mn-cs"/>
+                  </a:defRPr>
+                </a:lvl1pPr>
+                <a:lvl2pPr marL="457200" indent="0">
+                  <a:defRPr sz="1100">
+                    <a:solidFill>
+                      <a:schemeClr val="tx1"/>
+                    </a:solidFill>
+                    <a:latin typeface="+mn-lt"/>
+                    <a:ea typeface="+mn-ea"/>
+                    <a:cs typeface="+mn-cs"/>
+                  </a:defRPr>
+                </a:lvl2pPr>
+                <a:lvl3pPr marL="914400" indent="0">
+                  <a:defRPr sz="1100">
+                    <a:solidFill>
+                      <a:schemeClr val="tx1"/>
+                    </a:solidFill>
+                    <a:latin typeface="+mn-lt"/>
+                    <a:ea typeface="+mn-ea"/>
+                    <a:cs typeface="+mn-cs"/>
+                  </a:defRPr>
+                </a:lvl3pPr>
+                <a:lvl4pPr marL="1371600" indent="0">
+                  <a:defRPr sz="1100">
+                    <a:solidFill>
+                      <a:schemeClr val="tx1"/>
+                    </a:solidFill>
+                    <a:latin typeface="+mn-lt"/>
+                    <a:ea typeface="+mn-ea"/>
+                    <a:cs typeface="+mn-cs"/>
+                  </a:defRPr>
+                </a:lvl4pPr>
+                <a:lvl5pPr marL="1828800" indent="0">
+                  <a:defRPr sz="1100">
+                    <a:solidFill>
+                      <a:schemeClr val="tx1"/>
+                    </a:solidFill>
+                    <a:latin typeface="+mn-lt"/>
+                    <a:ea typeface="+mn-ea"/>
+                    <a:cs typeface="+mn-cs"/>
+                  </a:defRPr>
+                </a:lvl5pPr>
+                <a:lvl6pPr marL="2286000" indent="0">
+                  <a:defRPr sz="1100">
+                    <a:solidFill>
+                      <a:schemeClr val="tx1"/>
+                    </a:solidFill>
+                    <a:latin typeface="+mn-lt"/>
+                    <a:ea typeface="+mn-ea"/>
+                    <a:cs typeface="+mn-cs"/>
+                  </a:defRPr>
+                </a:lvl6pPr>
+                <a:lvl7pPr marL="2743200" indent="0">
+                  <a:defRPr sz="1100">
+                    <a:solidFill>
+                      <a:schemeClr val="tx1"/>
+                    </a:solidFill>
+                    <a:latin typeface="+mn-lt"/>
+                    <a:ea typeface="+mn-ea"/>
+                    <a:cs typeface="+mn-cs"/>
+                  </a:defRPr>
+                </a:lvl7pPr>
+                <a:lvl8pPr marL="3200400" indent="0">
+                  <a:defRPr sz="1100">
+                    <a:solidFill>
+                      <a:schemeClr val="tx1"/>
+                    </a:solidFill>
+                    <a:latin typeface="+mn-lt"/>
+                    <a:ea typeface="+mn-ea"/>
+                    <a:cs typeface="+mn-cs"/>
+                  </a:defRPr>
+                </a:lvl8pPr>
+                <a:lvl9pPr marL="3657600" indent="0">
+                  <a:defRPr sz="1100">
+                    <a:solidFill>
+                      <a:schemeClr val="tx1"/>
+                    </a:solidFill>
+                    <a:latin typeface="+mn-lt"/>
+                    <a:ea typeface="+mn-ea"/>
+                    <a:cs typeface="+mn-cs"/>
+                  </a:defRPr>
+                </a:lvl9pPr>
+              </a:lstStyle>
+              <a:p>
+                <a:pPr/>
+                <a14:m>
+                  <m:oMathPara xmlns:m="http://schemas.openxmlformats.org/officeDocument/2006/math">
+                    <m:oMathParaPr>
+                      <m:jc m:val="centerGroup"/>
+                    </m:oMathParaPr>
+                    <m:oMath xmlns:m="http://schemas.openxmlformats.org/officeDocument/2006/math">
+                      <m:f>
+                        <m:fPr>
+                          <m:ctrlPr>
+                            <a:rPr lang="en-US" altLang="zh-CN" sz="1100" i="1">
+                              <a:latin typeface="Cambria Math"/>
+                            </a:rPr>
+                          </m:ctrlPr>
+                        </m:fPr>
+                        <m:num>
+                          <m:r>
+                            <a:rPr lang="en-US" altLang="zh-CN" sz="1100" b="0" i="1">
+                              <a:latin typeface="Cambria Math"/>
+                            </a:rPr>
+                            <m:t>8</m:t>
+                          </m:r>
+                        </m:num>
+                        <m:den>
+                          <m:sSup>
+                            <m:sSupPr>
+                              <m:ctrlPr>
+                                <a:rPr lang="en-US" altLang="zh-CN" sz="1100" i="1">
+                                  <a:latin typeface="Cambria Math"/>
+                                </a:rPr>
+                              </m:ctrlPr>
+                            </m:sSupPr>
+                            <m:e>
+                              <m:r>
+                                <a:rPr lang="zh-CN" altLang="en-US" sz="1100" i="1">
+                                  <a:latin typeface="Cambria Math"/>
+                                </a:rPr>
+                                <m:t>𝜋</m:t>
+                              </m:r>
+                            </m:e>
+                            <m:sup>
+                              <m:r>
+                                <a:rPr lang="en-US" altLang="zh-CN" sz="1100" b="0" i="1">
+                                  <a:latin typeface="Cambria Math"/>
+                                </a:rPr>
+                                <m:t>2</m:t>
+                              </m:r>
+                            </m:sup>
+                          </m:sSup>
+                        </m:den>
+                      </m:f>
+                      <m:nary>
+                        <m:naryPr>
+                          <m:chr m:val="∑"/>
+                          <m:ctrlPr>
+                            <a:rPr lang="en-US" altLang="zh-CN" sz="1100" i="1">
+                              <a:latin typeface="Cambria Math"/>
+                              <a:ea typeface="Cambria Math"/>
+                            </a:rPr>
+                          </m:ctrlPr>
+                        </m:naryPr>
+                        <m:sub>
+                          <m:r>
+                            <m:rPr>
+                              <m:brk m:alnAt="23"/>
+                            </m:rPr>
+                            <a:rPr lang="en-US" altLang="zh-CN" sz="1100" b="0" i="1">
+                              <a:latin typeface="Cambria Math"/>
+                              <a:ea typeface="Cambria Math"/>
+                            </a:rPr>
+                            <m:t>𝑛</m:t>
+                          </m:r>
+                          <m:r>
+                            <a:rPr lang="en-US" altLang="zh-CN" sz="1100" b="0" i="1">
+                              <a:latin typeface="Cambria Math"/>
+                              <a:ea typeface="Cambria Math"/>
+                            </a:rPr>
+                            <m:t>=1,3,5…</m:t>
+                          </m:r>
+                        </m:sub>
+                        <m:sup>
+                          <m:r>
+                            <a:rPr lang="en-US" altLang="zh-CN" sz="1100" i="1">
+                              <a:latin typeface="Cambria Math"/>
+                              <a:ea typeface="Cambria Math"/>
+                            </a:rPr>
+                            <m:t>∞</m:t>
+                          </m:r>
+                        </m:sup>
+                        <m:e>
+                          <m:f>
+                            <m:fPr>
+                              <m:ctrlPr>
+                                <a:rPr lang="en-US" altLang="zh-CN" sz="1100" i="1">
+                                  <a:latin typeface="Cambria Math"/>
+                                  <a:ea typeface="Cambria Math"/>
+                                </a:rPr>
+                              </m:ctrlPr>
+                            </m:fPr>
+                            <m:num>
+                              <m:sSup>
+                                <m:sSupPr>
+                                  <m:ctrlPr>
+                                    <a:rPr lang="en-US" altLang="zh-CN" sz="1100" i="1">
+                                      <a:latin typeface="Cambria Math"/>
+                                      <a:ea typeface="Cambria Math"/>
+                                    </a:rPr>
+                                  </m:ctrlPr>
+                                </m:sSupPr>
+                                <m:e>
+                                  <m:r>
+                                    <a:rPr lang="en-US" altLang="zh-CN" sz="1100" b="0" i="1">
+                                      <a:latin typeface="Cambria Math"/>
+                                      <a:ea typeface="Cambria Math"/>
+                                    </a:rPr>
+                                    <m:t>(−1)</m:t>
+                                  </m:r>
+                                </m:e>
+                                <m:sup>
+                                  <m:r>
+                                    <a:rPr lang="en-US" altLang="zh-CN" sz="1100" b="0" i="1">
+                                      <a:latin typeface="Cambria Math"/>
+                                      <a:ea typeface="Cambria Math"/>
+                                    </a:rPr>
+                                    <m:t>(</m:t>
+                                  </m:r>
+                                  <m:r>
+                                    <a:rPr lang="en-US" altLang="zh-CN" sz="1100" b="0" i="1">
+                                      <a:latin typeface="Cambria Math"/>
+                                      <a:ea typeface="Cambria Math"/>
+                                    </a:rPr>
+                                    <m:t>𝑛</m:t>
+                                  </m:r>
+                                  <m:r>
+                                    <a:rPr lang="en-US" altLang="zh-CN" sz="1100" b="0" i="1">
+                                      <a:latin typeface="Cambria Math"/>
+                                      <a:ea typeface="Cambria Math"/>
+                                    </a:rPr>
+                                    <m:t>−1)/2</m:t>
+                                  </m:r>
+                                </m:sup>
+                              </m:sSup>
+                            </m:num>
+                            <m:den>
+                              <m:sSup>
+                                <m:sSupPr>
+                                  <m:ctrlPr>
+                                    <a:rPr lang="en-US" altLang="zh-CN" sz="1100" b="0" i="1">
+                                      <a:latin typeface="Cambria Math"/>
+                                      <a:ea typeface="Cambria Math"/>
+                                    </a:rPr>
+                                  </m:ctrlPr>
+                                </m:sSupPr>
+                                <m:e>
+                                  <m:r>
+                                    <a:rPr lang="en-US" altLang="zh-CN" sz="1100" b="0" i="1">
+                                      <a:latin typeface="Cambria Math"/>
+                                      <a:ea typeface="Cambria Math"/>
+                                    </a:rPr>
+                                    <m:t>𝑛</m:t>
+                                  </m:r>
+                                </m:e>
+                                <m:sup>
+                                  <m:r>
+                                    <a:rPr lang="en-US" altLang="zh-CN" sz="1100" b="0" i="1">
+                                      <a:latin typeface="Cambria Math"/>
+                                      <a:ea typeface="Cambria Math"/>
+                                    </a:rPr>
+                                    <m:t>2</m:t>
+                                  </m:r>
+                                </m:sup>
+                              </m:sSup>
+                            </m:den>
+                          </m:f>
+                          <m:r>
+                            <m:rPr>
+                              <m:sty m:val="p"/>
+                            </m:rPr>
+                            <a:rPr lang="en-US" altLang="zh-CN" sz="1100" b="0" i="0">
+                              <a:latin typeface="Cambria Math"/>
+                              <a:ea typeface="Cambria Math"/>
+                            </a:rPr>
+                            <m:t>sin</m:t>
+                          </m:r>
+                          <m:r>
+                            <a:rPr lang="en-US" altLang="zh-CN" sz="1100" b="0" i="1">
+                              <a:latin typeface="Cambria Math"/>
+                              <a:ea typeface="Cambria Math"/>
+                            </a:rPr>
+                            <m:t>⁡(</m:t>
+                          </m:r>
+                          <m:f>
+                            <m:fPr>
+                              <m:ctrlPr>
+                                <a:rPr lang="en-US" altLang="zh-CN" sz="1100" b="0" i="1">
+                                  <a:latin typeface="Cambria Math"/>
+                                  <a:ea typeface="Cambria Math"/>
+                                </a:rPr>
+                              </m:ctrlPr>
+                            </m:fPr>
+                            <m:num>
+                              <m:r>
+                                <a:rPr lang="en-US" altLang="zh-CN" sz="1100" b="0" i="1">
+                                  <a:latin typeface="Cambria Math"/>
+                                  <a:ea typeface="Cambria Math"/>
+                                </a:rPr>
+                                <m:t>𝑛</m:t>
+                              </m:r>
+                              <m:r>
+                                <a:rPr lang="zh-CN" altLang="en-US" sz="1100" b="0" i="1">
+                                  <a:latin typeface="Cambria Math"/>
+                                  <a:ea typeface="Cambria Math"/>
+                                </a:rPr>
+                                <m:t>𝜋</m:t>
+                              </m:r>
+                              <m:r>
+                                <a:rPr lang="en-US" altLang="zh-CN" sz="1100" b="0" i="1">
+                                  <a:latin typeface="Cambria Math"/>
+                                  <a:ea typeface="Cambria Math"/>
+                                </a:rPr>
+                                <m:t>𝑥</m:t>
+                              </m:r>
+                            </m:num>
+                            <m:den>
+                              <m:r>
+                                <a:rPr lang="en-US" altLang="zh-CN" sz="1100" b="0" i="1">
+                                  <a:latin typeface="Cambria Math"/>
+                                  <a:ea typeface="Cambria Math"/>
+                                </a:rPr>
+                                <m:t>𝐿</m:t>
+                              </m:r>
+                            </m:den>
+                          </m:f>
+                          <m:r>
+                            <a:rPr lang="en-US" altLang="zh-CN" sz="1100" b="0" i="1">
+                              <a:latin typeface="Cambria Math"/>
+                              <a:ea typeface="Cambria Math"/>
+                            </a:rPr>
+                            <m:t>)</m:t>
+                          </m:r>
+                        </m:e>
+                      </m:nary>
+                    </m:oMath>
+                  </m:oMathPara>
+                </a14:m>
+                <a:endParaRPr lang="zh-CN" altLang="en-US" sz="1100" dirty="0"/>
+              </a:p>
+            </p:txBody>
+          </p:sp>
+        </mc:Choice>
+        <mc:Fallback>
+          <p:sp>
+            <p:nvSpPr>
+              <p:cNvPr id="7" name="TextBox 9"/>
+              <p:cNvSpPr txBox="1">
+                <a:spLocks noRot="1" noChangeAspect="1" noMove="1" noResize="1" noEditPoints="1" noAdjustHandles="1" noChangeArrowheads="1" noChangeShapeType="1" noTextEdit="1"/>
+              </p:cNvSpPr>
+              <p:nvPr/>
+            </p:nvSpPr>
+            <p:spPr>
+              <a:xfrm>
+                <a:off x="4654638" y="4082185"/>
+                <a:ext cx="2281238" cy="566738"/>
+              </a:xfrm>
+              <a:prstGeom prst="rect">
+                <a:avLst/>
+              </a:prstGeom>
+              <a:blipFill rotWithShape="1">
+                <a:blip r:embed="rId6"/>
+                <a:stretch>
+                  <a:fillRect l="-1872" t="-92473" b="-139785"/>
+                </a:stretch>
+              </a:blipFill>
+            </p:spPr>
+            <p:txBody>
+              <a:bodyPr/>
+              <a:lstStyle/>
+              <a:p>
+                <a:r>
+                  <a:rPr lang="zh-CN" altLang="en-US">
+                    <a:noFill/>
+                  </a:rPr>
+                  <a:t> </a:t>
+                </a:r>
+              </a:p>
+            </p:txBody>
+          </p:sp>
+        </mc:Fallback>
+      </mc:AlternateContent>
+      <mc:AlternateContent xmlns:mc="http://schemas.openxmlformats.org/markup-compatibility/2006">
+        <mc:Choice xmlns:a14="http://schemas.microsoft.com/office/drawing/2010/main" Requires="a14">
+          <p:sp>
+            <p:nvSpPr>
+              <p:cNvPr id="8" name="TextBox 10"/>
+              <p:cNvSpPr txBox="1"/>
+              <p:nvPr/>
+            </p:nvSpPr>
+            <p:spPr>
+              <a:xfrm>
+                <a:off x="2609864" y="4232998"/>
+                <a:ext cx="2228850" cy="265112"/>
+              </a:xfrm>
+              <a:prstGeom prst="rect">
+                <a:avLst/>
+              </a:prstGeom>
+              <a:noFill/>
+            </p:spPr>
+            <p:style>
+              <a:lnRef idx="0">
+                <a:scrgbClr r="0" g="0" b="0"/>
+              </a:lnRef>
+              <a:fillRef idx="0">
+                <a:scrgbClr r="0" g="0" b="0"/>
+              </a:fillRef>
+              <a:effectRef idx="0">
+                <a:scrgbClr r="0" g="0" b="0"/>
+              </a:effectRef>
+              <a:fontRef idx="minor">
+                <a:schemeClr val="tx1"/>
+              </a:fontRef>
+            </p:style>
+            <p:txBody>
+              <a:bodyPr wrap="square" rtlCol="0" anchor="t">
+                <a:spAutoFit/>
+              </a:bodyPr>
+              <a:lstStyle>
+                <a:lvl1pPr marL="0" indent="0">
+                  <a:defRPr sz="1100">
+                    <a:solidFill>
+                      <a:schemeClr val="tx1"/>
+                    </a:solidFill>
+                    <a:latin typeface="+mn-lt"/>
+                    <a:ea typeface="+mn-ea"/>
+                    <a:cs typeface="+mn-cs"/>
+                  </a:defRPr>
+                </a:lvl1pPr>
+                <a:lvl2pPr marL="457200" indent="0">
+                  <a:defRPr sz="1100">
+                    <a:solidFill>
+                      <a:schemeClr val="tx1"/>
+                    </a:solidFill>
+                    <a:latin typeface="+mn-lt"/>
+                    <a:ea typeface="+mn-ea"/>
+                    <a:cs typeface="+mn-cs"/>
+                  </a:defRPr>
+                </a:lvl2pPr>
+                <a:lvl3pPr marL="914400" indent="0">
+                  <a:defRPr sz="1100">
+                    <a:solidFill>
+                      <a:schemeClr val="tx1"/>
+                    </a:solidFill>
+                    <a:latin typeface="+mn-lt"/>
+                    <a:ea typeface="+mn-ea"/>
+                    <a:cs typeface="+mn-cs"/>
+                  </a:defRPr>
+                </a:lvl3pPr>
+                <a:lvl4pPr marL="1371600" indent="0">
+                  <a:defRPr sz="1100">
+                    <a:solidFill>
+                      <a:schemeClr val="tx1"/>
+                    </a:solidFill>
+                    <a:latin typeface="+mn-lt"/>
+                    <a:ea typeface="+mn-ea"/>
+                    <a:cs typeface="+mn-cs"/>
+                  </a:defRPr>
+                </a:lvl4pPr>
+                <a:lvl5pPr marL="1828800" indent="0">
+                  <a:defRPr sz="1100">
+                    <a:solidFill>
+                      <a:schemeClr val="tx1"/>
+                    </a:solidFill>
+                    <a:latin typeface="+mn-lt"/>
+                    <a:ea typeface="+mn-ea"/>
+                    <a:cs typeface="+mn-cs"/>
+                  </a:defRPr>
+                </a:lvl5pPr>
+                <a:lvl6pPr marL="2286000" indent="0">
+                  <a:defRPr sz="1100">
+                    <a:solidFill>
+                      <a:schemeClr val="tx1"/>
+                    </a:solidFill>
+                    <a:latin typeface="+mn-lt"/>
+                    <a:ea typeface="+mn-ea"/>
+                    <a:cs typeface="+mn-cs"/>
+                  </a:defRPr>
+                </a:lvl6pPr>
+                <a:lvl7pPr marL="2743200" indent="0">
+                  <a:defRPr sz="1100">
+                    <a:solidFill>
+                      <a:schemeClr val="tx1"/>
+                    </a:solidFill>
+                    <a:latin typeface="+mn-lt"/>
+                    <a:ea typeface="+mn-ea"/>
+                    <a:cs typeface="+mn-cs"/>
+                  </a:defRPr>
+                </a:lvl7pPr>
+                <a:lvl8pPr marL="3200400" indent="0">
+                  <a:defRPr sz="1100">
+                    <a:solidFill>
+                      <a:schemeClr val="tx1"/>
+                    </a:solidFill>
+                    <a:latin typeface="+mn-lt"/>
+                    <a:ea typeface="+mn-ea"/>
+                    <a:cs typeface="+mn-cs"/>
+                  </a:defRPr>
+                </a:lvl8pPr>
+                <a:lvl9pPr marL="3657600" indent="0">
+                  <a:defRPr sz="1100">
+                    <a:solidFill>
+                      <a:schemeClr val="tx1"/>
+                    </a:solidFill>
+                    <a:latin typeface="+mn-lt"/>
+                    <a:ea typeface="+mn-ea"/>
+                    <a:cs typeface="+mn-cs"/>
+                  </a:defRPr>
+                </a:lvl9pPr>
+              </a:lstStyle>
+              <a:p>
+                <a:pPr/>
+                <a14:m>
+                  <m:oMathPara xmlns:m="http://schemas.openxmlformats.org/officeDocument/2006/math">
+                    <m:oMathParaPr>
+                      <m:jc m:val="centerGroup"/>
+                    </m:oMathParaPr>
+                    <m:oMath xmlns:m="http://schemas.openxmlformats.org/officeDocument/2006/math">
+                      <m:r>
+                        <a:rPr lang="en-US" altLang="zh-CN" sz="1100" b="0" i="1">
+                          <a:latin typeface="Cambria Math"/>
+                        </a:rPr>
+                        <m:t>𝑇</m:t>
+                      </m:r>
+                      <m:r>
+                        <a:rPr lang="en-US" altLang="zh-CN" sz="1100" b="0" i="1">
+                          <a:latin typeface="Cambria Math"/>
+                        </a:rPr>
+                        <m:t>(</m:t>
+                      </m:r>
+                      <m:r>
+                        <a:rPr lang="en-US" altLang="zh-CN" sz="1100" b="0" i="1">
+                          <a:latin typeface="Cambria Math"/>
+                        </a:rPr>
+                        <m:t>𝑥</m:t>
+                      </m:r>
+                      <m:r>
+                        <a:rPr lang="en-US" altLang="zh-CN" sz="1100" b="0" i="1">
+                          <a:latin typeface="Cambria Math"/>
+                        </a:rPr>
+                        <m:t>)</m:t>
+                      </m:r>
+                    </m:oMath>
+                  </m:oMathPara>
+                </a14:m>
+                <a:endParaRPr lang="zh-CN" altLang="en-US" sz="1100" dirty="0"/>
+              </a:p>
+            </p:txBody>
+          </p:sp>
+        </mc:Choice>
+        <mc:Fallback>
+          <p:sp>
+            <p:nvSpPr>
+              <p:cNvPr id="8" name="TextBox 10"/>
+              <p:cNvSpPr txBox="1">
+                <a:spLocks noRot="1" noChangeAspect="1" noMove="1" noResize="1" noEditPoints="1" noAdjustHandles="1" noChangeArrowheads="1" noChangeShapeType="1" noTextEdit="1"/>
+              </p:cNvSpPr>
+              <p:nvPr/>
+            </p:nvSpPr>
+            <p:spPr>
+              <a:xfrm>
+                <a:off x="2609864" y="4232998"/>
+                <a:ext cx="2228850" cy="265112"/>
+              </a:xfrm>
+              <a:prstGeom prst="rect">
+                <a:avLst/>
+              </a:prstGeom>
+              <a:blipFill rotWithShape="1">
+                <a:blip r:embed="rId7"/>
+                <a:stretch>
+                  <a:fillRect b="-2273"/>
+                </a:stretch>
+              </a:blipFill>
+            </p:spPr>
+            <p:txBody>
+              <a:bodyPr/>
+              <a:lstStyle/>
+              <a:p>
+                <a:r>
+                  <a:rPr lang="zh-CN" altLang="en-US">
+                    <a:noFill/>
+                  </a:rPr>
+                  <a:t> </a:t>
+                </a:r>
+              </a:p>
+            </p:txBody>
+          </p:sp>
+        </mc:Fallback>
+      </mc:AlternateContent>
+    </p:spTree>
+    <p:extLst>
+      <p:ext uri="{BB962C8B-B14F-4D97-AF65-F5344CB8AC3E}">
+        <p14:creationId xmlns:p14="http://schemas.microsoft.com/office/powerpoint/2010/main" val="3363472582"/>
       </p:ext>
     </p:extLst>
   </p:cSld>

--- a/Graphic & Tables.pptx
+++ b/Graphic & Tables.pptx
@@ -5,7 +5,7 @@
     <p:sldMasterId id="2147483648" r:id="rId1"/>
   </p:sldMasterIdLst>
   <p:notesMasterIdLst>
-    <p:notesMasterId r:id="rId9"/>
+    <p:notesMasterId r:id="rId12"/>
   </p:notesMasterIdLst>
   <p:sldIdLst>
     <p:sldId id="256" r:id="rId2"/>
@@ -15,6 +15,9 @@
     <p:sldId id="261" r:id="rId6"/>
     <p:sldId id="262" r:id="rId7"/>
     <p:sldId id="263" r:id="rId8"/>
+    <p:sldId id="264" r:id="rId9"/>
+    <p:sldId id="265" r:id="rId10"/>
+    <p:sldId id="267" r:id="rId11"/>
   </p:sldIdLst>
   <p:sldSz cx="9144000" cy="6858000" type="screen4x3"/>
   <p:notesSz cx="6858000" cy="9144000"/>
@@ -133,6 +136,9 @@
             <p14:sldId id="261"/>
             <p14:sldId id="262"/>
             <p14:sldId id="263"/>
+            <p14:sldId id="264"/>
+            <p14:sldId id="265"/>
+            <p14:sldId id="267"/>
           </p14:sldIdLst>
         </p14:section>
       </p14:sectionLst>
@@ -223,7 +229,7 @@
           <a:p>
             <a:fld id="{EDA7B775-790A-4D64-B62E-B7503A0D88A5}" type="datetimeFigureOut">
               <a:rPr lang="zh-CN" altLang="en-US" smtClean="0"/>
-              <a:t>2019/5/19</a:t>
+              <a:t>2019/5/20</a:t>
             </a:fld>
             <a:endParaRPr lang="zh-CN" altLang="en-US"/>
           </a:p>
@@ -672,7 +678,7 @@
           <a:p>
             <a:fld id="{794C1F84-8C4E-4FA9-B7BA-3801BE6D5074}" type="datetimeFigureOut">
               <a:rPr lang="zh-CN" altLang="en-US" smtClean="0"/>
-              <a:t>2019/5/19</a:t>
+              <a:t>2019/5/20</a:t>
             </a:fld>
             <a:endParaRPr lang="zh-CN" altLang="en-US"/>
           </a:p>
@@ -842,7 +848,7 @@
           <a:p>
             <a:fld id="{794C1F84-8C4E-4FA9-B7BA-3801BE6D5074}" type="datetimeFigureOut">
               <a:rPr lang="zh-CN" altLang="en-US" smtClean="0"/>
-              <a:t>2019/5/19</a:t>
+              <a:t>2019/5/20</a:t>
             </a:fld>
             <a:endParaRPr lang="zh-CN" altLang="en-US"/>
           </a:p>
@@ -1022,7 +1028,7 @@
           <a:p>
             <a:fld id="{794C1F84-8C4E-4FA9-B7BA-3801BE6D5074}" type="datetimeFigureOut">
               <a:rPr lang="zh-CN" altLang="en-US" smtClean="0"/>
-              <a:t>2019/5/19</a:t>
+              <a:t>2019/5/20</a:t>
             </a:fld>
             <a:endParaRPr lang="zh-CN" altLang="en-US"/>
           </a:p>
@@ -1192,7 +1198,7 @@
           <a:p>
             <a:fld id="{794C1F84-8C4E-4FA9-B7BA-3801BE6D5074}" type="datetimeFigureOut">
               <a:rPr lang="zh-CN" altLang="en-US" smtClean="0"/>
-              <a:t>2019/5/19</a:t>
+              <a:t>2019/5/20</a:t>
             </a:fld>
             <a:endParaRPr lang="zh-CN" altLang="en-US"/>
           </a:p>
@@ -1438,7 +1444,7 @@
           <a:p>
             <a:fld id="{794C1F84-8C4E-4FA9-B7BA-3801BE6D5074}" type="datetimeFigureOut">
               <a:rPr lang="zh-CN" altLang="en-US" smtClean="0"/>
-              <a:t>2019/5/19</a:t>
+              <a:t>2019/5/20</a:t>
             </a:fld>
             <a:endParaRPr lang="zh-CN" altLang="en-US"/>
           </a:p>
@@ -1726,7 +1732,7 @@
           <a:p>
             <a:fld id="{794C1F84-8C4E-4FA9-B7BA-3801BE6D5074}" type="datetimeFigureOut">
               <a:rPr lang="zh-CN" altLang="en-US" smtClean="0"/>
-              <a:t>2019/5/19</a:t>
+              <a:t>2019/5/20</a:t>
             </a:fld>
             <a:endParaRPr lang="zh-CN" altLang="en-US"/>
           </a:p>
@@ -2148,7 +2154,7 @@
           <a:p>
             <a:fld id="{794C1F84-8C4E-4FA9-B7BA-3801BE6D5074}" type="datetimeFigureOut">
               <a:rPr lang="zh-CN" altLang="en-US" smtClean="0"/>
-              <a:t>2019/5/19</a:t>
+              <a:t>2019/5/20</a:t>
             </a:fld>
             <a:endParaRPr lang="zh-CN" altLang="en-US"/>
           </a:p>
@@ -2266,7 +2272,7 @@
           <a:p>
             <a:fld id="{794C1F84-8C4E-4FA9-B7BA-3801BE6D5074}" type="datetimeFigureOut">
               <a:rPr lang="zh-CN" altLang="en-US" smtClean="0"/>
-              <a:t>2019/5/19</a:t>
+              <a:t>2019/5/20</a:t>
             </a:fld>
             <a:endParaRPr lang="zh-CN" altLang="en-US"/>
           </a:p>
@@ -2361,7 +2367,7 @@
           <a:p>
             <a:fld id="{794C1F84-8C4E-4FA9-B7BA-3801BE6D5074}" type="datetimeFigureOut">
               <a:rPr lang="zh-CN" altLang="en-US" smtClean="0"/>
-              <a:t>2019/5/19</a:t>
+              <a:t>2019/5/20</a:t>
             </a:fld>
             <a:endParaRPr lang="zh-CN" altLang="en-US"/>
           </a:p>
@@ -2638,7 +2644,7 @@
           <a:p>
             <a:fld id="{794C1F84-8C4E-4FA9-B7BA-3801BE6D5074}" type="datetimeFigureOut">
               <a:rPr lang="zh-CN" altLang="en-US" smtClean="0"/>
-              <a:t>2019/5/19</a:t>
+              <a:t>2019/5/20</a:t>
             </a:fld>
             <a:endParaRPr lang="zh-CN" altLang="en-US"/>
           </a:p>
@@ -2891,7 +2897,7 @@
           <a:p>
             <a:fld id="{794C1F84-8C4E-4FA9-B7BA-3801BE6D5074}" type="datetimeFigureOut">
               <a:rPr lang="zh-CN" altLang="en-US" smtClean="0"/>
-              <a:t>2019/5/19</a:t>
+              <a:t>2019/5/20</a:t>
             </a:fld>
             <a:endParaRPr lang="zh-CN" altLang="en-US"/>
           </a:p>
@@ -3104,7 +3110,7 @@
           <a:p>
             <a:fld id="{794C1F84-8C4E-4FA9-B7BA-3801BE6D5074}" type="datetimeFigureOut">
               <a:rPr lang="zh-CN" altLang="en-US" smtClean="0"/>
-              <a:t>2019/5/19</a:t>
+              <a:t>2019/5/20</a:t>
             </a:fld>
             <a:endParaRPr lang="zh-CN" altLang="en-US"/>
           </a:p>
@@ -3636,12 +3642,12 @@
           <a:graphicData uri="http://schemas.openxmlformats.org/presentationml/2006/ole">
             <mc:AlternateContent xmlns:mc="http://schemas.openxmlformats.org/markup-compatibility/2006">
               <mc:Choice xmlns:v="urn:schemas-microsoft-com:vml" Requires="v">
-                <p:oleObj spid="_x0000_s1047" name="文档" r:id="rId3" imgW="5594453" imgH="3640410" progId="Word.Document.12">
+                <p:oleObj spid="_x0000_s1052" name="文档" r:id="rId4" imgW="5594453" imgH="3640410" progId="Word.Document.12">
                   <p:embed/>
                 </p:oleObj>
               </mc:Choice>
               <mc:Fallback>
-                <p:oleObj name="文档" r:id="rId3" imgW="5594453" imgH="3640410" progId="Word.Document.12">
+                <p:oleObj name="文档" r:id="rId4" imgW="5594453" imgH="3640410" progId="Word.Document.12">
                   <p:embed/>
                   <p:pic>
                     <p:nvPicPr>
@@ -3650,7 +3656,7 @@
                       <p:nvPr/>
                     </p:nvPicPr>
                     <p:blipFill>
-                      <a:blip r:embed="rId4"/>
+                      <a:blip r:embed="rId5"/>
                       <a:stretch>
                         <a:fillRect/>
                       </a:stretch>
@@ -3675,6 +3681,1752 @@
     <p:extLst>
       <p:ext uri="{BB962C8B-B14F-4D97-AF65-F5344CB8AC3E}">
         <p14:creationId xmlns:p14="http://schemas.microsoft.com/office/powerpoint/2010/main" val="4180933587"/>
+      </p:ext>
+    </p:extLst>
+  </p:cSld>
+  <p:clrMapOvr>
+    <a:masterClrMapping/>
+  </p:clrMapOvr>
+</p:sld>
+</file>
+
+<file path=ppt/slides/slide10.xml><?xml version="1.0" encoding="utf-8"?>
+<p:sld xmlns:a="http://schemas.openxmlformats.org/drawingml/2006/main" xmlns:r="http://schemas.openxmlformats.org/officeDocument/2006/relationships" xmlns:p="http://schemas.openxmlformats.org/presentationml/2006/main">
+  <p:cSld>
+    <p:spTree>
+      <p:nvGrpSpPr>
+        <p:cNvPr id="1" name=""/>
+        <p:cNvGrpSpPr/>
+        <p:nvPr/>
+      </p:nvGrpSpPr>
+      <p:grpSpPr>
+        <a:xfrm>
+          <a:off x="0" y="0"/>
+          <a:ext cx="0" cy="0"/>
+          <a:chOff x="0" y="0"/>
+          <a:chExt cx="0" cy="0"/>
+        </a:xfrm>
+      </p:grpSpPr>
+      <p:sp>
+        <p:nvSpPr>
+          <p:cNvPr id="25" name="等腰三角形 24"/>
+          <p:cNvSpPr/>
+          <p:nvPr/>
+        </p:nvSpPr>
+        <p:spPr>
+          <a:xfrm>
+            <a:off x="1195008" y="2570004"/>
+            <a:ext cx="144016" cy="109753"/>
+          </a:xfrm>
+          <a:prstGeom prst="triangle">
+            <a:avLst/>
+          </a:prstGeom>
+          <a:solidFill>
+            <a:schemeClr val="tx1"/>
+          </a:solidFill>
+          <a:ln>
+            <a:solidFill>
+              <a:schemeClr val="tx1"/>
+            </a:solidFill>
+          </a:ln>
+        </p:spPr>
+        <p:style>
+          <a:lnRef idx="2">
+            <a:schemeClr val="accent1">
+              <a:shade val="50000"/>
+            </a:schemeClr>
+          </a:lnRef>
+          <a:fillRef idx="1">
+            <a:schemeClr val="accent1"/>
+          </a:fillRef>
+          <a:effectRef idx="0">
+            <a:schemeClr val="accent1"/>
+          </a:effectRef>
+          <a:fontRef idx="minor">
+            <a:schemeClr val="lt1"/>
+          </a:fontRef>
+        </p:style>
+        <p:txBody>
+          <a:bodyPr rtlCol="0" anchor="ctr"/>
+          <a:lstStyle/>
+          <a:p>
+            <a:pPr algn="ctr"/>
+            <a:endParaRPr lang="zh-CN" altLang="en-US"/>
+          </a:p>
+        </p:txBody>
+      </p:sp>
+      <p:sp>
+        <p:nvSpPr>
+          <p:cNvPr id="26" name="等腰三角形 25"/>
+          <p:cNvSpPr/>
+          <p:nvPr/>
+        </p:nvSpPr>
+        <p:spPr>
+          <a:xfrm>
+            <a:off x="6238474" y="2570003"/>
+            <a:ext cx="144016" cy="109753"/>
+          </a:xfrm>
+          <a:prstGeom prst="triangle">
+            <a:avLst/>
+          </a:prstGeom>
+          <a:solidFill>
+            <a:schemeClr val="tx1"/>
+          </a:solidFill>
+          <a:ln>
+            <a:solidFill>
+              <a:schemeClr val="tx1"/>
+            </a:solidFill>
+          </a:ln>
+        </p:spPr>
+        <p:style>
+          <a:lnRef idx="2">
+            <a:schemeClr val="accent1">
+              <a:shade val="50000"/>
+            </a:schemeClr>
+          </a:lnRef>
+          <a:fillRef idx="1">
+            <a:schemeClr val="accent1"/>
+          </a:fillRef>
+          <a:effectRef idx="0">
+            <a:schemeClr val="accent1"/>
+          </a:effectRef>
+          <a:fontRef idx="minor">
+            <a:schemeClr val="lt1"/>
+          </a:fontRef>
+        </p:style>
+        <p:txBody>
+          <a:bodyPr rtlCol="0" anchor="ctr"/>
+          <a:lstStyle/>
+          <a:p>
+            <a:pPr algn="ctr"/>
+            <a:endParaRPr lang="zh-CN" altLang="en-US"/>
+          </a:p>
+        </p:txBody>
+      </p:sp>
+      <p:sp>
+        <p:nvSpPr>
+          <p:cNvPr id="27" name="TextBox 26"/>
+          <p:cNvSpPr txBox="1"/>
+          <p:nvPr/>
+        </p:nvSpPr>
+        <p:spPr>
+          <a:xfrm>
+            <a:off x="1133348" y="2255547"/>
+            <a:ext cx="317716" cy="369332"/>
+          </a:xfrm>
+          <a:prstGeom prst="rect">
+            <a:avLst/>
+          </a:prstGeom>
+          <a:noFill/>
+        </p:spPr>
+        <p:txBody>
+          <a:bodyPr wrap="none" rtlCol="0">
+            <a:spAutoFit/>
+          </a:bodyPr>
+          <a:lstStyle/>
+          <a:p>
+            <a:r>
+              <a:rPr lang="en-US" altLang="zh-CN" dirty="0" smtClean="0"/>
+              <a:t>A</a:t>
+            </a:r>
+            <a:endParaRPr lang="zh-CN" altLang="en-US" dirty="0"/>
+          </a:p>
+        </p:txBody>
+      </p:sp>
+      <p:sp>
+        <p:nvSpPr>
+          <p:cNvPr id="28" name="TextBox 27"/>
+          <p:cNvSpPr txBox="1"/>
+          <p:nvPr/>
+        </p:nvSpPr>
+        <p:spPr>
+          <a:xfrm>
+            <a:off x="6217350" y="2196623"/>
+            <a:ext cx="309700" cy="369332"/>
+          </a:xfrm>
+          <a:prstGeom prst="rect">
+            <a:avLst/>
+          </a:prstGeom>
+          <a:noFill/>
+          <a:ln>
+            <a:noFill/>
+          </a:ln>
+        </p:spPr>
+        <p:txBody>
+          <a:bodyPr wrap="none" rtlCol="0">
+            <a:spAutoFit/>
+          </a:bodyPr>
+          <a:lstStyle/>
+          <a:p>
+            <a:r>
+              <a:rPr lang="en-US" altLang="zh-CN" dirty="0" smtClean="0"/>
+              <a:t>B</a:t>
+            </a:r>
+            <a:endParaRPr lang="zh-CN" altLang="en-US" dirty="0"/>
+          </a:p>
+        </p:txBody>
+      </p:sp>
+      <p:cxnSp>
+        <p:nvCxnSpPr>
+          <p:cNvPr id="31" name="直接箭头连接符 30"/>
+          <p:cNvCxnSpPr/>
+          <p:nvPr/>
+        </p:nvCxnSpPr>
+        <p:spPr>
+          <a:xfrm>
+            <a:off x="251520" y="6456620"/>
+            <a:ext cx="8640960" cy="0"/>
+          </a:xfrm>
+          <a:prstGeom prst="straightConnector1">
+            <a:avLst/>
+          </a:prstGeom>
+          <a:ln>
+            <a:solidFill>
+              <a:schemeClr val="tx1"/>
+            </a:solidFill>
+            <a:tailEnd type="arrow"/>
+          </a:ln>
+        </p:spPr>
+        <p:style>
+          <a:lnRef idx="1">
+            <a:schemeClr val="accent1"/>
+          </a:lnRef>
+          <a:fillRef idx="0">
+            <a:schemeClr val="accent1"/>
+          </a:fillRef>
+          <a:effectRef idx="0">
+            <a:schemeClr val="accent1"/>
+          </a:effectRef>
+          <a:fontRef idx="minor">
+            <a:schemeClr val="tx1"/>
+          </a:fontRef>
+        </p:style>
+      </p:cxnSp>
+      <p:cxnSp>
+        <p:nvCxnSpPr>
+          <p:cNvPr id="32" name="直接箭头连接符 31"/>
+          <p:cNvCxnSpPr/>
+          <p:nvPr/>
+        </p:nvCxnSpPr>
+        <p:spPr>
+          <a:xfrm flipV="1">
+            <a:off x="251520" y="152636"/>
+            <a:ext cx="0" cy="6303984"/>
+          </a:xfrm>
+          <a:prstGeom prst="straightConnector1">
+            <a:avLst/>
+          </a:prstGeom>
+          <a:ln>
+            <a:solidFill>
+              <a:schemeClr val="tx1"/>
+            </a:solidFill>
+            <a:tailEnd type="arrow"/>
+          </a:ln>
+        </p:spPr>
+        <p:style>
+          <a:lnRef idx="1">
+            <a:schemeClr val="accent1"/>
+          </a:lnRef>
+          <a:fillRef idx="0">
+            <a:schemeClr val="accent1"/>
+          </a:fillRef>
+          <a:effectRef idx="0">
+            <a:schemeClr val="accent1"/>
+          </a:effectRef>
+          <a:fontRef idx="minor">
+            <a:schemeClr val="tx1"/>
+          </a:fontRef>
+        </p:style>
+      </p:cxnSp>
+      <mc:AlternateContent xmlns:mc="http://schemas.openxmlformats.org/markup-compatibility/2006" xmlns:a14="http://schemas.microsoft.com/office/drawing/2010/main">
+        <mc:Choice Requires="a14">
+          <p:sp>
+            <p:nvSpPr>
+              <p:cNvPr id="35" name="TextBox 34"/>
+              <p:cNvSpPr txBox="1"/>
+              <p:nvPr/>
+            </p:nvSpPr>
+            <p:spPr>
+              <a:xfrm>
+                <a:off x="7740352" y="6488668"/>
+                <a:ext cx="1260140" cy="369332"/>
+              </a:xfrm>
+              <a:prstGeom prst="rect">
+                <a:avLst/>
+              </a:prstGeom>
+              <a:noFill/>
+            </p:spPr>
+            <p:txBody>
+              <a:bodyPr wrap="square" rtlCol="0">
+                <a:spAutoFit/>
+              </a:bodyPr>
+              <a:lstStyle/>
+              <a:p>
+                <a:r>
+                  <a:rPr lang="zh-CN" altLang="en-US" dirty="0"/>
+                  <a:t>相</a:t>
+                </a:r>
+                <a:r>
+                  <a:rPr lang="zh-CN" altLang="en-US" dirty="0" smtClean="0"/>
+                  <a:t>位</a:t>
+                </a:r>
+                <a14:m>
+                  <m:oMath xmlns:m="http://schemas.openxmlformats.org/officeDocument/2006/math">
+                    <m:r>
+                      <a:rPr lang="zh-CN" altLang="en-US" i="1" smtClean="0">
+                        <a:latin typeface="Cambria Math"/>
+                      </a:rPr>
+                      <m:t>𝜑</m:t>
+                    </m:r>
+                  </m:oMath>
+                </a14:m>
+                <a:endParaRPr lang="zh-CN" altLang="en-US" dirty="0"/>
+              </a:p>
+            </p:txBody>
+          </p:sp>
+        </mc:Choice>
+        <mc:Fallback xmlns="">
+          <p:sp>
+            <p:nvSpPr>
+              <p:cNvPr id="35" name="TextBox 34"/>
+              <p:cNvSpPr txBox="1">
+                <a:spLocks noRot="1" noChangeAspect="1" noMove="1" noResize="1" noEditPoints="1" noAdjustHandles="1" noChangeArrowheads="1" noChangeShapeType="1" noTextEdit="1"/>
+              </p:cNvSpPr>
+              <p:nvPr/>
+            </p:nvSpPr>
+            <p:spPr>
+              <a:xfrm>
+                <a:off x="7740352" y="6488668"/>
+                <a:ext cx="1260140" cy="369332"/>
+              </a:xfrm>
+              <a:prstGeom prst="rect">
+                <a:avLst/>
+              </a:prstGeom>
+              <a:blipFill rotWithShape="1">
+                <a:blip r:embed="rId2"/>
+                <a:stretch>
+                  <a:fillRect l="-4369" t="-13115" b="-19672"/>
+                </a:stretch>
+              </a:blipFill>
+            </p:spPr>
+            <p:txBody>
+              <a:bodyPr/>
+              <a:lstStyle/>
+              <a:p>
+                <a:r>
+                  <a:rPr lang="zh-CN" altLang="en-US">
+                    <a:noFill/>
+                  </a:rPr>
+                  <a:t> </a:t>
+                </a:r>
+              </a:p>
+            </p:txBody>
+          </p:sp>
+        </mc:Fallback>
+      </mc:AlternateContent>
+      <p:sp>
+        <p:nvSpPr>
+          <p:cNvPr id="36" name="TextBox 35"/>
+          <p:cNvSpPr txBox="1"/>
+          <p:nvPr/>
+        </p:nvSpPr>
+        <p:spPr>
+          <a:xfrm>
+            <a:off x="323528" y="204172"/>
+            <a:ext cx="1296144" cy="369332"/>
+          </a:xfrm>
+          <a:prstGeom prst="rect">
+            <a:avLst/>
+          </a:prstGeom>
+          <a:noFill/>
+        </p:spPr>
+        <p:txBody>
+          <a:bodyPr wrap="square" rtlCol="0">
+            <a:spAutoFit/>
+          </a:bodyPr>
+          <a:lstStyle/>
+          <a:p>
+            <a:r>
+              <a:rPr lang="zh-CN" altLang="en-US" dirty="0" smtClean="0"/>
+              <a:t>条文灰度</a:t>
+            </a:r>
+            <a:r>
+              <a:rPr lang="en-US" altLang="zh-CN" dirty="0" smtClean="0"/>
+              <a:t>I</a:t>
+            </a:r>
+            <a:endParaRPr lang="zh-CN" altLang="en-US" dirty="0"/>
+          </a:p>
+        </p:txBody>
+      </p:sp>
+      <p:cxnSp>
+        <p:nvCxnSpPr>
+          <p:cNvPr id="21" name="直接连接符 20"/>
+          <p:cNvCxnSpPr/>
+          <p:nvPr/>
+        </p:nvCxnSpPr>
+        <p:spPr>
+          <a:xfrm>
+            <a:off x="251520" y="1268760"/>
+            <a:ext cx="720080" cy="0"/>
+          </a:xfrm>
+          <a:prstGeom prst="line">
+            <a:avLst/>
+          </a:prstGeom>
+          <a:ln>
+            <a:solidFill>
+              <a:schemeClr val="tx1"/>
+            </a:solidFill>
+          </a:ln>
+        </p:spPr>
+        <p:style>
+          <a:lnRef idx="1">
+            <a:schemeClr val="accent1"/>
+          </a:lnRef>
+          <a:fillRef idx="0">
+            <a:schemeClr val="accent1"/>
+          </a:fillRef>
+          <a:effectRef idx="0">
+            <a:schemeClr val="accent1"/>
+          </a:effectRef>
+          <a:fontRef idx="minor">
+            <a:schemeClr val="tx1"/>
+          </a:fontRef>
+        </p:style>
+      </p:cxnSp>
+      <p:cxnSp>
+        <p:nvCxnSpPr>
+          <p:cNvPr id="24" name="直接连接符 23"/>
+          <p:cNvCxnSpPr/>
+          <p:nvPr/>
+        </p:nvCxnSpPr>
+        <p:spPr>
+          <a:xfrm>
+            <a:off x="971600" y="1268760"/>
+            <a:ext cx="0" cy="5187860"/>
+          </a:xfrm>
+          <a:prstGeom prst="line">
+            <a:avLst/>
+          </a:prstGeom>
+          <a:ln>
+            <a:solidFill>
+              <a:schemeClr val="tx1"/>
+            </a:solidFill>
+          </a:ln>
+        </p:spPr>
+        <p:style>
+          <a:lnRef idx="1">
+            <a:schemeClr val="accent1"/>
+          </a:lnRef>
+          <a:fillRef idx="0">
+            <a:schemeClr val="accent1"/>
+          </a:fillRef>
+          <a:effectRef idx="0">
+            <a:schemeClr val="accent1"/>
+          </a:effectRef>
+          <a:fontRef idx="minor">
+            <a:schemeClr val="tx1"/>
+          </a:fontRef>
+        </p:style>
+      </p:cxnSp>
+      <p:cxnSp>
+        <p:nvCxnSpPr>
+          <p:cNvPr id="38" name="直接连接符 37"/>
+          <p:cNvCxnSpPr/>
+          <p:nvPr/>
+        </p:nvCxnSpPr>
+        <p:spPr>
+          <a:xfrm flipV="1">
+            <a:off x="1673146" y="1263016"/>
+            <a:ext cx="0" cy="5193604"/>
+          </a:xfrm>
+          <a:prstGeom prst="line">
+            <a:avLst/>
+          </a:prstGeom>
+          <a:ln>
+            <a:solidFill>
+              <a:schemeClr val="tx1"/>
+            </a:solidFill>
+          </a:ln>
+        </p:spPr>
+        <p:style>
+          <a:lnRef idx="1">
+            <a:schemeClr val="accent1"/>
+          </a:lnRef>
+          <a:fillRef idx="0">
+            <a:schemeClr val="accent1"/>
+          </a:fillRef>
+          <a:effectRef idx="0">
+            <a:schemeClr val="accent1"/>
+          </a:effectRef>
+          <a:fontRef idx="minor">
+            <a:schemeClr val="tx1"/>
+          </a:fontRef>
+        </p:style>
+      </p:cxnSp>
+      <p:cxnSp>
+        <p:nvCxnSpPr>
+          <p:cNvPr id="44" name="直接连接符 43"/>
+          <p:cNvCxnSpPr/>
+          <p:nvPr/>
+        </p:nvCxnSpPr>
+        <p:spPr>
+          <a:xfrm>
+            <a:off x="2411760" y="1268760"/>
+            <a:ext cx="0" cy="5187860"/>
+          </a:xfrm>
+          <a:prstGeom prst="line">
+            <a:avLst/>
+          </a:prstGeom>
+          <a:ln>
+            <a:solidFill>
+              <a:schemeClr val="tx1"/>
+            </a:solidFill>
+          </a:ln>
+        </p:spPr>
+        <p:style>
+          <a:lnRef idx="1">
+            <a:schemeClr val="accent1"/>
+          </a:lnRef>
+          <a:fillRef idx="0">
+            <a:schemeClr val="accent1"/>
+          </a:fillRef>
+          <a:effectRef idx="0">
+            <a:schemeClr val="accent1"/>
+          </a:effectRef>
+          <a:fontRef idx="minor">
+            <a:schemeClr val="tx1"/>
+          </a:fontRef>
+        </p:style>
+      </p:cxnSp>
+      <p:cxnSp>
+        <p:nvCxnSpPr>
+          <p:cNvPr id="45" name="直接连接符 44"/>
+          <p:cNvCxnSpPr/>
+          <p:nvPr/>
+        </p:nvCxnSpPr>
+        <p:spPr>
+          <a:xfrm>
+            <a:off x="1691680" y="1263016"/>
+            <a:ext cx="720080" cy="0"/>
+          </a:xfrm>
+          <a:prstGeom prst="line">
+            <a:avLst/>
+          </a:prstGeom>
+          <a:ln>
+            <a:solidFill>
+              <a:schemeClr val="tx1"/>
+            </a:solidFill>
+          </a:ln>
+        </p:spPr>
+        <p:style>
+          <a:lnRef idx="1">
+            <a:schemeClr val="accent1"/>
+          </a:lnRef>
+          <a:fillRef idx="0">
+            <a:schemeClr val="accent1"/>
+          </a:fillRef>
+          <a:effectRef idx="0">
+            <a:schemeClr val="accent1"/>
+          </a:effectRef>
+          <a:fontRef idx="minor">
+            <a:schemeClr val="tx1"/>
+          </a:fontRef>
+        </p:style>
+      </p:cxnSp>
+      <p:cxnSp>
+        <p:nvCxnSpPr>
+          <p:cNvPr id="48" name="直接连接符 47"/>
+          <p:cNvCxnSpPr/>
+          <p:nvPr/>
+        </p:nvCxnSpPr>
+        <p:spPr>
+          <a:xfrm flipV="1">
+            <a:off x="3117334" y="1261112"/>
+            <a:ext cx="0" cy="5193604"/>
+          </a:xfrm>
+          <a:prstGeom prst="line">
+            <a:avLst/>
+          </a:prstGeom>
+          <a:ln>
+            <a:solidFill>
+              <a:schemeClr val="tx1"/>
+            </a:solidFill>
+          </a:ln>
+        </p:spPr>
+        <p:style>
+          <a:lnRef idx="1">
+            <a:schemeClr val="accent1"/>
+          </a:lnRef>
+          <a:fillRef idx="0">
+            <a:schemeClr val="accent1"/>
+          </a:fillRef>
+          <a:effectRef idx="0">
+            <a:schemeClr val="accent1"/>
+          </a:effectRef>
+          <a:fontRef idx="minor">
+            <a:schemeClr val="tx1"/>
+          </a:fontRef>
+        </p:style>
+      </p:cxnSp>
+      <p:cxnSp>
+        <p:nvCxnSpPr>
+          <p:cNvPr id="49" name="直接连接符 48"/>
+          <p:cNvCxnSpPr/>
+          <p:nvPr/>
+        </p:nvCxnSpPr>
+        <p:spPr>
+          <a:xfrm>
+            <a:off x="3855948" y="1268760"/>
+            <a:ext cx="0" cy="5185956"/>
+          </a:xfrm>
+          <a:prstGeom prst="line">
+            <a:avLst/>
+          </a:prstGeom>
+          <a:ln>
+            <a:solidFill>
+              <a:schemeClr val="tx1"/>
+            </a:solidFill>
+          </a:ln>
+        </p:spPr>
+        <p:style>
+          <a:lnRef idx="1">
+            <a:schemeClr val="accent1"/>
+          </a:lnRef>
+          <a:fillRef idx="0">
+            <a:schemeClr val="accent1"/>
+          </a:fillRef>
+          <a:effectRef idx="0">
+            <a:schemeClr val="accent1"/>
+          </a:effectRef>
+          <a:fontRef idx="minor">
+            <a:schemeClr val="tx1"/>
+          </a:fontRef>
+        </p:style>
+      </p:cxnSp>
+      <p:cxnSp>
+        <p:nvCxnSpPr>
+          <p:cNvPr id="50" name="直接连接符 49"/>
+          <p:cNvCxnSpPr/>
+          <p:nvPr/>
+        </p:nvCxnSpPr>
+        <p:spPr>
+          <a:xfrm>
+            <a:off x="3135868" y="1261112"/>
+            <a:ext cx="720080" cy="0"/>
+          </a:xfrm>
+          <a:prstGeom prst="line">
+            <a:avLst/>
+          </a:prstGeom>
+          <a:ln>
+            <a:solidFill>
+              <a:schemeClr val="tx1"/>
+            </a:solidFill>
+          </a:ln>
+        </p:spPr>
+        <p:style>
+          <a:lnRef idx="1">
+            <a:schemeClr val="accent1"/>
+          </a:lnRef>
+          <a:fillRef idx="0">
+            <a:schemeClr val="accent1"/>
+          </a:fillRef>
+          <a:effectRef idx="0">
+            <a:schemeClr val="accent1"/>
+          </a:effectRef>
+          <a:fontRef idx="minor">
+            <a:schemeClr val="tx1"/>
+          </a:fontRef>
+        </p:style>
+      </p:cxnSp>
+      <p:cxnSp>
+        <p:nvCxnSpPr>
+          <p:cNvPr id="51" name="直接连接符 50"/>
+          <p:cNvCxnSpPr/>
+          <p:nvPr/>
+        </p:nvCxnSpPr>
+        <p:spPr>
+          <a:xfrm flipV="1">
+            <a:off x="4553466" y="1256952"/>
+            <a:ext cx="0" cy="5193604"/>
+          </a:xfrm>
+          <a:prstGeom prst="line">
+            <a:avLst/>
+          </a:prstGeom>
+          <a:ln>
+            <a:solidFill>
+              <a:schemeClr val="tx1"/>
+            </a:solidFill>
+          </a:ln>
+        </p:spPr>
+        <p:style>
+          <a:lnRef idx="1">
+            <a:schemeClr val="accent1"/>
+          </a:lnRef>
+          <a:fillRef idx="0">
+            <a:schemeClr val="accent1"/>
+          </a:fillRef>
+          <a:effectRef idx="0">
+            <a:schemeClr val="accent1"/>
+          </a:effectRef>
+          <a:fontRef idx="minor">
+            <a:schemeClr val="tx1"/>
+          </a:fontRef>
+        </p:style>
+      </p:cxnSp>
+      <p:cxnSp>
+        <p:nvCxnSpPr>
+          <p:cNvPr id="52" name="直接连接符 51"/>
+          <p:cNvCxnSpPr/>
+          <p:nvPr/>
+        </p:nvCxnSpPr>
+        <p:spPr>
+          <a:xfrm>
+            <a:off x="5292080" y="1256952"/>
+            <a:ext cx="0" cy="5193604"/>
+          </a:xfrm>
+          <a:prstGeom prst="line">
+            <a:avLst/>
+          </a:prstGeom>
+          <a:ln>
+            <a:solidFill>
+              <a:schemeClr val="tx1"/>
+            </a:solidFill>
+          </a:ln>
+        </p:spPr>
+        <p:style>
+          <a:lnRef idx="1">
+            <a:schemeClr val="accent1"/>
+          </a:lnRef>
+          <a:fillRef idx="0">
+            <a:schemeClr val="accent1"/>
+          </a:fillRef>
+          <a:effectRef idx="0">
+            <a:schemeClr val="accent1"/>
+          </a:effectRef>
+          <a:fontRef idx="minor">
+            <a:schemeClr val="tx1"/>
+          </a:fontRef>
+        </p:style>
+      </p:cxnSp>
+      <p:cxnSp>
+        <p:nvCxnSpPr>
+          <p:cNvPr id="53" name="直接连接符 52"/>
+          <p:cNvCxnSpPr/>
+          <p:nvPr/>
+        </p:nvCxnSpPr>
+        <p:spPr>
+          <a:xfrm>
+            <a:off x="4572000" y="1256952"/>
+            <a:ext cx="720080" cy="0"/>
+          </a:xfrm>
+          <a:prstGeom prst="line">
+            <a:avLst/>
+          </a:prstGeom>
+          <a:ln>
+            <a:solidFill>
+              <a:schemeClr val="tx1"/>
+            </a:solidFill>
+          </a:ln>
+        </p:spPr>
+        <p:style>
+          <a:lnRef idx="1">
+            <a:schemeClr val="accent1"/>
+          </a:lnRef>
+          <a:fillRef idx="0">
+            <a:schemeClr val="accent1"/>
+          </a:fillRef>
+          <a:effectRef idx="0">
+            <a:schemeClr val="accent1"/>
+          </a:effectRef>
+          <a:fontRef idx="minor">
+            <a:schemeClr val="tx1"/>
+          </a:fontRef>
+        </p:style>
+      </p:cxnSp>
+      <p:cxnSp>
+        <p:nvCxnSpPr>
+          <p:cNvPr id="57" name="直接连接符 56"/>
+          <p:cNvCxnSpPr/>
+          <p:nvPr/>
+        </p:nvCxnSpPr>
+        <p:spPr>
+          <a:xfrm flipV="1">
+            <a:off x="5993626" y="1263016"/>
+            <a:ext cx="0" cy="5193604"/>
+          </a:xfrm>
+          <a:prstGeom prst="line">
+            <a:avLst/>
+          </a:prstGeom>
+          <a:ln>
+            <a:solidFill>
+              <a:schemeClr val="tx1"/>
+            </a:solidFill>
+          </a:ln>
+        </p:spPr>
+        <p:style>
+          <a:lnRef idx="1">
+            <a:schemeClr val="accent1"/>
+          </a:lnRef>
+          <a:fillRef idx="0">
+            <a:schemeClr val="accent1"/>
+          </a:fillRef>
+          <a:effectRef idx="0">
+            <a:schemeClr val="accent1"/>
+          </a:effectRef>
+          <a:fontRef idx="minor">
+            <a:schemeClr val="tx1"/>
+          </a:fontRef>
+        </p:style>
+      </p:cxnSp>
+      <p:cxnSp>
+        <p:nvCxnSpPr>
+          <p:cNvPr id="58" name="直接连接符 57"/>
+          <p:cNvCxnSpPr/>
+          <p:nvPr/>
+        </p:nvCxnSpPr>
+        <p:spPr>
+          <a:xfrm>
+            <a:off x="6732240" y="1263016"/>
+            <a:ext cx="0" cy="5193604"/>
+          </a:xfrm>
+          <a:prstGeom prst="line">
+            <a:avLst/>
+          </a:prstGeom>
+          <a:ln>
+            <a:solidFill>
+              <a:schemeClr val="tx1"/>
+            </a:solidFill>
+          </a:ln>
+        </p:spPr>
+        <p:style>
+          <a:lnRef idx="1">
+            <a:schemeClr val="accent1"/>
+          </a:lnRef>
+          <a:fillRef idx="0">
+            <a:schemeClr val="accent1"/>
+          </a:fillRef>
+          <a:effectRef idx="0">
+            <a:schemeClr val="accent1"/>
+          </a:effectRef>
+          <a:fontRef idx="minor">
+            <a:schemeClr val="tx1"/>
+          </a:fontRef>
+        </p:style>
+      </p:cxnSp>
+      <p:cxnSp>
+        <p:nvCxnSpPr>
+          <p:cNvPr id="59" name="直接连接符 58"/>
+          <p:cNvCxnSpPr/>
+          <p:nvPr/>
+        </p:nvCxnSpPr>
+        <p:spPr>
+          <a:xfrm>
+            <a:off x="6012160" y="1263016"/>
+            <a:ext cx="720080" cy="0"/>
+          </a:xfrm>
+          <a:prstGeom prst="line">
+            <a:avLst/>
+          </a:prstGeom>
+          <a:ln>
+            <a:solidFill>
+              <a:schemeClr val="tx1"/>
+            </a:solidFill>
+          </a:ln>
+        </p:spPr>
+        <p:style>
+          <a:lnRef idx="1">
+            <a:schemeClr val="accent1"/>
+          </a:lnRef>
+          <a:fillRef idx="0">
+            <a:schemeClr val="accent1"/>
+          </a:fillRef>
+          <a:effectRef idx="0">
+            <a:schemeClr val="accent1"/>
+          </a:effectRef>
+          <a:fontRef idx="minor">
+            <a:schemeClr val="tx1"/>
+          </a:fontRef>
+        </p:style>
+      </p:cxnSp>
+      <p:cxnSp>
+        <p:nvCxnSpPr>
+          <p:cNvPr id="60" name="直接连接符 59"/>
+          <p:cNvCxnSpPr/>
+          <p:nvPr/>
+        </p:nvCxnSpPr>
+        <p:spPr>
+          <a:xfrm flipV="1">
+            <a:off x="7433786" y="1254288"/>
+            <a:ext cx="0" cy="5193604"/>
+          </a:xfrm>
+          <a:prstGeom prst="line">
+            <a:avLst/>
+          </a:prstGeom>
+          <a:ln>
+            <a:solidFill>
+              <a:schemeClr val="tx1"/>
+            </a:solidFill>
+          </a:ln>
+        </p:spPr>
+        <p:style>
+          <a:lnRef idx="1">
+            <a:schemeClr val="accent1"/>
+          </a:lnRef>
+          <a:fillRef idx="0">
+            <a:schemeClr val="accent1"/>
+          </a:fillRef>
+          <a:effectRef idx="0">
+            <a:schemeClr val="accent1"/>
+          </a:effectRef>
+          <a:fontRef idx="minor">
+            <a:schemeClr val="tx1"/>
+          </a:fontRef>
+        </p:style>
+      </p:cxnSp>
+      <p:cxnSp>
+        <p:nvCxnSpPr>
+          <p:cNvPr id="61" name="直接连接符 60"/>
+          <p:cNvCxnSpPr/>
+          <p:nvPr/>
+        </p:nvCxnSpPr>
+        <p:spPr>
+          <a:xfrm>
+            <a:off x="8172400" y="1254288"/>
+            <a:ext cx="0" cy="5193604"/>
+          </a:xfrm>
+          <a:prstGeom prst="line">
+            <a:avLst/>
+          </a:prstGeom>
+          <a:ln>
+            <a:solidFill>
+              <a:schemeClr val="tx1"/>
+            </a:solidFill>
+          </a:ln>
+        </p:spPr>
+        <p:style>
+          <a:lnRef idx="1">
+            <a:schemeClr val="accent1"/>
+          </a:lnRef>
+          <a:fillRef idx="0">
+            <a:schemeClr val="accent1"/>
+          </a:fillRef>
+          <a:effectRef idx="0">
+            <a:schemeClr val="accent1"/>
+          </a:effectRef>
+          <a:fontRef idx="minor">
+            <a:schemeClr val="tx1"/>
+          </a:fontRef>
+        </p:style>
+      </p:cxnSp>
+      <p:cxnSp>
+        <p:nvCxnSpPr>
+          <p:cNvPr id="62" name="直接连接符 61"/>
+          <p:cNvCxnSpPr/>
+          <p:nvPr/>
+        </p:nvCxnSpPr>
+        <p:spPr>
+          <a:xfrm>
+            <a:off x="7452320" y="1254288"/>
+            <a:ext cx="720080" cy="0"/>
+          </a:xfrm>
+          <a:prstGeom prst="line">
+            <a:avLst/>
+          </a:prstGeom>
+          <a:ln>
+            <a:solidFill>
+              <a:schemeClr val="tx1"/>
+            </a:solidFill>
+          </a:ln>
+        </p:spPr>
+        <p:style>
+          <a:lnRef idx="1">
+            <a:schemeClr val="accent1"/>
+          </a:lnRef>
+          <a:fillRef idx="0">
+            <a:schemeClr val="accent1"/>
+          </a:fillRef>
+          <a:effectRef idx="0">
+            <a:schemeClr val="accent1"/>
+          </a:effectRef>
+          <a:fontRef idx="minor">
+            <a:schemeClr val="tx1"/>
+          </a:fontRef>
+        </p:style>
+      </p:cxnSp>
+      <mc:AlternateContent xmlns:mc="http://schemas.openxmlformats.org/markup-compatibility/2006" xmlns:a14="http://schemas.microsoft.com/office/drawing/2010/main">
+        <mc:Choice Requires="a14">
+          <p:sp>
+            <p:nvSpPr>
+              <p:cNvPr id="63" name="TextBox 62"/>
+              <p:cNvSpPr txBox="1"/>
+              <p:nvPr/>
+            </p:nvSpPr>
+            <p:spPr>
+              <a:xfrm>
+                <a:off x="1127112" y="6462712"/>
+                <a:ext cx="1176636" cy="369332"/>
+              </a:xfrm>
+              <a:prstGeom prst="rect">
+                <a:avLst/>
+              </a:prstGeom>
+              <a:noFill/>
+            </p:spPr>
+            <p:txBody>
+              <a:bodyPr wrap="square" rtlCol="0">
+                <a:spAutoFit/>
+              </a:bodyPr>
+              <a:lstStyle/>
+              <a:p>
+                <a:pPr/>
+                <a14:m>
+                  <m:oMathPara xmlns:m="http://schemas.openxmlformats.org/officeDocument/2006/math">
+                    <m:oMathParaPr>
+                      <m:jc m:val="centerGroup"/>
+                    </m:oMathParaPr>
+                    <m:oMath xmlns:m="http://schemas.openxmlformats.org/officeDocument/2006/math">
+                      <m:r>
+                        <a:rPr lang="en-US" altLang="zh-CN" b="0" i="1" smtClean="0">
+                          <a:latin typeface="Cambria Math"/>
+                        </a:rPr>
+                        <m:t>(</m:t>
+                      </m:r>
+                      <m:r>
+                        <a:rPr lang="en-US" altLang="zh-CN" b="0" i="1" smtClean="0">
+                          <a:latin typeface="Cambria Math"/>
+                        </a:rPr>
+                        <m:t>𝑚</m:t>
+                      </m:r>
+                      <m:r>
+                        <a:rPr lang="en-US" altLang="zh-CN" b="0" i="1" smtClean="0">
+                          <a:latin typeface="Cambria Math"/>
+                        </a:rPr>
+                        <m:t>+2)</m:t>
+                      </m:r>
+                      <m:r>
+                        <a:rPr lang="zh-CN" altLang="en-US" b="0" i="1" smtClean="0">
+                          <a:latin typeface="Cambria Math"/>
+                        </a:rPr>
+                        <m:t>𝜋</m:t>
+                      </m:r>
+                    </m:oMath>
+                  </m:oMathPara>
+                </a14:m>
+                <a:endParaRPr lang="zh-CN" altLang="en-US" dirty="0"/>
+              </a:p>
+            </p:txBody>
+          </p:sp>
+        </mc:Choice>
+        <mc:Fallback xmlns="">
+          <p:sp>
+            <p:nvSpPr>
+              <p:cNvPr id="63" name="TextBox 62"/>
+              <p:cNvSpPr txBox="1">
+                <a:spLocks noRot="1" noChangeAspect="1" noMove="1" noResize="1" noEditPoints="1" noAdjustHandles="1" noChangeArrowheads="1" noChangeShapeType="1" noTextEdit="1"/>
+              </p:cNvSpPr>
+              <p:nvPr/>
+            </p:nvSpPr>
+            <p:spPr>
+              <a:xfrm>
+                <a:off x="1127112" y="6462712"/>
+                <a:ext cx="1176636" cy="369332"/>
+              </a:xfrm>
+              <a:prstGeom prst="rect">
+                <a:avLst/>
+              </a:prstGeom>
+              <a:blipFill rotWithShape="1">
+                <a:blip r:embed="rId3"/>
+                <a:stretch>
+                  <a:fillRect b="-11475"/>
+                </a:stretch>
+              </a:blipFill>
+            </p:spPr>
+            <p:txBody>
+              <a:bodyPr/>
+              <a:lstStyle/>
+              <a:p>
+                <a:r>
+                  <a:rPr lang="zh-CN" altLang="en-US">
+                    <a:noFill/>
+                  </a:rPr>
+                  <a:t> </a:t>
+                </a:r>
+              </a:p>
+            </p:txBody>
+          </p:sp>
+        </mc:Fallback>
+      </mc:AlternateContent>
+      <mc:AlternateContent xmlns:mc="http://schemas.openxmlformats.org/markup-compatibility/2006" xmlns:a14="http://schemas.microsoft.com/office/drawing/2010/main">
+        <mc:Choice Requires="a14">
+          <p:sp>
+            <p:nvSpPr>
+              <p:cNvPr id="66" name="TextBox 65"/>
+              <p:cNvSpPr txBox="1"/>
+              <p:nvPr/>
+            </p:nvSpPr>
+            <p:spPr>
+              <a:xfrm>
+                <a:off x="179512" y="6486882"/>
+                <a:ext cx="576064" cy="369332"/>
+              </a:xfrm>
+              <a:prstGeom prst="rect">
+                <a:avLst/>
+              </a:prstGeom>
+              <a:noFill/>
+            </p:spPr>
+            <p:txBody>
+              <a:bodyPr wrap="square" rtlCol="0">
+                <a:spAutoFit/>
+              </a:bodyPr>
+              <a:lstStyle/>
+              <a:p>
+                <a:r>
+                  <a:rPr lang="en-US" altLang="zh-CN" b="0" dirty="0" smtClean="0"/>
+                  <a:t>m</a:t>
+                </a:r>
+                <a14:m>
+                  <m:oMath xmlns:m="http://schemas.openxmlformats.org/officeDocument/2006/math">
+                    <m:r>
+                      <a:rPr lang="zh-CN" altLang="en-US" b="0" i="1" smtClean="0">
+                        <a:latin typeface="Cambria Math"/>
+                      </a:rPr>
+                      <m:t>𝜋</m:t>
+                    </m:r>
+                  </m:oMath>
+                </a14:m>
+                <a:endParaRPr lang="zh-CN" altLang="en-US" dirty="0"/>
+              </a:p>
+            </p:txBody>
+          </p:sp>
+        </mc:Choice>
+        <mc:Fallback xmlns="">
+          <p:sp>
+            <p:nvSpPr>
+              <p:cNvPr id="66" name="TextBox 65"/>
+              <p:cNvSpPr txBox="1">
+                <a:spLocks noRot="1" noChangeAspect="1" noMove="1" noResize="1" noEditPoints="1" noAdjustHandles="1" noChangeArrowheads="1" noChangeShapeType="1" noTextEdit="1"/>
+              </p:cNvSpPr>
+              <p:nvPr/>
+            </p:nvSpPr>
+            <p:spPr>
+              <a:xfrm>
+                <a:off x="179512" y="6486882"/>
+                <a:ext cx="576064" cy="369332"/>
+              </a:xfrm>
+              <a:prstGeom prst="rect">
+                <a:avLst/>
+              </a:prstGeom>
+              <a:blipFill rotWithShape="1">
+                <a:blip r:embed="rId4"/>
+                <a:stretch>
+                  <a:fillRect l="-8421" t="-8197" b="-24590"/>
+                </a:stretch>
+              </a:blipFill>
+            </p:spPr>
+            <p:txBody>
+              <a:bodyPr/>
+              <a:lstStyle/>
+              <a:p>
+                <a:r>
+                  <a:rPr lang="zh-CN" altLang="en-US">
+                    <a:noFill/>
+                  </a:rPr>
+                  <a:t> </a:t>
+                </a:r>
+              </a:p>
+            </p:txBody>
+          </p:sp>
+        </mc:Fallback>
+      </mc:AlternateContent>
+      <mc:AlternateContent xmlns:mc="http://schemas.openxmlformats.org/markup-compatibility/2006" xmlns:a14="http://schemas.microsoft.com/office/drawing/2010/main">
+        <mc:Choice Requires="a14">
+          <p:sp>
+            <p:nvSpPr>
+              <p:cNvPr id="67" name="TextBox 66"/>
+              <p:cNvSpPr txBox="1"/>
+              <p:nvPr/>
+            </p:nvSpPr>
+            <p:spPr>
+              <a:xfrm>
+                <a:off x="2669628" y="6495716"/>
+                <a:ext cx="1176636" cy="369332"/>
+              </a:xfrm>
+              <a:prstGeom prst="rect">
+                <a:avLst/>
+              </a:prstGeom>
+              <a:noFill/>
+            </p:spPr>
+            <p:txBody>
+              <a:bodyPr wrap="square" rtlCol="0">
+                <a:spAutoFit/>
+              </a:bodyPr>
+              <a:lstStyle/>
+              <a:p>
+                <a:pPr/>
+                <a14:m>
+                  <m:oMathPara xmlns:m="http://schemas.openxmlformats.org/officeDocument/2006/math">
+                    <m:oMathParaPr>
+                      <m:jc m:val="centerGroup"/>
+                    </m:oMathParaPr>
+                    <m:oMath xmlns:m="http://schemas.openxmlformats.org/officeDocument/2006/math">
+                      <m:r>
+                        <a:rPr lang="en-US" altLang="zh-CN" b="0" i="1" smtClean="0">
+                          <a:latin typeface="Cambria Math"/>
+                        </a:rPr>
+                        <m:t>(</m:t>
+                      </m:r>
+                      <m:r>
+                        <a:rPr lang="en-US" altLang="zh-CN" b="0" i="1" smtClean="0">
+                          <a:latin typeface="Cambria Math"/>
+                        </a:rPr>
+                        <m:t>𝑚</m:t>
+                      </m:r>
+                      <m:r>
+                        <a:rPr lang="en-US" altLang="zh-CN" b="0" i="1" smtClean="0">
+                          <a:latin typeface="Cambria Math"/>
+                        </a:rPr>
+                        <m:t>+4)</m:t>
+                      </m:r>
+                      <m:r>
+                        <a:rPr lang="zh-CN" altLang="en-US" b="0" i="1" smtClean="0">
+                          <a:latin typeface="Cambria Math"/>
+                        </a:rPr>
+                        <m:t>𝜋</m:t>
+                      </m:r>
+                    </m:oMath>
+                  </m:oMathPara>
+                </a14:m>
+                <a:endParaRPr lang="zh-CN" altLang="en-US" dirty="0"/>
+              </a:p>
+            </p:txBody>
+          </p:sp>
+        </mc:Choice>
+        <mc:Fallback xmlns="">
+          <p:sp>
+            <p:nvSpPr>
+              <p:cNvPr id="67" name="TextBox 66"/>
+              <p:cNvSpPr txBox="1">
+                <a:spLocks noRot="1" noChangeAspect="1" noMove="1" noResize="1" noEditPoints="1" noAdjustHandles="1" noChangeArrowheads="1" noChangeShapeType="1" noTextEdit="1"/>
+              </p:cNvSpPr>
+              <p:nvPr/>
+            </p:nvSpPr>
+            <p:spPr>
+              <a:xfrm>
+                <a:off x="2669628" y="6495716"/>
+                <a:ext cx="1176636" cy="369332"/>
+              </a:xfrm>
+              <a:prstGeom prst="rect">
+                <a:avLst/>
+              </a:prstGeom>
+              <a:blipFill rotWithShape="1">
+                <a:blip r:embed="rId5"/>
+                <a:stretch>
+                  <a:fillRect b="-13333"/>
+                </a:stretch>
+              </a:blipFill>
+            </p:spPr>
+            <p:txBody>
+              <a:bodyPr/>
+              <a:lstStyle/>
+              <a:p>
+                <a:r>
+                  <a:rPr lang="zh-CN" altLang="en-US">
+                    <a:noFill/>
+                  </a:rPr>
+                  <a:t> </a:t>
+                </a:r>
+              </a:p>
+            </p:txBody>
+          </p:sp>
+        </mc:Fallback>
+      </mc:AlternateContent>
+      <mc:AlternateContent xmlns:mc="http://schemas.openxmlformats.org/markup-compatibility/2006" xmlns:a14="http://schemas.microsoft.com/office/drawing/2010/main">
+        <mc:Choice Requires="a14">
+          <p:sp>
+            <p:nvSpPr>
+              <p:cNvPr id="68" name="TextBox 67"/>
+              <p:cNvSpPr txBox="1"/>
+              <p:nvPr/>
+            </p:nvSpPr>
+            <p:spPr>
+              <a:xfrm>
+                <a:off x="4703762" y="6504550"/>
+                <a:ext cx="1176636" cy="369332"/>
+              </a:xfrm>
+              <a:prstGeom prst="rect">
+                <a:avLst/>
+              </a:prstGeom>
+              <a:noFill/>
+            </p:spPr>
+            <p:txBody>
+              <a:bodyPr wrap="square" rtlCol="0">
+                <a:spAutoFit/>
+              </a:bodyPr>
+              <a:lstStyle/>
+              <a:p>
+                <a:pPr/>
+                <a14:m>
+                  <m:oMathPara xmlns:m="http://schemas.openxmlformats.org/officeDocument/2006/math">
+                    <m:oMathParaPr>
+                      <m:jc m:val="centerGroup"/>
+                    </m:oMathParaPr>
+                    <m:oMath xmlns:m="http://schemas.openxmlformats.org/officeDocument/2006/math">
+                      <m:r>
+                        <a:rPr lang="en-US" altLang="zh-CN" b="0" i="1" smtClean="0">
+                          <a:latin typeface="Cambria Math"/>
+                        </a:rPr>
+                        <m:t>(</m:t>
+                      </m:r>
+                      <m:r>
+                        <a:rPr lang="en-US" altLang="zh-CN" b="0" i="1" smtClean="0">
+                          <a:latin typeface="Cambria Math"/>
+                        </a:rPr>
+                        <m:t>𝑚</m:t>
+                      </m:r>
+                      <m:r>
+                        <a:rPr lang="en-US" altLang="zh-CN" b="0" i="1" smtClean="0">
+                          <a:latin typeface="Cambria Math"/>
+                        </a:rPr>
+                        <m:t>+6)</m:t>
+                      </m:r>
+                      <m:r>
+                        <a:rPr lang="zh-CN" altLang="en-US" b="0" i="1" smtClean="0">
+                          <a:latin typeface="Cambria Math"/>
+                        </a:rPr>
+                        <m:t>𝜋</m:t>
+                      </m:r>
+                    </m:oMath>
+                  </m:oMathPara>
+                </a14:m>
+                <a:endParaRPr lang="zh-CN" altLang="en-US" dirty="0"/>
+              </a:p>
+            </p:txBody>
+          </p:sp>
+        </mc:Choice>
+        <mc:Fallback xmlns="">
+          <p:sp>
+            <p:nvSpPr>
+              <p:cNvPr id="68" name="TextBox 67"/>
+              <p:cNvSpPr txBox="1">
+                <a:spLocks noRot="1" noChangeAspect="1" noMove="1" noResize="1" noEditPoints="1" noAdjustHandles="1" noChangeArrowheads="1" noChangeShapeType="1" noTextEdit="1"/>
+              </p:cNvSpPr>
+              <p:nvPr/>
+            </p:nvSpPr>
+            <p:spPr>
+              <a:xfrm>
+                <a:off x="4703762" y="6504550"/>
+                <a:ext cx="1176636" cy="369332"/>
+              </a:xfrm>
+              <a:prstGeom prst="rect">
+                <a:avLst/>
+              </a:prstGeom>
+              <a:blipFill rotWithShape="1">
+                <a:blip r:embed="rId6"/>
+                <a:stretch>
+                  <a:fillRect b="-11475"/>
+                </a:stretch>
+              </a:blipFill>
+            </p:spPr>
+            <p:txBody>
+              <a:bodyPr/>
+              <a:lstStyle/>
+              <a:p>
+                <a:r>
+                  <a:rPr lang="zh-CN" altLang="en-US">
+                    <a:noFill/>
+                  </a:rPr>
+                  <a:t> </a:t>
+                </a:r>
+              </a:p>
+            </p:txBody>
+          </p:sp>
+        </mc:Fallback>
+      </mc:AlternateContent>
+      <mc:AlternateContent xmlns:mc="http://schemas.openxmlformats.org/markup-compatibility/2006" xmlns:a14="http://schemas.microsoft.com/office/drawing/2010/main">
+        <mc:Choice Requires="a14">
+          <p:sp>
+            <p:nvSpPr>
+              <p:cNvPr id="69" name="TextBox 68"/>
+              <p:cNvSpPr txBox="1"/>
+              <p:nvPr/>
+            </p:nvSpPr>
+            <p:spPr>
+              <a:xfrm>
+                <a:off x="6209012" y="6510122"/>
+                <a:ext cx="1176636" cy="369332"/>
+              </a:xfrm>
+              <a:prstGeom prst="rect">
+                <a:avLst/>
+              </a:prstGeom>
+              <a:noFill/>
+            </p:spPr>
+            <p:txBody>
+              <a:bodyPr wrap="square" rtlCol="0">
+                <a:spAutoFit/>
+              </a:bodyPr>
+              <a:lstStyle/>
+              <a:p>
+                <a:pPr/>
+                <a14:m>
+                  <m:oMathPara xmlns:m="http://schemas.openxmlformats.org/officeDocument/2006/math">
+                    <m:oMathParaPr>
+                      <m:jc m:val="centerGroup"/>
+                    </m:oMathParaPr>
+                    <m:oMath xmlns:m="http://schemas.openxmlformats.org/officeDocument/2006/math">
+                      <m:r>
+                        <a:rPr lang="en-US" altLang="zh-CN" b="0" i="1" smtClean="0">
+                          <a:latin typeface="Cambria Math"/>
+                        </a:rPr>
+                        <m:t>(</m:t>
+                      </m:r>
+                      <m:r>
+                        <a:rPr lang="en-US" altLang="zh-CN" b="0" i="1" smtClean="0">
+                          <a:latin typeface="Cambria Math"/>
+                        </a:rPr>
+                        <m:t>𝑚</m:t>
+                      </m:r>
+                      <m:r>
+                        <a:rPr lang="en-US" altLang="zh-CN" b="0" i="1" smtClean="0">
+                          <a:latin typeface="Cambria Math"/>
+                        </a:rPr>
+                        <m:t>+8)</m:t>
+                      </m:r>
+                      <m:r>
+                        <a:rPr lang="zh-CN" altLang="en-US" b="0" i="1" smtClean="0">
+                          <a:latin typeface="Cambria Math"/>
+                        </a:rPr>
+                        <m:t>𝜋</m:t>
+                      </m:r>
+                    </m:oMath>
+                  </m:oMathPara>
+                </a14:m>
+                <a:endParaRPr lang="zh-CN" altLang="en-US" dirty="0"/>
+              </a:p>
+            </p:txBody>
+          </p:sp>
+        </mc:Choice>
+        <mc:Fallback xmlns="">
+          <p:sp>
+            <p:nvSpPr>
+              <p:cNvPr id="69" name="TextBox 68"/>
+              <p:cNvSpPr txBox="1">
+                <a:spLocks noRot="1" noChangeAspect="1" noMove="1" noResize="1" noEditPoints="1" noAdjustHandles="1" noChangeArrowheads="1" noChangeShapeType="1" noTextEdit="1"/>
+              </p:cNvSpPr>
+              <p:nvPr/>
+            </p:nvSpPr>
+            <p:spPr>
+              <a:xfrm>
+                <a:off x="6209012" y="6510122"/>
+                <a:ext cx="1176636" cy="369332"/>
+              </a:xfrm>
+              <a:prstGeom prst="rect">
+                <a:avLst/>
+              </a:prstGeom>
+              <a:blipFill rotWithShape="1">
+                <a:blip r:embed="rId7"/>
+                <a:stretch>
+                  <a:fillRect b="-11475"/>
+                </a:stretch>
+              </a:blipFill>
+            </p:spPr>
+            <p:txBody>
+              <a:bodyPr/>
+              <a:lstStyle/>
+              <a:p>
+                <a:r>
+                  <a:rPr lang="zh-CN" altLang="en-US">
+                    <a:noFill/>
+                  </a:rPr>
+                  <a:t> </a:t>
+                </a:r>
+              </a:p>
+            </p:txBody>
+          </p:sp>
+        </mc:Fallback>
+      </mc:AlternateContent>
+      <p:cxnSp>
+        <p:nvCxnSpPr>
+          <p:cNvPr id="71" name="直接连接符 70"/>
+          <p:cNvCxnSpPr>
+            <a:stCxn id="25" idx="3"/>
+          </p:cNvCxnSpPr>
+          <p:nvPr/>
+        </p:nvCxnSpPr>
+        <p:spPr>
+          <a:xfrm>
+            <a:off x="1267016" y="2679757"/>
+            <a:ext cx="0" cy="3782955"/>
+          </a:xfrm>
+          <a:prstGeom prst="line">
+            <a:avLst/>
+          </a:prstGeom>
+          <a:ln>
+            <a:solidFill>
+              <a:schemeClr val="tx1"/>
+            </a:solidFill>
+            <a:prstDash val="dash"/>
+          </a:ln>
+        </p:spPr>
+        <p:style>
+          <a:lnRef idx="1">
+            <a:schemeClr val="accent1"/>
+          </a:lnRef>
+          <a:fillRef idx="0">
+            <a:schemeClr val="accent1"/>
+          </a:fillRef>
+          <a:effectRef idx="0">
+            <a:schemeClr val="accent1"/>
+          </a:effectRef>
+          <a:fontRef idx="minor">
+            <a:schemeClr val="tx1"/>
+          </a:fontRef>
+        </p:style>
+      </p:cxnSp>
+      <p:cxnSp>
+        <p:nvCxnSpPr>
+          <p:cNvPr id="75" name="直接连接符 74"/>
+          <p:cNvCxnSpPr/>
+          <p:nvPr/>
+        </p:nvCxnSpPr>
+        <p:spPr>
+          <a:xfrm>
+            <a:off x="6330866" y="2679757"/>
+            <a:ext cx="0" cy="3782955"/>
+          </a:xfrm>
+          <a:prstGeom prst="line">
+            <a:avLst/>
+          </a:prstGeom>
+          <a:ln>
+            <a:solidFill>
+              <a:schemeClr val="tx1"/>
+            </a:solidFill>
+            <a:prstDash val="dash"/>
+          </a:ln>
+        </p:spPr>
+        <p:style>
+          <a:lnRef idx="1">
+            <a:schemeClr val="accent1"/>
+          </a:lnRef>
+          <a:fillRef idx="0">
+            <a:schemeClr val="accent1"/>
+          </a:fillRef>
+          <a:effectRef idx="0">
+            <a:schemeClr val="accent1"/>
+          </a:effectRef>
+          <a:fontRef idx="minor">
+            <a:schemeClr val="tx1"/>
+          </a:fontRef>
+        </p:style>
+      </p:cxnSp>
+      <mc:AlternateContent xmlns:mc="http://schemas.openxmlformats.org/markup-compatibility/2006" xmlns:a14="http://schemas.microsoft.com/office/drawing/2010/main">
+        <mc:Choice Requires="a14">
+          <p:sp>
+            <p:nvSpPr>
+              <p:cNvPr id="77" name="TextBox 76"/>
+              <p:cNvSpPr txBox="1"/>
+              <p:nvPr/>
+            </p:nvSpPr>
+            <p:spPr>
+              <a:xfrm>
+                <a:off x="1267016" y="6078560"/>
+                <a:ext cx="509049" cy="369332"/>
+              </a:xfrm>
+              <a:prstGeom prst="rect">
+                <a:avLst/>
+              </a:prstGeom>
+              <a:noFill/>
+            </p:spPr>
+            <p:txBody>
+              <a:bodyPr wrap="none" rtlCol="0">
+                <a:spAutoFit/>
+              </a:bodyPr>
+              <a:lstStyle/>
+              <a:p>
+                <a:pPr/>
+                <a14:m>
+                  <m:oMathPara xmlns:m="http://schemas.openxmlformats.org/officeDocument/2006/math">
+                    <m:oMathParaPr>
+                      <m:jc m:val="centerGroup"/>
+                    </m:oMathParaPr>
+                    <m:oMath xmlns:m="http://schemas.openxmlformats.org/officeDocument/2006/math">
+                      <m:sSub>
+                        <m:sSubPr>
+                          <m:ctrlPr>
+                            <a:rPr lang="en-US" altLang="zh-CN" i="1" smtClean="0">
+                              <a:latin typeface="Cambria Math"/>
+                            </a:rPr>
+                          </m:ctrlPr>
+                        </m:sSubPr>
+                        <m:e>
+                          <m:r>
+                            <a:rPr lang="zh-CN" altLang="en-US" i="1" smtClean="0">
+                              <a:latin typeface="Cambria Math"/>
+                            </a:rPr>
+                            <m:t>𝜑</m:t>
+                          </m:r>
+                        </m:e>
+                        <m:sub>
+                          <m:r>
+                            <a:rPr lang="en-US" altLang="zh-CN" b="0" i="1" smtClean="0">
+                              <a:latin typeface="Cambria Math"/>
+                            </a:rPr>
+                            <m:t>𝐴</m:t>
+                          </m:r>
+                        </m:sub>
+                      </m:sSub>
+                    </m:oMath>
+                  </m:oMathPara>
+                </a14:m>
+                <a:endParaRPr lang="zh-CN" altLang="en-US" dirty="0"/>
+              </a:p>
+            </p:txBody>
+          </p:sp>
+        </mc:Choice>
+        <mc:Fallback xmlns="">
+          <p:sp>
+            <p:nvSpPr>
+              <p:cNvPr id="77" name="TextBox 76"/>
+              <p:cNvSpPr txBox="1">
+                <a:spLocks noRot="1" noChangeAspect="1" noMove="1" noResize="1" noEditPoints="1" noAdjustHandles="1" noChangeArrowheads="1" noChangeShapeType="1" noTextEdit="1"/>
+              </p:cNvSpPr>
+              <p:nvPr/>
+            </p:nvSpPr>
+            <p:spPr>
+              <a:xfrm>
+                <a:off x="1267016" y="6078560"/>
+                <a:ext cx="509049" cy="369332"/>
+              </a:xfrm>
+              <a:prstGeom prst="rect">
+                <a:avLst/>
+              </a:prstGeom>
+              <a:blipFill rotWithShape="1">
+                <a:blip r:embed="rId8"/>
+                <a:stretch>
+                  <a:fillRect b="-4918"/>
+                </a:stretch>
+              </a:blipFill>
+            </p:spPr>
+            <p:txBody>
+              <a:bodyPr/>
+              <a:lstStyle/>
+              <a:p>
+                <a:r>
+                  <a:rPr lang="zh-CN" altLang="en-US">
+                    <a:noFill/>
+                  </a:rPr>
+                  <a:t> </a:t>
+                </a:r>
+              </a:p>
+            </p:txBody>
+          </p:sp>
+        </mc:Fallback>
+      </mc:AlternateContent>
+      <mc:AlternateContent xmlns:mc="http://schemas.openxmlformats.org/markup-compatibility/2006" xmlns:a14="http://schemas.microsoft.com/office/drawing/2010/main">
+        <mc:Choice Requires="a14">
+          <p:sp>
+            <p:nvSpPr>
+              <p:cNvPr id="78" name="TextBox 77"/>
+              <p:cNvSpPr txBox="1"/>
+              <p:nvPr/>
+            </p:nvSpPr>
+            <p:spPr>
+              <a:xfrm>
+                <a:off x="6274815" y="6076360"/>
+                <a:ext cx="522515" cy="369332"/>
+              </a:xfrm>
+              <a:prstGeom prst="rect">
+                <a:avLst/>
+              </a:prstGeom>
+              <a:noFill/>
+            </p:spPr>
+            <p:txBody>
+              <a:bodyPr wrap="none" rtlCol="0">
+                <a:spAutoFit/>
+              </a:bodyPr>
+              <a:lstStyle/>
+              <a:p>
+                <a:pPr/>
+                <a14:m>
+                  <m:oMathPara xmlns:m="http://schemas.openxmlformats.org/officeDocument/2006/math">
+                    <m:oMathParaPr>
+                      <m:jc m:val="centerGroup"/>
+                    </m:oMathParaPr>
+                    <m:oMath xmlns:m="http://schemas.openxmlformats.org/officeDocument/2006/math">
+                      <m:sSub>
+                        <m:sSubPr>
+                          <m:ctrlPr>
+                            <a:rPr lang="en-US" altLang="zh-CN" i="1" smtClean="0">
+                              <a:latin typeface="Cambria Math"/>
+                            </a:rPr>
+                          </m:ctrlPr>
+                        </m:sSubPr>
+                        <m:e>
+                          <m:r>
+                            <a:rPr lang="zh-CN" altLang="en-US" i="1" smtClean="0">
+                              <a:latin typeface="Cambria Math"/>
+                            </a:rPr>
+                            <m:t>𝜑</m:t>
+                          </m:r>
+                        </m:e>
+                        <m:sub>
+                          <m:r>
+                            <a:rPr lang="en-US" altLang="zh-CN" b="0" i="1" smtClean="0">
+                              <a:latin typeface="Cambria Math"/>
+                            </a:rPr>
+                            <m:t>𝐵</m:t>
+                          </m:r>
+                        </m:sub>
+                      </m:sSub>
+                    </m:oMath>
+                  </m:oMathPara>
+                </a14:m>
+                <a:endParaRPr lang="zh-CN" altLang="en-US" dirty="0"/>
+              </a:p>
+            </p:txBody>
+          </p:sp>
+        </mc:Choice>
+        <mc:Fallback xmlns="">
+          <p:sp>
+            <p:nvSpPr>
+              <p:cNvPr id="78" name="TextBox 77"/>
+              <p:cNvSpPr txBox="1">
+                <a:spLocks noRot="1" noChangeAspect="1" noMove="1" noResize="1" noEditPoints="1" noAdjustHandles="1" noChangeArrowheads="1" noChangeShapeType="1" noTextEdit="1"/>
+              </p:cNvSpPr>
+              <p:nvPr/>
+            </p:nvSpPr>
+            <p:spPr>
+              <a:xfrm>
+                <a:off x="6274815" y="6076360"/>
+                <a:ext cx="522515" cy="369332"/>
+              </a:xfrm>
+              <a:prstGeom prst="rect">
+                <a:avLst/>
+              </a:prstGeom>
+              <a:blipFill rotWithShape="1">
+                <a:blip r:embed="rId9"/>
+                <a:stretch>
+                  <a:fillRect b="-6667"/>
+                </a:stretch>
+              </a:blipFill>
+            </p:spPr>
+            <p:txBody>
+              <a:bodyPr/>
+              <a:lstStyle/>
+              <a:p>
+                <a:r>
+                  <a:rPr lang="zh-CN" altLang="en-US">
+                    <a:noFill/>
+                  </a:rPr>
+                  <a:t> </a:t>
+                </a:r>
+              </a:p>
+            </p:txBody>
+          </p:sp>
+        </mc:Fallback>
+      </mc:AlternateContent>
+    </p:spTree>
+    <p:extLst>
+      <p:ext uri="{BB962C8B-B14F-4D97-AF65-F5344CB8AC3E}">
+        <p14:creationId xmlns:p14="http://schemas.microsoft.com/office/powerpoint/2010/main" val="3924914866"/>
       </p:ext>
     </p:extLst>
   </p:cSld>
@@ -11564,8 +13316,8 @@
           </a:graphicData>
         </a:graphic>
       </p:graphicFrame>
-      <mc:AlternateContent xmlns:mc="http://schemas.openxmlformats.org/markup-compatibility/2006">
-        <mc:Choice xmlns:a14="http://schemas.microsoft.com/office/drawing/2010/main" Requires="a14">
+      <mc:AlternateContent xmlns:mc="http://schemas.openxmlformats.org/markup-compatibility/2006" xmlns:a14="http://schemas.microsoft.com/office/drawing/2010/main">
+        <mc:Choice Requires="a14">
           <p:sp>
             <p:nvSpPr>
               <p:cNvPr id="3" name="TextBox 4"/>
@@ -11865,7 +13617,7 @@
             </p:txBody>
           </p:sp>
         </mc:Choice>
-        <mc:Fallback>
+        <mc:Fallback xmlns="">
           <p:sp>
             <p:nvSpPr>
               <p:cNvPr id="3" name="TextBox 4"/>
@@ -11904,8 +13656,8 @@
           </p:sp>
         </mc:Fallback>
       </mc:AlternateContent>
-      <mc:AlternateContent xmlns:mc="http://schemas.openxmlformats.org/markup-compatibility/2006">
-        <mc:Choice xmlns:a14="http://schemas.microsoft.com/office/drawing/2010/main" Requires="a14">
+      <mc:AlternateContent xmlns:mc="http://schemas.openxmlformats.org/markup-compatibility/2006" xmlns:a14="http://schemas.microsoft.com/office/drawing/2010/main">
+        <mc:Choice Requires="a14">
           <p:sp>
             <p:nvSpPr>
               <p:cNvPr id="4" name="TextBox 5"/>
@@ -12208,7 +13960,7 @@
             </p:txBody>
           </p:sp>
         </mc:Choice>
-        <mc:Fallback>
+        <mc:Fallback xmlns="">
           <p:sp>
             <p:nvSpPr>
               <p:cNvPr id="4" name="TextBox 5"/>
@@ -12247,8 +13999,8 @@
           </p:sp>
         </mc:Fallback>
       </mc:AlternateContent>
-      <mc:AlternateContent xmlns:mc="http://schemas.openxmlformats.org/markup-compatibility/2006">
-        <mc:Choice xmlns:a14="http://schemas.microsoft.com/office/drawing/2010/main" Requires="a14">
+      <mc:AlternateContent xmlns:mc="http://schemas.openxmlformats.org/markup-compatibility/2006" xmlns:a14="http://schemas.microsoft.com/office/drawing/2010/main">
+        <mc:Choice Requires="a14">
           <p:sp>
             <p:nvSpPr>
               <p:cNvPr id="5" name="TextBox 6"/>
@@ -12422,7 +14174,7 @@
             </p:txBody>
           </p:sp>
         </mc:Choice>
-        <mc:Fallback>
+        <mc:Fallback xmlns="">
           <p:sp>
             <p:nvSpPr>
               <p:cNvPr id="5" name="TextBox 6"/>
@@ -12461,8 +14213,8 @@
           </p:sp>
         </mc:Fallback>
       </mc:AlternateContent>
-      <mc:AlternateContent xmlns:mc="http://schemas.openxmlformats.org/markup-compatibility/2006">
-        <mc:Choice xmlns:a14="http://schemas.microsoft.com/office/drawing/2010/main" Requires="a14">
+      <mc:AlternateContent xmlns:mc="http://schemas.openxmlformats.org/markup-compatibility/2006" xmlns:a14="http://schemas.microsoft.com/office/drawing/2010/main">
+        <mc:Choice Requires="a14">
           <p:sp>
             <p:nvSpPr>
               <p:cNvPr id="6" name="TextBox 7"/>
@@ -12796,7 +14548,7 @@
             </p:txBody>
           </p:sp>
         </mc:Choice>
-        <mc:Fallback>
+        <mc:Fallback xmlns="">
           <p:sp>
             <p:nvSpPr>
               <p:cNvPr id="6" name="TextBox 7"/>
@@ -12835,8 +14587,8 @@
           </p:sp>
         </mc:Fallback>
       </mc:AlternateContent>
-      <mc:AlternateContent xmlns:mc="http://schemas.openxmlformats.org/markup-compatibility/2006">
-        <mc:Choice xmlns:a14="http://schemas.microsoft.com/office/drawing/2010/main" Requires="a14">
+      <mc:AlternateContent xmlns:mc="http://schemas.openxmlformats.org/markup-compatibility/2006" xmlns:a14="http://schemas.microsoft.com/office/drawing/2010/main">
+        <mc:Choice Requires="a14">
           <p:sp>
             <p:nvSpPr>
               <p:cNvPr id="7" name="TextBox 9"/>
@@ -13214,7 +14966,7 @@
             </p:txBody>
           </p:sp>
         </mc:Choice>
-        <mc:Fallback>
+        <mc:Fallback xmlns="">
           <p:sp>
             <p:nvSpPr>
               <p:cNvPr id="7" name="TextBox 9"/>
@@ -13253,8 +15005,8 @@
           </p:sp>
         </mc:Fallback>
       </mc:AlternateContent>
-      <mc:AlternateContent xmlns:mc="http://schemas.openxmlformats.org/markup-compatibility/2006">
-        <mc:Choice xmlns:a14="http://schemas.microsoft.com/office/drawing/2010/main" Requires="a14">
+      <mc:AlternateContent xmlns:mc="http://schemas.openxmlformats.org/markup-compatibility/2006" xmlns:a14="http://schemas.microsoft.com/office/drawing/2010/main">
+        <mc:Choice Requires="a14">
           <p:sp>
             <p:nvSpPr>
               <p:cNvPr id="8" name="TextBox 10"/>
@@ -13421,7 +15173,7 @@
             </p:txBody>
           </p:sp>
         </mc:Choice>
-        <mc:Fallback>
+        <mc:Fallback xmlns="">
           <p:sp>
             <p:nvSpPr>
               <p:cNvPr id="8" name="TextBox 10"/>
@@ -13464,6 +15216,2095 @@
     <p:extLst>
       <p:ext uri="{BB962C8B-B14F-4D97-AF65-F5344CB8AC3E}">
         <p14:creationId xmlns:p14="http://schemas.microsoft.com/office/powerpoint/2010/main" val="3363472582"/>
+      </p:ext>
+    </p:extLst>
+  </p:cSld>
+  <p:clrMapOvr>
+    <a:masterClrMapping/>
+  </p:clrMapOvr>
+</p:sld>
+</file>
+
+<file path=ppt/slides/slide8.xml><?xml version="1.0" encoding="utf-8"?>
+<p:sld xmlns:a="http://schemas.openxmlformats.org/drawingml/2006/main" xmlns:r="http://schemas.openxmlformats.org/officeDocument/2006/relationships" xmlns:p="http://schemas.openxmlformats.org/presentationml/2006/main">
+  <p:cSld>
+    <p:spTree>
+      <p:nvGrpSpPr>
+        <p:cNvPr id="1" name=""/>
+        <p:cNvGrpSpPr/>
+        <p:nvPr/>
+      </p:nvGrpSpPr>
+      <p:grpSpPr>
+        <a:xfrm>
+          <a:off x="0" y="0"/>
+          <a:ext cx="0" cy="0"/>
+          <a:chOff x="0" y="0"/>
+          <a:chExt cx="0" cy="0"/>
+        </a:xfrm>
+      </p:grpSpPr>
+      <p:cxnSp>
+        <p:nvCxnSpPr>
+          <p:cNvPr id="5" name="直接箭头连接符 4"/>
+          <p:cNvCxnSpPr/>
+          <p:nvPr/>
+        </p:nvCxnSpPr>
+        <p:spPr>
+          <a:xfrm flipV="1">
+            <a:off x="251520" y="512676"/>
+            <a:ext cx="0" cy="5796644"/>
+          </a:xfrm>
+          <a:prstGeom prst="straightConnector1">
+            <a:avLst/>
+          </a:prstGeom>
+          <a:ln>
+            <a:solidFill>
+              <a:schemeClr val="tx1"/>
+            </a:solidFill>
+            <a:tailEnd type="arrow"/>
+          </a:ln>
+        </p:spPr>
+        <p:style>
+          <a:lnRef idx="1">
+            <a:schemeClr val="accent1"/>
+          </a:lnRef>
+          <a:fillRef idx="0">
+            <a:schemeClr val="accent1"/>
+          </a:fillRef>
+          <a:effectRef idx="0">
+            <a:schemeClr val="accent1"/>
+          </a:effectRef>
+          <a:fontRef idx="minor">
+            <a:schemeClr val="tx1"/>
+          </a:fontRef>
+        </p:style>
+      </p:cxnSp>
+      <p:cxnSp>
+        <p:nvCxnSpPr>
+          <p:cNvPr id="6" name="直接箭头连接符 5"/>
+          <p:cNvCxnSpPr/>
+          <p:nvPr/>
+        </p:nvCxnSpPr>
+        <p:spPr>
+          <a:xfrm>
+            <a:off x="251520" y="6293937"/>
+            <a:ext cx="8640960" cy="0"/>
+          </a:xfrm>
+          <a:prstGeom prst="straightConnector1">
+            <a:avLst/>
+          </a:prstGeom>
+          <a:ln>
+            <a:solidFill>
+              <a:schemeClr val="tx1"/>
+            </a:solidFill>
+            <a:tailEnd type="arrow"/>
+          </a:ln>
+        </p:spPr>
+        <p:style>
+          <a:lnRef idx="1">
+            <a:schemeClr val="accent1"/>
+          </a:lnRef>
+          <a:fillRef idx="0">
+            <a:schemeClr val="accent1"/>
+          </a:fillRef>
+          <a:effectRef idx="0">
+            <a:schemeClr val="accent1"/>
+          </a:effectRef>
+          <a:fontRef idx="minor">
+            <a:schemeClr val="tx1"/>
+          </a:fontRef>
+        </p:style>
+      </p:cxnSp>
+      <p:sp>
+        <p:nvSpPr>
+          <p:cNvPr id="9" name="任意多边形 8"/>
+          <p:cNvSpPr/>
+          <p:nvPr/>
+        </p:nvSpPr>
+        <p:spPr>
+          <a:xfrm>
+            <a:off x="740664" y="4437112"/>
+            <a:ext cx="7159752" cy="1872248"/>
+          </a:xfrm>
+          <a:custGeom>
+            <a:avLst/>
+            <a:gdLst>
+              <a:gd name="connsiteX0" fmla="*/ 0 w 7159752"/>
+              <a:gd name="connsiteY0" fmla="*/ 2822902 h 2832046"/>
+              <a:gd name="connsiteX1" fmla="*/ 1014984 w 7159752"/>
+              <a:gd name="connsiteY1" fmla="*/ 15694 h 2832046"/>
+              <a:gd name="connsiteX2" fmla="*/ 2157984 w 7159752"/>
+              <a:gd name="connsiteY2" fmla="*/ 1679902 h 2832046"/>
+              <a:gd name="connsiteX3" fmla="*/ 3465576 w 7159752"/>
+              <a:gd name="connsiteY3" fmla="*/ 1533598 h 2832046"/>
+              <a:gd name="connsiteX4" fmla="*/ 4873752 w 7159752"/>
+              <a:gd name="connsiteY4" fmla="*/ 856942 h 2832046"/>
+              <a:gd name="connsiteX5" fmla="*/ 5806440 w 7159752"/>
+              <a:gd name="connsiteY5" fmla="*/ 2658310 h 2832046"/>
+              <a:gd name="connsiteX6" fmla="*/ 6620256 w 7159752"/>
+              <a:gd name="connsiteY6" fmla="*/ 1643326 h 2832046"/>
+              <a:gd name="connsiteX7" fmla="*/ 7159752 w 7159752"/>
+              <a:gd name="connsiteY7" fmla="*/ 2832046 h 2832046"/>
+            </a:gdLst>
+            <a:ahLst/>
+            <a:cxnLst>
+              <a:cxn ang="0">
+                <a:pos x="connsiteX0" y="connsiteY0"/>
+              </a:cxn>
+              <a:cxn ang="0">
+                <a:pos x="connsiteX1" y="connsiteY1"/>
+              </a:cxn>
+              <a:cxn ang="0">
+                <a:pos x="connsiteX2" y="connsiteY2"/>
+              </a:cxn>
+              <a:cxn ang="0">
+                <a:pos x="connsiteX3" y="connsiteY3"/>
+              </a:cxn>
+              <a:cxn ang="0">
+                <a:pos x="connsiteX4" y="connsiteY4"/>
+              </a:cxn>
+              <a:cxn ang="0">
+                <a:pos x="connsiteX5" y="connsiteY5"/>
+              </a:cxn>
+              <a:cxn ang="0">
+                <a:pos x="connsiteX6" y="connsiteY6"/>
+              </a:cxn>
+              <a:cxn ang="0">
+                <a:pos x="connsiteX7" y="connsiteY7"/>
+              </a:cxn>
+            </a:cxnLst>
+            <a:rect l="l" t="t" r="r" b="b"/>
+            <a:pathLst>
+              <a:path w="7159752" h="2832046">
+                <a:moveTo>
+                  <a:pt x="0" y="2822902"/>
+                </a:moveTo>
+                <a:cubicBezTo>
+                  <a:pt x="327660" y="1514548"/>
+                  <a:pt x="655320" y="206194"/>
+                  <a:pt x="1014984" y="15694"/>
+                </a:cubicBezTo>
+                <a:cubicBezTo>
+                  <a:pt x="1374648" y="-174806"/>
+                  <a:pt x="1749552" y="1426918"/>
+                  <a:pt x="2157984" y="1679902"/>
+                </a:cubicBezTo>
+                <a:cubicBezTo>
+                  <a:pt x="2566416" y="1932886"/>
+                  <a:pt x="3012948" y="1670758"/>
+                  <a:pt x="3465576" y="1533598"/>
+                </a:cubicBezTo>
+                <a:cubicBezTo>
+                  <a:pt x="3918204" y="1396438"/>
+                  <a:pt x="4483608" y="669490"/>
+                  <a:pt x="4873752" y="856942"/>
+                </a:cubicBezTo>
+                <a:cubicBezTo>
+                  <a:pt x="5263896" y="1044394"/>
+                  <a:pt x="5515356" y="2527246"/>
+                  <a:pt x="5806440" y="2658310"/>
+                </a:cubicBezTo>
+                <a:cubicBezTo>
+                  <a:pt x="6097524" y="2789374"/>
+                  <a:pt x="6394704" y="1614370"/>
+                  <a:pt x="6620256" y="1643326"/>
+                </a:cubicBezTo>
+                <a:cubicBezTo>
+                  <a:pt x="6845808" y="1672282"/>
+                  <a:pt x="7065264" y="2620210"/>
+                  <a:pt x="7159752" y="2832046"/>
+                </a:cubicBezTo>
+              </a:path>
+            </a:pathLst>
+          </a:custGeom>
+          <a:noFill/>
+          <a:ln>
+            <a:solidFill>
+              <a:schemeClr val="tx1"/>
+            </a:solidFill>
+          </a:ln>
+        </p:spPr>
+        <p:style>
+          <a:lnRef idx="2">
+            <a:schemeClr val="accent1">
+              <a:shade val="50000"/>
+            </a:schemeClr>
+          </a:lnRef>
+          <a:fillRef idx="1">
+            <a:schemeClr val="accent1"/>
+          </a:fillRef>
+          <a:effectRef idx="0">
+            <a:schemeClr val="accent1"/>
+          </a:effectRef>
+          <a:fontRef idx="minor">
+            <a:schemeClr val="lt1"/>
+          </a:fontRef>
+        </p:style>
+        <p:txBody>
+          <a:bodyPr rtlCol="0" anchor="ctr"/>
+          <a:lstStyle/>
+          <a:p>
+            <a:pPr algn="ctr"/>
+            <a:endParaRPr lang="zh-CN" altLang="en-US"/>
+          </a:p>
+        </p:txBody>
+      </p:sp>
+      <p:sp>
+        <p:nvSpPr>
+          <p:cNvPr id="10" name="TextBox 9"/>
+          <p:cNvSpPr txBox="1"/>
+          <p:nvPr/>
+        </p:nvSpPr>
+        <p:spPr>
+          <a:xfrm>
+            <a:off x="1475656" y="5805264"/>
+            <a:ext cx="2484276" cy="369332"/>
+          </a:xfrm>
+          <a:prstGeom prst="rect">
+            <a:avLst/>
+          </a:prstGeom>
+          <a:noFill/>
+        </p:spPr>
+        <p:txBody>
+          <a:bodyPr wrap="square" rtlCol="0">
+            <a:spAutoFit/>
+          </a:bodyPr>
+          <a:lstStyle/>
+          <a:p>
+            <a:r>
+              <a:rPr lang="zh-CN" altLang="en-US" dirty="0"/>
+              <a:t>待测物</a:t>
+            </a:r>
+            <a:r>
+              <a:rPr lang="zh-CN" altLang="en-US" dirty="0" smtClean="0"/>
+              <a:t>体 </a:t>
+            </a:r>
+            <a:endParaRPr lang="zh-CN" altLang="en-US" dirty="0"/>
+          </a:p>
+        </p:txBody>
+      </p:sp>
+      <p:sp>
+        <p:nvSpPr>
+          <p:cNvPr id="11" name="TextBox 10"/>
+          <p:cNvSpPr txBox="1"/>
+          <p:nvPr/>
+        </p:nvSpPr>
+        <p:spPr>
+          <a:xfrm>
+            <a:off x="0" y="656692"/>
+            <a:ext cx="252028" cy="369332"/>
+          </a:xfrm>
+          <a:prstGeom prst="rect">
+            <a:avLst/>
+          </a:prstGeom>
+          <a:noFill/>
+        </p:spPr>
+        <p:txBody>
+          <a:bodyPr wrap="square" rtlCol="0">
+            <a:spAutoFit/>
+          </a:bodyPr>
+          <a:lstStyle/>
+          <a:p>
+            <a:r>
+              <a:rPr lang="en-US" altLang="zh-CN" dirty="0" smtClean="0"/>
+              <a:t>Z</a:t>
+            </a:r>
+            <a:endParaRPr lang="zh-CN" altLang="en-US" dirty="0"/>
+          </a:p>
+        </p:txBody>
+      </p:sp>
+      <p:sp>
+        <p:nvSpPr>
+          <p:cNvPr id="13" name="TextBox 12"/>
+          <p:cNvSpPr txBox="1"/>
+          <p:nvPr/>
+        </p:nvSpPr>
+        <p:spPr>
+          <a:xfrm>
+            <a:off x="7992380" y="6381328"/>
+            <a:ext cx="468052" cy="369332"/>
+          </a:xfrm>
+          <a:prstGeom prst="rect">
+            <a:avLst/>
+          </a:prstGeom>
+          <a:noFill/>
+        </p:spPr>
+        <p:txBody>
+          <a:bodyPr wrap="square" rtlCol="0">
+            <a:spAutoFit/>
+          </a:bodyPr>
+          <a:lstStyle/>
+          <a:p>
+            <a:r>
+              <a:rPr lang="en-US" altLang="zh-CN" dirty="0" smtClean="0"/>
+              <a:t>X</a:t>
+            </a:r>
+            <a:endParaRPr lang="zh-CN" altLang="en-US" dirty="0"/>
+          </a:p>
+        </p:txBody>
+      </p:sp>
+      <p:sp>
+        <p:nvSpPr>
+          <p:cNvPr id="15" name="TextBox 14"/>
+          <p:cNvSpPr txBox="1"/>
+          <p:nvPr/>
+        </p:nvSpPr>
+        <p:spPr>
+          <a:xfrm>
+            <a:off x="1619672" y="512676"/>
+            <a:ext cx="936104" cy="646331"/>
+          </a:xfrm>
+          <a:prstGeom prst="rect">
+            <a:avLst/>
+          </a:prstGeom>
+          <a:noFill/>
+        </p:spPr>
+        <p:txBody>
+          <a:bodyPr wrap="square" rtlCol="0">
+            <a:spAutoFit/>
+          </a:bodyPr>
+          <a:lstStyle/>
+          <a:p>
+            <a:r>
+              <a:rPr lang="zh-CN" altLang="en-US" dirty="0"/>
+              <a:t>投影</a:t>
+            </a:r>
+            <a:r>
+              <a:rPr lang="zh-CN" altLang="en-US" dirty="0" smtClean="0"/>
+              <a:t>仪 </a:t>
+            </a:r>
+            <a:r>
+              <a:rPr lang="en-US" altLang="zh-CN" dirty="0" smtClean="0"/>
+              <a:t>P</a:t>
+            </a:r>
+            <a:endParaRPr lang="zh-CN" altLang="en-US" dirty="0"/>
+          </a:p>
+        </p:txBody>
+      </p:sp>
+      <p:sp>
+        <p:nvSpPr>
+          <p:cNvPr id="16" name="TextBox 15"/>
+          <p:cNvSpPr txBox="1"/>
+          <p:nvPr/>
+        </p:nvSpPr>
+        <p:spPr>
+          <a:xfrm>
+            <a:off x="6768244" y="473664"/>
+            <a:ext cx="936104" cy="646331"/>
+          </a:xfrm>
+          <a:prstGeom prst="rect">
+            <a:avLst/>
+          </a:prstGeom>
+          <a:noFill/>
+        </p:spPr>
+        <p:txBody>
+          <a:bodyPr wrap="square" rtlCol="0">
+            <a:spAutoFit/>
+          </a:bodyPr>
+          <a:lstStyle/>
+          <a:p>
+            <a:r>
+              <a:rPr lang="zh-CN" altLang="en-US" dirty="0" smtClean="0"/>
+              <a:t>相机</a:t>
+            </a:r>
+            <a:endParaRPr lang="en-US" altLang="zh-CN" dirty="0" smtClean="0"/>
+          </a:p>
+          <a:p>
+            <a:r>
+              <a:rPr lang="en-US" altLang="zh-CN" dirty="0"/>
+              <a:t>C</a:t>
+            </a:r>
+            <a:endParaRPr lang="zh-CN" altLang="en-US" dirty="0"/>
+          </a:p>
+        </p:txBody>
+      </p:sp>
+      <p:sp>
+        <p:nvSpPr>
+          <p:cNvPr id="17" name="等腰三角形 16"/>
+          <p:cNvSpPr/>
+          <p:nvPr/>
+        </p:nvSpPr>
+        <p:spPr>
+          <a:xfrm>
+            <a:off x="1619672" y="1159007"/>
+            <a:ext cx="144016" cy="109753"/>
+          </a:xfrm>
+          <a:prstGeom prst="triangle">
+            <a:avLst/>
+          </a:prstGeom>
+          <a:solidFill>
+            <a:schemeClr val="tx1"/>
+          </a:solidFill>
+          <a:ln>
+            <a:solidFill>
+              <a:schemeClr val="tx1"/>
+            </a:solidFill>
+          </a:ln>
+        </p:spPr>
+        <p:style>
+          <a:lnRef idx="2">
+            <a:schemeClr val="accent1">
+              <a:shade val="50000"/>
+            </a:schemeClr>
+          </a:lnRef>
+          <a:fillRef idx="1">
+            <a:schemeClr val="accent1"/>
+          </a:fillRef>
+          <a:effectRef idx="0">
+            <a:schemeClr val="accent1"/>
+          </a:effectRef>
+          <a:fontRef idx="minor">
+            <a:schemeClr val="lt1"/>
+          </a:fontRef>
+        </p:style>
+        <p:txBody>
+          <a:bodyPr rtlCol="0" anchor="ctr"/>
+          <a:lstStyle/>
+          <a:p>
+            <a:pPr algn="ctr"/>
+            <a:endParaRPr lang="zh-CN" altLang="en-US"/>
+          </a:p>
+        </p:txBody>
+      </p:sp>
+      <p:sp>
+        <p:nvSpPr>
+          <p:cNvPr id="18" name="等腰三角形 17"/>
+          <p:cNvSpPr/>
+          <p:nvPr/>
+        </p:nvSpPr>
+        <p:spPr>
+          <a:xfrm>
+            <a:off x="6630364" y="1159006"/>
+            <a:ext cx="144016" cy="109753"/>
+          </a:xfrm>
+          <a:prstGeom prst="triangle">
+            <a:avLst/>
+          </a:prstGeom>
+          <a:solidFill>
+            <a:schemeClr val="tx1"/>
+          </a:solidFill>
+          <a:ln>
+            <a:solidFill>
+              <a:schemeClr val="tx1"/>
+            </a:solidFill>
+          </a:ln>
+        </p:spPr>
+        <p:style>
+          <a:lnRef idx="2">
+            <a:schemeClr val="accent1">
+              <a:shade val="50000"/>
+            </a:schemeClr>
+          </a:lnRef>
+          <a:fillRef idx="1">
+            <a:schemeClr val="accent1"/>
+          </a:fillRef>
+          <a:effectRef idx="0">
+            <a:schemeClr val="accent1"/>
+          </a:effectRef>
+          <a:fontRef idx="minor">
+            <a:schemeClr val="lt1"/>
+          </a:fontRef>
+        </p:style>
+        <p:txBody>
+          <a:bodyPr rtlCol="0" anchor="ctr"/>
+          <a:lstStyle/>
+          <a:p>
+            <a:pPr algn="ctr"/>
+            <a:endParaRPr lang="zh-CN" altLang="en-US"/>
+          </a:p>
+        </p:txBody>
+      </p:sp>
+      <p:cxnSp>
+        <p:nvCxnSpPr>
+          <p:cNvPr id="20" name="直接箭头连接符 19"/>
+          <p:cNvCxnSpPr>
+            <a:endCxn id="18" idx="2"/>
+          </p:cNvCxnSpPr>
+          <p:nvPr/>
+        </p:nvCxnSpPr>
+        <p:spPr>
+          <a:xfrm flipV="1">
+            <a:off x="4208226" y="1268759"/>
+            <a:ext cx="2422138" cy="1"/>
+          </a:xfrm>
+          <a:prstGeom prst="straightConnector1">
+            <a:avLst/>
+          </a:prstGeom>
+          <a:ln>
+            <a:solidFill>
+              <a:schemeClr val="tx1"/>
+            </a:solidFill>
+            <a:tailEnd type="arrow"/>
+          </a:ln>
+        </p:spPr>
+        <p:style>
+          <a:lnRef idx="1">
+            <a:schemeClr val="accent1"/>
+          </a:lnRef>
+          <a:fillRef idx="0">
+            <a:schemeClr val="accent1"/>
+          </a:fillRef>
+          <a:effectRef idx="0">
+            <a:schemeClr val="accent1"/>
+          </a:effectRef>
+          <a:fontRef idx="minor">
+            <a:schemeClr val="tx1"/>
+          </a:fontRef>
+        </p:style>
+      </p:cxnSp>
+      <p:cxnSp>
+        <p:nvCxnSpPr>
+          <p:cNvPr id="28" name="直接箭头连接符 27"/>
+          <p:cNvCxnSpPr>
+            <a:endCxn id="17" idx="4"/>
+          </p:cNvCxnSpPr>
+          <p:nvPr/>
+        </p:nvCxnSpPr>
+        <p:spPr>
+          <a:xfrm flipH="1">
+            <a:off x="1763688" y="1268760"/>
+            <a:ext cx="2052228" cy="0"/>
+          </a:xfrm>
+          <a:prstGeom prst="straightConnector1">
+            <a:avLst/>
+          </a:prstGeom>
+          <a:ln>
+            <a:solidFill>
+              <a:schemeClr val="tx1"/>
+            </a:solidFill>
+            <a:tailEnd type="arrow"/>
+          </a:ln>
+        </p:spPr>
+        <p:style>
+          <a:lnRef idx="1">
+            <a:schemeClr val="accent1"/>
+          </a:lnRef>
+          <a:fillRef idx="0">
+            <a:schemeClr val="accent1"/>
+          </a:fillRef>
+          <a:effectRef idx="0">
+            <a:schemeClr val="accent1"/>
+          </a:effectRef>
+          <a:fontRef idx="minor">
+            <a:schemeClr val="tx1"/>
+          </a:fontRef>
+        </p:style>
+      </p:cxnSp>
+      <p:sp>
+        <p:nvSpPr>
+          <p:cNvPr id="31" name="TextBox 30"/>
+          <p:cNvSpPr txBox="1"/>
+          <p:nvPr/>
+        </p:nvSpPr>
+        <p:spPr>
+          <a:xfrm>
+            <a:off x="3815916" y="1119995"/>
+            <a:ext cx="392310" cy="369332"/>
+          </a:xfrm>
+          <a:prstGeom prst="rect">
+            <a:avLst/>
+          </a:prstGeom>
+          <a:noFill/>
+        </p:spPr>
+        <p:txBody>
+          <a:bodyPr wrap="square" rtlCol="0">
+            <a:spAutoFit/>
+          </a:bodyPr>
+          <a:lstStyle/>
+          <a:p>
+            <a:r>
+              <a:rPr lang="en-US" altLang="zh-CN" dirty="0" smtClean="0"/>
+              <a:t>d</a:t>
+            </a:r>
+            <a:endParaRPr lang="zh-CN" altLang="en-US" dirty="0"/>
+          </a:p>
+        </p:txBody>
+      </p:sp>
+      <p:cxnSp>
+        <p:nvCxnSpPr>
+          <p:cNvPr id="33" name="直接箭头连接符 32"/>
+          <p:cNvCxnSpPr>
+            <a:stCxn id="17" idx="3"/>
+            <a:endCxn id="56" idx="0"/>
+          </p:cNvCxnSpPr>
+          <p:nvPr/>
+        </p:nvCxnSpPr>
+        <p:spPr>
+          <a:xfrm>
+            <a:off x="1691680" y="1268760"/>
+            <a:ext cx="3303367" cy="5080302"/>
+          </a:xfrm>
+          <a:prstGeom prst="straightConnector1">
+            <a:avLst/>
+          </a:prstGeom>
+          <a:ln w="28575">
+            <a:solidFill>
+              <a:schemeClr val="tx1"/>
+            </a:solidFill>
+            <a:prstDash val="lgDash"/>
+            <a:tailEnd type="arrow"/>
+          </a:ln>
+        </p:spPr>
+        <p:style>
+          <a:lnRef idx="1">
+            <a:schemeClr val="accent1"/>
+          </a:lnRef>
+          <a:fillRef idx="0">
+            <a:schemeClr val="accent1"/>
+          </a:fillRef>
+          <a:effectRef idx="0">
+            <a:schemeClr val="accent1"/>
+          </a:effectRef>
+          <a:fontRef idx="minor">
+            <a:schemeClr val="tx1"/>
+          </a:fontRef>
+        </p:style>
+      </p:cxnSp>
+      <p:cxnSp>
+        <p:nvCxnSpPr>
+          <p:cNvPr id="45" name="直接箭头连接符 44"/>
+          <p:cNvCxnSpPr>
+            <a:stCxn id="18" idx="2"/>
+          </p:cNvCxnSpPr>
+          <p:nvPr/>
+        </p:nvCxnSpPr>
+        <p:spPr>
+          <a:xfrm flipH="1">
+            <a:off x="3943797" y="1268759"/>
+            <a:ext cx="2686567" cy="5000594"/>
+          </a:xfrm>
+          <a:prstGeom prst="straightConnector1">
+            <a:avLst/>
+          </a:prstGeom>
+          <a:ln w="28575">
+            <a:solidFill>
+              <a:schemeClr val="tx1"/>
+            </a:solidFill>
+            <a:prstDash val="lgDash"/>
+            <a:tailEnd type="arrow"/>
+          </a:ln>
+        </p:spPr>
+        <p:style>
+          <a:lnRef idx="1">
+            <a:schemeClr val="accent1"/>
+          </a:lnRef>
+          <a:fillRef idx="0">
+            <a:schemeClr val="accent1"/>
+          </a:fillRef>
+          <a:effectRef idx="0">
+            <a:schemeClr val="accent1"/>
+          </a:effectRef>
+          <a:fontRef idx="minor">
+            <a:schemeClr val="tx1"/>
+          </a:fontRef>
+        </p:style>
+      </p:cxnSp>
+      <p:sp>
+        <p:nvSpPr>
+          <p:cNvPr id="54" name="TextBox 53"/>
+          <p:cNvSpPr txBox="1"/>
+          <p:nvPr/>
+        </p:nvSpPr>
+        <p:spPr>
+          <a:xfrm>
+            <a:off x="3943797" y="5118954"/>
+            <a:ext cx="628203" cy="369332"/>
+          </a:xfrm>
+          <a:prstGeom prst="rect">
+            <a:avLst/>
+          </a:prstGeom>
+          <a:noFill/>
+        </p:spPr>
+        <p:txBody>
+          <a:bodyPr wrap="square" rtlCol="0">
+            <a:spAutoFit/>
+          </a:bodyPr>
+          <a:lstStyle/>
+          <a:p>
+            <a:r>
+              <a:rPr lang="en-US" altLang="zh-CN" dirty="0" smtClean="0"/>
+              <a:t>O</a:t>
+            </a:r>
+          </a:p>
+        </p:txBody>
+      </p:sp>
+      <p:sp>
+        <p:nvSpPr>
+          <p:cNvPr id="55" name="TextBox 54"/>
+          <p:cNvSpPr txBox="1"/>
+          <p:nvPr/>
+        </p:nvSpPr>
+        <p:spPr>
+          <a:xfrm>
+            <a:off x="3746234" y="6343044"/>
+            <a:ext cx="630070" cy="369332"/>
+          </a:xfrm>
+          <a:prstGeom prst="rect">
+            <a:avLst/>
+          </a:prstGeom>
+          <a:noFill/>
+        </p:spPr>
+        <p:txBody>
+          <a:bodyPr wrap="square" rtlCol="0">
+            <a:spAutoFit/>
+          </a:bodyPr>
+          <a:lstStyle/>
+          <a:p>
+            <a:r>
+              <a:rPr lang="en-US" altLang="zh-CN" dirty="0" smtClean="0"/>
+              <a:t>A</a:t>
+            </a:r>
+            <a:endParaRPr lang="zh-CN" altLang="en-US" dirty="0"/>
+          </a:p>
+        </p:txBody>
+      </p:sp>
+      <p:sp>
+        <p:nvSpPr>
+          <p:cNvPr id="56" name="TextBox 55"/>
+          <p:cNvSpPr txBox="1"/>
+          <p:nvPr/>
+        </p:nvSpPr>
+        <p:spPr>
+          <a:xfrm>
+            <a:off x="4680012" y="6349062"/>
+            <a:ext cx="630070" cy="369332"/>
+          </a:xfrm>
+          <a:prstGeom prst="rect">
+            <a:avLst/>
+          </a:prstGeom>
+          <a:noFill/>
+        </p:spPr>
+        <p:txBody>
+          <a:bodyPr wrap="square" rtlCol="0">
+            <a:spAutoFit/>
+          </a:bodyPr>
+          <a:lstStyle/>
+          <a:p>
+            <a:r>
+              <a:rPr lang="en-US" altLang="zh-CN" dirty="0"/>
+              <a:t>B</a:t>
+            </a:r>
+            <a:endParaRPr lang="zh-CN" altLang="en-US" dirty="0"/>
+          </a:p>
+        </p:txBody>
+      </p:sp>
+      <p:cxnSp>
+        <p:nvCxnSpPr>
+          <p:cNvPr id="61" name="直接箭头连接符 60"/>
+          <p:cNvCxnSpPr/>
+          <p:nvPr/>
+        </p:nvCxnSpPr>
+        <p:spPr>
+          <a:xfrm flipV="1">
+            <a:off x="4376303" y="5397820"/>
+            <a:ext cx="1" cy="263428"/>
+          </a:xfrm>
+          <a:prstGeom prst="straightConnector1">
+            <a:avLst/>
+          </a:prstGeom>
+          <a:ln>
+            <a:solidFill>
+              <a:schemeClr val="tx1"/>
+            </a:solidFill>
+            <a:tailEnd type="arrow"/>
+          </a:ln>
+        </p:spPr>
+        <p:style>
+          <a:lnRef idx="1">
+            <a:schemeClr val="accent1"/>
+          </a:lnRef>
+          <a:fillRef idx="0">
+            <a:schemeClr val="accent1"/>
+          </a:fillRef>
+          <a:effectRef idx="0">
+            <a:schemeClr val="accent1"/>
+          </a:effectRef>
+          <a:fontRef idx="minor">
+            <a:schemeClr val="tx1"/>
+          </a:fontRef>
+        </p:style>
+      </p:cxnSp>
+      <p:cxnSp>
+        <p:nvCxnSpPr>
+          <p:cNvPr id="62" name="直接箭头连接符 61"/>
+          <p:cNvCxnSpPr/>
+          <p:nvPr/>
+        </p:nvCxnSpPr>
+        <p:spPr>
+          <a:xfrm>
+            <a:off x="4391980" y="5979280"/>
+            <a:ext cx="0" cy="324952"/>
+          </a:xfrm>
+          <a:prstGeom prst="straightConnector1">
+            <a:avLst/>
+          </a:prstGeom>
+          <a:ln>
+            <a:solidFill>
+              <a:schemeClr val="tx1"/>
+            </a:solidFill>
+            <a:tailEnd type="arrow"/>
+          </a:ln>
+        </p:spPr>
+        <p:style>
+          <a:lnRef idx="1">
+            <a:schemeClr val="accent1"/>
+          </a:lnRef>
+          <a:fillRef idx="0">
+            <a:schemeClr val="accent1"/>
+          </a:fillRef>
+          <a:effectRef idx="0">
+            <a:schemeClr val="accent1"/>
+          </a:effectRef>
+          <a:fontRef idx="minor">
+            <a:schemeClr val="tx1"/>
+          </a:fontRef>
+        </p:style>
+      </p:cxnSp>
+      <p:cxnSp>
+        <p:nvCxnSpPr>
+          <p:cNvPr id="75" name="直接连接符 74"/>
+          <p:cNvCxnSpPr>
+            <a:stCxn id="17" idx="3"/>
+          </p:cNvCxnSpPr>
+          <p:nvPr/>
+        </p:nvCxnSpPr>
+        <p:spPr>
+          <a:xfrm>
+            <a:off x="1691680" y="1268760"/>
+            <a:ext cx="2252117" cy="5035472"/>
+          </a:xfrm>
+          <a:prstGeom prst="line">
+            <a:avLst/>
+          </a:prstGeom>
+          <a:ln w="28575">
+            <a:solidFill>
+              <a:schemeClr val="tx1"/>
+            </a:solidFill>
+            <a:prstDash val="dash"/>
+          </a:ln>
+        </p:spPr>
+        <p:style>
+          <a:lnRef idx="1">
+            <a:schemeClr val="accent1"/>
+          </a:lnRef>
+          <a:fillRef idx="0">
+            <a:schemeClr val="accent1"/>
+          </a:fillRef>
+          <a:effectRef idx="0">
+            <a:schemeClr val="accent1"/>
+          </a:effectRef>
+          <a:fontRef idx="minor">
+            <a:schemeClr val="tx1"/>
+          </a:fontRef>
+        </p:style>
+      </p:cxnSp>
+      <mc:AlternateContent xmlns:mc="http://schemas.openxmlformats.org/markup-compatibility/2006" xmlns:a14="http://schemas.microsoft.com/office/drawing/2010/main">
+        <mc:Choice Requires="a14">
+          <p:sp>
+            <p:nvSpPr>
+              <p:cNvPr id="78" name="TextBox 77"/>
+              <p:cNvSpPr txBox="1"/>
+              <p:nvPr/>
+            </p:nvSpPr>
+            <p:spPr>
+              <a:xfrm>
+                <a:off x="30691" y="6084687"/>
+                <a:ext cx="466794" cy="369332"/>
+              </a:xfrm>
+              <a:prstGeom prst="rect">
+                <a:avLst/>
+              </a:prstGeom>
+              <a:noFill/>
+            </p:spPr>
+            <p:txBody>
+              <a:bodyPr wrap="none" rtlCol="0">
+                <a:spAutoFit/>
+              </a:bodyPr>
+              <a:lstStyle/>
+              <a:p>
+                <a:pPr/>
+                <a14:m>
+                  <m:oMathPara xmlns:m="http://schemas.openxmlformats.org/officeDocument/2006/math">
+                    <m:oMathParaPr>
+                      <m:jc m:val="centerGroup"/>
+                    </m:oMathParaPr>
+                    <m:oMath xmlns:m="http://schemas.openxmlformats.org/officeDocument/2006/math">
+                      <m:r>
+                        <a:rPr lang="zh-CN" altLang="en-US" i="1" smtClean="0">
+                          <a:latin typeface="Cambria Math"/>
+                        </a:rPr>
+                        <m:t>⊙</m:t>
+                      </m:r>
+                    </m:oMath>
+                  </m:oMathPara>
+                </a14:m>
+                <a:endParaRPr lang="zh-CN" altLang="en-US" dirty="0"/>
+              </a:p>
+            </p:txBody>
+          </p:sp>
+        </mc:Choice>
+        <mc:Fallback xmlns="">
+          <p:sp>
+            <p:nvSpPr>
+              <p:cNvPr id="78" name="TextBox 77"/>
+              <p:cNvSpPr txBox="1">
+                <a:spLocks noRot="1" noChangeAspect="1" noMove="1" noResize="1" noEditPoints="1" noAdjustHandles="1" noChangeArrowheads="1" noChangeShapeType="1" noTextEdit="1"/>
+              </p:cNvSpPr>
+              <p:nvPr/>
+            </p:nvSpPr>
+            <p:spPr>
+              <a:xfrm>
+                <a:off x="30691" y="6084687"/>
+                <a:ext cx="466794" cy="369332"/>
+              </a:xfrm>
+              <a:prstGeom prst="rect">
+                <a:avLst/>
+              </a:prstGeom>
+              <a:blipFill rotWithShape="1">
+                <a:blip r:embed="rId2"/>
+                <a:stretch>
+                  <a:fillRect b="-4918"/>
+                </a:stretch>
+              </a:blipFill>
+            </p:spPr>
+            <p:txBody>
+              <a:bodyPr/>
+              <a:lstStyle/>
+              <a:p>
+                <a:r>
+                  <a:rPr lang="zh-CN" altLang="en-US">
+                    <a:noFill/>
+                  </a:rPr>
+                  <a:t> </a:t>
+                </a:r>
+              </a:p>
+            </p:txBody>
+          </p:sp>
+        </mc:Fallback>
+      </mc:AlternateContent>
+      <p:sp>
+        <p:nvSpPr>
+          <p:cNvPr id="79" name="TextBox 78"/>
+          <p:cNvSpPr txBox="1"/>
+          <p:nvPr/>
+        </p:nvSpPr>
+        <p:spPr>
+          <a:xfrm>
+            <a:off x="203789" y="6415798"/>
+            <a:ext cx="347472" cy="369332"/>
+          </a:xfrm>
+          <a:prstGeom prst="rect">
+            <a:avLst/>
+          </a:prstGeom>
+          <a:noFill/>
+        </p:spPr>
+        <p:txBody>
+          <a:bodyPr wrap="square" rtlCol="0">
+            <a:spAutoFit/>
+          </a:bodyPr>
+          <a:lstStyle/>
+          <a:p>
+            <a:r>
+              <a:rPr lang="en-US" altLang="zh-CN" dirty="0"/>
+              <a:t>Y</a:t>
+            </a:r>
+            <a:endParaRPr lang="zh-CN" altLang="en-US" dirty="0"/>
+          </a:p>
+        </p:txBody>
+      </p:sp>
+      <p:cxnSp>
+        <p:nvCxnSpPr>
+          <p:cNvPr id="4" name="直接箭头连接符 3"/>
+          <p:cNvCxnSpPr/>
+          <p:nvPr/>
+        </p:nvCxnSpPr>
+        <p:spPr>
+          <a:xfrm flipV="1">
+            <a:off x="497485" y="1268759"/>
+            <a:ext cx="0" cy="1440161"/>
+          </a:xfrm>
+          <a:prstGeom prst="straightConnector1">
+            <a:avLst/>
+          </a:prstGeom>
+          <a:ln>
+            <a:solidFill>
+              <a:schemeClr val="tx1"/>
+            </a:solidFill>
+            <a:tailEnd type="arrow"/>
+          </a:ln>
+        </p:spPr>
+        <p:style>
+          <a:lnRef idx="1">
+            <a:schemeClr val="accent1"/>
+          </a:lnRef>
+          <a:fillRef idx="0">
+            <a:schemeClr val="accent1"/>
+          </a:fillRef>
+          <a:effectRef idx="0">
+            <a:schemeClr val="accent1"/>
+          </a:effectRef>
+          <a:fontRef idx="minor">
+            <a:schemeClr val="tx1"/>
+          </a:fontRef>
+        </p:style>
+      </p:cxnSp>
+      <p:cxnSp>
+        <p:nvCxnSpPr>
+          <p:cNvPr id="32" name="直接箭头连接符 31"/>
+          <p:cNvCxnSpPr>
+            <a:endCxn id="78" idx="3"/>
+          </p:cNvCxnSpPr>
+          <p:nvPr/>
+        </p:nvCxnSpPr>
+        <p:spPr>
+          <a:xfrm>
+            <a:off x="497485" y="3429000"/>
+            <a:ext cx="0" cy="2840353"/>
+          </a:xfrm>
+          <a:prstGeom prst="straightConnector1">
+            <a:avLst/>
+          </a:prstGeom>
+          <a:ln>
+            <a:solidFill>
+              <a:schemeClr val="tx1"/>
+            </a:solidFill>
+            <a:tailEnd type="arrow"/>
+          </a:ln>
+        </p:spPr>
+        <p:style>
+          <a:lnRef idx="1">
+            <a:schemeClr val="accent1"/>
+          </a:lnRef>
+          <a:fillRef idx="0">
+            <a:schemeClr val="accent1"/>
+          </a:fillRef>
+          <a:effectRef idx="0">
+            <a:schemeClr val="accent1"/>
+          </a:effectRef>
+          <a:fontRef idx="minor">
+            <a:schemeClr val="tx1"/>
+          </a:fontRef>
+        </p:style>
+      </p:cxnSp>
+      <p:sp>
+        <p:nvSpPr>
+          <p:cNvPr id="19" name="TextBox 18"/>
+          <p:cNvSpPr txBox="1"/>
+          <p:nvPr/>
+        </p:nvSpPr>
+        <p:spPr>
+          <a:xfrm>
+            <a:off x="377525" y="2938950"/>
+            <a:ext cx="328936" cy="369332"/>
+          </a:xfrm>
+          <a:prstGeom prst="rect">
+            <a:avLst/>
+          </a:prstGeom>
+          <a:noFill/>
+        </p:spPr>
+        <p:txBody>
+          <a:bodyPr wrap="none" rtlCol="0">
+            <a:spAutoFit/>
+          </a:bodyPr>
+          <a:lstStyle/>
+          <a:p>
+            <a:r>
+              <a:rPr lang="en-US" altLang="zh-CN" dirty="0" smtClean="0"/>
+              <a:t>H</a:t>
+            </a:r>
+            <a:endParaRPr lang="zh-CN" altLang="en-US" dirty="0"/>
+          </a:p>
+        </p:txBody>
+      </p:sp>
+      <p:sp>
+        <p:nvSpPr>
+          <p:cNvPr id="36" name="TextBox 35"/>
+          <p:cNvSpPr txBox="1"/>
+          <p:nvPr/>
+        </p:nvSpPr>
+        <p:spPr>
+          <a:xfrm>
+            <a:off x="4267222" y="5661248"/>
+            <a:ext cx="306494" cy="369332"/>
+          </a:xfrm>
+          <a:prstGeom prst="rect">
+            <a:avLst/>
+          </a:prstGeom>
+          <a:noFill/>
+        </p:spPr>
+        <p:txBody>
+          <a:bodyPr wrap="none" rtlCol="0">
+            <a:spAutoFit/>
+          </a:bodyPr>
+          <a:lstStyle/>
+          <a:p>
+            <a:r>
+              <a:rPr lang="en-US" altLang="zh-CN" dirty="0" smtClean="0"/>
+              <a:t>h</a:t>
+            </a:r>
+            <a:endParaRPr lang="zh-CN" altLang="en-US" dirty="0"/>
+          </a:p>
+        </p:txBody>
+      </p:sp>
+    </p:spTree>
+    <p:extLst>
+      <p:ext uri="{BB962C8B-B14F-4D97-AF65-F5344CB8AC3E}">
+        <p14:creationId xmlns:p14="http://schemas.microsoft.com/office/powerpoint/2010/main" val="564615162"/>
+      </p:ext>
+    </p:extLst>
+  </p:cSld>
+  <p:clrMapOvr>
+    <a:masterClrMapping/>
+  </p:clrMapOvr>
+</p:sld>
+</file>
+
+<file path=ppt/slides/slide9.xml><?xml version="1.0" encoding="utf-8"?>
+<p:sld xmlns:a="http://schemas.openxmlformats.org/drawingml/2006/main" xmlns:r="http://schemas.openxmlformats.org/officeDocument/2006/relationships" xmlns:p="http://schemas.openxmlformats.org/presentationml/2006/main">
+  <p:cSld>
+    <p:spTree>
+      <p:nvGrpSpPr>
+        <p:cNvPr id="1" name=""/>
+        <p:cNvGrpSpPr/>
+        <p:nvPr/>
+      </p:nvGrpSpPr>
+      <p:grpSpPr>
+        <a:xfrm>
+          <a:off x="0" y="0"/>
+          <a:ext cx="0" cy="0"/>
+          <a:chOff x="0" y="0"/>
+          <a:chExt cx="0" cy="0"/>
+        </a:xfrm>
+      </p:grpSpPr>
+      <p:sp>
+        <p:nvSpPr>
+          <p:cNvPr id="2" name="矩形 1"/>
+          <p:cNvSpPr/>
+          <p:nvPr/>
+        </p:nvSpPr>
+        <p:spPr>
+          <a:xfrm>
+            <a:off x="971600" y="548680"/>
+            <a:ext cx="324036" cy="5796644"/>
+          </a:xfrm>
+          <a:prstGeom prst="rect">
+            <a:avLst/>
+          </a:prstGeom>
+          <a:solidFill>
+            <a:schemeClr val="tx1"/>
+          </a:solidFill>
+          <a:ln>
+            <a:solidFill>
+              <a:schemeClr val="tx1"/>
+            </a:solidFill>
+          </a:ln>
+        </p:spPr>
+        <p:style>
+          <a:lnRef idx="2">
+            <a:schemeClr val="accent1">
+              <a:shade val="50000"/>
+            </a:schemeClr>
+          </a:lnRef>
+          <a:fillRef idx="1">
+            <a:schemeClr val="accent1"/>
+          </a:fillRef>
+          <a:effectRef idx="0">
+            <a:schemeClr val="accent1"/>
+          </a:effectRef>
+          <a:fontRef idx="minor">
+            <a:schemeClr val="lt1"/>
+          </a:fontRef>
+        </p:style>
+        <p:txBody>
+          <a:bodyPr rtlCol="0" anchor="ctr"/>
+          <a:lstStyle/>
+          <a:p>
+            <a:pPr algn="ctr"/>
+            <a:endParaRPr lang="zh-CN" altLang="en-US"/>
+          </a:p>
+        </p:txBody>
+      </p:sp>
+      <p:sp>
+        <p:nvSpPr>
+          <p:cNvPr id="3" name="矩形 2"/>
+          <p:cNvSpPr/>
+          <p:nvPr/>
+        </p:nvSpPr>
+        <p:spPr>
+          <a:xfrm>
+            <a:off x="1691680" y="530678"/>
+            <a:ext cx="324036" cy="5796644"/>
+          </a:xfrm>
+          <a:prstGeom prst="rect">
+            <a:avLst/>
+          </a:prstGeom>
+          <a:solidFill>
+            <a:schemeClr val="tx1"/>
+          </a:solidFill>
+          <a:ln>
+            <a:solidFill>
+              <a:schemeClr val="tx1"/>
+            </a:solidFill>
+          </a:ln>
+        </p:spPr>
+        <p:style>
+          <a:lnRef idx="2">
+            <a:schemeClr val="accent1">
+              <a:shade val="50000"/>
+            </a:schemeClr>
+          </a:lnRef>
+          <a:fillRef idx="1">
+            <a:schemeClr val="accent1"/>
+          </a:fillRef>
+          <a:effectRef idx="0">
+            <a:schemeClr val="accent1"/>
+          </a:effectRef>
+          <a:fontRef idx="minor">
+            <a:schemeClr val="lt1"/>
+          </a:fontRef>
+        </p:style>
+        <p:txBody>
+          <a:bodyPr rtlCol="0" anchor="ctr"/>
+          <a:lstStyle/>
+          <a:p>
+            <a:pPr algn="ctr"/>
+            <a:endParaRPr lang="zh-CN" altLang="en-US" b="1" dirty="0"/>
+          </a:p>
+        </p:txBody>
+      </p:sp>
+      <p:sp>
+        <p:nvSpPr>
+          <p:cNvPr id="4" name="矩形 3"/>
+          <p:cNvSpPr/>
+          <p:nvPr/>
+        </p:nvSpPr>
+        <p:spPr>
+          <a:xfrm>
+            <a:off x="2411760" y="530678"/>
+            <a:ext cx="324036" cy="5796644"/>
+          </a:xfrm>
+          <a:prstGeom prst="rect">
+            <a:avLst/>
+          </a:prstGeom>
+          <a:solidFill>
+            <a:schemeClr val="tx1"/>
+          </a:solidFill>
+          <a:ln>
+            <a:solidFill>
+              <a:schemeClr val="tx1"/>
+            </a:solidFill>
+          </a:ln>
+        </p:spPr>
+        <p:style>
+          <a:lnRef idx="2">
+            <a:schemeClr val="accent1">
+              <a:shade val="50000"/>
+            </a:schemeClr>
+          </a:lnRef>
+          <a:fillRef idx="1">
+            <a:schemeClr val="accent1"/>
+          </a:fillRef>
+          <a:effectRef idx="0">
+            <a:schemeClr val="accent1"/>
+          </a:effectRef>
+          <a:fontRef idx="minor">
+            <a:schemeClr val="lt1"/>
+          </a:fontRef>
+        </p:style>
+        <p:txBody>
+          <a:bodyPr rtlCol="0" anchor="ctr"/>
+          <a:lstStyle/>
+          <a:p>
+            <a:pPr algn="ctr"/>
+            <a:endParaRPr lang="zh-CN" altLang="en-US"/>
+          </a:p>
+        </p:txBody>
+      </p:sp>
+      <p:sp>
+        <p:nvSpPr>
+          <p:cNvPr id="5" name="矩形 4"/>
+          <p:cNvSpPr/>
+          <p:nvPr/>
+        </p:nvSpPr>
+        <p:spPr>
+          <a:xfrm>
+            <a:off x="3167844" y="532974"/>
+            <a:ext cx="324036" cy="5796644"/>
+          </a:xfrm>
+          <a:prstGeom prst="rect">
+            <a:avLst/>
+          </a:prstGeom>
+          <a:solidFill>
+            <a:schemeClr val="tx1"/>
+          </a:solidFill>
+          <a:ln>
+            <a:solidFill>
+              <a:schemeClr val="tx1"/>
+            </a:solidFill>
+          </a:ln>
+        </p:spPr>
+        <p:style>
+          <a:lnRef idx="2">
+            <a:schemeClr val="accent1">
+              <a:shade val="50000"/>
+            </a:schemeClr>
+          </a:lnRef>
+          <a:fillRef idx="1">
+            <a:schemeClr val="accent1"/>
+          </a:fillRef>
+          <a:effectRef idx="0">
+            <a:schemeClr val="accent1"/>
+          </a:effectRef>
+          <a:fontRef idx="minor">
+            <a:schemeClr val="lt1"/>
+          </a:fontRef>
+        </p:style>
+        <p:txBody>
+          <a:bodyPr rtlCol="0" anchor="ctr"/>
+          <a:lstStyle/>
+          <a:p>
+            <a:pPr algn="ctr"/>
+            <a:endParaRPr lang="zh-CN" altLang="en-US"/>
+          </a:p>
+        </p:txBody>
+      </p:sp>
+      <p:sp>
+        <p:nvSpPr>
+          <p:cNvPr id="6" name="矩形 5"/>
+          <p:cNvSpPr/>
+          <p:nvPr/>
+        </p:nvSpPr>
+        <p:spPr>
+          <a:xfrm>
+            <a:off x="3855948" y="507544"/>
+            <a:ext cx="324036" cy="5796644"/>
+          </a:xfrm>
+          <a:prstGeom prst="rect">
+            <a:avLst/>
+          </a:prstGeom>
+          <a:solidFill>
+            <a:schemeClr val="tx1"/>
+          </a:solidFill>
+          <a:ln>
+            <a:solidFill>
+              <a:schemeClr val="tx1"/>
+            </a:solidFill>
+          </a:ln>
+        </p:spPr>
+        <p:style>
+          <a:lnRef idx="2">
+            <a:schemeClr val="accent1">
+              <a:shade val="50000"/>
+            </a:schemeClr>
+          </a:lnRef>
+          <a:fillRef idx="1">
+            <a:schemeClr val="accent1"/>
+          </a:fillRef>
+          <a:effectRef idx="0">
+            <a:schemeClr val="accent1"/>
+          </a:effectRef>
+          <a:fontRef idx="minor">
+            <a:schemeClr val="lt1"/>
+          </a:fontRef>
+        </p:style>
+        <p:txBody>
+          <a:bodyPr rtlCol="0" anchor="ctr"/>
+          <a:lstStyle/>
+          <a:p>
+            <a:pPr algn="ctr"/>
+            <a:endParaRPr lang="zh-CN" altLang="en-US" b="1" dirty="0"/>
+          </a:p>
+        </p:txBody>
+      </p:sp>
+      <p:sp>
+        <p:nvSpPr>
+          <p:cNvPr id="7" name="矩形 6"/>
+          <p:cNvSpPr/>
+          <p:nvPr/>
+        </p:nvSpPr>
+        <p:spPr>
+          <a:xfrm>
+            <a:off x="4576028" y="507544"/>
+            <a:ext cx="324036" cy="5796644"/>
+          </a:xfrm>
+          <a:prstGeom prst="rect">
+            <a:avLst/>
+          </a:prstGeom>
+          <a:solidFill>
+            <a:schemeClr val="tx1"/>
+          </a:solidFill>
+          <a:ln>
+            <a:solidFill>
+              <a:schemeClr val="tx1"/>
+            </a:solidFill>
+          </a:ln>
+        </p:spPr>
+        <p:style>
+          <a:lnRef idx="2">
+            <a:schemeClr val="accent1">
+              <a:shade val="50000"/>
+            </a:schemeClr>
+          </a:lnRef>
+          <a:fillRef idx="1">
+            <a:schemeClr val="accent1"/>
+          </a:fillRef>
+          <a:effectRef idx="0">
+            <a:schemeClr val="accent1"/>
+          </a:effectRef>
+          <a:fontRef idx="minor">
+            <a:schemeClr val="lt1"/>
+          </a:fontRef>
+        </p:style>
+        <p:txBody>
+          <a:bodyPr rtlCol="0" anchor="ctr"/>
+          <a:lstStyle/>
+          <a:p>
+            <a:pPr algn="ctr"/>
+            <a:endParaRPr lang="zh-CN" altLang="en-US"/>
+          </a:p>
+        </p:txBody>
+      </p:sp>
+      <p:sp>
+        <p:nvSpPr>
+          <p:cNvPr id="8" name="矩形 7"/>
+          <p:cNvSpPr/>
+          <p:nvPr/>
+        </p:nvSpPr>
+        <p:spPr>
+          <a:xfrm>
+            <a:off x="5292080" y="507544"/>
+            <a:ext cx="324036" cy="5796644"/>
+          </a:xfrm>
+          <a:prstGeom prst="rect">
+            <a:avLst/>
+          </a:prstGeom>
+          <a:solidFill>
+            <a:schemeClr val="tx1"/>
+          </a:solidFill>
+          <a:ln>
+            <a:solidFill>
+              <a:schemeClr val="tx1"/>
+            </a:solidFill>
+          </a:ln>
+        </p:spPr>
+        <p:style>
+          <a:lnRef idx="2">
+            <a:schemeClr val="accent1">
+              <a:shade val="50000"/>
+            </a:schemeClr>
+          </a:lnRef>
+          <a:fillRef idx="1">
+            <a:schemeClr val="accent1"/>
+          </a:fillRef>
+          <a:effectRef idx="0">
+            <a:schemeClr val="accent1"/>
+          </a:effectRef>
+          <a:fontRef idx="minor">
+            <a:schemeClr val="lt1"/>
+          </a:fontRef>
+        </p:style>
+        <p:txBody>
+          <a:bodyPr rtlCol="0" anchor="ctr"/>
+          <a:lstStyle/>
+          <a:p>
+            <a:pPr algn="ctr"/>
+            <a:endParaRPr lang="zh-CN" altLang="en-US"/>
+          </a:p>
+        </p:txBody>
+      </p:sp>
+      <p:sp>
+        <p:nvSpPr>
+          <p:cNvPr id="9" name="矩形 8"/>
+          <p:cNvSpPr/>
+          <p:nvPr/>
+        </p:nvSpPr>
+        <p:spPr>
+          <a:xfrm>
+            <a:off x="6012160" y="552692"/>
+            <a:ext cx="324036" cy="5796644"/>
+          </a:xfrm>
+          <a:prstGeom prst="rect">
+            <a:avLst/>
+          </a:prstGeom>
+          <a:solidFill>
+            <a:schemeClr val="tx1"/>
+          </a:solidFill>
+          <a:ln>
+            <a:solidFill>
+              <a:schemeClr val="tx1"/>
+            </a:solidFill>
+          </a:ln>
+        </p:spPr>
+        <p:style>
+          <a:lnRef idx="2">
+            <a:schemeClr val="accent1">
+              <a:shade val="50000"/>
+            </a:schemeClr>
+          </a:lnRef>
+          <a:fillRef idx="1">
+            <a:schemeClr val="accent1"/>
+          </a:fillRef>
+          <a:effectRef idx="0">
+            <a:schemeClr val="accent1"/>
+          </a:effectRef>
+          <a:fontRef idx="minor">
+            <a:schemeClr val="lt1"/>
+          </a:fontRef>
+        </p:style>
+        <p:txBody>
+          <a:bodyPr rtlCol="0" anchor="ctr"/>
+          <a:lstStyle/>
+          <a:p>
+            <a:pPr algn="ctr"/>
+            <a:endParaRPr lang="zh-CN" altLang="en-US" b="1" dirty="0"/>
+          </a:p>
+        </p:txBody>
+      </p:sp>
+      <p:sp>
+        <p:nvSpPr>
+          <p:cNvPr id="10" name="矩形 9"/>
+          <p:cNvSpPr/>
+          <p:nvPr/>
+        </p:nvSpPr>
+        <p:spPr>
+          <a:xfrm>
+            <a:off x="6732240" y="532974"/>
+            <a:ext cx="324036" cy="5796644"/>
+          </a:xfrm>
+          <a:prstGeom prst="rect">
+            <a:avLst/>
+          </a:prstGeom>
+          <a:solidFill>
+            <a:schemeClr val="tx1"/>
+          </a:solidFill>
+          <a:ln>
+            <a:solidFill>
+              <a:schemeClr val="tx1"/>
+            </a:solidFill>
+          </a:ln>
+        </p:spPr>
+        <p:style>
+          <a:lnRef idx="2">
+            <a:schemeClr val="accent1">
+              <a:shade val="50000"/>
+            </a:schemeClr>
+          </a:lnRef>
+          <a:fillRef idx="1">
+            <a:schemeClr val="accent1"/>
+          </a:fillRef>
+          <a:effectRef idx="0">
+            <a:schemeClr val="accent1"/>
+          </a:effectRef>
+          <a:fontRef idx="minor">
+            <a:schemeClr val="lt1"/>
+          </a:fontRef>
+        </p:style>
+        <p:txBody>
+          <a:bodyPr rtlCol="0" anchor="ctr"/>
+          <a:lstStyle/>
+          <a:p>
+            <a:pPr algn="ctr"/>
+            <a:endParaRPr lang="zh-CN" altLang="en-US"/>
+          </a:p>
+        </p:txBody>
+      </p:sp>
+      <p:sp>
+        <p:nvSpPr>
+          <p:cNvPr id="11" name="矩形 10"/>
+          <p:cNvSpPr/>
+          <p:nvPr/>
+        </p:nvSpPr>
+        <p:spPr>
+          <a:xfrm>
+            <a:off x="7452320" y="550698"/>
+            <a:ext cx="324036" cy="5796644"/>
+          </a:xfrm>
+          <a:prstGeom prst="rect">
+            <a:avLst/>
+          </a:prstGeom>
+          <a:solidFill>
+            <a:schemeClr val="tx1"/>
+          </a:solidFill>
+          <a:ln>
+            <a:solidFill>
+              <a:schemeClr val="tx1"/>
+            </a:solidFill>
+          </a:ln>
+        </p:spPr>
+        <p:style>
+          <a:lnRef idx="2">
+            <a:schemeClr val="accent1">
+              <a:shade val="50000"/>
+            </a:schemeClr>
+          </a:lnRef>
+          <a:fillRef idx="1">
+            <a:schemeClr val="accent1"/>
+          </a:fillRef>
+          <a:effectRef idx="0">
+            <a:schemeClr val="accent1"/>
+          </a:effectRef>
+          <a:fontRef idx="minor">
+            <a:schemeClr val="lt1"/>
+          </a:fontRef>
+        </p:style>
+        <p:txBody>
+          <a:bodyPr rtlCol="0" anchor="ctr"/>
+          <a:lstStyle/>
+          <a:p>
+            <a:pPr algn="ctr"/>
+            <a:endParaRPr lang="zh-CN" altLang="en-US"/>
+          </a:p>
+        </p:txBody>
+      </p:sp>
+      <p:sp>
+        <p:nvSpPr>
+          <p:cNvPr id="12" name="矩形 11"/>
+          <p:cNvSpPr/>
+          <p:nvPr/>
+        </p:nvSpPr>
+        <p:spPr>
+          <a:xfrm>
+            <a:off x="8208404" y="552692"/>
+            <a:ext cx="324036" cy="5796644"/>
+          </a:xfrm>
+          <a:prstGeom prst="rect">
+            <a:avLst/>
+          </a:prstGeom>
+          <a:solidFill>
+            <a:schemeClr val="tx1"/>
+          </a:solidFill>
+          <a:ln>
+            <a:solidFill>
+              <a:schemeClr val="tx1"/>
+            </a:solidFill>
+          </a:ln>
+        </p:spPr>
+        <p:style>
+          <a:lnRef idx="2">
+            <a:schemeClr val="accent1">
+              <a:shade val="50000"/>
+            </a:schemeClr>
+          </a:lnRef>
+          <a:fillRef idx="1">
+            <a:schemeClr val="accent1"/>
+          </a:fillRef>
+          <a:effectRef idx="0">
+            <a:schemeClr val="accent1"/>
+          </a:effectRef>
+          <a:fontRef idx="minor">
+            <a:schemeClr val="lt1"/>
+          </a:fontRef>
+        </p:style>
+        <p:txBody>
+          <a:bodyPr rtlCol="0" anchor="ctr"/>
+          <a:lstStyle/>
+          <a:p>
+            <a:pPr algn="ctr"/>
+            <a:endParaRPr lang="zh-CN" altLang="en-US"/>
+          </a:p>
+        </p:txBody>
+      </p:sp>
+      <p:cxnSp>
+        <p:nvCxnSpPr>
+          <p:cNvPr id="16" name="直接箭头连接符 15"/>
+          <p:cNvCxnSpPr/>
+          <p:nvPr/>
+        </p:nvCxnSpPr>
+        <p:spPr>
+          <a:xfrm flipH="1">
+            <a:off x="971600" y="6597352"/>
+            <a:ext cx="162018" cy="0"/>
+          </a:xfrm>
+          <a:prstGeom prst="straightConnector1">
+            <a:avLst/>
+          </a:prstGeom>
+          <a:ln>
+            <a:solidFill>
+              <a:schemeClr val="tx1"/>
+            </a:solidFill>
+            <a:tailEnd type="arrow"/>
+          </a:ln>
+        </p:spPr>
+        <p:style>
+          <a:lnRef idx="1">
+            <a:schemeClr val="accent1"/>
+          </a:lnRef>
+          <a:fillRef idx="0">
+            <a:schemeClr val="accent1"/>
+          </a:fillRef>
+          <a:effectRef idx="0">
+            <a:schemeClr val="accent1"/>
+          </a:effectRef>
+          <a:fontRef idx="minor">
+            <a:schemeClr val="tx1"/>
+          </a:fontRef>
+        </p:style>
+      </p:cxnSp>
+      <p:cxnSp>
+        <p:nvCxnSpPr>
+          <p:cNvPr id="17" name="直接箭头连接符 16"/>
+          <p:cNvCxnSpPr/>
+          <p:nvPr/>
+        </p:nvCxnSpPr>
+        <p:spPr>
+          <a:xfrm>
+            <a:off x="1439652" y="6597352"/>
+            <a:ext cx="252028" cy="0"/>
+          </a:xfrm>
+          <a:prstGeom prst="straightConnector1">
+            <a:avLst/>
+          </a:prstGeom>
+          <a:ln>
+            <a:solidFill>
+              <a:schemeClr val="tx1"/>
+            </a:solidFill>
+            <a:tailEnd type="arrow"/>
+          </a:ln>
+        </p:spPr>
+        <p:style>
+          <a:lnRef idx="1">
+            <a:schemeClr val="accent1"/>
+          </a:lnRef>
+          <a:fillRef idx="0">
+            <a:schemeClr val="accent1"/>
+          </a:fillRef>
+          <a:effectRef idx="0">
+            <a:schemeClr val="accent1"/>
+          </a:effectRef>
+          <a:fontRef idx="minor">
+            <a:schemeClr val="tx1"/>
+          </a:fontRef>
+        </p:style>
+      </p:cxnSp>
+      <p:sp>
+        <p:nvSpPr>
+          <p:cNvPr id="22" name="TextBox 21"/>
+          <p:cNvSpPr txBox="1"/>
+          <p:nvPr/>
+        </p:nvSpPr>
+        <p:spPr>
+          <a:xfrm>
+            <a:off x="1203270" y="6456620"/>
+            <a:ext cx="282450" cy="369332"/>
+          </a:xfrm>
+          <a:prstGeom prst="rect">
+            <a:avLst/>
+          </a:prstGeom>
+          <a:noFill/>
+        </p:spPr>
+        <p:txBody>
+          <a:bodyPr wrap="none" rtlCol="0">
+            <a:spAutoFit/>
+          </a:bodyPr>
+          <a:lstStyle/>
+          <a:p>
+            <a:r>
+              <a:rPr lang="en-US" altLang="zh-CN" dirty="0" smtClean="0"/>
+              <a:t>L</a:t>
+            </a:r>
+            <a:endParaRPr lang="zh-CN" altLang="en-US" dirty="0"/>
+          </a:p>
+        </p:txBody>
+      </p:sp>
+      <p:sp>
+        <p:nvSpPr>
+          <p:cNvPr id="25" name="等腰三角形 24"/>
+          <p:cNvSpPr/>
+          <p:nvPr/>
+        </p:nvSpPr>
+        <p:spPr>
+          <a:xfrm>
+            <a:off x="3599892" y="2420888"/>
+            <a:ext cx="144016" cy="109753"/>
+          </a:xfrm>
+          <a:prstGeom prst="triangle">
+            <a:avLst/>
+          </a:prstGeom>
+          <a:solidFill>
+            <a:schemeClr val="tx1"/>
+          </a:solidFill>
+          <a:ln>
+            <a:solidFill>
+              <a:schemeClr val="tx1"/>
+            </a:solidFill>
+          </a:ln>
+        </p:spPr>
+        <p:style>
+          <a:lnRef idx="2">
+            <a:schemeClr val="accent1">
+              <a:shade val="50000"/>
+            </a:schemeClr>
+          </a:lnRef>
+          <a:fillRef idx="1">
+            <a:schemeClr val="accent1"/>
+          </a:fillRef>
+          <a:effectRef idx="0">
+            <a:schemeClr val="accent1"/>
+          </a:effectRef>
+          <a:fontRef idx="minor">
+            <a:schemeClr val="lt1"/>
+          </a:fontRef>
+        </p:style>
+        <p:txBody>
+          <a:bodyPr rtlCol="0" anchor="ctr"/>
+          <a:lstStyle/>
+          <a:p>
+            <a:pPr algn="ctr"/>
+            <a:endParaRPr lang="zh-CN" altLang="en-US"/>
+          </a:p>
+        </p:txBody>
+      </p:sp>
+      <p:sp>
+        <p:nvSpPr>
+          <p:cNvPr id="26" name="等腰三角形 25"/>
+          <p:cNvSpPr/>
+          <p:nvPr/>
+        </p:nvSpPr>
+        <p:spPr>
+          <a:xfrm>
+            <a:off x="6030162" y="2420887"/>
+            <a:ext cx="144016" cy="109753"/>
+          </a:xfrm>
+          <a:prstGeom prst="triangle">
+            <a:avLst/>
+          </a:prstGeom>
+          <a:solidFill>
+            <a:schemeClr val="bg1"/>
+          </a:solidFill>
+          <a:ln>
+            <a:solidFill>
+              <a:schemeClr val="bg1"/>
+            </a:solidFill>
+          </a:ln>
+        </p:spPr>
+        <p:style>
+          <a:lnRef idx="2">
+            <a:schemeClr val="accent1">
+              <a:shade val="50000"/>
+            </a:schemeClr>
+          </a:lnRef>
+          <a:fillRef idx="1">
+            <a:schemeClr val="accent1"/>
+          </a:fillRef>
+          <a:effectRef idx="0">
+            <a:schemeClr val="accent1"/>
+          </a:effectRef>
+          <a:fontRef idx="minor">
+            <a:schemeClr val="lt1"/>
+          </a:fontRef>
+        </p:style>
+        <p:txBody>
+          <a:bodyPr rtlCol="0" anchor="ctr"/>
+          <a:lstStyle/>
+          <a:p>
+            <a:pPr algn="ctr"/>
+            <a:endParaRPr lang="zh-CN" altLang="en-US"/>
+          </a:p>
+        </p:txBody>
+      </p:sp>
+      <p:sp>
+        <p:nvSpPr>
+          <p:cNvPr id="27" name="TextBox 26"/>
+          <p:cNvSpPr txBox="1"/>
+          <p:nvPr/>
+        </p:nvSpPr>
+        <p:spPr>
+          <a:xfrm>
+            <a:off x="3538232" y="2106431"/>
+            <a:ext cx="317716" cy="369332"/>
+          </a:xfrm>
+          <a:prstGeom prst="rect">
+            <a:avLst/>
+          </a:prstGeom>
+          <a:noFill/>
+        </p:spPr>
+        <p:txBody>
+          <a:bodyPr wrap="none" rtlCol="0">
+            <a:spAutoFit/>
+          </a:bodyPr>
+          <a:lstStyle/>
+          <a:p>
+            <a:r>
+              <a:rPr lang="en-US" altLang="zh-CN" dirty="0" smtClean="0"/>
+              <a:t>A</a:t>
+            </a:r>
+            <a:endParaRPr lang="zh-CN" altLang="en-US" dirty="0"/>
+          </a:p>
+        </p:txBody>
+      </p:sp>
+      <p:sp>
+        <p:nvSpPr>
+          <p:cNvPr id="28" name="TextBox 27"/>
+          <p:cNvSpPr txBox="1"/>
+          <p:nvPr/>
+        </p:nvSpPr>
+        <p:spPr>
+          <a:xfrm>
+            <a:off x="6012160" y="2047508"/>
+            <a:ext cx="309700" cy="369332"/>
+          </a:xfrm>
+          <a:prstGeom prst="rect">
+            <a:avLst/>
+          </a:prstGeom>
+          <a:noFill/>
+        </p:spPr>
+        <p:txBody>
+          <a:bodyPr wrap="none" rtlCol="0">
+            <a:spAutoFit/>
+          </a:bodyPr>
+          <a:lstStyle/>
+          <a:p>
+            <a:r>
+              <a:rPr lang="en-US" altLang="zh-CN" dirty="0" smtClean="0">
+                <a:solidFill>
+                  <a:schemeClr val="bg1"/>
+                </a:solidFill>
+              </a:rPr>
+              <a:t>B</a:t>
+            </a:r>
+            <a:endParaRPr lang="zh-CN" altLang="en-US" dirty="0">
+              <a:solidFill>
+                <a:schemeClr val="bg1"/>
+              </a:solidFill>
+            </a:endParaRPr>
+          </a:p>
+        </p:txBody>
+      </p:sp>
+      <p:cxnSp>
+        <p:nvCxnSpPr>
+          <p:cNvPr id="31" name="直接箭头连接符 30"/>
+          <p:cNvCxnSpPr/>
+          <p:nvPr/>
+        </p:nvCxnSpPr>
+        <p:spPr>
+          <a:xfrm>
+            <a:off x="251520" y="6456620"/>
+            <a:ext cx="8640960" cy="0"/>
+          </a:xfrm>
+          <a:prstGeom prst="straightConnector1">
+            <a:avLst/>
+          </a:prstGeom>
+          <a:ln>
+            <a:solidFill>
+              <a:schemeClr val="tx1"/>
+            </a:solidFill>
+            <a:tailEnd type="arrow"/>
+          </a:ln>
+        </p:spPr>
+        <p:style>
+          <a:lnRef idx="1">
+            <a:schemeClr val="accent1"/>
+          </a:lnRef>
+          <a:fillRef idx="0">
+            <a:schemeClr val="accent1"/>
+          </a:fillRef>
+          <a:effectRef idx="0">
+            <a:schemeClr val="accent1"/>
+          </a:effectRef>
+          <a:fontRef idx="minor">
+            <a:schemeClr val="tx1"/>
+          </a:fontRef>
+        </p:style>
+      </p:cxnSp>
+      <p:cxnSp>
+        <p:nvCxnSpPr>
+          <p:cNvPr id="32" name="直接箭头连接符 31"/>
+          <p:cNvCxnSpPr/>
+          <p:nvPr/>
+        </p:nvCxnSpPr>
+        <p:spPr>
+          <a:xfrm flipV="1">
+            <a:off x="251520" y="152636"/>
+            <a:ext cx="0" cy="6303984"/>
+          </a:xfrm>
+          <a:prstGeom prst="straightConnector1">
+            <a:avLst/>
+          </a:prstGeom>
+          <a:ln>
+            <a:solidFill>
+              <a:schemeClr val="tx1"/>
+            </a:solidFill>
+            <a:tailEnd type="arrow"/>
+          </a:ln>
+        </p:spPr>
+        <p:style>
+          <a:lnRef idx="1">
+            <a:schemeClr val="accent1"/>
+          </a:lnRef>
+          <a:fillRef idx="0">
+            <a:schemeClr val="accent1"/>
+          </a:fillRef>
+          <a:effectRef idx="0">
+            <a:schemeClr val="accent1"/>
+          </a:effectRef>
+          <a:fontRef idx="minor">
+            <a:schemeClr val="tx1"/>
+          </a:fontRef>
+        </p:style>
+      </p:cxnSp>
+      <p:sp>
+        <p:nvSpPr>
+          <p:cNvPr id="35" name="TextBox 34"/>
+          <p:cNvSpPr txBox="1"/>
+          <p:nvPr/>
+        </p:nvSpPr>
+        <p:spPr>
+          <a:xfrm>
+            <a:off x="8498660" y="6488668"/>
+            <a:ext cx="468052" cy="369332"/>
+          </a:xfrm>
+          <a:prstGeom prst="rect">
+            <a:avLst/>
+          </a:prstGeom>
+          <a:noFill/>
+        </p:spPr>
+        <p:txBody>
+          <a:bodyPr wrap="square" rtlCol="0">
+            <a:spAutoFit/>
+          </a:bodyPr>
+          <a:lstStyle/>
+          <a:p>
+            <a:r>
+              <a:rPr lang="en-US" altLang="zh-CN" dirty="0" smtClean="0"/>
+              <a:t>X</a:t>
+            </a:r>
+            <a:endParaRPr lang="zh-CN" altLang="en-US" dirty="0"/>
+          </a:p>
+        </p:txBody>
+      </p:sp>
+      <p:sp>
+        <p:nvSpPr>
+          <p:cNvPr id="36" name="TextBox 35"/>
+          <p:cNvSpPr txBox="1"/>
+          <p:nvPr/>
+        </p:nvSpPr>
+        <p:spPr>
+          <a:xfrm>
+            <a:off x="323528" y="204172"/>
+            <a:ext cx="468052" cy="369332"/>
+          </a:xfrm>
+          <a:prstGeom prst="rect">
+            <a:avLst/>
+          </a:prstGeom>
+          <a:noFill/>
+        </p:spPr>
+        <p:txBody>
+          <a:bodyPr wrap="square" rtlCol="0">
+            <a:spAutoFit/>
+          </a:bodyPr>
+          <a:lstStyle/>
+          <a:p>
+            <a:r>
+              <a:rPr lang="en-US" altLang="zh-CN" dirty="0"/>
+              <a:t>Y</a:t>
+            </a:r>
+            <a:endParaRPr lang="zh-CN" altLang="en-US" dirty="0"/>
+          </a:p>
+        </p:txBody>
+      </p:sp>
+    </p:spTree>
+    <p:extLst>
+      <p:ext uri="{BB962C8B-B14F-4D97-AF65-F5344CB8AC3E}">
+        <p14:creationId xmlns:p14="http://schemas.microsoft.com/office/powerpoint/2010/main" val="276485664"/>
       </p:ext>
     </p:extLst>
   </p:cSld>

--- a/Graphic & Tables.pptx
+++ b/Graphic & Tables.pptx
@@ -5,7 +5,7 @@
     <p:sldMasterId id="2147483648" r:id="rId1"/>
   </p:sldMasterIdLst>
   <p:notesMasterIdLst>
-    <p:notesMasterId r:id="rId12"/>
+    <p:notesMasterId r:id="rId14"/>
   </p:notesMasterIdLst>
   <p:sldIdLst>
     <p:sldId id="256" r:id="rId2"/>
@@ -18,6 +18,8 @@
     <p:sldId id="264" r:id="rId9"/>
     <p:sldId id="265" r:id="rId10"/>
     <p:sldId id="267" r:id="rId11"/>
+    <p:sldId id="268" r:id="rId12"/>
+    <p:sldId id="269" r:id="rId13"/>
   </p:sldIdLst>
   <p:sldSz cx="9144000" cy="6858000" type="screen4x3"/>
   <p:notesSz cx="6858000" cy="9144000"/>
@@ -139,6 +141,12 @@
             <p14:sldId id="264"/>
             <p14:sldId id="265"/>
             <p14:sldId id="267"/>
+          </p14:sldIdLst>
+        </p14:section>
+        <p14:section name="第三节 图" id="{2D1A3D76-EF03-4B8F-91A3-65EAC91E3C46}">
+          <p14:sldIdLst>
+            <p14:sldId id="268"/>
+            <p14:sldId id="269"/>
           </p14:sldIdLst>
         </p14:section>
       </p14:sectionLst>
@@ -3642,12 +3650,12 @@
           <a:graphicData uri="http://schemas.openxmlformats.org/presentationml/2006/ole">
             <mc:AlternateContent xmlns:mc="http://schemas.openxmlformats.org/markup-compatibility/2006">
               <mc:Choice xmlns:v="urn:schemas-microsoft-com:vml" Requires="v">
-                <p:oleObj spid="_x0000_s1052" name="文档" r:id="rId4" imgW="5594453" imgH="3640410" progId="Word.Document.12">
+                <p:oleObj spid="_x0000_s1058" name="文档" r:id="rId3" imgW="5594453" imgH="3640410" progId="Word.Document.12">
                   <p:embed/>
                 </p:oleObj>
               </mc:Choice>
               <mc:Fallback>
-                <p:oleObj name="文档" r:id="rId4" imgW="5594453" imgH="3640410" progId="Word.Document.12">
+                <p:oleObj name="文档" r:id="rId3" imgW="5594453" imgH="3640410" progId="Word.Document.12">
                   <p:embed/>
                   <p:pic>
                     <p:nvPicPr>
@@ -3656,7 +3664,7 @@
                       <p:nvPr/>
                     </p:nvPicPr>
                     <p:blipFill>
-                      <a:blip r:embed="rId5"/>
+                      <a:blip r:embed="rId4"/>
                       <a:stretch>
                         <a:fillRect/>
                       </a:stretch>
@@ -5427,6 +5435,2021 @@
     <p:extLst>
       <p:ext uri="{BB962C8B-B14F-4D97-AF65-F5344CB8AC3E}">
         <p14:creationId xmlns:p14="http://schemas.microsoft.com/office/powerpoint/2010/main" val="3924914866"/>
+      </p:ext>
+    </p:extLst>
+  </p:cSld>
+  <p:clrMapOvr>
+    <a:masterClrMapping/>
+  </p:clrMapOvr>
+</p:sld>
+</file>
+
+<file path=ppt/slides/slide11.xml><?xml version="1.0" encoding="utf-8"?>
+<p:sld xmlns:a="http://schemas.openxmlformats.org/drawingml/2006/main" xmlns:r="http://schemas.openxmlformats.org/officeDocument/2006/relationships" xmlns:p="http://schemas.openxmlformats.org/presentationml/2006/main">
+  <p:cSld>
+    <p:spTree>
+      <p:nvGrpSpPr>
+        <p:cNvPr id="1" name=""/>
+        <p:cNvGrpSpPr/>
+        <p:nvPr/>
+      </p:nvGrpSpPr>
+      <p:grpSpPr>
+        <a:xfrm>
+          <a:off x="0" y="0"/>
+          <a:ext cx="0" cy="0"/>
+          <a:chOff x="0" y="0"/>
+          <a:chExt cx="0" cy="0"/>
+        </a:xfrm>
+      </p:grpSpPr>
+      <p:cxnSp>
+        <p:nvCxnSpPr>
+          <p:cNvPr id="8" name="直接箭头连接符 7"/>
+          <p:cNvCxnSpPr/>
+          <p:nvPr/>
+        </p:nvCxnSpPr>
+        <p:spPr>
+          <a:xfrm flipV="1">
+            <a:off x="2375756" y="-171400"/>
+            <a:ext cx="0" cy="4320480"/>
+          </a:xfrm>
+          <a:prstGeom prst="straightConnector1">
+            <a:avLst/>
+          </a:prstGeom>
+          <a:ln>
+            <a:solidFill>
+              <a:schemeClr val="tx1"/>
+            </a:solidFill>
+            <a:tailEnd type="arrow"/>
+          </a:ln>
+        </p:spPr>
+        <p:style>
+          <a:lnRef idx="1">
+            <a:schemeClr val="accent1"/>
+          </a:lnRef>
+          <a:fillRef idx="0">
+            <a:schemeClr val="accent1"/>
+          </a:fillRef>
+          <a:effectRef idx="0">
+            <a:schemeClr val="accent1"/>
+          </a:effectRef>
+          <a:fontRef idx="minor">
+            <a:schemeClr val="tx1"/>
+          </a:fontRef>
+        </p:style>
+      </p:cxnSp>
+      <p:cxnSp>
+        <p:nvCxnSpPr>
+          <p:cNvPr id="9" name="直接箭头连接符 8"/>
+          <p:cNvCxnSpPr/>
+          <p:nvPr/>
+        </p:nvCxnSpPr>
+        <p:spPr>
+          <a:xfrm>
+            <a:off x="2375756" y="4149080"/>
+            <a:ext cx="6516724" cy="7976"/>
+          </a:xfrm>
+          <a:prstGeom prst="straightConnector1">
+            <a:avLst/>
+          </a:prstGeom>
+          <a:ln>
+            <a:solidFill>
+              <a:schemeClr val="tx1"/>
+            </a:solidFill>
+            <a:tailEnd type="arrow"/>
+          </a:ln>
+        </p:spPr>
+        <p:style>
+          <a:lnRef idx="1">
+            <a:schemeClr val="accent1"/>
+          </a:lnRef>
+          <a:fillRef idx="0">
+            <a:schemeClr val="accent1"/>
+          </a:fillRef>
+          <a:effectRef idx="0">
+            <a:schemeClr val="accent1"/>
+          </a:effectRef>
+          <a:fontRef idx="minor">
+            <a:schemeClr val="tx1"/>
+          </a:fontRef>
+        </p:style>
+      </p:cxnSp>
+      <p:cxnSp>
+        <p:nvCxnSpPr>
+          <p:cNvPr id="12" name="直接箭头连接符 11"/>
+          <p:cNvCxnSpPr/>
+          <p:nvPr/>
+        </p:nvCxnSpPr>
+        <p:spPr>
+          <a:xfrm flipH="1">
+            <a:off x="251520" y="4157056"/>
+            <a:ext cx="2124236" cy="1980864"/>
+          </a:xfrm>
+          <a:prstGeom prst="straightConnector1">
+            <a:avLst/>
+          </a:prstGeom>
+          <a:ln>
+            <a:solidFill>
+              <a:schemeClr val="tx1"/>
+            </a:solidFill>
+            <a:tailEnd type="arrow"/>
+          </a:ln>
+        </p:spPr>
+        <p:style>
+          <a:lnRef idx="1">
+            <a:schemeClr val="accent1"/>
+          </a:lnRef>
+          <a:fillRef idx="0">
+            <a:schemeClr val="accent1"/>
+          </a:fillRef>
+          <a:effectRef idx="0">
+            <a:schemeClr val="accent1"/>
+          </a:effectRef>
+          <a:fontRef idx="minor">
+            <a:schemeClr val="tx1"/>
+          </a:fontRef>
+        </p:style>
+      </p:cxnSp>
+      <p:cxnSp>
+        <p:nvCxnSpPr>
+          <p:cNvPr id="20" name="直接连接符 19"/>
+          <p:cNvCxnSpPr/>
+          <p:nvPr/>
+        </p:nvCxnSpPr>
+        <p:spPr>
+          <a:xfrm flipH="1">
+            <a:off x="1475656" y="4149080"/>
+            <a:ext cx="3816424" cy="3672408"/>
+          </a:xfrm>
+          <a:prstGeom prst="line">
+            <a:avLst/>
+          </a:prstGeom>
+          <a:ln>
+            <a:solidFill>
+              <a:schemeClr val="tx1"/>
+            </a:solidFill>
+            <a:prstDash val="dash"/>
+          </a:ln>
+        </p:spPr>
+        <p:style>
+          <a:lnRef idx="1">
+            <a:schemeClr val="accent1"/>
+          </a:lnRef>
+          <a:fillRef idx="0">
+            <a:schemeClr val="accent1"/>
+          </a:fillRef>
+          <a:effectRef idx="0">
+            <a:schemeClr val="accent1"/>
+          </a:effectRef>
+          <a:fontRef idx="minor">
+            <a:schemeClr val="tx1"/>
+          </a:fontRef>
+        </p:style>
+      </p:cxnSp>
+      <p:cxnSp>
+        <p:nvCxnSpPr>
+          <p:cNvPr id="22" name="直接连接符 21"/>
+          <p:cNvCxnSpPr/>
+          <p:nvPr/>
+        </p:nvCxnSpPr>
+        <p:spPr>
+          <a:xfrm>
+            <a:off x="899592" y="5589240"/>
+            <a:ext cx="2952328" cy="0"/>
+          </a:xfrm>
+          <a:prstGeom prst="line">
+            <a:avLst/>
+          </a:prstGeom>
+          <a:ln>
+            <a:solidFill>
+              <a:schemeClr val="tx1"/>
+            </a:solidFill>
+            <a:prstDash val="dash"/>
+          </a:ln>
+        </p:spPr>
+        <p:style>
+          <a:lnRef idx="1">
+            <a:schemeClr val="accent1"/>
+          </a:lnRef>
+          <a:fillRef idx="0">
+            <a:schemeClr val="accent1"/>
+          </a:fillRef>
+          <a:effectRef idx="0">
+            <a:schemeClr val="accent1"/>
+          </a:effectRef>
+          <a:fontRef idx="minor">
+            <a:schemeClr val="tx1"/>
+          </a:fontRef>
+        </p:style>
+      </p:cxnSp>
+      <p:cxnSp>
+        <p:nvCxnSpPr>
+          <p:cNvPr id="24" name="直接连接符 23"/>
+          <p:cNvCxnSpPr/>
+          <p:nvPr/>
+        </p:nvCxnSpPr>
+        <p:spPr>
+          <a:xfrm>
+            <a:off x="3851920" y="3429000"/>
+            <a:ext cx="0" cy="2160240"/>
+          </a:xfrm>
+          <a:prstGeom prst="line">
+            <a:avLst/>
+          </a:prstGeom>
+          <a:ln>
+            <a:solidFill>
+              <a:schemeClr val="tx1"/>
+            </a:solidFill>
+            <a:prstDash val="dash"/>
+          </a:ln>
+        </p:spPr>
+        <p:style>
+          <a:lnRef idx="1">
+            <a:schemeClr val="accent1"/>
+          </a:lnRef>
+          <a:fillRef idx="0">
+            <a:schemeClr val="accent1"/>
+          </a:fillRef>
+          <a:effectRef idx="0">
+            <a:schemeClr val="accent1"/>
+          </a:effectRef>
+          <a:fontRef idx="minor">
+            <a:schemeClr val="tx1"/>
+          </a:fontRef>
+        </p:style>
+      </p:cxnSp>
+      <p:cxnSp>
+        <p:nvCxnSpPr>
+          <p:cNvPr id="26" name="直接连接符 25"/>
+          <p:cNvCxnSpPr/>
+          <p:nvPr/>
+        </p:nvCxnSpPr>
+        <p:spPr>
+          <a:xfrm>
+            <a:off x="899592" y="3429000"/>
+            <a:ext cx="2952328" cy="0"/>
+          </a:xfrm>
+          <a:prstGeom prst="line">
+            <a:avLst/>
+          </a:prstGeom>
+          <a:ln>
+            <a:solidFill>
+              <a:schemeClr val="tx1"/>
+            </a:solidFill>
+            <a:prstDash val="dash"/>
+          </a:ln>
+        </p:spPr>
+        <p:style>
+          <a:lnRef idx="1">
+            <a:schemeClr val="accent1"/>
+          </a:lnRef>
+          <a:fillRef idx="0">
+            <a:schemeClr val="accent1"/>
+          </a:fillRef>
+          <a:effectRef idx="0">
+            <a:schemeClr val="accent1"/>
+          </a:effectRef>
+          <a:fontRef idx="minor">
+            <a:schemeClr val="tx1"/>
+          </a:fontRef>
+        </p:style>
+      </p:cxnSp>
+      <p:cxnSp>
+        <p:nvCxnSpPr>
+          <p:cNvPr id="29" name="直接连接符 28"/>
+          <p:cNvCxnSpPr/>
+          <p:nvPr/>
+        </p:nvCxnSpPr>
+        <p:spPr>
+          <a:xfrm>
+            <a:off x="5291328" y="1996816"/>
+            <a:ext cx="0" cy="2160240"/>
+          </a:xfrm>
+          <a:prstGeom prst="line">
+            <a:avLst/>
+          </a:prstGeom>
+          <a:ln>
+            <a:solidFill>
+              <a:schemeClr val="tx1"/>
+            </a:solidFill>
+            <a:prstDash val="dash"/>
+          </a:ln>
+        </p:spPr>
+        <p:style>
+          <a:lnRef idx="1">
+            <a:schemeClr val="accent1"/>
+          </a:lnRef>
+          <a:fillRef idx="0">
+            <a:schemeClr val="accent1"/>
+          </a:fillRef>
+          <a:effectRef idx="0">
+            <a:schemeClr val="accent1"/>
+          </a:effectRef>
+          <a:fontRef idx="minor">
+            <a:schemeClr val="tx1"/>
+          </a:fontRef>
+        </p:style>
+      </p:cxnSp>
+      <p:cxnSp>
+        <p:nvCxnSpPr>
+          <p:cNvPr id="30" name="直接连接符 29"/>
+          <p:cNvCxnSpPr/>
+          <p:nvPr/>
+        </p:nvCxnSpPr>
+        <p:spPr>
+          <a:xfrm flipH="1">
+            <a:off x="3851168" y="1983104"/>
+            <a:ext cx="1440160" cy="1436172"/>
+          </a:xfrm>
+          <a:prstGeom prst="line">
+            <a:avLst/>
+          </a:prstGeom>
+          <a:ln>
+            <a:solidFill>
+              <a:schemeClr val="tx1"/>
+            </a:solidFill>
+            <a:prstDash val="dash"/>
+          </a:ln>
+        </p:spPr>
+        <p:style>
+          <a:lnRef idx="1">
+            <a:schemeClr val="accent1"/>
+          </a:lnRef>
+          <a:fillRef idx="0">
+            <a:schemeClr val="accent1"/>
+          </a:fillRef>
+          <a:effectRef idx="0">
+            <a:schemeClr val="accent1"/>
+          </a:effectRef>
+          <a:fontRef idx="minor">
+            <a:schemeClr val="tx1"/>
+          </a:fontRef>
+        </p:style>
+      </p:cxnSp>
+      <p:cxnSp>
+        <p:nvCxnSpPr>
+          <p:cNvPr id="31" name="直接连接符 30"/>
+          <p:cNvCxnSpPr/>
+          <p:nvPr/>
+        </p:nvCxnSpPr>
+        <p:spPr>
+          <a:xfrm>
+            <a:off x="880552" y="3419276"/>
+            <a:ext cx="0" cy="2160240"/>
+          </a:xfrm>
+          <a:prstGeom prst="line">
+            <a:avLst/>
+          </a:prstGeom>
+          <a:ln>
+            <a:solidFill>
+              <a:schemeClr val="tx1"/>
+            </a:solidFill>
+            <a:prstDash val="dash"/>
+          </a:ln>
+        </p:spPr>
+        <p:style>
+          <a:lnRef idx="1">
+            <a:schemeClr val="accent1"/>
+          </a:lnRef>
+          <a:fillRef idx="0">
+            <a:schemeClr val="accent1"/>
+          </a:fillRef>
+          <a:effectRef idx="0">
+            <a:schemeClr val="accent1"/>
+          </a:effectRef>
+          <a:fontRef idx="minor">
+            <a:schemeClr val="tx1"/>
+          </a:fontRef>
+        </p:style>
+      </p:cxnSp>
+      <p:cxnSp>
+        <p:nvCxnSpPr>
+          <p:cNvPr id="32" name="直接连接符 31"/>
+          <p:cNvCxnSpPr/>
+          <p:nvPr/>
+        </p:nvCxnSpPr>
+        <p:spPr>
+          <a:xfrm flipH="1">
+            <a:off x="875976" y="1983104"/>
+            <a:ext cx="1440160" cy="1436172"/>
+          </a:xfrm>
+          <a:prstGeom prst="line">
+            <a:avLst/>
+          </a:prstGeom>
+          <a:ln>
+            <a:solidFill>
+              <a:schemeClr val="tx1"/>
+            </a:solidFill>
+            <a:prstDash val="dash"/>
+          </a:ln>
+        </p:spPr>
+        <p:style>
+          <a:lnRef idx="1">
+            <a:schemeClr val="accent1"/>
+          </a:lnRef>
+          <a:fillRef idx="0">
+            <a:schemeClr val="accent1"/>
+          </a:fillRef>
+          <a:effectRef idx="0">
+            <a:schemeClr val="accent1"/>
+          </a:effectRef>
+          <a:fontRef idx="minor">
+            <a:schemeClr val="tx1"/>
+          </a:fontRef>
+        </p:style>
+      </p:cxnSp>
+      <p:cxnSp>
+        <p:nvCxnSpPr>
+          <p:cNvPr id="33" name="直接连接符 32"/>
+          <p:cNvCxnSpPr/>
+          <p:nvPr/>
+        </p:nvCxnSpPr>
+        <p:spPr>
+          <a:xfrm>
+            <a:off x="2339752" y="1973168"/>
+            <a:ext cx="2952328" cy="0"/>
+          </a:xfrm>
+          <a:prstGeom prst="line">
+            <a:avLst/>
+          </a:prstGeom>
+          <a:ln>
+            <a:solidFill>
+              <a:schemeClr val="tx1"/>
+            </a:solidFill>
+            <a:prstDash val="dash"/>
+          </a:ln>
+        </p:spPr>
+        <p:style>
+          <a:lnRef idx="1">
+            <a:schemeClr val="accent1"/>
+          </a:lnRef>
+          <a:fillRef idx="0">
+            <a:schemeClr val="accent1"/>
+          </a:fillRef>
+          <a:effectRef idx="0">
+            <a:schemeClr val="accent1"/>
+          </a:effectRef>
+          <a:fontRef idx="minor">
+            <a:schemeClr val="tx1"/>
+          </a:fontRef>
+        </p:style>
+      </p:cxnSp>
+      <p:sp>
+        <p:nvSpPr>
+          <p:cNvPr id="35" name="等腰三角形 34"/>
+          <p:cNvSpPr/>
+          <p:nvPr/>
+        </p:nvSpPr>
+        <p:spPr>
+          <a:xfrm>
+            <a:off x="3779912" y="3364399"/>
+            <a:ext cx="144016" cy="109753"/>
+          </a:xfrm>
+          <a:prstGeom prst="triangle">
+            <a:avLst/>
+          </a:prstGeom>
+          <a:solidFill>
+            <a:schemeClr val="tx1"/>
+          </a:solidFill>
+          <a:ln>
+            <a:solidFill>
+              <a:schemeClr val="tx1"/>
+            </a:solidFill>
+          </a:ln>
+        </p:spPr>
+        <p:style>
+          <a:lnRef idx="2">
+            <a:schemeClr val="accent1">
+              <a:shade val="50000"/>
+            </a:schemeClr>
+          </a:lnRef>
+          <a:fillRef idx="1">
+            <a:schemeClr val="accent1"/>
+          </a:fillRef>
+          <a:effectRef idx="0">
+            <a:schemeClr val="accent1"/>
+          </a:effectRef>
+          <a:fontRef idx="minor">
+            <a:schemeClr val="lt1"/>
+          </a:fontRef>
+        </p:style>
+        <p:txBody>
+          <a:bodyPr rtlCol="0" anchor="ctr"/>
+          <a:lstStyle/>
+          <a:p>
+            <a:pPr algn="ctr"/>
+            <a:endParaRPr lang="zh-CN" altLang="en-US"/>
+          </a:p>
+        </p:txBody>
+      </p:sp>
+      <p:sp>
+        <p:nvSpPr>
+          <p:cNvPr id="36" name="TextBox 35"/>
+          <p:cNvSpPr txBox="1"/>
+          <p:nvPr/>
+        </p:nvSpPr>
+        <p:spPr>
+          <a:xfrm>
+            <a:off x="3718252" y="3049942"/>
+            <a:ext cx="336952" cy="369332"/>
+          </a:xfrm>
+          <a:prstGeom prst="rect">
+            <a:avLst/>
+          </a:prstGeom>
+          <a:noFill/>
+        </p:spPr>
+        <p:txBody>
+          <a:bodyPr wrap="none" rtlCol="0">
+            <a:spAutoFit/>
+          </a:bodyPr>
+          <a:lstStyle/>
+          <a:p>
+            <a:r>
+              <a:rPr lang="en-US" altLang="zh-CN" dirty="0" smtClean="0"/>
+              <a:t>O</a:t>
+            </a:r>
+            <a:endParaRPr lang="zh-CN" altLang="en-US" dirty="0"/>
+          </a:p>
+        </p:txBody>
+      </p:sp>
+      <p:sp>
+        <p:nvSpPr>
+          <p:cNvPr id="37" name="TextBox 36"/>
+          <p:cNvSpPr txBox="1"/>
+          <p:nvPr/>
+        </p:nvSpPr>
+        <p:spPr>
+          <a:xfrm>
+            <a:off x="3135574" y="36756"/>
+            <a:ext cx="936104" cy="646331"/>
+          </a:xfrm>
+          <a:prstGeom prst="rect">
+            <a:avLst/>
+          </a:prstGeom>
+          <a:noFill/>
+        </p:spPr>
+        <p:txBody>
+          <a:bodyPr wrap="square" rtlCol="0">
+            <a:spAutoFit/>
+          </a:bodyPr>
+          <a:lstStyle/>
+          <a:p>
+            <a:r>
+              <a:rPr lang="zh-CN" altLang="en-US" dirty="0"/>
+              <a:t>投影</a:t>
+            </a:r>
+            <a:r>
+              <a:rPr lang="zh-CN" altLang="en-US" dirty="0" smtClean="0"/>
+              <a:t>仪 </a:t>
+            </a:r>
+            <a:r>
+              <a:rPr lang="en-US" altLang="zh-CN" dirty="0" smtClean="0"/>
+              <a:t>P</a:t>
+            </a:r>
+            <a:endParaRPr lang="zh-CN" altLang="en-US" dirty="0"/>
+          </a:p>
+        </p:txBody>
+      </p:sp>
+      <p:sp>
+        <p:nvSpPr>
+          <p:cNvPr id="38" name="TextBox 37"/>
+          <p:cNvSpPr txBox="1"/>
+          <p:nvPr/>
+        </p:nvSpPr>
+        <p:spPr>
+          <a:xfrm>
+            <a:off x="8284146" y="-2256"/>
+            <a:ext cx="936104" cy="646331"/>
+          </a:xfrm>
+          <a:prstGeom prst="rect">
+            <a:avLst/>
+          </a:prstGeom>
+          <a:noFill/>
+        </p:spPr>
+        <p:txBody>
+          <a:bodyPr wrap="square" rtlCol="0">
+            <a:spAutoFit/>
+          </a:bodyPr>
+          <a:lstStyle/>
+          <a:p>
+            <a:r>
+              <a:rPr lang="zh-CN" altLang="en-US" dirty="0" smtClean="0"/>
+              <a:t>相机</a:t>
+            </a:r>
+            <a:endParaRPr lang="en-US" altLang="zh-CN" dirty="0" smtClean="0"/>
+          </a:p>
+          <a:p>
+            <a:r>
+              <a:rPr lang="en-US" altLang="zh-CN" dirty="0"/>
+              <a:t>C</a:t>
+            </a:r>
+            <a:endParaRPr lang="zh-CN" altLang="en-US" dirty="0"/>
+          </a:p>
+        </p:txBody>
+      </p:sp>
+      <p:sp>
+        <p:nvSpPr>
+          <p:cNvPr id="39" name="等腰三角形 38"/>
+          <p:cNvSpPr/>
+          <p:nvPr/>
+        </p:nvSpPr>
+        <p:spPr>
+          <a:xfrm>
+            <a:off x="3135574" y="683087"/>
+            <a:ext cx="144016" cy="109753"/>
+          </a:xfrm>
+          <a:prstGeom prst="triangle">
+            <a:avLst/>
+          </a:prstGeom>
+          <a:solidFill>
+            <a:schemeClr val="tx1"/>
+          </a:solidFill>
+          <a:ln>
+            <a:solidFill>
+              <a:schemeClr val="tx1"/>
+            </a:solidFill>
+          </a:ln>
+        </p:spPr>
+        <p:style>
+          <a:lnRef idx="2">
+            <a:schemeClr val="accent1">
+              <a:shade val="50000"/>
+            </a:schemeClr>
+          </a:lnRef>
+          <a:fillRef idx="1">
+            <a:schemeClr val="accent1"/>
+          </a:fillRef>
+          <a:effectRef idx="0">
+            <a:schemeClr val="accent1"/>
+          </a:effectRef>
+          <a:fontRef idx="minor">
+            <a:schemeClr val="lt1"/>
+          </a:fontRef>
+        </p:style>
+        <p:txBody>
+          <a:bodyPr rtlCol="0" anchor="ctr"/>
+          <a:lstStyle/>
+          <a:p>
+            <a:pPr algn="ctr"/>
+            <a:endParaRPr lang="zh-CN" altLang="en-US"/>
+          </a:p>
+        </p:txBody>
+      </p:sp>
+      <p:sp>
+        <p:nvSpPr>
+          <p:cNvPr id="40" name="等腰三角形 39"/>
+          <p:cNvSpPr/>
+          <p:nvPr/>
+        </p:nvSpPr>
+        <p:spPr>
+          <a:xfrm>
+            <a:off x="8146266" y="683086"/>
+            <a:ext cx="144016" cy="109753"/>
+          </a:xfrm>
+          <a:prstGeom prst="triangle">
+            <a:avLst/>
+          </a:prstGeom>
+          <a:solidFill>
+            <a:schemeClr val="tx1"/>
+          </a:solidFill>
+          <a:ln>
+            <a:solidFill>
+              <a:schemeClr val="tx1"/>
+            </a:solidFill>
+          </a:ln>
+        </p:spPr>
+        <p:style>
+          <a:lnRef idx="2">
+            <a:schemeClr val="accent1">
+              <a:shade val="50000"/>
+            </a:schemeClr>
+          </a:lnRef>
+          <a:fillRef idx="1">
+            <a:schemeClr val="accent1"/>
+          </a:fillRef>
+          <a:effectRef idx="0">
+            <a:schemeClr val="accent1"/>
+          </a:effectRef>
+          <a:fontRef idx="minor">
+            <a:schemeClr val="lt1"/>
+          </a:fontRef>
+        </p:style>
+        <p:txBody>
+          <a:bodyPr rtlCol="0" anchor="ctr"/>
+          <a:lstStyle/>
+          <a:p>
+            <a:pPr algn="ctr"/>
+            <a:endParaRPr lang="zh-CN" altLang="en-US"/>
+          </a:p>
+        </p:txBody>
+      </p:sp>
+      <p:cxnSp>
+        <p:nvCxnSpPr>
+          <p:cNvPr id="45" name="直接连接符 44"/>
+          <p:cNvCxnSpPr>
+            <a:stCxn id="39" idx="3"/>
+          </p:cNvCxnSpPr>
+          <p:nvPr/>
+        </p:nvCxnSpPr>
+        <p:spPr>
+          <a:xfrm>
+            <a:off x="3207582" y="792840"/>
+            <a:ext cx="1688455" cy="7028648"/>
+          </a:xfrm>
+          <a:prstGeom prst="line">
+            <a:avLst/>
+          </a:prstGeom>
+          <a:ln>
+            <a:solidFill>
+              <a:schemeClr val="tx1"/>
+            </a:solidFill>
+            <a:prstDash val="dash"/>
+          </a:ln>
+        </p:spPr>
+        <p:style>
+          <a:lnRef idx="1">
+            <a:schemeClr val="accent1"/>
+          </a:lnRef>
+          <a:fillRef idx="0">
+            <a:schemeClr val="accent1"/>
+          </a:fillRef>
+          <a:effectRef idx="0">
+            <a:schemeClr val="accent1"/>
+          </a:effectRef>
+          <a:fontRef idx="minor">
+            <a:schemeClr val="tx1"/>
+          </a:fontRef>
+        </p:style>
+      </p:cxnSp>
+      <p:cxnSp>
+        <p:nvCxnSpPr>
+          <p:cNvPr id="48" name="直接连接符 47"/>
+          <p:cNvCxnSpPr>
+            <a:stCxn id="40" idx="2"/>
+          </p:cNvCxnSpPr>
+          <p:nvPr/>
+        </p:nvCxnSpPr>
+        <p:spPr>
+          <a:xfrm flipH="1">
+            <a:off x="-3204864" y="792839"/>
+            <a:ext cx="11351130" cy="7028649"/>
+          </a:xfrm>
+          <a:prstGeom prst="line">
+            <a:avLst/>
+          </a:prstGeom>
+          <a:ln>
+            <a:solidFill>
+              <a:schemeClr val="tx1"/>
+            </a:solidFill>
+            <a:prstDash val="dash"/>
+          </a:ln>
+        </p:spPr>
+        <p:style>
+          <a:lnRef idx="1">
+            <a:schemeClr val="accent1"/>
+          </a:lnRef>
+          <a:fillRef idx="0">
+            <a:schemeClr val="accent1"/>
+          </a:fillRef>
+          <a:effectRef idx="0">
+            <a:schemeClr val="accent1"/>
+          </a:effectRef>
+          <a:fontRef idx="minor">
+            <a:schemeClr val="tx1"/>
+          </a:fontRef>
+        </p:style>
+      </p:cxnSp>
+      <p:cxnSp>
+        <p:nvCxnSpPr>
+          <p:cNvPr id="54" name="直接连接符 53"/>
+          <p:cNvCxnSpPr/>
+          <p:nvPr/>
+        </p:nvCxnSpPr>
+        <p:spPr>
+          <a:xfrm flipH="1">
+            <a:off x="-3204864" y="7821488"/>
+            <a:ext cx="8100901" cy="0"/>
+          </a:xfrm>
+          <a:prstGeom prst="line">
+            <a:avLst/>
+          </a:prstGeom>
+          <a:ln>
+            <a:solidFill>
+              <a:schemeClr val="tx1"/>
+            </a:solidFill>
+            <a:prstDash val="dash"/>
+          </a:ln>
+        </p:spPr>
+        <p:style>
+          <a:lnRef idx="1">
+            <a:schemeClr val="accent1"/>
+          </a:lnRef>
+          <a:fillRef idx="0">
+            <a:schemeClr val="accent1"/>
+          </a:fillRef>
+          <a:effectRef idx="0">
+            <a:schemeClr val="accent1"/>
+          </a:effectRef>
+          <a:fontRef idx="minor">
+            <a:schemeClr val="tx1"/>
+          </a:fontRef>
+        </p:style>
+      </p:cxnSp>
+      <p:sp>
+        <p:nvSpPr>
+          <p:cNvPr id="57" name="TextBox 56"/>
+          <p:cNvSpPr txBox="1"/>
+          <p:nvPr/>
+        </p:nvSpPr>
+        <p:spPr>
+          <a:xfrm>
+            <a:off x="-3384884" y="7309806"/>
+            <a:ext cx="630070" cy="369332"/>
+          </a:xfrm>
+          <a:prstGeom prst="rect">
+            <a:avLst/>
+          </a:prstGeom>
+          <a:noFill/>
+        </p:spPr>
+        <p:txBody>
+          <a:bodyPr wrap="square" rtlCol="0">
+            <a:spAutoFit/>
+          </a:bodyPr>
+          <a:lstStyle/>
+          <a:p>
+            <a:r>
+              <a:rPr lang="en-US" altLang="zh-CN" dirty="0" smtClean="0"/>
+              <a:t>A</a:t>
+            </a:r>
+            <a:endParaRPr lang="zh-CN" altLang="en-US" dirty="0"/>
+          </a:p>
+        </p:txBody>
+      </p:sp>
+      <p:sp>
+        <p:nvSpPr>
+          <p:cNvPr id="58" name="TextBox 57"/>
+          <p:cNvSpPr txBox="1"/>
+          <p:nvPr/>
+        </p:nvSpPr>
+        <p:spPr>
+          <a:xfrm>
+            <a:off x="4896036" y="7452156"/>
+            <a:ext cx="630070" cy="369332"/>
+          </a:xfrm>
+          <a:prstGeom prst="rect">
+            <a:avLst/>
+          </a:prstGeom>
+          <a:noFill/>
+        </p:spPr>
+        <p:txBody>
+          <a:bodyPr wrap="square" rtlCol="0">
+            <a:spAutoFit/>
+          </a:bodyPr>
+          <a:lstStyle/>
+          <a:p>
+            <a:r>
+              <a:rPr lang="en-US" altLang="zh-CN" dirty="0"/>
+              <a:t>B</a:t>
+            </a:r>
+            <a:endParaRPr lang="zh-CN" altLang="en-US" dirty="0"/>
+          </a:p>
+        </p:txBody>
+      </p:sp>
+      <p:sp>
+        <p:nvSpPr>
+          <p:cNvPr id="59" name="TextBox 58"/>
+          <p:cNvSpPr txBox="1"/>
+          <p:nvPr/>
+        </p:nvSpPr>
+        <p:spPr>
+          <a:xfrm>
+            <a:off x="4072674" y="3474426"/>
+            <a:ext cx="2484276" cy="369332"/>
+          </a:xfrm>
+          <a:prstGeom prst="rect">
+            <a:avLst/>
+          </a:prstGeom>
+          <a:noFill/>
+        </p:spPr>
+        <p:txBody>
+          <a:bodyPr wrap="square" rtlCol="0">
+            <a:spAutoFit/>
+          </a:bodyPr>
+          <a:lstStyle/>
+          <a:p>
+            <a:r>
+              <a:rPr lang="zh-CN" altLang="en-US" dirty="0"/>
+              <a:t>待</a:t>
+            </a:r>
+            <a:r>
+              <a:rPr lang="zh-CN" altLang="en-US" dirty="0" smtClean="0"/>
+              <a:t>测</a:t>
+            </a:r>
+            <a:r>
+              <a:rPr lang="zh-CN" altLang="en-US" dirty="0"/>
+              <a:t>点</a:t>
+            </a:r>
+            <a:r>
+              <a:rPr lang="zh-CN" altLang="en-US" dirty="0" smtClean="0"/>
+              <a:t> </a:t>
+            </a:r>
+            <a:endParaRPr lang="zh-CN" altLang="en-US" dirty="0"/>
+          </a:p>
+        </p:txBody>
+      </p:sp>
+      <p:cxnSp>
+        <p:nvCxnSpPr>
+          <p:cNvPr id="67" name="直接连接符 66"/>
+          <p:cNvCxnSpPr/>
+          <p:nvPr/>
+        </p:nvCxnSpPr>
+        <p:spPr>
+          <a:xfrm>
+            <a:off x="5291328" y="792840"/>
+            <a:ext cx="0" cy="1203976"/>
+          </a:xfrm>
+          <a:prstGeom prst="line">
+            <a:avLst/>
+          </a:prstGeom>
+          <a:ln>
+            <a:solidFill>
+              <a:schemeClr val="tx1"/>
+            </a:solidFill>
+            <a:prstDash val="dash"/>
+          </a:ln>
+        </p:spPr>
+        <p:style>
+          <a:lnRef idx="1">
+            <a:schemeClr val="accent1"/>
+          </a:lnRef>
+          <a:fillRef idx="0">
+            <a:schemeClr val="accent1"/>
+          </a:fillRef>
+          <a:effectRef idx="0">
+            <a:schemeClr val="accent1"/>
+          </a:effectRef>
+          <a:fontRef idx="minor">
+            <a:schemeClr val="tx1"/>
+          </a:fontRef>
+        </p:style>
+      </p:cxnSp>
+      <p:cxnSp>
+        <p:nvCxnSpPr>
+          <p:cNvPr id="69" name="直接连接符 68"/>
+          <p:cNvCxnSpPr>
+            <a:stCxn id="39" idx="5"/>
+            <a:endCxn id="40" idx="5"/>
+          </p:cNvCxnSpPr>
+          <p:nvPr/>
+        </p:nvCxnSpPr>
+        <p:spPr>
+          <a:xfrm flipV="1">
+            <a:off x="3243586" y="737963"/>
+            <a:ext cx="5010692" cy="1"/>
+          </a:xfrm>
+          <a:prstGeom prst="line">
+            <a:avLst/>
+          </a:prstGeom>
+          <a:ln>
+            <a:solidFill>
+              <a:schemeClr val="tx1"/>
+            </a:solidFill>
+            <a:prstDash val="dash"/>
+          </a:ln>
+        </p:spPr>
+        <p:style>
+          <a:lnRef idx="1">
+            <a:schemeClr val="accent1"/>
+          </a:lnRef>
+          <a:fillRef idx="0">
+            <a:schemeClr val="accent1"/>
+          </a:fillRef>
+          <a:effectRef idx="0">
+            <a:schemeClr val="accent1"/>
+          </a:effectRef>
+          <a:fontRef idx="minor">
+            <a:schemeClr val="tx1"/>
+          </a:fontRef>
+        </p:style>
+      </p:cxnSp>
+      <p:cxnSp>
+        <p:nvCxnSpPr>
+          <p:cNvPr id="72" name="直接连接符 71"/>
+          <p:cNvCxnSpPr/>
+          <p:nvPr/>
+        </p:nvCxnSpPr>
+        <p:spPr>
+          <a:xfrm flipH="1">
+            <a:off x="1475656" y="737964"/>
+            <a:ext cx="3815672" cy="7083524"/>
+          </a:xfrm>
+          <a:prstGeom prst="line">
+            <a:avLst/>
+          </a:prstGeom>
+          <a:ln>
+            <a:solidFill>
+              <a:schemeClr val="tx1"/>
+            </a:solidFill>
+            <a:prstDash val="dash"/>
+          </a:ln>
+        </p:spPr>
+        <p:style>
+          <a:lnRef idx="1">
+            <a:schemeClr val="accent1"/>
+          </a:lnRef>
+          <a:fillRef idx="0">
+            <a:schemeClr val="accent1"/>
+          </a:fillRef>
+          <a:effectRef idx="0">
+            <a:schemeClr val="accent1"/>
+          </a:effectRef>
+          <a:fontRef idx="minor">
+            <a:schemeClr val="tx1"/>
+          </a:fontRef>
+        </p:style>
+      </p:cxnSp>
+      <p:sp>
+        <p:nvSpPr>
+          <p:cNvPr id="73" name="TextBox 72"/>
+          <p:cNvSpPr txBox="1"/>
+          <p:nvPr/>
+        </p:nvSpPr>
+        <p:spPr>
+          <a:xfrm>
+            <a:off x="5029423" y="224644"/>
+            <a:ext cx="406673" cy="369332"/>
+          </a:xfrm>
+          <a:prstGeom prst="rect">
+            <a:avLst/>
+          </a:prstGeom>
+          <a:noFill/>
+        </p:spPr>
+        <p:txBody>
+          <a:bodyPr wrap="square" rtlCol="0">
+            <a:spAutoFit/>
+          </a:bodyPr>
+          <a:lstStyle/>
+          <a:p>
+            <a:r>
+              <a:rPr lang="en-US" altLang="zh-CN" dirty="0" smtClean="0"/>
+              <a:t>M</a:t>
+            </a:r>
+            <a:endParaRPr lang="zh-CN" altLang="en-US" dirty="0"/>
+          </a:p>
+        </p:txBody>
+      </p:sp>
+      <p:sp>
+        <p:nvSpPr>
+          <p:cNvPr id="74" name="TextBox 73"/>
+          <p:cNvSpPr txBox="1"/>
+          <p:nvPr/>
+        </p:nvSpPr>
+        <p:spPr>
+          <a:xfrm>
+            <a:off x="1189383" y="7173416"/>
+            <a:ext cx="406673" cy="369332"/>
+          </a:xfrm>
+          <a:prstGeom prst="rect">
+            <a:avLst/>
+          </a:prstGeom>
+          <a:noFill/>
+        </p:spPr>
+        <p:txBody>
+          <a:bodyPr wrap="square" rtlCol="0">
+            <a:spAutoFit/>
+          </a:bodyPr>
+          <a:lstStyle/>
+          <a:p>
+            <a:r>
+              <a:rPr lang="en-US" altLang="zh-CN" dirty="0" smtClean="0"/>
+              <a:t>N</a:t>
+            </a:r>
+            <a:endParaRPr lang="zh-CN" altLang="en-US" dirty="0"/>
+          </a:p>
+        </p:txBody>
+      </p:sp>
+      <p:sp>
+        <p:nvSpPr>
+          <p:cNvPr id="85" name="TextBox 84"/>
+          <p:cNvSpPr txBox="1"/>
+          <p:nvPr/>
+        </p:nvSpPr>
+        <p:spPr>
+          <a:xfrm>
+            <a:off x="8463509" y="4240882"/>
+            <a:ext cx="406673" cy="369332"/>
+          </a:xfrm>
+          <a:prstGeom prst="rect">
+            <a:avLst/>
+          </a:prstGeom>
+          <a:noFill/>
+        </p:spPr>
+        <p:txBody>
+          <a:bodyPr wrap="square" rtlCol="0">
+            <a:spAutoFit/>
+          </a:bodyPr>
+          <a:lstStyle/>
+          <a:p>
+            <a:r>
+              <a:rPr lang="en-US" altLang="zh-CN" dirty="0" smtClean="0"/>
+              <a:t>X</a:t>
+            </a:r>
+            <a:endParaRPr lang="zh-CN" altLang="en-US" dirty="0"/>
+          </a:p>
+        </p:txBody>
+      </p:sp>
+      <p:sp>
+        <p:nvSpPr>
+          <p:cNvPr id="86" name="TextBox 85"/>
+          <p:cNvSpPr txBox="1"/>
+          <p:nvPr/>
+        </p:nvSpPr>
+        <p:spPr>
+          <a:xfrm>
+            <a:off x="35934" y="6155145"/>
+            <a:ext cx="406673" cy="369332"/>
+          </a:xfrm>
+          <a:prstGeom prst="rect">
+            <a:avLst/>
+          </a:prstGeom>
+          <a:noFill/>
+        </p:spPr>
+        <p:txBody>
+          <a:bodyPr wrap="square" rtlCol="0">
+            <a:spAutoFit/>
+          </a:bodyPr>
+          <a:lstStyle/>
+          <a:p>
+            <a:r>
+              <a:rPr lang="en-US" altLang="zh-CN" dirty="0" smtClean="0"/>
+              <a:t>Y</a:t>
+            </a:r>
+            <a:endParaRPr lang="zh-CN" altLang="en-US" dirty="0"/>
+          </a:p>
+        </p:txBody>
+      </p:sp>
+      <p:sp>
+        <p:nvSpPr>
+          <p:cNvPr id="87" name="TextBox 86"/>
+          <p:cNvSpPr txBox="1"/>
+          <p:nvPr/>
+        </p:nvSpPr>
+        <p:spPr>
+          <a:xfrm>
+            <a:off x="1835696" y="-28944"/>
+            <a:ext cx="406673" cy="369332"/>
+          </a:xfrm>
+          <a:prstGeom prst="rect">
+            <a:avLst/>
+          </a:prstGeom>
+          <a:noFill/>
+        </p:spPr>
+        <p:txBody>
+          <a:bodyPr wrap="square" rtlCol="0">
+            <a:spAutoFit/>
+          </a:bodyPr>
+          <a:lstStyle/>
+          <a:p>
+            <a:r>
+              <a:rPr lang="en-US" altLang="zh-CN" dirty="0"/>
+              <a:t>Z</a:t>
+            </a:r>
+            <a:endParaRPr lang="zh-CN" altLang="en-US" dirty="0"/>
+          </a:p>
+        </p:txBody>
+      </p:sp>
+      <p:sp>
+        <p:nvSpPr>
+          <p:cNvPr id="88" name="TextBox 87"/>
+          <p:cNvSpPr txBox="1"/>
+          <p:nvPr/>
+        </p:nvSpPr>
+        <p:spPr>
+          <a:xfrm>
+            <a:off x="3866919" y="5645320"/>
+            <a:ext cx="327334" cy="369332"/>
+          </a:xfrm>
+          <a:prstGeom prst="rect">
+            <a:avLst/>
+          </a:prstGeom>
+          <a:noFill/>
+        </p:spPr>
+        <p:txBody>
+          <a:bodyPr wrap="none" rtlCol="0">
+            <a:spAutoFit/>
+          </a:bodyPr>
+          <a:lstStyle/>
+          <a:p>
+            <a:r>
+              <a:rPr lang="en-US" altLang="zh-CN" dirty="0" smtClean="0"/>
+              <a:t>D</a:t>
+            </a:r>
+            <a:endParaRPr lang="zh-CN" altLang="en-US" dirty="0"/>
+          </a:p>
+        </p:txBody>
+      </p:sp>
+      <p:sp>
+        <p:nvSpPr>
+          <p:cNvPr id="89" name="TextBox 88"/>
+          <p:cNvSpPr txBox="1"/>
+          <p:nvPr/>
+        </p:nvSpPr>
+        <p:spPr>
+          <a:xfrm>
+            <a:off x="5322107" y="1788502"/>
+            <a:ext cx="296876" cy="369332"/>
+          </a:xfrm>
+          <a:prstGeom prst="rect">
+            <a:avLst/>
+          </a:prstGeom>
+          <a:noFill/>
+        </p:spPr>
+        <p:txBody>
+          <a:bodyPr wrap="none" rtlCol="0">
+            <a:spAutoFit/>
+          </a:bodyPr>
+          <a:lstStyle/>
+          <a:p>
+            <a:r>
+              <a:rPr lang="en-US" altLang="zh-CN" dirty="0"/>
+              <a:t>E</a:t>
+            </a:r>
+            <a:endParaRPr lang="zh-CN" altLang="en-US" dirty="0"/>
+          </a:p>
+        </p:txBody>
+      </p:sp>
+    </p:spTree>
+    <p:extLst>
+      <p:ext uri="{BB962C8B-B14F-4D97-AF65-F5344CB8AC3E}">
+        <p14:creationId xmlns:p14="http://schemas.microsoft.com/office/powerpoint/2010/main" val="2750637584"/>
+      </p:ext>
+    </p:extLst>
+  </p:cSld>
+  <p:clrMapOvr>
+    <a:masterClrMapping/>
+  </p:clrMapOvr>
+</p:sld>
+</file>
+
+<file path=ppt/slides/slide12.xml><?xml version="1.0" encoding="utf-8"?>
+<p:sld xmlns:a="http://schemas.openxmlformats.org/drawingml/2006/main" xmlns:r="http://schemas.openxmlformats.org/officeDocument/2006/relationships" xmlns:p="http://schemas.openxmlformats.org/presentationml/2006/main">
+  <p:cSld>
+    <p:spTree>
+      <p:nvGrpSpPr>
+        <p:cNvPr id="1" name=""/>
+        <p:cNvGrpSpPr/>
+        <p:nvPr/>
+      </p:nvGrpSpPr>
+      <p:grpSpPr>
+        <a:xfrm>
+          <a:off x="0" y="0"/>
+          <a:ext cx="0" cy="0"/>
+          <a:chOff x="0" y="0"/>
+          <a:chExt cx="0" cy="0"/>
+        </a:xfrm>
+      </p:grpSpPr>
+      <p:cxnSp>
+        <p:nvCxnSpPr>
+          <p:cNvPr id="20" name="直接箭头连接符 19"/>
+          <p:cNvCxnSpPr/>
+          <p:nvPr/>
+        </p:nvCxnSpPr>
+        <p:spPr>
+          <a:xfrm flipH="1">
+            <a:off x="1152483" y="6597352"/>
+            <a:ext cx="2699437" cy="0"/>
+          </a:xfrm>
+          <a:prstGeom prst="straightConnector1">
+            <a:avLst/>
+          </a:prstGeom>
+          <a:ln>
+            <a:solidFill>
+              <a:schemeClr val="tx1"/>
+            </a:solidFill>
+            <a:tailEnd type="arrow"/>
+          </a:ln>
+        </p:spPr>
+        <p:style>
+          <a:lnRef idx="1">
+            <a:schemeClr val="accent1"/>
+          </a:lnRef>
+          <a:fillRef idx="0">
+            <a:schemeClr val="accent1"/>
+          </a:fillRef>
+          <a:effectRef idx="0">
+            <a:schemeClr val="accent1"/>
+          </a:effectRef>
+          <a:fontRef idx="minor">
+            <a:schemeClr val="tx1"/>
+          </a:fontRef>
+        </p:style>
+      </p:cxnSp>
+      <p:cxnSp>
+        <p:nvCxnSpPr>
+          <p:cNvPr id="21" name="直接箭头连接符 20"/>
+          <p:cNvCxnSpPr/>
+          <p:nvPr/>
+        </p:nvCxnSpPr>
+        <p:spPr>
+          <a:xfrm>
+            <a:off x="4355976" y="6597352"/>
+            <a:ext cx="2412268" cy="0"/>
+          </a:xfrm>
+          <a:prstGeom prst="straightConnector1">
+            <a:avLst/>
+          </a:prstGeom>
+          <a:ln>
+            <a:solidFill>
+              <a:schemeClr val="tx1"/>
+            </a:solidFill>
+            <a:tailEnd type="arrow"/>
+          </a:ln>
+        </p:spPr>
+        <p:style>
+          <a:lnRef idx="1">
+            <a:schemeClr val="accent1"/>
+          </a:lnRef>
+          <a:fillRef idx="0">
+            <a:schemeClr val="accent1"/>
+          </a:fillRef>
+          <a:effectRef idx="0">
+            <a:schemeClr val="accent1"/>
+          </a:effectRef>
+          <a:fontRef idx="minor">
+            <a:schemeClr val="tx1"/>
+          </a:fontRef>
+        </p:style>
+      </p:cxnSp>
+      <p:sp>
+        <p:nvSpPr>
+          <p:cNvPr id="22" name="TextBox 21"/>
+          <p:cNvSpPr txBox="1"/>
+          <p:nvPr/>
+        </p:nvSpPr>
+        <p:spPr>
+          <a:xfrm>
+            <a:off x="3959932" y="6471575"/>
+            <a:ext cx="282450" cy="369332"/>
+          </a:xfrm>
+          <a:prstGeom prst="rect">
+            <a:avLst/>
+          </a:prstGeom>
+          <a:noFill/>
+        </p:spPr>
+        <p:txBody>
+          <a:bodyPr wrap="none" rtlCol="0">
+            <a:spAutoFit/>
+          </a:bodyPr>
+          <a:lstStyle/>
+          <a:p>
+            <a:r>
+              <a:rPr lang="en-US" altLang="zh-CN" dirty="0" smtClean="0"/>
+              <a:t>L</a:t>
+            </a:r>
+            <a:endParaRPr lang="zh-CN" altLang="en-US" dirty="0"/>
+          </a:p>
+        </p:txBody>
+      </p:sp>
+      <p:sp>
+        <p:nvSpPr>
+          <p:cNvPr id="24" name="等腰三角形 23"/>
+          <p:cNvSpPr/>
+          <p:nvPr/>
+        </p:nvSpPr>
+        <p:spPr>
+          <a:xfrm>
+            <a:off x="6030162" y="2420887"/>
+            <a:ext cx="144016" cy="109753"/>
+          </a:xfrm>
+          <a:prstGeom prst="triangle">
+            <a:avLst/>
+          </a:prstGeom>
+          <a:solidFill>
+            <a:schemeClr val="bg1"/>
+          </a:solidFill>
+          <a:ln>
+            <a:solidFill>
+              <a:schemeClr val="bg1"/>
+            </a:solidFill>
+          </a:ln>
+        </p:spPr>
+        <p:style>
+          <a:lnRef idx="2">
+            <a:schemeClr val="accent1">
+              <a:shade val="50000"/>
+            </a:schemeClr>
+          </a:lnRef>
+          <a:fillRef idx="1">
+            <a:schemeClr val="accent1"/>
+          </a:fillRef>
+          <a:effectRef idx="0">
+            <a:schemeClr val="accent1"/>
+          </a:effectRef>
+          <a:fontRef idx="minor">
+            <a:schemeClr val="lt1"/>
+          </a:fontRef>
+        </p:style>
+        <p:txBody>
+          <a:bodyPr rtlCol="0" anchor="ctr"/>
+          <a:lstStyle/>
+          <a:p>
+            <a:pPr algn="ctr"/>
+            <a:endParaRPr lang="zh-CN" altLang="en-US"/>
+          </a:p>
+        </p:txBody>
+      </p:sp>
+      <p:sp>
+        <p:nvSpPr>
+          <p:cNvPr id="26" name="TextBox 25"/>
+          <p:cNvSpPr txBox="1"/>
+          <p:nvPr/>
+        </p:nvSpPr>
+        <p:spPr>
+          <a:xfrm>
+            <a:off x="6012160" y="2047508"/>
+            <a:ext cx="309700" cy="369332"/>
+          </a:xfrm>
+          <a:prstGeom prst="rect">
+            <a:avLst/>
+          </a:prstGeom>
+          <a:noFill/>
+        </p:spPr>
+        <p:txBody>
+          <a:bodyPr wrap="none" rtlCol="0">
+            <a:spAutoFit/>
+          </a:bodyPr>
+          <a:lstStyle/>
+          <a:p>
+            <a:r>
+              <a:rPr lang="en-US" altLang="zh-CN" dirty="0" smtClean="0">
+                <a:solidFill>
+                  <a:schemeClr val="bg1"/>
+                </a:solidFill>
+              </a:rPr>
+              <a:t>B</a:t>
+            </a:r>
+            <a:endParaRPr lang="zh-CN" altLang="en-US" dirty="0">
+              <a:solidFill>
+                <a:schemeClr val="bg1"/>
+              </a:solidFill>
+            </a:endParaRPr>
+          </a:p>
+        </p:txBody>
+      </p:sp>
+      <p:cxnSp>
+        <p:nvCxnSpPr>
+          <p:cNvPr id="27" name="直接箭头连接符 26"/>
+          <p:cNvCxnSpPr/>
+          <p:nvPr/>
+        </p:nvCxnSpPr>
+        <p:spPr>
+          <a:xfrm>
+            <a:off x="251520" y="6456620"/>
+            <a:ext cx="8640960" cy="0"/>
+          </a:xfrm>
+          <a:prstGeom prst="straightConnector1">
+            <a:avLst/>
+          </a:prstGeom>
+          <a:ln>
+            <a:solidFill>
+              <a:schemeClr val="tx1"/>
+            </a:solidFill>
+            <a:tailEnd type="arrow"/>
+          </a:ln>
+        </p:spPr>
+        <p:style>
+          <a:lnRef idx="1">
+            <a:schemeClr val="accent1"/>
+          </a:lnRef>
+          <a:fillRef idx="0">
+            <a:schemeClr val="accent1"/>
+          </a:fillRef>
+          <a:effectRef idx="0">
+            <a:schemeClr val="accent1"/>
+          </a:effectRef>
+          <a:fontRef idx="minor">
+            <a:schemeClr val="tx1"/>
+          </a:fontRef>
+        </p:style>
+      </p:cxnSp>
+      <p:cxnSp>
+        <p:nvCxnSpPr>
+          <p:cNvPr id="28" name="直接箭头连接符 27"/>
+          <p:cNvCxnSpPr/>
+          <p:nvPr/>
+        </p:nvCxnSpPr>
+        <p:spPr>
+          <a:xfrm flipV="1">
+            <a:off x="251520" y="152636"/>
+            <a:ext cx="0" cy="6303984"/>
+          </a:xfrm>
+          <a:prstGeom prst="straightConnector1">
+            <a:avLst/>
+          </a:prstGeom>
+          <a:ln>
+            <a:solidFill>
+              <a:schemeClr val="tx1"/>
+            </a:solidFill>
+            <a:tailEnd type="arrow"/>
+          </a:ln>
+        </p:spPr>
+        <p:style>
+          <a:lnRef idx="1">
+            <a:schemeClr val="accent1"/>
+          </a:lnRef>
+          <a:fillRef idx="0">
+            <a:schemeClr val="accent1"/>
+          </a:fillRef>
+          <a:effectRef idx="0">
+            <a:schemeClr val="accent1"/>
+          </a:effectRef>
+          <a:fontRef idx="minor">
+            <a:schemeClr val="tx1"/>
+          </a:fontRef>
+        </p:style>
+      </p:cxnSp>
+      <p:sp>
+        <p:nvSpPr>
+          <p:cNvPr id="29" name="TextBox 28"/>
+          <p:cNvSpPr txBox="1"/>
+          <p:nvPr/>
+        </p:nvSpPr>
+        <p:spPr>
+          <a:xfrm>
+            <a:off x="8498660" y="6488668"/>
+            <a:ext cx="468052" cy="369332"/>
+          </a:xfrm>
+          <a:prstGeom prst="rect">
+            <a:avLst/>
+          </a:prstGeom>
+          <a:noFill/>
+        </p:spPr>
+        <p:txBody>
+          <a:bodyPr wrap="square" rtlCol="0">
+            <a:spAutoFit/>
+          </a:bodyPr>
+          <a:lstStyle/>
+          <a:p>
+            <a:r>
+              <a:rPr lang="en-US" altLang="zh-CN" dirty="0" smtClean="0"/>
+              <a:t>X</a:t>
+            </a:r>
+            <a:endParaRPr lang="zh-CN" altLang="en-US" dirty="0"/>
+          </a:p>
+        </p:txBody>
+      </p:sp>
+      <p:sp>
+        <p:nvSpPr>
+          <p:cNvPr id="30" name="TextBox 29"/>
+          <p:cNvSpPr txBox="1"/>
+          <p:nvPr/>
+        </p:nvSpPr>
+        <p:spPr>
+          <a:xfrm>
+            <a:off x="323528" y="204172"/>
+            <a:ext cx="468052" cy="369332"/>
+          </a:xfrm>
+          <a:prstGeom prst="rect">
+            <a:avLst/>
+          </a:prstGeom>
+          <a:noFill/>
+        </p:spPr>
+        <p:txBody>
+          <a:bodyPr wrap="square" rtlCol="0">
+            <a:spAutoFit/>
+          </a:bodyPr>
+          <a:lstStyle/>
+          <a:p>
+            <a:r>
+              <a:rPr lang="en-US" altLang="zh-CN" dirty="0"/>
+              <a:t>Z</a:t>
+            </a:r>
+            <a:endParaRPr lang="zh-CN" altLang="en-US" dirty="0"/>
+          </a:p>
+        </p:txBody>
+      </p:sp>
+      <p:cxnSp>
+        <p:nvCxnSpPr>
+          <p:cNvPr id="38" name="直接箭头连接符 37"/>
+          <p:cNvCxnSpPr/>
+          <p:nvPr/>
+        </p:nvCxnSpPr>
+        <p:spPr>
+          <a:xfrm>
+            <a:off x="971600" y="4437112"/>
+            <a:ext cx="0" cy="1764196"/>
+          </a:xfrm>
+          <a:prstGeom prst="straightConnector1">
+            <a:avLst/>
+          </a:prstGeom>
+          <a:ln>
+            <a:solidFill>
+              <a:schemeClr val="tx1"/>
+            </a:solidFill>
+            <a:tailEnd type="arrow"/>
+          </a:ln>
+        </p:spPr>
+        <p:style>
+          <a:lnRef idx="1">
+            <a:schemeClr val="accent1"/>
+          </a:lnRef>
+          <a:fillRef idx="0">
+            <a:schemeClr val="accent1"/>
+          </a:fillRef>
+          <a:effectRef idx="0">
+            <a:schemeClr val="accent1"/>
+          </a:effectRef>
+          <a:fontRef idx="minor">
+            <a:schemeClr val="tx1"/>
+          </a:fontRef>
+        </p:style>
+      </p:cxnSp>
+      <p:cxnSp>
+        <p:nvCxnSpPr>
+          <p:cNvPr id="40" name="直接箭头连接符 39"/>
+          <p:cNvCxnSpPr/>
+          <p:nvPr/>
+        </p:nvCxnSpPr>
+        <p:spPr>
+          <a:xfrm flipV="1">
+            <a:off x="971600" y="2008597"/>
+            <a:ext cx="0" cy="1672431"/>
+          </a:xfrm>
+          <a:prstGeom prst="straightConnector1">
+            <a:avLst/>
+          </a:prstGeom>
+          <a:ln>
+            <a:solidFill>
+              <a:schemeClr val="tx1"/>
+            </a:solidFill>
+            <a:tailEnd type="arrow"/>
+          </a:ln>
+        </p:spPr>
+        <p:style>
+          <a:lnRef idx="1">
+            <a:schemeClr val="accent1"/>
+          </a:lnRef>
+          <a:fillRef idx="0">
+            <a:schemeClr val="accent1"/>
+          </a:fillRef>
+          <a:effectRef idx="0">
+            <a:schemeClr val="accent1"/>
+          </a:effectRef>
+          <a:fontRef idx="minor">
+            <a:schemeClr val="tx1"/>
+          </a:fontRef>
+        </p:style>
+      </p:cxnSp>
+      <p:sp>
+        <p:nvSpPr>
+          <p:cNvPr id="41" name="矩形 40"/>
+          <p:cNvSpPr/>
+          <p:nvPr/>
+        </p:nvSpPr>
+        <p:spPr>
+          <a:xfrm>
+            <a:off x="1152483" y="6082198"/>
+            <a:ext cx="1026114" cy="238219"/>
+          </a:xfrm>
+          <a:prstGeom prst="rect">
+            <a:avLst/>
+          </a:prstGeom>
+          <a:solidFill>
+            <a:schemeClr val="tx1"/>
+          </a:solidFill>
+          <a:ln>
+            <a:solidFill>
+              <a:schemeClr val="tx1"/>
+            </a:solidFill>
+          </a:ln>
+        </p:spPr>
+        <p:style>
+          <a:lnRef idx="2">
+            <a:schemeClr val="accent1">
+              <a:shade val="50000"/>
+            </a:schemeClr>
+          </a:lnRef>
+          <a:fillRef idx="1">
+            <a:schemeClr val="accent1"/>
+          </a:fillRef>
+          <a:effectRef idx="0">
+            <a:schemeClr val="accent1"/>
+          </a:effectRef>
+          <a:fontRef idx="minor">
+            <a:schemeClr val="lt1"/>
+          </a:fontRef>
+        </p:style>
+        <p:txBody>
+          <a:bodyPr rtlCol="0" anchor="ctr"/>
+          <a:lstStyle/>
+          <a:p>
+            <a:pPr algn="ctr"/>
+            <a:r>
+              <a:rPr lang="en-US" altLang="zh-CN" dirty="0"/>
+              <a:t>m</a:t>
+            </a:r>
+            <a:r>
+              <a:rPr lang="zh-CN" altLang="en-US" dirty="0" smtClean="0"/>
+              <a:t>级</a:t>
+            </a:r>
+            <a:endParaRPr lang="zh-CN" altLang="en-US" dirty="0"/>
+          </a:p>
+        </p:txBody>
+      </p:sp>
+      <mc:AlternateContent xmlns:mc="http://schemas.openxmlformats.org/markup-compatibility/2006">
+        <mc:Choice xmlns:a14="http://schemas.microsoft.com/office/drawing/2010/main" Requires="a14">
+          <p:sp>
+            <p:nvSpPr>
+              <p:cNvPr id="42" name="TextBox 41"/>
+              <p:cNvSpPr txBox="1"/>
+              <p:nvPr/>
+            </p:nvSpPr>
+            <p:spPr>
+              <a:xfrm>
+                <a:off x="790717" y="3825044"/>
+                <a:ext cx="361766" cy="369332"/>
+              </a:xfrm>
+              <a:prstGeom prst="rect">
+                <a:avLst/>
+              </a:prstGeom>
+              <a:noFill/>
+            </p:spPr>
+            <p:txBody>
+              <a:bodyPr wrap="none" rtlCol="0">
+                <a:spAutoFit/>
+              </a:bodyPr>
+              <a:lstStyle/>
+              <a:p>
+                <a14:m>
+                  <m:oMathPara xmlns:m="http://schemas.openxmlformats.org/officeDocument/2006/math">
+                    <m:oMathParaPr>
+                      <m:jc m:val="centerGroup"/>
+                    </m:oMathParaPr>
+                    <m:oMath xmlns:m="http://schemas.openxmlformats.org/officeDocument/2006/math">
+                      <m:r>
+                        <a:rPr lang="zh-CN" altLang="en-US" i="1" smtClean="0">
+                          <a:latin typeface="Cambria Math"/>
+                        </a:rPr>
+                        <m:t>𝜆</m:t>
+                      </m:r>
+                    </m:oMath>
+                  </m:oMathPara>
+                </a14:m>
+                <a:endParaRPr lang="zh-CN" altLang="en-US" dirty="0"/>
+              </a:p>
+            </p:txBody>
+          </p:sp>
+        </mc:Choice>
+        <mc:Fallback>
+          <p:sp>
+            <p:nvSpPr>
+              <p:cNvPr id="42" name="TextBox 41"/>
+              <p:cNvSpPr txBox="1">
+                <a:spLocks noRot="1" noChangeAspect="1" noMove="1" noResize="1" noEditPoints="1" noAdjustHandles="1" noChangeArrowheads="1" noChangeShapeType="1" noTextEdit="1"/>
+              </p:cNvSpPr>
+              <p:nvPr/>
+            </p:nvSpPr>
+            <p:spPr>
+              <a:xfrm>
+                <a:off x="790717" y="3825044"/>
+                <a:ext cx="361766" cy="369332"/>
+              </a:xfrm>
+              <a:prstGeom prst="rect">
+                <a:avLst/>
+              </a:prstGeom>
+              <a:blipFill rotWithShape="1">
+                <a:blip r:embed="rId2"/>
+                <a:stretch>
+                  <a:fillRect/>
+                </a:stretch>
+              </a:blipFill>
+            </p:spPr>
+            <p:txBody>
+              <a:bodyPr/>
+              <a:lstStyle/>
+              <a:p>
+                <a:r>
+                  <a:rPr lang="zh-CN" altLang="en-US">
+                    <a:noFill/>
+                  </a:rPr>
+                  <a:t> </a:t>
+                </a:r>
+              </a:p>
+            </p:txBody>
+          </p:sp>
+        </mc:Fallback>
+      </mc:AlternateContent>
+      <p:sp>
+        <p:nvSpPr>
+          <p:cNvPr id="44" name="矩形 43"/>
+          <p:cNvSpPr/>
+          <p:nvPr/>
+        </p:nvSpPr>
+        <p:spPr>
+          <a:xfrm>
+            <a:off x="1152483" y="2008597"/>
+            <a:ext cx="1026114" cy="255312"/>
+          </a:xfrm>
+          <a:prstGeom prst="rect">
+            <a:avLst/>
+          </a:prstGeom>
+          <a:solidFill>
+            <a:schemeClr val="tx1"/>
+          </a:solidFill>
+          <a:ln>
+            <a:solidFill>
+              <a:schemeClr val="tx1"/>
+            </a:solidFill>
+          </a:ln>
+        </p:spPr>
+        <p:style>
+          <a:lnRef idx="2">
+            <a:schemeClr val="accent1">
+              <a:shade val="50000"/>
+            </a:schemeClr>
+          </a:lnRef>
+          <a:fillRef idx="1">
+            <a:schemeClr val="accent1"/>
+          </a:fillRef>
+          <a:effectRef idx="0">
+            <a:schemeClr val="accent1"/>
+          </a:effectRef>
+          <a:fontRef idx="minor">
+            <a:schemeClr val="lt1"/>
+          </a:fontRef>
+        </p:style>
+        <p:txBody>
+          <a:bodyPr rtlCol="0" anchor="ctr"/>
+          <a:lstStyle/>
+          <a:p>
+            <a:pPr algn="ctr"/>
+            <a:r>
+              <a:rPr lang="en-US" altLang="zh-CN" dirty="0" smtClean="0"/>
+              <a:t>(m-1)</a:t>
+            </a:r>
+            <a:r>
+              <a:rPr lang="zh-CN" altLang="en-US" dirty="0" smtClean="0"/>
+              <a:t>级</a:t>
+            </a:r>
+            <a:endParaRPr lang="zh-CN" altLang="en-US" dirty="0"/>
+          </a:p>
+        </p:txBody>
+      </p:sp>
+      <p:sp>
+        <p:nvSpPr>
+          <p:cNvPr id="46" name="矩形 45"/>
+          <p:cNvSpPr/>
+          <p:nvPr/>
+        </p:nvSpPr>
+        <p:spPr>
+          <a:xfrm>
+            <a:off x="6768244" y="1991547"/>
+            <a:ext cx="1026114" cy="238219"/>
+          </a:xfrm>
+          <a:prstGeom prst="rect">
+            <a:avLst/>
+          </a:prstGeom>
+          <a:solidFill>
+            <a:schemeClr val="tx1"/>
+          </a:solidFill>
+          <a:ln>
+            <a:solidFill>
+              <a:schemeClr val="tx1"/>
+            </a:solidFill>
+          </a:ln>
+        </p:spPr>
+        <p:style>
+          <a:lnRef idx="2">
+            <a:schemeClr val="accent1">
+              <a:shade val="50000"/>
+            </a:schemeClr>
+          </a:lnRef>
+          <a:fillRef idx="1">
+            <a:schemeClr val="accent1"/>
+          </a:fillRef>
+          <a:effectRef idx="0">
+            <a:schemeClr val="accent1"/>
+          </a:effectRef>
+          <a:fontRef idx="minor">
+            <a:schemeClr val="lt1"/>
+          </a:fontRef>
+        </p:style>
+        <p:txBody>
+          <a:bodyPr rtlCol="0" anchor="ctr"/>
+          <a:lstStyle/>
+          <a:p>
+            <a:pPr algn="ctr"/>
+            <a:r>
+              <a:rPr lang="en-US" altLang="zh-CN" dirty="0"/>
+              <a:t>m</a:t>
+            </a:r>
+            <a:r>
+              <a:rPr lang="zh-CN" altLang="en-US" dirty="0" smtClean="0"/>
+              <a:t>级</a:t>
+            </a:r>
+            <a:endParaRPr lang="zh-CN" altLang="en-US" dirty="0"/>
+          </a:p>
+        </p:txBody>
+      </p:sp>
+      <p:cxnSp>
+        <p:nvCxnSpPr>
+          <p:cNvPr id="48" name="直接连接符 47"/>
+          <p:cNvCxnSpPr>
+            <a:stCxn id="44" idx="3"/>
+            <a:endCxn id="46" idx="1"/>
+          </p:cNvCxnSpPr>
+          <p:nvPr/>
+        </p:nvCxnSpPr>
+        <p:spPr>
+          <a:xfrm flipV="1">
+            <a:off x="2178597" y="2110657"/>
+            <a:ext cx="4589647" cy="25596"/>
+          </a:xfrm>
+          <a:prstGeom prst="line">
+            <a:avLst/>
+          </a:prstGeom>
+        </p:spPr>
+        <p:style>
+          <a:lnRef idx="1">
+            <a:schemeClr val="accent1"/>
+          </a:lnRef>
+          <a:fillRef idx="0">
+            <a:schemeClr val="accent1"/>
+          </a:fillRef>
+          <a:effectRef idx="0">
+            <a:schemeClr val="accent1"/>
+          </a:effectRef>
+          <a:fontRef idx="minor">
+            <a:schemeClr val="tx1"/>
+          </a:fontRef>
+        </p:style>
+      </p:cxnSp>
+      <p:cxnSp>
+        <p:nvCxnSpPr>
+          <p:cNvPr id="50" name="直接连接符 49"/>
+          <p:cNvCxnSpPr>
+            <a:stCxn id="46" idx="1"/>
+            <a:endCxn id="41" idx="1"/>
+          </p:cNvCxnSpPr>
+          <p:nvPr/>
+        </p:nvCxnSpPr>
+        <p:spPr>
+          <a:xfrm flipH="1">
+            <a:off x="1152483" y="2110657"/>
+            <a:ext cx="5615761" cy="4090651"/>
+          </a:xfrm>
+          <a:prstGeom prst="line">
+            <a:avLst/>
+          </a:prstGeom>
+        </p:spPr>
+        <p:style>
+          <a:lnRef idx="1">
+            <a:schemeClr val="accent1"/>
+          </a:lnRef>
+          <a:fillRef idx="0">
+            <a:schemeClr val="accent1"/>
+          </a:fillRef>
+          <a:effectRef idx="0">
+            <a:schemeClr val="accent1"/>
+          </a:effectRef>
+          <a:fontRef idx="minor">
+            <a:schemeClr val="tx1"/>
+          </a:fontRef>
+        </p:style>
+      </p:cxnSp>
+      <p:cxnSp>
+        <p:nvCxnSpPr>
+          <p:cNvPr id="52" name="直接连接符 51"/>
+          <p:cNvCxnSpPr/>
+          <p:nvPr/>
+        </p:nvCxnSpPr>
+        <p:spPr>
+          <a:xfrm>
+            <a:off x="1152483" y="2285231"/>
+            <a:ext cx="0" cy="3818289"/>
+          </a:xfrm>
+          <a:prstGeom prst="line">
+            <a:avLst/>
+          </a:prstGeom>
+        </p:spPr>
+        <p:style>
+          <a:lnRef idx="1">
+            <a:schemeClr val="accent1"/>
+          </a:lnRef>
+          <a:fillRef idx="0">
+            <a:schemeClr val="accent1"/>
+          </a:fillRef>
+          <a:effectRef idx="0">
+            <a:schemeClr val="accent1"/>
+          </a:effectRef>
+          <a:fontRef idx="minor">
+            <a:schemeClr val="tx1"/>
+          </a:fontRef>
+        </p:style>
+      </p:cxnSp>
+    </p:spTree>
+    <p:extLst>
+      <p:ext uri="{BB962C8B-B14F-4D97-AF65-F5344CB8AC3E}">
+        <p14:creationId xmlns:p14="http://schemas.microsoft.com/office/powerpoint/2010/main" val="144747220"/>
       </p:ext>
     </p:extLst>
   </p:cSld>

--- a/Graphic & Tables.pptx
+++ b/Graphic & Tables.pptx
@@ -5,7 +5,7 @@
     <p:sldMasterId id="2147483648" r:id="rId1"/>
   </p:sldMasterIdLst>
   <p:notesMasterIdLst>
-    <p:notesMasterId r:id="rId14"/>
+    <p:notesMasterId r:id="rId15"/>
   </p:notesMasterIdLst>
   <p:sldIdLst>
     <p:sldId id="256" r:id="rId2"/>
@@ -19,7 +19,8 @@
     <p:sldId id="265" r:id="rId10"/>
     <p:sldId id="267" r:id="rId11"/>
     <p:sldId id="268" r:id="rId12"/>
-    <p:sldId id="269" r:id="rId13"/>
+    <p:sldId id="270" r:id="rId13"/>
+    <p:sldId id="271" r:id="rId14"/>
   </p:sldIdLst>
   <p:sldSz cx="9144000" cy="6858000" type="screen4x3"/>
   <p:notesSz cx="6858000" cy="9144000"/>
@@ -146,10 +147,25 @@
         <p14:section name="第三节 图" id="{2D1A3D76-EF03-4B8F-91A3-65EAC91E3C46}">
           <p14:sldIdLst>
             <p14:sldId id="268"/>
-            <p14:sldId id="269"/>
+            <p14:sldId id="270"/>
+            <p14:sldId id="271"/>
           </p14:sldIdLst>
         </p14:section>
       </p14:sectionLst>
+    </p:ext>
+    <p:ext uri="{EFAFB233-063F-42B5-8137-9DF3F51BA10A}">
+      <p15:sldGuideLst xmlns:p15="http://schemas.microsoft.com/office/powerpoint/2012/main">
+        <p15:guide id="1" orient="horz" pos="2160">
+          <p15:clr>
+            <a:srgbClr val="A4A3A4"/>
+          </p15:clr>
+        </p15:guide>
+        <p15:guide id="2" pos="2880">
+          <p15:clr>
+            <a:srgbClr val="A4A3A4"/>
+          </p15:clr>
+        </p15:guide>
+      </p15:sldGuideLst>
     </p:ext>
   </p:extLst>
 </p:presentation>
@@ -237,7 +253,7 @@
           <a:p>
             <a:fld id="{EDA7B775-790A-4D64-B62E-B7503A0D88A5}" type="datetimeFigureOut">
               <a:rPr lang="zh-CN" altLang="en-US" smtClean="0"/>
-              <a:t>2019/5/20</a:t>
+              <a:t>2019/5/20 Monday</a:t>
             </a:fld>
             <a:endParaRPr lang="zh-CN" altLang="en-US"/>
           </a:p>
@@ -301,38 +317,37 @@
           <a:p>
             <a:pPr lvl="0"/>
             <a:r>
-              <a:rPr lang="zh-CN" altLang="en-US" smtClean="0"/>
+              <a:rPr lang="zh-CN" altLang="en-US"/>
               <a:t>单击此处编辑母版文本样式</a:t>
             </a:r>
           </a:p>
           <a:p>
             <a:pPr lvl="1"/>
             <a:r>
-              <a:rPr lang="zh-CN" altLang="en-US" smtClean="0"/>
+              <a:rPr lang="zh-CN" altLang="en-US"/>
               <a:t>第二级</a:t>
             </a:r>
           </a:p>
           <a:p>
             <a:pPr lvl="2"/>
             <a:r>
-              <a:rPr lang="zh-CN" altLang="en-US" smtClean="0"/>
+              <a:rPr lang="zh-CN" altLang="en-US"/>
               <a:t>第三级</a:t>
             </a:r>
           </a:p>
           <a:p>
             <a:pPr lvl="3"/>
             <a:r>
-              <a:rPr lang="zh-CN" altLang="en-US" smtClean="0"/>
+              <a:rPr lang="zh-CN" altLang="en-US"/>
               <a:t>第四级</a:t>
             </a:r>
           </a:p>
           <a:p>
             <a:pPr lvl="4"/>
             <a:r>
-              <a:rPr lang="zh-CN" altLang="en-US" smtClean="0"/>
+              <a:rPr lang="zh-CN" altLang="en-US"/>
               <a:t>第五级</a:t>
             </a:r>
-            <a:endParaRPr lang="zh-CN" altLang="en-US"/>
           </a:p>
         </p:txBody>
       </p:sp>
@@ -543,10 +558,9 @@
           <a:lstStyle/>
           <a:p>
             <a:r>
-              <a:rPr lang="zh-CN" altLang="en-US" smtClean="0"/>
+              <a:rPr lang="zh-CN" altLang="en-US"/>
               <a:t>单击此处编辑母版标题样式</a:t>
             </a:r>
-            <a:endParaRPr lang="zh-CN" altLang="en-US"/>
           </a:p>
         </p:txBody>
       </p:sp>
@@ -662,10 +676,9 @@
           </a:lstStyle>
           <a:p>
             <a:r>
-              <a:rPr lang="zh-CN" altLang="en-US" smtClean="0"/>
+              <a:rPr lang="zh-CN" altLang="en-US"/>
               <a:t>单击此处编辑母版副标题样式</a:t>
             </a:r>
-            <a:endParaRPr lang="zh-CN" altLang="en-US"/>
           </a:p>
         </p:txBody>
       </p:sp>
@@ -686,7 +699,7 @@
           <a:p>
             <a:fld id="{794C1F84-8C4E-4FA9-B7BA-3801BE6D5074}" type="datetimeFigureOut">
               <a:rPr lang="zh-CN" altLang="en-US" smtClean="0"/>
-              <a:t>2019/5/20</a:t>
+              <a:t>2019/5/20 Monday</a:t>
             </a:fld>
             <a:endParaRPr lang="zh-CN" altLang="en-US"/>
           </a:p>
@@ -780,10 +793,9 @@
           <a:lstStyle/>
           <a:p>
             <a:r>
-              <a:rPr lang="zh-CN" altLang="en-US" smtClean="0"/>
+              <a:rPr lang="zh-CN" altLang="en-US"/>
               <a:t>单击此处编辑母版标题样式</a:t>
             </a:r>
-            <a:endParaRPr lang="zh-CN" altLang="en-US"/>
           </a:p>
         </p:txBody>
       </p:sp>
@@ -804,38 +816,37 @@
           <a:p>
             <a:pPr lvl="0"/>
             <a:r>
-              <a:rPr lang="zh-CN" altLang="en-US" smtClean="0"/>
+              <a:rPr lang="zh-CN" altLang="en-US"/>
               <a:t>单击此处编辑母版文本样式</a:t>
             </a:r>
           </a:p>
           <a:p>
             <a:pPr lvl="1"/>
             <a:r>
-              <a:rPr lang="zh-CN" altLang="en-US" smtClean="0"/>
+              <a:rPr lang="zh-CN" altLang="en-US"/>
               <a:t>第二级</a:t>
             </a:r>
           </a:p>
           <a:p>
             <a:pPr lvl="2"/>
             <a:r>
-              <a:rPr lang="zh-CN" altLang="en-US" smtClean="0"/>
+              <a:rPr lang="zh-CN" altLang="en-US"/>
               <a:t>第三级</a:t>
             </a:r>
           </a:p>
           <a:p>
             <a:pPr lvl="3"/>
             <a:r>
-              <a:rPr lang="zh-CN" altLang="en-US" smtClean="0"/>
+              <a:rPr lang="zh-CN" altLang="en-US"/>
               <a:t>第四级</a:t>
             </a:r>
           </a:p>
           <a:p>
             <a:pPr lvl="4"/>
             <a:r>
-              <a:rPr lang="zh-CN" altLang="en-US" smtClean="0"/>
+              <a:rPr lang="zh-CN" altLang="en-US"/>
               <a:t>第五级</a:t>
             </a:r>
-            <a:endParaRPr lang="zh-CN" altLang="en-US"/>
           </a:p>
         </p:txBody>
       </p:sp>
@@ -856,7 +867,7 @@
           <a:p>
             <a:fld id="{794C1F84-8C4E-4FA9-B7BA-3801BE6D5074}" type="datetimeFigureOut">
               <a:rPr lang="zh-CN" altLang="en-US" smtClean="0"/>
-              <a:t>2019/5/20</a:t>
+              <a:t>2019/5/20 Monday</a:t>
             </a:fld>
             <a:endParaRPr lang="zh-CN" altLang="en-US"/>
           </a:p>
@@ -955,10 +966,9 @@
           <a:lstStyle/>
           <a:p>
             <a:r>
-              <a:rPr lang="zh-CN" altLang="en-US" smtClean="0"/>
+              <a:rPr lang="zh-CN" altLang="en-US"/>
               <a:t>单击此处编辑母版标题样式</a:t>
             </a:r>
-            <a:endParaRPr lang="zh-CN" altLang="en-US"/>
           </a:p>
         </p:txBody>
       </p:sp>
@@ -984,38 +994,37 @@
           <a:p>
             <a:pPr lvl="0"/>
             <a:r>
-              <a:rPr lang="zh-CN" altLang="en-US" smtClean="0"/>
+              <a:rPr lang="zh-CN" altLang="en-US"/>
               <a:t>单击此处编辑母版文本样式</a:t>
             </a:r>
           </a:p>
           <a:p>
             <a:pPr lvl="1"/>
             <a:r>
-              <a:rPr lang="zh-CN" altLang="en-US" smtClean="0"/>
+              <a:rPr lang="zh-CN" altLang="en-US"/>
               <a:t>第二级</a:t>
             </a:r>
           </a:p>
           <a:p>
             <a:pPr lvl="2"/>
             <a:r>
-              <a:rPr lang="zh-CN" altLang="en-US" smtClean="0"/>
+              <a:rPr lang="zh-CN" altLang="en-US"/>
               <a:t>第三级</a:t>
             </a:r>
           </a:p>
           <a:p>
             <a:pPr lvl="3"/>
             <a:r>
-              <a:rPr lang="zh-CN" altLang="en-US" smtClean="0"/>
+              <a:rPr lang="zh-CN" altLang="en-US"/>
               <a:t>第四级</a:t>
             </a:r>
           </a:p>
           <a:p>
             <a:pPr lvl="4"/>
             <a:r>
-              <a:rPr lang="zh-CN" altLang="en-US" smtClean="0"/>
+              <a:rPr lang="zh-CN" altLang="en-US"/>
               <a:t>第五级</a:t>
             </a:r>
-            <a:endParaRPr lang="zh-CN" altLang="en-US"/>
           </a:p>
         </p:txBody>
       </p:sp>
@@ -1036,7 +1045,7 @@
           <a:p>
             <a:fld id="{794C1F84-8C4E-4FA9-B7BA-3801BE6D5074}" type="datetimeFigureOut">
               <a:rPr lang="zh-CN" altLang="en-US" smtClean="0"/>
-              <a:t>2019/5/20</a:t>
+              <a:t>2019/5/20 Monday</a:t>
             </a:fld>
             <a:endParaRPr lang="zh-CN" altLang="en-US"/>
           </a:p>
@@ -1130,10 +1139,9 @@
           <a:lstStyle/>
           <a:p>
             <a:r>
-              <a:rPr lang="zh-CN" altLang="en-US" smtClean="0"/>
+              <a:rPr lang="zh-CN" altLang="en-US"/>
               <a:t>单击此处编辑母版标题样式</a:t>
             </a:r>
-            <a:endParaRPr lang="zh-CN" altLang="en-US"/>
           </a:p>
         </p:txBody>
       </p:sp>
@@ -1154,38 +1162,37 @@
           <a:p>
             <a:pPr lvl="0"/>
             <a:r>
-              <a:rPr lang="zh-CN" altLang="en-US" smtClean="0"/>
+              <a:rPr lang="zh-CN" altLang="en-US"/>
               <a:t>单击此处编辑母版文本样式</a:t>
             </a:r>
           </a:p>
           <a:p>
             <a:pPr lvl="1"/>
             <a:r>
-              <a:rPr lang="zh-CN" altLang="en-US" smtClean="0"/>
+              <a:rPr lang="zh-CN" altLang="en-US"/>
               <a:t>第二级</a:t>
             </a:r>
           </a:p>
           <a:p>
             <a:pPr lvl="2"/>
             <a:r>
-              <a:rPr lang="zh-CN" altLang="en-US" smtClean="0"/>
+              <a:rPr lang="zh-CN" altLang="en-US"/>
               <a:t>第三级</a:t>
             </a:r>
           </a:p>
           <a:p>
             <a:pPr lvl="3"/>
             <a:r>
-              <a:rPr lang="zh-CN" altLang="en-US" smtClean="0"/>
+              <a:rPr lang="zh-CN" altLang="en-US"/>
               <a:t>第四级</a:t>
             </a:r>
           </a:p>
           <a:p>
             <a:pPr lvl="4"/>
             <a:r>
-              <a:rPr lang="zh-CN" altLang="en-US" smtClean="0"/>
+              <a:rPr lang="zh-CN" altLang="en-US"/>
               <a:t>第五级</a:t>
             </a:r>
-            <a:endParaRPr lang="zh-CN" altLang="en-US"/>
           </a:p>
         </p:txBody>
       </p:sp>
@@ -1206,7 +1213,7 @@
           <a:p>
             <a:fld id="{794C1F84-8C4E-4FA9-B7BA-3801BE6D5074}" type="datetimeFigureOut">
               <a:rPr lang="zh-CN" altLang="en-US" smtClean="0"/>
-              <a:t>2019/5/20</a:t>
+              <a:t>2019/5/20 Monday</a:t>
             </a:fld>
             <a:endParaRPr lang="zh-CN" altLang="en-US"/>
           </a:p>
@@ -1309,10 +1316,9 @@
           </a:lstStyle>
           <a:p>
             <a:r>
-              <a:rPr lang="zh-CN" altLang="en-US" smtClean="0"/>
+              <a:rPr lang="zh-CN" altLang="en-US"/>
               <a:t>单击此处编辑母版标题样式</a:t>
             </a:r>
-            <a:endParaRPr lang="zh-CN" altLang="en-US"/>
           </a:p>
         </p:txBody>
       </p:sp>
@@ -1429,7 +1435,7 @@
           <a:p>
             <a:pPr lvl="0"/>
             <a:r>
-              <a:rPr lang="zh-CN" altLang="en-US" smtClean="0"/>
+              <a:rPr lang="zh-CN" altLang="en-US"/>
               <a:t>单击此处编辑母版文本样式</a:t>
             </a:r>
           </a:p>
@@ -1452,7 +1458,7 @@
           <a:p>
             <a:fld id="{794C1F84-8C4E-4FA9-B7BA-3801BE6D5074}" type="datetimeFigureOut">
               <a:rPr lang="zh-CN" altLang="en-US" smtClean="0"/>
-              <a:t>2019/5/20</a:t>
+              <a:t>2019/5/20 Monday</a:t>
             </a:fld>
             <a:endParaRPr lang="zh-CN" altLang="en-US"/>
           </a:p>
@@ -1546,10 +1552,9 @@
           <a:lstStyle/>
           <a:p>
             <a:r>
-              <a:rPr lang="zh-CN" altLang="en-US" smtClean="0"/>
+              <a:rPr lang="zh-CN" altLang="en-US"/>
               <a:t>单击此处编辑母版标题样式</a:t>
             </a:r>
-            <a:endParaRPr lang="zh-CN" altLang="en-US"/>
           </a:p>
         </p:txBody>
       </p:sp>
@@ -1603,38 +1608,37 @@
           <a:p>
             <a:pPr lvl="0"/>
             <a:r>
-              <a:rPr lang="zh-CN" altLang="en-US" smtClean="0"/>
+              <a:rPr lang="zh-CN" altLang="en-US"/>
               <a:t>单击此处编辑母版文本样式</a:t>
             </a:r>
           </a:p>
           <a:p>
             <a:pPr lvl="1"/>
             <a:r>
-              <a:rPr lang="zh-CN" altLang="en-US" smtClean="0"/>
+              <a:rPr lang="zh-CN" altLang="en-US"/>
               <a:t>第二级</a:t>
             </a:r>
           </a:p>
           <a:p>
             <a:pPr lvl="2"/>
             <a:r>
-              <a:rPr lang="zh-CN" altLang="en-US" smtClean="0"/>
+              <a:rPr lang="zh-CN" altLang="en-US"/>
               <a:t>第三级</a:t>
             </a:r>
           </a:p>
           <a:p>
             <a:pPr lvl="3"/>
             <a:r>
-              <a:rPr lang="zh-CN" altLang="en-US" smtClean="0"/>
+              <a:rPr lang="zh-CN" altLang="en-US"/>
               <a:t>第四级</a:t>
             </a:r>
           </a:p>
           <a:p>
             <a:pPr lvl="4"/>
             <a:r>
-              <a:rPr lang="zh-CN" altLang="en-US" smtClean="0"/>
+              <a:rPr lang="zh-CN" altLang="en-US"/>
               <a:t>第五级</a:t>
             </a:r>
-            <a:endParaRPr lang="zh-CN" altLang="en-US"/>
           </a:p>
         </p:txBody>
       </p:sp>
@@ -1688,38 +1692,37 @@
           <a:p>
             <a:pPr lvl="0"/>
             <a:r>
-              <a:rPr lang="zh-CN" altLang="en-US" smtClean="0"/>
+              <a:rPr lang="zh-CN" altLang="en-US"/>
               <a:t>单击此处编辑母版文本样式</a:t>
             </a:r>
           </a:p>
           <a:p>
             <a:pPr lvl="1"/>
             <a:r>
-              <a:rPr lang="zh-CN" altLang="en-US" smtClean="0"/>
+              <a:rPr lang="zh-CN" altLang="en-US"/>
               <a:t>第二级</a:t>
             </a:r>
           </a:p>
           <a:p>
             <a:pPr lvl="2"/>
             <a:r>
-              <a:rPr lang="zh-CN" altLang="en-US" smtClean="0"/>
+              <a:rPr lang="zh-CN" altLang="en-US"/>
               <a:t>第三级</a:t>
             </a:r>
           </a:p>
           <a:p>
             <a:pPr lvl="3"/>
             <a:r>
-              <a:rPr lang="zh-CN" altLang="en-US" smtClean="0"/>
+              <a:rPr lang="zh-CN" altLang="en-US"/>
               <a:t>第四级</a:t>
             </a:r>
           </a:p>
           <a:p>
             <a:pPr lvl="4"/>
             <a:r>
-              <a:rPr lang="zh-CN" altLang="en-US" smtClean="0"/>
+              <a:rPr lang="zh-CN" altLang="en-US"/>
               <a:t>第五级</a:t>
             </a:r>
-            <a:endParaRPr lang="zh-CN" altLang="en-US"/>
           </a:p>
         </p:txBody>
       </p:sp>
@@ -1740,7 +1743,7 @@
           <a:p>
             <a:fld id="{794C1F84-8C4E-4FA9-B7BA-3801BE6D5074}" type="datetimeFigureOut">
               <a:rPr lang="zh-CN" altLang="en-US" smtClean="0"/>
-              <a:t>2019/5/20</a:t>
+              <a:t>2019/5/20 Monday</a:t>
             </a:fld>
             <a:endParaRPr lang="zh-CN" altLang="en-US"/>
           </a:p>
@@ -1838,10 +1841,9 @@
           </a:lstStyle>
           <a:p>
             <a:r>
-              <a:rPr lang="zh-CN" altLang="en-US" smtClean="0"/>
+              <a:rPr lang="zh-CN" altLang="en-US"/>
               <a:t>单击此处编辑母版标题样式</a:t>
             </a:r>
-            <a:endParaRPr lang="zh-CN" altLang="en-US"/>
           </a:p>
         </p:txBody>
       </p:sp>
@@ -1904,7 +1906,7 @@
           <a:p>
             <a:pPr lvl="0"/>
             <a:r>
-              <a:rPr lang="zh-CN" altLang="en-US" smtClean="0"/>
+              <a:rPr lang="zh-CN" altLang="en-US"/>
               <a:t>单击此处编辑母版文本样式</a:t>
             </a:r>
           </a:p>
@@ -1960,38 +1962,37 @@
           <a:p>
             <a:pPr lvl="0"/>
             <a:r>
-              <a:rPr lang="zh-CN" altLang="en-US" smtClean="0"/>
+              <a:rPr lang="zh-CN" altLang="en-US"/>
               <a:t>单击此处编辑母版文本样式</a:t>
             </a:r>
           </a:p>
           <a:p>
             <a:pPr lvl="1"/>
             <a:r>
-              <a:rPr lang="zh-CN" altLang="en-US" smtClean="0"/>
+              <a:rPr lang="zh-CN" altLang="en-US"/>
               <a:t>第二级</a:t>
             </a:r>
           </a:p>
           <a:p>
             <a:pPr lvl="2"/>
             <a:r>
-              <a:rPr lang="zh-CN" altLang="en-US" smtClean="0"/>
+              <a:rPr lang="zh-CN" altLang="en-US"/>
               <a:t>第三级</a:t>
             </a:r>
           </a:p>
           <a:p>
             <a:pPr lvl="3"/>
             <a:r>
-              <a:rPr lang="zh-CN" altLang="en-US" smtClean="0"/>
+              <a:rPr lang="zh-CN" altLang="en-US"/>
               <a:t>第四级</a:t>
             </a:r>
           </a:p>
           <a:p>
             <a:pPr lvl="4"/>
             <a:r>
-              <a:rPr lang="zh-CN" altLang="en-US" smtClean="0"/>
+              <a:rPr lang="zh-CN" altLang="en-US"/>
               <a:t>第五级</a:t>
             </a:r>
-            <a:endParaRPr lang="zh-CN" altLang="en-US"/>
           </a:p>
         </p:txBody>
       </p:sp>
@@ -2054,7 +2055,7 @@
           <a:p>
             <a:pPr lvl="0"/>
             <a:r>
-              <a:rPr lang="zh-CN" altLang="en-US" smtClean="0"/>
+              <a:rPr lang="zh-CN" altLang="en-US"/>
               <a:t>单击此处编辑母版文本样式</a:t>
             </a:r>
           </a:p>
@@ -2110,38 +2111,37 @@
           <a:p>
             <a:pPr lvl="0"/>
             <a:r>
-              <a:rPr lang="zh-CN" altLang="en-US" smtClean="0"/>
+              <a:rPr lang="zh-CN" altLang="en-US"/>
               <a:t>单击此处编辑母版文本样式</a:t>
             </a:r>
           </a:p>
           <a:p>
             <a:pPr lvl="1"/>
             <a:r>
-              <a:rPr lang="zh-CN" altLang="en-US" smtClean="0"/>
+              <a:rPr lang="zh-CN" altLang="en-US"/>
               <a:t>第二级</a:t>
             </a:r>
           </a:p>
           <a:p>
             <a:pPr lvl="2"/>
             <a:r>
-              <a:rPr lang="zh-CN" altLang="en-US" smtClean="0"/>
+              <a:rPr lang="zh-CN" altLang="en-US"/>
               <a:t>第三级</a:t>
             </a:r>
           </a:p>
           <a:p>
             <a:pPr lvl="3"/>
             <a:r>
-              <a:rPr lang="zh-CN" altLang="en-US" smtClean="0"/>
+              <a:rPr lang="zh-CN" altLang="en-US"/>
               <a:t>第四级</a:t>
             </a:r>
           </a:p>
           <a:p>
             <a:pPr lvl="4"/>
             <a:r>
-              <a:rPr lang="zh-CN" altLang="en-US" smtClean="0"/>
+              <a:rPr lang="zh-CN" altLang="en-US"/>
               <a:t>第五级</a:t>
             </a:r>
-            <a:endParaRPr lang="zh-CN" altLang="en-US"/>
           </a:p>
         </p:txBody>
       </p:sp>
@@ -2162,7 +2162,7 @@
           <a:p>
             <a:fld id="{794C1F84-8C4E-4FA9-B7BA-3801BE6D5074}" type="datetimeFigureOut">
               <a:rPr lang="zh-CN" altLang="en-US" smtClean="0"/>
-              <a:t>2019/5/20</a:t>
+              <a:t>2019/5/20 Monday</a:t>
             </a:fld>
             <a:endParaRPr lang="zh-CN" altLang="en-US"/>
           </a:p>
@@ -2256,10 +2256,9 @@
           <a:lstStyle/>
           <a:p>
             <a:r>
-              <a:rPr lang="zh-CN" altLang="en-US" smtClean="0"/>
+              <a:rPr lang="zh-CN" altLang="en-US"/>
               <a:t>单击此处编辑母版标题样式</a:t>
             </a:r>
-            <a:endParaRPr lang="zh-CN" altLang="en-US"/>
           </a:p>
         </p:txBody>
       </p:sp>
@@ -2280,7 +2279,7 @@
           <a:p>
             <a:fld id="{794C1F84-8C4E-4FA9-B7BA-3801BE6D5074}" type="datetimeFigureOut">
               <a:rPr lang="zh-CN" altLang="en-US" smtClean="0"/>
-              <a:t>2019/5/20</a:t>
+              <a:t>2019/5/20 Monday</a:t>
             </a:fld>
             <a:endParaRPr lang="zh-CN" altLang="en-US"/>
           </a:p>
@@ -2375,7 +2374,7 @@
           <a:p>
             <a:fld id="{794C1F84-8C4E-4FA9-B7BA-3801BE6D5074}" type="datetimeFigureOut">
               <a:rPr lang="zh-CN" altLang="en-US" smtClean="0"/>
-              <a:t>2019/5/20</a:t>
+              <a:t>2019/5/20 Monday</a:t>
             </a:fld>
             <a:endParaRPr lang="zh-CN" altLang="en-US"/>
           </a:p>
@@ -2478,10 +2477,9 @@
           </a:lstStyle>
           <a:p>
             <a:r>
-              <a:rPr lang="zh-CN" altLang="en-US" smtClean="0"/>
+              <a:rPr lang="zh-CN" altLang="en-US"/>
               <a:t>单击此处编辑母版标题样式</a:t>
             </a:r>
-            <a:endParaRPr lang="zh-CN" altLang="en-US"/>
           </a:p>
         </p:txBody>
       </p:sp>
@@ -2535,38 +2533,37 @@
           <a:p>
             <a:pPr lvl="0"/>
             <a:r>
-              <a:rPr lang="zh-CN" altLang="en-US" smtClean="0"/>
+              <a:rPr lang="zh-CN" altLang="en-US"/>
               <a:t>单击此处编辑母版文本样式</a:t>
             </a:r>
           </a:p>
           <a:p>
             <a:pPr lvl="1"/>
             <a:r>
-              <a:rPr lang="zh-CN" altLang="en-US" smtClean="0"/>
+              <a:rPr lang="zh-CN" altLang="en-US"/>
               <a:t>第二级</a:t>
             </a:r>
           </a:p>
           <a:p>
             <a:pPr lvl="2"/>
             <a:r>
-              <a:rPr lang="zh-CN" altLang="en-US" smtClean="0"/>
+              <a:rPr lang="zh-CN" altLang="en-US"/>
               <a:t>第三级</a:t>
             </a:r>
           </a:p>
           <a:p>
             <a:pPr lvl="3"/>
             <a:r>
-              <a:rPr lang="zh-CN" altLang="en-US" smtClean="0"/>
+              <a:rPr lang="zh-CN" altLang="en-US"/>
               <a:t>第四级</a:t>
             </a:r>
           </a:p>
           <a:p>
             <a:pPr lvl="4"/>
             <a:r>
-              <a:rPr lang="zh-CN" altLang="en-US" smtClean="0"/>
+              <a:rPr lang="zh-CN" altLang="en-US"/>
               <a:t>第五级</a:t>
             </a:r>
-            <a:endParaRPr lang="zh-CN" altLang="en-US"/>
           </a:p>
         </p:txBody>
       </p:sp>
@@ -2629,7 +2626,7 @@
           <a:p>
             <a:pPr lvl="0"/>
             <a:r>
-              <a:rPr lang="zh-CN" altLang="en-US" smtClean="0"/>
+              <a:rPr lang="zh-CN" altLang="en-US"/>
               <a:t>单击此处编辑母版文本样式</a:t>
             </a:r>
           </a:p>
@@ -2652,7 +2649,7 @@
           <a:p>
             <a:fld id="{794C1F84-8C4E-4FA9-B7BA-3801BE6D5074}" type="datetimeFigureOut">
               <a:rPr lang="zh-CN" altLang="en-US" smtClean="0"/>
-              <a:t>2019/5/20</a:t>
+              <a:t>2019/5/20 Monday</a:t>
             </a:fld>
             <a:endParaRPr lang="zh-CN" altLang="en-US"/>
           </a:p>
@@ -2755,10 +2752,9 @@
           </a:lstStyle>
           <a:p>
             <a:r>
-              <a:rPr lang="zh-CN" altLang="en-US" smtClean="0"/>
+              <a:rPr lang="zh-CN" altLang="en-US"/>
               <a:t>单击此处编辑母版标题样式</a:t>
             </a:r>
-            <a:endParaRPr lang="zh-CN" altLang="en-US"/>
           </a:p>
         </p:txBody>
       </p:sp>
@@ -2882,7 +2878,7 @@
           <a:p>
             <a:pPr lvl="0"/>
             <a:r>
-              <a:rPr lang="zh-CN" altLang="en-US" smtClean="0"/>
+              <a:rPr lang="zh-CN" altLang="en-US"/>
               <a:t>单击此处编辑母版文本样式</a:t>
             </a:r>
           </a:p>
@@ -2905,7 +2901,7 @@
           <a:p>
             <a:fld id="{794C1F84-8C4E-4FA9-B7BA-3801BE6D5074}" type="datetimeFigureOut">
               <a:rPr lang="zh-CN" altLang="en-US" smtClean="0"/>
-              <a:t>2019/5/20</a:t>
+              <a:t>2019/5/20 Monday</a:t>
             </a:fld>
             <a:endParaRPr lang="zh-CN" altLang="en-US"/>
           </a:p>
@@ -3014,10 +3010,9 @@
           <a:lstStyle/>
           <a:p>
             <a:r>
-              <a:rPr lang="zh-CN" altLang="en-US" smtClean="0"/>
+              <a:rPr lang="zh-CN" altLang="en-US"/>
               <a:t>单击此处编辑母版标题样式</a:t>
             </a:r>
-            <a:endParaRPr lang="zh-CN" altLang="en-US"/>
           </a:p>
         </p:txBody>
       </p:sp>
@@ -3048,38 +3043,37 @@
           <a:p>
             <a:pPr lvl="0"/>
             <a:r>
-              <a:rPr lang="zh-CN" altLang="en-US" smtClean="0"/>
+              <a:rPr lang="zh-CN" altLang="en-US"/>
               <a:t>单击此处编辑母版文本样式</a:t>
             </a:r>
           </a:p>
           <a:p>
             <a:pPr lvl="1"/>
             <a:r>
-              <a:rPr lang="zh-CN" altLang="en-US" smtClean="0"/>
+              <a:rPr lang="zh-CN" altLang="en-US"/>
               <a:t>第二级</a:t>
             </a:r>
           </a:p>
           <a:p>
             <a:pPr lvl="2"/>
             <a:r>
-              <a:rPr lang="zh-CN" altLang="en-US" smtClean="0"/>
+              <a:rPr lang="zh-CN" altLang="en-US"/>
               <a:t>第三级</a:t>
             </a:r>
           </a:p>
           <a:p>
             <a:pPr lvl="3"/>
             <a:r>
-              <a:rPr lang="zh-CN" altLang="en-US" smtClean="0"/>
+              <a:rPr lang="zh-CN" altLang="en-US"/>
               <a:t>第四级</a:t>
             </a:r>
           </a:p>
           <a:p>
             <a:pPr lvl="4"/>
             <a:r>
-              <a:rPr lang="zh-CN" altLang="en-US" smtClean="0"/>
+              <a:rPr lang="zh-CN" altLang="en-US"/>
               <a:t>第五级</a:t>
             </a:r>
-            <a:endParaRPr lang="zh-CN" altLang="en-US"/>
           </a:p>
         </p:txBody>
       </p:sp>
@@ -3118,7 +3112,7 @@
           <a:p>
             <a:fld id="{794C1F84-8C4E-4FA9-B7BA-3801BE6D5074}" type="datetimeFigureOut">
               <a:rPr lang="zh-CN" altLang="en-US" smtClean="0"/>
-              <a:t>2019/5/20</a:t>
+              <a:t>2019/5/20 Monday</a:t>
             </a:fld>
             <a:endParaRPr lang="zh-CN" altLang="en-US"/>
           </a:p>
@@ -3569,7 +3563,7 @@
               <a:tabLst/>
             </a:pPr>
             <a:r>
-              <a:rPr kumimoji="0" lang="zh-CN" altLang="zh-CN" sz="1000" b="0" i="0" u="none" strike="noStrike" cap="none" normalizeH="0" baseline="0" dirty="0" smtClean="0">
+              <a:rPr kumimoji="0" lang="zh-CN" altLang="zh-CN" sz="1000" b="0" i="0" u="none" strike="noStrike" cap="none" normalizeH="0" baseline="0" dirty="0">
                 <a:ln>
                   <a:noFill/>
                 </a:ln>
@@ -3584,7 +3578,7 @@
               <a:t>表 </a:t>
             </a:r>
             <a:r>
-              <a:rPr kumimoji="0" lang="en-US" altLang="zh-CN" sz="1000" b="0" i="0" u="none" strike="noStrike" cap="none" normalizeH="0" baseline="0" dirty="0" smtClean="0">
+              <a:rPr kumimoji="0" lang="en-US" altLang="zh-CN" sz="1000" b="0" i="0" u="none" strike="noStrike" cap="none" normalizeH="0" baseline="0" dirty="0">
                 <a:ln>
                   <a:noFill/>
                 </a:ln>
@@ -3599,7 +3593,7 @@
               <a:t>1</a:t>
             </a:r>
             <a:r>
-              <a:rPr kumimoji="0" lang="zh-CN" altLang="en-US" sz="1000" b="0" i="0" u="none" strike="noStrike" cap="none" normalizeH="0" baseline="0" dirty="0" smtClean="0">
+              <a:rPr kumimoji="0" lang="zh-CN" altLang="en-US" sz="1000" b="0" i="0" u="none" strike="noStrike" cap="none" normalizeH="0" baseline="0" dirty="0">
                 <a:ln>
                   <a:noFill/>
                 </a:ln>
@@ -3613,7 +3607,7 @@
               </a:rPr>
               <a:t>三维测量方法对比</a:t>
             </a:r>
-            <a:endParaRPr kumimoji="0" lang="zh-CN" altLang="en-US" sz="1800" b="0" i="0" u="none" strike="noStrike" cap="none" normalizeH="0" baseline="0" dirty="0" smtClean="0">
+            <a:endParaRPr kumimoji="0" lang="zh-CN" altLang="en-US" sz="1800" b="0" i="0" u="none" strike="noStrike" cap="none" normalizeH="0" baseline="0" dirty="0">
               <a:ln>
                 <a:noFill/>
               </a:ln>
@@ -3650,7 +3644,7 @@
           <a:graphicData uri="http://schemas.openxmlformats.org/presentationml/2006/ole">
             <mc:AlternateContent xmlns:mc="http://schemas.openxmlformats.org/markup-compatibility/2006">
               <mc:Choice xmlns:v="urn:schemas-microsoft-com:vml" Requires="v">
-                <p:oleObj spid="_x0000_s1058" name="文档" r:id="rId3" imgW="5594453" imgH="3640410" progId="Word.Document.12">
+                <p:oleObj spid="_x0000_s1060" name="文档" r:id="rId3" imgW="5594453" imgH="3640410" progId="Word.Document.12">
                   <p:embed/>
                 </p:oleObj>
               </mc:Choice>
@@ -3834,7 +3828,7 @@
           <a:lstStyle/>
           <a:p>
             <a:r>
-              <a:rPr lang="en-US" altLang="zh-CN" dirty="0" smtClean="0"/>
+              <a:rPr lang="en-US" altLang="zh-CN" dirty="0"/>
               <a:t>A</a:t>
             </a:r>
             <a:endParaRPr lang="zh-CN" altLang="en-US" dirty="0"/>
@@ -3867,7 +3861,7 @@
           <a:lstStyle/>
           <a:p>
             <a:r>
-              <a:rPr lang="en-US" altLang="zh-CN" dirty="0" smtClean="0"/>
+              <a:rPr lang="en-US" altLang="zh-CN" dirty="0"/>
               <a:t>B</a:t>
             </a:r>
             <a:endParaRPr lang="zh-CN" altLang="en-US" dirty="0"/>
@@ -3972,11 +3966,7 @@
               <a:p>
                 <a:r>
                   <a:rPr lang="zh-CN" altLang="en-US" dirty="0"/>
-                  <a:t>相</a:t>
-                </a:r>
-                <a:r>
-                  <a:rPr lang="zh-CN" altLang="en-US" dirty="0" smtClean="0"/>
-                  <a:t>位</a:t>
+                  <a:t>相位</a:t>
                 </a:r>
                 <a14:m>
                   <m:oMath xmlns:m="http://schemas.openxmlformats.org/officeDocument/2006/math">
@@ -4055,11 +4045,11 @@
           <a:lstStyle/>
           <a:p>
             <a:r>
-              <a:rPr lang="zh-CN" altLang="en-US" dirty="0" smtClean="0"/>
+              <a:rPr lang="zh-CN" altLang="en-US" dirty="0"/>
               <a:t>条文灰度</a:t>
             </a:r>
             <a:r>
-              <a:rPr lang="en-US" altLang="zh-CN" dirty="0" smtClean="0"/>
+              <a:rPr lang="en-US" altLang="zh-CN" dirty="0"/>
               <a:t>I</a:t>
             </a:r>
             <a:endParaRPr lang="zh-CN" altLang="en-US" dirty="0"/>
@@ -4788,7 +4778,7 @@
               <a:lstStyle/>
               <a:p>
                 <a:r>
-                  <a:rPr lang="en-US" altLang="zh-CN" b="0" dirty="0" smtClean="0"/>
+                  <a:rPr lang="en-US" altLang="zh-CN" b="0" dirty="0"/>
                   <a:t>m</a:t>
                 </a:r>
                 <a14:m>
@@ -5260,7 +5250,7 @@
                         <m:sSubPr>
                           <m:ctrlPr>
                             <a:rPr lang="en-US" altLang="zh-CN" i="1" smtClean="0">
-                              <a:latin typeface="Cambria Math"/>
+                              <a:latin typeface="Cambria Math" panose="02040503050406030204" pitchFamily="18" charset="0"/>
                             </a:rPr>
                           </m:ctrlPr>
                         </m:sSubPr>
@@ -5363,7 +5353,7 @@
                         <m:sSubPr>
                           <m:ctrlPr>
                             <a:rPr lang="en-US" altLang="zh-CN" i="1" smtClean="0">
-                              <a:latin typeface="Cambria Math"/>
+                              <a:latin typeface="Cambria Math" panose="02040503050406030204" pitchFamily="18" charset="0"/>
                             </a:rPr>
                           </m:ctrlPr>
                         </m:sSubPr>
@@ -5964,7 +5954,7 @@
           <a:lstStyle/>
           <a:p>
             <a:r>
-              <a:rPr lang="en-US" altLang="zh-CN" dirty="0" smtClean="0"/>
+              <a:rPr lang="en-US" altLang="zh-CN" dirty="0"/>
               <a:t>O</a:t>
             </a:r>
             <a:endParaRPr lang="zh-CN" altLang="en-US" dirty="0"/>
@@ -5995,14 +5985,10 @@
           <a:p>
             <a:r>
               <a:rPr lang="zh-CN" altLang="en-US" dirty="0"/>
-              <a:t>投影</a:t>
+              <a:t>投影仪 </a:t>
             </a:r>
             <a:r>
-              <a:rPr lang="zh-CN" altLang="en-US" dirty="0" smtClean="0"/>
-              <a:t>仪 </a:t>
-            </a:r>
-            <a:r>
-              <a:rPr lang="en-US" altLang="zh-CN" dirty="0" smtClean="0"/>
+              <a:rPr lang="en-US" altLang="zh-CN" dirty="0"/>
               <a:t>P</a:t>
             </a:r>
             <a:endParaRPr lang="zh-CN" altLang="en-US" dirty="0"/>
@@ -6032,10 +6018,10 @@
           <a:lstStyle/>
           <a:p>
             <a:r>
-              <a:rPr lang="zh-CN" altLang="en-US" dirty="0" smtClean="0"/>
+              <a:rPr lang="zh-CN" altLang="en-US" dirty="0"/>
               <a:t>相机</a:t>
             </a:r>
-            <a:endParaRPr lang="en-US" altLang="zh-CN" dirty="0" smtClean="0"/>
+            <a:endParaRPr lang="en-US" altLang="zh-CN" dirty="0"/>
           </a:p>
           <a:p>
             <a:r>
@@ -6277,7 +6263,7 @@
           <a:lstStyle/>
           <a:p>
             <a:r>
-              <a:rPr lang="en-US" altLang="zh-CN" dirty="0" smtClean="0"/>
+              <a:rPr lang="en-US" altLang="zh-CN" dirty="0"/>
               <a:t>A</a:t>
             </a:r>
             <a:endParaRPr lang="zh-CN" altLang="en-US" dirty="0"/>
@@ -6338,21 +6324,8 @@
           <a:p>
             <a:r>
               <a:rPr lang="zh-CN" altLang="en-US" dirty="0"/>
-              <a:t>待</a:t>
+              <a:t>待测点 </a:t>
             </a:r>
-            <a:r>
-              <a:rPr lang="zh-CN" altLang="en-US" dirty="0" smtClean="0"/>
-              <a:t>测</a:t>
-            </a:r>
-            <a:r>
-              <a:rPr lang="zh-CN" altLang="en-US" dirty="0"/>
-              <a:t>点</a:t>
-            </a:r>
-            <a:r>
-              <a:rPr lang="zh-CN" altLang="en-US" dirty="0" smtClean="0"/>
-              <a:t> </a:t>
-            </a:r>
-            <a:endParaRPr lang="zh-CN" altLang="en-US" dirty="0"/>
           </a:p>
         </p:txBody>
       </p:sp>
@@ -6490,7 +6463,7 @@
           <a:lstStyle/>
           <a:p>
             <a:r>
-              <a:rPr lang="en-US" altLang="zh-CN" dirty="0" smtClean="0"/>
+              <a:rPr lang="en-US" altLang="zh-CN" dirty="0"/>
               <a:t>M</a:t>
             </a:r>
             <a:endParaRPr lang="zh-CN" altLang="en-US" dirty="0"/>
@@ -6520,7 +6493,7 @@
           <a:lstStyle/>
           <a:p>
             <a:r>
-              <a:rPr lang="en-US" altLang="zh-CN" dirty="0" smtClean="0"/>
+              <a:rPr lang="en-US" altLang="zh-CN" dirty="0"/>
               <a:t>N</a:t>
             </a:r>
             <a:endParaRPr lang="zh-CN" altLang="en-US" dirty="0"/>
@@ -6550,7 +6523,7 @@
           <a:lstStyle/>
           <a:p>
             <a:r>
-              <a:rPr lang="en-US" altLang="zh-CN" dirty="0" smtClean="0"/>
+              <a:rPr lang="en-US" altLang="zh-CN" dirty="0"/>
               <a:t>X</a:t>
             </a:r>
             <a:endParaRPr lang="zh-CN" altLang="en-US" dirty="0"/>
@@ -6580,7 +6553,7 @@
           <a:lstStyle/>
           <a:p>
             <a:r>
-              <a:rPr lang="en-US" altLang="zh-CN" dirty="0" smtClean="0"/>
+              <a:rPr lang="en-US" altLang="zh-CN" dirty="0"/>
               <a:t>Y</a:t>
             </a:r>
             <a:endParaRPr lang="zh-CN" altLang="en-US" dirty="0"/>
@@ -6640,7 +6613,7 @@
           <a:lstStyle/>
           <a:p>
             <a:r>
-              <a:rPr lang="en-US" altLang="zh-CN" dirty="0" smtClean="0"/>
+              <a:rPr lang="en-US" altLang="zh-CN" dirty="0"/>
               <a:t>D</a:t>
             </a:r>
             <a:endParaRPr lang="zh-CN" altLang="en-US" dirty="0"/>
@@ -6709,14 +6682,14 @@
       </p:grpSpPr>
       <p:cxnSp>
         <p:nvCxnSpPr>
-          <p:cNvPr id="20" name="直接箭头连接符 19"/>
+          <p:cNvPr id="5" name="直接箭头连接符 4"/>
           <p:cNvCxnSpPr/>
           <p:nvPr/>
         </p:nvCxnSpPr>
         <p:spPr>
-          <a:xfrm flipH="1">
-            <a:off x="1152483" y="6597352"/>
-            <a:ext cx="2699437" cy="0"/>
+          <a:xfrm flipV="1">
+            <a:off x="251520" y="512676"/>
+            <a:ext cx="0" cy="5796644"/>
           </a:xfrm>
           <a:prstGeom prst="straightConnector1">
             <a:avLst/>
@@ -6745,14 +6718,14 @@
       </p:cxnSp>
       <p:cxnSp>
         <p:nvCxnSpPr>
-          <p:cNvPr id="21" name="直接箭头连接符 20"/>
+          <p:cNvPr id="6" name="直接箭头连接符 5"/>
           <p:cNvCxnSpPr/>
           <p:nvPr/>
         </p:nvCxnSpPr>
         <p:spPr>
           <a:xfrm>
-            <a:off x="4355976" y="6597352"/>
-            <a:ext cx="2412268" cy="0"/>
+            <a:off x="251520" y="6293937"/>
+            <a:ext cx="8640960" cy="0"/>
           </a:xfrm>
           <a:prstGeom prst="straightConnector1">
             <a:avLst/>
@@ -6781,232 +6754,14 @@
       </p:cxnSp>
       <p:sp>
         <p:nvSpPr>
-          <p:cNvPr id="22" name="TextBox 21"/>
+          <p:cNvPr id="11" name="TextBox 10"/>
           <p:cNvSpPr txBox="1"/>
           <p:nvPr/>
         </p:nvSpPr>
         <p:spPr>
           <a:xfrm>
-            <a:off x="3959932" y="6471575"/>
-            <a:ext cx="282450" cy="369332"/>
-          </a:xfrm>
-          <a:prstGeom prst="rect">
-            <a:avLst/>
-          </a:prstGeom>
-          <a:noFill/>
-        </p:spPr>
-        <p:txBody>
-          <a:bodyPr wrap="none" rtlCol="0">
-            <a:spAutoFit/>
-          </a:bodyPr>
-          <a:lstStyle/>
-          <a:p>
-            <a:r>
-              <a:rPr lang="en-US" altLang="zh-CN" dirty="0" smtClean="0"/>
-              <a:t>L</a:t>
-            </a:r>
-            <a:endParaRPr lang="zh-CN" altLang="en-US" dirty="0"/>
-          </a:p>
-        </p:txBody>
-      </p:sp>
-      <p:sp>
-        <p:nvSpPr>
-          <p:cNvPr id="24" name="等腰三角形 23"/>
-          <p:cNvSpPr/>
-          <p:nvPr/>
-        </p:nvSpPr>
-        <p:spPr>
-          <a:xfrm>
-            <a:off x="6030162" y="2420887"/>
-            <a:ext cx="144016" cy="109753"/>
-          </a:xfrm>
-          <a:prstGeom prst="triangle">
-            <a:avLst/>
-          </a:prstGeom>
-          <a:solidFill>
-            <a:schemeClr val="bg1"/>
-          </a:solidFill>
-          <a:ln>
-            <a:solidFill>
-              <a:schemeClr val="bg1"/>
-            </a:solidFill>
-          </a:ln>
-        </p:spPr>
-        <p:style>
-          <a:lnRef idx="2">
-            <a:schemeClr val="accent1">
-              <a:shade val="50000"/>
-            </a:schemeClr>
-          </a:lnRef>
-          <a:fillRef idx="1">
-            <a:schemeClr val="accent1"/>
-          </a:fillRef>
-          <a:effectRef idx="0">
-            <a:schemeClr val="accent1"/>
-          </a:effectRef>
-          <a:fontRef idx="minor">
-            <a:schemeClr val="lt1"/>
-          </a:fontRef>
-        </p:style>
-        <p:txBody>
-          <a:bodyPr rtlCol="0" anchor="ctr"/>
-          <a:lstStyle/>
-          <a:p>
-            <a:pPr algn="ctr"/>
-            <a:endParaRPr lang="zh-CN" altLang="en-US"/>
-          </a:p>
-        </p:txBody>
-      </p:sp>
-      <p:sp>
-        <p:nvSpPr>
-          <p:cNvPr id="26" name="TextBox 25"/>
-          <p:cNvSpPr txBox="1"/>
-          <p:nvPr/>
-        </p:nvSpPr>
-        <p:spPr>
-          <a:xfrm>
-            <a:off x="6012160" y="2047508"/>
-            <a:ext cx="309700" cy="369332"/>
-          </a:xfrm>
-          <a:prstGeom prst="rect">
-            <a:avLst/>
-          </a:prstGeom>
-          <a:noFill/>
-        </p:spPr>
-        <p:txBody>
-          <a:bodyPr wrap="none" rtlCol="0">
-            <a:spAutoFit/>
-          </a:bodyPr>
-          <a:lstStyle/>
-          <a:p>
-            <a:r>
-              <a:rPr lang="en-US" altLang="zh-CN" dirty="0" smtClean="0">
-                <a:solidFill>
-                  <a:schemeClr val="bg1"/>
-                </a:solidFill>
-              </a:rPr>
-              <a:t>B</a:t>
-            </a:r>
-            <a:endParaRPr lang="zh-CN" altLang="en-US" dirty="0">
-              <a:solidFill>
-                <a:schemeClr val="bg1"/>
-              </a:solidFill>
-            </a:endParaRPr>
-          </a:p>
-        </p:txBody>
-      </p:sp>
-      <p:cxnSp>
-        <p:nvCxnSpPr>
-          <p:cNvPr id="27" name="直接箭头连接符 26"/>
-          <p:cNvCxnSpPr/>
-          <p:nvPr/>
-        </p:nvCxnSpPr>
-        <p:spPr>
-          <a:xfrm>
-            <a:off x="251520" y="6456620"/>
-            <a:ext cx="8640960" cy="0"/>
-          </a:xfrm>
-          <a:prstGeom prst="straightConnector1">
-            <a:avLst/>
-          </a:prstGeom>
-          <a:ln>
-            <a:solidFill>
-              <a:schemeClr val="tx1"/>
-            </a:solidFill>
-            <a:tailEnd type="arrow"/>
-          </a:ln>
-        </p:spPr>
-        <p:style>
-          <a:lnRef idx="1">
-            <a:schemeClr val="accent1"/>
-          </a:lnRef>
-          <a:fillRef idx="0">
-            <a:schemeClr val="accent1"/>
-          </a:fillRef>
-          <a:effectRef idx="0">
-            <a:schemeClr val="accent1"/>
-          </a:effectRef>
-          <a:fontRef idx="minor">
-            <a:schemeClr val="tx1"/>
-          </a:fontRef>
-        </p:style>
-      </p:cxnSp>
-      <p:cxnSp>
-        <p:nvCxnSpPr>
-          <p:cNvPr id="28" name="直接箭头连接符 27"/>
-          <p:cNvCxnSpPr/>
-          <p:nvPr/>
-        </p:nvCxnSpPr>
-        <p:spPr>
-          <a:xfrm flipV="1">
-            <a:off x="251520" y="152636"/>
-            <a:ext cx="0" cy="6303984"/>
-          </a:xfrm>
-          <a:prstGeom prst="straightConnector1">
-            <a:avLst/>
-          </a:prstGeom>
-          <a:ln>
-            <a:solidFill>
-              <a:schemeClr val="tx1"/>
-            </a:solidFill>
-            <a:tailEnd type="arrow"/>
-          </a:ln>
-        </p:spPr>
-        <p:style>
-          <a:lnRef idx="1">
-            <a:schemeClr val="accent1"/>
-          </a:lnRef>
-          <a:fillRef idx="0">
-            <a:schemeClr val="accent1"/>
-          </a:fillRef>
-          <a:effectRef idx="0">
-            <a:schemeClr val="accent1"/>
-          </a:effectRef>
-          <a:fontRef idx="minor">
-            <a:schemeClr val="tx1"/>
-          </a:fontRef>
-        </p:style>
-      </p:cxnSp>
-      <p:sp>
-        <p:nvSpPr>
-          <p:cNvPr id="29" name="TextBox 28"/>
-          <p:cNvSpPr txBox="1"/>
-          <p:nvPr/>
-        </p:nvSpPr>
-        <p:spPr>
-          <a:xfrm>
-            <a:off x="8498660" y="6488668"/>
-            <a:ext cx="468052" cy="369332"/>
-          </a:xfrm>
-          <a:prstGeom prst="rect">
-            <a:avLst/>
-          </a:prstGeom>
-          <a:noFill/>
-        </p:spPr>
-        <p:txBody>
-          <a:bodyPr wrap="square" rtlCol="0">
-            <a:spAutoFit/>
-          </a:bodyPr>
-          <a:lstStyle/>
-          <a:p>
-            <a:r>
-              <a:rPr lang="en-US" altLang="zh-CN" dirty="0" smtClean="0"/>
-              <a:t>X</a:t>
-            </a:r>
-            <a:endParaRPr lang="zh-CN" altLang="en-US" dirty="0"/>
-          </a:p>
-        </p:txBody>
-      </p:sp>
-      <p:sp>
-        <p:nvSpPr>
-          <p:cNvPr id="30" name="TextBox 29"/>
-          <p:cNvSpPr txBox="1"/>
-          <p:nvPr/>
-        </p:nvSpPr>
-        <p:spPr>
-          <a:xfrm>
-            <a:off x="323528" y="204172"/>
-            <a:ext cx="468052" cy="369332"/>
+            <a:off x="0" y="656692"/>
+            <a:ext cx="252028" cy="369332"/>
           </a:xfrm>
           <a:prstGeom prst="rect">
             <a:avLst/>
@@ -7027,90 +6782,119 @@
           </a:p>
         </p:txBody>
       </p:sp>
-      <p:cxnSp>
-        <p:nvCxnSpPr>
-          <p:cNvPr id="38" name="直接箭头连接符 37"/>
-          <p:cNvCxnSpPr/>
-          <p:nvPr/>
-        </p:nvCxnSpPr>
-        <p:spPr>
-          <a:xfrm>
-            <a:off x="971600" y="4437112"/>
-            <a:ext cx="0" cy="1764196"/>
-          </a:xfrm>
-          <a:prstGeom prst="straightConnector1">
-            <a:avLst/>
-          </a:prstGeom>
-          <a:ln>
-            <a:solidFill>
-              <a:schemeClr val="tx1"/>
-            </a:solidFill>
-            <a:tailEnd type="arrow"/>
-          </a:ln>
-        </p:spPr>
-        <p:style>
-          <a:lnRef idx="1">
-            <a:schemeClr val="accent1"/>
-          </a:lnRef>
-          <a:fillRef idx="0">
-            <a:schemeClr val="accent1"/>
-          </a:fillRef>
-          <a:effectRef idx="0">
-            <a:schemeClr val="accent1"/>
-          </a:effectRef>
-          <a:fontRef idx="minor">
-            <a:schemeClr val="tx1"/>
-          </a:fontRef>
-        </p:style>
-      </p:cxnSp>
-      <p:cxnSp>
-        <p:nvCxnSpPr>
-          <p:cNvPr id="40" name="直接箭头连接符 39"/>
-          <p:cNvCxnSpPr/>
-          <p:nvPr/>
-        </p:nvCxnSpPr>
-        <p:spPr>
-          <a:xfrm flipV="1">
-            <a:off x="971600" y="2008597"/>
-            <a:ext cx="0" cy="1672431"/>
-          </a:xfrm>
-          <a:prstGeom prst="straightConnector1">
-            <a:avLst/>
-          </a:prstGeom>
-          <a:ln>
-            <a:solidFill>
-              <a:schemeClr val="tx1"/>
-            </a:solidFill>
-            <a:tailEnd type="arrow"/>
-          </a:ln>
-        </p:spPr>
-        <p:style>
-          <a:lnRef idx="1">
-            <a:schemeClr val="accent1"/>
-          </a:lnRef>
-          <a:fillRef idx="0">
-            <a:schemeClr val="accent1"/>
-          </a:fillRef>
-          <a:effectRef idx="0">
-            <a:schemeClr val="accent1"/>
-          </a:effectRef>
-          <a:fontRef idx="minor">
-            <a:schemeClr val="tx1"/>
-          </a:fontRef>
-        </p:style>
-      </p:cxnSp>
-      <p:sp>
-        <p:nvSpPr>
-          <p:cNvPr id="41" name="矩形 40"/>
+      <p:sp>
+        <p:nvSpPr>
+          <p:cNvPr id="13" name="TextBox 12"/>
+          <p:cNvSpPr txBox="1"/>
+          <p:nvPr/>
+        </p:nvSpPr>
+        <p:spPr>
+          <a:xfrm>
+            <a:off x="7992380" y="6381328"/>
+            <a:ext cx="468052" cy="369332"/>
+          </a:xfrm>
+          <a:prstGeom prst="rect">
+            <a:avLst/>
+          </a:prstGeom>
+          <a:noFill/>
+        </p:spPr>
+        <p:txBody>
+          <a:bodyPr wrap="square" rtlCol="0">
+            <a:spAutoFit/>
+          </a:bodyPr>
+          <a:lstStyle/>
+          <a:p>
+            <a:r>
+              <a:rPr lang="en-US" altLang="zh-CN" dirty="0"/>
+              <a:t>X</a:t>
+            </a:r>
+            <a:endParaRPr lang="zh-CN" altLang="en-US" dirty="0"/>
+          </a:p>
+        </p:txBody>
+      </p:sp>
+      <p:sp>
+        <p:nvSpPr>
+          <p:cNvPr id="15" name="TextBox 14"/>
+          <p:cNvSpPr txBox="1"/>
+          <p:nvPr/>
+        </p:nvSpPr>
+        <p:spPr>
+          <a:xfrm>
+            <a:off x="4175956" y="766445"/>
+            <a:ext cx="936104" cy="646331"/>
+          </a:xfrm>
+          <a:prstGeom prst="rect">
+            <a:avLst/>
+          </a:prstGeom>
+          <a:noFill/>
+        </p:spPr>
+        <p:txBody>
+          <a:bodyPr wrap="square" rtlCol="0">
+            <a:spAutoFit/>
+          </a:bodyPr>
+          <a:lstStyle/>
+          <a:p>
+            <a:r>
+              <a:rPr lang="zh-CN" altLang="en-US" dirty="0"/>
+              <a:t>投影仪 </a:t>
+            </a:r>
+            <a:r>
+              <a:rPr lang="en-US" altLang="zh-CN" dirty="0"/>
+              <a:t>P</a:t>
+            </a:r>
+            <a:endParaRPr lang="zh-CN" altLang="en-US" dirty="0"/>
+          </a:p>
+        </p:txBody>
+      </p:sp>
+      <p:sp>
+        <p:nvSpPr>
+          <p:cNvPr id="16" name="TextBox 15"/>
+          <p:cNvSpPr txBox="1"/>
+          <p:nvPr/>
+        </p:nvSpPr>
+        <p:spPr>
+          <a:xfrm>
+            <a:off x="6220938" y="780052"/>
+            <a:ext cx="936104" cy="646331"/>
+          </a:xfrm>
+          <a:prstGeom prst="rect">
+            <a:avLst/>
+          </a:prstGeom>
+          <a:noFill/>
+        </p:spPr>
+        <p:txBody>
+          <a:bodyPr wrap="square" rtlCol="0">
+            <a:spAutoFit/>
+          </a:bodyPr>
+          <a:lstStyle/>
+          <a:p>
+            <a:r>
+              <a:rPr lang="zh-CN" altLang="en-US" dirty="0"/>
+              <a:t>相机</a:t>
+            </a:r>
+            <a:endParaRPr lang="en-US" altLang="zh-CN" dirty="0"/>
+          </a:p>
+          <a:p>
+            <a:r>
+              <a:rPr lang="en-US" altLang="zh-CN" dirty="0"/>
+              <a:t>C</a:t>
+            </a:r>
+            <a:endParaRPr lang="zh-CN" altLang="en-US" dirty="0"/>
+          </a:p>
+        </p:txBody>
+      </p:sp>
+      <p:sp>
+        <p:nvSpPr>
+          <p:cNvPr id="17" name="等腰三角形 16"/>
           <p:cNvSpPr/>
           <p:nvPr/>
         </p:nvSpPr>
         <p:spPr>
           <a:xfrm>
-            <a:off x="1152483" y="6082198"/>
-            <a:ext cx="1026114" cy="238219"/>
-          </a:xfrm>
-          <a:prstGeom prst="rect">
+            <a:off x="4175956" y="1412776"/>
+            <a:ext cx="144016" cy="109753"/>
+          </a:xfrm>
+          <a:prstGeom prst="triangle">
             <a:avLst/>
           </a:prstGeom>
           <a:solidFill>
@@ -7143,30 +6927,70 @@
           <a:lstStyle/>
           <a:p>
             <a:pPr algn="ctr"/>
-            <a:r>
-              <a:rPr lang="en-US" altLang="zh-CN" dirty="0"/>
-              <a:t>m</a:t>
-            </a:r>
-            <a:r>
-              <a:rPr lang="zh-CN" altLang="en-US" dirty="0" smtClean="0"/>
-              <a:t>级</a:t>
-            </a:r>
-            <a:endParaRPr lang="zh-CN" altLang="en-US" dirty="0"/>
-          </a:p>
-        </p:txBody>
-      </p:sp>
-      <mc:AlternateContent xmlns:mc="http://schemas.openxmlformats.org/markup-compatibility/2006">
-        <mc:Choice xmlns:a14="http://schemas.microsoft.com/office/drawing/2010/main" Requires="a14">
+            <a:endParaRPr lang="zh-CN" altLang="en-US"/>
+          </a:p>
+        </p:txBody>
+      </p:sp>
+      <p:sp>
+        <p:nvSpPr>
+          <p:cNvPr id="18" name="等腰三角形 17"/>
+          <p:cNvSpPr/>
+          <p:nvPr/>
+        </p:nvSpPr>
+        <p:spPr>
+          <a:xfrm rot="2092974">
+            <a:off x="6239384" y="1371507"/>
+            <a:ext cx="144016" cy="109753"/>
+          </a:xfrm>
+          <a:prstGeom prst="triangle">
+            <a:avLst/>
+          </a:prstGeom>
+          <a:solidFill>
+            <a:schemeClr val="tx1"/>
+          </a:solidFill>
+          <a:ln>
+            <a:solidFill>
+              <a:schemeClr val="tx1"/>
+            </a:solidFill>
+          </a:ln>
+        </p:spPr>
+        <p:style>
+          <a:lnRef idx="2">
+            <a:schemeClr val="accent1">
+              <a:shade val="50000"/>
+            </a:schemeClr>
+          </a:lnRef>
+          <a:fillRef idx="1">
+            <a:schemeClr val="accent1"/>
+          </a:fillRef>
+          <a:effectRef idx="0">
+            <a:schemeClr val="accent1"/>
+          </a:effectRef>
+          <a:fontRef idx="minor">
+            <a:schemeClr val="lt1"/>
+          </a:fontRef>
+        </p:style>
+        <p:txBody>
+          <a:bodyPr rtlCol="0" anchor="ctr"/>
+          <a:lstStyle/>
+          <a:p>
+            <a:pPr algn="ctr"/>
+            <a:endParaRPr lang="zh-CN" altLang="en-US"/>
+          </a:p>
+        </p:txBody>
+      </p:sp>
+      <mc:AlternateContent xmlns:mc="http://schemas.openxmlformats.org/markup-compatibility/2006" xmlns:a14="http://schemas.microsoft.com/office/drawing/2010/main">
+        <mc:Choice Requires="a14">
           <p:sp>
             <p:nvSpPr>
-              <p:cNvPr id="42" name="TextBox 41"/>
+              <p:cNvPr id="78" name="TextBox 77"/>
               <p:cNvSpPr txBox="1"/>
               <p:nvPr/>
             </p:nvSpPr>
             <p:spPr>
               <a:xfrm>
-                <a:off x="790717" y="3825044"/>
-                <a:ext cx="361766" cy="369332"/>
+                <a:off x="30691" y="6084687"/>
+                <a:ext cx="466794" cy="369332"/>
               </a:xfrm>
               <a:prstGeom prst="rect">
                 <a:avLst/>
@@ -7179,6 +7003,7 @@
               </a:bodyPr>
               <a:lstStyle/>
               <a:p>
+                <a:pPr/>
                 <a14:m>
                   <m:oMathPara xmlns:m="http://schemas.openxmlformats.org/officeDocument/2006/math">
                     <m:oMathParaPr>
@@ -7189,7 +7014,7 @@
                         <a:rPr lang="zh-CN" altLang="en-US" i="1" smtClean="0">
                           <a:latin typeface="Cambria Math"/>
                         </a:rPr>
-                        <m:t>𝜆</m:t>
+                        <m:t>⊙</m:t>
                       </m:r>
                     </m:oMath>
                   </m:oMathPara>
@@ -7199,10 +7024,10 @@
             </p:txBody>
           </p:sp>
         </mc:Choice>
-        <mc:Fallback>
+        <mc:Fallback xmlns="">
           <p:sp>
             <p:nvSpPr>
-              <p:cNvPr id="42" name="TextBox 41"/>
+              <p:cNvPr id="78" name="TextBox 77"/>
               <p:cNvSpPr txBox="1">
                 <a:spLocks noRot="1" noChangeAspect="1" noMove="1" noResize="1" noEditPoints="1" noAdjustHandles="1" noChangeArrowheads="1" noChangeShapeType="1" noTextEdit="1"/>
               </p:cNvSpPr>
@@ -7210,8 +7035,8 @@
             </p:nvSpPr>
             <p:spPr>
               <a:xfrm>
-                <a:off x="790717" y="3825044"/>
-                <a:ext cx="361766" cy="369332"/>
+                <a:off x="30691" y="6084687"/>
+                <a:ext cx="466794" cy="369332"/>
               </a:xfrm>
               <a:prstGeom prst="rect">
                 <a:avLst/>
@@ -7219,7 +7044,7 @@
               <a:blipFill rotWithShape="1">
                 <a:blip r:embed="rId2"/>
                 <a:stretch>
-                  <a:fillRect/>
+                  <a:fillRect b="-4918"/>
                 </a:stretch>
               </a:blipFill>
             </p:spPr>
@@ -7240,133 +7065,702 @@
       </mc:AlternateContent>
       <p:sp>
         <p:nvSpPr>
-          <p:cNvPr id="44" name="矩形 43"/>
-          <p:cNvSpPr/>
-          <p:nvPr/>
-        </p:nvSpPr>
-        <p:spPr>
-          <a:xfrm>
-            <a:off x="1152483" y="2008597"/>
-            <a:ext cx="1026114" cy="255312"/>
+          <p:cNvPr id="79" name="TextBox 78"/>
+          <p:cNvSpPr txBox="1"/>
+          <p:nvPr/>
+        </p:nvSpPr>
+        <p:spPr>
+          <a:xfrm>
+            <a:off x="203789" y="6415798"/>
+            <a:ext cx="347472" cy="369332"/>
           </a:xfrm>
           <a:prstGeom prst="rect">
             <a:avLst/>
           </a:prstGeom>
-          <a:solidFill>
-            <a:schemeClr val="tx1"/>
-          </a:solidFill>
-          <a:ln>
-            <a:solidFill>
-              <a:schemeClr val="tx1"/>
-            </a:solidFill>
-          </a:ln>
-        </p:spPr>
-        <p:style>
-          <a:lnRef idx="2">
-            <a:schemeClr val="accent1">
-              <a:shade val="50000"/>
-            </a:schemeClr>
-          </a:lnRef>
-          <a:fillRef idx="1">
-            <a:schemeClr val="accent1"/>
-          </a:fillRef>
-          <a:effectRef idx="0">
-            <a:schemeClr val="accent1"/>
-          </a:effectRef>
-          <a:fontRef idx="minor">
-            <a:schemeClr val="lt1"/>
-          </a:fontRef>
-        </p:style>
-        <p:txBody>
-          <a:bodyPr rtlCol="0" anchor="ctr"/>
-          <a:lstStyle/>
-          <a:p>
-            <a:pPr algn="ctr"/>
+          <a:noFill/>
+        </p:spPr>
+        <p:txBody>
+          <a:bodyPr wrap="square" rtlCol="0">
+            <a:spAutoFit/>
+          </a:bodyPr>
+          <a:lstStyle/>
+          <a:p>
             <a:r>
-              <a:rPr lang="en-US" altLang="zh-CN" dirty="0" smtClean="0"/>
-              <a:t>(m-1)</a:t>
-            </a:r>
-            <a:r>
-              <a:rPr lang="zh-CN" altLang="en-US" dirty="0" smtClean="0"/>
-              <a:t>级</a:t>
+              <a:rPr lang="en-US" altLang="zh-CN" dirty="0"/>
+              <a:t>Y</a:t>
             </a:r>
             <a:endParaRPr lang="zh-CN" altLang="en-US" dirty="0"/>
           </a:p>
         </p:txBody>
       </p:sp>
-      <p:sp>
-        <p:nvSpPr>
-          <p:cNvPr id="46" name="矩形 45"/>
+      <p:cxnSp>
+        <p:nvCxnSpPr>
+          <p:cNvPr id="3" name="直接连接符 2">
+            <a:extLst>
+              <a:ext uri="{FF2B5EF4-FFF2-40B4-BE49-F238E27FC236}">
+                <a16:creationId xmlns:a16="http://schemas.microsoft.com/office/drawing/2014/main" id="{CB0FF602-FB43-4F40-94E1-AB63F4E5C343}"/>
+              </a:ext>
+            </a:extLst>
+          </p:cNvPr>
+          <p:cNvCxnSpPr/>
+          <p:nvPr/>
+        </p:nvCxnSpPr>
+        <p:spPr>
+          <a:xfrm>
+            <a:off x="863588" y="5841268"/>
+            <a:ext cx="6624736" cy="0"/>
+          </a:xfrm>
+          <a:prstGeom prst="line">
+            <a:avLst/>
+          </a:prstGeom>
+          <a:ln w="76200">
+            <a:solidFill>
+              <a:schemeClr val="tx1"/>
+            </a:solidFill>
+            <a:prstDash val="dash"/>
+          </a:ln>
+        </p:spPr>
+        <p:style>
+          <a:lnRef idx="1">
+            <a:schemeClr val="accent1"/>
+          </a:lnRef>
+          <a:fillRef idx="0">
+            <a:schemeClr val="accent1"/>
+          </a:fillRef>
+          <a:effectRef idx="0">
+            <a:schemeClr val="accent1"/>
+          </a:effectRef>
+          <a:fontRef idx="minor">
+            <a:schemeClr val="tx1"/>
+          </a:fontRef>
+        </p:style>
+      </p:cxnSp>
+      <p:cxnSp>
+        <p:nvCxnSpPr>
+          <p:cNvPr id="26" name="直接连接符 25">
+            <a:extLst>
+              <a:ext uri="{FF2B5EF4-FFF2-40B4-BE49-F238E27FC236}">
+                <a16:creationId xmlns:a16="http://schemas.microsoft.com/office/drawing/2014/main" id="{5D42EDC8-3411-48C5-A921-D317B9FBF77D}"/>
+              </a:ext>
+            </a:extLst>
+          </p:cNvPr>
+          <p:cNvCxnSpPr>
+            <a:cxnSpLocks/>
+          </p:cNvCxnSpPr>
+          <p:nvPr/>
+        </p:nvCxnSpPr>
+        <p:spPr>
+          <a:xfrm flipH="1">
+            <a:off x="4211041" y="1522529"/>
+            <a:ext cx="32697" cy="5074823"/>
+          </a:xfrm>
+          <a:prstGeom prst="line">
+            <a:avLst/>
+          </a:prstGeom>
+          <a:ln>
+            <a:solidFill>
+              <a:schemeClr val="tx1"/>
+            </a:solidFill>
+            <a:prstDash val="dashDot"/>
+          </a:ln>
+        </p:spPr>
+        <p:style>
+          <a:lnRef idx="1">
+            <a:schemeClr val="accent1"/>
+          </a:lnRef>
+          <a:fillRef idx="0">
+            <a:schemeClr val="accent1"/>
+          </a:fillRef>
+          <a:effectRef idx="0">
+            <a:schemeClr val="accent1"/>
+          </a:effectRef>
+          <a:fontRef idx="minor">
+            <a:schemeClr val="tx1"/>
+          </a:fontRef>
+        </p:style>
+      </p:cxnSp>
+      <p:cxnSp>
+        <p:nvCxnSpPr>
+          <p:cNvPr id="38" name="直接连接符 37">
+            <a:extLst>
+              <a:ext uri="{FF2B5EF4-FFF2-40B4-BE49-F238E27FC236}">
+                <a16:creationId xmlns:a16="http://schemas.microsoft.com/office/drawing/2014/main" id="{ADF596FD-E5F0-48FF-81C1-8FA7B006C93D}"/>
+              </a:ext>
+            </a:extLst>
+          </p:cNvPr>
+          <p:cNvCxnSpPr>
+            <a:cxnSpLocks/>
+            <a:stCxn id="18" idx="3"/>
+          </p:cNvCxnSpPr>
+          <p:nvPr/>
+        </p:nvCxnSpPr>
+        <p:spPr>
+          <a:xfrm flipH="1">
+            <a:off x="1109552" y="1471400"/>
+            <a:ext cx="5170456" cy="5235705"/>
+          </a:xfrm>
+          <a:prstGeom prst="line">
+            <a:avLst/>
+          </a:prstGeom>
+          <a:ln>
+            <a:solidFill>
+              <a:schemeClr val="tx1"/>
+            </a:solidFill>
+            <a:prstDash val="dashDot"/>
+          </a:ln>
+        </p:spPr>
+        <p:style>
+          <a:lnRef idx="1">
+            <a:schemeClr val="accent1"/>
+          </a:lnRef>
+          <a:fillRef idx="0">
+            <a:schemeClr val="accent1"/>
+          </a:fillRef>
+          <a:effectRef idx="0">
+            <a:schemeClr val="accent1"/>
+          </a:effectRef>
+          <a:fontRef idx="minor">
+            <a:schemeClr val="tx1"/>
+          </a:fontRef>
+        </p:style>
+      </p:cxnSp>
+      <p:cxnSp>
+        <p:nvCxnSpPr>
+          <p:cNvPr id="50" name="直接连接符 49">
+            <a:extLst>
+              <a:ext uri="{FF2B5EF4-FFF2-40B4-BE49-F238E27FC236}">
+                <a16:creationId xmlns:a16="http://schemas.microsoft.com/office/drawing/2014/main" id="{92B843EF-1A87-4A5E-A1FF-4F5D5818ADD9}"/>
+              </a:ext>
+            </a:extLst>
+          </p:cNvPr>
+          <p:cNvCxnSpPr/>
+          <p:nvPr/>
+        </p:nvCxnSpPr>
+        <p:spPr>
+          <a:xfrm>
+            <a:off x="863588" y="5265204"/>
+            <a:ext cx="6624736" cy="0"/>
+          </a:xfrm>
+          <a:prstGeom prst="line">
+            <a:avLst/>
+          </a:prstGeom>
+          <a:ln w="76200">
+            <a:solidFill>
+              <a:schemeClr val="tx1"/>
+            </a:solidFill>
+            <a:prstDash val="dash"/>
+          </a:ln>
+        </p:spPr>
+        <p:style>
+          <a:lnRef idx="1">
+            <a:schemeClr val="accent1"/>
+          </a:lnRef>
+          <a:fillRef idx="0">
+            <a:schemeClr val="accent1"/>
+          </a:fillRef>
+          <a:effectRef idx="0">
+            <a:schemeClr val="accent1"/>
+          </a:effectRef>
+          <a:fontRef idx="minor">
+            <a:schemeClr val="tx1"/>
+          </a:fontRef>
+        </p:style>
+      </p:cxnSp>
+      <p:sp>
+        <p:nvSpPr>
+          <p:cNvPr id="42" name="文本框 41">
+            <a:extLst>
+              <a:ext uri="{FF2B5EF4-FFF2-40B4-BE49-F238E27FC236}">
+                <a16:creationId xmlns:a16="http://schemas.microsoft.com/office/drawing/2014/main" id="{E3662C9B-6FBF-4DA7-8C31-39BCF29FF596}"/>
+              </a:ext>
+            </a:extLst>
+          </p:cNvPr>
+          <p:cNvSpPr txBox="1"/>
+          <p:nvPr/>
+        </p:nvSpPr>
+        <p:spPr>
+          <a:xfrm>
+            <a:off x="5328084" y="2888940"/>
+            <a:ext cx="1197888" cy="369332"/>
+          </a:xfrm>
+          <a:prstGeom prst="rect">
+            <a:avLst/>
+          </a:prstGeom>
+          <a:noFill/>
+        </p:spPr>
+        <p:txBody>
+          <a:bodyPr wrap="square" rtlCol="0">
+            <a:spAutoFit/>
+          </a:bodyPr>
+          <a:lstStyle/>
+          <a:p>
+            <a:r>
+              <a:rPr lang="zh-CN" altLang="en-US" dirty="0"/>
+              <a:t>相机光轴</a:t>
+            </a:r>
+          </a:p>
+        </p:txBody>
+      </p:sp>
+      <p:sp>
+        <p:nvSpPr>
+          <p:cNvPr id="43" name="矩形 42">
+            <a:extLst>
+              <a:ext uri="{FF2B5EF4-FFF2-40B4-BE49-F238E27FC236}">
+                <a16:creationId xmlns:a16="http://schemas.microsoft.com/office/drawing/2014/main" id="{EFE26E2F-83A3-4FF5-B7D5-72ED7F176E03}"/>
+              </a:ext>
+            </a:extLst>
+          </p:cNvPr>
           <p:cNvSpPr/>
           <p:nvPr/>
         </p:nvSpPr>
         <p:spPr>
           <a:xfrm>
-            <a:off x="6768244" y="1991547"/>
-            <a:ext cx="1026114" cy="238219"/>
+            <a:off x="2904910" y="2366595"/>
+            <a:ext cx="1338828" cy="369332"/>
           </a:xfrm>
           <a:prstGeom prst="rect">
             <a:avLst/>
           </a:prstGeom>
-          <a:solidFill>
+        </p:spPr>
+        <p:txBody>
+          <a:bodyPr wrap="none">
+            <a:spAutoFit/>
+          </a:bodyPr>
+          <a:lstStyle/>
+          <a:p>
+            <a:r>
+              <a:rPr lang="zh-CN" altLang="en-US" dirty="0"/>
+              <a:t>投影仪光轴</a:t>
+            </a:r>
+          </a:p>
+        </p:txBody>
+      </p:sp>
+      <p:cxnSp>
+        <p:nvCxnSpPr>
+          <p:cNvPr id="46" name="直接箭头连接符 45">
+            <a:extLst>
+              <a:ext uri="{FF2B5EF4-FFF2-40B4-BE49-F238E27FC236}">
+                <a16:creationId xmlns:a16="http://schemas.microsoft.com/office/drawing/2014/main" id="{0E0BA109-FD1B-4A4E-BEA4-FD8E0A2E4775}"/>
+              </a:ext>
+            </a:extLst>
+          </p:cNvPr>
+          <p:cNvCxnSpPr>
+            <a:cxnSpLocks/>
+          </p:cNvCxnSpPr>
+          <p:nvPr/>
+        </p:nvCxnSpPr>
+        <p:spPr>
+          <a:xfrm flipV="1">
+            <a:off x="7488324" y="5085184"/>
+            <a:ext cx="0" cy="360040"/>
+          </a:xfrm>
+          <a:prstGeom prst="straightConnector1">
+            <a:avLst/>
+          </a:prstGeom>
+          <a:ln w="28575">
+            <a:solidFill>
+              <a:schemeClr val="tx1"/>
+            </a:solidFill>
+            <a:tailEnd type="triangle"/>
+          </a:ln>
+        </p:spPr>
+        <p:style>
+          <a:lnRef idx="1">
+            <a:schemeClr val="accent1"/>
+          </a:lnRef>
+          <a:fillRef idx="0">
+            <a:schemeClr val="accent1"/>
+          </a:fillRef>
+          <a:effectRef idx="0">
+            <a:schemeClr val="accent1"/>
+          </a:effectRef>
+          <a:fontRef idx="minor">
             <a:schemeClr val="tx1"/>
-          </a:solidFill>
-          <a:ln>
-            <a:solidFill>
-              <a:schemeClr val="tx1"/>
-            </a:solidFill>
-          </a:ln>
-        </p:spPr>
-        <p:style>
-          <a:lnRef idx="2">
-            <a:schemeClr val="accent1">
-              <a:shade val="50000"/>
-            </a:schemeClr>
-          </a:lnRef>
-          <a:fillRef idx="1">
-            <a:schemeClr val="accent1"/>
-          </a:fillRef>
-          <a:effectRef idx="0">
-            <a:schemeClr val="accent1"/>
-          </a:effectRef>
-          <a:fontRef idx="minor">
-            <a:schemeClr val="lt1"/>
-          </a:fontRef>
-        </p:style>
-        <p:txBody>
-          <a:bodyPr rtlCol="0" anchor="ctr"/>
-          <a:lstStyle/>
-          <a:p>
-            <a:pPr algn="ctr"/>
+          </a:fontRef>
+        </p:style>
+      </p:cxnSp>
+      <p:cxnSp>
+        <p:nvCxnSpPr>
+          <p:cNvPr id="59" name="直接箭头连接符 58">
+            <a:extLst>
+              <a:ext uri="{FF2B5EF4-FFF2-40B4-BE49-F238E27FC236}">
+                <a16:creationId xmlns:a16="http://schemas.microsoft.com/office/drawing/2014/main" id="{D270180F-B9A0-4E72-B212-796882122FED}"/>
+              </a:ext>
+            </a:extLst>
+          </p:cNvPr>
+          <p:cNvCxnSpPr>
+            <a:cxnSpLocks/>
+          </p:cNvCxnSpPr>
+          <p:nvPr/>
+        </p:nvCxnSpPr>
+        <p:spPr>
+          <a:xfrm>
+            <a:off x="7482544" y="5669632"/>
+            <a:ext cx="0" cy="315652"/>
+          </a:xfrm>
+          <a:prstGeom prst="straightConnector1">
+            <a:avLst/>
+          </a:prstGeom>
+          <a:ln w="28575">
+            <a:solidFill>
+              <a:schemeClr val="tx1"/>
+            </a:solidFill>
+            <a:tailEnd type="triangle"/>
+          </a:ln>
+        </p:spPr>
+        <p:style>
+          <a:lnRef idx="1">
+            <a:schemeClr val="accent1"/>
+          </a:lnRef>
+          <a:fillRef idx="0">
+            <a:schemeClr val="accent1"/>
+          </a:fillRef>
+          <a:effectRef idx="0">
+            <a:schemeClr val="accent1"/>
+          </a:effectRef>
+          <a:fontRef idx="minor">
+            <a:schemeClr val="tx1"/>
+          </a:fontRef>
+        </p:style>
+      </p:cxnSp>
+      <mc:AlternateContent xmlns:mc="http://schemas.openxmlformats.org/markup-compatibility/2006">
+        <mc:Choice xmlns:a14="http://schemas.microsoft.com/office/drawing/2010/main" Requires="a14">
+          <p:sp>
+            <p:nvSpPr>
+              <p:cNvPr id="53" name="文本框 52">
+                <a:extLst>
+                  <a:ext uri="{FF2B5EF4-FFF2-40B4-BE49-F238E27FC236}">
+                    <a16:creationId xmlns:a16="http://schemas.microsoft.com/office/drawing/2014/main" id="{61119E18-158D-4878-87DD-F9C999AF2053}"/>
+                  </a:ext>
+                </a:extLst>
+              </p:cNvPr>
+              <p:cNvSpPr txBox="1"/>
+              <p:nvPr/>
+            </p:nvSpPr>
+            <p:spPr>
+              <a:xfrm>
+                <a:off x="7399774" y="5447289"/>
+                <a:ext cx="177100" cy="276999"/>
+              </a:xfrm>
+              <a:prstGeom prst="rect">
+                <a:avLst/>
+              </a:prstGeom>
+              <a:noFill/>
+            </p:spPr>
+            <p:txBody>
+              <a:bodyPr wrap="none" lIns="0" tIns="0" rIns="0" bIns="0" rtlCol="0">
+                <a:spAutoFit/>
+              </a:bodyPr>
+              <a:lstStyle/>
+              <a:p>
+                <a14:m>
+                  <m:oMathPara xmlns:m="http://schemas.openxmlformats.org/officeDocument/2006/math">
+                    <m:oMathParaPr>
+                      <m:jc m:val="centerGroup"/>
+                    </m:oMathParaPr>
+                    <m:oMath xmlns:m="http://schemas.openxmlformats.org/officeDocument/2006/math">
+                      <m:r>
+                        <a:rPr lang="zh-CN" altLang="en-US" i="1" smtClean="0">
+                          <a:latin typeface="Cambria Math" panose="02040503050406030204" pitchFamily="18" charset="0"/>
+                        </a:rPr>
+                        <m:t>𝜆</m:t>
+                      </m:r>
+                    </m:oMath>
+                  </m:oMathPara>
+                </a14:m>
+                <a:endParaRPr lang="zh-CN" altLang="en-US" dirty="0"/>
+              </a:p>
+            </p:txBody>
+          </p:sp>
+        </mc:Choice>
+        <mc:Fallback>
+          <p:sp>
+            <p:nvSpPr>
+              <p:cNvPr id="53" name="文本框 52">
+                <a:extLst>
+                  <a:ext uri="{FF2B5EF4-FFF2-40B4-BE49-F238E27FC236}">
+                    <a16:creationId xmlns:a16="http://schemas.microsoft.com/office/drawing/2014/main" id="{61119E18-158D-4878-87DD-F9C999AF2053}"/>
+                  </a:ext>
+                </a:extLst>
+              </p:cNvPr>
+              <p:cNvSpPr txBox="1">
+                <a:spLocks noRot="1" noChangeAspect="1" noMove="1" noResize="1" noEditPoints="1" noAdjustHandles="1" noChangeArrowheads="1" noChangeShapeType="1" noTextEdit="1"/>
+              </p:cNvSpPr>
+              <p:nvPr/>
+            </p:nvSpPr>
+            <p:spPr>
+              <a:xfrm>
+                <a:off x="7399774" y="5447289"/>
+                <a:ext cx="177100" cy="276999"/>
+              </a:xfrm>
+              <a:prstGeom prst="rect">
+                <a:avLst/>
+              </a:prstGeom>
+              <a:blipFill>
+                <a:blip r:embed="rId3"/>
+                <a:stretch>
+                  <a:fillRect l="-34483" r="-31034" b="-8889"/>
+                </a:stretch>
+              </a:blipFill>
+            </p:spPr>
+            <p:txBody>
+              <a:bodyPr/>
+              <a:lstStyle/>
+              <a:p>
+                <a:r>
+                  <a:rPr lang="zh-CN" altLang="en-US">
+                    <a:noFill/>
+                  </a:rPr>
+                  <a:t> </a:t>
+                </a:r>
+              </a:p>
+            </p:txBody>
+          </p:sp>
+        </mc:Fallback>
+      </mc:AlternateContent>
+      <p:sp>
+        <p:nvSpPr>
+          <p:cNvPr id="60" name="文本框 59">
+            <a:extLst>
+              <a:ext uri="{FF2B5EF4-FFF2-40B4-BE49-F238E27FC236}">
+                <a16:creationId xmlns:a16="http://schemas.microsoft.com/office/drawing/2014/main" id="{9A072539-2E6B-48C6-9956-47FC37B4E93D}"/>
+              </a:ext>
+            </a:extLst>
+          </p:cNvPr>
+          <p:cNvSpPr txBox="1"/>
+          <p:nvPr/>
+        </p:nvSpPr>
+        <p:spPr>
+          <a:xfrm>
+            <a:off x="1813473" y="5958249"/>
+            <a:ext cx="415178" cy="276999"/>
+          </a:xfrm>
+          <a:prstGeom prst="rect">
+            <a:avLst/>
+          </a:prstGeom>
+          <a:noFill/>
+        </p:spPr>
+        <p:txBody>
+          <a:bodyPr wrap="none" lIns="0" tIns="0" rIns="0" bIns="0" rtlCol="0">
+            <a:spAutoFit/>
+          </a:bodyPr>
+          <a:lstStyle/>
+          <a:p>
             <a:r>
               <a:rPr lang="en-US" altLang="zh-CN" dirty="0"/>
               <a:t>m</a:t>
             </a:r>
             <a:r>
-              <a:rPr lang="zh-CN" altLang="en-US" dirty="0" smtClean="0"/>
+              <a:rPr lang="zh-CN" altLang="en-US" dirty="0"/>
               <a:t>级</a:t>
             </a:r>
-            <a:endParaRPr lang="zh-CN" altLang="en-US" dirty="0"/>
-          </a:p>
-        </p:txBody>
-      </p:sp>
+          </a:p>
+        </p:txBody>
+      </p:sp>
+      <p:sp>
+        <p:nvSpPr>
+          <p:cNvPr id="66" name="文本框 65">
+            <a:extLst>
+              <a:ext uri="{FF2B5EF4-FFF2-40B4-BE49-F238E27FC236}">
+                <a16:creationId xmlns:a16="http://schemas.microsoft.com/office/drawing/2014/main" id="{67C29E1E-EC4F-43E9-814B-4481FC270893}"/>
+              </a:ext>
+            </a:extLst>
+          </p:cNvPr>
+          <p:cNvSpPr txBox="1"/>
+          <p:nvPr/>
+        </p:nvSpPr>
+        <p:spPr>
+          <a:xfrm>
+            <a:off x="2021062" y="4812536"/>
+            <a:ext cx="983821" cy="276999"/>
+          </a:xfrm>
+          <a:prstGeom prst="rect">
+            <a:avLst/>
+          </a:prstGeom>
+          <a:noFill/>
+        </p:spPr>
+        <p:txBody>
+          <a:bodyPr wrap="square" lIns="0" tIns="0" rIns="0" bIns="0" rtlCol="0">
+            <a:spAutoFit/>
+          </a:bodyPr>
+          <a:lstStyle/>
+          <a:p>
+            <a:r>
+              <a:rPr lang="en-US" altLang="zh-CN" dirty="0"/>
+              <a:t>(m+1)</a:t>
+            </a:r>
+            <a:r>
+              <a:rPr lang="zh-CN" altLang="en-US" dirty="0"/>
+              <a:t>级</a:t>
+            </a:r>
+          </a:p>
+        </p:txBody>
+      </p:sp>
+      <p:sp>
+        <p:nvSpPr>
+          <p:cNvPr id="63" name="弧形 62">
+            <a:extLst>
+              <a:ext uri="{FF2B5EF4-FFF2-40B4-BE49-F238E27FC236}">
+                <a16:creationId xmlns:a16="http://schemas.microsoft.com/office/drawing/2014/main" id="{B17170E0-FA57-4BA7-A404-06487111A4FB}"/>
+              </a:ext>
+            </a:extLst>
+          </p:cNvPr>
+          <p:cNvSpPr/>
+          <p:nvPr/>
+        </p:nvSpPr>
+        <p:spPr>
+          <a:xfrm>
+            <a:off x="4046909" y="3237362"/>
+            <a:ext cx="360959" cy="191638"/>
+          </a:xfrm>
+          <a:prstGeom prst="arc">
+            <a:avLst/>
+          </a:prstGeom>
+        </p:spPr>
+        <p:style>
+          <a:lnRef idx="1">
+            <a:schemeClr val="accent1"/>
+          </a:lnRef>
+          <a:fillRef idx="0">
+            <a:schemeClr val="accent1"/>
+          </a:fillRef>
+          <a:effectRef idx="0">
+            <a:schemeClr val="accent1"/>
+          </a:effectRef>
+          <a:fontRef idx="minor">
+            <a:schemeClr val="tx1"/>
+          </a:fontRef>
+        </p:style>
+        <p:txBody>
+          <a:bodyPr rtlCol="0" anchor="ctr"/>
+          <a:lstStyle/>
+          <a:p>
+            <a:pPr algn="ctr"/>
+            <a:endParaRPr lang="zh-CN" altLang="en-US"/>
+          </a:p>
+        </p:txBody>
+      </p:sp>
+      <mc:AlternateContent xmlns:mc="http://schemas.openxmlformats.org/markup-compatibility/2006">
+        <mc:Choice xmlns:a14="http://schemas.microsoft.com/office/drawing/2010/main" Requires="a14">
+          <p:sp>
+            <p:nvSpPr>
+              <p:cNvPr id="64" name="文本框 63">
+                <a:extLst>
+                  <a:ext uri="{FF2B5EF4-FFF2-40B4-BE49-F238E27FC236}">
+                    <a16:creationId xmlns:a16="http://schemas.microsoft.com/office/drawing/2014/main" id="{3AB8B4F8-2B95-4590-8EF2-68F8C700C738}"/>
+                  </a:ext>
+                </a:extLst>
+              </p:cNvPr>
+              <p:cNvSpPr txBox="1"/>
+              <p:nvPr/>
+            </p:nvSpPr>
+            <p:spPr>
+              <a:xfrm>
+                <a:off x="4280344" y="3001284"/>
+                <a:ext cx="189474" cy="276999"/>
+              </a:xfrm>
+              <a:prstGeom prst="rect">
+                <a:avLst/>
+              </a:prstGeom>
+              <a:noFill/>
+            </p:spPr>
+            <p:txBody>
+              <a:bodyPr wrap="none" lIns="0" tIns="0" rIns="0" bIns="0" rtlCol="0">
+                <a:spAutoFit/>
+              </a:bodyPr>
+              <a:lstStyle/>
+              <a:p>
+                <a14:m>
+                  <m:oMathPara xmlns:m="http://schemas.openxmlformats.org/officeDocument/2006/math">
+                    <m:oMathParaPr>
+                      <m:jc m:val="centerGroup"/>
+                    </m:oMathParaPr>
+                    <m:oMath xmlns:m="http://schemas.openxmlformats.org/officeDocument/2006/math">
+                      <m:r>
+                        <a:rPr lang="zh-CN" altLang="en-US" i="1" smtClean="0">
+                          <a:latin typeface="Cambria Math" panose="02040503050406030204" pitchFamily="18" charset="0"/>
+                        </a:rPr>
+                        <m:t>𝜃</m:t>
+                      </m:r>
+                    </m:oMath>
+                  </m:oMathPara>
+                </a14:m>
+                <a:endParaRPr lang="zh-CN" altLang="en-US" dirty="0"/>
+              </a:p>
+            </p:txBody>
+          </p:sp>
+        </mc:Choice>
+        <mc:Fallback>
+          <p:sp>
+            <p:nvSpPr>
+              <p:cNvPr id="64" name="文本框 63">
+                <a:extLst>
+                  <a:ext uri="{FF2B5EF4-FFF2-40B4-BE49-F238E27FC236}">
+                    <a16:creationId xmlns:a16="http://schemas.microsoft.com/office/drawing/2014/main" id="{3AB8B4F8-2B95-4590-8EF2-68F8C700C738}"/>
+                  </a:ext>
+                </a:extLst>
+              </p:cNvPr>
+              <p:cNvSpPr txBox="1">
+                <a:spLocks noRot="1" noChangeAspect="1" noMove="1" noResize="1" noEditPoints="1" noAdjustHandles="1" noChangeArrowheads="1" noChangeShapeType="1" noTextEdit="1"/>
+              </p:cNvSpPr>
+              <p:nvPr/>
+            </p:nvSpPr>
+            <p:spPr>
+              <a:xfrm>
+                <a:off x="4280344" y="3001284"/>
+                <a:ext cx="189474" cy="276999"/>
+              </a:xfrm>
+              <a:prstGeom prst="rect">
+                <a:avLst/>
+              </a:prstGeom>
+              <a:blipFill>
+                <a:blip r:embed="rId4"/>
+                <a:stretch>
+                  <a:fillRect l="-29032" r="-25806" b="-6522"/>
+                </a:stretch>
+              </a:blipFill>
+            </p:spPr>
+            <p:txBody>
+              <a:bodyPr/>
+              <a:lstStyle/>
+              <a:p>
+                <a:r>
+                  <a:rPr lang="zh-CN" altLang="en-US">
+                    <a:noFill/>
+                  </a:rPr>
+                  <a:t> </a:t>
+                </a:r>
+              </a:p>
+            </p:txBody>
+          </p:sp>
+        </mc:Fallback>
+      </mc:AlternateContent>
       <p:cxnSp>
         <p:nvCxnSpPr>
-          <p:cNvPr id="48" name="直接连接符 47"/>
-          <p:cNvCxnSpPr>
-            <a:stCxn id="44" idx="3"/>
-            <a:endCxn id="46" idx="1"/>
-          </p:cNvCxnSpPr>
+          <p:cNvPr id="70" name="直接连接符 69">
+            <a:extLst>
+              <a:ext uri="{FF2B5EF4-FFF2-40B4-BE49-F238E27FC236}">
+                <a16:creationId xmlns:a16="http://schemas.microsoft.com/office/drawing/2014/main" id="{F51A1BA4-D8BD-4242-97E1-D460F28C9084}"/>
+              </a:ext>
+            </a:extLst>
+          </p:cNvPr>
+          <p:cNvCxnSpPr/>
           <p:nvPr/>
         </p:nvCxnSpPr>
         <p:spPr>
           <a:xfrm flipV="1">
-            <a:off x="2178597" y="2110657"/>
-            <a:ext cx="4589647" cy="25596"/>
+            <a:off x="2512972" y="404664"/>
+            <a:ext cx="0" cy="5422794"/>
           </a:xfrm>
           <a:prstGeom prst="line">
             <a:avLst/>
           </a:prstGeom>
+          <a:ln>
+            <a:solidFill>
+              <a:schemeClr val="tx1"/>
+            </a:solidFill>
+            <a:prstDash val="dash"/>
+          </a:ln>
         </p:spPr>
         <p:style>
           <a:lnRef idx="1">
@@ -7385,21 +7779,30 @@
       </p:cxnSp>
       <p:cxnSp>
         <p:nvCxnSpPr>
-          <p:cNvPr id="50" name="直接连接符 49"/>
-          <p:cNvCxnSpPr>
-            <a:stCxn id="46" idx="1"/>
-            <a:endCxn id="41" idx="1"/>
-          </p:cNvCxnSpPr>
+          <p:cNvPr id="72" name="直接连接符 71">
+            <a:extLst>
+              <a:ext uri="{FF2B5EF4-FFF2-40B4-BE49-F238E27FC236}">
+                <a16:creationId xmlns:a16="http://schemas.microsoft.com/office/drawing/2014/main" id="{91CB4497-29B9-4163-A603-436031666A7A}"/>
+              </a:ext>
+            </a:extLst>
+          </p:cNvPr>
+          <p:cNvCxnSpPr/>
           <p:nvPr/>
         </p:nvCxnSpPr>
         <p:spPr>
-          <a:xfrm flipH="1">
-            <a:off x="1152483" y="2110657"/>
-            <a:ext cx="5615761" cy="4090651"/>
+          <a:xfrm flipV="1">
+            <a:off x="2021062" y="404664"/>
+            <a:ext cx="0" cy="5436604"/>
           </a:xfrm>
           <a:prstGeom prst="line">
             <a:avLst/>
           </a:prstGeom>
+          <a:ln>
+            <a:solidFill>
+              <a:schemeClr val="tx1"/>
+            </a:solidFill>
+            <a:prstDash val="dash"/>
+          </a:ln>
         </p:spPr>
         <p:style>
           <a:lnRef idx="1">
@@ -7418,18 +7821,32 @@
       </p:cxnSp>
       <p:cxnSp>
         <p:nvCxnSpPr>
-          <p:cNvPr id="52" name="直接连接符 51"/>
-          <p:cNvCxnSpPr/>
+          <p:cNvPr id="74" name="直接箭头连接符 73">
+            <a:extLst>
+              <a:ext uri="{FF2B5EF4-FFF2-40B4-BE49-F238E27FC236}">
+                <a16:creationId xmlns:a16="http://schemas.microsoft.com/office/drawing/2014/main" id="{A6AFE42F-39E6-4891-9141-F959533606FD}"/>
+              </a:ext>
+            </a:extLst>
+          </p:cNvPr>
+          <p:cNvCxnSpPr>
+            <a:cxnSpLocks/>
+          </p:cNvCxnSpPr>
           <p:nvPr/>
         </p:nvCxnSpPr>
         <p:spPr>
           <a:xfrm>
-            <a:off x="1152483" y="2285231"/>
-            <a:ext cx="0" cy="3818289"/>
-          </a:xfrm>
-          <a:prstGeom prst="line">
-            <a:avLst/>
-          </a:prstGeom>
+            <a:off x="1691680" y="841358"/>
+            <a:ext cx="329382" cy="0"/>
+          </a:xfrm>
+          <a:prstGeom prst="straightConnector1">
+            <a:avLst/>
+          </a:prstGeom>
+          <a:ln>
+            <a:solidFill>
+              <a:schemeClr val="tx1"/>
+            </a:solidFill>
+            <a:tailEnd type="triangle"/>
+          </a:ln>
         </p:spPr>
         <p:style>
           <a:lnRef idx="1">
@@ -7446,10 +7863,1552 @@
           </a:fontRef>
         </p:style>
       </p:cxnSp>
+      <p:cxnSp>
+        <p:nvCxnSpPr>
+          <p:cNvPr id="81" name="直接箭头连接符 80">
+            <a:extLst>
+              <a:ext uri="{FF2B5EF4-FFF2-40B4-BE49-F238E27FC236}">
+                <a16:creationId xmlns:a16="http://schemas.microsoft.com/office/drawing/2014/main" id="{D06DA077-70BB-4751-8171-DA66465E3CE2}"/>
+              </a:ext>
+            </a:extLst>
+          </p:cNvPr>
+          <p:cNvCxnSpPr>
+            <a:cxnSpLocks/>
+          </p:cNvCxnSpPr>
+          <p:nvPr/>
+        </p:nvCxnSpPr>
+        <p:spPr>
+          <a:xfrm flipH="1">
+            <a:off x="2512973" y="841358"/>
+            <a:ext cx="391937" cy="0"/>
+          </a:xfrm>
+          <a:prstGeom prst="straightConnector1">
+            <a:avLst/>
+          </a:prstGeom>
+          <a:ln>
+            <a:solidFill>
+              <a:schemeClr val="tx1"/>
+            </a:solidFill>
+            <a:tailEnd type="triangle"/>
+          </a:ln>
+        </p:spPr>
+        <p:style>
+          <a:lnRef idx="1">
+            <a:schemeClr val="accent1"/>
+          </a:lnRef>
+          <a:fillRef idx="0">
+            <a:schemeClr val="accent1"/>
+          </a:fillRef>
+          <a:effectRef idx="0">
+            <a:schemeClr val="accent1"/>
+          </a:effectRef>
+          <a:fontRef idx="minor">
+            <a:schemeClr val="tx1"/>
+          </a:fontRef>
+        </p:style>
+      </p:cxnSp>
+      <p:sp>
+        <p:nvSpPr>
+          <p:cNvPr id="83" name="文本框 82">
+            <a:extLst>
+              <a:ext uri="{FF2B5EF4-FFF2-40B4-BE49-F238E27FC236}">
+                <a16:creationId xmlns:a16="http://schemas.microsoft.com/office/drawing/2014/main" id="{96E9086B-10FC-4825-BC28-7A57EE920158}"/>
+              </a:ext>
+            </a:extLst>
+          </p:cNvPr>
+          <p:cNvSpPr txBox="1"/>
+          <p:nvPr/>
+        </p:nvSpPr>
+        <p:spPr>
+          <a:xfrm>
+            <a:off x="2152487" y="684499"/>
+            <a:ext cx="491911" cy="369332"/>
+          </a:xfrm>
+          <a:prstGeom prst="rect">
+            <a:avLst/>
+          </a:prstGeom>
+          <a:noFill/>
+        </p:spPr>
+        <p:txBody>
+          <a:bodyPr wrap="square" rtlCol="0">
+            <a:spAutoFit/>
+          </a:bodyPr>
+          <a:lstStyle/>
+          <a:p>
+            <a:r>
+              <a:rPr lang="en-US" altLang="zh-CN" dirty="0"/>
+              <a:t>L</a:t>
+            </a:r>
+            <a:endParaRPr lang="zh-CN" altLang="en-US" dirty="0"/>
+          </a:p>
+        </p:txBody>
+      </p:sp>
     </p:spTree>
     <p:extLst>
       <p:ext uri="{BB962C8B-B14F-4D97-AF65-F5344CB8AC3E}">
-        <p14:creationId xmlns:p14="http://schemas.microsoft.com/office/powerpoint/2010/main" val="144747220"/>
+        <p14:creationId xmlns:p14="http://schemas.microsoft.com/office/powerpoint/2010/main" val="2097709957"/>
+      </p:ext>
+    </p:extLst>
+  </p:cSld>
+  <p:clrMapOvr>
+    <a:masterClrMapping/>
+  </p:clrMapOvr>
+</p:sld>
+</file>
+
+<file path=ppt/slides/slide13.xml><?xml version="1.0" encoding="utf-8"?>
+<p:sld xmlns:a="http://schemas.openxmlformats.org/drawingml/2006/main" xmlns:r="http://schemas.openxmlformats.org/officeDocument/2006/relationships" xmlns:p="http://schemas.openxmlformats.org/presentationml/2006/main">
+  <p:cSld>
+    <p:spTree>
+      <p:nvGrpSpPr>
+        <p:cNvPr id="1" name=""/>
+        <p:cNvGrpSpPr/>
+        <p:nvPr/>
+      </p:nvGrpSpPr>
+      <p:grpSpPr>
+        <a:xfrm>
+          <a:off x="0" y="0"/>
+          <a:ext cx="0" cy="0"/>
+          <a:chOff x="0" y="0"/>
+          <a:chExt cx="0" cy="0"/>
+        </a:xfrm>
+      </p:grpSpPr>
+      <p:cxnSp>
+        <p:nvCxnSpPr>
+          <p:cNvPr id="5" name="直接箭头连接符 4"/>
+          <p:cNvCxnSpPr/>
+          <p:nvPr/>
+        </p:nvCxnSpPr>
+        <p:spPr>
+          <a:xfrm flipV="1">
+            <a:off x="251520" y="512676"/>
+            <a:ext cx="0" cy="5796644"/>
+          </a:xfrm>
+          <a:prstGeom prst="straightConnector1">
+            <a:avLst/>
+          </a:prstGeom>
+          <a:ln>
+            <a:solidFill>
+              <a:schemeClr val="tx1"/>
+            </a:solidFill>
+            <a:tailEnd type="arrow"/>
+          </a:ln>
+        </p:spPr>
+        <p:style>
+          <a:lnRef idx="1">
+            <a:schemeClr val="accent1"/>
+          </a:lnRef>
+          <a:fillRef idx="0">
+            <a:schemeClr val="accent1"/>
+          </a:fillRef>
+          <a:effectRef idx="0">
+            <a:schemeClr val="accent1"/>
+          </a:effectRef>
+          <a:fontRef idx="minor">
+            <a:schemeClr val="tx1"/>
+          </a:fontRef>
+        </p:style>
+      </p:cxnSp>
+      <p:cxnSp>
+        <p:nvCxnSpPr>
+          <p:cNvPr id="6" name="直接箭头连接符 5"/>
+          <p:cNvCxnSpPr/>
+          <p:nvPr/>
+        </p:nvCxnSpPr>
+        <p:spPr>
+          <a:xfrm>
+            <a:off x="251520" y="6293937"/>
+            <a:ext cx="8640960" cy="0"/>
+          </a:xfrm>
+          <a:prstGeom prst="straightConnector1">
+            <a:avLst/>
+          </a:prstGeom>
+          <a:ln>
+            <a:solidFill>
+              <a:schemeClr val="tx1"/>
+            </a:solidFill>
+            <a:tailEnd type="arrow"/>
+          </a:ln>
+        </p:spPr>
+        <p:style>
+          <a:lnRef idx="1">
+            <a:schemeClr val="accent1"/>
+          </a:lnRef>
+          <a:fillRef idx="0">
+            <a:schemeClr val="accent1"/>
+          </a:fillRef>
+          <a:effectRef idx="0">
+            <a:schemeClr val="accent1"/>
+          </a:effectRef>
+          <a:fontRef idx="minor">
+            <a:schemeClr val="tx1"/>
+          </a:fontRef>
+        </p:style>
+      </p:cxnSp>
+      <p:sp>
+        <p:nvSpPr>
+          <p:cNvPr id="11" name="TextBox 10"/>
+          <p:cNvSpPr txBox="1"/>
+          <p:nvPr/>
+        </p:nvSpPr>
+        <p:spPr>
+          <a:xfrm>
+            <a:off x="0" y="656692"/>
+            <a:ext cx="252028" cy="369332"/>
+          </a:xfrm>
+          <a:prstGeom prst="rect">
+            <a:avLst/>
+          </a:prstGeom>
+          <a:noFill/>
+        </p:spPr>
+        <p:txBody>
+          <a:bodyPr wrap="square" rtlCol="0">
+            <a:spAutoFit/>
+          </a:bodyPr>
+          <a:lstStyle/>
+          <a:p>
+            <a:r>
+              <a:rPr lang="en-US" altLang="zh-CN" dirty="0"/>
+              <a:t>Z</a:t>
+            </a:r>
+            <a:endParaRPr lang="zh-CN" altLang="en-US" dirty="0"/>
+          </a:p>
+        </p:txBody>
+      </p:sp>
+      <p:sp>
+        <p:nvSpPr>
+          <p:cNvPr id="13" name="TextBox 12"/>
+          <p:cNvSpPr txBox="1"/>
+          <p:nvPr/>
+        </p:nvSpPr>
+        <p:spPr>
+          <a:xfrm>
+            <a:off x="7992380" y="6381328"/>
+            <a:ext cx="468052" cy="369332"/>
+          </a:xfrm>
+          <a:prstGeom prst="rect">
+            <a:avLst/>
+          </a:prstGeom>
+          <a:noFill/>
+        </p:spPr>
+        <p:txBody>
+          <a:bodyPr wrap="square" rtlCol="0">
+            <a:spAutoFit/>
+          </a:bodyPr>
+          <a:lstStyle/>
+          <a:p>
+            <a:r>
+              <a:rPr lang="en-US" altLang="zh-CN" dirty="0"/>
+              <a:t>X</a:t>
+            </a:r>
+            <a:endParaRPr lang="zh-CN" altLang="en-US" dirty="0"/>
+          </a:p>
+        </p:txBody>
+      </p:sp>
+      <p:sp>
+        <p:nvSpPr>
+          <p:cNvPr id="15" name="TextBox 14"/>
+          <p:cNvSpPr txBox="1"/>
+          <p:nvPr/>
+        </p:nvSpPr>
+        <p:spPr>
+          <a:xfrm>
+            <a:off x="4175956" y="766445"/>
+            <a:ext cx="936104" cy="646331"/>
+          </a:xfrm>
+          <a:prstGeom prst="rect">
+            <a:avLst/>
+          </a:prstGeom>
+          <a:noFill/>
+        </p:spPr>
+        <p:txBody>
+          <a:bodyPr wrap="square" rtlCol="0">
+            <a:spAutoFit/>
+          </a:bodyPr>
+          <a:lstStyle/>
+          <a:p>
+            <a:r>
+              <a:rPr lang="zh-CN" altLang="en-US" dirty="0"/>
+              <a:t>投影仪 </a:t>
+            </a:r>
+            <a:r>
+              <a:rPr lang="en-US" altLang="zh-CN" dirty="0"/>
+              <a:t>P</a:t>
+            </a:r>
+            <a:endParaRPr lang="zh-CN" altLang="en-US" dirty="0"/>
+          </a:p>
+        </p:txBody>
+      </p:sp>
+      <p:sp>
+        <p:nvSpPr>
+          <p:cNvPr id="16" name="TextBox 15"/>
+          <p:cNvSpPr txBox="1"/>
+          <p:nvPr/>
+        </p:nvSpPr>
+        <p:spPr>
+          <a:xfrm>
+            <a:off x="6220938" y="780052"/>
+            <a:ext cx="936104" cy="646331"/>
+          </a:xfrm>
+          <a:prstGeom prst="rect">
+            <a:avLst/>
+          </a:prstGeom>
+          <a:noFill/>
+        </p:spPr>
+        <p:txBody>
+          <a:bodyPr wrap="square" rtlCol="0">
+            <a:spAutoFit/>
+          </a:bodyPr>
+          <a:lstStyle/>
+          <a:p>
+            <a:r>
+              <a:rPr lang="zh-CN" altLang="en-US" dirty="0"/>
+              <a:t>相机</a:t>
+            </a:r>
+            <a:endParaRPr lang="en-US" altLang="zh-CN" dirty="0"/>
+          </a:p>
+          <a:p>
+            <a:r>
+              <a:rPr lang="en-US" altLang="zh-CN" dirty="0"/>
+              <a:t>C</a:t>
+            </a:r>
+            <a:endParaRPr lang="zh-CN" altLang="en-US" dirty="0"/>
+          </a:p>
+        </p:txBody>
+      </p:sp>
+      <p:sp>
+        <p:nvSpPr>
+          <p:cNvPr id="17" name="等腰三角形 16"/>
+          <p:cNvSpPr/>
+          <p:nvPr/>
+        </p:nvSpPr>
+        <p:spPr>
+          <a:xfrm>
+            <a:off x="4175956" y="1412776"/>
+            <a:ext cx="144016" cy="109753"/>
+          </a:xfrm>
+          <a:prstGeom prst="triangle">
+            <a:avLst/>
+          </a:prstGeom>
+          <a:solidFill>
+            <a:schemeClr val="tx1"/>
+          </a:solidFill>
+          <a:ln>
+            <a:solidFill>
+              <a:schemeClr val="tx1"/>
+            </a:solidFill>
+          </a:ln>
+        </p:spPr>
+        <p:style>
+          <a:lnRef idx="2">
+            <a:schemeClr val="accent1">
+              <a:shade val="50000"/>
+            </a:schemeClr>
+          </a:lnRef>
+          <a:fillRef idx="1">
+            <a:schemeClr val="accent1"/>
+          </a:fillRef>
+          <a:effectRef idx="0">
+            <a:schemeClr val="accent1"/>
+          </a:effectRef>
+          <a:fontRef idx="minor">
+            <a:schemeClr val="lt1"/>
+          </a:fontRef>
+        </p:style>
+        <p:txBody>
+          <a:bodyPr rtlCol="0" anchor="ctr"/>
+          <a:lstStyle/>
+          <a:p>
+            <a:pPr algn="ctr"/>
+            <a:endParaRPr lang="zh-CN" altLang="en-US"/>
+          </a:p>
+        </p:txBody>
+      </p:sp>
+      <p:sp>
+        <p:nvSpPr>
+          <p:cNvPr id="18" name="等腰三角形 17"/>
+          <p:cNvSpPr/>
+          <p:nvPr/>
+        </p:nvSpPr>
+        <p:spPr>
+          <a:xfrm rot="2092974">
+            <a:off x="6239384" y="1371507"/>
+            <a:ext cx="144016" cy="109753"/>
+          </a:xfrm>
+          <a:prstGeom prst="triangle">
+            <a:avLst/>
+          </a:prstGeom>
+          <a:solidFill>
+            <a:schemeClr val="tx1"/>
+          </a:solidFill>
+          <a:ln>
+            <a:solidFill>
+              <a:schemeClr val="tx1"/>
+            </a:solidFill>
+          </a:ln>
+        </p:spPr>
+        <p:style>
+          <a:lnRef idx="2">
+            <a:schemeClr val="accent1">
+              <a:shade val="50000"/>
+            </a:schemeClr>
+          </a:lnRef>
+          <a:fillRef idx="1">
+            <a:schemeClr val="accent1"/>
+          </a:fillRef>
+          <a:effectRef idx="0">
+            <a:schemeClr val="accent1"/>
+          </a:effectRef>
+          <a:fontRef idx="minor">
+            <a:schemeClr val="lt1"/>
+          </a:fontRef>
+        </p:style>
+        <p:txBody>
+          <a:bodyPr rtlCol="0" anchor="ctr"/>
+          <a:lstStyle/>
+          <a:p>
+            <a:pPr algn="ctr"/>
+            <a:endParaRPr lang="zh-CN" altLang="en-US"/>
+          </a:p>
+        </p:txBody>
+      </p:sp>
+      <mc:AlternateContent xmlns:mc="http://schemas.openxmlformats.org/markup-compatibility/2006" xmlns:a14="http://schemas.microsoft.com/office/drawing/2010/main">
+        <mc:Choice Requires="a14">
+          <p:sp>
+            <p:nvSpPr>
+              <p:cNvPr id="78" name="TextBox 77"/>
+              <p:cNvSpPr txBox="1"/>
+              <p:nvPr/>
+            </p:nvSpPr>
+            <p:spPr>
+              <a:xfrm>
+                <a:off x="30691" y="6084687"/>
+                <a:ext cx="466794" cy="369332"/>
+              </a:xfrm>
+              <a:prstGeom prst="rect">
+                <a:avLst/>
+              </a:prstGeom>
+              <a:noFill/>
+            </p:spPr>
+            <p:txBody>
+              <a:bodyPr wrap="none" rtlCol="0">
+                <a:spAutoFit/>
+              </a:bodyPr>
+              <a:lstStyle/>
+              <a:p>
+                <a:pPr/>
+                <a14:m>
+                  <m:oMathPara xmlns:m="http://schemas.openxmlformats.org/officeDocument/2006/math">
+                    <m:oMathParaPr>
+                      <m:jc m:val="centerGroup"/>
+                    </m:oMathParaPr>
+                    <m:oMath xmlns:m="http://schemas.openxmlformats.org/officeDocument/2006/math">
+                      <m:r>
+                        <a:rPr lang="zh-CN" altLang="en-US" i="1" smtClean="0">
+                          <a:latin typeface="Cambria Math"/>
+                        </a:rPr>
+                        <m:t>⊙</m:t>
+                      </m:r>
+                    </m:oMath>
+                  </m:oMathPara>
+                </a14:m>
+                <a:endParaRPr lang="zh-CN" altLang="en-US" dirty="0"/>
+              </a:p>
+            </p:txBody>
+          </p:sp>
+        </mc:Choice>
+        <mc:Fallback xmlns="">
+          <p:sp>
+            <p:nvSpPr>
+              <p:cNvPr id="78" name="TextBox 77"/>
+              <p:cNvSpPr txBox="1">
+                <a:spLocks noRot="1" noChangeAspect="1" noMove="1" noResize="1" noEditPoints="1" noAdjustHandles="1" noChangeArrowheads="1" noChangeShapeType="1" noTextEdit="1"/>
+              </p:cNvSpPr>
+              <p:nvPr/>
+            </p:nvSpPr>
+            <p:spPr>
+              <a:xfrm>
+                <a:off x="30691" y="6084687"/>
+                <a:ext cx="466794" cy="369332"/>
+              </a:xfrm>
+              <a:prstGeom prst="rect">
+                <a:avLst/>
+              </a:prstGeom>
+              <a:blipFill rotWithShape="1">
+                <a:blip r:embed="rId2"/>
+                <a:stretch>
+                  <a:fillRect b="-4918"/>
+                </a:stretch>
+              </a:blipFill>
+            </p:spPr>
+            <p:txBody>
+              <a:bodyPr/>
+              <a:lstStyle/>
+              <a:p>
+                <a:r>
+                  <a:rPr lang="zh-CN" altLang="en-US">
+                    <a:noFill/>
+                  </a:rPr>
+                  <a:t> </a:t>
+                </a:r>
+              </a:p>
+            </p:txBody>
+          </p:sp>
+        </mc:Fallback>
+      </mc:AlternateContent>
+      <p:sp>
+        <p:nvSpPr>
+          <p:cNvPr id="79" name="TextBox 78"/>
+          <p:cNvSpPr txBox="1"/>
+          <p:nvPr/>
+        </p:nvSpPr>
+        <p:spPr>
+          <a:xfrm>
+            <a:off x="203789" y="6415798"/>
+            <a:ext cx="347472" cy="369332"/>
+          </a:xfrm>
+          <a:prstGeom prst="rect">
+            <a:avLst/>
+          </a:prstGeom>
+          <a:noFill/>
+        </p:spPr>
+        <p:txBody>
+          <a:bodyPr wrap="square" rtlCol="0">
+            <a:spAutoFit/>
+          </a:bodyPr>
+          <a:lstStyle/>
+          <a:p>
+            <a:r>
+              <a:rPr lang="en-US" altLang="zh-CN" dirty="0"/>
+              <a:t>Y</a:t>
+            </a:r>
+            <a:endParaRPr lang="zh-CN" altLang="en-US" dirty="0"/>
+          </a:p>
+        </p:txBody>
+      </p:sp>
+      <p:cxnSp>
+        <p:nvCxnSpPr>
+          <p:cNvPr id="3" name="直接连接符 2">
+            <a:extLst>
+              <a:ext uri="{FF2B5EF4-FFF2-40B4-BE49-F238E27FC236}">
+                <a16:creationId xmlns:a16="http://schemas.microsoft.com/office/drawing/2014/main" id="{CB0FF602-FB43-4F40-94E1-AB63F4E5C343}"/>
+              </a:ext>
+            </a:extLst>
+          </p:cNvPr>
+          <p:cNvCxnSpPr/>
+          <p:nvPr/>
+        </p:nvCxnSpPr>
+        <p:spPr>
+          <a:xfrm>
+            <a:off x="863588" y="5841268"/>
+            <a:ext cx="6624736" cy="0"/>
+          </a:xfrm>
+          <a:prstGeom prst="line">
+            <a:avLst/>
+          </a:prstGeom>
+          <a:ln w="76200">
+            <a:solidFill>
+              <a:schemeClr val="tx1"/>
+            </a:solidFill>
+            <a:prstDash val="dash"/>
+          </a:ln>
+        </p:spPr>
+        <p:style>
+          <a:lnRef idx="1">
+            <a:schemeClr val="accent1"/>
+          </a:lnRef>
+          <a:fillRef idx="0">
+            <a:schemeClr val="accent1"/>
+          </a:fillRef>
+          <a:effectRef idx="0">
+            <a:schemeClr val="accent1"/>
+          </a:effectRef>
+          <a:fontRef idx="minor">
+            <a:schemeClr val="tx1"/>
+          </a:fontRef>
+        </p:style>
+      </p:cxnSp>
+      <p:cxnSp>
+        <p:nvCxnSpPr>
+          <p:cNvPr id="26" name="直接连接符 25">
+            <a:extLst>
+              <a:ext uri="{FF2B5EF4-FFF2-40B4-BE49-F238E27FC236}">
+                <a16:creationId xmlns:a16="http://schemas.microsoft.com/office/drawing/2014/main" id="{5D42EDC8-3411-48C5-A921-D317B9FBF77D}"/>
+              </a:ext>
+            </a:extLst>
+          </p:cNvPr>
+          <p:cNvCxnSpPr>
+            <a:cxnSpLocks/>
+          </p:cNvCxnSpPr>
+          <p:nvPr/>
+        </p:nvCxnSpPr>
+        <p:spPr>
+          <a:xfrm flipH="1">
+            <a:off x="4211041" y="1522529"/>
+            <a:ext cx="32697" cy="5074823"/>
+          </a:xfrm>
+          <a:prstGeom prst="line">
+            <a:avLst/>
+          </a:prstGeom>
+          <a:ln>
+            <a:solidFill>
+              <a:schemeClr val="tx1"/>
+            </a:solidFill>
+            <a:prstDash val="dashDot"/>
+          </a:ln>
+        </p:spPr>
+        <p:style>
+          <a:lnRef idx="1">
+            <a:schemeClr val="accent1"/>
+          </a:lnRef>
+          <a:fillRef idx="0">
+            <a:schemeClr val="accent1"/>
+          </a:fillRef>
+          <a:effectRef idx="0">
+            <a:schemeClr val="accent1"/>
+          </a:effectRef>
+          <a:fontRef idx="minor">
+            <a:schemeClr val="tx1"/>
+          </a:fontRef>
+        </p:style>
+      </p:cxnSp>
+      <p:cxnSp>
+        <p:nvCxnSpPr>
+          <p:cNvPr id="38" name="直接连接符 37">
+            <a:extLst>
+              <a:ext uri="{FF2B5EF4-FFF2-40B4-BE49-F238E27FC236}">
+                <a16:creationId xmlns:a16="http://schemas.microsoft.com/office/drawing/2014/main" id="{ADF596FD-E5F0-48FF-81C1-8FA7B006C93D}"/>
+              </a:ext>
+            </a:extLst>
+          </p:cNvPr>
+          <p:cNvCxnSpPr>
+            <a:cxnSpLocks/>
+            <a:stCxn id="18" idx="3"/>
+          </p:cNvCxnSpPr>
+          <p:nvPr/>
+        </p:nvCxnSpPr>
+        <p:spPr>
+          <a:xfrm flipH="1">
+            <a:off x="1109552" y="1471400"/>
+            <a:ext cx="5170456" cy="5235705"/>
+          </a:xfrm>
+          <a:prstGeom prst="line">
+            <a:avLst/>
+          </a:prstGeom>
+          <a:ln>
+            <a:solidFill>
+              <a:schemeClr val="tx1"/>
+            </a:solidFill>
+            <a:prstDash val="dashDot"/>
+          </a:ln>
+        </p:spPr>
+        <p:style>
+          <a:lnRef idx="1">
+            <a:schemeClr val="accent1"/>
+          </a:lnRef>
+          <a:fillRef idx="0">
+            <a:schemeClr val="accent1"/>
+          </a:fillRef>
+          <a:effectRef idx="0">
+            <a:schemeClr val="accent1"/>
+          </a:effectRef>
+          <a:fontRef idx="minor">
+            <a:schemeClr val="tx1"/>
+          </a:fontRef>
+        </p:style>
+      </p:cxnSp>
+      <p:cxnSp>
+        <p:nvCxnSpPr>
+          <p:cNvPr id="50" name="直接连接符 49">
+            <a:extLst>
+              <a:ext uri="{FF2B5EF4-FFF2-40B4-BE49-F238E27FC236}">
+                <a16:creationId xmlns:a16="http://schemas.microsoft.com/office/drawing/2014/main" id="{92B843EF-1A87-4A5E-A1FF-4F5D5818ADD9}"/>
+              </a:ext>
+            </a:extLst>
+          </p:cNvPr>
+          <p:cNvCxnSpPr/>
+          <p:nvPr/>
+        </p:nvCxnSpPr>
+        <p:spPr>
+          <a:xfrm>
+            <a:off x="863588" y="5265204"/>
+            <a:ext cx="6624736" cy="0"/>
+          </a:xfrm>
+          <a:prstGeom prst="line">
+            <a:avLst/>
+          </a:prstGeom>
+          <a:ln w="76200">
+            <a:solidFill>
+              <a:schemeClr val="tx1"/>
+            </a:solidFill>
+            <a:prstDash val="dash"/>
+          </a:ln>
+        </p:spPr>
+        <p:style>
+          <a:lnRef idx="1">
+            <a:schemeClr val="accent1"/>
+          </a:lnRef>
+          <a:fillRef idx="0">
+            <a:schemeClr val="accent1"/>
+          </a:fillRef>
+          <a:effectRef idx="0">
+            <a:schemeClr val="accent1"/>
+          </a:effectRef>
+          <a:fontRef idx="minor">
+            <a:schemeClr val="tx1"/>
+          </a:fontRef>
+        </p:style>
+      </p:cxnSp>
+      <p:sp>
+        <p:nvSpPr>
+          <p:cNvPr id="42" name="文本框 41">
+            <a:extLst>
+              <a:ext uri="{FF2B5EF4-FFF2-40B4-BE49-F238E27FC236}">
+                <a16:creationId xmlns:a16="http://schemas.microsoft.com/office/drawing/2014/main" id="{E3662C9B-6FBF-4DA7-8C31-39BCF29FF596}"/>
+              </a:ext>
+            </a:extLst>
+          </p:cNvPr>
+          <p:cNvSpPr txBox="1"/>
+          <p:nvPr/>
+        </p:nvSpPr>
+        <p:spPr>
+          <a:xfrm>
+            <a:off x="5328084" y="2888940"/>
+            <a:ext cx="1197888" cy="369332"/>
+          </a:xfrm>
+          <a:prstGeom prst="rect">
+            <a:avLst/>
+          </a:prstGeom>
+          <a:noFill/>
+        </p:spPr>
+        <p:txBody>
+          <a:bodyPr wrap="square" rtlCol="0">
+            <a:spAutoFit/>
+          </a:bodyPr>
+          <a:lstStyle/>
+          <a:p>
+            <a:r>
+              <a:rPr lang="zh-CN" altLang="en-US" dirty="0"/>
+              <a:t>相机光轴</a:t>
+            </a:r>
+          </a:p>
+        </p:txBody>
+      </p:sp>
+      <p:sp>
+        <p:nvSpPr>
+          <p:cNvPr id="43" name="矩形 42">
+            <a:extLst>
+              <a:ext uri="{FF2B5EF4-FFF2-40B4-BE49-F238E27FC236}">
+                <a16:creationId xmlns:a16="http://schemas.microsoft.com/office/drawing/2014/main" id="{EFE26E2F-83A3-4FF5-B7D5-72ED7F176E03}"/>
+              </a:ext>
+            </a:extLst>
+          </p:cNvPr>
+          <p:cNvSpPr/>
+          <p:nvPr/>
+        </p:nvSpPr>
+        <p:spPr>
+          <a:xfrm>
+            <a:off x="2904910" y="2366595"/>
+            <a:ext cx="1338828" cy="369332"/>
+          </a:xfrm>
+          <a:prstGeom prst="rect">
+            <a:avLst/>
+          </a:prstGeom>
+        </p:spPr>
+        <p:txBody>
+          <a:bodyPr wrap="none">
+            <a:spAutoFit/>
+          </a:bodyPr>
+          <a:lstStyle/>
+          <a:p>
+            <a:r>
+              <a:rPr lang="zh-CN" altLang="en-US" dirty="0"/>
+              <a:t>投影仪光轴</a:t>
+            </a:r>
+          </a:p>
+        </p:txBody>
+      </p:sp>
+      <p:cxnSp>
+        <p:nvCxnSpPr>
+          <p:cNvPr id="46" name="直接箭头连接符 45">
+            <a:extLst>
+              <a:ext uri="{FF2B5EF4-FFF2-40B4-BE49-F238E27FC236}">
+                <a16:creationId xmlns:a16="http://schemas.microsoft.com/office/drawing/2014/main" id="{0E0BA109-FD1B-4A4E-BEA4-FD8E0A2E4775}"/>
+              </a:ext>
+            </a:extLst>
+          </p:cNvPr>
+          <p:cNvCxnSpPr>
+            <a:cxnSpLocks/>
+          </p:cNvCxnSpPr>
+          <p:nvPr/>
+        </p:nvCxnSpPr>
+        <p:spPr>
+          <a:xfrm flipV="1">
+            <a:off x="7488324" y="5085184"/>
+            <a:ext cx="0" cy="360040"/>
+          </a:xfrm>
+          <a:prstGeom prst="straightConnector1">
+            <a:avLst/>
+          </a:prstGeom>
+          <a:ln w="28575">
+            <a:solidFill>
+              <a:schemeClr val="tx1"/>
+            </a:solidFill>
+            <a:tailEnd type="triangle"/>
+          </a:ln>
+        </p:spPr>
+        <p:style>
+          <a:lnRef idx="1">
+            <a:schemeClr val="accent1"/>
+          </a:lnRef>
+          <a:fillRef idx="0">
+            <a:schemeClr val="accent1"/>
+          </a:fillRef>
+          <a:effectRef idx="0">
+            <a:schemeClr val="accent1"/>
+          </a:effectRef>
+          <a:fontRef idx="minor">
+            <a:schemeClr val="tx1"/>
+          </a:fontRef>
+        </p:style>
+      </p:cxnSp>
+      <p:cxnSp>
+        <p:nvCxnSpPr>
+          <p:cNvPr id="59" name="直接箭头连接符 58">
+            <a:extLst>
+              <a:ext uri="{FF2B5EF4-FFF2-40B4-BE49-F238E27FC236}">
+                <a16:creationId xmlns:a16="http://schemas.microsoft.com/office/drawing/2014/main" id="{D270180F-B9A0-4E72-B212-796882122FED}"/>
+              </a:ext>
+            </a:extLst>
+          </p:cNvPr>
+          <p:cNvCxnSpPr>
+            <a:cxnSpLocks/>
+          </p:cNvCxnSpPr>
+          <p:nvPr/>
+        </p:nvCxnSpPr>
+        <p:spPr>
+          <a:xfrm>
+            <a:off x="7482544" y="5669632"/>
+            <a:ext cx="0" cy="315652"/>
+          </a:xfrm>
+          <a:prstGeom prst="straightConnector1">
+            <a:avLst/>
+          </a:prstGeom>
+          <a:ln w="28575">
+            <a:solidFill>
+              <a:schemeClr val="tx1"/>
+            </a:solidFill>
+            <a:tailEnd type="triangle"/>
+          </a:ln>
+        </p:spPr>
+        <p:style>
+          <a:lnRef idx="1">
+            <a:schemeClr val="accent1"/>
+          </a:lnRef>
+          <a:fillRef idx="0">
+            <a:schemeClr val="accent1"/>
+          </a:fillRef>
+          <a:effectRef idx="0">
+            <a:schemeClr val="accent1"/>
+          </a:effectRef>
+          <a:fontRef idx="minor">
+            <a:schemeClr val="tx1"/>
+          </a:fontRef>
+        </p:style>
+      </p:cxnSp>
+      <mc:AlternateContent xmlns:mc="http://schemas.openxmlformats.org/markup-compatibility/2006">
+        <mc:Choice xmlns:a14="http://schemas.microsoft.com/office/drawing/2010/main" Requires="a14">
+          <p:sp>
+            <p:nvSpPr>
+              <p:cNvPr id="53" name="文本框 52">
+                <a:extLst>
+                  <a:ext uri="{FF2B5EF4-FFF2-40B4-BE49-F238E27FC236}">
+                    <a16:creationId xmlns:a16="http://schemas.microsoft.com/office/drawing/2014/main" id="{61119E18-158D-4878-87DD-F9C999AF2053}"/>
+                  </a:ext>
+                </a:extLst>
+              </p:cNvPr>
+              <p:cNvSpPr txBox="1"/>
+              <p:nvPr/>
+            </p:nvSpPr>
+            <p:spPr>
+              <a:xfrm>
+                <a:off x="7399774" y="5447289"/>
+                <a:ext cx="177100" cy="276999"/>
+              </a:xfrm>
+              <a:prstGeom prst="rect">
+                <a:avLst/>
+              </a:prstGeom>
+              <a:noFill/>
+            </p:spPr>
+            <p:txBody>
+              <a:bodyPr wrap="none" lIns="0" tIns="0" rIns="0" bIns="0" rtlCol="0">
+                <a:spAutoFit/>
+              </a:bodyPr>
+              <a:lstStyle/>
+              <a:p>
+                <a14:m>
+                  <m:oMathPara xmlns:m="http://schemas.openxmlformats.org/officeDocument/2006/math">
+                    <m:oMathParaPr>
+                      <m:jc m:val="centerGroup"/>
+                    </m:oMathParaPr>
+                    <m:oMath xmlns:m="http://schemas.openxmlformats.org/officeDocument/2006/math">
+                      <m:r>
+                        <a:rPr lang="zh-CN" altLang="en-US" i="1" smtClean="0">
+                          <a:latin typeface="Cambria Math" panose="02040503050406030204" pitchFamily="18" charset="0"/>
+                        </a:rPr>
+                        <m:t>𝜆</m:t>
+                      </m:r>
+                    </m:oMath>
+                  </m:oMathPara>
+                </a14:m>
+                <a:endParaRPr lang="zh-CN" altLang="en-US" dirty="0"/>
+              </a:p>
+            </p:txBody>
+          </p:sp>
+        </mc:Choice>
+        <mc:Fallback>
+          <p:sp>
+            <p:nvSpPr>
+              <p:cNvPr id="53" name="文本框 52">
+                <a:extLst>
+                  <a:ext uri="{FF2B5EF4-FFF2-40B4-BE49-F238E27FC236}">
+                    <a16:creationId xmlns:a16="http://schemas.microsoft.com/office/drawing/2014/main" id="{61119E18-158D-4878-87DD-F9C999AF2053}"/>
+                  </a:ext>
+                </a:extLst>
+              </p:cNvPr>
+              <p:cNvSpPr txBox="1">
+                <a:spLocks noRot="1" noChangeAspect="1" noMove="1" noResize="1" noEditPoints="1" noAdjustHandles="1" noChangeArrowheads="1" noChangeShapeType="1" noTextEdit="1"/>
+              </p:cNvSpPr>
+              <p:nvPr/>
+            </p:nvSpPr>
+            <p:spPr>
+              <a:xfrm>
+                <a:off x="7399774" y="5447289"/>
+                <a:ext cx="177100" cy="276999"/>
+              </a:xfrm>
+              <a:prstGeom prst="rect">
+                <a:avLst/>
+              </a:prstGeom>
+              <a:blipFill>
+                <a:blip r:embed="rId3"/>
+                <a:stretch>
+                  <a:fillRect l="-34483" r="-31034" b="-8889"/>
+                </a:stretch>
+              </a:blipFill>
+            </p:spPr>
+            <p:txBody>
+              <a:bodyPr/>
+              <a:lstStyle/>
+              <a:p>
+                <a:r>
+                  <a:rPr lang="zh-CN" altLang="en-US">
+                    <a:noFill/>
+                  </a:rPr>
+                  <a:t> </a:t>
+                </a:r>
+              </a:p>
+            </p:txBody>
+          </p:sp>
+        </mc:Fallback>
+      </mc:AlternateContent>
+      <p:sp>
+        <p:nvSpPr>
+          <p:cNvPr id="60" name="文本框 59">
+            <a:extLst>
+              <a:ext uri="{FF2B5EF4-FFF2-40B4-BE49-F238E27FC236}">
+                <a16:creationId xmlns:a16="http://schemas.microsoft.com/office/drawing/2014/main" id="{9A072539-2E6B-48C6-9956-47FC37B4E93D}"/>
+              </a:ext>
+            </a:extLst>
+          </p:cNvPr>
+          <p:cNvSpPr txBox="1"/>
+          <p:nvPr/>
+        </p:nvSpPr>
+        <p:spPr>
+          <a:xfrm>
+            <a:off x="1813473" y="5958249"/>
+            <a:ext cx="415178" cy="276999"/>
+          </a:xfrm>
+          <a:prstGeom prst="rect">
+            <a:avLst/>
+          </a:prstGeom>
+          <a:noFill/>
+        </p:spPr>
+        <p:txBody>
+          <a:bodyPr wrap="none" lIns="0" tIns="0" rIns="0" bIns="0" rtlCol="0">
+            <a:spAutoFit/>
+          </a:bodyPr>
+          <a:lstStyle/>
+          <a:p>
+            <a:r>
+              <a:rPr lang="en-US" altLang="zh-CN" dirty="0"/>
+              <a:t>m</a:t>
+            </a:r>
+            <a:r>
+              <a:rPr lang="zh-CN" altLang="en-US" dirty="0"/>
+              <a:t>级</a:t>
+            </a:r>
+          </a:p>
+        </p:txBody>
+      </p:sp>
+      <p:sp>
+        <p:nvSpPr>
+          <p:cNvPr id="66" name="文本框 65">
+            <a:extLst>
+              <a:ext uri="{FF2B5EF4-FFF2-40B4-BE49-F238E27FC236}">
+                <a16:creationId xmlns:a16="http://schemas.microsoft.com/office/drawing/2014/main" id="{67C29E1E-EC4F-43E9-814B-4481FC270893}"/>
+              </a:ext>
+            </a:extLst>
+          </p:cNvPr>
+          <p:cNvSpPr txBox="1"/>
+          <p:nvPr/>
+        </p:nvSpPr>
+        <p:spPr>
+          <a:xfrm>
+            <a:off x="2021062" y="4812536"/>
+            <a:ext cx="983821" cy="276999"/>
+          </a:xfrm>
+          <a:prstGeom prst="rect">
+            <a:avLst/>
+          </a:prstGeom>
+          <a:noFill/>
+        </p:spPr>
+        <p:txBody>
+          <a:bodyPr wrap="square" lIns="0" tIns="0" rIns="0" bIns="0" rtlCol="0">
+            <a:spAutoFit/>
+          </a:bodyPr>
+          <a:lstStyle/>
+          <a:p>
+            <a:r>
+              <a:rPr lang="en-US" altLang="zh-CN" dirty="0"/>
+              <a:t>(m+1)</a:t>
+            </a:r>
+            <a:r>
+              <a:rPr lang="zh-CN" altLang="en-US" dirty="0"/>
+              <a:t>级</a:t>
+            </a:r>
+          </a:p>
+        </p:txBody>
+      </p:sp>
+      <p:sp>
+        <p:nvSpPr>
+          <p:cNvPr id="63" name="弧形 62">
+            <a:extLst>
+              <a:ext uri="{FF2B5EF4-FFF2-40B4-BE49-F238E27FC236}">
+                <a16:creationId xmlns:a16="http://schemas.microsoft.com/office/drawing/2014/main" id="{B17170E0-FA57-4BA7-A404-06487111A4FB}"/>
+              </a:ext>
+            </a:extLst>
+          </p:cNvPr>
+          <p:cNvSpPr/>
+          <p:nvPr/>
+        </p:nvSpPr>
+        <p:spPr>
+          <a:xfrm>
+            <a:off x="4046909" y="3237362"/>
+            <a:ext cx="360959" cy="191638"/>
+          </a:xfrm>
+          <a:prstGeom prst="arc">
+            <a:avLst/>
+          </a:prstGeom>
+        </p:spPr>
+        <p:style>
+          <a:lnRef idx="1">
+            <a:schemeClr val="accent1"/>
+          </a:lnRef>
+          <a:fillRef idx="0">
+            <a:schemeClr val="accent1"/>
+          </a:fillRef>
+          <a:effectRef idx="0">
+            <a:schemeClr val="accent1"/>
+          </a:effectRef>
+          <a:fontRef idx="minor">
+            <a:schemeClr val="tx1"/>
+          </a:fontRef>
+        </p:style>
+        <p:txBody>
+          <a:bodyPr rtlCol="0" anchor="ctr"/>
+          <a:lstStyle/>
+          <a:p>
+            <a:pPr algn="ctr"/>
+            <a:endParaRPr lang="zh-CN" altLang="en-US"/>
+          </a:p>
+        </p:txBody>
+      </p:sp>
+      <mc:AlternateContent xmlns:mc="http://schemas.openxmlformats.org/markup-compatibility/2006">
+        <mc:Choice xmlns:a14="http://schemas.microsoft.com/office/drawing/2010/main" Requires="a14">
+          <p:sp>
+            <p:nvSpPr>
+              <p:cNvPr id="64" name="文本框 63">
+                <a:extLst>
+                  <a:ext uri="{FF2B5EF4-FFF2-40B4-BE49-F238E27FC236}">
+                    <a16:creationId xmlns:a16="http://schemas.microsoft.com/office/drawing/2014/main" id="{3AB8B4F8-2B95-4590-8EF2-68F8C700C738}"/>
+                  </a:ext>
+                </a:extLst>
+              </p:cNvPr>
+              <p:cNvSpPr txBox="1"/>
+              <p:nvPr/>
+            </p:nvSpPr>
+            <p:spPr>
+              <a:xfrm>
+                <a:off x="4280344" y="3001284"/>
+                <a:ext cx="189474" cy="276999"/>
+              </a:xfrm>
+              <a:prstGeom prst="rect">
+                <a:avLst/>
+              </a:prstGeom>
+              <a:noFill/>
+            </p:spPr>
+            <p:txBody>
+              <a:bodyPr wrap="none" lIns="0" tIns="0" rIns="0" bIns="0" rtlCol="0">
+                <a:spAutoFit/>
+              </a:bodyPr>
+              <a:lstStyle/>
+              <a:p>
+                <a14:m>
+                  <m:oMathPara xmlns:m="http://schemas.openxmlformats.org/officeDocument/2006/math">
+                    <m:oMathParaPr>
+                      <m:jc m:val="centerGroup"/>
+                    </m:oMathParaPr>
+                    <m:oMath xmlns:m="http://schemas.openxmlformats.org/officeDocument/2006/math">
+                      <m:r>
+                        <a:rPr lang="zh-CN" altLang="en-US" i="1" smtClean="0">
+                          <a:latin typeface="Cambria Math" panose="02040503050406030204" pitchFamily="18" charset="0"/>
+                        </a:rPr>
+                        <m:t>𝜃</m:t>
+                      </m:r>
+                    </m:oMath>
+                  </m:oMathPara>
+                </a14:m>
+                <a:endParaRPr lang="zh-CN" altLang="en-US" dirty="0"/>
+              </a:p>
+            </p:txBody>
+          </p:sp>
+        </mc:Choice>
+        <mc:Fallback>
+          <p:sp>
+            <p:nvSpPr>
+              <p:cNvPr id="64" name="文本框 63">
+                <a:extLst>
+                  <a:ext uri="{FF2B5EF4-FFF2-40B4-BE49-F238E27FC236}">
+                    <a16:creationId xmlns:a16="http://schemas.microsoft.com/office/drawing/2014/main" id="{3AB8B4F8-2B95-4590-8EF2-68F8C700C738}"/>
+                  </a:ext>
+                </a:extLst>
+              </p:cNvPr>
+              <p:cNvSpPr txBox="1">
+                <a:spLocks noRot="1" noChangeAspect="1" noMove="1" noResize="1" noEditPoints="1" noAdjustHandles="1" noChangeArrowheads="1" noChangeShapeType="1" noTextEdit="1"/>
+              </p:cNvSpPr>
+              <p:nvPr/>
+            </p:nvSpPr>
+            <p:spPr>
+              <a:xfrm>
+                <a:off x="4280344" y="3001284"/>
+                <a:ext cx="189474" cy="276999"/>
+              </a:xfrm>
+              <a:prstGeom prst="rect">
+                <a:avLst/>
+              </a:prstGeom>
+              <a:blipFill>
+                <a:blip r:embed="rId4"/>
+                <a:stretch>
+                  <a:fillRect l="-29032" r="-25806" b="-6522"/>
+                </a:stretch>
+              </a:blipFill>
+            </p:spPr>
+            <p:txBody>
+              <a:bodyPr/>
+              <a:lstStyle/>
+              <a:p>
+                <a:r>
+                  <a:rPr lang="zh-CN" altLang="en-US">
+                    <a:noFill/>
+                  </a:rPr>
+                  <a:t> </a:t>
+                </a:r>
+              </a:p>
+            </p:txBody>
+          </p:sp>
+        </mc:Fallback>
+      </mc:AlternateContent>
+      <p:cxnSp>
+        <p:nvCxnSpPr>
+          <p:cNvPr id="70" name="直接连接符 69">
+            <a:extLst>
+              <a:ext uri="{FF2B5EF4-FFF2-40B4-BE49-F238E27FC236}">
+                <a16:creationId xmlns:a16="http://schemas.microsoft.com/office/drawing/2014/main" id="{F51A1BA4-D8BD-4242-97E1-D460F28C9084}"/>
+              </a:ext>
+            </a:extLst>
+          </p:cNvPr>
+          <p:cNvCxnSpPr/>
+          <p:nvPr/>
+        </p:nvCxnSpPr>
+        <p:spPr>
+          <a:xfrm flipV="1">
+            <a:off x="2512972" y="404664"/>
+            <a:ext cx="0" cy="5422794"/>
+          </a:xfrm>
+          <a:prstGeom prst="line">
+            <a:avLst/>
+          </a:prstGeom>
+          <a:ln>
+            <a:solidFill>
+              <a:schemeClr val="tx1"/>
+            </a:solidFill>
+            <a:prstDash val="dash"/>
+          </a:ln>
+        </p:spPr>
+        <p:style>
+          <a:lnRef idx="1">
+            <a:schemeClr val="accent1"/>
+          </a:lnRef>
+          <a:fillRef idx="0">
+            <a:schemeClr val="accent1"/>
+          </a:fillRef>
+          <a:effectRef idx="0">
+            <a:schemeClr val="accent1"/>
+          </a:effectRef>
+          <a:fontRef idx="minor">
+            <a:schemeClr val="tx1"/>
+          </a:fontRef>
+        </p:style>
+      </p:cxnSp>
+      <p:cxnSp>
+        <p:nvCxnSpPr>
+          <p:cNvPr id="72" name="直接连接符 71">
+            <a:extLst>
+              <a:ext uri="{FF2B5EF4-FFF2-40B4-BE49-F238E27FC236}">
+                <a16:creationId xmlns:a16="http://schemas.microsoft.com/office/drawing/2014/main" id="{91CB4497-29B9-4163-A603-436031666A7A}"/>
+              </a:ext>
+            </a:extLst>
+          </p:cNvPr>
+          <p:cNvCxnSpPr/>
+          <p:nvPr/>
+        </p:nvCxnSpPr>
+        <p:spPr>
+          <a:xfrm flipV="1">
+            <a:off x="2021062" y="404664"/>
+            <a:ext cx="0" cy="5436604"/>
+          </a:xfrm>
+          <a:prstGeom prst="line">
+            <a:avLst/>
+          </a:prstGeom>
+          <a:ln>
+            <a:solidFill>
+              <a:schemeClr val="tx1"/>
+            </a:solidFill>
+            <a:prstDash val="dash"/>
+          </a:ln>
+        </p:spPr>
+        <p:style>
+          <a:lnRef idx="1">
+            <a:schemeClr val="accent1"/>
+          </a:lnRef>
+          <a:fillRef idx="0">
+            <a:schemeClr val="accent1"/>
+          </a:fillRef>
+          <a:effectRef idx="0">
+            <a:schemeClr val="accent1"/>
+          </a:effectRef>
+          <a:fontRef idx="minor">
+            <a:schemeClr val="tx1"/>
+          </a:fontRef>
+        </p:style>
+      </p:cxnSp>
+      <p:cxnSp>
+        <p:nvCxnSpPr>
+          <p:cNvPr id="74" name="直接箭头连接符 73">
+            <a:extLst>
+              <a:ext uri="{FF2B5EF4-FFF2-40B4-BE49-F238E27FC236}">
+                <a16:creationId xmlns:a16="http://schemas.microsoft.com/office/drawing/2014/main" id="{A6AFE42F-39E6-4891-9141-F959533606FD}"/>
+              </a:ext>
+            </a:extLst>
+          </p:cNvPr>
+          <p:cNvCxnSpPr>
+            <a:cxnSpLocks/>
+          </p:cNvCxnSpPr>
+          <p:nvPr/>
+        </p:nvCxnSpPr>
+        <p:spPr>
+          <a:xfrm>
+            <a:off x="1691680" y="841358"/>
+            <a:ext cx="329382" cy="0"/>
+          </a:xfrm>
+          <a:prstGeom prst="straightConnector1">
+            <a:avLst/>
+          </a:prstGeom>
+          <a:ln>
+            <a:solidFill>
+              <a:schemeClr val="tx1"/>
+            </a:solidFill>
+            <a:tailEnd type="triangle"/>
+          </a:ln>
+        </p:spPr>
+        <p:style>
+          <a:lnRef idx="1">
+            <a:schemeClr val="accent1"/>
+          </a:lnRef>
+          <a:fillRef idx="0">
+            <a:schemeClr val="accent1"/>
+          </a:fillRef>
+          <a:effectRef idx="0">
+            <a:schemeClr val="accent1"/>
+          </a:effectRef>
+          <a:fontRef idx="minor">
+            <a:schemeClr val="tx1"/>
+          </a:fontRef>
+        </p:style>
+      </p:cxnSp>
+      <p:cxnSp>
+        <p:nvCxnSpPr>
+          <p:cNvPr id="81" name="直接箭头连接符 80">
+            <a:extLst>
+              <a:ext uri="{FF2B5EF4-FFF2-40B4-BE49-F238E27FC236}">
+                <a16:creationId xmlns:a16="http://schemas.microsoft.com/office/drawing/2014/main" id="{D06DA077-70BB-4751-8171-DA66465E3CE2}"/>
+              </a:ext>
+            </a:extLst>
+          </p:cNvPr>
+          <p:cNvCxnSpPr>
+            <a:cxnSpLocks/>
+          </p:cNvCxnSpPr>
+          <p:nvPr/>
+        </p:nvCxnSpPr>
+        <p:spPr>
+          <a:xfrm flipH="1">
+            <a:off x="2512973" y="841358"/>
+            <a:ext cx="391937" cy="0"/>
+          </a:xfrm>
+          <a:prstGeom prst="straightConnector1">
+            <a:avLst/>
+          </a:prstGeom>
+          <a:ln>
+            <a:solidFill>
+              <a:schemeClr val="tx1"/>
+            </a:solidFill>
+            <a:tailEnd type="triangle"/>
+          </a:ln>
+        </p:spPr>
+        <p:style>
+          <a:lnRef idx="1">
+            <a:schemeClr val="accent1"/>
+          </a:lnRef>
+          <a:fillRef idx="0">
+            <a:schemeClr val="accent1"/>
+          </a:fillRef>
+          <a:effectRef idx="0">
+            <a:schemeClr val="accent1"/>
+          </a:effectRef>
+          <a:fontRef idx="minor">
+            <a:schemeClr val="tx1"/>
+          </a:fontRef>
+        </p:style>
+      </p:cxnSp>
+      <p:sp>
+        <p:nvSpPr>
+          <p:cNvPr id="83" name="文本框 82">
+            <a:extLst>
+              <a:ext uri="{FF2B5EF4-FFF2-40B4-BE49-F238E27FC236}">
+                <a16:creationId xmlns:a16="http://schemas.microsoft.com/office/drawing/2014/main" id="{96E9086B-10FC-4825-BC28-7A57EE920158}"/>
+              </a:ext>
+            </a:extLst>
+          </p:cNvPr>
+          <p:cNvSpPr txBox="1"/>
+          <p:nvPr/>
+        </p:nvSpPr>
+        <p:spPr>
+          <a:xfrm>
+            <a:off x="2152487" y="684499"/>
+            <a:ext cx="491911" cy="369332"/>
+          </a:xfrm>
+          <a:prstGeom prst="rect">
+            <a:avLst/>
+          </a:prstGeom>
+          <a:noFill/>
+        </p:spPr>
+        <p:txBody>
+          <a:bodyPr wrap="square" rtlCol="0">
+            <a:spAutoFit/>
+          </a:bodyPr>
+          <a:lstStyle/>
+          <a:p>
+            <a:r>
+              <a:rPr lang="en-US" altLang="zh-CN" dirty="0"/>
+              <a:t>L</a:t>
+            </a:r>
+            <a:endParaRPr lang="zh-CN" altLang="en-US" dirty="0"/>
+          </a:p>
+        </p:txBody>
+      </p:sp>
+      <p:cxnSp>
+        <p:nvCxnSpPr>
+          <p:cNvPr id="30" name="直接连接符 29">
+            <a:extLst>
+              <a:ext uri="{FF2B5EF4-FFF2-40B4-BE49-F238E27FC236}">
+                <a16:creationId xmlns:a16="http://schemas.microsoft.com/office/drawing/2014/main" id="{35245DCF-7430-43DD-9787-2BC37C85B235}"/>
+              </a:ext>
+            </a:extLst>
+          </p:cNvPr>
+          <p:cNvCxnSpPr>
+            <a:cxnSpLocks/>
+            <a:stCxn id="17" idx="2"/>
+          </p:cNvCxnSpPr>
+          <p:nvPr/>
+        </p:nvCxnSpPr>
+        <p:spPr>
+          <a:xfrm flipH="1">
+            <a:off x="459608" y="1522529"/>
+            <a:ext cx="3716348" cy="4893269"/>
+          </a:xfrm>
+          <a:prstGeom prst="line">
+            <a:avLst/>
+          </a:prstGeom>
+          <a:ln>
+            <a:solidFill>
+              <a:schemeClr val="tx1"/>
+            </a:solidFill>
+            <a:prstDash val="dashDot"/>
+          </a:ln>
+        </p:spPr>
+        <p:style>
+          <a:lnRef idx="1">
+            <a:schemeClr val="accent1"/>
+          </a:lnRef>
+          <a:fillRef idx="0">
+            <a:schemeClr val="accent1"/>
+          </a:fillRef>
+          <a:effectRef idx="0">
+            <a:schemeClr val="accent1"/>
+          </a:effectRef>
+          <a:fontRef idx="minor">
+            <a:schemeClr val="tx1"/>
+          </a:fontRef>
+        </p:style>
+      </p:cxnSp>
+      <p:cxnSp>
+        <p:nvCxnSpPr>
+          <p:cNvPr id="32" name="直接连接符 31">
+            <a:extLst>
+              <a:ext uri="{FF2B5EF4-FFF2-40B4-BE49-F238E27FC236}">
+                <a16:creationId xmlns:a16="http://schemas.microsoft.com/office/drawing/2014/main" id="{E4F3BFE0-4230-4B86-9C45-55695C3694F9}"/>
+              </a:ext>
+            </a:extLst>
+          </p:cNvPr>
+          <p:cNvCxnSpPr>
+            <a:cxnSpLocks/>
+            <a:stCxn id="17" idx="4"/>
+          </p:cNvCxnSpPr>
+          <p:nvPr/>
+        </p:nvCxnSpPr>
+        <p:spPr>
+          <a:xfrm>
+            <a:off x="4319972" y="1522529"/>
+            <a:ext cx="3625659" cy="4782390"/>
+          </a:xfrm>
+          <a:prstGeom prst="line">
+            <a:avLst/>
+          </a:prstGeom>
+          <a:ln>
+            <a:solidFill>
+              <a:schemeClr val="tx1"/>
+            </a:solidFill>
+            <a:prstDash val="dashDot"/>
+          </a:ln>
+        </p:spPr>
+        <p:style>
+          <a:lnRef idx="1">
+            <a:schemeClr val="accent1"/>
+          </a:lnRef>
+          <a:fillRef idx="0">
+            <a:schemeClr val="accent1"/>
+          </a:fillRef>
+          <a:effectRef idx="0">
+            <a:schemeClr val="accent1"/>
+          </a:effectRef>
+          <a:fontRef idx="minor">
+            <a:schemeClr val="tx1"/>
+          </a:fontRef>
+        </p:style>
+      </p:cxnSp>
+      <p:cxnSp>
+        <p:nvCxnSpPr>
+          <p:cNvPr id="37" name="直接连接符 36">
+            <a:extLst>
+              <a:ext uri="{FF2B5EF4-FFF2-40B4-BE49-F238E27FC236}">
+                <a16:creationId xmlns:a16="http://schemas.microsoft.com/office/drawing/2014/main" id="{E8FF958E-3897-4B5B-92FA-4D617C8813FD}"/>
+              </a:ext>
+            </a:extLst>
+          </p:cNvPr>
+          <p:cNvCxnSpPr>
+            <a:cxnSpLocks/>
+          </p:cNvCxnSpPr>
+          <p:nvPr/>
+        </p:nvCxnSpPr>
+        <p:spPr>
+          <a:xfrm>
+            <a:off x="2398442" y="3825044"/>
+            <a:ext cx="3613718" cy="0"/>
+          </a:xfrm>
+          <a:prstGeom prst="line">
+            <a:avLst/>
+          </a:prstGeom>
+          <a:ln w="76200">
+            <a:solidFill>
+              <a:schemeClr val="tx1"/>
+            </a:solidFill>
+            <a:prstDash val="sysDot"/>
+          </a:ln>
+        </p:spPr>
+        <p:style>
+          <a:lnRef idx="1">
+            <a:schemeClr val="accent1"/>
+          </a:lnRef>
+          <a:fillRef idx="0">
+            <a:schemeClr val="accent1"/>
+          </a:fillRef>
+          <a:effectRef idx="0">
+            <a:schemeClr val="accent1"/>
+          </a:effectRef>
+          <a:fontRef idx="minor">
+            <a:schemeClr val="tx1"/>
+          </a:fontRef>
+        </p:style>
+      </p:cxnSp>
+      <p:sp>
+        <p:nvSpPr>
+          <p:cNvPr id="19" name="文本框 18">
+            <a:extLst>
+              <a:ext uri="{FF2B5EF4-FFF2-40B4-BE49-F238E27FC236}">
+                <a16:creationId xmlns:a16="http://schemas.microsoft.com/office/drawing/2014/main" id="{43863B5A-83D2-4E66-A51F-A87A957C034C}"/>
+              </a:ext>
+            </a:extLst>
+          </p:cNvPr>
+          <p:cNvSpPr txBox="1"/>
+          <p:nvPr/>
+        </p:nvSpPr>
+        <p:spPr>
+          <a:xfrm>
+            <a:off x="4375081" y="4059940"/>
+            <a:ext cx="1845857" cy="369332"/>
+          </a:xfrm>
+          <a:prstGeom prst="rect">
+            <a:avLst/>
+          </a:prstGeom>
+          <a:noFill/>
+        </p:spPr>
+        <p:txBody>
+          <a:bodyPr wrap="square" rtlCol="0">
+            <a:spAutoFit/>
+          </a:bodyPr>
+          <a:lstStyle/>
+          <a:p>
+            <a:r>
+              <a:rPr lang="zh-CN" altLang="en-US" dirty="0"/>
+              <a:t>条纹周期变短</a:t>
+            </a:r>
+          </a:p>
+        </p:txBody>
+      </p:sp>
+    </p:spTree>
+    <p:extLst>
+      <p:ext uri="{BB962C8B-B14F-4D97-AF65-F5344CB8AC3E}">
+        <p14:creationId xmlns:p14="http://schemas.microsoft.com/office/powerpoint/2010/main" val="2075153330"/>
       </p:ext>
     </p:extLst>
   </p:cSld>
@@ -7789,57 +9748,44 @@
           <a:lstStyle/>
           <a:p>
             <a:r>
-              <a:rPr lang="zh-CN" altLang="en-US" dirty="0" smtClean="0"/>
+              <a:rPr lang="zh-CN" altLang="en-US" dirty="0"/>
               <a:t>系统校准</a:t>
             </a:r>
-            <a:endParaRPr lang="en-US" altLang="zh-CN" dirty="0" smtClean="0"/>
+            <a:endParaRPr lang="en-US" altLang="zh-CN" dirty="0"/>
           </a:p>
           <a:p>
             <a:r>
-              <a:rPr lang="zh-CN" altLang="en-US" dirty="0" smtClean="0"/>
+              <a:rPr lang="zh-CN" altLang="en-US" dirty="0"/>
               <a:t>数字相移</a:t>
             </a:r>
-            <a:endParaRPr lang="en-US" altLang="zh-CN" dirty="0" smtClean="0"/>
+            <a:endParaRPr lang="en-US" altLang="zh-CN" dirty="0"/>
           </a:p>
           <a:p>
             <a:r>
               <a:rPr lang="zh-CN" altLang="en-US" dirty="0"/>
-              <a:t>条</a:t>
+              <a:t>条纹去除</a:t>
             </a:r>
-            <a:r>
-              <a:rPr lang="zh-CN" altLang="en-US" dirty="0" smtClean="0"/>
-              <a:t>纹去除</a:t>
-            </a:r>
-            <a:endParaRPr lang="en-US" altLang="zh-CN" dirty="0" smtClean="0"/>
+            <a:endParaRPr lang="en-US" altLang="zh-CN" dirty="0"/>
           </a:p>
           <a:p>
             <a:r>
               <a:rPr lang="zh-CN" altLang="en-US" dirty="0"/>
-              <a:t>相</a:t>
+              <a:t>相位提取</a:t>
             </a:r>
-            <a:r>
-              <a:rPr lang="zh-CN" altLang="en-US" dirty="0" smtClean="0"/>
-              <a:t>位提取</a:t>
-            </a:r>
-            <a:endParaRPr lang="en-US" altLang="zh-CN" dirty="0" smtClean="0"/>
+            <a:endParaRPr lang="en-US" altLang="zh-CN" dirty="0"/>
           </a:p>
           <a:p>
             <a:r>
               <a:rPr lang="zh-CN" altLang="en-US" dirty="0"/>
-              <a:t>相</a:t>
+              <a:t>相位展开</a:t>
             </a:r>
+            <a:endParaRPr lang="en-US" altLang="zh-CN" dirty="0"/>
+          </a:p>
+          <a:p>
             <a:r>
-              <a:rPr lang="zh-CN" altLang="en-US" dirty="0" smtClean="0"/>
-              <a:t>位展开</a:t>
-            </a:r>
-            <a:endParaRPr lang="en-US" altLang="zh-CN" dirty="0" smtClean="0"/>
-          </a:p>
-          <a:p>
-            <a:r>
-              <a:rPr lang="zh-CN" altLang="en-US" dirty="0" smtClean="0"/>
+              <a:rPr lang="zh-CN" altLang="en-US" dirty="0"/>
               <a:t>高度转换</a:t>
             </a:r>
-            <a:endParaRPr lang="zh-CN" altLang="en-US" dirty="0"/>
           </a:p>
         </p:txBody>
       </p:sp>
@@ -8359,10 +10305,9 @@
           <a:lstStyle/>
           <a:p>
             <a:r>
-              <a:rPr lang="zh-CN" altLang="en-US" sz="1000" dirty="0" smtClean="0"/>
+              <a:rPr lang="zh-CN" altLang="en-US" sz="1000" dirty="0"/>
               <a:t>系统校准</a:t>
             </a:r>
-            <a:endParaRPr lang="zh-CN" altLang="en-US" sz="1000" dirty="0"/>
           </a:p>
         </p:txBody>
       </p:sp>
@@ -8768,10 +10713,9 @@
           <a:lstStyle/>
           <a:p>
             <a:r>
-              <a:rPr lang="zh-CN" altLang="en-US" sz="1000" dirty="0" smtClean="0"/>
+              <a:rPr lang="zh-CN" altLang="en-US" sz="1000" dirty="0"/>
               <a:t>投影仪</a:t>
             </a:r>
-            <a:endParaRPr lang="zh-CN" altLang="en-US" sz="1000" dirty="0"/>
           </a:p>
         </p:txBody>
       </p:sp>
@@ -8798,10 +10742,9 @@
           <a:lstStyle/>
           <a:p>
             <a:r>
-              <a:rPr lang="zh-CN" altLang="en-US" sz="1000" dirty="0" smtClean="0"/>
+              <a:rPr lang="zh-CN" altLang="en-US" sz="1000" dirty="0"/>
               <a:t>相机</a:t>
             </a:r>
-            <a:endParaRPr lang="zh-CN" altLang="en-US" sz="1000" dirty="0"/>
           </a:p>
         </p:txBody>
       </p:sp>
@@ -8857,10 +10800,9 @@
           <a:lstStyle/>
           <a:p>
             <a:r>
-              <a:rPr lang="zh-CN" altLang="en-US" sz="1000" dirty="0" smtClean="0"/>
+              <a:rPr lang="zh-CN" altLang="en-US" sz="1000" dirty="0"/>
               <a:t>校准平面</a:t>
             </a:r>
-            <a:endParaRPr lang="zh-CN" altLang="en-US" sz="1000" dirty="0"/>
           </a:p>
         </p:txBody>
       </p:sp>
@@ -9301,13 +11243,8 @@
           <a:p>
             <a:r>
               <a:rPr lang="zh-CN" altLang="en-US" sz="900" dirty="0"/>
-              <a:t>数</a:t>
+              <a:t>数字相移</a:t>
             </a:r>
-            <a:r>
-              <a:rPr lang="zh-CN" altLang="en-US" sz="900" dirty="0" smtClean="0"/>
-              <a:t>字相移</a:t>
-            </a:r>
-            <a:endParaRPr lang="zh-CN" altLang="en-US" sz="900" dirty="0"/>
           </a:p>
         </p:txBody>
       </p:sp>
@@ -9429,13 +11366,8 @@
           <a:p>
             <a:r>
               <a:rPr lang="zh-CN" altLang="en-US" sz="900" dirty="0"/>
-              <a:t>条</a:t>
+              <a:t>条纹去除</a:t>
             </a:r>
-            <a:r>
-              <a:rPr lang="zh-CN" altLang="en-US" sz="900" dirty="0" smtClean="0"/>
-              <a:t>纹去除</a:t>
-            </a:r>
-            <a:endParaRPr lang="zh-CN" altLang="en-US" sz="900" dirty="0"/>
           </a:p>
         </p:txBody>
       </p:sp>
@@ -9894,10 +11826,9 @@
           <a:lstStyle/>
           <a:p>
             <a:r>
-              <a:rPr lang="zh-CN" altLang="en-US" sz="900" dirty="0" smtClean="0"/>
+              <a:rPr lang="zh-CN" altLang="en-US" sz="900" dirty="0"/>
               <a:t>投影成像</a:t>
             </a:r>
-            <a:endParaRPr lang="zh-CN" altLang="en-US" sz="900" dirty="0"/>
           </a:p>
         </p:txBody>
       </p:sp>
@@ -10111,10 +12042,9 @@
           <a:lstStyle/>
           <a:p>
             <a:r>
-              <a:rPr lang="zh-CN" altLang="en-US" sz="900" dirty="0" smtClean="0"/>
+              <a:rPr lang="zh-CN" altLang="en-US" sz="900" dirty="0"/>
               <a:t>投影仪</a:t>
             </a:r>
-            <a:endParaRPr lang="zh-CN" altLang="en-US" sz="900" dirty="0"/>
           </a:p>
         </p:txBody>
       </p:sp>
@@ -10141,10 +12071,9 @@
           <a:lstStyle/>
           <a:p>
             <a:r>
-              <a:rPr lang="zh-CN" altLang="en-US" sz="900" dirty="0" smtClean="0"/>
+              <a:rPr lang="zh-CN" altLang="en-US" sz="900" dirty="0"/>
               <a:t>相机</a:t>
             </a:r>
-            <a:endParaRPr lang="zh-CN" altLang="en-US" sz="900" dirty="0"/>
           </a:p>
         </p:txBody>
       </p:sp>
@@ -10172,13 +12101,8 @@
           <a:p>
             <a:r>
               <a:rPr lang="zh-CN" altLang="en-US" sz="900" dirty="0"/>
-              <a:t>被</a:t>
+              <a:t>被测物体</a:t>
             </a:r>
-            <a:r>
-              <a:rPr lang="zh-CN" altLang="en-US" sz="900" dirty="0" smtClean="0"/>
-              <a:t>测物体</a:t>
-            </a:r>
-            <a:endParaRPr lang="zh-CN" altLang="en-US" sz="900" dirty="0"/>
           </a:p>
         </p:txBody>
       </p:sp>
@@ -10205,10 +12129,9 @@
           <a:lstStyle/>
           <a:p>
             <a:r>
-              <a:rPr lang="zh-CN" altLang="en-US" sz="900" dirty="0" smtClean="0"/>
+              <a:rPr lang="zh-CN" altLang="en-US" sz="900" dirty="0"/>
               <a:t>投影条纹</a:t>
             </a:r>
-            <a:endParaRPr lang="zh-CN" altLang="en-US" sz="900" dirty="0"/>
           </a:p>
         </p:txBody>
       </p:sp>
@@ -10531,10 +12454,9 @@
           <a:lstStyle/>
           <a:p>
             <a:r>
-              <a:rPr lang="zh-CN" altLang="en-US" sz="900" dirty="0" smtClean="0"/>
+              <a:rPr lang="zh-CN" altLang="en-US" sz="900" dirty="0"/>
               <a:t>相位提取</a:t>
             </a:r>
-            <a:endParaRPr lang="zh-CN" altLang="en-US" sz="900" dirty="0"/>
           </a:p>
         </p:txBody>
       </p:sp>
@@ -10655,10 +12577,9 @@
           <a:lstStyle/>
           <a:p>
             <a:r>
-              <a:rPr lang="zh-CN" altLang="en-US" sz="900" dirty="0" smtClean="0"/>
+              <a:rPr lang="zh-CN" altLang="en-US" sz="900" dirty="0"/>
               <a:t>相位展开</a:t>
             </a:r>
-            <a:endParaRPr lang="zh-CN" altLang="en-US" sz="900" dirty="0"/>
           </a:p>
         </p:txBody>
       </p:sp>
@@ -10779,10 +12700,9 @@
           <a:lstStyle/>
           <a:p>
             <a:r>
-              <a:rPr lang="zh-CN" altLang="en-US" sz="900" dirty="0" smtClean="0"/>
+              <a:rPr lang="zh-CN" altLang="en-US" sz="900" dirty="0"/>
               <a:t>高度转换</a:t>
             </a:r>
-            <a:endParaRPr lang="zh-CN" altLang="en-US" sz="900" dirty="0"/>
           </a:p>
         </p:txBody>
       </p:sp>
@@ -11668,10 +13588,9 @@
           <a:lstStyle/>
           <a:p>
             <a:r>
-              <a:rPr lang="zh-CN" altLang="en-US" sz="1000" dirty="0" smtClean="0"/>
+              <a:rPr lang="zh-CN" altLang="en-US" sz="1000" dirty="0"/>
               <a:t>系统校准</a:t>
             </a:r>
-            <a:endParaRPr lang="zh-CN" altLang="en-US" sz="1000" dirty="0"/>
           </a:p>
         </p:txBody>
       </p:sp>
@@ -12077,10 +13996,9 @@
           <a:lstStyle/>
           <a:p>
             <a:r>
-              <a:rPr lang="zh-CN" altLang="en-US" sz="1000" dirty="0" smtClean="0"/>
+              <a:rPr lang="zh-CN" altLang="en-US" sz="1000" dirty="0"/>
               <a:t>投影仪</a:t>
             </a:r>
-            <a:endParaRPr lang="zh-CN" altLang="en-US" sz="1000" dirty="0"/>
           </a:p>
         </p:txBody>
       </p:sp>
@@ -12107,10 +14025,9 @@
           <a:lstStyle/>
           <a:p>
             <a:r>
-              <a:rPr lang="zh-CN" altLang="en-US" sz="1000" dirty="0" smtClean="0"/>
+              <a:rPr lang="zh-CN" altLang="en-US" sz="1000" dirty="0"/>
               <a:t>相机</a:t>
             </a:r>
-            <a:endParaRPr lang="zh-CN" altLang="en-US" sz="1000" dirty="0"/>
           </a:p>
         </p:txBody>
       </p:sp>
@@ -12166,10 +14083,9 @@
           <a:lstStyle/>
           <a:p>
             <a:r>
-              <a:rPr lang="zh-CN" altLang="en-US" sz="1000" dirty="0" smtClean="0"/>
+              <a:rPr lang="zh-CN" altLang="en-US" sz="1000" dirty="0"/>
               <a:t>校准平面</a:t>
             </a:r>
-            <a:endParaRPr lang="zh-CN" altLang="en-US" sz="1000" dirty="0"/>
           </a:p>
         </p:txBody>
       </p:sp>
@@ -12589,21 +14505,8 @@
                   <a:schemeClr val="tx1"/>
                 </a:solidFill>
               </a:rPr>
-              <a:t>系</a:t>
+              <a:t>系统校准</a:t>
             </a:r>
-            <a:r>
-              <a:rPr lang="zh-CN" altLang="en-US" sz="900" dirty="0" smtClean="0">
-                <a:solidFill>
-                  <a:schemeClr val="tx1"/>
-                </a:solidFill>
-              </a:rPr>
-              <a:t>统校准</a:t>
-            </a:r>
-            <a:endParaRPr lang="zh-CN" altLang="en-US" sz="900" dirty="0">
-              <a:solidFill>
-                <a:schemeClr val="tx1"/>
-              </a:solidFill>
-            </a:endParaRPr>
           </a:p>
         </p:txBody>
       </p:sp>
@@ -12616,66 +14519,6 @@
         <p:spPr>
           <a:xfrm>
             <a:off x="3491880" y="1138836"/>
-            <a:ext cx="720080" cy="288032"/>
-          </a:xfrm>
-          <a:prstGeom prst="flowChartAlternateProcess">
-            <a:avLst/>
-          </a:prstGeom>
-          <a:solidFill>
-            <a:schemeClr val="bg1"/>
-          </a:solidFill>
-          <a:ln w="12700">
-            <a:solidFill>
-              <a:schemeClr val="tx1"/>
-            </a:solidFill>
-          </a:ln>
-        </p:spPr>
-        <p:style>
-          <a:lnRef idx="2">
-            <a:schemeClr val="accent1">
-              <a:shade val="50000"/>
-            </a:schemeClr>
-          </a:lnRef>
-          <a:fillRef idx="1">
-            <a:schemeClr val="accent1"/>
-          </a:fillRef>
-          <a:effectRef idx="0">
-            <a:schemeClr val="accent1"/>
-          </a:effectRef>
-          <a:fontRef idx="minor">
-            <a:schemeClr val="lt1"/>
-          </a:fontRef>
-        </p:style>
-        <p:txBody>
-          <a:bodyPr rtlCol="0" anchor="ctr"/>
-          <a:lstStyle/>
-          <a:p>
-            <a:pPr algn="ctr"/>
-            <a:r>
-              <a:rPr lang="zh-CN" altLang="en-US" sz="900" dirty="0" smtClean="0">
-                <a:solidFill>
-                  <a:schemeClr val="tx1"/>
-                </a:solidFill>
-              </a:rPr>
-              <a:t>投影成像</a:t>
-            </a:r>
-            <a:endParaRPr lang="zh-CN" altLang="en-US" sz="900" dirty="0">
-              <a:solidFill>
-                <a:schemeClr val="tx1"/>
-              </a:solidFill>
-            </a:endParaRPr>
-          </a:p>
-        </p:txBody>
-      </p:sp>
-      <p:sp>
-        <p:nvSpPr>
-          <p:cNvPr id="16" name="流程图: 可选过程 15"/>
-          <p:cNvSpPr/>
-          <p:nvPr/>
-        </p:nvSpPr>
-        <p:spPr>
-          <a:xfrm>
-            <a:off x="3491880" y="1646397"/>
             <a:ext cx="720080" cy="288032"/>
           </a:xfrm>
           <a:prstGeom prst="flowChartAlternateProcess">
@@ -12717,17 +14560,64 @@
                   <a:schemeClr val="tx1"/>
                 </a:solidFill>
               </a:rPr>
-              <a:t>数字相</a:t>
+              <a:t>投影成像</a:t>
             </a:r>
+          </a:p>
+        </p:txBody>
+      </p:sp>
+      <p:sp>
+        <p:nvSpPr>
+          <p:cNvPr id="16" name="流程图: 可选过程 15"/>
+          <p:cNvSpPr/>
+          <p:nvPr/>
+        </p:nvSpPr>
+        <p:spPr>
+          <a:xfrm>
+            <a:off x="3491880" y="1646397"/>
+            <a:ext cx="720080" cy="288032"/>
+          </a:xfrm>
+          <a:prstGeom prst="flowChartAlternateProcess">
+            <a:avLst/>
+          </a:prstGeom>
+          <a:solidFill>
+            <a:schemeClr val="bg1"/>
+          </a:solidFill>
+          <a:ln w="12700">
+            <a:solidFill>
+              <a:schemeClr val="tx1"/>
+            </a:solidFill>
+          </a:ln>
+        </p:spPr>
+        <p:style>
+          <a:lnRef idx="2">
+            <a:schemeClr val="accent1">
+              <a:shade val="50000"/>
+            </a:schemeClr>
+          </a:lnRef>
+          <a:fillRef idx="1">
+            <a:schemeClr val="accent1"/>
+          </a:fillRef>
+          <a:effectRef idx="0">
+            <a:schemeClr val="accent1"/>
+          </a:effectRef>
+          <a:fontRef idx="minor">
+            <a:schemeClr val="lt1"/>
+          </a:fontRef>
+        </p:style>
+        <p:txBody>
+          <a:bodyPr rtlCol="0" anchor="ctr"/>
+          <a:lstStyle/>
+          <a:p>
+            <a:pPr algn="ctr"/>
             <a:r>
-              <a:rPr lang="zh-CN" altLang="en-US" sz="900" dirty="0" smtClean="0">
+              <a:rPr lang="zh-CN" altLang="en-US" sz="900" dirty="0">
                 <a:solidFill>
                   <a:schemeClr val="tx1"/>
                 </a:solidFill>
               </a:rPr>
-              <a:t>移</a:t>
+              <a:t>数字相移</a:t>
             </a:r>
-            <a:endParaRPr lang="en-US" altLang="zh-CN" sz="900" dirty="0" smtClean="0">
+            <a:endParaRPr lang="en-US" altLang="zh-CN" sz="900" dirty="0">
               <a:solidFill>
                 <a:schemeClr val="tx1"/>
               </a:solidFill>
@@ -12908,10 +14798,9 @@
           <a:lstStyle/>
           <a:p>
             <a:r>
-              <a:rPr lang="zh-CN" altLang="en-US" sz="900" dirty="0" smtClean="0"/>
+              <a:rPr lang="zh-CN" altLang="en-US" sz="900" dirty="0"/>
               <a:t>不同频率的条文图样</a:t>
             </a:r>
-            <a:endParaRPr lang="zh-CN" altLang="en-US" sz="900" dirty="0"/>
           </a:p>
         </p:txBody>
       </p:sp>
@@ -12960,18 +14849,13 @@
           <a:p>
             <a:pPr algn="ctr"/>
             <a:r>
-              <a:rPr lang="zh-CN" altLang="en-US" sz="900" dirty="0" smtClean="0">
+              <a:rPr lang="zh-CN" altLang="en-US" sz="900" dirty="0">
                 <a:solidFill>
                   <a:schemeClr val="tx1"/>
                 </a:solidFill>
               </a:rPr>
               <a:t>条纹去除</a:t>
             </a:r>
-            <a:endParaRPr lang="zh-CN" altLang="en-US" sz="900" dirty="0">
-              <a:solidFill>
-                <a:schemeClr val="tx1"/>
-              </a:solidFill>
-            </a:endParaRPr>
           </a:p>
         </p:txBody>
       </p:sp>
@@ -13020,18 +14904,13 @@
           <a:p>
             <a:pPr algn="ctr"/>
             <a:r>
-              <a:rPr lang="zh-CN" altLang="en-US" sz="900" dirty="0" smtClean="0">
+              <a:rPr lang="zh-CN" altLang="en-US" sz="900" dirty="0">
                 <a:solidFill>
                   <a:schemeClr val="tx1"/>
                 </a:solidFill>
               </a:rPr>
               <a:t>相位展开</a:t>
             </a:r>
-            <a:endParaRPr lang="zh-CN" altLang="en-US" sz="900" dirty="0">
-              <a:solidFill>
-                <a:schemeClr val="tx1"/>
-              </a:solidFill>
-            </a:endParaRPr>
           </a:p>
         </p:txBody>
       </p:sp>
@@ -13080,18 +14959,13 @@
           <a:p>
             <a:pPr algn="ctr"/>
             <a:r>
-              <a:rPr lang="zh-CN" altLang="en-US" sz="900" dirty="0" smtClean="0">
+              <a:rPr lang="zh-CN" altLang="en-US" sz="900" dirty="0">
                 <a:solidFill>
                   <a:schemeClr val="tx1"/>
                 </a:solidFill>
               </a:rPr>
               <a:t>高度转换</a:t>
             </a:r>
-            <a:endParaRPr lang="zh-CN" altLang="en-US" sz="900" dirty="0">
-              <a:solidFill>
-                <a:schemeClr val="tx1"/>
-              </a:solidFill>
-            </a:endParaRPr>
           </a:p>
         </p:txBody>
       </p:sp>
@@ -13166,10 +15040,9 @@
           <a:lstStyle/>
           <a:p>
             <a:r>
-              <a:rPr lang="zh-CN" altLang="en-US" sz="900" dirty="0" smtClean="0"/>
+              <a:rPr lang="zh-CN" altLang="en-US" sz="900" dirty="0"/>
               <a:t>被测物体</a:t>
             </a:r>
-            <a:endParaRPr lang="zh-CN" altLang="en-US" sz="900" dirty="0"/>
           </a:p>
         </p:txBody>
       </p:sp>
@@ -13245,10 +15118,9 @@
           <a:lstStyle/>
           <a:p>
             <a:r>
-              <a:rPr lang="zh-CN" altLang="en-US" sz="900" dirty="0" smtClean="0"/>
+              <a:rPr lang="zh-CN" altLang="en-US" sz="900" dirty="0"/>
               <a:t>绝对三维模型</a:t>
             </a:r>
-            <a:endParaRPr lang="zh-CN" altLang="en-US" sz="900" dirty="0"/>
           </a:p>
         </p:txBody>
       </p:sp>
@@ -14983,9 +16855,27 @@
                 <a:tableStyleId>{5C22544A-7EE6-4342-B048-85BDC9FD1C3A}</a:tableStyleId>
               </a:tblPr>
               <a:tblGrid>
-                <a:gridCol w="825014"/>
-                <a:gridCol w="2208498"/>
-                <a:gridCol w="2351289"/>
+                <a:gridCol w="825014">
+                  <a:extLst>
+                    <a:ext uri="{9D8B030D-6E8A-4147-A177-3AD203B41FA5}">
+                      <a16:colId xmlns:a16="http://schemas.microsoft.com/office/drawing/2014/main" val="20000"/>
+                    </a:ext>
+                  </a:extLst>
+                </a:gridCol>
+                <a:gridCol w="2208498">
+                  <a:extLst>
+                    <a:ext uri="{9D8B030D-6E8A-4147-A177-3AD203B41FA5}">
+                      <a16:colId xmlns:a16="http://schemas.microsoft.com/office/drawing/2014/main" val="20001"/>
+                    </a:ext>
+                  </a:extLst>
+                </a:gridCol>
+                <a:gridCol w="2351289">
+                  <a:extLst>
+                    <a:ext uri="{9D8B030D-6E8A-4147-A177-3AD203B41FA5}">
+                      <a16:colId xmlns:a16="http://schemas.microsoft.com/office/drawing/2014/main" val="20002"/>
+                    </a:ext>
+                  </a:extLst>
+                </a:gridCol>
               </a:tblGrid>
               <a:tr h="171450">
                 <a:tc>
@@ -15114,6 +17004,11 @@
                     </a:lnB>
                   </a:tcPr>
                 </a:tc>
+                <a:extLst>
+                  <a:ext uri="{0D108BD9-81ED-4DB2-BD59-A6C34878D82A}">
+                    <a16:rowId xmlns:a16="http://schemas.microsoft.com/office/drawing/2014/main" val="10000"/>
+                  </a:ext>
+                </a:extLst>
               </a:tr>
               <a:tr h="636270">
                 <a:tc>
@@ -15203,6 +17098,11 @@
                     </a:lnT>
                   </a:tcPr>
                 </a:tc>
+                <a:extLst>
+                  <a:ext uri="{0D108BD9-81ED-4DB2-BD59-A6C34878D82A}">
+                    <a16:rowId xmlns:a16="http://schemas.microsoft.com/office/drawing/2014/main" val="10001"/>
+                  </a:ext>
+                </a:extLst>
               </a:tr>
               <a:tr h="636270">
                 <a:tc>
@@ -15262,6 +17162,11 @@
                   </a:txBody>
                   <a:tcPr marL="0" marR="0" marT="0" marB="0" anchor="b"/>
                 </a:tc>
+                <a:extLst>
+                  <a:ext uri="{0D108BD9-81ED-4DB2-BD59-A6C34878D82A}">
+                    <a16:rowId xmlns:a16="http://schemas.microsoft.com/office/drawing/2014/main" val="10002"/>
+                  </a:ext>
+                </a:extLst>
               </a:tr>
               <a:tr h="819958">
                 <a:tc>
@@ -15334,6 +17239,11 @@
                   </a:txBody>
                   <a:tcPr/>
                 </a:tc>
+                <a:extLst>
+                  <a:ext uri="{0D108BD9-81ED-4DB2-BD59-A6C34878D82A}">
+                    <a16:rowId xmlns:a16="http://schemas.microsoft.com/office/drawing/2014/main" val="10003"/>
+                  </a:ext>
+                </a:extLst>
               </a:tr>
             </a:tbl>
           </a:graphicData>
@@ -15491,7 +17401,7 @@
                                 <a:schemeClr val="tx1"/>
                               </a:solidFill>
                               <a:effectLst/>
-                              <a:latin typeface="Cambria Math"/>
+                              <a:latin typeface="Cambria Math" panose="02040503050406030204" pitchFamily="18" charset="0"/>
                               <a:ea typeface="+mn-ea"/>
                               <a:cs typeface="+mn-cs"/>
                             </a:rPr>
@@ -15518,7 +17428,7 @@
                                     <a:schemeClr val="tx1"/>
                                   </a:solidFill>
                                   <a:effectLst/>
-                                  <a:latin typeface="Cambria Math"/>
+                                  <a:latin typeface="Cambria Math" panose="02040503050406030204" pitchFamily="18" charset="0"/>
                                   <a:ea typeface="+mn-ea"/>
                                   <a:cs typeface="+mn-cs"/>
                                 </a:rPr>
@@ -15533,7 +17443,7 @@
                                         <a:schemeClr val="tx1"/>
                                       </a:solidFill>
                                       <a:effectLst/>
-                                      <a:latin typeface="Cambria Math"/>
+                                      <a:latin typeface="Cambria Math" panose="02040503050406030204" pitchFamily="18" charset="0"/>
                                       <a:ea typeface="+mn-ea"/>
                                       <a:cs typeface="+mn-cs"/>
                                     </a:rPr>
@@ -15586,7 +17496,7 @@
                             <m:dPr>
                               <m:ctrlPr>
                                 <a:rPr lang="en-US" altLang="zh-CN" sz="1100" b="0" i="1">
-                                  <a:latin typeface="Cambria Math"/>
+                                  <a:latin typeface="Cambria Math" panose="02040503050406030204" pitchFamily="18" charset="0"/>
                                 </a:rPr>
                               </m:ctrlPr>
                             </m:dPr>
@@ -15595,7 +17505,7 @@
                                 <m:fPr>
                                   <m:ctrlPr>
                                     <a:rPr lang="en-US" altLang="zh-CN" sz="1100" b="0" i="1">
-                                      <a:latin typeface="Cambria Math"/>
+                                      <a:latin typeface="Cambria Math" panose="02040503050406030204" pitchFamily="18" charset="0"/>
                                     </a:rPr>
                                   </m:ctrlPr>
                                 </m:fPr>
@@ -15819,7 +17729,7 @@
                         <m:fPr>
                           <m:ctrlPr>
                             <a:rPr lang="en-US" altLang="zh-CN" sz="1100" i="1">
-                              <a:latin typeface="Cambria Math"/>
+                              <a:latin typeface="Cambria Math" panose="02040503050406030204" pitchFamily="18" charset="0"/>
                             </a:rPr>
                           </m:ctrlPr>
                         </m:fPr>
@@ -15845,7 +17755,7 @@
                           <m:chr m:val="∑"/>
                           <m:ctrlPr>
                             <a:rPr lang="en-US" altLang="zh-CN" sz="1100" i="1">
-                              <a:latin typeface="Cambria Math"/>
+                              <a:latin typeface="Cambria Math" panose="02040503050406030204" pitchFamily="18" charset="0"/>
                               <a:ea typeface="Cambria Math"/>
                             </a:rPr>
                           </m:ctrlPr>
@@ -15883,7 +17793,7 @@
                             <m:fPr>
                               <m:ctrlPr>
                                 <a:rPr lang="en-US" altLang="zh-CN" sz="1100" i="1">
-                                  <a:latin typeface="Cambria Math"/>
+                                  <a:latin typeface="Cambria Math" panose="02040503050406030204" pitchFamily="18" charset="0"/>
                                   <a:ea typeface="Cambria Math"/>
                                 </a:rPr>
                               </m:ctrlPr>
@@ -15928,7 +17838,7 @@
                             <m:fPr>
                               <m:ctrlPr>
                                 <a:rPr lang="en-US" altLang="zh-CN" sz="1100" b="0" i="1">
-                                  <a:latin typeface="Cambria Math"/>
+                                  <a:latin typeface="Cambria Math" panose="02040503050406030204" pitchFamily="18" charset="0"/>
                                   <a:ea typeface="Cambria Math"/>
                                 </a:rPr>
                               </m:ctrlPr>
@@ -16162,7 +18072,7 @@
                         <m:fPr>
                           <m:ctrlPr>
                             <a:rPr lang="en-US" altLang="zh-CN" sz="1100" i="1">
-                              <a:latin typeface="Cambria Math"/>
+                              <a:latin typeface="Cambria Math" panose="02040503050406030204" pitchFamily="18" charset="0"/>
                             </a:rPr>
                           </m:ctrlPr>
                         </m:fPr>
@@ -16376,7 +18286,7 @@
                         <m:fPr>
                           <m:ctrlPr>
                             <a:rPr lang="en-US" altLang="zh-CN" sz="1100" i="1">
-                              <a:latin typeface="Cambria Math"/>
+                              <a:latin typeface="Cambria Math" panose="02040503050406030204" pitchFamily="18" charset="0"/>
                             </a:rPr>
                           </m:ctrlPr>
                         </m:fPr>
@@ -16407,7 +18317,7 @@
                         <m:fPr>
                           <m:ctrlPr>
                             <a:rPr lang="en-US" altLang="zh-CN" sz="1100" i="1">
-                              <a:latin typeface="Cambria Math"/>
+                              <a:latin typeface="Cambria Math" panose="02040503050406030204" pitchFamily="18" charset="0"/>
                             </a:rPr>
                           </m:ctrlPr>
                         </m:fPr>
@@ -16433,7 +18343,7 @@
                           <m:chr m:val="∑"/>
                           <m:ctrlPr>
                             <a:rPr lang="en-US" altLang="zh-CN" sz="1100" i="1">
-                              <a:latin typeface="Cambria Math"/>
+                              <a:latin typeface="Cambria Math" panose="02040503050406030204" pitchFamily="18" charset="0"/>
                               <a:ea typeface="Cambria Math"/>
                             </a:rPr>
                           </m:ctrlPr>
@@ -16471,7 +18381,7 @@
                             <m:fPr>
                               <m:ctrlPr>
                                 <a:rPr lang="en-US" altLang="zh-CN" sz="1100" i="1">
-                                  <a:latin typeface="Cambria Math"/>
+                                  <a:latin typeface="Cambria Math" panose="02040503050406030204" pitchFamily="18" charset="0"/>
                                   <a:ea typeface="Cambria Math"/>
                                 </a:rPr>
                               </m:ctrlPr>
@@ -16516,7 +18426,7 @@
                             <m:fPr>
                               <m:ctrlPr>
                                 <a:rPr lang="en-US" altLang="zh-CN" sz="1100" b="0" i="1">
-                                  <a:latin typeface="Cambria Math"/>
+                                  <a:latin typeface="Cambria Math" panose="02040503050406030204" pitchFamily="18" charset="0"/>
                                   <a:ea typeface="Cambria Math"/>
                                 </a:rPr>
                               </m:ctrlPr>
@@ -16750,7 +18660,7 @@
                         <m:fPr>
                           <m:ctrlPr>
                             <a:rPr lang="en-US" altLang="zh-CN" sz="1100" i="1">
-                              <a:latin typeface="Cambria Math"/>
+                              <a:latin typeface="Cambria Math" panose="02040503050406030204" pitchFamily="18" charset="0"/>
                             </a:rPr>
                           </m:ctrlPr>
                         </m:fPr>
@@ -16767,7 +18677,7 @@
                             <m:sSupPr>
                               <m:ctrlPr>
                                 <a:rPr lang="en-US" altLang="zh-CN" sz="1100" i="1">
-                                  <a:latin typeface="Cambria Math"/>
+                                  <a:latin typeface="Cambria Math" panose="02040503050406030204" pitchFamily="18" charset="0"/>
                                 </a:rPr>
                               </m:ctrlPr>
                             </m:sSupPr>
@@ -16795,7 +18705,7 @@
                           <m:chr m:val="∑"/>
                           <m:ctrlPr>
                             <a:rPr lang="en-US" altLang="zh-CN" sz="1100" i="1">
-                              <a:latin typeface="Cambria Math"/>
+                              <a:latin typeface="Cambria Math" panose="02040503050406030204" pitchFamily="18" charset="0"/>
                               <a:ea typeface="Cambria Math"/>
                             </a:rPr>
                           </m:ctrlPr>
@@ -16833,7 +18743,7 @@
                             <m:fPr>
                               <m:ctrlPr>
                                 <a:rPr lang="en-US" altLang="zh-CN" sz="1100" i="1">
-                                  <a:latin typeface="Cambria Math"/>
+                                  <a:latin typeface="Cambria Math" panose="02040503050406030204" pitchFamily="18" charset="0"/>
                                   <a:ea typeface="Cambria Math"/>
                                 </a:rPr>
                               </m:ctrlPr>
@@ -16843,7 +18753,7 @@
                                 <m:sSupPr>
                                   <m:ctrlPr>
                                     <a:rPr lang="en-US" altLang="zh-CN" sz="1100" i="1">
-                                      <a:latin typeface="Cambria Math"/>
+                                      <a:latin typeface="Cambria Math" panose="02040503050406030204" pitchFamily="18" charset="0"/>
                                       <a:ea typeface="Cambria Math"/>
                                     </a:rPr>
                                   </m:ctrlPr>
@@ -16887,7 +18797,7 @@
                                 <m:sSupPr>
                                   <m:ctrlPr>
                                     <a:rPr lang="en-US" altLang="zh-CN" sz="1100" b="0" i="1">
-                                      <a:latin typeface="Cambria Math"/>
+                                      <a:latin typeface="Cambria Math" panose="02040503050406030204" pitchFamily="18" charset="0"/>
                                       <a:ea typeface="Cambria Math"/>
                                     </a:rPr>
                                   </m:ctrlPr>
@@ -16934,7 +18844,7 @@
                             <m:fPr>
                               <m:ctrlPr>
                                 <a:rPr lang="en-US" altLang="zh-CN" sz="1100" b="0" i="1">
-                                  <a:latin typeface="Cambria Math"/>
+                                  <a:latin typeface="Cambria Math" panose="02040503050406030204" pitchFamily="18" charset="0"/>
                                   <a:ea typeface="Cambria Math"/>
                                 </a:rPr>
                               </m:ctrlPr>
@@ -17495,13 +19405,8 @@
           <a:p>
             <a:r>
               <a:rPr lang="zh-CN" altLang="en-US" dirty="0"/>
-              <a:t>待测物</a:t>
+              <a:t>待测物体 </a:t>
             </a:r>
-            <a:r>
-              <a:rPr lang="zh-CN" altLang="en-US" dirty="0" smtClean="0"/>
-              <a:t>体 </a:t>
-            </a:r>
-            <a:endParaRPr lang="zh-CN" altLang="en-US" dirty="0"/>
           </a:p>
         </p:txBody>
       </p:sp>
@@ -17528,7 +19433,7 @@
           <a:lstStyle/>
           <a:p>
             <a:r>
-              <a:rPr lang="en-US" altLang="zh-CN" dirty="0" smtClean="0"/>
+              <a:rPr lang="en-US" altLang="zh-CN" dirty="0"/>
               <a:t>Z</a:t>
             </a:r>
             <a:endParaRPr lang="zh-CN" altLang="en-US" dirty="0"/>
@@ -17558,7 +19463,7 @@
           <a:lstStyle/>
           <a:p>
             <a:r>
-              <a:rPr lang="en-US" altLang="zh-CN" dirty="0" smtClean="0"/>
+              <a:rPr lang="en-US" altLang="zh-CN" dirty="0"/>
               <a:t>X</a:t>
             </a:r>
             <a:endParaRPr lang="zh-CN" altLang="en-US" dirty="0"/>
@@ -17589,14 +19494,10 @@
           <a:p>
             <a:r>
               <a:rPr lang="zh-CN" altLang="en-US" dirty="0"/>
-              <a:t>投影</a:t>
+              <a:t>投影仪 </a:t>
             </a:r>
             <a:r>
-              <a:rPr lang="zh-CN" altLang="en-US" dirty="0" smtClean="0"/>
-              <a:t>仪 </a:t>
-            </a:r>
-            <a:r>
-              <a:rPr lang="en-US" altLang="zh-CN" dirty="0" smtClean="0"/>
+              <a:rPr lang="en-US" altLang="zh-CN" dirty="0"/>
               <a:t>P</a:t>
             </a:r>
             <a:endParaRPr lang="zh-CN" altLang="en-US" dirty="0"/>
@@ -17626,10 +19527,10 @@
           <a:lstStyle/>
           <a:p>
             <a:r>
-              <a:rPr lang="zh-CN" altLang="en-US" dirty="0" smtClean="0"/>
+              <a:rPr lang="zh-CN" altLang="en-US" dirty="0"/>
               <a:t>相机</a:t>
             </a:r>
-            <a:endParaRPr lang="en-US" altLang="zh-CN" dirty="0" smtClean="0"/>
+            <a:endParaRPr lang="en-US" altLang="zh-CN" dirty="0"/>
           </a:p>
           <a:p>
             <a:r>
@@ -17835,7 +19736,7 @@
           <a:lstStyle/>
           <a:p>
             <a:r>
-              <a:rPr lang="en-US" altLang="zh-CN" dirty="0" smtClean="0"/>
+              <a:rPr lang="en-US" altLang="zh-CN" dirty="0"/>
               <a:t>d</a:t>
             </a:r>
             <a:endParaRPr lang="zh-CN" altLang="en-US" dirty="0"/>
@@ -17944,7 +19845,7 @@
           <a:lstStyle/>
           <a:p>
             <a:r>
-              <a:rPr lang="en-US" altLang="zh-CN" dirty="0" smtClean="0"/>
+              <a:rPr lang="en-US" altLang="zh-CN" dirty="0"/>
               <a:t>O</a:t>
             </a:r>
           </a:p>
@@ -17973,7 +19874,7 @@
           <a:lstStyle/>
           <a:p>
             <a:r>
-              <a:rPr lang="en-US" altLang="zh-CN" dirty="0" smtClean="0"/>
+              <a:rPr lang="en-US" altLang="zh-CN" dirty="0"/>
               <a:t>A</a:t>
             </a:r>
             <a:endParaRPr lang="zh-CN" altLang="en-US" dirty="0"/>
@@ -18331,7 +20232,7 @@
           <a:lstStyle/>
           <a:p>
             <a:r>
-              <a:rPr lang="en-US" altLang="zh-CN" dirty="0" smtClean="0"/>
+              <a:rPr lang="en-US" altLang="zh-CN" dirty="0"/>
               <a:t>H</a:t>
             </a:r>
             <a:endParaRPr lang="zh-CN" altLang="en-US" dirty="0"/>
@@ -18361,7 +20262,7 @@
           <a:lstStyle/>
           <a:p>
             <a:r>
-              <a:rPr lang="en-US" altLang="zh-CN" dirty="0" smtClean="0"/>
+              <a:rPr lang="en-US" altLang="zh-CN" dirty="0"/>
               <a:t>h</a:t>
             </a:r>
             <a:endParaRPr lang="zh-CN" altLang="en-US" dirty="0"/>
@@ -19021,7 +20922,7 @@
           <a:lstStyle/>
           <a:p>
             <a:r>
-              <a:rPr lang="en-US" altLang="zh-CN" dirty="0" smtClean="0"/>
+              <a:rPr lang="en-US" altLang="zh-CN" dirty="0"/>
               <a:t>L</a:t>
             </a:r>
             <a:endParaRPr lang="zh-CN" altLang="en-US" dirty="0"/>
@@ -19147,7 +21048,7 @@
           <a:lstStyle/>
           <a:p>
             <a:r>
-              <a:rPr lang="en-US" altLang="zh-CN" dirty="0" smtClean="0"/>
+              <a:rPr lang="en-US" altLang="zh-CN" dirty="0"/>
               <a:t>A</a:t>
             </a:r>
             <a:endParaRPr lang="zh-CN" altLang="en-US" dirty="0"/>
@@ -19177,7 +21078,7 @@
           <a:lstStyle/>
           <a:p>
             <a:r>
-              <a:rPr lang="en-US" altLang="zh-CN" dirty="0" smtClean="0">
+              <a:rPr lang="en-US" altLang="zh-CN" dirty="0">
                 <a:solidFill>
                   <a:schemeClr val="bg1"/>
                 </a:solidFill>
@@ -19287,7 +21188,7 @@
           <a:lstStyle/>
           <a:p>
             <a:r>
-              <a:rPr lang="en-US" altLang="zh-CN" dirty="0" smtClean="0"/>
+              <a:rPr lang="en-US" altLang="zh-CN" dirty="0"/>
               <a:t>X</a:t>
             </a:r>
             <a:endParaRPr lang="zh-CN" altLang="en-US" dirty="0"/>

--- a/Graphic & Tables.pptx
+++ b/Graphic & Tables.pptx
@@ -22,7 +22,7 @@
     <p:sldId id="270" r:id="rId13"/>
     <p:sldId id="271" r:id="rId14"/>
   </p:sldIdLst>
-  <p:sldSz cx="9144000" cy="6858000" type="screen4x3"/>
+  <p:sldSz cx="6858000" cy="9906000" type="A4"/>
   <p:notesSz cx="6858000" cy="9144000"/>
   <p:defaultTextStyle>
     <a:defPPr>
@@ -155,12 +155,12 @@
     </p:ext>
     <p:ext uri="{EFAFB233-063F-42B5-8137-9DF3F51BA10A}">
       <p15:sldGuideLst xmlns:p15="http://schemas.microsoft.com/office/powerpoint/2012/main">
-        <p15:guide id="1" orient="horz" pos="2160">
+        <p15:guide id="1" orient="horz" pos="3120" userDrawn="1">
           <p15:clr>
             <a:srgbClr val="A4A3A4"/>
           </p15:clr>
         </p15:guide>
-        <p15:guide id="2" pos="2880">
+        <p15:guide id="2" pos="2160" userDrawn="1">
           <p15:clr>
             <a:srgbClr val="A4A3A4"/>
           </p15:clr>
@@ -253,7 +253,7 @@
           <a:p>
             <a:fld id="{EDA7B775-790A-4D64-B62E-B7503A0D88A5}" type="datetimeFigureOut">
               <a:rPr lang="zh-CN" altLang="en-US" smtClean="0"/>
-              <a:t>2019/5/20 Monday</a:t>
+              <a:t>2019/5/22</a:t>
             </a:fld>
             <a:endParaRPr lang="zh-CN" altLang="en-US"/>
           </a:p>
@@ -271,8 +271,8 @@
         </p:nvSpPr>
         <p:spPr>
           <a:xfrm>
-            <a:off x="1143000" y="685800"/>
-            <a:ext cx="4572000" cy="3429000"/>
+            <a:off x="2241550" y="685800"/>
+            <a:ext cx="2374900" cy="3429000"/>
           </a:xfrm>
           <a:prstGeom prst="rect">
             <a:avLst/>
@@ -549,8 +549,8 @@
         </p:nvSpPr>
         <p:spPr>
           <a:xfrm>
-            <a:off x="685800" y="2130425"/>
-            <a:ext cx="7772400" cy="1470025"/>
+            <a:off x="514350" y="3077282"/>
+            <a:ext cx="5829300" cy="2123369"/>
           </a:xfrm>
         </p:spPr>
         <p:txBody>
@@ -576,8 +576,8 @@
         </p:nvSpPr>
         <p:spPr>
           <a:xfrm>
-            <a:off x="1371600" y="3886200"/>
-            <a:ext cx="6400800" cy="1752600"/>
+            <a:off x="1028700" y="5613400"/>
+            <a:ext cx="4800600" cy="2531533"/>
           </a:xfrm>
         </p:spPr>
         <p:txBody>
@@ -593,7 +593,7 @@
                 </a:solidFill>
               </a:defRPr>
             </a:lvl1pPr>
-            <a:lvl2pPr marL="457200" indent="0" algn="ctr">
+            <a:lvl2pPr marL="660380" indent="0" algn="ctr">
               <a:buNone/>
               <a:defRPr>
                 <a:solidFill>
@@ -603,7 +603,7 @@
                 </a:solidFill>
               </a:defRPr>
             </a:lvl2pPr>
-            <a:lvl3pPr marL="914400" indent="0" algn="ctr">
+            <a:lvl3pPr marL="1320759" indent="0" algn="ctr">
               <a:buNone/>
               <a:defRPr>
                 <a:solidFill>
@@ -613,7 +613,7 @@
                 </a:solidFill>
               </a:defRPr>
             </a:lvl3pPr>
-            <a:lvl4pPr marL="1371600" indent="0" algn="ctr">
+            <a:lvl4pPr marL="1981139" indent="0" algn="ctr">
               <a:buNone/>
               <a:defRPr>
                 <a:solidFill>
@@ -623,7 +623,7 @@
                 </a:solidFill>
               </a:defRPr>
             </a:lvl4pPr>
-            <a:lvl5pPr marL="1828800" indent="0" algn="ctr">
+            <a:lvl5pPr marL="2641519" indent="0" algn="ctr">
               <a:buNone/>
               <a:defRPr>
                 <a:solidFill>
@@ -633,7 +633,7 @@
                 </a:solidFill>
               </a:defRPr>
             </a:lvl5pPr>
-            <a:lvl6pPr marL="2286000" indent="0" algn="ctr">
+            <a:lvl6pPr marL="3301898" indent="0" algn="ctr">
               <a:buNone/>
               <a:defRPr>
                 <a:solidFill>
@@ -643,7 +643,7 @@
                 </a:solidFill>
               </a:defRPr>
             </a:lvl6pPr>
-            <a:lvl7pPr marL="2743200" indent="0" algn="ctr">
+            <a:lvl7pPr marL="3962278" indent="0" algn="ctr">
               <a:buNone/>
               <a:defRPr>
                 <a:solidFill>
@@ -653,7 +653,7 @@
                 </a:solidFill>
               </a:defRPr>
             </a:lvl7pPr>
-            <a:lvl8pPr marL="3200400" indent="0" algn="ctr">
+            <a:lvl8pPr marL="4622658" indent="0" algn="ctr">
               <a:buNone/>
               <a:defRPr>
                 <a:solidFill>
@@ -663,7 +663,7 @@
                 </a:solidFill>
               </a:defRPr>
             </a:lvl8pPr>
-            <a:lvl9pPr marL="3657600" indent="0" algn="ctr">
+            <a:lvl9pPr marL="5283037" indent="0" algn="ctr">
               <a:buNone/>
               <a:defRPr>
                 <a:solidFill>
@@ -699,7 +699,7 @@
           <a:p>
             <a:fld id="{794C1F84-8C4E-4FA9-B7BA-3801BE6D5074}" type="datetimeFigureOut">
               <a:rPr lang="zh-CN" altLang="en-US" smtClean="0"/>
-              <a:t>2019/5/20 Monday</a:t>
+              <a:t>2019/5/22</a:t>
             </a:fld>
             <a:endParaRPr lang="zh-CN" altLang="en-US"/>
           </a:p>
@@ -867,7 +867,7 @@
           <a:p>
             <a:fld id="{794C1F84-8C4E-4FA9-B7BA-3801BE6D5074}" type="datetimeFigureOut">
               <a:rPr lang="zh-CN" altLang="en-US" smtClean="0"/>
-              <a:t>2019/5/20 Monday</a:t>
+              <a:t>2019/5/22</a:t>
             </a:fld>
             <a:endParaRPr lang="zh-CN" altLang="en-US"/>
           </a:p>
@@ -957,8 +957,8 @@
         </p:nvSpPr>
         <p:spPr>
           <a:xfrm>
-            <a:off x="6629400" y="274638"/>
-            <a:ext cx="2057400" cy="5851525"/>
+            <a:off x="4972050" y="396700"/>
+            <a:ext cx="1543050" cy="8452203"/>
           </a:xfrm>
         </p:spPr>
         <p:txBody>
@@ -984,8 +984,8 @@
         </p:nvSpPr>
         <p:spPr>
           <a:xfrm>
-            <a:off x="457200" y="274638"/>
-            <a:ext cx="6019800" cy="5851525"/>
+            <a:off x="342900" y="396700"/>
+            <a:ext cx="4514850" cy="8452203"/>
           </a:xfrm>
         </p:spPr>
         <p:txBody>
@@ -1045,7 +1045,7 @@
           <a:p>
             <a:fld id="{794C1F84-8C4E-4FA9-B7BA-3801BE6D5074}" type="datetimeFigureOut">
               <a:rPr lang="zh-CN" altLang="en-US" smtClean="0"/>
-              <a:t>2019/5/20 Monday</a:t>
+              <a:t>2019/5/22</a:t>
             </a:fld>
             <a:endParaRPr lang="zh-CN" altLang="en-US"/>
           </a:p>
@@ -1213,7 +1213,7 @@
           <a:p>
             <a:fld id="{794C1F84-8C4E-4FA9-B7BA-3801BE6D5074}" type="datetimeFigureOut">
               <a:rPr lang="zh-CN" altLang="en-US" smtClean="0"/>
-              <a:t>2019/5/20 Monday</a:t>
+              <a:t>2019/5/22</a:t>
             </a:fld>
             <a:endParaRPr lang="zh-CN" altLang="en-US"/>
           </a:p>
@@ -1303,15 +1303,15 @@
         </p:nvSpPr>
         <p:spPr>
           <a:xfrm>
-            <a:off x="722313" y="4406900"/>
-            <a:ext cx="7772400" cy="1362075"/>
+            <a:off x="541735" y="6365523"/>
+            <a:ext cx="5829300" cy="1967442"/>
           </a:xfrm>
         </p:spPr>
         <p:txBody>
           <a:bodyPr anchor="t"/>
           <a:lstStyle>
             <a:lvl1pPr algn="l">
-              <a:defRPr sz="4000" b="1" cap="all"/>
+              <a:defRPr sz="5778" b="1" cap="all"/>
             </a:lvl1pPr>
           </a:lstStyle>
           <a:p>
@@ -1334,8 +1334,8 @@
         </p:nvSpPr>
         <p:spPr>
           <a:xfrm>
-            <a:off x="722313" y="2906713"/>
-            <a:ext cx="7772400" cy="1500187"/>
+            <a:off x="541735" y="4198586"/>
+            <a:ext cx="5829300" cy="2166937"/>
           </a:xfrm>
         </p:spPr>
         <p:txBody>
@@ -1343,7 +1343,7 @@
           <a:lstStyle>
             <a:lvl1pPr marL="0" indent="0">
               <a:buNone/>
-              <a:defRPr sz="2000">
+              <a:defRPr sz="2889">
                 <a:solidFill>
                   <a:schemeClr val="tx1">
                     <a:tint val="75000"/>
@@ -1351,9 +1351,9 @@
                 </a:solidFill>
               </a:defRPr>
             </a:lvl1pPr>
-            <a:lvl2pPr marL="457200" indent="0">
+            <a:lvl2pPr marL="660380" indent="0">
               <a:buNone/>
-              <a:defRPr sz="1800">
+              <a:defRPr sz="2600">
                 <a:solidFill>
                   <a:schemeClr val="tx1">
                     <a:tint val="75000"/>
@@ -1361,9 +1361,9 @@
                 </a:solidFill>
               </a:defRPr>
             </a:lvl2pPr>
-            <a:lvl3pPr marL="914400" indent="0">
+            <a:lvl3pPr marL="1320759" indent="0">
               <a:buNone/>
-              <a:defRPr sz="1600">
+              <a:defRPr sz="2311">
                 <a:solidFill>
                   <a:schemeClr val="tx1">
                     <a:tint val="75000"/>
@@ -1371,9 +1371,9 @@
                 </a:solidFill>
               </a:defRPr>
             </a:lvl3pPr>
-            <a:lvl4pPr marL="1371600" indent="0">
+            <a:lvl4pPr marL="1981139" indent="0">
               <a:buNone/>
-              <a:defRPr sz="1400">
+              <a:defRPr sz="2022">
                 <a:solidFill>
                   <a:schemeClr val="tx1">
                     <a:tint val="75000"/>
@@ -1381,9 +1381,9 @@
                 </a:solidFill>
               </a:defRPr>
             </a:lvl4pPr>
-            <a:lvl5pPr marL="1828800" indent="0">
+            <a:lvl5pPr marL="2641519" indent="0">
               <a:buNone/>
-              <a:defRPr sz="1400">
+              <a:defRPr sz="2022">
                 <a:solidFill>
                   <a:schemeClr val="tx1">
                     <a:tint val="75000"/>
@@ -1391,9 +1391,9 @@
                 </a:solidFill>
               </a:defRPr>
             </a:lvl5pPr>
-            <a:lvl6pPr marL="2286000" indent="0">
+            <a:lvl6pPr marL="3301898" indent="0">
               <a:buNone/>
-              <a:defRPr sz="1400">
+              <a:defRPr sz="2022">
                 <a:solidFill>
                   <a:schemeClr val="tx1">
                     <a:tint val="75000"/>
@@ -1401,9 +1401,9 @@
                 </a:solidFill>
               </a:defRPr>
             </a:lvl6pPr>
-            <a:lvl7pPr marL="2743200" indent="0">
+            <a:lvl7pPr marL="3962278" indent="0">
               <a:buNone/>
-              <a:defRPr sz="1400">
+              <a:defRPr sz="2022">
                 <a:solidFill>
                   <a:schemeClr val="tx1">
                     <a:tint val="75000"/>
@@ -1411,9 +1411,9 @@
                 </a:solidFill>
               </a:defRPr>
             </a:lvl7pPr>
-            <a:lvl8pPr marL="3200400" indent="0">
+            <a:lvl8pPr marL="4622658" indent="0">
               <a:buNone/>
-              <a:defRPr sz="1400">
+              <a:defRPr sz="2022">
                 <a:solidFill>
                   <a:schemeClr val="tx1">
                     <a:tint val="75000"/>
@@ -1421,9 +1421,9 @@
                 </a:solidFill>
               </a:defRPr>
             </a:lvl8pPr>
-            <a:lvl9pPr marL="3657600" indent="0">
+            <a:lvl9pPr marL="5283037" indent="0">
               <a:buNone/>
-              <a:defRPr sz="1400">
+              <a:defRPr sz="2022">
                 <a:solidFill>
                   <a:schemeClr val="tx1">
                     <a:tint val="75000"/>
@@ -1458,7 +1458,7 @@
           <a:p>
             <a:fld id="{794C1F84-8C4E-4FA9-B7BA-3801BE6D5074}" type="datetimeFigureOut">
               <a:rPr lang="zh-CN" altLang="en-US" smtClean="0"/>
-              <a:t>2019/5/20 Monday</a:t>
+              <a:t>2019/5/22</a:t>
             </a:fld>
             <a:endParaRPr lang="zh-CN" altLang="en-US"/>
           </a:p>
@@ -1570,39 +1570,39 @@
         </p:nvSpPr>
         <p:spPr>
           <a:xfrm>
-            <a:off x="457200" y="1600200"/>
-            <a:ext cx="4038600" cy="4525963"/>
+            <a:off x="342900" y="2311401"/>
+            <a:ext cx="3028950" cy="6537502"/>
           </a:xfrm>
         </p:spPr>
         <p:txBody>
           <a:bodyPr/>
           <a:lstStyle>
             <a:lvl1pPr>
-              <a:defRPr sz="2800"/>
+              <a:defRPr sz="4044"/>
             </a:lvl1pPr>
             <a:lvl2pPr>
-              <a:defRPr sz="2400"/>
+              <a:defRPr sz="3467"/>
             </a:lvl2pPr>
             <a:lvl3pPr>
-              <a:defRPr sz="2000"/>
+              <a:defRPr sz="2889"/>
             </a:lvl3pPr>
             <a:lvl4pPr>
-              <a:defRPr sz="1800"/>
+              <a:defRPr sz="2600"/>
             </a:lvl4pPr>
             <a:lvl5pPr>
-              <a:defRPr sz="1800"/>
+              <a:defRPr sz="2600"/>
             </a:lvl5pPr>
             <a:lvl6pPr>
-              <a:defRPr sz="1800"/>
+              <a:defRPr sz="2600"/>
             </a:lvl6pPr>
             <a:lvl7pPr>
-              <a:defRPr sz="1800"/>
+              <a:defRPr sz="2600"/>
             </a:lvl7pPr>
             <a:lvl8pPr>
-              <a:defRPr sz="1800"/>
+              <a:defRPr sz="2600"/>
             </a:lvl8pPr>
             <a:lvl9pPr>
-              <a:defRPr sz="1800"/>
+              <a:defRPr sz="2600"/>
             </a:lvl9pPr>
           </a:lstStyle>
           <a:p>
@@ -1654,39 +1654,39 @@
         </p:nvSpPr>
         <p:spPr>
           <a:xfrm>
-            <a:off x="4648200" y="1600200"/>
-            <a:ext cx="4038600" cy="4525963"/>
+            <a:off x="3486150" y="2311401"/>
+            <a:ext cx="3028950" cy="6537502"/>
           </a:xfrm>
         </p:spPr>
         <p:txBody>
           <a:bodyPr/>
           <a:lstStyle>
             <a:lvl1pPr>
-              <a:defRPr sz="2800"/>
+              <a:defRPr sz="4044"/>
             </a:lvl1pPr>
             <a:lvl2pPr>
-              <a:defRPr sz="2400"/>
+              <a:defRPr sz="3467"/>
             </a:lvl2pPr>
             <a:lvl3pPr>
-              <a:defRPr sz="2000"/>
+              <a:defRPr sz="2889"/>
             </a:lvl3pPr>
             <a:lvl4pPr>
-              <a:defRPr sz="1800"/>
+              <a:defRPr sz="2600"/>
             </a:lvl4pPr>
             <a:lvl5pPr>
-              <a:defRPr sz="1800"/>
+              <a:defRPr sz="2600"/>
             </a:lvl5pPr>
             <a:lvl6pPr>
-              <a:defRPr sz="1800"/>
+              <a:defRPr sz="2600"/>
             </a:lvl6pPr>
             <a:lvl7pPr>
-              <a:defRPr sz="1800"/>
+              <a:defRPr sz="2600"/>
             </a:lvl7pPr>
             <a:lvl8pPr>
-              <a:defRPr sz="1800"/>
+              <a:defRPr sz="2600"/>
             </a:lvl8pPr>
             <a:lvl9pPr>
-              <a:defRPr sz="1800"/>
+              <a:defRPr sz="2600"/>
             </a:lvl9pPr>
           </a:lstStyle>
           <a:p>
@@ -1743,7 +1743,7 @@
           <a:p>
             <a:fld id="{794C1F84-8C4E-4FA9-B7BA-3801BE6D5074}" type="datetimeFigureOut">
               <a:rPr lang="zh-CN" altLang="en-US" smtClean="0"/>
-              <a:t>2019/5/20 Monday</a:t>
+              <a:t>2019/5/22</a:t>
             </a:fld>
             <a:endParaRPr lang="zh-CN" altLang="en-US"/>
           </a:p>
@@ -1859,8 +1859,8 @@
         </p:nvSpPr>
         <p:spPr>
           <a:xfrm>
-            <a:off x="457200" y="1535113"/>
-            <a:ext cx="4040188" cy="639762"/>
+            <a:off x="342900" y="2217385"/>
+            <a:ext cx="3030141" cy="924101"/>
           </a:xfrm>
         </p:spPr>
         <p:txBody>
@@ -1868,39 +1868,39 @@
           <a:lstStyle>
             <a:lvl1pPr marL="0" indent="0">
               <a:buNone/>
-              <a:defRPr sz="2400" b="1"/>
+              <a:defRPr sz="3467" b="1"/>
             </a:lvl1pPr>
-            <a:lvl2pPr marL="457200" indent="0">
+            <a:lvl2pPr marL="660380" indent="0">
               <a:buNone/>
-              <a:defRPr sz="2000" b="1"/>
+              <a:defRPr sz="2889" b="1"/>
             </a:lvl2pPr>
-            <a:lvl3pPr marL="914400" indent="0">
+            <a:lvl3pPr marL="1320759" indent="0">
               <a:buNone/>
-              <a:defRPr sz="1800" b="1"/>
+              <a:defRPr sz="2600" b="1"/>
             </a:lvl3pPr>
-            <a:lvl4pPr marL="1371600" indent="0">
+            <a:lvl4pPr marL="1981139" indent="0">
               <a:buNone/>
-              <a:defRPr sz="1600" b="1"/>
+              <a:defRPr sz="2311" b="1"/>
             </a:lvl4pPr>
-            <a:lvl5pPr marL="1828800" indent="0">
+            <a:lvl5pPr marL="2641519" indent="0">
               <a:buNone/>
-              <a:defRPr sz="1600" b="1"/>
+              <a:defRPr sz="2311" b="1"/>
             </a:lvl5pPr>
-            <a:lvl6pPr marL="2286000" indent="0">
+            <a:lvl6pPr marL="3301898" indent="0">
               <a:buNone/>
-              <a:defRPr sz="1600" b="1"/>
+              <a:defRPr sz="2311" b="1"/>
             </a:lvl6pPr>
-            <a:lvl7pPr marL="2743200" indent="0">
+            <a:lvl7pPr marL="3962278" indent="0">
               <a:buNone/>
-              <a:defRPr sz="1600" b="1"/>
+              <a:defRPr sz="2311" b="1"/>
             </a:lvl7pPr>
-            <a:lvl8pPr marL="3200400" indent="0">
+            <a:lvl8pPr marL="4622658" indent="0">
               <a:buNone/>
-              <a:defRPr sz="1600" b="1"/>
+              <a:defRPr sz="2311" b="1"/>
             </a:lvl8pPr>
-            <a:lvl9pPr marL="3657600" indent="0">
+            <a:lvl9pPr marL="5283037" indent="0">
               <a:buNone/>
-              <a:defRPr sz="1600" b="1"/>
+              <a:defRPr sz="2311" b="1"/>
             </a:lvl9pPr>
           </a:lstStyle>
           <a:p>
@@ -1924,39 +1924,39 @@
         </p:nvSpPr>
         <p:spPr>
           <a:xfrm>
-            <a:off x="457200" y="2174875"/>
-            <a:ext cx="4040188" cy="3951288"/>
+            <a:off x="342900" y="3141486"/>
+            <a:ext cx="3030141" cy="5707416"/>
           </a:xfrm>
         </p:spPr>
         <p:txBody>
           <a:bodyPr/>
           <a:lstStyle>
             <a:lvl1pPr>
-              <a:defRPr sz="2400"/>
+              <a:defRPr sz="3467"/>
             </a:lvl1pPr>
             <a:lvl2pPr>
-              <a:defRPr sz="2000"/>
+              <a:defRPr sz="2889"/>
             </a:lvl2pPr>
             <a:lvl3pPr>
-              <a:defRPr sz="1800"/>
+              <a:defRPr sz="2600"/>
             </a:lvl3pPr>
             <a:lvl4pPr>
-              <a:defRPr sz="1600"/>
+              <a:defRPr sz="2311"/>
             </a:lvl4pPr>
             <a:lvl5pPr>
-              <a:defRPr sz="1600"/>
+              <a:defRPr sz="2311"/>
             </a:lvl5pPr>
             <a:lvl6pPr>
-              <a:defRPr sz="1600"/>
+              <a:defRPr sz="2311"/>
             </a:lvl6pPr>
             <a:lvl7pPr>
-              <a:defRPr sz="1600"/>
+              <a:defRPr sz="2311"/>
             </a:lvl7pPr>
             <a:lvl8pPr>
-              <a:defRPr sz="1600"/>
+              <a:defRPr sz="2311"/>
             </a:lvl8pPr>
             <a:lvl9pPr>
-              <a:defRPr sz="1600"/>
+              <a:defRPr sz="2311"/>
             </a:lvl9pPr>
           </a:lstStyle>
           <a:p>
@@ -2008,8 +2008,8 @@
         </p:nvSpPr>
         <p:spPr>
           <a:xfrm>
-            <a:off x="4645025" y="1535113"/>
-            <a:ext cx="4041775" cy="639762"/>
+            <a:off x="3483769" y="2217385"/>
+            <a:ext cx="3031331" cy="924101"/>
           </a:xfrm>
         </p:spPr>
         <p:txBody>
@@ -2017,39 +2017,39 @@
           <a:lstStyle>
             <a:lvl1pPr marL="0" indent="0">
               <a:buNone/>
-              <a:defRPr sz="2400" b="1"/>
+              <a:defRPr sz="3467" b="1"/>
             </a:lvl1pPr>
-            <a:lvl2pPr marL="457200" indent="0">
+            <a:lvl2pPr marL="660380" indent="0">
               <a:buNone/>
-              <a:defRPr sz="2000" b="1"/>
+              <a:defRPr sz="2889" b="1"/>
             </a:lvl2pPr>
-            <a:lvl3pPr marL="914400" indent="0">
+            <a:lvl3pPr marL="1320759" indent="0">
               <a:buNone/>
-              <a:defRPr sz="1800" b="1"/>
+              <a:defRPr sz="2600" b="1"/>
             </a:lvl3pPr>
-            <a:lvl4pPr marL="1371600" indent="0">
+            <a:lvl4pPr marL="1981139" indent="0">
               <a:buNone/>
-              <a:defRPr sz="1600" b="1"/>
+              <a:defRPr sz="2311" b="1"/>
             </a:lvl4pPr>
-            <a:lvl5pPr marL="1828800" indent="0">
+            <a:lvl5pPr marL="2641519" indent="0">
               <a:buNone/>
-              <a:defRPr sz="1600" b="1"/>
+              <a:defRPr sz="2311" b="1"/>
             </a:lvl5pPr>
-            <a:lvl6pPr marL="2286000" indent="0">
+            <a:lvl6pPr marL="3301898" indent="0">
               <a:buNone/>
-              <a:defRPr sz="1600" b="1"/>
+              <a:defRPr sz="2311" b="1"/>
             </a:lvl6pPr>
-            <a:lvl7pPr marL="2743200" indent="0">
+            <a:lvl7pPr marL="3962278" indent="0">
               <a:buNone/>
-              <a:defRPr sz="1600" b="1"/>
+              <a:defRPr sz="2311" b="1"/>
             </a:lvl7pPr>
-            <a:lvl8pPr marL="3200400" indent="0">
+            <a:lvl8pPr marL="4622658" indent="0">
               <a:buNone/>
-              <a:defRPr sz="1600" b="1"/>
+              <a:defRPr sz="2311" b="1"/>
             </a:lvl8pPr>
-            <a:lvl9pPr marL="3657600" indent="0">
+            <a:lvl9pPr marL="5283037" indent="0">
               <a:buNone/>
-              <a:defRPr sz="1600" b="1"/>
+              <a:defRPr sz="2311" b="1"/>
             </a:lvl9pPr>
           </a:lstStyle>
           <a:p>
@@ -2073,39 +2073,39 @@
         </p:nvSpPr>
         <p:spPr>
           <a:xfrm>
-            <a:off x="4645025" y="2174875"/>
-            <a:ext cx="4041775" cy="3951288"/>
+            <a:off x="3483769" y="3141486"/>
+            <a:ext cx="3031331" cy="5707416"/>
           </a:xfrm>
         </p:spPr>
         <p:txBody>
           <a:bodyPr/>
           <a:lstStyle>
             <a:lvl1pPr>
-              <a:defRPr sz="2400"/>
+              <a:defRPr sz="3467"/>
             </a:lvl1pPr>
             <a:lvl2pPr>
-              <a:defRPr sz="2000"/>
+              <a:defRPr sz="2889"/>
             </a:lvl2pPr>
             <a:lvl3pPr>
-              <a:defRPr sz="1800"/>
+              <a:defRPr sz="2600"/>
             </a:lvl3pPr>
             <a:lvl4pPr>
-              <a:defRPr sz="1600"/>
+              <a:defRPr sz="2311"/>
             </a:lvl4pPr>
             <a:lvl5pPr>
-              <a:defRPr sz="1600"/>
+              <a:defRPr sz="2311"/>
             </a:lvl5pPr>
             <a:lvl6pPr>
-              <a:defRPr sz="1600"/>
+              <a:defRPr sz="2311"/>
             </a:lvl6pPr>
             <a:lvl7pPr>
-              <a:defRPr sz="1600"/>
+              <a:defRPr sz="2311"/>
             </a:lvl7pPr>
             <a:lvl8pPr>
-              <a:defRPr sz="1600"/>
+              <a:defRPr sz="2311"/>
             </a:lvl8pPr>
             <a:lvl9pPr>
-              <a:defRPr sz="1600"/>
+              <a:defRPr sz="2311"/>
             </a:lvl9pPr>
           </a:lstStyle>
           <a:p>
@@ -2162,7 +2162,7 @@
           <a:p>
             <a:fld id="{794C1F84-8C4E-4FA9-B7BA-3801BE6D5074}" type="datetimeFigureOut">
               <a:rPr lang="zh-CN" altLang="en-US" smtClean="0"/>
-              <a:t>2019/5/20 Monday</a:t>
+              <a:t>2019/5/22</a:t>
             </a:fld>
             <a:endParaRPr lang="zh-CN" altLang="en-US"/>
           </a:p>
@@ -2279,7 +2279,7 @@
           <a:p>
             <a:fld id="{794C1F84-8C4E-4FA9-B7BA-3801BE6D5074}" type="datetimeFigureOut">
               <a:rPr lang="zh-CN" altLang="en-US" smtClean="0"/>
-              <a:t>2019/5/20 Monday</a:t>
+              <a:t>2019/5/22</a:t>
             </a:fld>
             <a:endParaRPr lang="zh-CN" altLang="en-US"/>
           </a:p>
@@ -2374,7 +2374,7 @@
           <a:p>
             <a:fld id="{794C1F84-8C4E-4FA9-B7BA-3801BE6D5074}" type="datetimeFigureOut">
               <a:rPr lang="zh-CN" altLang="en-US" smtClean="0"/>
-              <a:t>2019/5/20 Monday</a:t>
+              <a:t>2019/5/22</a:t>
             </a:fld>
             <a:endParaRPr lang="zh-CN" altLang="en-US"/>
           </a:p>
@@ -2464,15 +2464,15 @@
         </p:nvSpPr>
         <p:spPr>
           <a:xfrm>
-            <a:off x="457200" y="273050"/>
-            <a:ext cx="3008313" cy="1162050"/>
+            <a:off x="342900" y="394405"/>
+            <a:ext cx="2256235" cy="1678517"/>
           </a:xfrm>
         </p:spPr>
         <p:txBody>
           <a:bodyPr anchor="b"/>
           <a:lstStyle>
             <a:lvl1pPr algn="l">
-              <a:defRPr sz="2000" b="1"/>
+              <a:defRPr sz="2889" b="1"/>
             </a:lvl1pPr>
           </a:lstStyle>
           <a:p>
@@ -2495,39 +2495,39 @@
         </p:nvSpPr>
         <p:spPr>
           <a:xfrm>
-            <a:off x="3575050" y="273050"/>
-            <a:ext cx="5111750" cy="5853113"/>
+            <a:off x="2681287" y="394406"/>
+            <a:ext cx="3833813" cy="8454497"/>
           </a:xfrm>
         </p:spPr>
         <p:txBody>
           <a:bodyPr/>
           <a:lstStyle>
             <a:lvl1pPr>
-              <a:defRPr sz="3200"/>
+              <a:defRPr sz="4622"/>
             </a:lvl1pPr>
             <a:lvl2pPr>
-              <a:defRPr sz="2800"/>
+              <a:defRPr sz="4044"/>
             </a:lvl2pPr>
             <a:lvl3pPr>
-              <a:defRPr sz="2400"/>
+              <a:defRPr sz="3467"/>
             </a:lvl3pPr>
             <a:lvl4pPr>
-              <a:defRPr sz="2000"/>
+              <a:defRPr sz="2889"/>
             </a:lvl4pPr>
             <a:lvl5pPr>
-              <a:defRPr sz="2000"/>
+              <a:defRPr sz="2889"/>
             </a:lvl5pPr>
             <a:lvl6pPr>
-              <a:defRPr sz="2000"/>
+              <a:defRPr sz="2889"/>
             </a:lvl6pPr>
             <a:lvl7pPr>
-              <a:defRPr sz="2000"/>
+              <a:defRPr sz="2889"/>
             </a:lvl7pPr>
             <a:lvl8pPr>
-              <a:defRPr sz="2000"/>
+              <a:defRPr sz="2889"/>
             </a:lvl8pPr>
             <a:lvl9pPr>
-              <a:defRPr sz="2000"/>
+              <a:defRPr sz="2889"/>
             </a:lvl9pPr>
           </a:lstStyle>
           <a:p>
@@ -2579,8 +2579,8 @@
         </p:nvSpPr>
         <p:spPr>
           <a:xfrm>
-            <a:off x="457200" y="1435100"/>
-            <a:ext cx="3008313" cy="4691063"/>
+            <a:off x="342900" y="2072923"/>
+            <a:ext cx="2256235" cy="6775980"/>
           </a:xfrm>
         </p:spPr>
         <p:txBody>
@@ -2588,39 +2588,39 @@
           <a:lstStyle>
             <a:lvl1pPr marL="0" indent="0">
               <a:buNone/>
-              <a:defRPr sz="1400"/>
+              <a:defRPr sz="2022"/>
             </a:lvl1pPr>
-            <a:lvl2pPr marL="457200" indent="0">
+            <a:lvl2pPr marL="660380" indent="0">
               <a:buNone/>
-              <a:defRPr sz="1200"/>
+              <a:defRPr sz="1733"/>
             </a:lvl2pPr>
-            <a:lvl3pPr marL="914400" indent="0">
+            <a:lvl3pPr marL="1320759" indent="0">
               <a:buNone/>
-              <a:defRPr sz="1000"/>
+              <a:defRPr sz="1444"/>
             </a:lvl3pPr>
-            <a:lvl4pPr marL="1371600" indent="0">
+            <a:lvl4pPr marL="1981139" indent="0">
               <a:buNone/>
-              <a:defRPr sz="900"/>
+              <a:defRPr sz="1300"/>
             </a:lvl4pPr>
-            <a:lvl5pPr marL="1828800" indent="0">
+            <a:lvl5pPr marL="2641519" indent="0">
               <a:buNone/>
-              <a:defRPr sz="900"/>
+              <a:defRPr sz="1300"/>
             </a:lvl5pPr>
-            <a:lvl6pPr marL="2286000" indent="0">
+            <a:lvl6pPr marL="3301898" indent="0">
               <a:buNone/>
-              <a:defRPr sz="900"/>
+              <a:defRPr sz="1300"/>
             </a:lvl6pPr>
-            <a:lvl7pPr marL="2743200" indent="0">
+            <a:lvl7pPr marL="3962278" indent="0">
               <a:buNone/>
-              <a:defRPr sz="900"/>
+              <a:defRPr sz="1300"/>
             </a:lvl7pPr>
-            <a:lvl8pPr marL="3200400" indent="0">
+            <a:lvl8pPr marL="4622658" indent="0">
               <a:buNone/>
-              <a:defRPr sz="900"/>
+              <a:defRPr sz="1300"/>
             </a:lvl8pPr>
-            <a:lvl9pPr marL="3657600" indent="0">
+            <a:lvl9pPr marL="5283037" indent="0">
               <a:buNone/>
-              <a:defRPr sz="900"/>
+              <a:defRPr sz="1300"/>
             </a:lvl9pPr>
           </a:lstStyle>
           <a:p>
@@ -2649,7 +2649,7 @@
           <a:p>
             <a:fld id="{794C1F84-8C4E-4FA9-B7BA-3801BE6D5074}" type="datetimeFigureOut">
               <a:rPr lang="zh-CN" altLang="en-US" smtClean="0"/>
-              <a:t>2019/5/20 Monday</a:t>
+              <a:t>2019/5/22</a:t>
             </a:fld>
             <a:endParaRPr lang="zh-CN" altLang="en-US"/>
           </a:p>
@@ -2739,15 +2739,15 @@
         </p:nvSpPr>
         <p:spPr>
           <a:xfrm>
-            <a:off x="1792288" y="4800600"/>
-            <a:ext cx="5486400" cy="566738"/>
+            <a:off x="1344216" y="6934200"/>
+            <a:ext cx="4114800" cy="818622"/>
           </a:xfrm>
         </p:spPr>
         <p:txBody>
           <a:bodyPr anchor="b"/>
           <a:lstStyle>
             <a:lvl1pPr algn="l">
-              <a:defRPr sz="2000" b="1"/>
+              <a:defRPr sz="2889" b="1"/>
             </a:lvl1pPr>
           </a:lstStyle>
           <a:p>
@@ -2770,8 +2770,8 @@
         </p:nvSpPr>
         <p:spPr>
           <a:xfrm>
-            <a:off x="1792288" y="612775"/>
-            <a:ext cx="5486400" cy="4114800"/>
+            <a:off x="1344216" y="885119"/>
+            <a:ext cx="4114800" cy="5943600"/>
           </a:xfrm>
         </p:spPr>
         <p:txBody>
@@ -2779,39 +2779,39 @@
           <a:lstStyle>
             <a:lvl1pPr marL="0" indent="0">
               <a:buNone/>
-              <a:defRPr sz="3200"/>
+              <a:defRPr sz="4622"/>
             </a:lvl1pPr>
-            <a:lvl2pPr marL="457200" indent="0">
+            <a:lvl2pPr marL="660380" indent="0">
               <a:buNone/>
-              <a:defRPr sz="2800"/>
+              <a:defRPr sz="4044"/>
             </a:lvl2pPr>
-            <a:lvl3pPr marL="914400" indent="0">
+            <a:lvl3pPr marL="1320759" indent="0">
               <a:buNone/>
-              <a:defRPr sz="2400"/>
+              <a:defRPr sz="3467"/>
             </a:lvl3pPr>
-            <a:lvl4pPr marL="1371600" indent="0">
+            <a:lvl4pPr marL="1981139" indent="0">
               <a:buNone/>
-              <a:defRPr sz="2000"/>
+              <a:defRPr sz="2889"/>
             </a:lvl4pPr>
-            <a:lvl5pPr marL="1828800" indent="0">
+            <a:lvl5pPr marL="2641519" indent="0">
               <a:buNone/>
-              <a:defRPr sz="2000"/>
+              <a:defRPr sz="2889"/>
             </a:lvl5pPr>
-            <a:lvl6pPr marL="2286000" indent="0">
+            <a:lvl6pPr marL="3301898" indent="0">
               <a:buNone/>
-              <a:defRPr sz="2000"/>
+              <a:defRPr sz="2889"/>
             </a:lvl6pPr>
-            <a:lvl7pPr marL="2743200" indent="0">
+            <a:lvl7pPr marL="3962278" indent="0">
               <a:buNone/>
-              <a:defRPr sz="2000"/>
+              <a:defRPr sz="2889"/>
             </a:lvl7pPr>
-            <a:lvl8pPr marL="3200400" indent="0">
+            <a:lvl8pPr marL="4622658" indent="0">
               <a:buNone/>
-              <a:defRPr sz="2000"/>
+              <a:defRPr sz="2889"/>
             </a:lvl8pPr>
-            <a:lvl9pPr marL="3657600" indent="0">
+            <a:lvl9pPr marL="5283037" indent="0">
               <a:buNone/>
-              <a:defRPr sz="2000"/>
+              <a:defRPr sz="2889"/>
             </a:lvl9pPr>
           </a:lstStyle>
           <a:p>
@@ -2831,8 +2831,8 @@
         </p:nvSpPr>
         <p:spPr>
           <a:xfrm>
-            <a:off x="1792288" y="5367338"/>
-            <a:ext cx="5486400" cy="804862"/>
+            <a:off x="1344216" y="7752822"/>
+            <a:ext cx="4114800" cy="1162578"/>
           </a:xfrm>
         </p:spPr>
         <p:txBody>
@@ -2840,39 +2840,39 @@
           <a:lstStyle>
             <a:lvl1pPr marL="0" indent="0">
               <a:buNone/>
-              <a:defRPr sz="1400"/>
+              <a:defRPr sz="2022"/>
             </a:lvl1pPr>
-            <a:lvl2pPr marL="457200" indent="0">
+            <a:lvl2pPr marL="660380" indent="0">
               <a:buNone/>
-              <a:defRPr sz="1200"/>
+              <a:defRPr sz="1733"/>
             </a:lvl2pPr>
-            <a:lvl3pPr marL="914400" indent="0">
+            <a:lvl3pPr marL="1320759" indent="0">
               <a:buNone/>
-              <a:defRPr sz="1000"/>
+              <a:defRPr sz="1444"/>
             </a:lvl3pPr>
-            <a:lvl4pPr marL="1371600" indent="0">
+            <a:lvl4pPr marL="1981139" indent="0">
               <a:buNone/>
-              <a:defRPr sz="900"/>
+              <a:defRPr sz="1300"/>
             </a:lvl4pPr>
-            <a:lvl5pPr marL="1828800" indent="0">
+            <a:lvl5pPr marL="2641519" indent="0">
               <a:buNone/>
-              <a:defRPr sz="900"/>
+              <a:defRPr sz="1300"/>
             </a:lvl5pPr>
-            <a:lvl6pPr marL="2286000" indent="0">
+            <a:lvl6pPr marL="3301898" indent="0">
               <a:buNone/>
-              <a:defRPr sz="900"/>
+              <a:defRPr sz="1300"/>
             </a:lvl6pPr>
-            <a:lvl7pPr marL="2743200" indent="0">
+            <a:lvl7pPr marL="3962278" indent="0">
               <a:buNone/>
-              <a:defRPr sz="900"/>
+              <a:defRPr sz="1300"/>
             </a:lvl7pPr>
-            <a:lvl8pPr marL="3200400" indent="0">
+            <a:lvl8pPr marL="4622658" indent="0">
               <a:buNone/>
-              <a:defRPr sz="900"/>
+              <a:defRPr sz="1300"/>
             </a:lvl8pPr>
-            <a:lvl9pPr marL="3657600" indent="0">
+            <a:lvl9pPr marL="5283037" indent="0">
               <a:buNone/>
-              <a:defRPr sz="900"/>
+              <a:defRPr sz="1300"/>
             </a:lvl9pPr>
           </a:lstStyle>
           <a:p>
@@ -2901,7 +2901,7 @@
           <a:p>
             <a:fld id="{794C1F84-8C4E-4FA9-B7BA-3801BE6D5074}" type="datetimeFigureOut">
               <a:rPr lang="zh-CN" altLang="en-US" smtClean="0"/>
-              <a:t>2019/5/20 Monday</a:t>
+              <a:t>2019/5/22</a:t>
             </a:fld>
             <a:endParaRPr lang="zh-CN" altLang="en-US"/>
           </a:p>
@@ -2996,8 +2996,8 @@
         </p:nvSpPr>
         <p:spPr>
           <a:xfrm>
-            <a:off x="457200" y="274638"/>
-            <a:ext cx="8229600" cy="1143000"/>
+            <a:off x="342900" y="396699"/>
+            <a:ext cx="6172200" cy="1651000"/>
           </a:xfrm>
           <a:prstGeom prst="rect">
             <a:avLst/>
@@ -3028,8 +3028,8 @@
         </p:nvSpPr>
         <p:spPr>
           <a:xfrm>
-            <a:off x="457200" y="1600200"/>
-            <a:ext cx="8229600" cy="4525963"/>
+            <a:off x="342900" y="2311401"/>
+            <a:ext cx="6172200" cy="6537502"/>
           </a:xfrm>
           <a:prstGeom prst="rect">
             <a:avLst/>
@@ -3089,8 +3089,8 @@
         </p:nvSpPr>
         <p:spPr>
           <a:xfrm>
-            <a:off x="457200" y="6356350"/>
-            <a:ext cx="2133600" cy="365125"/>
+            <a:off x="342900" y="9181395"/>
+            <a:ext cx="1600200" cy="527403"/>
           </a:xfrm>
           <a:prstGeom prst="rect">
             <a:avLst/>
@@ -3100,7 +3100,7 @@
           <a:bodyPr vert="horz" lIns="91440" tIns="45720" rIns="91440" bIns="45720" rtlCol="0" anchor="ctr"/>
           <a:lstStyle>
             <a:lvl1pPr algn="l">
-              <a:defRPr sz="1200">
+              <a:defRPr sz="1733">
                 <a:solidFill>
                   <a:schemeClr val="tx1">
                     <a:tint val="75000"/>
@@ -3112,7 +3112,7 @@
           <a:p>
             <a:fld id="{794C1F84-8C4E-4FA9-B7BA-3801BE6D5074}" type="datetimeFigureOut">
               <a:rPr lang="zh-CN" altLang="en-US" smtClean="0"/>
-              <a:t>2019/5/20 Monday</a:t>
+              <a:t>2019/5/22</a:t>
             </a:fld>
             <a:endParaRPr lang="zh-CN" altLang="en-US"/>
           </a:p>
@@ -3130,8 +3130,8 @@
         </p:nvSpPr>
         <p:spPr>
           <a:xfrm>
-            <a:off x="3124200" y="6356350"/>
-            <a:ext cx="2895600" cy="365125"/>
+            <a:off x="2343150" y="9181395"/>
+            <a:ext cx="2171700" cy="527403"/>
           </a:xfrm>
           <a:prstGeom prst="rect">
             <a:avLst/>
@@ -3141,7 +3141,7 @@
           <a:bodyPr vert="horz" lIns="91440" tIns="45720" rIns="91440" bIns="45720" rtlCol="0" anchor="ctr"/>
           <a:lstStyle>
             <a:lvl1pPr algn="ctr">
-              <a:defRPr sz="1200">
+              <a:defRPr sz="1733">
                 <a:solidFill>
                   <a:schemeClr val="tx1">
                     <a:tint val="75000"/>
@@ -3167,8 +3167,8 @@
         </p:nvSpPr>
         <p:spPr>
           <a:xfrm>
-            <a:off x="6553200" y="6356350"/>
-            <a:ext cx="2133600" cy="365125"/>
+            <a:off x="4914900" y="9181395"/>
+            <a:ext cx="1600200" cy="527403"/>
           </a:xfrm>
           <a:prstGeom prst="rect">
             <a:avLst/>
@@ -3178,7 +3178,7 @@
           <a:bodyPr vert="horz" lIns="91440" tIns="45720" rIns="91440" bIns="45720" rtlCol="0" anchor="ctr"/>
           <a:lstStyle>
             <a:lvl1pPr algn="r">
-              <a:defRPr sz="1200">
+              <a:defRPr sz="1733">
                 <a:solidFill>
                   <a:schemeClr val="tx1">
                     <a:tint val="75000"/>
@@ -3219,12 +3219,12 @@
   </p:sldLayoutIdLst>
   <p:txStyles>
     <p:titleStyle>
-      <a:lvl1pPr algn="ctr" defTabSz="914400" rtl="0" eaLnBrk="1" latinLnBrk="0" hangingPunct="1">
+      <a:lvl1pPr algn="ctr" defTabSz="1320759" rtl="0" eaLnBrk="1" latinLnBrk="0" hangingPunct="1">
         <a:spcBef>
           <a:spcPct val="0"/>
         </a:spcBef>
         <a:buNone/>
-        <a:defRPr sz="4400" kern="1200">
+        <a:defRPr sz="6355" kern="1200">
           <a:solidFill>
             <a:schemeClr val="tx1"/>
           </a:solidFill>
@@ -3235,13 +3235,13 @@
       </a:lvl1pPr>
     </p:titleStyle>
     <p:bodyStyle>
-      <a:lvl1pPr marL="342900" indent="-342900" algn="l" defTabSz="914400" rtl="0" eaLnBrk="1" latinLnBrk="0" hangingPunct="1">
+      <a:lvl1pPr marL="495285" indent="-495285" algn="l" defTabSz="1320759" rtl="0" eaLnBrk="1" latinLnBrk="0" hangingPunct="1">
         <a:spcBef>
           <a:spcPct val="20000"/>
         </a:spcBef>
         <a:buFont typeface="Arial" panose="020B0604020202020204" pitchFamily="34" charset="0"/>
         <a:buChar char="•"/>
-        <a:defRPr sz="3200" kern="1200">
+        <a:defRPr sz="4622" kern="1200">
           <a:solidFill>
             <a:schemeClr val="tx1"/>
           </a:solidFill>
@@ -3250,13 +3250,13 @@
           <a:cs typeface="+mn-cs"/>
         </a:defRPr>
       </a:lvl1pPr>
-      <a:lvl2pPr marL="742950" indent="-285750" algn="l" defTabSz="914400" rtl="0" eaLnBrk="1" latinLnBrk="0" hangingPunct="1">
+      <a:lvl2pPr marL="1073117" indent="-412737" algn="l" defTabSz="1320759" rtl="0" eaLnBrk="1" latinLnBrk="0" hangingPunct="1">
         <a:spcBef>
           <a:spcPct val="20000"/>
         </a:spcBef>
         <a:buFont typeface="Arial" panose="020B0604020202020204" pitchFamily="34" charset="0"/>
         <a:buChar char="–"/>
-        <a:defRPr sz="2800" kern="1200">
+        <a:defRPr sz="4044" kern="1200">
           <a:solidFill>
             <a:schemeClr val="tx1"/>
           </a:solidFill>
@@ -3265,13 +3265,13 @@
           <a:cs typeface="+mn-cs"/>
         </a:defRPr>
       </a:lvl2pPr>
-      <a:lvl3pPr marL="1143000" indent="-228600" algn="l" defTabSz="914400" rtl="0" eaLnBrk="1" latinLnBrk="0" hangingPunct="1">
+      <a:lvl3pPr marL="1650949" indent="-330190" algn="l" defTabSz="1320759" rtl="0" eaLnBrk="1" latinLnBrk="0" hangingPunct="1">
         <a:spcBef>
           <a:spcPct val="20000"/>
         </a:spcBef>
         <a:buFont typeface="Arial" panose="020B0604020202020204" pitchFamily="34" charset="0"/>
         <a:buChar char="•"/>
-        <a:defRPr sz="2400" kern="1200">
+        <a:defRPr sz="3467" kern="1200">
           <a:solidFill>
             <a:schemeClr val="tx1"/>
           </a:solidFill>
@@ -3280,13 +3280,13 @@
           <a:cs typeface="+mn-cs"/>
         </a:defRPr>
       </a:lvl3pPr>
-      <a:lvl4pPr marL="1600200" indent="-228600" algn="l" defTabSz="914400" rtl="0" eaLnBrk="1" latinLnBrk="0" hangingPunct="1">
+      <a:lvl4pPr marL="2311329" indent="-330190" algn="l" defTabSz="1320759" rtl="0" eaLnBrk="1" latinLnBrk="0" hangingPunct="1">
         <a:spcBef>
           <a:spcPct val="20000"/>
         </a:spcBef>
         <a:buFont typeface="Arial" panose="020B0604020202020204" pitchFamily="34" charset="0"/>
         <a:buChar char="–"/>
-        <a:defRPr sz="2000" kern="1200">
+        <a:defRPr sz="2889" kern="1200">
           <a:solidFill>
             <a:schemeClr val="tx1"/>
           </a:solidFill>
@@ -3295,13 +3295,13 @@
           <a:cs typeface="+mn-cs"/>
         </a:defRPr>
       </a:lvl4pPr>
-      <a:lvl5pPr marL="2057400" indent="-228600" algn="l" defTabSz="914400" rtl="0" eaLnBrk="1" latinLnBrk="0" hangingPunct="1">
+      <a:lvl5pPr marL="2971709" indent="-330190" algn="l" defTabSz="1320759" rtl="0" eaLnBrk="1" latinLnBrk="0" hangingPunct="1">
         <a:spcBef>
           <a:spcPct val="20000"/>
         </a:spcBef>
         <a:buFont typeface="Arial" panose="020B0604020202020204" pitchFamily="34" charset="0"/>
         <a:buChar char="»"/>
-        <a:defRPr sz="2000" kern="1200">
+        <a:defRPr sz="2889" kern="1200">
           <a:solidFill>
             <a:schemeClr val="tx1"/>
           </a:solidFill>
@@ -3310,13 +3310,13 @@
           <a:cs typeface="+mn-cs"/>
         </a:defRPr>
       </a:lvl5pPr>
-      <a:lvl6pPr marL="2514600" indent="-228600" algn="l" defTabSz="914400" rtl="0" eaLnBrk="1" latinLnBrk="0" hangingPunct="1">
+      <a:lvl6pPr marL="3632088" indent="-330190" algn="l" defTabSz="1320759" rtl="0" eaLnBrk="1" latinLnBrk="0" hangingPunct="1">
         <a:spcBef>
           <a:spcPct val="20000"/>
         </a:spcBef>
         <a:buFont typeface="Arial" panose="020B0604020202020204" pitchFamily="34" charset="0"/>
         <a:buChar char="•"/>
-        <a:defRPr sz="2000" kern="1200">
+        <a:defRPr sz="2889" kern="1200">
           <a:solidFill>
             <a:schemeClr val="tx1"/>
           </a:solidFill>
@@ -3325,13 +3325,13 @@
           <a:cs typeface="+mn-cs"/>
         </a:defRPr>
       </a:lvl6pPr>
-      <a:lvl7pPr marL="2971800" indent="-228600" algn="l" defTabSz="914400" rtl="0" eaLnBrk="1" latinLnBrk="0" hangingPunct="1">
+      <a:lvl7pPr marL="4292468" indent="-330190" algn="l" defTabSz="1320759" rtl="0" eaLnBrk="1" latinLnBrk="0" hangingPunct="1">
         <a:spcBef>
           <a:spcPct val="20000"/>
         </a:spcBef>
         <a:buFont typeface="Arial" panose="020B0604020202020204" pitchFamily="34" charset="0"/>
         <a:buChar char="•"/>
-        <a:defRPr sz="2000" kern="1200">
+        <a:defRPr sz="2889" kern="1200">
           <a:solidFill>
             <a:schemeClr val="tx1"/>
           </a:solidFill>
@@ -3340,13 +3340,13 @@
           <a:cs typeface="+mn-cs"/>
         </a:defRPr>
       </a:lvl7pPr>
-      <a:lvl8pPr marL="3429000" indent="-228600" algn="l" defTabSz="914400" rtl="0" eaLnBrk="1" latinLnBrk="0" hangingPunct="1">
+      <a:lvl8pPr marL="4952848" indent="-330190" algn="l" defTabSz="1320759" rtl="0" eaLnBrk="1" latinLnBrk="0" hangingPunct="1">
         <a:spcBef>
           <a:spcPct val="20000"/>
         </a:spcBef>
         <a:buFont typeface="Arial" panose="020B0604020202020204" pitchFamily="34" charset="0"/>
         <a:buChar char="•"/>
-        <a:defRPr sz="2000" kern="1200">
+        <a:defRPr sz="2889" kern="1200">
           <a:solidFill>
             <a:schemeClr val="tx1"/>
           </a:solidFill>
@@ -3355,13 +3355,13 @@
           <a:cs typeface="+mn-cs"/>
         </a:defRPr>
       </a:lvl8pPr>
-      <a:lvl9pPr marL="3886200" indent="-228600" algn="l" defTabSz="914400" rtl="0" eaLnBrk="1" latinLnBrk="0" hangingPunct="1">
+      <a:lvl9pPr marL="5613227" indent="-330190" algn="l" defTabSz="1320759" rtl="0" eaLnBrk="1" latinLnBrk="0" hangingPunct="1">
         <a:spcBef>
           <a:spcPct val="20000"/>
         </a:spcBef>
         <a:buFont typeface="Arial" panose="020B0604020202020204" pitchFamily="34" charset="0"/>
         <a:buChar char="•"/>
-        <a:defRPr sz="2000" kern="1200">
+        <a:defRPr sz="2889" kern="1200">
           <a:solidFill>
             <a:schemeClr val="tx1"/>
           </a:solidFill>
@@ -3375,8 +3375,8 @@
       <a:defPPr>
         <a:defRPr lang="zh-CN"/>
       </a:defPPr>
-      <a:lvl1pPr marL="0" algn="l" defTabSz="914400" rtl="0" eaLnBrk="1" latinLnBrk="0" hangingPunct="1">
-        <a:defRPr sz="1800" kern="1200">
+      <a:lvl1pPr marL="0" algn="l" defTabSz="1320759" rtl="0" eaLnBrk="1" latinLnBrk="0" hangingPunct="1">
+        <a:defRPr sz="2600" kern="1200">
           <a:solidFill>
             <a:schemeClr val="tx1"/>
           </a:solidFill>
@@ -3385,8 +3385,8 @@
           <a:cs typeface="+mn-cs"/>
         </a:defRPr>
       </a:lvl1pPr>
-      <a:lvl2pPr marL="457200" algn="l" defTabSz="914400" rtl="0" eaLnBrk="1" latinLnBrk="0" hangingPunct="1">
-        <a:defRPr sz="1800" kern="1200">
+      <a:lvl2pPr marL="660380" algn="l" defTabSz="1320759" rtl="0" eaLnBrk="1" latinLnBrk="0" hangingPunct="1">
+        <a:defRPr sz="2600" kern="1200">
           <a:solidFill>
             <a:schemeClr val="tx1"/>
           </a:solidFill>
@@ -3395,8 +3395,8 @@
           <a:cs typeface="+mn-cs"/>
         </a:defRPr>
       </a:lvl2pPr>
-      <a:lvl3pPr marL="914400" algn="l" defTabSz="914400" rtl="0" eaLnBrk="1" latinLnBrk="0" hangingPunct="1">
-        <a:defRPr sz="1800" kern="1200">
+      <a:lvl3pPr marL="1320759" algn="l" defTabSz="1320759" rtl="0" eaLnBrk="1" latinLnBrk="0" hangingPunct="1">
+        <a:defRPr sz="2600" kern="1200">
           <a:solidFill>
             <a:schemeClr val="tx1"/>
           </a:solidFill>
@@ -3405,8 +3405,8 @@
           <a:cs typeface="+mn-cs"/>
         </a:defRPr>
       </a:lvl3pPr>
-      <a:lvl4pPr marL="1371600" algn="l" defTabSz="914400" rtl="0" eaLnBrk="1" latinLnBrk="0" hangingPunct="1">
-        <a:defRPr sz="1800" kern="1200">
+      <a:lvl4pPr marL="1981139" algn="l" defTabSz="1320759" rtl="0" eaLnBrk="1" latinLnBrk="0" hangingPunct="1">
+        <a:defRPr sz="2600" kern="1200">
           <a:solidFill>
             <a:schemeClr val="tx1"/>
           </a:solidFill>
@@ -3415,8 +3415,8 @@
           <a:cs typeface="+mn-cs"/>
         </a:defRPr>
       </a:lvl4pPr>
-      <a:lvl5pPr marL="1828800" algn="l" defTabSz="914400" rtl="0" eaLnBrk="1" latinLnBrk="0" hangingPunct="1">
-        <a:defRPr sz="1800" kern="1200">
+      <a:lvl5pPr marL="2641519" algn="l" defTabSz="1320759" rtl="0" eaLnBrk="1" latinLnBrk="0" hangingPunct="1">
+        <a:defRPr sz="2600" kern="1200">
           <a:solidFill>
             <a:schemeClr val="tx1"/>
           </a:solidFill>
@@ -3425,8 +3425,8 @@
           <a:cs typeface="+mn-cs"/>
         </a:defRPr>
       </a:lvl5pPr>
-      <a:lvl6pPr marL="2286000" algn="l" defTabSz="914400" rtl="0" eaLnBrk="1" latinLnBrk="0" hangingPunct="1">
-        <a:defRPr sz="1800" kern="1200">
+      <a:lvl6pPr marL="3301898" algn="l" defTabSz="1320759" rtl="0" eaLnBrk="1" latinLnBrk="0" hangingPunct="1">
+        <a:defRPr sz="2600" kern="1200">
           <a:solidFill>
             <a:schemeClr val="tx1"/>
           </a:solidFill>
@@ -3435,8 +3435,8 @@
           <a:cs typeface="+mn-cs"/>
         </a:defRPr>
       </a:lvl6pPr>
-      <a:lvl7pPr marL="2743200" algn="l" defTabSz="914400" rtl="0" eaLnBrk="1" latinLnBrk="0" hangingPunct="1">
-        <a:defRPr sz="1800" kern="1200">
+      <a:lvl7pPr marL="3962278" algn="l" defTabSz="1320759" rtl="0" eaLnBrk="1" latinLnBrk="0" hangingPunct="1">
+        <a:defRPr sz="2600" kern="1200">
           <a:solidFill>
             <a:schemeClr val="tx1"/>
           </a:solidFill>
@@ -3445,8 +3445,8 @@
           <a:cs typeface="+mn-cs"/>
         </a:defRPr>
       </a:lvl7pPr>
-      <a:lvl8pPr marL="3200400" algn="l" defTabSz="914400" rtl="0" eaLnBrk="1" latinLnBrk="0" hangingPunct="1">
-        <a:defRPr sz="1800" kern="1200">
+      <a:lvl8pPr marL="4622658" algn="l" defTabSz="1320759" rtl="0" eaLnBrk="1" latinLnBrk="0" hangingPunct="1">
+        <a:defRPr sz="2600" kern="1200">
           <a:solidFill>
             <a:schemeClr val="tx1"/>
           </a:solidFill>
@@ -3455,8 +3455,8 @@
           <a:cs typeface="+mn-cs"/>
         </a:defRPr>
       </a:lvl8pPr>
-      <a:lvl9pPr marL="3657600" algn="l" defTabSz="914400" rtl="0" eaLnBrk="1" latinLnBrk="0" hangingPunct="1">
-        <a:defRPr sz="1800" kern="1200">
+      <a:lvl9pPr marL="5283037" algn="l" defTabSz="1320759" rtl="0" eaLnBrk="1" latinLnBrk="0" hangingPunct="1">
+        <a:defRPr sz="2600" kern="1200">
           <a:solidFill>
             <a:schemeClr val="tx1"/>
           </a:solidFill>
@@ -3497,8 +3497,8 @@
         </p:nvSpPr>
         <p:spPr bwMode="auto">
           <a:xfrm>
-            <a:off x="107504" y="548680"/>
-            <a:ext cx="9144000" cy="457200"/>
+            <a:off x="2544415" y="944932"/>
+            <a:ext cx="2079737" cy="355610"/>
           </a:xfrm>
           <a:prstGeom prst="rect">
             <a:avLst/>
@@ -3538,7 +3538,7 @@
           </a:extLst>
         </p:spPr>
         <p:txBody>
-          <a:bodyPr vert="horz" wrap="none" lIns="91440" tIns="45720" rIns="91440" bIns="45720" numCol="1" anchor="ctr" anchorCtr="0" compatLnSpc="1">
+          <a:bodyPr vert="horz" wrap="none" lIns="132080" tIns="66040" rIns="132080" bIns="66040" numCol="1" anchor="ctr" anchorCtr="0" compatLnSpc="1">
             <a:prstTxWarp prst="textNoShape">
               <a:avLst/>
             </a:prstTxWarp>
@@ -3546,31 +3546,16 @@
           </a:bodyPr>
           <a:lstStyle/>
           <a:p>
-            <a:pPr marL="0" marR="0" lvl="0" indent="0" algn="ctr" defTabSz="914400" rtl="0" eaLnBrk="1" fontAlgn="base" latinLnBrk="0" hangingPunct="1">
-              <a:lnSpc>
-                <a:spcPct val="100000"/>
-              </a:lnSpc>
+            <a:pPr algn="ctr" defTabSz="1320759" fontAlgn="base">
               <a:spcBef>
                 <a:spcPct val="0"/>
               </a:spcBef>
               <a:spcAft>
                 <a:spcPct val="0"/>
               </a:spcAft>
-              <a:buClrTx/>
-              <a:buSzTx/>
-              <a:buFontTx/>
-              <a:buNone/>
-              <a:tabLst/>
             </a:pPr>
             <a:r>
-              <a:rPr kumimoji="0" lang="zh-CN" altLang="zh-CN" sz="1000" b="0" i="0" u="none" strike="noStrike" cap="none" normalizeH="0" baseline="0" dirty="0">
-                <a:ln>
-                  <a:noFill/>
-                </a:ln>
-                <a:solidFill>
-                  <a:schemeClr val="tx1"/>
-                </a:solidFill>
-                <a:effectLst/>
+              <a:rPr lang="zh-CN" altLang="zh-CN" sz="1444" dirty="0">
                 <a:latin typeface="Times New Roman" pitchFamily="18" charset="0"/>
                 <a:ea typeface="宋体" pitchFamily="2" charset="-122"/>
                 <a:cs typeface="Times New Roman" pitchFamily="18" charset="0"/>
@@ -3578,14 +3563,7 @@
               <a:t>表 </a:t>
             </a:r>
             <a:r>
-              <a:rPr kumimoji="0" lang="en-US" altLang="zh-CN" sz="1000" b="0" i="0" u="none" strike="noStrike" cap="none" normalizeH="0" baseline="0" dirty="0">
-                <a:ln>
-                  <a:noFill/>
-                </a:ln>
-                <a:solidFill>
-                  <a:schemeClr val="tx1"/>
-                </a:solidFill>
-                <a:effectLst/>
+              <a:rPr lang="en-US" altLang="zh-CN" sz="1444" dirty="0">
                 <a:latin typeface="Times New Roman" pitchFamily="18" charset="0"/>
                 <a:ea typeface="宋体" pitchFamily="2" charset="-122"/>
                 <a:cs typeface="Times New Roman" pitchFamily="18" charset="0"/>
@@ -3593,28 +3571,14 @@
               <a:t>1</a:t>
             </a:r>
             <a:r>
-              <a:rPr kumimoji="0" lang="zh-CN" altLang="en-US" sz="1000" b="0" i="0" u="none" strike="noStrike" cap="none" normalizeH="0" baseline="0" dirty="0">
-                <a:ln>
-                  <a:noFill/>
-                </a:ln>
-                <a:solidFill>
-                  <a:schemeClr val="tx1"/>
-                </a:solidFill>
-                <a:effectLst/>
+              <a:rPr lang="zh-CN" altLang="en-US" sz="1444" dirty="0">
                 <a:latin typeface="Times New Roman" pitchFamily="18" charset="0"/>
                 <a:ea typeface="宋体" pitchFamily="2" charset="-122"/>
                 <a:cs typeface="Times New Roman" pitchFamily="18" charset="0"/>
               </a:rPr>
               <a:t>三维测量方法对比</a:t>
             </a:r>
-            <a:endParaRPr kumimoji="0" lang="zh-CN" altLang="en-US" sz="1800" b="0" i="0" u="none" strike="noStrike" cap="none" normalizeH="0" baseline="0" dirty="0">
-              <a:ln>
-                <a:noFill/>
-              </a:ln>
-              <a:solidFill>
-                <a:schemeClr val="tx1"/>
-              </a:solidFill>
-              <a:effectLst/>
+            <a:endParaRPr lang="zh-CN" altLang="en-US" sz="2600" dirty="0">
               <a:latin typeface="Arial" pitchFamily="34" charset="0"/>
               <a:ea typeface="宋体" pitchFamily="2" charset="-122"/>
               <a:cs typeface="宋体" pitchFamily="2" charset="-122"/>
@@ -3637,14 +3601,14 @@
           </p:nvPr>
         </p:nvGraphicFramePr>
         <p:xfrm>
-          <a:off x="1882329" y="1018565"/>
-          <a:ext cx="5594350" cy="3640137"/>
+          <a:off x="-456080" y="1471261"/>
+          <a:ext cx="8080728" cy="5257976"/>
         </p:xfrm>
         <a:graphic>
           <a:graphicData uri="http://schemas.openxmlformats.org/presentationml/2006/ole">
             <mc:AlternateContent xmlns:mc="http://schemas.openxmlformats.org/markup-compatibility/2006">
               <mc:Choice xmlns:v="urn:schemas-microsoft-com:vml" Requires="v">
-                <p:oleObj spid="_x0000_s1060" name="文档" r:id="rId3" imgW="5594453" imgH="3640410" progId="Word.Document.12">
+                <p:oleObj spid="_x0000_s1062" name="文档" r:id="rId3" imgW="5594453" imgH="3640410" progId="Word.Document.12">
                   <p:embed/>
                 </p:oleObj>
               </mc:Choice>
@@ -3665,8 +3629,8 @@
                     </p:blipFill>
                     <p:spPr>
                       <a:xfrm>
-                        <a:off x="1882329" y="1018565"/>
-                        <a:ext cx="5594350" cy="3640137"/>
+                        <a:off x="-456080" y="1471261"/>
+                        <a:ext cx="8080728" cy="5257976"/>
                       </a:xfrm>
                       <a:prstGeom prst="rect">
                         <a:avLst/>
@@ -3717,8 +3681,8 @@
         </p:nvSpPr>
         <p:spPr>
           <a:xfrm>
-            <a:off x="1195008" y="2570004"/>
-            <a:ext cx="144016" cy="109753"/>
+            <a:off x="-1448877" y="3712229"/>
+            <a:ext cx="208023" cy="158532"/>
           </a:xfrm>
           <a:prstGeom prst="triangle">
             <a:avLst/>
@@ -3753,7 +3717,7 @@
           <a:lstStyle/>
           <a:p>
             <a:pPr algn="ctr"/>
-            <a:endParaRPr lang="zh-CN" altLang="en-US"/>
+            <a:endParaRPr lang="zh-CN" altLang="en-US" sz="2600"/>
           </a:p>
         </p:txBody>
       </p:sp>
@@ -3765,8 +3729,8 @@
         </p:nvSpPr>
         <p:spPr>
           <a:xfrm>
-            <a:off x="6238474" y="2570003"/>
-            <a:ext cx="144016" cy="109753"/>
+            <a:off x="5836129" y="3712227"/>
+            <a:ext cx="208023" cy="158532"/>
           </a:xfrm>
           <a:prstGeom prst="triangle">
             <a:avLst/>
@@ -3801,7 +3765,7 @@
           <a:lstStyle/>
           <a:p>
             <a:pPr algn="ctr"/>
-            <a:endParaRPr lang="zh-CN" altLang="en-US"/>
+            <a:endParaRPr lang="zh-CN" altLang="en-US" sz="2600"/>
           </a:p>
         </p:txBody>
       </p:sp>
@@ -3813,8 +3777,8 @@
         </p:nvSpPr>
         <p:spPr>
           <a:xfrm>
-            <a:off x="1133348" y="2255547"/>
-            <a:ext cx="317716" cy="369332"/>
+            <a:off x="-1537942" y="3258013"/>
+            <a:ext cx="377026" cy="492443"/>
           </a:xfrm>
           <a:prstGeom prst="rect">
             <a:avLst/>
@@ -3828,10 +3792,10 @@
           <a:lstStyle/>
           <a:p>
             <a:r>
-              <a:rPr lang="en-US" altLang="zh-CN" dirty="0"/>
+              <a:rPr lang="en-US" altLang="zh-CN" sz="2600" dirty="0"/>
               <a:t>A</a:t>
             </a:r>
-            <a:endParaRPr lang="zh-CN" altLang="en-US" dirty="0"/>
+            <a:endParaRPr lang="zh-CN" altLang="en-US" sz="2600" dirty="0"/>
           </a:p>
         </p:txBody>
       </p:sp>
@@ -3843,8 +3807,8 @@
         </p:nvSpPr>
         <p:spPr>
           <a:xfrm>
-            <a:off x="6217350" y="2196623"/>
-            <a:ext cx="309700" cy="369332"/>
+            <a:off x="5805617" y="3172900"/>
+            <a:ext cx="365806" cy="492443"/>
           </a:xfrm>
           <a:prstGeom prst="rect">
             <a:avLst/>
@@ -3861,10 +3825,10 @@
           <a:lstStyle/>
           <a:p>
             <a:r>
-              <a:rPr lang="en-US" altLang="zh-CN" dirty="0"/>
+              <a:rPr lang="en-US" altLang="zh-CN" sz="2600" dirty="0"/>
               <a:t>B</a:t>
             </a:r>
-            <a:endParaRPr lang="zh-CN" altLang="en-US" dirty="0"/>
+            <a:endParaRPr lang="zh-CN" altLang="en-US" sz="2600" dirty="0"/>
           </a:p>
         </p:txBody>
       </p:sp>
@@ -3876,8 +3840,8 @@
         </p:nvCxnSpPr>
         <p:spPr>
           <a:xfrm>
-            <a:off x="251520" y="6456620"/>
-            <a:ext cx="8640960" cy="0"/>
+            <a:off x="-2811694" y="9326229"/>
+            <a:ext cx="12481387" cy="0"/>
           </a:xfrm>
           <a:prstGeom prst="straightConnector1">
             <a:avLst/>
@@ -3912,8 +3876,8 @@
         </p:nvCxnSpPr>
         <p:spPr>
           <a:xfrm flipV="1">
-            <a:off x="251520" y="152636"/>
-            <a:ext cx="0" cy="6303984"/>
+            <a:off x="-2811693" y="220474"/>
+            <a:ext cx="0" cy="9105755"/>
           </a:xfrm>
           <a:prstGeom prst="straightConnector1">
             <a:avLst/>
@@ -3940,8 +3904,8 @@
           </a:fontRef>
         </p:style>
       </p:cxnSp>
-      <mc:AlternateContent xmlns:mc="http://schemas.openxmlformats.org/markup-compatibility/2006" xmlns:a14="http://schemas.microsoft.com/office/drawing/2010/main">
-        <mc:Choice Requires="a14">
+      <mc:AlternateContent xmlns:mc="http://schemas.openxmlformats.org/markup-compatibility/2006">
+        <mc:Choice xmlns:a14="http://schemas.microsoft.com/office/drawing/2010/main" Requires="a14">
           <p:sp>
             <p:nvSpPr>
               <p:cNvPr id="35" name="TextBox 34"/>
@@ -3950,8 +3914,8 @@
             </p:nvSpPr>
             <p:spPr>
               <a:xfrm>
-                <a:off x="7740352" y="6488668"/>
-                <a:ext cx="1260140" cy="369332"/>
+                <a:off x="8005509" y="9372521"/>
+                <a:ext cx="1820202" cy="492443"/>
               </a:xfrm>
               <a:prstGeom prst="rect">
                 <a:avLst/>
@@ -3965,25 +3929,25 @@
               <a:lstStyle/>
               <a:p>
                 <a:r>
-                  <a:rPr lang="zh-CN" altLang="en-US" dirty="0"/>
+                  <a:rPr lang="zh-CN" altLang="en-US" sz="2600" dirty="0"/>
                   <a:t>相位</a:t>
                 </a:r>
                 <a14:m>
                   <m:oMath xmlns:m="http://schemas.openxmlformats.org/officeDocument/2006/math">
                     <m:r>
-                      <a:rPr lang="zh-CN" altLang="en-US" i="1" smtClean="0">
+                      <a:rPr lang="zh-CN" altLang="en-US" sz="2600" i="1">
                         <a:latin typeface="Cambria Math"/>
                       </a:rPr>
                       <m:t>𝜑</m:t>
                     </m:r>
                   </m:oMath>
                 </a14:m>
-                <a:endParaRPr lang="zh-CN" altLang="en-US" dirty="0"/>
+                <a:endParaRPr lang="zh-CN" altLang="en-US" sz="2600" dirty="0"/>
               </a:p>
             </p:txBody>
           </p:sp>
         </mc:Choice>
-        <mc:Fallback xmlns="">
+        <mc:Fallback>
           <p:sp>
             <p:nvSpPr>
               <p:cNvPr id="35" name="TextBox 34"/>
@@ -3994,16 +3958,16 @@
             </p:nvSpPr>
             <p:spPr>
               <a:xfrm>
-                <a:off x="7740352" y="6488668"/>
-                <a:ext cx="1260140" cy="369332"/>
+                <a:off x="8005509" y="9372521"/>
+                <a:ext cx="1820202" cy="492443"/>
               </a:xfrm>
               <a:prstGeom prst="rect">
                 <a:avLst/>
               </a:prstGeom>
-              <a:blipFill rotWithShape="1">
+              <a:blipFill>
                 <a:blip r:embed="rId2"/>
                 <a:stretch>
-                  <a:fillRect l="-4369" t="-13115" b="-19672"/>
+                  <a:fillRect l="-6020" t="-14815" b="-27160"/>
                 </a:stretch>
               </a:blipFill>
             </p:spPr>
@@ -4030,8 +3994,8 @@
         </p:nvSpPr>
         <p:spPr>
           <a:xfrm>
-            <a:off x="323528" y="204172"/>
-            <a:ext cx="1296144" cy="369332"/>
+            <a:off x="-2707682" y="294915"/>
+            <a:ext cx="1872208" cy="492443"/>
           </a:xfrm>
           <a:prstGeom prst="rect">
             <a:avLst/>
@@ -4045,14 +4009,14 @@
           <a:lstStyle/>
           <a:p>
             <a:r>
-              <a:rPr lang="zh-CN" altLang="en-US" dirty="0"/>
+              <a:rPr lang="zh-CN" altLang="en-US" sz="2600" dirty="0"/>
               <a:t>条文灰度</a:t>
             </a:r>
             <a:r>
-              <a:rPr lang="en-US" altLang="zh-CN" dirty="0"/>
+              <a:rPr lang="en-US" altLang="zh-CN" sz="2600" dirty="0"/>
               <a:t>I</a:t>
             </a:r>
-            <a:endParaRPr lang="zh-CN" altLang="en-US" dirty="0"/>
+            <a:endParaRPr lang="zh-CN" altLang="en-US" sz="2600" dirty="0"/>
           </a:p>
         </p:txBody>
       </p:sp>
@@ -4064,8 +4028,8 @@
         </p:nvCxnSpPr>
         <p:spPr>
           <a:xfrm>
-            <a:off x="251520" y="1268760"/>
-            <a:ext cx="720080" cy="0"/>
+            <a:off x="-2811694" y="1832653"/>
+            <a:ext cx="1040116" cy="0"/>
           </a:xfrm>
           <a:prstGeom prst="line">
             <a:avLst/>
@@ -4099,8 +4063,8 @@
         </p:nvCxnSpPr>
         <p:spPr>
           <a:xfrm>
-            <a:off x="971600" y="1268760"/>
-            <a:ext cx="0" cy="5187860"/>
+            <a:off x="-1771578" y="1832653"/>
+            <a:ext cx="0" cy="7493576"/>
           </a:xfrm>
           <a:prstGeom prst="line">
             <a:avLst/>
@@ -4134,8 +4098,8 @@
         </p:nvCxnSpPr>
         <p:spPr>
           <a:xfrm flipV="1">
-            <a:off x="1673146" y="1263016"/>
-            <a:ext cx="0" cy="5193604"/>
+            <a:off x="-758234" y="1824357"/>
+            <a:ext cx="0" cy="7501872"/>
           </a:xfrm>
           <a:prstGeom prst="line">
             <a:avLst/>
@@ -4169,8 +4133,8 @@
         </p:nvCxnSpPr>
         <p:spPr>
           <a:xfrm>
-            <a:off x="2411760" y="1268760"/>
-            <a:ext cx="0" cy="5187860"/>
+            <a:off x="308653" y="1832653"/>
+            <a:ext cx="0" cy="7493576"/>
           </a:xfrm>
           <a:prstGeom prst="line">
             <a:avLst/>
@@ -4204,8 +4168,8 @@
         </p:nvCxnSpPr>
         <p:spPr>
           <a:xfrm>
-            <a:off x="1691680" y="1263016"/>
-            <a:ext cx="720080" cy="0"/>
+            <a:off x="-731462" y="1824356"/>
+            <a:ext cx="1040116" cy="0"/>
           </a:xfrm>
           <a:prstGeom prst="line">
             <a:avLst/>
@@ -4239,8 +4203,8 @@
         </p:nvCxnSpPr>
         <p:spPr>
           <a:xfrm flipV="1">
-            <a:off x="3117334" y="1261112"/>
-            <a:ext cx="0" cy="5193604"/>
+            <a:off x="1327816" y="1821606"/>
+            <a:ext cx="0" cy="7501872"/>
           </a:xfrm>
           <a:prstGeom prst="line">
             <a:avLst/>
@@ -4274,8 +4238,8 @@
         </p:nvCxnSpPr>
         <p:spPr>
           <a:xfrm>
-            <a:off x="3855948" y="1268760"/>
-            <a:ext cx="0" cy="5185956"/>
+            <a:off x="2394703" y="1832654"/>
+            <a:ext cx="0" cy="7490825"/>
           </a:xfrm>
           <a:prstGeom prst="line">
             <a:avLst/>
@@ -4309,8 +4273,8 @@
         </p:nvCxnSpPr>
         <p:spPr>
           <a:xfrm>
-            <a:off x="3135868" y="1261112"/>
-            <a:ext cx="720080" cy="0"/>
+            <a:off x="1354587" y="1821606"/>
+            <a:ext cx="1040116" cy="0"/>
           </a:xfrm>
           <a:prstGeom prst="line">
             <a:avLst/>
@@ -4344,8 +4308,8 @@
         </p:nvCxnSpPr>
         <p:spPr>
           <a:xfrm flipV="1">
-            <a:off x="4553466" y="1256952"/>
-            <a:ext cx="0" cy="5193604"/>
+            <a:off x="3402229" y="1815598"/>
+            <a:ext cx="0" cy="7501872"/>
           </a:xfrm>
           <a:prstGeom prst="line">
             <a:avLst/>
@@ -4379,8 +4343,8 @@
         </p:nvCxnSpPr>
         <p:spPr>
           <a:xfrm>
-            <a:off x="5292080" y="1256952"/>
-            <a:ext cx="0" cy="5193604"/>
+            <a:off x="4469116" y="1815598"/>
+            <a:ext cx="0" cy="7501872"/>
           </a:xfrm>
           <a:prstGeom prst="line">
             <a:avLst/>
@@ -4414,8 +4378,8 @@
         </p:nvCxnSpPr>
         <p:spPr>
           <a:xfrm>
-            <a:off x="4572000" y="1256952"/>
-            <a:ext cx="720080" cy="0"/>
+            <a:off x="3429000" y="1815597"/>
+            <a:ext cx="1040116" cy="0"/>
           </a:xfrm>
           <a:prstGeom prst="line">
             <a:avLst/>
@@ -4449,8 +4413,8 @@
         </p:nvCxnSpPr>
         <p:spPr>
           <a:xfrm flipV="1">
-            <a:off x="5993626" y="1263016"/>
-            <a:ext cx="0" cy="5193604"/>
+            <a:off x="5482460" y="1824357"/>
+            <a:ext cx="0" cy="7501872"/>
           </a:xfrm>
           <a:prstGeom prst="line">
             <a:avLst/>
@@ -4484,8 +4448,8 @@
         </p:nvCxnSpPr>
         <p:spPr>
           <a:xfrm>
-            <a:off x="6732240" y="1263016"/>
-            <a:ext cx="0" cy="5193604"/>
+            <a:off x="6549347" y="1824357"/>
+            <a:ext cx="0" cy="7501872"/>
           </a:xfrm>
           <a:prstGeom prst="line">
             <a:avLst/>
@@ -4519,8 +4483,8 @@
         </p:nvCxnSpPr>
         <p:spPr>
           <a:xfrm>
-            <a:off x="6012160" y="1263016"/>
-            <a:ext cx="720080" cy="0"/>
+            <a:off x="5509231" y="1824356"/>
+            <a:ext cx="1040116" cy="0"/>
           </a:xfrm>
           <a:prstGeom prst="line">
             <a:avLst/>
@@ -4554,8 +4518,8 @@
         </p:nvCxnSpPr>
         <p:spPr>
           <a:xfrm flipV="1">
-            <a:off x="7433786" y="1254288"/>
-            <a:ext cx="0" cy="5193604"/>
+            <a:off x="7562691" y="1811750"/>
+            <a:ext cx="0" cy="7501872"/>
           </a:xfrm>
           <a:prstGeom prst="line">
             <a:avLst/>
@@ -4589,8 +4553,8 @@
         </p:nvCxnSpPr>
         <p:spPr>
           <a:xfrm>
-            <a:off x="8172400" y="1254288"/>
-            <a:ext cx="0" cy="5193604"/>
+            <a:off x="8629578" y="1811750"/>
+            <a:ext cx="0" cy="7501872"/>
           </a:xfrm>
           <a:prstGeom prst="line">
             <a:avLst/>
@@ -4624,8 +4588,8 @@
         </p:nvCxnSpPr>
         <p:spPr>
           <a:xfrm>
-            <a:off x="7452320" y="1254288"/>
-            <a:ext cx="720080" cy="0"/>
+            <a:off x="7589462" y="1811749"/>
+            <a:ext cx="1040116" cy="0"/>
           </a:xfrm>
           <a:prstGeom prst="line">
             <a:avLst/>
@@ -4651,8 +4615,8 @@
           </a:fontRef>
         </p:style>
       </p:cxnSp>
-      <mc:AlternateContent xmlns:mc="http://schemas.openxmlformats.org/markup-compatibility/2006" xmlns:a14="http://schemas.microsoft.com/office/drawing/2010/main">
-        <mc:Choice Requires="a14">
+      <mc:AlternateContent xmlns:mc="http://schemas.openxmlformats.org/markup-compatibility/2006">
+        <mc:Choice xmlns:a14="http://schemas.microsoft.com/office/drawing/2010/main" Requires="a14">
           <p:sp>
             <p:nvSpPr>
               <p:cNvPr id="63" name="TextBox 62"/>
@@ -4661,8 +4625,8 @@
             </p:nvSpPr>
             <p:spPr>
               <a:xfrm>
-                <a:off x="1127112" y="6462712"/>
-                <a:ext cx="1176636" cy="369332"/>
+                <a:off x="-1546949" y="9335029"/>
+                <a:ext cx="1699585" cy="492443"/>
               </a:xfrm>
               <a:prstGeom prst="rect">
                 <a:avLst/>
@@ -4683,25 +4647,25 @@
                     </m:oMathParaPr>
                     <m:oMath xmlns:m="http://schemas.openxmlformats.org/officeDocument/2006/math">
                       <m:r>
-                        <a:rPr lang="en-US" altLang="zh-CN" b="0" i="1" smtClean="0">
+                        <a:rPr lang="en-US" altLang="zh-CN" sz="2600" i="1">
                           <a:latin typeface="Cambria Math"/>
                         </a:rPr>
                         <m:t>(</m:t>
                       </m:r>
                       <m:r>
-                        <a:rPr lang="en-US" altLang="zh-CN" b="0" i="1" smtClean="0">
+                        <a:rPr lang="en-US" altLang="zh-CN" sz="2600" i="1">
                           <a:latin typeface="Cambria Math"/>
                         </a:rPr>
                         <m:t>𝑚</m:t>
                       </m:r>
                       <m:r>
-                        <a:rPr lang="en-US" altLang="zh-CN" b="0" i="1" smtClean="0">
+                        <a:rPr lang="en-US" altLang="zh-CN" sz="2600" i="1">
                           <a:latin typeface="Cambria Math"/>
                         </a:rPr>
                         <m:t>+2)</m:t>
                       </m:r>
                       <m:r>
-                        <a:rPr lang="zh-CN" altLang="en-US" b="0" i="1" smtClean="0">
+                        <a:rPr lang="zh-CN" altLang="en-US" sz="2600" i="1">
                           <a:latin typeface="Cambria Math"/>
                         </a:rPr>
                         <m:t>𝜋</m:t>
@@ -4709,12 +4673,12 @@
                     </m:oMath>
                   </m:oMathPara>
                 </a14:m>
-                <a:endParaRPr lang="zh-CN" altLang="en-US" dirty="0"/>
+                <a:endParaRPr lang="zh-CN" altLang="en-US" sz="2600" dirty="0"/>
               </a:p>
             </p:txBody>
           </p:sp>
         </mc:Choice>
-        <mc:Fallback xmlns="">
+        <mc:Fallback>
           <p:sp>
             <p:nvSpPr>
               <p:cNvPr id="63" name="TextBox 62"/>
@@ -4725,16 +4689,16 @@
             </p:nvSpPr>
             <p:spPr>
               <a:xfrm>
-                <a:off x="1127112" y="6462712"/>
-                <a:ext cx="1176636" cy="369332"/>
+                <a:off x="-1546949" y="9335029"/>
+                <a:ext cx="1699585" cy="492443"/>
               </a:xfrm>
               <a:prstGeom prst="rect">
                 <a:avLst/>
               </a:prstGeom>
-              <a:blipFill rotWithShape="1">
+              <a:blipFill>
                 <a:blip r:embed="rId3"/>
                 <a:stretch>
-                  <a:fillRect b="-11475"/>
+                  <a:fillRect/>
                 </a:stretch>
               </a:blipFill>
             </p:spPr>
@@ -4753,8 +4717,8 @@
           </p:sp>
         </mc:Fallback>
       </mc:AlternateContent>
-      <mc:AlternateContent xmlns:mc="http://schemas.openxmlformats.org/markup-compatibility/2006" xmlns:a14="http://schemas.microsoft.com/office/drawing/2010/main">
-        <mc:Choice Requires="a14">
+      <mc:AlternateContent xmlns:mc="http://schemas.openxmlformats.org/markup-compatibility/2006">
+        <mc:Choice xmlns:a14="http://schemas.microsoft.com/office/drawing/2010/main" Requires="a14">
           <p:sp>
             <p:nvSpPr>
               <p:cNvPr id="66" name="TextBox 65"/>
@@ -4763,8 +4727,8 @@
             </p:nvSpPr>
             <p:spPr>
               <a:xfrm>
-                <a:off x="179512" y="6486882"/>
-                <a:ext cx="576064" cy="369332"/>
+                <a:off x="-2915705" y="9369941"/>
+                <a:ext cx="832092" cy="492443"/>
               </a:xfrm>
               <a:prstGeom prst="rect">
                 <a:avLst/>
@@ -4778,25 +4742,25 @@
               <a:lstStyle/>
               <a:p>
                 <a:r>
-                  <a:rPr lang="en-US" altLang="zh-CN" b="0" dirty="0"/>
+                  <a:rPr lang="en-US" altLang="zh-CN" sz="2600" dirty="0"/>
                   <a:t>m</a:t>
                 </a:r>
                 <a14:m>
                   <m:oMath xmlns:m="http://schemas.openxmlformats.org/officeDocument/2006/math">
                     <m:r>
-                      <a:rPr lang="zh-CN" altLang="en-US" b="0" i="1" smtClean="0">
+                      <a:rPr lang="zh-CN" altLang="en-US" sz="2600" i="1">
                         <a:latin typeface="Cambria Math"/>
                       </a:rPr>
                       <m:t>𝜋</m:t>
                     </m:r>
                   </m:oMath>
                 </a14:m>
-                <a:endParaRPr lang="zh-CN" altLang="en-US" dirty="0"/>
+                <a:endParaRPr lang="zh-CN" altLang="en-US" sz="2600" dirty="0"/>
               </a:p>
             </p:txBody>
           </p:sp>
         </mc:Choice>
-        <mc:Fallback xmlns="">
+        <mc:Fallback>
           <p:sp>
             <p:nvSpPr>
               <p:cNvPr id="66" name="TextBox 65"/>
@@ -4807,16 +4771,16 @@
             </p:nvSpPr>
             <p:spPr>
               <a:xfrm>
-                <a:off x="179512" y="6486882"/>
-                <a:ext cx="576064" cy="369332"/>
+                <a:off x="-2915705" y="9369941"/>
+                <a:ext cx="832092" cy="492443"/>
               </a:xfrm>
               <a:prstGeom prst="rect">
                 <a:avLst/>
               </a:prstGeom>
-              <a:blipFill rotWithShape="1">
+              <a:blipFill>
                 <a:blip r:embed="rId4"/>
                 <a:stretch>
-                  <a:fillRect l="-8421" t="-8197" b="-24590"/>
+                  <a:fillRect l="-13235" t="-9877" b="-32099"/>
                 </a:stretch>
               </a:blipFill>
             </p:spPr>
@@ -4835,8 +4799,8 @@
           </p:sp>
         </mc:Fallback>
       </mc:AlternateContent>
-      <mc:AlternateContent xmlns:mc="http://schemas.openxmlformats.org/markup-compatibility/2006" xmlns:a14="http://schemas.microsoft.com/office/drawing/2010/main">
-        <mc:Choice Requires="a14">
+      <mc:AlternateContent xmlns:mc="http://schemas.openxmlformats.org/markup-compatibility/2006">
+        <mc:Choice xmlns:a14="http://schemas.microsoft.com/office/drawing/2010/main" Requires="a14">
           <p:sp>
             <p:nvSpPr>
               <p:cNvPr id="67" name="TextBox 66"/>
@@ -4845,8 +4809,8 @@
             </p:nvSpPr>
             <p:spPr>
               <a:xfrm>
-                <a:off x="2669628" y="6495716"/>
-                <a:ext cx="1176636" cy="369332"/>
+                <a:off x="681130" y="9382702"/>
+                <a:ext cx="1699585" cy="492443"/>
               </a:xfrm>
               <a:prstGeom prst="rect">
                 <a:avLst/>
@@ -4867,25 +4831,25 @@
                     </m:oMathParaPr>
                     <m:oMath xmlns:m="http://schemas.openxmlformats.org/officeDocument/2006/math">
                       <m:r>
-                        <a:rPr lang="en-US" altLang="zh-CN" b="0" i="1" smtClean="0">
+                        <a:rPr lang="en-US" altLang="zh-CN" sz="2600" i="1">
                           <a:latin typeface="Cambria Math"/>
                         </a:rPr>
                         <m:t>(</m:t>
                       </m:r>
                       <m:r>
-                        <a:rPr lang="en-US" altLang="zh-CN" b="0" i="1" smtClean="0">
+                        <a:rPr lang="en-US" altLang="zh-CN" sz="2600" i="1">
                           <a:latin typeface="Cambria Math"/>
                         </a:rPr>
                         <m:t>𝑚</m:t>
                       </m:r>
                       <m:r>
-                        <a:rPr lang="en-US" altLang="zh-CN" b="0" i="1" smtClean="0">
+                        <a:rPr lang="en-US" altLang="zh-CN" sz="2600" i="1">
                           <a:latin typeface="Cambria Math"/>
                         </a:rPr>
                         <m:t>+4)</m:t>
                       </m:r>
                       <m:r>
-                        <a:rPr lang="zh-CN" altLang="en-US" b="0" i="1" smtClean="0">
+                        <a:rPr lang="zh-CN" altLang="en-US" sz="2600" i="1">
                           <a:latin typeface="Cambria Math"/>
                         </a:rPr>
                         <m:t>𝜋</m:t>
@@ -4893,12 +4857,12 @@
                     </m:oMath>
                   </m:oMathPara>
                 </a14:m>
-                <a:endParaRPr lang="zh-CN" altLang="en-US" dirty="0"/>
+                <a:endParaRPr lang="zh-CN" altLang="en-US" sz="2600" dirty="0"/>
               </a:p>
             </p:txBody>
           </p:sp>
         </mc:Choice>
-        <mc:Fallback xmlns="">
+        <mc:Fallback>
           <p:sp>
             <p:nvSpPr>
               <p:cNvPr id="67" name="TextBox 66"/>
@@ -4909,16 +4873,16 @@
             </p:nvSpPr>
             <p:spPr>
               <a:xfrm>
-                <a:off x="2669628" y="6495716"/>
-                <a:ext cx="1176636" cy="369332"/>
+                <a:off x="681130" y="9382702"/>
+                <a:ext cx="1699585" cy="492443"/>
               </a:xfrm>
               <a:prstGeom prst="rect">
                 <a:avLst/>
               </a:prstGeom>
-              <a:blipFill rotWithShape="1">
+              <a:blipFill>
                 <a:blip r:embed="rId5"/>
                 <a:stretch>
-                  <a:fillRect b="-13333"/>
+                  <a:fillRect/>
                 </a:stretch>
               </a:blipFill>
             </p:spPr>
@@ -4937,8 +4901,8 @@
           </p:sp>
         </mc:Fallback>
       </mc:AlternateContent>
-      <mc:AlternateContent xmlns:mc="http://schemas.openxmlformats.org/markup-compatibility/2006" xmlns:a14="http://schemas.microsoft.com/office/drawing/2010/main">
-        <mc:Choice Requires="a14">
+      <mc:AlternateContent xmlns:mc="http://schemas.openxmlformats.org/markup-compatibility/2006">
+        <mc:Choice xmlns:a14="http://schemas.microsoft.com/office/drawing/2010/main" Requires="a14">
           <p:sp>
             <p:nvSpPr>
               <p:cNvPr id="68" name="TextBox 67"/>
@@ -4947,8 +4911,8 @@
             </p:nvSpPr>
             <p:spPr>
               <a:xfrm>
-                <a:off x="4703762" y="6504550"/>
-                <a:ext cx="1176636" cy="369332"/>
+                <a:off x="3619323" y="9395462"/>
+                <a:ext cx="1699585" cy="492443"/>
               </a:xfrm>
               <a:prstGeom prst="rect">
                 <a:avLst/>
@@ -4969,25 +4933,25 @@
                     </m:oMathParaPr>
                     <m:oMath xmlns:m="http://schemas.openxmlformats.org/officeDocument/2006/math">
                       <m:r>
-                        <a:rPr lang="en-US" altLang="zh-CN" b="0" i="1" smtClean="0">
+                        <a:rPr lang="en-US" altLang="zh-CN" sz="2600" i="1">
                           <a:latin typeface="Cambria Math"/>
                         </a:rPr>
                         <m:t>(</m:t>
                       </m:r>
                       <m:r>
-                        <a:rPr lang="en-US" altLang="zh-CN" b="0" i="1" smtClean="0">
+                        <a:rPr lang="en-US" altLang="zh-CN" sz="2600" i="1">
                           <a:latin typeface="Cambria Math"/>
                         </a:rPr>
                         <m:t>𝑚</m:t>
                       </m:r>
                       <m:r>
-                        <a:rPr lang="en-US" altLang="zh-CN" b="0" i="1" smtClean="0">
+                        <a:rPr lang="en-US" altLang="zh-CN" sz="2600" i="1">
                           <a:latin typeface="Cambria Math"/>
                         </a:rPr>
                         <m:t>+6)</m:t>
                       </m:r>
                       <m:r>
-                        <a:rPr lang="zh-CN" altLang="en-US" b="0" i="1" smtClean="0">
+                        <a:rPr lang="zh-CN" altLang="en-US" sz="2600" i="1">
                           <a:latin typeface="Cambria Math"/>
                         </a:rPr>
                         <m:t>𝜋</m:t>
@@ -4995,12 +4959,12 @@
                     </m:oMath>
                   </m:oMathPara>
                 </a14:m>
-                <a:endParaRPr lang="zh-CN" altLang="en-US" dirty="0"/>
+                <a:endParaRPr lang="zh-CN" altLang="en-US" sz="2600" dirty="0"/>
               </a:p>
             </p:txBody>
           </p:sp>
         </mc:Choice>
-        <mc:Fallback xmlns="">
+        <mc:Fallback>
           <p:sp>
             <p:nvSpPr>
               <p:cNvPr id="68" name="TextBox 67"/>
@@ -5011,16 +4975,16 @@
             </p:nvSpPr>
             <p:spPr>
               <a:xfrm>
-                <a:off x="4703762" y="6504550"/>
-                <a:ext cx="1176636" cy="369332"/>
+                <a:off x="3619323" y="9395462"/>
+                <a:ext cx="1699585" cy="492443"/>
               </a:xfrm>
               <a:prstGeom prst="rect">
                 <a:avLst/>
               </a:prstGeom>
-              <a:blipFill rotWithShape="1">
+              <a:blipFill>
                 <a:blip r:embed="rId6"/>
                 <a:stretch>
-                  <a:fillRect b="-11475"/>
+                  <a:fillRect/>
                 </a:stretch>
               </a:blipFill>
             </p:spPr>
@@ -5039,8 +5003,8 @@
           </p:sp>
         </mc:Fallback>
       </mc:AlternateContent>
-      <mc:AlternateContent xmlns:mc="http://schemas.openxmlformats.org/markup-compatibility/2006" xmlns:a14="http://schemas.microsoft.com/office/drawing/2010/main">
-        <mc:Choice Requires="a14">
+      <mc:AlternateContent xmlns:mc="http://schemas.openxmlformats.org/markup-compatibility/2006">
+        <mc:Choice xmlns:a14="http://schemas.microsoft.com/office/drawing/2010/main" Requires="a14">
           <p:sp>
             <p:nvSpPr>
               <p:cNvPr id="69" name="TextBox 68"/>
@@ -5049,8 +5013,8 @@
             </p:nvSpPr>
             <p:spPr>
               <a:xfrm>
-                <a:off x="6209012" y="6510122"/>
-                <a:ext cx="1176636" cy="369332"/>
+                <a:off x="5793573" y="9403510"/>
+                <a:ext cx="1699585" cy="492443"/>
               </a:xfrm>
               <a:prstGeom prst="rect">
                 <a:avLst/>
@@ -5071,25 +5035,25 @@
                     </m:oMathParaPr>
                     <m:oMath xmlns:m="http://schemas.openxmlformats.org/officeDocument/2006/math">
                       <m:r>
-                        <a:rPr lang="en-US" altLang="zh-CN" b="0" i="1" smtClean="0">
+                        <a:rPr lang="en-US" altLang="zh-CN" sz="2600" i="1">
                           <a:latin typeface="Cambria Math"/>
                         </a:rPr>
                         <m:t>(</m:t>
                       </m:r>
                       <m:r>
-                        <a:rPr lang="en-US" altLang="zh-CN" b="0" i="1" smtClean="0">
+                        <a:rPr lang="en-US" altLang="zh-CN" sz="2600" i="1">
                           <a:latin typeface="Cambria Math"/>
                         </a:rPr>
                         <m:t>𝑚</m:t>
                       </m:r>
                       <m:r>
-                        <a:rPr lang="en-US" altLang="zh-CN" b="0" i="1" smtClean="0">
+                        <a:rPr lang="en-US" altLang="zh-CN" sz="2600" i="1">
                           <a:latin typeface="Cambria Math"/>
                         </a:rPr>
                         <m:t>+8)</m:t>
                       </m:r>
                       <m:r>
-                        <a:rPr lang="zh-CN" altLang="en-US" b="0" i="1" smtClean="0">
+                        <a:rPr lang="zh-CN" altLang="en-US" sz="2600" i="1">
                           <a:latin typeface="Cambria Math"/>
                         </a:rPr>
                         <m:t>𝜋</m:t>
@@ -5097,12 +5061,12 @@
                     </m:oMath>
                   </m:oMathPara>
                 </a14:m>
-                <a:endParaRPr lang="zh-CN" altLang="en-US" dirty="0"/>
+                <a:endParaRPr lang="zh-CN" altLang="en-US" sz="2600" dirty="0"/>
               </a:p>
             </p:txBody>
           </p:sp>
         </mc:Choice>
-        <mc:Fallback xmlns="">
+        <mc:Fallback>
           <p:sp>
             <p:nvSpPr>
               <p:cNvPr id="69" name="TextBox 68"/>
@@ -5113,16 +5077,16 @@
             </p:nvSpPr>
             <p:spPr>
               <a:xfrm>
-                <a:off x="6209012" y="6510122"/>
-                <a:ext cx="1176636" cy="369332"/>
+                <a:off x="5793573" y="9403510"/>
+                <a:ext cx="1699585" cy="492443"/>
               </a:xfrm>
               <a:prstGeom prst="rect">
                 <a:avLst/>
               </a:prstGeom>
-              <a:blipFill rotWithShape="1">
+              <a:blipFill>
                 <a:blip r:embed="rId7"/>
                 <a:stretch>
-                  <a:fillRect b="-11475"/>
+                  <a:fillRect/>
                 </a:stretch>
               </a:blipFill>
             </p:spPr>
@@ -5151,8 +5115,8 @@
         </p:nvCxnSpPr>
         <p:spPr>
           <a:xfrm>
-            <a:off x="1267016" y="2679757"/>
-            <a:ext cx="0" cy="3782955"/>
+            <a:off x="-1344866" y="3870761"/>
+            <a:ext cx="0" cy="5464268"/>
           </a:xfrm>
           <a:prstGeom prst="line">
             <a:avLst/>
@@ -5187,8 +5151,8 @@
         </p:nvCxnSpPr>
         <p:spPr>
           <a:xfrm>
-            <a:off x="6330866" y="2679757"/>
-            <a:ext cx="0" cy="3782955"/>
+            <a:off x="5969584" y="3870761"/>
+            <a:ext cx="0" cy="5464268"/>
           </a:xfrm>
           <a:prstGeom prst="line">
             <a:avLst/>
@@ -5215,8 +5179,8 @@
           </a:fontRef>
         </p:style>
       </p:cxnSp>
-      <mc:AlternateContent xmlns:mc="http://schemas.openxmlformats.org/markup-compatibility/2006" xmlns:a14="http://schemas.microsoft.com/office/drawing/2010/main">
-        <mc:Choice Requires="a14">
+      <mc:AlternateContent xmlns:mc="http://schemas.openxmlformats.org/markup-compatibility/2006">
+        <mc:Choice xmlns:a14="http://schemas.microsoft.com/office/drawing/2010/main" Requires="a14">
           <p:sp>
             <p:nvSpPr>
               <p:cNvPr id="77" name="TextBox 76"/>
@@ -5225,8 +5189,8 @@
             </p:nvSpPr>
             <p:spPr>
               <a:xfrm>
-                <a:off x="1267016" y="6078560"/>
-                <a:ext cx="509049" cy="369332"/>
+                <a:off x="-1344866" y="8780143"/>
+                <a:ext cx="651140" cy="492443"/>
               </a:xfrm>
               <a:prstGeom prst="rect">
                 <a:avLst/>
@@ -5249,14 +5213,14 @@
                       <m:sSub>
                         <m:sSubPr>
                           <m:ctrlPr>
-                            <a:rPr lang="en-US" altLang="zh-CN" i="1" smtClean="0">
+                            <a:rPr lang="en-US" altLang="zh-CN" sz="2600" i="1">
                               <a:latin typeface="Cambria Math" panose="02040503050406030204" pitchFamily="18" charset="0"/>
                             </a:rPr>
                           </m:ctrlPr>
                         </m:sSubPr>
                         <m:e>
                           <m:r>
-                            <a:rPr lang="zh-CN" altLang="en-US" i="1" smtClean="0">
+                            <a:rPr lang="zh-CN" altLang="en-US" sz="2600" i="1">
                               <a:latin typeface="Cambria Math"/>
                             </a:rPr>
                             <m:t>𝜑</m:t>
@@ -5264,7 +5228,7 @@
                         </m:e>
                         <m:sub>
                           <m:r>
-                            <a:rPr lang="en-US" altLang="zh-CN" b="0" i="1" smtClean="0">
+                            <a:rPr lang="en-US" altLang="zh-CN" sz="2600" i="1">
                               <a:latin typeface="Cambria Math"/>
                             </a:rPr>
                             <m:t>𝐴</m:t>
@@ -5274,12 +5238,12 @@
                     </m:oMath>
                   </m:oMathPara>
                 </a14:m>
-                <a:endParaRPr lang="zh-CN" altLang="en-US" dirty="0"/>
+                <a:endParaRPr lang="zh-CN" altLang="en-US" sz="2600" dirty="0"/>
               </a:p>
             </p:txBody>
           </p:sp>
         </mc:Choice>
-        <mc:Fallback xmlns="">
+        <mc:Fallback>
           <p:sp>
             <p:nvSpPr>
               <p:cNvPr id="77" name="TextBox 76"/>
@@ -5290,16 +5254,16 @@
             </p:nvSpPr>
             <p:spPr>
               <a:xfrm>
-                <a:off x="1267016" y="6078560"/>
-                <a:ext cx="509049" cy="369332"/>
+                <a:off x="-1344866" y="8780143"/>
+                <a:ext cx="651140" cy="492443"/>
               </a:xfrm>
               <a:prstGeom prst="rect">
                 <a:avLst/>
               </a:prstGeom>
-              <a:blipFill rotWithShape="1">
+              <a:blipFill>
                 <a:blip r:embed="rId8"/>
                 <a:stretch>
-                  <a:fillRect b="-4918"/>
+                  <a:fillRect/>
                 </a:stretch>
               </a:blipFill>
             </p:spPr>
@@ -5318,8 +5282,8 @@
           </p:sp>
         </mc:Fallback>
       </mc:AlternateContent>
-      <mc:AlternateContent xmlns:mc="http://schemas.openxmlformats.org/markup-compatibility/2006" xmlns:a14="http://schemas.microsoft.com/office/drawing/2010/main">
-        <mc:Choice Requires="a14">
+      <mc:AlternateContent xmlns:mc="http://schemas.openxmlformats.org/markup-compatibility/2006">
+        <mc:Choice xmlns:a14="http://schemas.microsoft.com/office/drawing/2010/main" Requires="a14">
           <p:sp>
             <p:nvSpPr>
               <p:cNvPr id="78" name="TextBox 77"/>
@@ -5328,8 +5292,8 @@
             </p:nvSpPr>
             <p:spPr>
               <a:xfrm>
-                <a:off x="6274815" y="6076360"/>
-                <a:ext cx="522515" cy="369332"/>
+                <a:off x="5888622" y="8776965"/>
+                <a:ext cx="671530" cy="492443"/>
               </a:xfrm>
               <a:prstGeom prst="rect">
                 <a:avLst/>
@@ -5352,14 +5316,14 @@
                       <m:sSub>
                         <m:sSubPr>
                           <m:ctrlPr>
-                            <a:rPr lang="en-US" altLang="zh-CN" i="1" smtClean="0">
+                            <a:rPr lang="en-US" altLang="zh-CN" sz="2600" i="1">
                               <a:latin typeface="Cambria Math" panose="02040503050406030204" pitchFamily="18" charset="0"/>
                             </a:rPr>
                           </m:ctrlPr>
                         </m:sSubPr>
                         <m:e>
                           <m:r>
-                            <a:rPr lang="zh-CN" altLang="en-US" i="1" smtClean="0">
+                            <a:rPr lang="zh-CN" altLang="en-US" sz="2600" i="1">
                               <a:latin typeface="Cambria Math"/>
                             </a:rPr>
                             <m:t>𝜑</m:t>
@@ -5367,7 +5331,7 @@
                         </m:e>
                         <m:sub>
                           <m:r>
-                            <a:rPr lang="en-US" altLang="zh-CN" b="0" i="1" smtClean="0">
+                            <a:rPr lang="en-US" altLang="zh-CN" sz="2600" i="1">
                               <a:latin typeface="Cambria Math"/>
                             </a:rPr>
                             <m:t>𝐵</m:t>
@@ -5377,12 +5341,12 @@
                     </m:oMath>
                   </m:oMathPara>
                 </a14:m>
-                <a:endParaRPr lang="zh-CN" altLang="en-US" dirty="0"/>
+                <a:endParaRPr lang="zh-CN" altLang="en-US" sz="2600" dirty="0"/>
               </a:p>
             </p:txBody>
           </p:sp>
         </mc:Choice>
-        <mc:Fallback xmlns="">
+        <mc:Fallback>
           <p:sp>
             <p:nvSpPr>
               <p:cNvPr id="78" name="TextBox 77"/>
@@ -5393,16 +5357,16 @@
             </p:nvSpPr>
             <p:spPr>
               <a:xfrm>
-                <a:off x="6274815" y="6076360"/>
-                <a:ext cx="522515" cy="369332"/>
+                <a:off x="5888622" y="8776965"/>
+                <a:ext cx="671530" cy="492443"/>
               </a:xfrm>
               <a:prstGeom prst="rect">
                 <a:avLst/>
               </a:prstGeom>
-              <a:blipFill rotWithShape="1">
+              <a:blipFill>
                 <a:blip r:embed="rId9"/>
                 <a:stretch>
-                  <a:fillRect b="-6667"/>
+                  <a:fillRect/>
                 </a:stretch>
               </a:blipFill>
             </p:spPr>
@@ -5459,8 +5423,8 @@
         </p:nvCxnSpPr>
         <p:spPr>
           <a:xfrm flipV="1">
-            <a:off x="2375756" y="-171400"/>
-            <a:ext cx="0" cy="4320480"/>
+            <a:off x="256648" y="-247578"/>
+            <a:ext cx="0" cy="6240693"/>
           </a:xfrm>
           <a:prstGeom prst="straightConnector1">
             <a:avLst/>
@@ -5495,8 +5459,8 @@
         </p:nvCxnSpPr>
         <p:spPr>
           <a:xfrm>
-            <a:off x="2375756" y="4149080"/>
-            <a:ext cx="6516724" cy="7976"/>
+            <a:off x="256647" y="5993116"/>
+            <a:ext cx="9413046" cy="11521"/>
           </a:xfrm>
           <a:prstGeom prst="straightConnector1">
             <a:avLst/>
@@ -5531,8 +5495,8 @@
         </p:nvCxnSpPr>
         <p:spPr>
           <a:xfrm flipH="1">
-            <a:off x="251520" y="4157056"/>
-            <a:ext cx="2124236" cy="1980864"/>
+            <a:off x="-2811693" y="6004636"/>
+            <a:ext cx="3068341" cy="2861248"/>
           </a:xfrm>
           <a:prstGeom prst="straightConnector1">
             <a:avLst/>
@@ -5567,8 +5531,8 @@
         </p:nvCxnSpPr>
         <p:spPr>
           <a:xfrm flipH="1">
-            <a:off x="1475656" y="4149080"/>
-            <a:ext cx="3816424" cy="3672408"/>
+            <a:off x="-1043497" y="5993116"/>
+            <a:ext cx="5512612" cy="5304589"/>
           </a:xfrm>
           <a:prstGeom prst="line">
             <a:avLst/>
@@ -5603,8 +5567,8 @@
         </p:nvCxnSpPr>
         <p:spPr>
           <a:xfrm>
-            <a:off x="899592" y="5589240"/>
-            <a:ext cx="2952328" cy="0"/>
+            <a:off x="-1875589" y="8073347"/>
+            <a:ext cx="4264474" cy="0"/>
           </a:xfrm>
           <a:prstGeom prst="line">
             <a:avLst/>
@@ -5639,8 +5603,8 @@
         </p:nvCxnSpPr>
         <p:spPr>
           <a:xfrm>
-            <a:off x="3851920" y="3429000"/>
-            <a:ext cx="0" cy="2160240"/>
+            <a:off x="2388884" y="4953000"/>
+            <a:ext cx="0" cy="3120347"/>
           </a:xfrm>
           <a:prstGeom prst="line">
             <a:avLst/>
@@ -5675,8 +5639,8 @@
         </p:nvCxnSpPr>
         <p:spPr>
           <a:xfrm>
-            <a:off x="899592" y="3429000"/>
-            <a:ext cx="2952328" cy="0"/>
+            <a:off x="-1875589" y="4953000"/>
+            <a:ext cx="4264474" cy="0"/>
           </a:xfrm>
           <a:prstGeom prst="line">
             <a:avLst/>
@@ -5711,8 +5675,8 @@
         </p:nvCxnSpPr>
         <p:spPr>
           <a:xfrm>
-            <a:off x="5291328" y="1996816"/>
-            <a:ext cx="0" cy="2160240"/>
+            <a:off x="4468029" y="2884290"/>
+            <a:ext cx="0" cy="3120347"/>
           </a:xfrm>
           <a:prstGeom prst="line">
             <a:avLst/>
@@ -5747,8 +5711,8 @@
         </p:nvCxnSpPr>
         <p:spPr>
           <a:xfrm flipH="1">
-            <a:off x="3851168" y="1983104"/>
-            <a:ext cx="1440160" cy="1436172"/>
+            <a:off x="2387798" y="2864483"/>
+            <a:ext cx="2080231" cy="2074471"/>
           </a:xfrm>
           <a:prstGeom prst="line">
             <a:avLst/>
@@ -5783,8 +5747,8 @@
         </p:nvCxnSpPr>
         <p:spPr>
           <a:xfrm>
-            <a:off x="880552" y="3419276"/>
-            <a:ext cx="0" cy="2160240"/>
+            <a:off x="-1903092" y="4938954"/>
+            <a:ext cx="0" cy="3120347"/>
           </a:xfrm>
           <a:prstGeom prst="line">
             <a:avLst/>
@@ -5819,8 +5783,8 @@
         </p:nvCxnSpPr>
         <p:spPr>
           <a:xfrm flipH="1">
-            <a:off x="875976" y="1983104"/>
-            <a:ext cx="1440160" cy="1436172"/>
+            <a:off x="-1909701" y="2864483"/>
+            <a:ext cx="2080231" cy="2074471"/>
           </a:xfrm>
           <a:prstGeom prst="line">
             <a:avLst/>
@@ -5855,8 +5819,8 @@
         </p:nvCxnSpPr>
         <p:spPr>
           <a:xfrm>
-            <a:off x="2339752" y="1973168"/>
-            <a:ext cx="2952328" cy="0"/>
+            <a:off x="204642" y="2850132"/>
+            <a:ext cx="4264474" cy="0"/>
           </a:xfrm>
           <a:prstGeom prst="line">
             <a:avLst/>
@@ -5891,8 +5855,8 @@
         </p:nvSpPr>
         <p:spPr>
           <a:xfrm>
-            <a:off x="3779912" y="3364399"/>
-            <a:ext cx="144016" cy="109753"/>
+            <a:off x="2284873" y="4859688"/>
+            <a:ext cx="208023" cy="158532"/>
           </a:xfrm>
           <a:prstGeom prst="triangle">
             <a:avLst/>
@@ -5927,7 +5891,7 @@
           <a:lstStyle/>
           <a:p>
             <a:pPr algn="ctr"/>
-            <a:endParaRPr lang="zh-CN" altLang="en-US"/>
+            <a:endParaRPr lang="zh-CN" altLang="en-US" sz="2600"/>
           </a:p>
         </p:txBody>
       </p:sp>
@@ -5939,8 +5903,8 @@
         </p:nvSpPr>
         <p:spPr>
           <a:xfrm>
-            <a:off x="3718252" y="3049942"/>
-            <a:ext cx="336952" cy="369332"/>
+            <a:off x="2195809" y="4405472"/>
+            <a:ext cx="405880" cy="492443"/>
           </a:xfrm>
           <a:prstGeom prst="rect">
             <a:avLst/>
@@ -5954,10 +5918,10 @@
           <a:lstStyle/>
           <a:p>
             <a:r>
-              <a:rPr lang="en-US" altLang="zh-CN" dirty="0"/>
+              <a:rPr lang="en-US" altLang="zh-CN" sz="2600" dirty="0"/>
               <a:t>O</a:t>
             </a:r>
-            <a:endParaRPr lang="zh-CN" altLang="en-US" dirty="0"/>
+            <a:endParaRPr lang="zh-CN" altLang="en-US" sz="2600" dirty="0"/>
           </a:p>
         </p:txBody>
       </p:sp>
@@ -5969,8 +5933,8 @@
         </p:nvSpPr>
         <p:spPr>
           <a:xfrm>
-            <a:off x="3135574" y="36756"/>
-            <a:ext cx="936104" cy="646331"/>
+            <a:off x="1354163" y="53092"/>
+            <a:ext cx="1352150" cy="892552"/>
           </a:xfrm>
           <a:prstGeom prst="rect">
             <a:avLst/>
@@ -5984,14 +5948,14 @@
           <a:lstStyle/>
           <a:p>
             <a:r>
-              <a:rPr lang="zh-CN" altLang="en-US" dirty="0"/>
+              <a:rPr lang="zh-CN" altLang="en-US" sz="2600" dirty="0"/>
               <a:t>投影仪 </a:t>
             </a:r>
             <a:r>
-              <a:rPr lang="en-US" altLang="zh-CN" dirty="0"/>
+              <a:rPr lang="en-US" altLang="zh-CN" sz="2600" dirty="0"/>
               <a:t>P</a:t>
             </a:r>
-            <a:endParaRPr lang="zh-CN" altLang="en-US" dirty="0"/>
+            <a:endParaRPr lang="zh-CN" altLang="en-US" sz="2600" dirty="0"/>
           </a:p>
         </p:txBody>
       </p:sp>
@@ -6003,8 +5967,8 @@
         </p:nvSpPr>
         <p:spPr>
           <a:xfrm>
-            <a:off x="8284146" y="-2256"/>
-            <a:ext cx="936104" cy="646331"/>
+            <a:off x="8790989" y="-3259"/>
+            <a:ext cx="1352150" cy="892552"/>
           </a:xfrm>
           <a:prstGeom prst="rect">
             <a:avLst/>
@@ -6018,17 +5982,17 @@
           <a:lstStyle/>
           <a:p>
             <a:r>
-              <a:rPr lang="zh-CN" altLang="en-US" dirty="0"/>
+              <a:rPr lang="zh-CN" altLang="en-US" sz="2600" dirty="0"/>
               <a:t>相机</a:t>
             </a:r>
-            <a:endParaRPr lang="en-US" altLang="zh-CN" dirty="0"/>
+            <a:endParaRPr lang="en-US" altLang="zh-CN" sz="2600" dirty="0"/>
           </a:p>
           <a:p>
             <a:r>
-              <a:rPr lang="en-US" altLang="zh-CN" dirty="0"/>
+              <a:rPr lang="en-US" altLang="zh-CN" sz="2600" dirty="0"/>
               <a:t>C</a:t>
             </a:r>
-            <a:endParaRPr lang="zh-CN" altLang="en-US" dirty="0"/>
+            <a:endParaRPr lang="zh-CN" altLang="en-US" sz="2600" dirty="0"/>
           </a:p>
         </p:txBody>
       </p:sp>
@@ -6040,8 +6004,8 @@
         </p:nvSpPr>
         <p:spPr>
           <a:xfrm>
-            <a:off x="3135574" y="683087"/>
-            <a:ext cx="144016" cy="109753"/>
+            <a:off x="1354163" y="986682"/>
+            <a:ext cx="208023" cy="158532"/>
           </a:xfrm>
           <a:prstGeom prst="triangle">
             <a:avLst/>
@@ -6076,7 +6040,7 @@
           <a:lstStyle/>
           <a:p>
             <a:pPr algn="ctr"/>
-            <a:endParaRPr lang="zh-CN" altLang="en-US"/>
+            <a:endParaRPr lang="zh-CN" altLang="en-US" sz="2600"/>
           </a:p>
         </p:txBody>
       </p:sp>
@@ -6088,8 +6052,8 @@
         </p:nvSpPr>
         <p:spPr>
           <a:xfrm>
-            <a:off x="8146266" y="683086"/>
-            <a:ext cx="144016" cy="109753"/>
+            <a:off x="8591829" y="986681"/>
+            <a:ext cx="208023" cy="158532"/>
           </a:xfrm>
           <a:prstGeom prst="triangle">
             <a:avLst/>
@@ -6124,7 +6088,7 @@
           <a:lstStyle/>
           <a:p>
             <a:pPr algn="ctr"/>
-            <a:endParaRPr lang="zh-CN" altLang="en-US"/>
+            <a:endParaRPr lang="zh-CN" altLang="en-US" sz="2600"/>
           </a:p>
         </p:txBody>
       </p:sp>
@@ -6138,8 +6102,8 @@
         </p:nvCxnSpPr>
         <p:spPr>
           <a:xfrm>
-            <a:off x="3207582" y="792840"/>
-            <a:ext cx="1688455" cy="7028648"/>
+            <a:off x="1458175" y="1145213"/>
+            <a:ext cx="2438879" cy="10152492"/>
           </a:xfrm>
           <a:prstGeom prst="line">
             <a:avLst/>
@@ -6176,8 +6140,8 @@
         </p:nvCxnSpPr>
         <p:spPr>
           <a:xfrm flipH="1">
-            <a:off x="-3204864" y="792839"/>
-            <a:ext cx="11351130" cy="7028649"/>
+            <a:off x="-7804248" y="1145213"/>
+            <a:ext cx="16396077" cy="10152493"/>
           </a:xfrm>
           <a:prstGeom prst="line">
             <a:avLst/>
@@ -6212,8 +6176,8 @@
         </p:nvCxnSpPr>
         <p:spPr>
           <a:xfrm flipH="1">
-            <a:off x="-3204864" y="7821488"/>
-            <a:ext cx="8100901" cy="0"/>
+            <a:off x="-7804247" y="11297705"/>
+            <a:ext cx="11701301" cy="0"/>
           </a:xfrm>
           <a:prstGeom prst="line">
             <a:avLst/>
@@ -6248,8 +6212,8 @@
         </p:nvSpPr>
         <p:spPr>
           <a:xfrm>
-            <a:off x="-3384884" y="7309806"/>
-            <a:ext cx="630070" cy="369332"/>
+            <a:off x="-4889277" y="10558609"/>
+            <a:ext cx="910101" cy="492443"/>
           </a:xfrm>
           <a:prstGeom prst="rect">
             <a:avLst/>
@@ -6263,10 +6227,10 @@
           <a:lstStyle/>
           <a:p>
             <a:r>
-              <a:rPr lang="en-US" altLang="zh-CN" dirty="0"/>
+              <a:rPr lang="en-US" altLang="zh-CN" sz="2600" dirty="0"/>
               <a:t>A</a:t>
             </a:r>
-            <a:endParaRPr lang="zh-CN" altLang="en-US" dirty="0"/>
+            <a:endParaRPr lang="zh-CN" altLang="en-US" sz="2600" dirty="0"/>
           </a:p>
         </p:txBody>
       </p:sp>
@@ -6278,8 +6242,8 @@
         </p:nvSpPr>
         <p:spPr>
           <a:xfrm>
-            <a:off x="4896036" y="7452156"/>
-            <a:ext cx="630070" cy="369332"/>
+            <a:off x="3897052" y="10764225"/>
+            <a:ext cx="910101" cy="492443"/>
           </a:xfrm>
           <a:prstGeom prst="rect">
             <a:avLst/>
@@ -6293,10 +6257,10 @@
           <a:lstStyle/>
           <a:p>
             <a:r>
-              <a:rPr lang="en-US" altLang="zh-CN" dirty="0"/>
+              <a:rPr lang="en-US" altLang="zh-CN" sz="2600" dirty="0"/>
               <a:t>B</a:t>
             </a:r>
-            <a:endParaRPr lang="zh-CN" altLang="en-US" dirty="0"/>
+            <a:endParaRPr lang="zh-CN" altLang="en-US" sz="2600" dirty="0"/>
           </a:p>
         </p:txBody>
       </p:sp>
@@ -6308,8 +6272,8 @@
         </p:nvSpPr>
         <p:spPr>
           <a:xfrm>
-            <a:off x="4072674" y="3474426"/>
-            <a:ext cx="2484276" cy="369332"/>
+            <a:off x="2707751" y="5018616"/>
+            <a:ext cx="3588399" cy="492443"/>
           </a:xfrm>
           <a:prstGeom prst="rect">
             <a:avLst/>
@@ -6323,7 +6287,7 @@
           <a:lstStyle/>
           <a:p>
             <a:r>
-              <a:rPr lang="zh-CN" altLang="en-US" dirty="0"/>
+              <a:rPr lang="zh-CN" altLang="en-US" sz="2600" dirty="0"/>
               <a:t>待测点 </a:t>
             </a:r>
           </a:p>
@@ -6337,8 +6301,8 @@
         </p:nvCxnSpPr>
         <p:spPr>
           <a:xfrm>
-            <a:off x="5291328" y="792840"/>
-            <a:ext cx="0" cy="1203976"/>
+            <a:off x="4468029" y="1145214"/>
+            <a:ext cx="0" cy="1739076"/>
           </a:xfrm>
           <a:prstGeom prst="line">
             <a:avLst/>
@@ -6376,8 +6340,8 @@
         </p:nvCxnSpPr>
         <p:spPr>
           <a:xfrm flipV="1">
-            <a:off x="3243586" y="737963"/>
-            <a:ext cx="5010692" cy="1"/>
+            <a:off x="1510180" y="1065948"/>
+            <a:ext cx="7237666" cy="1"/>
           </a:xfrm>
           <a:prstGeom prst="line">
             <a:avLst/>
@@ -6412,8 +6376,8 @@
         </p:nvCxnSpPr>
         <p:spPr>
           <a:xfrm flipH="1">
-            <a:off x="1475656" y="737964"/>
-            <a:ext cx="3815672" cy="7083524"/>
+            <a:off x="-1043497" y="1065948"/>
+            <a:ext cx="5511526" cy="10231757"/>
           </a:xfrm>
           <a:prstGeom prst="line">
             <a:avLst/>
@@ -6448,8 +6412,8 @@
         </p:nvSpPr>
         <p:spPr>
           <a:xfrm>
-            <a:off x="5029423" y="224644"/>
-            <a:ext cx="406673" cy="369332"/>
+            <a:off x="4089723" y="324486"/>
+            <a:ext cx="587417" cy="492443"/>
           </a:xfrm>
           <a:prstGeom prst="rect">
             <a:avLst/>
@@ -6463,10 +6427,10 @@
           <a:lstStyle/>
           <a:p>
             <a:r>
-              <a:rPr lang="en-US" altLang="zh-CN" dirty="0"/>
+              <a:rPr lang="en-US" altLang="zh-CN" sz="2600" dirty="0"/>
               <a:t>M</a:t>
             </a:r>
-            <a:endParaRPr lang="zh-CN" altLang="en-US" dirty="0"/>
+            <a:endParaRPr lang="zh-CN" altLang="en-US" sz="2600" dirty="0"/>
           </a:p>
         </p:txBody>
       </p:sp>
@@ -6478,8 +6442,8 @@
         </p:nvSpPr>
         <p:spPr>
           <a:xfrm>
-            <a:off x="1189383" y="7173416"/>
-            <a:ext cx="406673" cy="369332"/>
+            <a:off x="-1457002" y="10361601"/>
+            <a:ext cx="587417" cy="492443"/>
           </a:xfrm>
           <a:prstGeom prst="rect">
             <a:avLst/>
@@ -6493,10 +6457,10 @@
           <a:lstStyle/>
           <a:p>
             <a:r>
-              <a:rPr lang="en-US" altLang="zh-CN" dirty="0"/>
+              <a:rPr lang="en-US" altLang="zh-CN" sz="2600" dirty="0"/>
               <a:t>N</a:t>
             </a:r>
-            <a:endParaRPr lang="zh-CN" altLang="en-US" dirty="0"/>
+            <a:endParaRPr lang="zh-CN" altLang="en-US" sz="2600" dirty="0"/>
           </a:p>
         </p:txBody>
       </p:sp>
@@ -6508,8 +6472,8 @@
         </p:nvSpPr>
         <p:spPr>
           <a:xfrm>
-            <a:off x="8463509" y="4240882"/>
-            <a:ext cx="406673" cy="369332"/>
+            <a:off x="9050069" y="6125719"/>
+            <a:ext cx="587417" cy="492443"/>
           </a:xfrm>
           <a:prstGeom prst="rect">
             <a:avLst/>
@@ -6523,10 +6487,10 @@
           <a:lstStyle/>
           <a:p>
             <a:r>
-              <a:rPr lang="en-US" altLang="zh-CN" dirty="0"/>
+              <a:rPr lang="en-US" altLang="zh-CN" sz="2600" dirty="0"/>
               <a:t>X</a:t>
             </a:r>
-            <a:endParaRPr lang="zh-CN" altLang="en-US" dirty="0"/>
+            <a:endParaRPr lang="zh-CN" altLang="en-US" sz="2600" dirty="0"/>
           </a:p>
         </p:txBody>
       </p:sp>
@@ -6538,8 +6502,8 @@
         </p:nvSpPr>
         <p:spPr>
           <a:xfrm>
-            <a:off x="35934" y="6155145"/>
-            <a:ext cx="406673" cy="369332"/>
+            <a:off x="-3123095" y="8890766"/>
+            <a:ext cx="587417" cy="492443"/>
           </a:xfrm>
           <a:prstGeom prst="rect">
             <a:avLst/>
@@ -6553,10 +6517,10 @@
           <a:lstStyle/>
           <a:p>
             <a:r>
-              <a:rPr lang="en-US" altLang="zh-CN" dirty="0"/>
+              <a:rPr lang="en-US" altLang="zh-CN" sz="2600" dirty="0"/>
               <a:t>Y</a:t>
             </a:r>
-            <a:endParaRPr lang="zh-CN" altLang="en-US" dirty="0"/>
+            <a:endParaRPr lang="zh-CN" altLang="en-US" sz="2600" dirty="0"/>
           </a:p>
         </p:txBody>
       </p:sp>
@@ -6568,8 +6532,8 @@
         </p:nvSpPr>
         <p:spPr>
           <a:xfrm>
-            <a:off x="1835696" y="-28944"/>
-            <a:ext cx="406673" cy="369332"/>
+            <a:off x="-523439" y="-41808"/>
+            <a:ext cx="587417" cy="492443"/>
           </a:xfrm>
           <a:prstGeom prst="rect">
             <a:avLst/>
@@ -6583,10 +6547,10 @@
           <a:lstStyle/>
           <a:p>
             <a:r>
-              <a:rPr lang="en-US" altLang="zh-CN" dirty="0"/>
+              <a:rPr lang="en-US" altLang="zh-CN" sz="2600" dirty="0"/>
               <a:t>Z</a:t>
             </a:r>
-            <a:endParaRPr lang="zh-CN" altLang="en-US" dirty="0"/>
+            <a:endParaRPr lang="zh-CN" altLang="en-US" sz="2600" dirty="0"/>
           </a:p>
         </p:txBody>
       </p:sp>
@@ -6598,8 +6562,8 @@
         </p:nvSpPr>
         <p:spPr>
           <a:xfrm>
-            <a:off x="3866919" y="5645320"/>
-            <a:ext cx="327334" cy="369332"/>
+            <a:off x="2410550" y="8154352"/>
+            <a:ext cx="389850" cy="492443"/>
           </a:xfrm>
           <a:prstGeom prst="rect">
             <a:avLst/>
@@ -6613,10 +6577,10 @@
           <a:lstStyle/>
           <a:p>
             <a:r>
-              <a:rPr lang="en-US" altLang="zh-CN" dirty="0"/>
+              <a:rPr lang="en-US" altLang="zh-CN" sz="2600" dirty="0"/>
               <a:t>D</a:t>
             </a:r>
-            <a:endParaRPr lang="zh-CN" altLang="en-US" dirty="0"/>
+            <a:endParaRPr lang="zh-CN" altLang="en-US" sz="2600" dirty="0"/>
           </a:p>
         </p:txBody>
       </p:sp>
@@ -6628,8 +6592,8 @@
         </p:nvSpPr>
         <p:spPr>
           <a:xfrm>
-            <a:off x="5322107" y="1788502"/>
-            <a:ext cx="296876" cy="369332"/>
+            <a:off x="4512488" y="2583392"/>
+            <a:ext cx="348172" cy="492443"/>
           </a:xfrm>
           <a:prstGeom prst="rect">
             <a:avLst/>
@@ -6643,10 +6607,10 @@
           <a:lstStyle/>
           <a:p>
             <a:r>
-              <a:rPr lang="en-US" altLang="zh-CN" dirty="0"/>
+              <a:rPr lang="en-US" altLang="zh-CN" sz="2600" dirty="0"/>
               <a:t>E</a:t>
             </a:r>
-            <a:endParaRPr lang="zh-CN" altLang="en-US" dirty="0"/>
+            <a:endParaRPr lang="zh-CN" altLang="en-US" sz="2600" dirty="0"/>
           </a:p>
         </p:txBody>
       </p:sp>
@@ -6688,8 +6652,8 @@
         </p:nvCxnSpPr>
         <p:spPr>
           <a:xfrm flipV="1">
-            <a:off x="251520" y="512676"/>
-            <a:ext cx="0" cy="5796644"/>
+            <a:off x="-2811693" y="740532"/>
+            <a:ext cx="0" cy="8372930"/>
           </a:xfrm>
           <a:prstGeom prst="straightConnector1">
             <a:avLst/>
@@ -6724,8 +6688,8 @@
         </p:nvCxnSpPr>
         <p:spPr>
           <a:xfrm>
-            <a:off x="251520" y="6293937"/>
-            <a:ext cx="8640960" cy="0"/>
+            <a:off x="-2811694" y="9091242"/>
+            <a:ext cx="12481387" cy="0"/>
           </a:xfrm>
           <a:prstGeom prst="straightConnector1">
             <a:avLst/>
@@ -6760,8 +6724,8 @@
         </p:nvSpPr>
         <p:spPr>
           <a:xfrm>
-            <a:off x="0" y="656692"/>
-            <a:ext cx="252028" cy="369332"/>
+            <a:off x="-3175000" y="948556"/>
+            <a:ext cx="364040" cy="492443"/>
           </a:xfrm>
           <a:prstGeom prst="rect">
             <a:avLst/>
@@ -6775,10 +6739,10 @@
           <a:lstStyle/>
           <a:p>
             <a:r>
-              <a:rPr lang="en-US" altLang="zh-CN" dirty="0"/>
+              <a:rPr lang="en-US" altLang="zh-CN" sz="2600" dirty="0"/>
               <a:t>Z</a:t>
             </a:r>
-            <a:endParaRPr lang="zh-CN" altLang="en-US" dirty="0"/>
+            <a:endParaRPr lang="zh-CN" altLang="en-US" sz="2600" dirty="0"/>
           </a:p>
         </p:txBody>
       </p:sp>
@@ -6790,8 +6754,8 @@
         </p:nvSpPr>
         <p:spPr>
           <a:xfrm>
-            <a:off x="7992380" y="6381328"/>
-            <a:ext cx="468052" cy="369332"/>
+            <a:off x="8369549" y="9217474"/>
+            <a:ext cx="676075" cy="492443"/>
           </a:xfrm>
           <a:prstGeom prst="rect">
             <a:avLst/>
@@ -6805,10 +6769,10 @@
           <a:lstStyle/>
           <a:p>
             <a:r>
-              <a:rPr lang="en-US" altLang="zh-CN" dirty="0"/>
+              <a:rPr lang="en-US" altLang="zh-CN" sz="2600" dirty="0"/>
               <a:t>X</a:t>
             </a:r>
-            <a:endParaRPr lang="zh-CN" altLang="en-US" dirty="0"/>
+            <a:endParaRPr lang="zh-CN" altLang="en-US" sz="2600" dirty="0"/>
           </a:p>
         </p:txBody>
       </p:sp>
@@ -6820,8 +6784,8 @@
         </p:nvSpPr>
         <p:spPr>
           <a:xfrm>
-            <a:off x="4175956" y="766445"/>
-            <a:ext cx="936104" cy="646331"/>
+            <a:off x="2856937" y="1107087"/>
+            <a:ext cx="1352150" cy="892552"/>
           </a:xfrm>
           <a:prstGeom prst="rect">
             <a:avLst/>
@@ -6835,14 +6799,14 @@
           <a:lstStyle/>
           <a:p>
             <a:r>
-              <a:rPr lang="zh-CN" altLang="en-US" dirty="0"/>
+              <a:rPr lang="zh-CN" altLang="en-US" sz="2600" dirty="0"/>
               <a:t>投影仪 </a:t>
             </a:r>
             <a:r>
-              <a:rPr lang="en-US" altLang="zh-CN" dirty="0"/>
+              <a:rPr lang="en-US" altLang="zh-CN" sz="2600" dirty="0"/>
               <a:t>P</a:t>
             </a:r>
-            <a:endParaRPr lang="zh-CN" altLang="en-US" dirty="0"/>
+            <a:endParaRPr lang="zh-CN" altLang="en-US" sz="2600" dirty="0"/>
           </a:p>
         </p:txBody>
       </p:sp>
@@ -6854,8 +6818,8 @@
         </p:nvSpPr>
         <p:spPr>
           <a:xfrm>
-            <a:off x="6220938" y="780052"/>
-            <a:ext cx="936104" cy="646331"/>
+            <a:off x="5810799" y="1126742"/>
+            <a:ext cx="1352150" cy="892552"/>
           </a:xfrm>
           <a:prstGeom prst="rect">
             <a:avLst/>
@@ -6869,17 +6833,17 @@
           <a:lstStyle/>
           <a:p>
             <a:r>
-              <a:rPr lang="zh-CN" altLang="en-US" dirty="0"/>
+              <a:rPr lang="zh-CN" altLang="en-US" sz="2600" dirty="0"/>
               <a:t>相机</a:t>
             </a:r>
-            <a:endParaRPr lang="en-US" altLang="zh-CN" dirty="0"/>
+            <a:endParaRPr lang="en-US" altLang="zh-CN" sz="2600" dirty="0"/>
           </a:p>
           <a:p>
             <a:r>
-              <a:rPr lang="en-US" altLang="zh-CN" dirty="0"/>
+              <a:rPr lang="en-US" altLang="zh-CN" sz="2600" dirty="0"/>
               <a:t>C</a:t>
             </a:r>
-            <a:endParaRPr lang="zh-CN" altLang="en-US" dirty="0"/>
+            <a:endParaRPr lang="zh-CN" altLang="en-US" sz="2600" dirty="0"/>
           </a:p>
         </p:txBody>
       </p:sp>
@@ -6891,8 +6855,8 @@
         </p:nvSpPr>
         <p:spPr>
           <a:xfrm>
-            <a:off x="4175956" y="1412776"/>
-            <a:ext cx="144016" cy="109753"/>
+            <a:off x="2856937" y="2040677"/>
+            <a:ext cx="208023" cy="158532"/>
           </a:xfrm>
           <a:prstGeom prst="triangle">
             <a:avLst/>
@@ -6927,7 +6891,7 @@
           <a:lstStyle/>
           <a:p>
             <a:pPr algn="ctr"/>
-            <a:endParaRPr lang="zh-CN" altLang="en-US"/>
+            <a:endParaRPr lang="zh-CN" altLang="en-US" sz="2600"/>
           </a:p>
         </p:txBody>
       </p:sp>
@@ -6939,8 +6903,8 @@
         </p:nvSpPr>
         <p:spPr>
           <a:xfrm rot="2092974">
-            <a:off x="6239384" y="1371507"/>
-            <a:ext cx="144016" cy="109753"/>
+            <a:off x="5837444" y="1981066"/>
+            <a:ext cx="208023" cy="158532"/>
           </a:xfrm>
           <a:prstGeom prst="triangle">
             <a:avLst/>
@@ -6975,12 +6939,12 @@
           <a:lstStyle/>
           <a:p>
             <a:pPr algn="ctr"/>
-            <a:endParaRPr lang="zh-CN" altLang="en-US"/>
-          </a:p>
-        </p:txBody>
-      </p:sp>
-      <mc:AlternateContent xmlns:mc="http://schemas.openxmlformats.org/markup-compatibility/2006" xmlns:a14="http://schemas.microsoft.com/office/drawing/2010/main">
-        <mc:Choice Requires="a14">
+            <a:endParaRPr lang="zh-CN" altLang="en-US" sz="2600"/>
+          </a:p>
+        </p:txBody>
+      </p:sp>
+      <mc:AlternateContent xmlns:mc="http://schemas.openxmlformats.org/markup-compatibility/2006">
+        <mc:Choice xmlns:a14="http://schemas.microsoft.com/office/drawing/2010/main" Requires="a14">
           <p:sp>
             <p:nvSpPr>
               <p:cNvPr id="78" name="TextBox 77"/>
@@ -6989,8 +6953,8 @@
             </p:nvSpPr>
             <p:spPr>
               <a:xfrm>
-                <a:off x="30691" y="6084687"/>
-                <a:ext cx="466794" cy="369332"/>
+                <a:off x="-3130668" y="8788993"/>
+                <a:ext cx="591829" cy="492443"/>
               </a:xfrm>
               <a:prstGeom prst="rect">
                 <a:avLst/>
@@ -7011,7 +6975,7 @@
                     </m:oMathParaPr>
                     <m:oMath xmlns:m="http://schemas.openxmlformats.org/officeDocument/2006/math">
                       <m:r>
-                        <a:rPr lang="zh-CN" altLang="en-US" i="1" smtClean="0">
+                        <a:rPr lang="zh-CN" altLang="en-US" sz="2600" i="1">
                           <a:latin typeface="Cambria Math"/>
                         </a:rPr>
                         <m:t>⊙</m:t>
@@ -7019,12 +6983,12 @@
                     </m:oMath>
                   </m:oMathPara>
                 </a14:m>
-                <a:endParaRPr lang="zh-CN" altLang="en-US" dirty="0"/>
+                <a:endParaRPr lang="zh-CN" altLang="en-US" sz="2600" dirty="0"/>
               </a:p>
             </p:txBody>
           </p:sp>
         </mc:Choice>
-        <mc:Fallback xmlns="">
+        <mc:Fallback>
           <p:sp>
             <p:nvSpPr>
               <p:cNvPr id="78" name="TextBox 77"/>
@@ -7035,16 +6999,16 @@
             </p:nvSpPr>
             <p:spPr>
               <a:xfrm>
-                <a:off x="30691" y="6084687"/>
-                <a:ext cx="466794" cy="369332"/>
+                <a:off x="-3130668" y="8788993"/>
+                <a:ext cx="591829" cy="492443"/>
               </a:xfrm>
               <a:prstGeom prst="rect">
                 <a:avLst/>
               </a:prstGeom>
-              <a:blipFill rotWithShape="1">
+              <a:blipFill>
                 <a:blip r:embed="rId2"/>
                 <a:stretch>
-                  <a:fillRect b="-4918"/>
+                  <a:fillRect/>
                 </a:stretch>
               </a:blipFill>
             </p:spPr>
@@ -7071,8 +7035,8 @@
         </p:nvSpPr>
         <p:spPr>
           <a:xfrm>
-            <a:off x="203789" y="6415798"/>
-            <a:ext cx="347472" cy="369332"/>
+            <a:off x="-2880638" y="9267264"/>
+            <a:ext cx="501904" cy="492443"/>
           </a:xfrm>
           <a:prstGeom prst="rect">
             <a:avLst/>
@@ -7086,10 +7050,10 @@
           <a:lstStyle/>
           <a:p>
             <a:r>
-              <a:rPr lang="en-US" altLang="zh-CN" dirty="0"/>
+              <a:rPr lang="en-US" altLang="zh-CN" sz="2600" dirty="0"/>
               <a:t>Y</a:t>
             </a:r>
-            <a:endParaRPr lang="zh-CN" altLang="en-US" dirty="0"/>
+            <a:endParaRPr lang="zh-CN" altLang="en-US" sz="2600" dirty="0"/>
           </a:p>
         </p:txBody>
       </p:sp>
@@ -7107,8 +7071,8 @@
         </p:nvCxnSpPr>
         <p:spPr>
           <a:xfrm>
-            <a:off x="863588" y="5841268"/>
-            <a:ext cx="6624736" cy="0"/>
+            <a:off x="-1927595" y="8437387"/>
+            <a:ext cx="9569063" cy="0"/>
           </a:xfrm>
           <a:prstGeom prst="line">
             <a:avLst/>
@@ -7151,8 +7115,8 @@
         </p:nvCxnSpPr>
         <p:spPr>
           <a:xfrm flipH="1">
-            <a:off x="4211041" y="1522529"/>
-            <a:ext cx="32697" cy="5074823"/>
+            <a:off x="2907616" y="2199209"/>
+            <a:ext cx="47229" cy="7330300"/>
           </a:xfrm>
           <a:prstGeom prst="line">
             <a:avLst/>
@@ -7196,8 +7160,8 @@
         </p:nvCxnSpPr>
         <p:spPr>
           <a:xfrm flipH="1">
-            <a:off x="1109552" y="1471400"/>
-            <a:ext cx="5170456" cy="5235705"/>
+            <a:off x="-1572314" y="2125356"/>
+            <a:ext cx="7468436" cy="7562685"/>
           </a:xfrm>
           <a:prstGeom prst="line">
             <a:avLst/>
@@ -7238,8 +7202,8 @@
         </p:nvCxnSpPr>
         <p:spPr>
           <a:xfrm>
-            <a:off x="863588" y="5265204"/>
-            <a:ext cx="6624736" cy="0"/>
+            <a:off x="-1927595" y="7605295"/>
+            <a:ext cx="9569063" cy="0"/>
           </a:xfrm>
           <a:prstGeom prst="line">
             <a:avLst/>
@@ -7280,8 +7244,8 @@
         </p:nvSpPr>
         <p:spPr>
           <a:xfrm>
-            <a:off x="5328084" y="2888940"/>
-            <a:ext cx="1197888" cy="369332"/>
+            <a:off x="4521121" y="4172913"/>
+            <a:ext cx="1730283" cy="492443"/>
           </a:xfrm>
           <a:prstGeom prst="rect">
             <a:avLst/>
@@ -7295,7 +7259,7 @@
           <a:lstStyle/>
           <a:p>
             <a:r>
-              <a:rPr lang="zh-CN" altLang="en-US" dirty="0"/>
+              <a:rPr lang="zh-CN" altLang="en-US" sz="2600" dirty="0"/>
               <a:t>相机光轴</a:t>
             </a:r>
           </a:p>
@@ -7315,8 +7279,8 @@
         </p:nvSpPr>
         <p:spPr>
           <a:xfrm>
-            <a:off x="2904910" y="2366595"/>
-            <a:ext cx="1338828" cy="369332"/>
+            <a:off x="1020982" y="3418416"/>
+            <a:ext cx="1851789" cy="492443"/>
           </a:xfrm>
           <a:prstGeom prst="rect">
             <a:avLst/>
@@ -7329,7 +7293,7 @@
           <a:lstStyle/>
           <a:p>
             <a:r>
-              <a:rPr lang="zh-CN" altLang="en-US" dirty="0"/>
+              <a:rPr lang="zh-CN" altLang="en-US" sz="2600" dirty="0"/>
               <a:t>投影仪光轴</a:t>
             </a:r>
           </a:p>
@@ -7351,8 +7315,8 @@
         </p:nvCxnSpPr>
         <p:spPr>
           <a:xfrm flipV="1">
-            <a:off x="7488324" y="5085184"/>
-            <a:ext cx="0" cy="360040"/>
+            <a:off x="7641468" y="7345266"/>
+            <a:ext cx="0" cy="520058"/>
           </a:xfrm>
           <a:prstGeom prst="straightConnector1">
             <a:avLst/>
@@ -7395,8 +7359,8 @@
         </p:nvCxnSpPr>
         <p:spPr>
           <a:xfrm>
-            <a:off x="7482544" y="5669632"/>
-            <a:ext cx="0" cy="315652"/>
+            <a:off x="7633119" y="8189468"/>
+            <a:ext cx="0" cy="455942"/>
           </a:xfrm>
           <a:prstGeom prst="straightConnector1">
             <a:avLst/>
@@ -7439,8 +7403,8 @@
             </p:nvSpPr>
             <p:spPr>
               <a:xfrm>
-                <a:off x="7399774" y="5447289"/>
-                <a:ext cx="177100" cy="276999"/>
+                <a:off x="7513563" y="7868306"/>
+                <a:ext cx="254172" cy="400110"/>
               </a:xfrm>
               <a:prstGeom prst="rect">
                 <a:avLst/>
@@ -7453,6 +7417,7 @@
               </a:bodyPr>
               <a:lstStyle/>
               <a:p>
+                <a:pPr/>
                 <a14:m>
                   <m:oMathPara xmlns:m="http://schemas.openxmlformats.org/officeDocument/2006/math">
                     <m:oMathParaPr>
@@ -7460,7 +7425,7 @@
                     </m:oMathParaPr>
                     <m:oMath xmlns:m="http://schemas.openxmlformats.org/officeDocument/2006/math">
                       <m:r>
-                        <a:rPr lang="zh-CN" altLang="en-US" i="1" smtClean="0">
+                        <a:rPr lang="zh-CN" altLang="en-US" sz="2600" i="1">
                           <a:latin typeface="Cambria Math" panose="02040503050406030204" pitchFamily="18" charset="0"/>
                         </a:rPr>
                         <m:t>𝜆</m:t>
@@ -7468,7 +7433,7 @@
                     </m:oMath>
                   </m:oMathPara>
                 </a14:m>
-                <a:endParaRPr lang="zh-CN" altLang="en-US" dirty="0"/>
+                <a:endParaRPr lang="zh-CN" altLang="en-US" sz="2600" dirty="0"/>
               </a:p>
             </p:txBody>
           </p:sp>
@@ -7490,8 +7455,8 @@
             </p:nvSpPr>
             <p:spPr>
               <a:xfrm>
-                <a:off x="7399774" y="5447289"/>
-                <a:ext cx="177100" cy="276999"/>
+                <a:off x="7513563" y="7868306"/>
+                <a:ext cx="254172" cy="400110"/>
               </a:xfrm>
               <a:prstGeom prst="rect">
                 <a:avLst/>
@@ -7499,7 +7464,7 @@
               <a:blipFill>
                 <a:blip r:embed="rId3"/>
                 <a:stretch>
-                  <a:fillRect l="-34483" r="-31034" b="-8889"/>
+                  <a:fillRect/>
                 </a:stretch>
               </a:blipFill>
             </p:spPr>
@@ -7532,8 +7497,8 @@
         </p:nvSpPr>
         <p:spPr>
           <a:xfrm>
-            <a:off x="1813473" y="5958249"/>
-            <a:ext cx="415178" cy="276999"/>
+            <a:off x="-555538" y="8606360"/>
+            <a:ext cx="599523" cy="400110"/>
           </a:xfrm>
           <a:prstGeom prst="rect">
             <a:avLst/>
@@ -7547,11 +7512,11 @@
           <a:lstStyle/>
           <a:p>
             <a:r>
-              <a:rPr lang="en-US" altLang="zh-CN" dirty="0"/>
+              <a:rPr lang="en-US" altLang="zh-CN" sz="2600" dirty="0"/>
               <a:t>m</a:t>
             </a:r>
             <a:r>
-              <a:rPr lang="zh-CN" altLang="en-US" dirty="0"/>
+              <a:rPr lang="zh-CN" altLang="en-US" sz="2600" dirty="0"/>
               <a:t>级</a:t>
             </a:r>
           </a:p>
@@ -7571,8 +7536,8 @@
         </p:nvSpPr>
         <p:spPr>
           <a:xfrm>
-            <a:off x="2021062" y="4812536"/>
-            <a:ext cx="983821" cy="276999"/>
+            <a:off x="-255688" y="6951442"/>
+            <a:ext cx="1421075" cy="400110"/>
           </a:xfrm>
           <a:prstGeom prst="rect">
             <a:avLst/>
@@ -7586,11 +7551,11 @@
           <a:lstStyle/>
           <a:p>
             <a:r>
-              <a:rPr lang="en-US" altLang="zh-CN" dirty="0"/>
+              <a:rPr lang="en-US" altLang="zh-CN" sz="2600" dirty="0"/>
               <a:t>(m+1)</a:t>
             </a:r>
             <a:r>
-              <a:rPr lang="zh-CN" altLang="en-US" dirty="0"/>
+              <a:rPr lang="zh-CN" altLang="en-US" sz="2600" dirty="0"/>
               <a:t>级</a:t>
             </a:r>
           </a:p>
@@ -7610,8 +7575,8 @@
         </p:nvSpPr>
         <p:spPr>
           <a:xfrm>
-            <a:off x="4046909" y="3237362"/>
-            <a:ext cx="360959" cy="191638"/>
+            <a:off x="2670536" y="4676190"/>
+            <a:ext cx="521385" cy="276810"/>
           </a:xfrm>
           <a:prstGeom prst="arc">
             <a:avLst/>
@@ -7636,7 +7601,7 @@
           <a:lstStyle/>
           <a:p>
             <a:pPr algn="ctr"/>
-            <a:endParaRPr lang="zh-CN" altLang="en-US"/>
+            <a:endParaRPr lang="zh-CN" altLang="en-US" sz="2600"/>
           </a:p>
         </p:txBody>
       </p:sp>
@@ -7656,8 +7621,8 @@
             </p:nvSpPr>
             <p:spPr>
               <a:xfrm>
-                <a:off x="4280344" y="3001284"/>
-                <a:ext cx="189474" cy="276999"/>
+                <a:off x="3007720" y="4335188"/>
+                <a:ext cx="272639" cy="400110"/>
               </a:xfrm>
               <a:prstGeom prst="rect">
                 <a:avLst/>
@@ -7670,6 +7635,7 @@
               </a:bodyPr>
               <a:lstStyle/>
               <a:p>
+                <a:pPr/>
                 <a14:m>
                   <m:oMathPara xmlns:m="http://schemas.openxmlformats.org/officeDocument/2006/math">
                     <m:oMathParaPr>
@@ -7677,7 +7643,7 @@
                     </m:oMathParaPr>
                     <m:oMath xmlns:m="http://schemas.openxmlformats.org/officeDocument/2006/math">
                       <m:r>
-                        <a:rPr lang="zh-CN" altLang="en-US" i="1" smtClean="0">
+                        <a:rPr lang="zh-CN" altLang="en-US" sz="2600" i="1">
                           <a:latin typeface="Cambria Math" panose="02040503050406030204" pitchFamily="18" charset="0"/>
                         </a:rPr>
                         <m:t>𝜃</m:t>
@@ -7685,7 +7651,7 @@
                     </m:oMath>
                   </m:oMathPara>
                 </a14:m>
-                <a:endParaRPr lang="zh-CN" altLang="en-US" dirty="0"/>
+                <a:endParaRPr lang="zh-CN" altLang="en-US" sz="2600" dirty="0"/>
               </a:p>
             </p:txBody>
           </p:sp>
@@ -7707,8 +7673,8 @@
             </p:nvSpPr>
             <p:spPr>
               <a:xfrm>
-                <a:off x="4280344" y="3001284"/>
-                <a:ext cx="189474" cy="276999"/>
+                <a:off x="3007720" y="4335188"/>
+                <a:ext cx="272639" cy="400110"/>
               </a:xfrm>
               <a:prstGeom prst="rect">
                 <a:avLst/>
@@ -7716,7 +7682,7 @@
               <a:blipFill>
                 <a:blip r:embed="rId4"/>
                 <a:stretch>
-                  <a:fillRect l="-29032" r="-25806" b="-6522"/>
+                  <a:fillRect/>
                 </a:stretch>
               </a:blipFill>
             </p:spPr>
@@ -7749,8 +7715,8 @@
         </p:nvCxnSpPr>
         <p:spPr>
           <a:xfrm flipV="1">
-            <a:off x="2512972" y="404664"/>
-            <a:ext cx="0" cy="5422794"/>
+            <a:off x="454848" y="584515"/>
+            <a:ext cx="0" cy="7832925"/>
           </a:xfrm>
           <a:prstGeom prst="line">
             <a:avLst/>
@@ -7791,8 +7757,8 @@
         </p:nvCxnSpPr>
         <p:spPr>
           <a:xfrm flipV="1">
-            <a:off x="2021062" y="404664"/>
-            <a:ext cx="0" cy="5436604"/>
+            <a:off x="-255688" y="584515"/>
+            <a:ext cx="0" cy="7852872"/>
           </a:xfrm>
           <a:prstGeom prst="line">
             <a:avLst/>
@@ -7835,8 +7801,8 @@
         </p:nvCxnSpPr>
         <p:spPr>
           <a:xfrm>
-            <a:off x="1691680" y="841358"/>
-            <a:ext cx="329382" cy="0"/>
+            <a:off x="-731462" y="1215295"/>
+            <a:ext cx="475774" cy="0"/>
           </a:xfrm>
           <a:prstGeom prst="straightConnector1">
             <a:avLst/>
@@ -7879,8 +7845,8 @@
         </p:nvCxnSpPr>
         <p:spPr>
           <a:xfrm flipH="1">
-            <a:off x="2512973" y="841358"/>
-            <a:ext cx="391937" cy="0"/>
+            <a:off x="454851" y="1215295"/>
+            <a:ext cx="566131" cy="0"/>
           </a:xfrm>
           <a:prstGeom prst="straightConnector1">
             <a:avLst/>
@@ -7921,8 +7887,8 @@
         </p:nvSpPr>
         <p:spPr>
           <a:xfrm>
-            <a:off x="2152487" y="684499"/>
-            <a:ext cx="491911" cy="369332"/>
+            <a:off x="-65851" y="988721"/>
+            <a:ext cx="710538" cy="492443"/>
           </a:xfrm>
           <a:prstGeom prst="rect">
             <a:avLst/>
@@ -7936,10 +7902,10 @@
           <a:lstStyle/>
           <a:p>
             <a:r>
-              <a:rPr lang="en-US" altLang="zh-CN" dirty="0"/>
+              <a:rPr lang="en-US" altLang="zh-CN" sz="2600" dirty="0"/>
               <a:t>L</a:t>
             </a:r>
-            <a:endParaRPr lang="zh-CN" altLang="en-US" dirty="0"/>
+            <a:endParaRPr lang="zh-CN" altLang="en-US" sz="2600" dirty="0"/>
           </a:p>
         </p:txBody>
       </p:sp>
@@ -7981,8 +7947,8 @@
         </p:nvCxnSpPr>
         <p:spPr>
           <a:xfrm flipV="1">
-            <a:off x="251520" y="512676"/>
-            <a:ext cx="0" cy="5796644"/>
+            <a:off x="-2811693" y="740532"/>
+            <a:ext cx="0" cy="8372930"/>
           </a:xfrm>
           <a:prstGeom prst="straightConnector1">
             <a:avLst/>
@@ -8017,8 +7983,8 @@
         </p:nvCxnSpPr>
         <p:spPr>
           <a:xfrm>
-            <a:off x="251520" y="6293937"/>
-            <a:ext cx="8640960" cy="0"/>
+            <a:off x="-2811694" y="9091242"/>
+            <a:ext cx="12481387" cy="0"/>
           </a:xfrm>
           <a:prstGeom prst="straightConnector1">
             <a:avLst/>
@@ -8053,8 +8019,8 @@
         </p:nvSpPr>
         <p:spPr>
           <a:xfrm>
-            <a:off x="0" y="656692"/>
-            <a:ext cx="252028" cy="369332"/>
+            <a:off x="-3175000" y="948556"/>
+            <a:ext cx="364040" cy="492443"/>
           </a:xfrm>
           <a:prstGeom prst="rect">
             <a:avLst/>
@@ -8068,10 +8034,10 @@
           <a:lstStyle/>
           <a:p>
             <a:r>
-              <a:rPr lang="en-US" altLang="zh-CN" dirty="0"/>
+              <a:rPr lang="en-US" altLang="zh-CN" sz="2600" dirty="0"/>
               <a:t>Z</a:t>
             </a:r>
-            <a:endParaRPr lang="zh-CN" altLang="en-US" dirty="0"/>
+            <a:endParaRPr lang="zh-CN" altLang="en-US" sz="2600" dirty="0"/>
           </a:p>
         </p:txBody>
       </p:sp>
@@ -8083,8 +8049,8 @@
         </p:nvSpPr>
         <p:spPr>
           <a:xfrm>
-            <a:off x="7992380" y="6381328"/>
-            <a:ext cx="468052" cy="369332"/>
+            <a:off x="8369549" y="9217474"/>
+            <a:ext cx="676075" cy="492443"/>
           </a:xfrm>
           <a:prstGeom prst="rect">
             <a:avLst/>
@@ -8098,10 +8064,10 @@
           <a:lstStyle/>
           <a:p>
             <a:r>
-              <a:rPr lang="en-US" altLang="zh-CN" dirty="0"/>
+              <a:rPr lang="en-US" altLang="zh-CN" sz="2600" dirty="0"/>
               <a:t>X</a:t>
             </a:r>
-            <a:endParaRPr lang="zh-CN" altLang="en-US" dirty="0"/>
+            <a:endParaRPr lang="zh-CN" altLang="en-US" sz="2600" dirty="0"/>
           </a:p>
         </p:txBody>
       </p:sp>
@@ -8113,8 +8079,8 @@
         </p:nvSpPr>
         <p:spPr>
           <a:xfrm>
-            <a:off x="4175956" y="766445"/>
-            <a:ext cx="936104" cy="646331"/>
+            <a:off x="2856937" y="1107087"/>
+            <a:ext cx="1352150" cy="892552"/>
           </a:xfrm>
           <a:prstGeom prst="rect">
             <a:avLst/>
@@ -8128,14 +8094,14 @@
           <a:lstStyle/>
           <a:p>
             <a:r>
-              <a:rPr lang="zh-CN" altLang="en-US" dirty="0"/>
+              <a:rPr lang="zh-CN" altLang="en-US" sz="2600" dirty="0"/>
               <a:t>投影仪 </a:t>
             </a:r>
             <a:r>
-              <a:rPr lang="en-US" altLang="zh-CN" dirty="0"/>
+              <a:rPr lang="en-US" altLang="zh-CN" sz="2600" dirty="0"/>
               <a:t>P</a:t>
             </a:r>
-            <a:endParaRPr lang="zh-CN" altLang="en-US" dirty="0"/>
+            <a:endParaRPr lang="zh-CN" altLang="en-US" sz="2600" dirty="0"/>
           </a:p>
         </p:txBody>
       </p:sp>
@@ -8147,8 +8113,8 @@
         </p:nvSpPr>
         <p:spPr>
           <a:xfrm>
-            <a:off x="6220938" y="780052"/>
-            <a:ext cx="936104" cy="646331"/>
+            <a:off x="5810799" y="1126742"/>
+            <a:ext cx="1352150" cy="892552"/>
           </a:xfrm>
           <a:prstGeom prst="rect">
             <a:avLst/>
@@ -8162,17 +8128,17 @@
           <a:lstStyle/>
           <a:p>
             <a:r>
-              <a:rPr lang="zh-CN" altLang="en-US" dirty="0"/>
+              <a:rPr lang="zh-CN" altLang="en-US" sz="2600" dirty="0"/>
               <a:t>相机</a:t>
             </a:r>
-            <a:endParaRPr lang="en-US" altLang="zh-CN" dirty="0"/>
+            <a:endParaRPr lang="en-US" altLang="zh-CN" sz="2600" dirty="0"/>
           </a:p>
           <a:p>
             <a:r>
-              <a:rPr lang="en-US" altLang="zh-CN" dirty="0"/>
+              <a:rPr lang="en-US" altLang="zh-CN" sz="2600" dirty="0"/>
               <a:t>C</a:t>
             </a:r>
-            <a:endParaRPr lang="zh-CN" altLang="en-US" dirty="0"/>
+            <a:endParaRPr lang="zh-CN" altLang="en-US" sz="2600" dirty="0"/>
           </a:p>
         </p:txBody>
       </p:sp>
@@ -8184,8 +8150,8 @@
         </p:nvSpPr>
         <p:spPr>
           <a:xfrm>
-            <a:off x="4175956" y="1412776"/>
-            <a:ext cx="144016" cy="109753"/>
+            <a:off x="2856937" y="2040677"/>
+            <a:ext cx="208023" cy="158532"/>
           </a:xfrm>
           <a:prstGeom prst="triangle">
             <a:avLst/>
@@ -8220,7 +8186,7 @@
           <a:lstStyle/>
           <a:p>
             <a:pPr algn="ctr"/>
-            <a:endParaRPr lang="zh-CN" altLang="en-US"/>
+            <a:endParaRPr lang="zh-CN" altLang="en-US" sz="2600"/>
           </a:p>
         </p:txBody>
       </p:sp>
@@ -8232,8 +8198,8 @@
         </p:nvSpPr>
         <p:spPr>
           <a:xfrm rot="2092974">
-            <a:off x="6239384" y="1371507"/>
-            <a:ext cx="144016" cy="109753"/>
+            <a:off x="5837444" y="1981066"/>
+            <a:ext cx="208023" cy="158532"/>
           </a:xfrm>
           <a:prstGeom prst="triangle">
             <a:avLst/>
@@ -8268,12 +8234,12 @@
           <a:lstStyle/>
           <a:p>
             <a:pPr algn="ctr"/>
-            <a:endParaRPr lang="zh-CN" altLang="en-US"/>
-          </a:p>
-        </p:txBody>
-      </p:sp>
-      <mc:AlternateContent xmlns:mc="http://schemas.openxmlformats.org/markup-compatibility/2006" xmlns:a14="http://schemas.microsoft.com/office/drawing/2010/main">
-        <mc:Choice Requires="a14">
+            <a:endParaRPr lang="zh-CN" altLang="en-US" sz="2600"/>
+          </a:p>
+        </p:txBody>
+      </p:sp>
+      <mc:AlternateContent xmlns:mc="http://schemas.openxmlformats.org/markup-compatibility/2006">
+        <mc:Choice xmlns:a14="http://schemas.microsoft.com/office/drawing/2010/main" Requires="a14">
           <p:sp>
             <p:nvSpPr>
               <p:cNvPr id="78" name="TextBox 77"/>
@@ -8282,8 +8248,8 @@
             </p:nvSpPr>
             <p:spPr>
               <a:xfrm>
-                <a:off x="30691" y="6084687"/>
-                <a:ext cx="466794" cy="369332"/>
+                <a:off x="-3130668" y="8788993"/>
+                <a:ext cx="591829" cy="492443"/>
               </a:xfrm>
               <a:prstGeom prst="rect">
                 <a:avLst/>
@@ -8304,7 +8270,7 @@
                     </m:oMathParaPr>
                     <m:oMath xmlns:m="http://schemas.openxmlformats.org/officeDocument/2006/math">
                       <m:r>
-                        <a:rPr lang="zh-CN" altLang="en-US" i="1" smtClean="0">
+                        <a:rPr lang="zh-CN" altLang="en-US" sz="2600" i="1">
                           <a:latin typeface="Cambria Math"/>
                         </a:rPr>
                         <m:t>⊙</m:t>
@@ -8312,12 +8278,12 @@
                     </m:oMath>
                   </m:oMathPara>
                 </a14:m>
-                <a:endParaRPr lang="zh-CN" altLang="en-US" dirty="0"/>
+                <a:endParaRPr lang="zh-CN" altLang="en-US" sz="2600" dirty="0"/>
               </a:p>
             </p:txBody>
           </p:sp>
         </mc:Choice>
-        <mc:Fallback xmlns="">
+        <mc:Fallback>
           <p:sp>
             <p:nvSpPr>
               <p:cNvPr id="78" name="TextBox 77"/>
@@ -8328,16 +8294,16 @@
             </p:nvSpPr>
             <p:spPr>
               <a:xfrm>
-                <a:off x="30691" y="6084687"/>
-                <a:ext cx="466794" cy="369332"/>
+                <a:off x="-3130668" y="8788993"/>
+                <a:ext cx="591829" cy="492443"/>
               </a:xfrm>
               <a:prstGeom prst="rect">
                 <a:avLst/>
               </a:prstGeom>
-              <a:blipFill rotWithShape="1">
+              <a:blipFill>
                 <a:blip r:embed="rId2"/>
                 <a:stretch>
-                  <a:fillRect b="-4918"/>
+                  <a:fillRect/>
                 </a:stretch>
               </a:blipFill>
             </p:spPr>
@@ -8364,8 +8330,8 @@
         </p:nvSpPr>
         <p:spPr>
           <a:xfrm>
-            <a:off x="203789" y="6415798"/>
-            <a:ext cx="347472" cy="369332"/>
+            <a:off x="-2880638" y="9267264"/>
+            <a:ext cx="501904" cy="492443"/>
           </a:xfrm>
           <a:prstGeom prst="rect">
             <a:avLst/>
@@ -8379,10 +8345,10 @@
           <a:lstStyle/>
           <a:p>
             <a:r>
-              <a:rPr lang="en-US" altLang="zh-CN" dirty="0"/>
+              <a:rPr lang="en-US" altLang="zh-CN" sz="2600" dirty="0"/>
               <a:t>Y</a:t>
             </a:r>
-            <a:endParaRPr lang="zh-CN" altLang="en-US" dirty="0"/>
+            <a:endParaRPr lang="zh-CN" altLang="en-US" sz="2600" dirty="0"/>
           </a:p>
         </p:txBody>
       </p:sp>
@@ -8400,8 +8366,8 @@
         </p:nvCxnSpPr>
         <p:spPr>
           <a:xfrm>
-            <a:off x="863588" y="5841268"/>
-            <a:ext cx="6624736" cy="0"/>
+            <a:off x="-1927595" y="8437387"/>
+            <a:ext cx="9569063" cy="0"/>
           </a:xfrm>
           <a:prstGeom prst="line">
             <a:avLst/>
@@ -8444,8 +8410,8 @@
         </p:nvCxnSpPr>
         <p:spPr>
           <a:xfrm flipH="1">
-            <a:off x="4211041" y="1522529"/>
-            <a:ext cx="32697" cy="5074823"/>
+            <a:off x="2907616" y="2199209"/>
+            <a:ext cx="47229" cy="7330300"/>
           </a:xfrm>
           <a:prstGeom prst="line">
             <a:avLst/>
@@ -8489,8 +8455,8 @@
         </p:nvCxnSpPr>
         <p:spPr>
           <a:xfrm flipH="1">
-            <a:off x="1109552" y="1471400"/>
-            <a:ext cx="5170456" cy="5235705"/>
+            <a:off x="-1572314" y="2125356"/>
+            <a:ext cx="7468436" cy="7562685"/>
           </a:xfrm>
           <a:prstGeom prst="line">
             <a:avLst/>
@@ -8531,8 +8497,8 @@
         </p:nvCxnSpPr>
         <p:spPr>
           <a:xfrm>
-            <a:off x="863588" y="5265204"/>
-            <a:ext cx="6624736" cy="0"/>
+            <a:off x="-1927595" y="7605295"/>
+            <a:ext cx="9569063" cy="0"/>
           </a:xfrm>
           <a:prstGeom prst="line">
             <a:avLst/>
@@ -8573,8 +8539,8 @@
         </p:nvSpPr>
         <p:spPr>
           <a:xfrm>
-            <a:off x="5328084" y="2888940"/>
-            <a:ext cx="1197888" cy="369332"/>
+            <a:off x="4521121" y="4172913"/>
+            <a:ext cx="1730283" cy="492443"/>
           </a:xfrm>
           <a:prstGeom prst="rect">
             <a:avLst/>
@@ -8588,7 +8554,7 @@
           <a:lstStyle/>
           <a:p>
             <a:r>
-              <a:rPr lang="zh-CN" altLang="en-US" dirty="0"/>
+              <a:rPr lang="zh-CN" altLang="en-US" sz="2600" dirty="0"/>
               <a:t>相机光轴</a:t>
             </a:r>
           </a:p>
@@ -8608,8 +8574,8 @@
         </p:nvSpPr>
         <p:spPr>
           <a:xfrm>
-            <a:off x="2904910" y="2366595"/>
-            <a:ext cx="1338828" cy="369332"/>
+            <a:off x="1020982" y="3418416"/>
+            <a:ext cx="1851789" cy="492443"/>
           </a:xfrm>
           <a:prstGeom prst="rect">
             <a:avLst/>
@@ -8622,7 +8588,7 @@
           <a:lstStyle/>
           <a:p>
             <a:r>
-              <a:rPr lang="zh-CN" altLang="en-US" dirty="0"/>
+              <a:rPr lang="zh-CN" altLang="en-US" sz="2600" dirty="0"/>
               <a:t>投影仪光轴</a:t>
             </a:r>
           </a:p>
@@ -8644,8 +8610,8 @@
         </p:nvCxnSpPr>
         <p:spPr>
           <a:xfrm flipV="1">
-            <a:off x="7488324" y="5085184"/>
-            <a:ext cx="0" cy="360040"/>
+            <a:off x="7641468" y="7345266"/>
+            <a:ext cx="0" cy="520058"/>
           </a:xfrm>
           <a:prstGeom prst="straightConnector1">
             <a:avLst/>
@@ -8688,8 +8654,8 @@
         </p:nvCxnSpPr>
         <p:spPr>
           <a:xfrm>
-            <a:off x="7482544" y="5669632"/>
-            <a:ext cx="0" cy="315652"/>
+            <a:off x="7633119" y="8189468"/>
+            <a:ext cx="0" cy="455942"/>
           </a:xfrm>
           <a:prstGeom prst="straightConnector1">
             <a:avLst/>
@@ -8732,8 +8698,8 @@
             </p:nvSpPr>
             <p:spPr>
               <a:xfrm>
-                <a:off x="7399774" y="5447289"/>
-                <a:ext cx="177100" cy="276999"/>
+                <a:off x="7513563" y="7868306"/>
+                <a:ext cx="254172" cy="400110"/>
               </a:xfrm>
               <a:prstGeom prst="rect">
                 <a:avLst/>
@@ -8746,6 +8712,7 @@
               </a:bodyPr>
               <a:lstStyle/>
               <a:p>
+                <a:pPr/>
                 <a14:m>
                   <m:oMathPara xmlns:m="http://schemas.openxmlformats.org/officeDocument/2006/math">
                     <m:oMathParaPr>
@@ -8753,7 +8720,7 @@
                     </m:oMathParaPr>
                     <m:oMath xmlns:m="http://schemas.openxmlformats.org/officeDocument/2006/math">
                       <m:r>
-                        <a:rPr lang="zh-CN" altLang="en-US" i="1" smtClean="0">
+                        <a:rPr lang="zh-CN" altLang="en-US" sz="2600" i="1">
                           <a:latin typeface="Cambria Math" panose="02040503050406030204" pitchFamily="18" charset="0"/>
                         </a:rPr>
                         <m:t>𝜆</m:t>
@@ -8761,7 +8728,7 @@
                     </m:oMath>
                   </m:oMathPara>
                 </a14:m>
-                <a:endParaRPr lang="zh-CN" altLang="en-US" dirty="0"/>
+                <a:endParaRPr lang="zh-CN" altLang="en-US" sz="2600" dirty="0"/>
               </a:p>
             </p:txBody>
           </p:sp>
@@ -8783,8 +8750,8 @@
             </p:nvSpPr>
             <p:spPr>
               <a:xfrm>
-                <a:off x="7399774" y="5447289"/>
-                <a:ext cx="177100" cy="276999"/>
+                <a:off x="7513563" y="7868306"/>
+                <a:ext cx="254172" cy="400110"/>
               </a:xfrm>
               <a:prstGeom prst="rect">
                 <a:avLst/>
@@ -8792,7 +8759,7 @@
               <a:blipFill>
                 <a:blip r:embed="rId3"/>
                 <a:stretch>
-                  <a:fillRect l="-34483" r="-31034" b="-8889"/>
+                  <a:fillRect/>
                 </a:stretch>
               </a:blipFill>
             </p:spPr>
@@ -8825,8 +8792,8 @@
         </p:nvSpPr>
         <p:spPr>
           <a:xfrm>
-            <a:off x="1813473" y="5958249"/>
-            <a:ext cx="415178" cy="276999"/>
+            <a:off x="-555538" y="8606360"/>
+            <a:ext cx="599523" cy="400110"/>
           </a:xfrm>
           <a:prstGeom prst="rect">
             <a:avLst/>
@@ -8840,11 +8807,11 @@
           <a:lstStyle/>
           <a:p>
             <a:r>
-              <a:rPr lang="en-US" altLang="zh-CN" dirty="0"/>
+              <a:rPr lang="en-US" altLang="zh-CN" sz="2600" dirty="0"/>
               <a:t>m</a:t>
             </a:r>
             <a:r>
-              <a:rPr lang="zh-CN" altLang="en-US" dirty="0"/>
+              <a:rPr lang="zh-CN" altLang="en-US" sz="2600" dirty="0"/>
               <a:t>级</a:t>
             </a:r>
           </a:p>
@@ -8864,8 +8831,8 @@
         </p:nvSpPr>
         <p:spPr>
           <a:xfrm>
-            <a:off x="2021062" y="4812536"/>
-            <a:ext cx="983821" cy="276999"/>
+            <a:off x="-255688" y="6951442"/>
+            <a:ext cx="1421075" cy="400110"/>
           </a:xfrm>
           <a:prstGeom prst="rect">
             <a:avLst/>
@@ -8879,11 +8846,11 @@
           <a:lstStyle/>
           <a:p>
             <a:r>
-              <a:rPr lang="en-US" altLang="zh-CN" dirty="0"/>
+              <a:rPr lang="en-US" altLang="zh-CN" sz="2600" dirty="0"/>
               <a:t>(m+1)</a:t>
             </a:r>
             <a:r>
-              <a:rPr lang="zh-CN" altLang="en-US" dirty="0"/>
+              <a:rPr lang="zh-CN" altLang="en-US" sz="2600" dirty="0"/>
               <a:t>级</a:t>
             </a:r>
           </a:p>
@@ -8903,8 +8870,8 @@
         </p:nvSpPr>
         <p:spPr>
           <a:xfrm>
-            <a:off x="4046909" y="3237362"/>
-            <a:ext cx="360959" cy="191638"/>
+            <a:off x="2670536" y="4676190"/>
+            <a:ext cx="521385" cy="276810"/>
           </a:xfrm>
           <a:prstGeom prst="arc">
             <a:avLst/>
@@ -8929,7 +8896,7 @@
           <a:lstStyle/>
           <a:p>
             <a:pPr algn="ctr"/>
-            <a:endParaRPr lang="zh-CN" altLang="en-US"/>
+            <a:endParaRPr lang="zh-CN" altLang="en-US" sz="2600"/>
           </a:p>
         </p:txBody>
       </p:sp>
@@ -8949,8 +8916,8 @@
             </p:nvSpPr>
             <p:spPr>
               <a:xfrm>
-                <a:off x="4280344" y="3001284"/>
-                <a:ext cx="189474" cy="276999"/>
+                <a:off x="3007720" y="4335188"/>
+                <a:ext cx="272639" cy="400110"/>
               </a:xfrm>
               <a:prstGeom prst="rect">
                 <a:avLst/>
@@ -8963,6 +8930,7 @@
               </a:bodyPr>
               <a:lstStyle/>
               <a:p>
+                <a:pPr/>
                 <a14:m>
                   <m:oMathPara xmlns:m="http://schemas.openxmlformats.org/officeDocument/2006/math">
                     <m:oMathParaPr>
@@ -8970,7 +8938,7 @@
                     </m:oMathParaPr>
                     <m:oMath xmlns:m="http://schemas.openxmlformats.org/officeDocument/2006/math">
                       <m:r>
-                        <a:rPr lang="zh-CN" altLang="en-US" i="1" smtClean="0">
+                        <a:rPr lang="zh-CN" altLang="en-US" sz="2600" i="1">
                           <a:latin typeface="Cambria Math" panose="02040503050406030204" pitchFamily="18" charset="0"/>
                         </a:rPr>
                         <m:t>𝜃</m:t>
@@ -8978,7 +8946,7 @@
                     </m:oMath>
                   </m:oMathPara>
                 </a14:m>
-                <a:endParaRPr lang="zh-CN" altLang="en-US" dirty="0"/>
+                <a:endParaRPr lang="zh-CN" altLang="en-US" sz="2600" dirty="0"/>
               </a:p>
             </p:txBody>
           </p:sp>
@@ -9000,8 +8968,8 @@
             </p:nvSpPr>
             <p:spPr>
               <a:xfrm>
-                <a:off x="4280344" y="3001284"/>
-                <a:ext cx="189474" cy="276999"/>
+                <a:off x="3007720" y="4335188"/>
+                <a:ext cx="272639" cy="400110"/>
               </a:xfrm>
               <a:prstGeom prst="rect">
                 <a:avLst/>
@@ -9009,7 +8977,7 @@
               <a:blipFill>
                 <a:blip r:embed="rId4"/>
                 <a:stretch>
-                  <a:fillRect l="-29032" r="-25806" b="-6522"/>
+                  <a:fillRect/>
                 </a:stretch>
               </a:blipFill>
             </p:spPr>
@@ -9042,8 +9010,8 @@
         </p:nvCxnSpPr>
         <p:spPr>
           <a:xfrm flipV="1">
-            <a:off x="2512972" y="404664"/>
-            <a:ext cx="0" cy="5422794"/>
+            <a:off x="454848" y="584515"/>
+            <a:ext cx="0" cy="7832925"/>
           </a:xfrm>
           <a:prstGeom prst="line">
             <a:avLst/>
@@ -9084,8 +9052,8 @@
         </p:nvCxnSpPr>
         <p:spPr>
           <a:xfrm flipV="1">
-            <a:off x="2021062" y="404664"/>
-            <a:ext cx="0" cy="5436604"/>
+            <a:off x="-255688" y="584515"/>
+            <a:ext cx="0" cy="7852872"/>
           </a:xfrm>
           <a:prstGeom prst="line">
             <a:avLst/>
@@ -9128,8 +9096,8 @@
         </p:nvCxnSpPr>
         <p:spPr>
           <a:xfrm>
-            <a:off x="1691680" y="841358"/>
-            <a:ext cx="329382" cy="0"/>
+            <a:off x="-731462" y="1215295"/>
+            <a:ext cx="475774" cy="0"/>
           </a:xfrm>
           <a:prstGeom prst="straightConnector1">
             <a:avLst/>
@@ -9172,8 +9140,8 @@
         </p:nvCxnSpPr>
         <p:spPr>
           <a:xfrm flipH="1">
-            <a:off x="2512973" y="841358"/>
-            <a:ext cx="391937" cy="0"/>
+            <a:off x="454851" y="1215295"/>
+            <a:ext cx="566131" cy="0"/>
           </a:xfrm>
           <a:prstGeom prst="straightConnector1">
             <a:avLst/>
@@ -9214,8 +9182,8 @@
         </p:nvSpPr>
         <p:spPr>
           <a:xfrm>
-            <a:off x="2152487" y="684499"/>
-            <a:ext cx="491911" cy="369332"/>
+            <a:off x="-65851" y="988721"/>
+            <a:ext cx="710538" cy="492443"/>
           </a:xfrm>
           <a:prstGeom prst="rect">
             <a:avLst/>
@@ -9229,10 +9197,10 @@
           <a:lstStyle/>
           <a:p>
             <a:r>
-              <a:rPr lang="en-US" altLang="zh-CN" dirty="0"/>
+              <a:rPr lang="en-US" altLang="zh-CN" sz="2600" dirty="0"/>
               <a:t>L</a:t>
             </a:r>
-            <a:endParaRPr lang="zh-CN" altLang="en-US" dirty="0"/>
+            <a:endParaRPr lang="zh-CN" altLang="en-US" sz="2600" dirty="0"/>
           </a:p>
         </p:txBody>
       </p:sp>
@@ -9253,8 +9221,8 @@
         </p:nvCxnSpPr>
         <p:spPr>
           <a:xfrm flipH="1">
-            <a:off x="459608" y="1522529"/>
-            <a:ext cx="3716348" cy="4893269"/>
+            <a:off x="-2511122" y="2199209"/>
+            <a:ext cx="5368058" cy="7068055"/>
           </a:xfrm>
           <a:prstGeom prst="line">
             <a:avLst/>
@@ -9298,8 +9266,8 @@
         </p:nvCxnSpPr>
         <p:spPr>
           <a:xfrm>
-            <a:off x="4319972" y="1522529"/>
-            <a:ext cx="3625659" cy="4782390"/>
+            <a:off x="3064960" y="2199208"/>
+            <a:ext cx="5237063" cy="6907897"/>
           </a:xfrm>
           <a:prstGeom prst="line">
             <a:avLst/>
@@ -9342,8 +9310,8 @@
         </p:nvCxnSpPr>
         <p:spPr>
           <a:xfrm>
-            <a:off x="2398442" y="3825044"/>
-            <a:ext cx="3613718" cy="0"/>
+            <a:off x="289416" y="5525064"/>
+            <a:ext cx="5219815" cy="0"/>
           </a:xfrm>
           <a:prstGeom prst="line">
             <a:avLst/>
@@ -9384,8 +9352,8 @@
         </p:nvSpPr>
         <p:spPr>
           <a:xfrm>
-            <a:off x="4375081" y="4059940"/>
-            <a:ext cx="1845857" cy="369332"/>
+            <a:off x="3144562" y="5864358"/>
+            <a:ext cx="2666238" cy="492443"/>
           </a:xfrm>
           <a:prstGeom prst="rect">
             <a:avLst/>
@@ -9399,7 +9367,7 @@
           <a:lstStyle/>
           <a:p>
             <a:r>
-              <a:rPr lang="zh-CN" altLang="en-US" dirty="0"/>
+              <a:rPr lang="zh-CN" altLang="en-US" sz="2600" dirty="0"/>
               <a:t>条纹周期变短</a:t>
             </a:r>
           </a:p>
@@ -9443,8 +9411,8 @@
         </p:nvSpPr>
         <p:spPr>
           <a:xfrm>
-            <a:off x="4215446" y="2760685"/>
-            <a:ext cx="346006" cy="369522"/>
+            <a:off x="2913978" y="3987656"/>
+            <a:ext cx="499786" cy="533754"/>
           </a:xfrm>
           <a:custGeom>
             <a:avLst/>
@@ -9535,7 +9503,7 @@
           <a:lstStyle/>
           <a:p>
             <a:pPr algn="ctr"/>
-            <a:endParaRPr lang="zh-CN" altLang="en-US"/>
+            <a:endParaRPr lang="zh-CN" altLang="en-US" sz="2600"/>
           </a:p>
         </p:txBody>
       </p:sp>
@@ -9562,8 +9530,8 @@
         </p:blipFill>
         <p:spPr bwMode="auto">
           <a:xfrm>
-            <a:off x="4320438" y="3300781"/>
-            <a:ext cx="611126" cy="423477"/>
+            <a:off x="3065632" y="4767796"/>
+            <a:ext cx="882738" cy="611689"/>
           </a:xfrm>
           <a:prstGeom prst="rect">
             <a:avLst/>
@@ -9601,8 +9569,8 @@
         </p:nvSpPr>
         <p:spPr>
           <a:xfrm>
-            <a:off x="4020079" y="3821261"/>
-            <a:ext cx="390734" cy="899478"/>
+            <a:off x="2631781" y="5519599"/>
+            <a:ext cx="564394" cy="1299246"/>
           </a:xfrm>
           <a:custGeom>
             <a:avLst/>
@@ -9673,7 +9641,7 @@
           <a:lstStyle/>
           <a:p>
             <a:pPr algn="ctr"/>
-            <a:endParaRPr lang="zh-CN" altLang="en-US"/>
+            <a:endParaRPr lang="zh-CN" altLang="en-US" sz="2600"/>
           </a:p>
         </p:txBody>
       </p:sp>
@@ -9685,8 +9653,8 @@
         </p:nvSpPr>
         <p:spPr>
           <a:xfrm>
-            <a:off x="3555003" y="4393909"/>
-            <a:ext cx="561372" cy="225128"/>
+            <a:off x="1960004" y="6346757"/>
+            <a:ext cx="810871" cy="325185"/>
           </a:xfrm>
           <a:prstGeom prst="roundRect">
             <a:avLst/>
@@ -9721,7 +9689,7 @@
           <a:lstStyle/>
           <a:p>
             <a:pPr algn="ctr"/>
-            <a:endParaRPr lang="zh-CN" altLang="en-US"/>
+            <a:endParaRPr lang="zh-CN" altLang="en-US" sz="2600"/>
           </a:p>
         </p:txBody>
       </p:sp>
@@ -9733,8 +9701,8 @@
         </p:nvSpPr>
         <p:spPr>
           <a:xfrm>
-            <a:off x="107504" y="99601"/>
-            <a:ext cx="1656184" cy="1754326"/>
+            <a:off x="-3019717" y="143868"/>
+            <a:ext cx="2392266" cy="2492990"/>
           </a:xfrm>
           <a:prstGeom prst="rect">
             <a:avLst/>
@@ -9748,42 +9716,42 @@
           <a:lstStyle/>
           <a:p>
             <a:r>
-              <a:rPr lang="zh-CN" altLang="en-US" dirty="0"/>
+              <a:rPr lang="zh-CN" altLang="en-US" sz="2600" dirty="0"/>
               <a:t>系统校准</a:t>
             </a:r>
-            <a:endParaRPr lang="en-US" altLang="zh-CN" dirty="0"/>
+            <a:endParaRPr lang="en-US" altLang="zh-CN" sz="2600" dirty="0"/>
           </a:p>
           <a:p>
             <a:r>
-              <a:rPr lang="zh-CN" altLang="en-US" dirty="0"/>
+              <a:rPr lang="zh-CN" altLang="en-US" sz="2600" dirty="0"/>
               <a:t>数字相移</a:t>
             </a:r>
-            <a:endParaRPr lang="en-US" altLang="zh-CN" dirty="0"/>
+            <a:endParaRPr lang="en-US" altLang="zh-CN" sz="2600" dirty="0"/>
           </a:p>
           <a:p>
             <a:r>
-              <a:rPr lang="zh-CN" altLang="en-US" dirty="0"/>
+              <a:rPr lang="zh-CN" altLang="en-US" sz="2600" dirty="0"/>
               <a:t>条纹去除</a:t>
             </a:r>
-            <a:endParaRPr lang="en-US" altLang="zh-CN" dirty="0"/>
+            <a:endParaRPr lang="en-US" altLang="zh-CN" sz="2600" dirty="0"/>
           </a:p>
           <a:p>
             <a:r>
-              <a:rPr lang="zh-CN" altLang="en-US" dirty="0"/>
+              <a:rPr lang="zh-CN" altLang="en-US" sz="2600" dirty="0"/>
               <a:t>相位提取</a:t>
             </a:r>
-            <a:endParaRPr lang="en-US" altLang="zh-CN" dirty="0"/>
+            <a:endParaRPr lang="en-US" altLang="zh-CN" sz="2600" dirty="0"/>
           </a:p>
           <a:p>
             <a:r>
-              <a:rPr lang="zh-CN" altLang="en-US" dirty="0"/>
+              <a:rPr lang="zh-CN" altLang="en-US" sz="2600" dirty="0"/>
               <a:t>相位展开</a:t>
             </a:r>
-            <a:endParaRPr lang="en-US" altLang="zh-CN" dirty="0"/>
+            <a:endParaRPr lang="en-US" altLang="zh-CN" sz="2600" dirty="0"/>
           </a:p>
           <a:p>
             <a:r>
-              <a:rPr lang="zh-CN" altLang="en-US" dirty="0"/>
+              <a:rPr lang="zh-CN" altLang="en-US" sz="2600" dirty="0"/>
               <a:t>高度转换</a:t>
             </a:r>
           </a:p>
@@ -9797,8 +9765,8 @@
         </p:nvSpPr>
         <p:spPr>
           <a:xfrm>
-            <a:off x="4266797" y="3124740"/>
-            <a:ext cx="1080120" cy="720080"/>
+            <a:off x="2988151" y="4513513"/>
+            <a:ext cx="1560173" cy="1040116"/>
           </a:xfrm>
           <a:prstGeom prst="rect">
             <a:avLst/>
@@ -9831,7 +9799,7 @@
           <a:lstStyle/>
           <a:p>
             <a:pPr algn="ctr"/>
-            <a:endParaRPr lang="zh-CN" altLang="en-US"/>
+            <a:endParaRPr lang="zh-CN" altLang="en-US" sz="2600"/>
           </a:p>
         </p:txBody>
       </p:sp>
@@ -9843,8 +9811,8 @@
         </p:nvSpPr>
         <p:spPr>
           <a:xfrm>
-            <a:off x="4554829" y="3844820"/>
-            <a:ext cx="504056" cy="216024"/>
+            <a:off x="3404197" y="5553629"/>
+            <a:ext cx="728081" cy="312035"/>
           </a:xfrm>
           <a:prstGeom prst="trapezoid">
             <a:avLst/>
@@ -9879,7 +9847,7 @@
           <a:lstStyle/>
           <a:p>
             <a:pPr algn="ctr"/>
-            <a:endParaRPr lang="zh-CN" altLang="en-US"/>
+            <a:endParaRPr lang="zh-CN" altLang="en-US" sz="2600"/>
           </a:p>
         </p:txBody>
       </p:sp>
@@ -9891,8 +9859,8 @@
         </p:nvCxnSpPr>
         <p:spPr>
           <a:xfrm>
-            <a:off x="2225561" y="2449107"/>
-            <a:ext cx="1440160" cy="1407352"/>
+            <a:off x="39699" y="3537599"/>
+            <a:ext cx="2080231" cy="2032842"/>
           </a:xfrm>
           <a:prstGeom prst="straightConnector1">
             <a:avLst/>
@@ -9927,8 +9895,8 @@
         </p:nvCxnSpPr>
         <p:spPr>
           <a:xfrm>
-            <a:off x="2314037" y="2401879"/>
-            <a:ext cx="0" cy="108012"/>
+            <a:off x="167498" y="3469381"/>
+            <a:ext cx="0" cy="156017"/>
           </a:xfrm>
           <a:prstGeom prst="line">
             <a:avLst/>
@@ -9962,8 +9930,8 @@
         </p:nvCxnSpPr>
         <p:spPr>
           <a:xfrm>
-            <a:off x="2466437" y="2554279"/>
-            <a:ext cx="0" cy="108012"/>
+            <a:off x="387631" y="3689514"/>
+            <a:ext cx="0" cy="156017"/>
           </a:xfrm>
           <a:prstGeom prst="line">
             <a:avLst/>
@@ -9997,8 +9965,8 @@
         </p:nvCxnSpPr>
         <p:spPr>
           <a:xfrm>
-            <a:off x="2618837" y="2706679"/>
-            <a:ext cx="0" cy="108012"/>
+            <a:off x="607765" y="3909648"/>
+            <a:ext cx="0" cy="156017"/>
           </a:xfrm>
           <a:prstGeom prst="line">
             <a:avLst/>
@@ -10032,8 +10000,8 @@
         </p:nvCxnSpPr>
         <p:spPr>
           <a:xfrm>
-            <a:off x="2771237" y="2859079"/>
-            <a:ext cx="0" cy="108012"/>
+            <a:off x="827898" y="4129781"/>
+            <a:ext cx="0" cy="156017"/>
           </a:xfrm>
           <a:prstGeom prst="line">
             <a:avLst/>
@@ -10067,8 +10035,8 @@
         </p:nvCxnSpPr>
         <p:spPr>
           <a:xfrm>
-            <a:off x="2923637" y="3011479"/>
-            <a:ext cx="0" cy="108012"/>
+            <a:off x="1048031" y="4349914"/>
+            <a:ext cx="0" cy="156017"/>
           </a:xfrm>
           <a:prstGeom prst="line">
             <a:avLst/>
@@ -10102,8 +10070,8 @@
         </p:nvCxnSpPr>
         <p:spPr>
           <a:xfrm>
-            <a:off x="3076037" y="3163879"/>
-            <a:ext cx="0" cy="108012"/>
+            <a:off x="1268165" y="4570048"/>
+            <a:ext cx="0" cy="156017"/>
           </a:xfrm>
           <a:prstGeom prst="line">
             <a:avLst/>
@@ -10137,8 +10105,8 @@
         </p:nvCxnSpPr>
         <p:spPr>
           <a:xfrm>
-            <a:off x="3228437" y="3316279"/>
-            <a:ext cx="0" cy="108012"/>
+            <a:off x="1488298" y="4790181"/>
+            <a:ext cx="0" cy="156017"/>
           </a:xfrm>
           <a:prstGeom prst="line">
             <a:avLst/>
@@ -10172,8 +10140,8 @@
         </p:nvCxnSpPr>
         <p:spPr>
           <a:xfrm>
-            <a:off x="3380837" y="3468679"/>
-            <a:ext cx="0" cy="108012"/>
+            <a:off x="1708431" y="5010314"/>
+            <a:ext cx="0" cy="156017"/>
           </a:xfrm>
           <a:prstGeom prst="line">
             <a:avLst/>
@@ -10207,8 +10175,8 @@
         </p:nvCxnSpPr>
         <p:spPr>
           <a:xfrm>
-            <a:off x="3555241" y="3614301"/>
-            <a:ext cx="0" cy="108012"/>
+            <a:off x="1960348" y="5220657"/>
+            <a:ext cx="0" cy="156017"/>
           </a:xfrm>
           <a:prstGeom prst="line">
             <a:avLst/>
@@ -10242,8 +10210,8 @@
         </p:nvSpPr>
         <p:spPr>
           <a:xfrm>
-            <a:off x="3717021" y="4283667"/>
-            <a:ext cx="200490" cy="244387"/>
+            <a:off x="2194030" y="6187520"/>
+            <a:ext cx="289597" cy="353003"/>
           </a:xfrm>
           <a:prstGeom prst="ellipse">
             <a:avLst/>
@@ -10278,7 +10246,7 @@
           <a:lstStyle/>
           <a:p>
             <a:pPr algn="ctr"/>
-            <a:endParaRPr lang="zh-CN" altLang="en-US"/>
+            <a:endParaRPr lang="zh-CN" altLang="en-US" sz="2600"/>
           </a:p>
         </p:txBody>
       </p:sp>
@@ -10290,8 +10258,8 @@
         </p:nvSpPr>
         <p:spPr>
           <a:xfrm>
-            <a:off x="4936355" y="3232752"/>
-            <a:ext cx="338554" cy="617658"/>
+            <a:off x="4037408" y="4669531"/>
+            <a:ext cx="406906" cy="892173"/>
           </a:xfrm>
           <a:prstGeom prst="rect">
             <a:avLst/>
@@ -10305,7 +10273,7 @@
           <a:lstStyle/>
           <a:p>
             <a:r>
-              <a:rPr lang="zh-CN" altLang="en-US" sz="1000" dirty="0"/>
+              <a:rPr lang="zh-CN" altLang="en-US" sz="1444" dirty="0"/>
               <a:t>系统校准</a:t>
             </a:r>
           </a:p>
@@ -10319,8 +10287,8 @@
         </p:nvSpPr>
         <p:spPr>
           <a:xfrm>
-            <a:off x="3999422" y="2526527"/>
-            <a:ext cx="432048" cy="271527"/>
+            <a:off x="2601943" y="3649428"/>
+            <a:ext cx="624069" cy="392206"/>
           </a:xfrm>
           <a:prstGeom prst="roundRect">
             <a:avLst/>
@@ -10355,7 +10323,7 @@
           <a:lstStyle/>
           <a:p>
             <a:pPr algn="ctr"/>
-            <a:endParaRPr lang="zh-CN" altLang="en-US"/>
+            <a:endParaRPr lang="zh-CN" altLang="en-US" sz="2600"/>
           </a:p>
         </p:txBody>
       </p:sp>
@@ -10367,8 +10335,8 @@
         </p:nvSpPr>
         <p:spPr>
           <a:xfrm>
-            <a:off x="4128412" y="2586090"/>
-            <a:ext cx="174068" cy="152400"/>
+            <a:off x="2788262" y="3735464"/>
+            <a:ext cx="251432" cy="220133"/>
           </a:xfrm>
           <a:prstGeom prst="ellipse">
             <a:avLst/>
@@ -10401,7 +10369,7 @@
           <a:lstStyle/>
           <a:p>
             <a:pPr algn="ctr"/>
-            <a:endParaRPr lang="zh-CN" altLang="en-US"/>
+            <a:endParaRPr lang="zh-CN" altLang="en-US" sz="2600"/>
           </a:p>
         </p:txBody>
       </p:sp>
@@ -10413,8 +10381,8 @@
         </p:nvSpPr>
         <p:spPr>
           <a:xfrm>
-            <a:off x="4256760" y="2454519"/>
-            <a:ext cx="102702" cy="72008"/>
+            <a:off x="2973654" y="3545416"/>
+            <a:ext cx="148347" cy="104012"/>
           </a:xfrm>
           <a:prstGeom prst="rect">
             <a:avLst/>
@@ -10447,7 +10415,7 @@
           <a:lstStyle/>
           <a:p>
             <a:pPr algn="ctr"/>
-            <a:endParaRPr lang="zh-CN" altLang="en-US"/>
+            <a:endParaRPr lang="zh-CN" altLang="en-US" sz="2600"/>
           </a:p>
         </p:txBody>
       </p:sp>
@@ -10459,8 +10427,8 @@
         </p:nvSpPr>
         <p:spPr>
           <a:xfrm rot="10800000">
-            <a:off x="2300717" y="2581817"/>
-            <a:ext cx="1080120" cy="541815"/>
+            <a:off x="148258" y="3729292"/>
+            <a:ext cx="1560173" cy="782622"/>
           </a:xfrm>
           <a:prstGeom prst="flowChartInputOutput">
             <a:avLst/>
@@ -10495,7 +10463,7 @@
           <a:lstStyle/>
           <a:p>
             <a:pPr algn="ctr"/>
-            <a:endParaRPr lang="zh-CN" altLang="en-US"/>
+            <a:endParaRPr lang="zh-CN" altLang="en-US" sz="2600"/>
           </a:p>
         </p:txBody>
       </p:sp>
@@ -10507,8 +10475,8 @@
         </p:nvSpPr>
         <p:spPr>
           <a:xfrm>
-            <a:off x="2466437" y="2706679"/>
-            <a:ext cx="831538" cy="54006"/>
+            <a:off x="387631" y="3909647"/>
+            <a:ext cx="1201110" cy="78009"/>
           </a:xfrm>
           <a:prstGeom prst="rect">
             <a:avLst/>
@@ -10543,7 +10511,7 @@
           <a:lstStyle/>
           <a:p>
             <a:pPr algn="ctr"/>
-            <a:endParaRPr lang="zh-CN" altLang="en-US"/>
+            <a:endParaRPr lang="zh-CN" altLang="en-US" sz="2600"/>
           </a:p>
         </p:txBody>
       </p:sp>
@@ -10555,8 +10523,8 @@
         </p:nvSpPr>
         <p:spPr>
           <a:xfrm>
-            <a:off x="2425007" y="2843282"/>
-            <a:ext cx="831538" cy="54006"/>
+            <a:off x="327788" y="4106963"/>
+            <a:ext cx="1201110" cy="78009"/>
           </a:xfrm>
           <a:prstGeom prst="rect">
             <a:avLst/>
@@ -10591,7 +10559,7 @@
           <a:lstStyle/>
           <a:p>
             <a:pPr algn="ctr"/>
-            <a:endParaRPr lang="zh-CN" altLang="en-US"/>
+            <a:endParaRPr lang="zh-CN" altLang="en-US" sz="2600"/>
           </a:p>
         </p:txBody>
       </p:sp>
@@ -10603,8 +10571,8 @@
         </p:nvSpPr>
         <p:spPr>
           <a:xfrm>
-            <a:off x="2355468" y="2967091"/>
-            <a:ext cx="831538" cy="54006"/>
+            <a:off x="227343" y="4285798"/>
+            <a:ext cx="1201110" cy="78009"/>
           </a:xfrm>
           <a:prstGeom prst="rect">
             <a:avLst/>
@@ -10639,7 +10607,7 @@
           <a:lstStyle/>
           <a:p>
             <a:pPr algn="ctr"/>
-            <a:endParaRPr lang="zh-CN" altLang="en-US"/>
+            <a:endParaRPr lang="zh-CN" altLang="en-US" sz="2600"/>
           </a:p>
         </p:txBody>
       </p:sp>
@@ -10651,8 +10619,8 @@
         </p:nvSpPr>
         <p:spPr>
           <a:xfrm>
-            <a:off x="2151392" y="2285008"/>
-            <a:ext cx="3407967" cy="2666674"/>
+            <a:off x="-67433" y="3300567"/>
+            <a:ext cx="4922619" cy="3851862"/>
           </a:xfrm>
           <a:prstGeom prst="rect">
             <a:avLst/>
@@ -10686,7 +10654,7 @@
           <a:lstStyle/>
           <a:p>
             <a:pPr algn="ctr"/>
-            <a:endParaRPr lang="zh-CN" altLang="en-US"/>
+            <a:endParaRPr lang="zh-CN" altLang="en-US" sz="2600"/>
           </a:p>
         </p:txBody>
       </p:sp>
@@ -10698,8 +10666,8 @@
         </p:nvSpPr>
         <p:spPr>
           <a:xfrm>
-            <a:off x="3038601" y="4393909"/>
-            <a:ext cx="797088" cy="246221"/>
+            <a:off x="1214091" y="6346758"/>
+            <a:ext cx="1151349" cy="314573"/>
           </a:xfrm>
           <a:prstGeom prst="rect">
             <a:avLst/>
@@ -10713,7 +10681,7 @@
           <a:lstStyle/>
           <a:p>
             <a:r>
-              <a:rPr lang="zh-CN" altLang="en-US" sz="1000" dirty="0"/>
+              <a:rPr lang="zh-CN" altLang="en-US" sz="1444" dirty="0"/>
               <a:t>投影仪</a:t>
             </a:r>
           </a:p>
@@ -10727,8 +10695,8 @@
         </p:nvSpPr>
         <p:spPr>
           <a:xfrm>
-            <a:off x="3665721" y="2263670"/>
-            <a:ext cx="797088" cy="246221"/>
+            <a:off x="2119931" y="3269746"/>
+            <a:ext cx="1151349" cy="314573"/>
           </a:xfrm>
           <a:prstGeom prst="rect">
             <a:avLst/>
@@ -10742,7 +10710,7 @@
           <a:lstStyle/>
           <a:p>
             <a:r>
-              <a:rPr lang="zh-CN" altLang="en-US" sz="1000" dirty="0"/>
+              <a:rPr lang="zh-CN" altLang="en-US" sz="1444" dirty="0"/>
               <a:t>相机</a:t>
             </a:r>
           </a:p>
@@ -10756,8 +10724,8 @@
         </p:nvSpPr>
         <p:spPr>
           <a:xfrm>
-            <a:off x="2147490" y="3224481"/>
-            <a:ext cx="1171512" cy="246221"/>
+            <a:off x="-73070" y="4657585"/>
+            <a:ext cx="1692184" cy="314573"/>
           </a:xfrm>
           <a:prstGeom prst="rect">
             <a:avLst/>
@@ -10771,7 +10739,7 @@
           <a:lstStyle/>
           <a:p>
             <a:r>
-              <a:rPr lang="zh-CN" altLang="en-US" sz="1000" dirty="0"/>
+              <a:rPr lang="zh-CN" altLang="en-US" sz="1444" dirty="0"/>
               <a:t>平移台</a:t>
             </a:r>
           </a:p>
@@ -10785,8 +10753,8 @@
         </p:nvSpPr>
         <p:spPr>
           <a:xfrm>
-            <a:off x="2579295" y="2325996"/>
-            <a:ext cx="923486" cy="246221"/>
+            <a:off x="550648" y="3359773"/>
+            <a:ext cx="1333924" cy="314573"/>
           </a:xfrm>
           <a:prstGeom prst="rect">
             <a:avLst/>
@@ -10800,7 +10768,7 @@
           <a:lstStyle/>
           <a:p>
             <a:r>
-              <a:rPr lang="zh-CN" altLang="en-US" sz="1000" dirty="0"/>
+              <a:rPr lang="zh-CN" altLang="en-US" sz="1444" dirty="0"/>
               <a:t>校准平面</a:t>
             </a:r>
           </a:p>
@@ -10857,8 +10825,8 @@
         </p:blipFill>
         <p:spPr>
           <a:xfrm>
-            <a:off x="2962501" y="4242523"/>
-            <a:ext cx="634240" cy="720079"/>
+            <a:off x="-609783" y="9906000"/>
+            <a:ext cx="916124" cy="1040114"/>
           </a:xfrm>
           <a:prstGeom prst="rect">
             <a:avLst/>
@@ -10886,8 +10854,8 @@
         </p:blipFill>
         <p:spPr bwMode="auto">
           <a:xfrm>
-            <a:off x="4559835" y="4252752"/>
-            <a:ext cx="678859" cy="717819"/>
+            <a:off x="1490325" y="9871238"/>
+            <a:ext cx="980574" cy="1036850"/>
           </a:xfrm>
           <a:prstGeom prst="rect">
             <a:avLst/>
@@ -10938,8 +10906,8 @@
         </p:blipFill>
         <p:spPr bwMode="auto">
           <a:xfrm>
-            <a:off x="6071682" y="4293617"/>
-            <a:ext cx="596420" cy="676954"/>
+            <a:off x="3782538" y="9922363"/>
+            <a:ext cx="861496" cy="977822"/>
           </a:xfrm>
           <a:prstGeom prst="rect">
             <a:avLst/>
@@ -10990,8 +10958,8 @@
         </p:blipFill>
         <p:spPr bwMode="auto">
           <a:xfrm>
-            <a:off x="7572354" y="4279649"/>
-            <a:ext cx="792087" cy="690922"/>
+            <a:off x="6127229" y="9930483"/>
+            <a:ext cx="1144126" cy="997998"/>
           </a:xfrm>
           <a:prstGeom prst="rect">
             <a:avLst/>
@@ -11042,8 +11010,8 @@
         </p:blipFill>
         <p:spPr bwMode="auto">
           <a:xfrm>
-            <a:off x="7996840" y="2316586"/>
-            <a:ext cx="588529" cy="678391"/>
+            <a:off x="6783475" y="6863875"/>
+            <a:ext cx="850097" cy="979898"/>
           </a:xfrm>
           <a:prstGeom prst="rect">
             <a:avLst/>
@@ -11094,8 +11062,8 @@
         </p:blipFill>
         <p:spPr bwMode="auto">
           <a:xfrm>
-            <a:off x="5623665" y="1337402"/>
-            <a:ext cx="633875" cy="700227"/>
+            <a:off x="3195528" y="5726038"/>
+            <a:ext cx="915597" cy="1011439"/>
           </a:xfrm>
           <a:prstGeom prst="rect">
             <a:avLst/>
@@ -11133,8 +11101,8 @@
         </p:nvSpPr>
         <p:spPr>
           <a:xfrm>
-            <a:off x="7956982" y="2295742"/>
-            <a:ext cx="1080120" cy="720080"/>
+            <a:off x="6777099" y="6833766"/>
+            <a:ext cx="1560173" cy="1040116"/>
           </a:xfrm>
           <a:prstGeom prst="rect">
             <a:avLst/>
@@ -11167,7 +11135,7 @@
           <a:lstStyle/>
           <a:p>
             <a:pPr algn="ctr"/>
-            <a:endParaRPr lang="zh-CN" altLang="en-US"/>
+            <a:endParaRPr lang="zh-CN" altLang="en-US" sz="2600"/>
           </a:p>
         </p:txBody>
       </p:sp>
@@ -11179,8 +11147,8 @@
         </p:nvSpPr>
         <p:spPr>
           <a:xfrm>
-            <a:off x="8245014" y="3015822"/>
-            <a:ext cx="504056" cy="216024"/>
+            <a:off x="7193145" y="7873881"/>
+            <a:ext cx="728081" cy="312035"/>
           </a:xfrm>
           <a:prstGeom prst="trapezoid">
             <a:avLst/>
@@ -11215,7 +11183,7 @@
           <a:lstStyle/>
           <a:p>
             <a:pPr algn="ctr"/>
-            <a:endParaRPr lang="zh-CN" altLang="en-US"/>
+            <a:endParaRPr lang="zh-CN" altLang="en-US" sz="2600"/>
           </a:p>
         </p:txBody>
       </p:sp>
@@ -11227,8 +11195,8 @@
         </p:nvSpPr>
         <p:spPr>
           <a:xfrm>
-            <a:off x="8641935" y="2403754"/>
-            <a:ext cx="323165" cy="617658"/>
+            <a:off x="7848549" y="6989783"/>
+            <a:ext cx="384721" cy="892173"/>
           </a:xfrm>
           <a:prstGeom prst="rect">
             <a:avLst/>
@@ -11242,7 +11210,7 @@
           <a:lstStyle/>
           <a:p>
             <a:r>
-              <a:rPr lang="zh-CN" altLang="en-US" sz="900" dirty="0"/>
+              <a:rPr lang="zh-CN" altLang="en-US" sz="1300" dirty="0"/>
               <a:t>数字相移</a:t>
             </a:r>
           </a:p>
@@ -11256,8 +11224,8 @@
         </p:nvSpPr>
         <p:spPr>
           <a:xfrm>
-            <a:off x="7572354" y="4265070"/>
-            <a:ext cx="1080120" cy="720080"/>
+            <a:off x="6127227" y="9923349"/>
+            <a:ext cx="1560173" cy="1040116"/>
           </a:xfrm>
           <a:prstGeom prst="rect">
             <a:avLst/>
@@ -11290,7 +11258,7 @@
           <a:lstStyle/>
           <a:p>
             <a:pPr algn="ctr"/>
-            <a:endParaRPr lang="zh-CN" altLang="en-US"/>
+            <a:endParaRPr lang="zh-CN" altLang="en-US" sz="2600"/>
           </a:p>
         </p:txBody>
       </p:sp>
@@ -11302,8 +11270,8 @@
         </p:nvSpPr>
         <p:spPr>
           <a:xfrm>
-            <a:off x="7860386" y="4985150"/>
-            <a:ext cx="504056" cy="216024"/>
+            <a:off x="6543274" y="10963465"/>
+            <a:ext cx="728081" cy="312035"/>
           </a:xfrm>
           <a:prstGeom prst="trapezoid">
             <a:avLst/>
@@ -11338,7 +11306,7 @@
           <a:lstStyle/>
           <a:p>
             <a:pPr algn="ctr"/>
-            <a:endParaRPr lang="zh-CN" altLang="en-US"/>
+            <a:endParaRPr lang="zh-CN" altLang="en-US" sz="2600"/>
           </a:p>
         </p:txBody>
       </p:sp>
@@ -11350,8 +11318,8 @@
         </p:nvSpPr>
         <p:spPr>
           <a:xfrm>
-            <a:off x="8257307" y="4373082"/>
-            <a:ext cx="323165" cy="617658"/>
+            <a:off x="7250058" y="10036308"/>
+            <a:ext cx="384721" cy="892173"/>
           </a:xfrm>
           <a:prstGeom prst="rect">
             <a:avLst/>
@@ -11365,7 +11333,7 @@
           <a:lstStyle/>
           <a:p>
             <a:r>
-              <a:rPr lang="zh-CN" altLang="en-US" sz="900" dirty="0"/>
+              <a:rPr lang="zh-CN" altLang="en-US" sz="1300" dirty="0"/>
               <a:t>条纹去除</a:t>
             </a:r>
           </a:p>
@@ -11394,8 +11362,8 @@
         </p:blipFill>
         <p:spPr bwMode="auto">
           <a:xfrm>
-            <a:off x="4491334" y="2205651"/>
-            <a:ext cx="611126" cy="423477"/>
+            <a:off x="1643667" y="6966926"/>
+            <a:ext cx="882738" cy="611689"/>
           </a:xfrm>
           <a:prstGeom prst="rect">
             <a:avLst/>
@@ -11433,8 +11401,8 @@
         </p:nvSpPr>
         <p:spPr>
           <a:xfrm>
-            <a:off x="5536631" y="977053"/>
-            <a:ext cx="346006" cy="369522"/>
+            <a:off x="3153541" y="5192284"/>
+            <a:ext cx="499786" cy="533754"/>
           </a:xfrm>
           <a:custGeom>
             <a:avLst/>
@@ -11525,7 +11493,7 @@
           <a:lstStyle/>
           <a:p>
             <a:pPr algn="ctr"/>
-            <a:endParaRPr lang="zh-CN" altLang="en-US"/>
+            <a:endParaRPr lang="zh-CN" altLang="en-US" sz="2600"/>
           </a:p>
         </p:txBody>
       </p:sp>
@@ -11537,8 +11505,8 @@
         </p:nvSpPr>
         <p:spPr>
           <a:xfrm>
-            <a:off x="5341264" y="2037629"/>
-            <a:ext cx="390734" cy="899478"/>
+            <a:off x="2871344" y="6724227"/>
+            <a:ext cx="564394" cy="1299246"/>
           </a:xfrm>
           <a:custGeom>
             <a:avLst/>
@@ -11609,7 +11577,7 @@
           <a:lstStyle/>
           <a:p>
             <a:pPr algn="ctr"/>
-            <a:endParaRPr lang="zh-CN" altLang="en-US"/>
+            <a:endParaRPr lang="zh-CN" altLang="en-US" sz="2600"/>
           </a:p>
         </p:txBody>
       </p:sp>
@@ -11621,8 +11589,8 @@
         </p:nvSpPr>
         <p:spPr>
           <a:xfrm>
-            <a:off x="4876188" y="2610277"/>
-            <a:ext cx="561372" cy="225128"/>
+            <a:off x="2199568" y="7551385"/>
+            <a:ext cx="810871" cy="325185"/>
           </a:xfrm>
           <a:prstGeom prst="roundRect">
             <a:avLst/>
@@ -11657,7 +11625,7 @@
           <a:lstStyle/>
           <a:p>
             <a:pPr algn="ctr"/>
-            <a:endParaRPr lang="zh-CN" altLang="en-US"/>
+            <a:endParaRPr lang="zh-CN" altLang="en-US" sz="2600"/>
           </a:p>
         </p:txBody>
       </p:sp>
@@ -11669,8 +11637,8 @@
         </p:nvSpPr>
         <p:spPr>
           <a:xfrm>
-            <a:off x="5587982" y="1341108"/>
-            <a:ext cx="1080120" cy="720080"/>
+            <a:off x="3227715" y="5718141"/>
+            <a:ext cx="1560173" cy="1040116"/>
           </a:xfrm>
           <a:prstGeom prst="rect">
             <a:avLst/>
@@ -11703,7 +11671,7 @@
           <a:lstStyle/>
           <a:p>
             <a:pPr algn="ctr"/>
-            <a:endParaRPr lang="zh-CN" altLang="en-US"/>
+            <a:endParaRPr lang="zh-CN" altLang="en-US" sz="2600"/>
           </a:p>
         </p:txBody>
       </p:sp>
@@ -11715,8 +11683,8 @@
         </p:nvSpPr>
         <p:spPr>
           <a:xfrm>
-            <a:off x="5876014" y="2061188"/>
-            <a:ext cx="504056" cy="216024"/>
+            <a:off x="3643761" y="6758256"/>
+            <a:ext cx="728081" cy="312035"/>
           </a:xfrm>
           <a:prstGeom prst="trapezoid">
             <a:avLst/>
@@ -11751,7 +11719,7 @@
           <a:lstStyle/>
           <a:p>
             <a:pPr algn="ctr"/>
-            <a:endParaRPr lang="zh-CN" altLang="en-US"/>
+            <a:endParaRPr lang="zh-CN" altLang="en-US" sz="2600"/>
           </a:p>
         </p:txBody>
       </p:sp>
@@ -11763,8 +11731,8 @@
         </p:nvSpPr>
         <p:spPr>
           <a:xfrm>
-            <a:off x="5038206" y="2500035"/>
-            <a:ext cx="200490" cy="244387"/>
+            <a:off x="2433594" y="7392148"/>
+            <a:ext cx="289597" cy="353003"/>
           </a:xfrm>
           <a:prstGeom prst="ellipse">
             <a:avLst/>
@@ -11799,7 +11767,7 @@
           <a:lstStyle/>
           <a:p>
             <a:pPr algn="ctr"/>
-            <a:endParaRPr lang="zh-CN" altLang="en-US"/>
+            <a:endParaRPr lang="zh-CN" altLang="en-US" sz="2600"/>
           </a:p>
         </p:txBody>
       </p:sp>
@@ -11811,8 +11779,8 @@
         </p:nvSpPr>
         <p:spPr>
           <a:xfrm>
-            <a:off x="6272933" y="1449120"/>
-            <a:ext cx="323165" cy="617658"/>
+            <a:off x="4299162" y="5874158"/>
+            <a:ext cx="384721" cy="892173"/>
           </a:xfrm>
           <a:prstGeom prst="rect">
             <a:avLst/>
@@ -11826,7 +11794,7 @@
           <a:lstStyle/>
           <a:p>
             <a:r>
-              <a:rPr lang="zh-CN" altLang="en-US" sz="900" dirty="0"/>
+              <a:rPr lang="zh-CN" altLang="en-US" sz="1300" dirty="0"/>
               <a:t>投影成像</a:t>
             </a:r>
           </a:p>
@@ -11840,8 +11808,8 @@
         </p:nvSpPr>
         <p:spPr>
           <a:xfrm>
-            <a:off x="5371958" y="794893"/>
-            <a:ext cx="432048" cy="271527"/>
+            <a:off x="2915680" y="4929164"/>
+            <a:ext cx="624069" cy="392206"/>
           </a:xfrm>
           <a:prstGeom prst="roundRect">
             <a:avLst/>
@@ -11876,7 +11844,7 @@
           <a:lstStyle/>
           <a:p>
             <a:pPr algn="ctr"/>
-            <a:endParaRPr lang="zh-CN" altLang="en-US"/>
+            <a:endParaRPr lang="zh-CN" altLang="en-US" sz="2600"/>
           </a:p>
         </p:txBody>
       </p:sp>
@@ -11888,8 +11856,8 @@
         </p:nvSpPr>
         <p:spPr>
           <a:xfrm>
-            <a:off x="5500948" y="854456"/>
-            <a:ext cx="174068" cy="152400"/>
+            <a:off x="3101999" y="5015199"/>
+            <a:ext cx="251432" cy="220133"/>
           </a:xfrm>
           <a:prstGeom prst="ellipse">
             <a:avLst/>
@@ -11922,7 +11890,7 @@
           <a:lstStyle/>
           <a:p>
             <a:pPr algn="ctr"/>
-            <a:endParaRPr lang="zh-CN" altLang="en-US"/>
+            <a:endParaRPr lang="zh-CN" altLang="en-US" sz="2600"/>
           </a:p>
         </p:txBody>
       </p:sp>
@@ -11934,8 +11902,8 @@
         </p:nvSpPr>
         <p:spPr>
           <a:xfrm>
-            <a:off x="5629296" y="722885"/>
-            <a:ext cx="102702" cy="72008"/>
+            <a:off x="3287391" y="4825152"/>
+            <a:ext cx="148347" cy="104012"/>
           </a:xfrm>
           <a:prstGeom prst="rect">
             <a:avLst/>
@@ -11968,7 +11936,7 @@
           <a:lstStyle/>
           <a:p>
             <a:pPr algn="ctr"/>
-            <a:endParaRPr lang="zh-CN" altLang="en-US"/>
+            <a:endParaRPr lang="zh-CN" altLang="en-US" sz="2600"/>
           </a:p>
         </p:txBody>
       </p:sp>
@@ -11980,8 +11948,8 @@
         </p:nvSpPr>
         <p:spPr>
           <a:xfrm>
-            <a:off x="3534711" y="424612"/>
-            <a:ext cx="3407967" cy="2666674"/>
+            <a:off x="261879" y="4394314"/>
+            <a:ext cx="4922619" cy="3851862"/>
           </a:xfrm>
           <a:prstGeom prst="rect">
             <a:avLst/>
@@ -12015,7 +11983,7 @@
           <a:lstStyle/>
           <a:p>
             <a:pPr algn="ctr"/>
-            <a:endParaRPr lang="zh-CN" altLang="en-US"/>
+            <a:endParaRPr lang="zh-CN" altLang="en-US" sz="2600"/>
           </a:p>
         </p:txBody>
       </p:sp>
@@ -12027,8 +11995,8 @@
         </p:nvSpPr>
         <p:spPr>
           <a:xfrm>
-            <a:off x="4359786" y="2610277"/>
-            <a:ext cx="797088" cy="230832"/>
+            <a:off x="1453654" y="7551385"/>
+            <a:ext cx="1151349" cy="292388"/>
           </a:xfrm>
           <a:prstGeom prst="rect">
             <a:avLst/>
@@ -12042,7 +12010,7 @@
           <a:lstStyle/>
           <a:p>
             <a:r>
-              <a:rPr lang="zh-CN" altLang="en-US" sz="900" dirty="0"/>
+              <a:rPr lang="zh-CN" altLang="en-US" sz="1300" dirty="0"/>
               <a:t>投影仪</a:t>
             </a:r>
           </a:p>
@@ -12056,8 +12024,8 @@
         </p:nvSpPr>
         <p:spPr>
           <a:xfrm>
-            <a:off x="5341264" y="511973"/>
-            <a:ext cx="797088" cy="230832"/>
+            <a:off x="2871344" y="4520502"/>
+            <a:ext cx="1151349" cy="292388"/>
           </a:xfrm>
           <a:prstGeom prst="rect">
             <a:avLst/>
@@ -12071,7 +12039,7 @@
           <a:lstStyle/>
           <a:p>
             <a:r>
-              <a:rPr lang="zh-CN" altLang="en-US" sz="900" dirty="0"/>
+              <a:rPr lang="zh-CN" altLang="en-US" sz="1300" dirty="0"/>
               <a:t>相机</a:t>
             </a:r>
           </a:p>
@@ -12085,8 +12053,8 @@
         </p:nvSpPr>
         <p:spPr>
           <a:xfrm>
-            <a:off x="4115985" y="613276"/>
-            <a:ext cx="733826" cy="230832"/>
+            <a:off x="1101497" y="4666829"/>
+            <a:ext cx="1059971" cy="292388"/>
           </a:xfrm>
           <a:prstGeom prst="rect">
             <a:avLst/>
@@ -12100,7 +12068,7 @@
           <a:lstStyle/>
           <a:p>
             <a:r>
-              <a:rPr lang="zh-CN" altLang="en-US" sz="900" dirty="0"/>
+              <a:rPr lang="zh-CN" altLang="en-US" sz="1300" dirty="0"/>
               <a:t>被测物体</a:t>
             </a:r>
           </a:p>
@@ -12114,8 +12082,8 @@
         </p:nvSpPr>
         <p:spPr>
           <a:xfrm>
-            <a:off x="4201003" y="1959430"/>
-            <a:ext cx="733826" cy="230832"/>
+            <a:off x="1224300" y="6611273"/>
+            <a:ext cx="1059971" cy="292388"/>
           </a:xfrm>
           <a:prstGeom prst="rect">
             <a:avLst/>
@@ -12129,7 +12097,7 @@
           <a:lstStyle/>
           <a:p>
             <a:r>
-              <a:rPr lang="zh-CN" altLang="en-US" sz="900" dirty="0"/>
+              <a:rPr lang="zh-CN" altLang="en-US" sz="1300" dirty="0"/>
               <a:t>投影条纹</a:t>
             </a:r>
           </a:p>
@@ -12158,8 +12126,8 @@
         </p:blipFill>
         <p:spPr bwMode="auto">
           <a:xfrm>
-            <a:off x="7509801" y="1216491"/>
-            <a:ext cx="611126" cy="423477"/>
+            <a:off x="6131170" y="5274848"/>
+            <a:ext cx="882738" cy="611689"/>
           </a:xfrm>
           <a:prstGeom prst="rect">
             <a:avLst/>
@@ -12210,8 +12178,8 @@
         </p:blipFill>
         <p:spPr bwMode="auto">
           <a:xfrm>
-            <a:off x="8512701" y="1011762"/>
-            <a:ext cx="633875" cy="700227"/>
+            <a:off x="7579805" y="4979129"/>
+            <a:ext cx="915597" cy="1011439"/>
           </a:xfrm>
           <a:prstGeom prst="rect">
             <a:avLst/>
@@ -12249,8 +12217,8 @@
         </p:nvSpPr>
         <p:spPr>
           <a:xfrm rot="5400000">
-            <a:off x="8138684" y="1863228"/>
-            <a:ext cx="411374" cy="205687"/>
+            <a:off x="7039557" y="6209024"/>
+            <a:ext cx="594207" cy="297103"/>
           </a:xfrm>
           <a:prstGeom prst="rightArrow">
             <a:avLst/>
@@ -12286,7 +12254,7 @@
           <a:lstStyle/>
           <a:p>
             <a:pPr algn="ctr"/>
-            <a:endParaRPr lang="zh-CN" altLang="en-US"/>
+            <a:endParaRPr lang="zh-CN" altLang="en-US" sz="2600"/>
           </a:p>
         </p:txBody>
       </p:sp>
@@ -12298,8 +12266,8 @@
         </p:nvSpPr>
         <p:spPr>
           <a:xfrm>
-            <a:off x="7310366" y="422768"/>
-            <a:ext cx="2232248" cy="3384376"/>
+            <a:off x="5843098" y="4128359"/>
+            <a:ext cx="3224358" cy="4888543"/>
           </a:xfrm>
           <a:prstGeom prst="rect">
             <a:avLst/>
@@ -12333,7 +12301,7 @@
           <a:lstStyle/>
           <a:p>
             <a:pPr algn="ctr"/>
-            <a:endParaRPr lang="zh-CN" altLang="en-US"/>
+            <a:endParaRPr lang="zh-CN" altLang="en-US" sz="2600"/>
           </a:p>
         </p:txBody>
       </p:sp>
@@ -12345,8 +12313,8 @@
         </p:nvSpPr>
         <p:spPr>
           <a:xfrm>
-            <a:off x="6050586" y="4254074"/>
-            <a:ext cx="1080120" cy="720080"/>
+            <a:off x="1542946" y="9888365"/>
+            <a:ext cx="1560173" cy="1040116"/>
           </a:xfrm>
           <a:prstGeom prst="rect">
             <a:avLst/>
@@ -12379,7 +12347,7 @@
           <a:lstStyle/>
           <a:p>
             <a:pPr algn="ctr"/>
-            <a:endParaRPr lang="zh-CN" altLang="en-US"/>
+            <a:endParaRPr lang="zh-CN" altLang="en-US" sz="2600"/>
           </a:p>
         </p:txBody>
       </p:sp>
@@ -12391,8 +12359,8 @@
         </p:nvSpPr>
         <p:spPr>
           <a:xfrm>
-            <a:off x="6338618" y="4974154"/>
-            <a:ext cx="504056" cy="216024"/>
+            <a:off x="1958992" y="10928481"/>
+            <a:ext cx="728081" cy="312035"/>
           </a:xfrm>
           <a:prstGeom prst="trapezoid">
             <a:avLst/>
@@ -12427,7 +12395,7 @@
           <a:lstStyle/>
           <a:p>
             <a:pPr algn="ctr"/>
-            <a:endParaRPr lang="zh-CN" altLang="en-US"/>
+            <a:endParaRPr lang="zh-CN" altLang="en-US" sz="2600"/>
           </a:p>
         </p:txBody>
       </p:sp>
@@ -12439,8 +12407,8 @@
         </p:nvSpPr>
         <p:spPr>
           <a:xfrm>
-            <a:off x="6735539" y="4362086"/>
-            <a:ext cx="323165" cy="617658"/>
+            <a:off x="4950137" y="9965187"/>
+            <a:ext cx="384721" cy="892173"/>
           </a:xfrm>
           <a:prstGeom prst="rect">
             <a:avLst/>
@@ -12454,7 +12422,7 @@
           <a:lstStyle/>
           <a:p>
             <a:r>
-              <a:rPr lang="zh-CN" altLang="en-US" sz="900" dirty="0"/>
+              <a:rPr lang="zh-CN" altLang="en-US" sz="1300" dirty="0"/>
               <a:t>相位提取</a:t>
             </a:r>
           </a:p>
@@ -12468,8 +12436,8 @@
         </p:nvSpPr>
         <p:spPr>
           <a:xfrm>
-            <a:off x="4559835" y="4242523"/>
-            <a:ext cx="1080120" cy="720080"/>
+            <a:off x="3778809" y="9888365"/>
+            <a:ext cx="1560173" cy="1040116"/>
           </a:xfrm>
           <a:prstGeom prst="rect">
             <a:avLst/>
@@ -12502,7 +12470,7 @@
           <a:lstStyle/>
           <a:p>
             <a:pPr algn="ctr"/>
-            <a:endParaRPr lang="zh-CN" altLang="en-US"/>
+            <a:endParaRPr lang="zh-CN" altLang="en-US" sz="2600"/>
           </a:p>
         </p:txBody>
       </p:sp>
@@ -12514,8 +12482,8 @@
         </p:nvSpPr>
         <p:spPr>
           <a:xfrm>
-            <a:off x="4847867" y="4962603"/>
-            <a:ext cx="504056" cy="216024"/>
+            <a:off x="4194855" y="10928481"/>
+            <a:ext cx="728081" cy="312035"/>
           </a:xfrm>
           <a:prstGeom prst="trapezoid">
             <a:avLst/>
@@ -12550,7 +12518,7 @@
           <a:lstStyle/>
           <a:p>
             <a:pPr algn="ctr"/>
-            <a:endParaRPr lang="zh-CN" altLang="en-US"/>
+            <a:endParaRPr lang="zh-CN" altLang="en-US" sz="2600"/>
           </a:p>
         </p:txBody>
       </p:sp>
@@ -12562,8 +12530,8 @@
         </p:nvSpPr>
         <p:spPr>
           <a:xfrm>
-            <a:off x="5244792" y="4350535"/>
-            <a:ext cx="323165" cy="617658"/>
+            <a:off x="2623968" y="9977231"/>
+            <a:ext cx="384721" cy="892173"/>
           </a:xfrm>
           <a:prstGeom prst="rect">
             <a:avLst/>
@@ -12577,7 +12545,7 @@
           <a:lstStyle/>
           <a:p>
             <a:r>
-              <a:rPr lang="zh-CN" altLang="en-US" sz="900" dirty="0"/>
+              <a:rPr lang="zh-CN" altLang="en-US" sz="1300" dirty="0"/>
               <a:t>相位展开</a:t>
             </a:r>
           </a:p>
@@ -12591,8 +12559,8 @@
         </p:nvSpPr>
         <p:spPr>
           <a:xfrm>
-            <a:off x="2976036" y="4242523"/>
-            <a:ext cx="1080120" cy="720080"/>
+            <a:off x="-590232" y="9905999"/>
+            <a:ext cx="1560173" cy="1040116"/>
           </a:xfrm>
           <a:prstGeom prst="rect">
             <a:avLst/>
@@ -12625,7 +12593,7 @@
           <a:lstStyle/>
           <a:p>
             <a:pPr algn="ctr"/>
-            <a:endParaRPr lang="zh-CN" altLang="en-US"/>
+            <a:endParaRPr lang="zh-CN" altLang="en-US" sz="2600"/>
           </a:p>
         </p:txBody>
       </p:sp>
@@ -12637,8 +12605,8 @@
         </p:nvSpPr>
         <p:spPr>
           <a:xfrm>
-            <a:off x="3264068" y="4962603"/>
-            <a:ext cx="504056" cy="216024"/>
+            <a:off x="-174186" y="10946115"/>
+            <a:ext cx="728081" cy="312035"/>
           </a:xfrm>
           <a:prstGeom prst="trapezoid">
             <a:avLst/>
@@ -12673,7 +12641,7 @@
           <a:lstStyle/>
           <a:p>
             <a:pPr algn="ctr"/>
-            <a:endParaRPr lang="zh-CN" altLang="en-US"/>
+            <a:endParaRPr lang="zh-CN" altLang="en-US" sz="2600"/>
           </a:p>
         </p:txBody>
       </p:sp>
@@ -12685,8 +12653,8 @@
         </p:nvSpPr>
         <p:spPr>
           <a:xfrm>
-            <a:off x="3661009" y="4312354"/>
-            <a:ext cx="323165" cy="617658"/>
+            <a:off x="408593" y="9962336"/>
+            <a:ext cx="384721" cy="892173"/>
           </a:xfrm>
           <a:prstGeom prst="rect">
             <a:avLst/>
@@ -12700,7 +12668,7 @@
           <a:lstStyle/>
           <a:p>
             <a:r>
-              <a:rPr lang="zh-CN" altLang="en-US" sz="900" dirty="0"/>
+              <a:rPr lang="zh-CN" altLang="en-US" sz="1300" dirty="0"/>
               <a:t>高度转换</a:t>
             </a:r>
           </a:p>
@@ -12714,8 +12682,8 @@
         </p:nvSpPr>
         <p:spPr>
           <a:xfrm>
-            <a:off x="8125830" y="1262522"/>
-            <a:ext cx="342766" cy="212288"/>
+            <a:off x="7020990" y="5341337"/>
+            <a:ext cx="495106" cy="306638"/>
           </a:xfrm>
           <a:prstGeom prst="mathPlus">
             <a:avLst/>
@@ -12749,7 +12717,7 @@
           <a:lstStyle/>
           <a:p>
             <a:pPr algn="ctr"/>
-            <a:endParaRPr lang="zh-CN" altLang="en-US"/>
+            <a:endParaRPr lang="zh-CN" altLang="en-US" sz="2600"/>
           </a:p>
         </p:txBody>
       </p:sp>
@@ -12774,8 +12742,8 @@
         </p:blipFill>
         <p:spPr>
           <a:xfrm>
-            <a:off x="4184239" y="878658"/>
-            <a:ext cx="636609" cy="807785"/>
+            <a:off x="1200087" y="5050158"/>
+            <a:ext cx="919546" cy="1166801"/>
           </a:xfrm>
           <a:prstGeom prst="rect">
             <a:avLst/>
@@ -12790,8 +12758,8 @@
         </p:nvSpPr>
         <p:spPr>
           <a:xfrm>
-            <a:off x="1739608" y="893287"/>
-            <a:ext cx="346006" cy="369522"/>
+            <a:off x="3253855" y="853985"/>
+            <a:ext cx="499786" cy="533754"/>
           </a:xfrm>
           <a:custGeom>
             <a:avLst/>
@@ -12882,7 +12850,7 @@
           <a:lstStyle/>
           <a:p>
             <a:pPr algn="ctr"/>
-            <a:endParaRPr lang="zh-CN" altLang="en-US"/>
+            <a:endParaRPr lang="zh-CN" altLang="en-US" sz="2600"/>
           </a:p>
         </p:txBody>
       </p:sp>
@@ -12909,8 +12877,8 @@
         </p:blipFill>
         <p:spPr bwMode="auto">
           <a:xfrm>
-            <a:off x="1844600" y="1433383"/>
-            <a:ext cx="611126" cy="423477"/>
+            <a:off x="3405510" y="1634125"/>
+            <a:ext cx="882738" cy="611689"/>
           </a:xfrm>
           <a:prstGeom prst="rect">
             <a:avLst/>
@@ -12948,8 +12916,8 @@
         </p:nvSpPr>
         <p:spPr>
           <a:xfrm>
-            <a:off x="1544241" y="1953863"/>
-            <a:ext cx="390734" cy="899478"/>
+            <a:off x="2971658" y="2385929"/>
+            <a:ext cx="564394" cy="1299246"/>
           </a:xfrm>
           <a:custGeom>
             <a:avLst/>
@@ -13020,7 +12988,7 @@
           <a:lstStyle/>
           <a:p>
             <a:pPr algn="ctr"/>
-            <a:endParaRPr lang="zh-CN" altLang="en-US"/>
+            <a:endParaRPr lang="zh-CN" altLang="en-US" sz="2600"/>
           </a:p>
         </p:txBody>
       </p:sp>
@@ -13032,8 +13000,8 @@
         </p:nvSpPr>
         <p:spPr>
           <a:xfrm>
-            <a:off x="1079165" y="2526511"/>
-            <a:ext cx="561372" cy="225128"/>
+            <a:off x="2299882" y="3213087"/>
+            <a:ext cx="810871" cy="325185"/>
           </a:xfrm>
           <a:prstGeom prst="roundRect">
             <a:avLst/>
@@ -13068,7 +13036,7 @@
           <a:lstStyle/>
           <a:p>
             <a:pPr algn="ctr"/>
-            <a:endParaRPr lang="zh-CN" altLang="en-US"/>
+            <a:endParaRPr lang="zh-CN" altLang="en-US" sz="2600"/>
           </a:p>
         </p:txBody>
       </p:sp>
@@ -13080,8 +13048,8 @@
         </p:nvSpPr>
         <p:spPr>
           <a:xfrm>
-            <a:off x="1790959" y="1257342"/>
-            <a:ext cx="1080120" cy="720080"/>
+            <a:off x="3328029" y="1379842"/>
+            <a:ext cx="1560173" cy="1040116"/>
           </a:xfrm>
           <a:prstGeom prst="rect">
             <a:avLst/>
@@ -13114,7 +13082,7 @@
           <a:lstStyle/>
           <a:p>
             <a:pPr algn="ctr"/>
-            <a:endParaRPr lang="zh-CN" altLang="en-US"/>
+            <a:endParaRPr lang="zh-CN" altLang="en-US" sz="2600"/>
           </a:p>
         </p:txBody>
       </p:sp>
@@ -13126,8 +13094,8 @@
         </p:nvSpPr>
         <p:spPr>
           <a:xfrm>
-            <a:off x="2078991" y="1977422"/>
-            <a:ext cx="504056" cy="216024"/>
+            <a:off x="3744075" y="2419958"/>
+            <a:ext cx="728081" cy="312035"/>
           </a:xfrm>
           <a:prstGeom prst="trapezoid">
             <a:avLst/>
@@ -13162,20 +13130,22 @@
           <a:lstStyle/>
           <a:p>
             <a:pPr algn="ctr"/>
-            <a:endParaRPr lang="zh-CN" altLang="en-US"/>
+            <a:endParaRPr lang="zh-CN" altLang="en-US" sz="2600"/>
           </a:p>
         </p:txBody>
       </p:sp>
       <p:cxnSp>
         <p:nvCxnSpPr>
           <p:cNvPr id="70" name="直接箭头连接符 69"/>
-          <p:cNvCxnSpPr/>
+          <p:cNvCxnSpPr>
+            <a:cxnSpLocks/>
+          </p:cNvCxnSpPr>
           <p:nvPr/>
         </p:nvCxnSpPr>
         <p:spPr>
           <a:xfrm>
-            <a:off x="-250277" y="581709"/>
-            <a:ext cx="1440160" cy="1407352"/>
+            <a:off x="379577" y="403928"/>
+            <a:ext cx="2080231" cy="2032842"/>
           </a:xfrm>
           <a:prstGeom prst="straightConnector1">
             <a:avLst/>
@@ -13205,13 +13175,15 @@
       <p:cxnSp>
         <p:nvCxnSpPr>
           <p:cNvPr id="71" name="直接连接符 70"/>
-          <p:cNvCxnSpPr/>
+          <p:cNvCxnSpPr>
+            <a:cxnSpLocks/>
+          </p:cNvCxnSpPr>
           <p:nvPr/>
         </p:nvCxnSpPr>
         <p:spPr>
           <a:xfrm>
-            <a:off x="-161801" y="534481"/>
-            <a:ext cx="0" cy="108012"/>
+            <a:off x="3682375" y="335710"/>
+            <a:ext cx="0" cy="156017"/>
           </a:xfrm>
           <a:prstGeom prst="line">
             <a:avLst/>
@@ -13240,13 +13212,15 @@
       <p:cxnSp>
         <p:nvCxnSpPr>
           <p:cNvPr id="72" name="直接连接符 71"/>
-          <p:cNvCxnSpPr/>
+          <p:cNvCxnSpPr>
+            <a:cxnSpLocks/>
+          </p:cNvCxnSpPr>
           <p:nvPr/>
         </p:nvCxnSpPr>
         <p:spPr>
           <a:xfrm>
-            <a:off x="-9401" y="686881"/>
-            <a:ext cx="0" cy="108012"/>
+            <a:off x="3902509" y="555844"/>
+            <a:ext cx="0" cy="156017"/>
           </a:xfrm>
           <a:prstGeom prst="line">
             <a:avLst/>
@@ -13275,13 +13249,15 @@
       <p:cxnSp>
         <p:nvCxnSpPr>
           <p:cNvPr id="73" name="直接连接符 72"/>
-          <p:cNvCxnSpPr/>
+          <p:cNvCxnSpPr>
+            <a:cxnSpLocks/>
+          </p:cNvCxnSpPr>
           <p:nvPr/>
         </p:nvCxnSpPr>
         <p:spPr>
           <a:xfrm>
-            <a:off x="142999" y="839281"/>
-            <a:ext cx="0" cy="108012"/>
+            <a:off x="947642" y="775977"/>
+            <a:ext cx="0" cy="156017"/>
           </a:xfrm>
           <a:prstGeom prst="line">
             <a:avLst/>
@@ -13310,13 +13286,15 @@
       <p:cxnSp>
         <p:nvCxnSpPr>
           <p:cNvPr id="74" name="直接连接符 73"/>
-          <p:cNvCxnSpPr/>
+          <p:cNvCxnSpPr>
+            <a:cxnSpLocks/>
+          </p:cNvCxnSpPr>
           <p:nvPr/>
         </p:nvCxnSpPr>
         <p:spPr>
           <a:xfrm>
-            <a:off x="295399" y="991681"/>
-            <a:ext cx="0" cy="108012"/>
+            <a:off x="1167775" y="996110"/>
+            <a:ext cx="0" cy="156017"/>
           </a:xfrm>
           <a:prstGeom prst="line">
             <a:avLst/>
@@ -13345,13 +13323,15 @@
       <p:cxnSp>
         <p:nvCxnSpPr>
           <p:cNvPr id="75" name="直接连接符 74"/>
-          <p:cNvCxnSpPr/>
+          <p:cNvCxnSpPr>
+            <a:cxnSpLocks/>
+          </p:cNvCxnSpPr>
           <p:nvPr/>
         </p:nvCxnSpPr>
         <p:spPr>
           <a:xfrm>
-            <a:off x="447799" y="1144081"/>
-            <a:ext cx="0" cy="108012"/>
+            <a:off x="1387909" y="1216244"/>
+            <a:ext cx="0" cy="156017"/>
           </a:xfrm>
           <a:prstGeom prst="line">
             <a:avLst/>
@@ -13380,13 +13360,15 @@
       <p:cxnSp>
         <p:nvCxnSpPr>
           <p:cNvPr id="76" name="直接连接符 75"/>
-          <p:cNvCxnSpPr/>
+          <p:cNvCxnSpPr>
+            <a:cxnSpLocks/>
+          </p:cNvCxnSpPr>
           <p:nvPr/>
         </p:nvCxnSpPr>
         <p:spPr>
           <a:xfrm>
-            <a:off x="600199" y="1296481"/>
-            <a:ext cx="0" cy="108012"/>
+            <a:off x="1608042" y="1436377"/>
+            <a:ext cx="0" cy="156017"/>
           </a:xfrm>
           <a:prstGeom prst="line">
             <a:avLst/>
@@ -13415,13 +13397,15 @@
       <p:cxnSp>
         <p:nvCxnSpPr>
           <p:cNvPr id="77" name="直接连接符 76"/>
-          <p:cNvCxnSpPr/>
+          <p:cNvCxnSpPr>
+            <a:cxnSpLocks/>
+          </p:cNvCxnSpPr>
           <p:nvPr/>
         </p:nvCxnSpPr>
         <p:spPr>
           <a:xfrm>
-            <a:off x="752599" y="1448881"/>
-            <a:ext cx="0" cy="108012"/>
+            <a:off x="1828175" y="1656510"/>
+            <a:ext cx="0" cy="156017"/>
           </a:xfrm>
           <a:prstGeom prst="line">
             <a:avLst/>
@@ -13450,13 +13434,15 @@
       <p:cxnSp>
         <p:nvCxnSpPr>
           <p:cNvPr id="78" name="直接连接符 77"/>
-          <p:cNvCxnSpPr/>
+          <p:cNvCxnSpPr>
+            <a:cxnSpLocks/>
+          </p:cNvCxnSpPr>
           <p:nvPr/>
         </p:nvCxnSpPr>
         <p:spPr>
           <a:xfrm>
-            <a:off x="904999" y="1601281"/>
-            <a:ext cx="0" cy="108012"/>
+            <a:off x="2048309" y="1876644"/>
+            <a:ext cx="0" cy="156017"/>
           </a:xfrm>
           <a:prstGeom prst="line">
             <a:avLst/>
@@ -13485,13 +13471,15 @@
       <p:cxnSp>
         <p:nvCxnSpPr>
           <p:cNvPr id="79" name="直接连接符 78"/>
-          <p:cNvCxnSpPr/>
+          <p:cNvCxnSpPr>
+            <a:cxnSpLocks/>
+          </p:cNvCxnSpPr>
           <p:nvPr/>
         </p:nvCxnSpPr>
         <p:spPr>
           <a:xfrm>
-            <a:off x="1079403" y="1746903"/>
-            <a:ext cx="0" cy="108012"/>
+            <a:off x="2300226" y="2086987"/>
+            <a:ext cx="0" cy="156017"/>
           </a:xfrm>
           <a:prstGeom prst="line">
             <a:avLst/>
@@ -13525,8 +13513,8 @@
         </p:nvSpPr>
         <p:spPr>
           <a:xfrm>
-            <a:off x="1241183" y="2416269"/>
-            <a:ext cx="200490" cy="244387"/>
+            <a:off x="2533908" y="3053849"/>
+            <a:ext cx="289597" cy="353003"/>
           </a:xfrm>
           <a:prstGeom prst="ellipse">
             <a:avLst/>
@@ -13561,7 +13549,7 @@
           <a:lstStyle/>
           <a:p>
             <a:pPr algn="ctr"/>
-            <a:endParaRPr lang="zh-CN" altLang="en-US"/>
+            <a:endParaRPr lang="zh-CN" altLang="en-US" sz="2600"/>
           </a:p>
         </p:txBody>
       </p:sp>
@@ -13573,8 +13561,8 @@
         </p:nvSpPr>
         <p:spPr>
           <a:xfrm>
-            <a:off x="2460517" y="1365354"/>
-            <a:ext cx="338554" cy="617658"/>
+            <a:off x="4377285" y="1535860"/>
+            <a:ext cx="406906" cy="892173"/>
           </a:xfrm>
           <a:prstGeom prst="rect">
             <a:avLst/>
@@ -13588,7 +13576,7 @@
           <a:lstStyle/>
           <a:p>
             <a:r>
-              <a:rPr lang="zh-CN" altLang="en-US" sz="1000" dirty="0"/>
+              <a:rPr lang="zh-CN" altLang="en-US" sz="1444" dirty="0"/>
               <a:t>系统校准</a:t>
             </a:r>
           </a:p>
@@ -13602,8 +13590,8 @@
         </p:nvSpPr>
         <p:spPr>
           <a:xfrm>
-            <a:off x="1523584" y="659129"/>
-            <a:ext cx="432048" cy="271527"/>
+            <a:off x="2941821" y="515758"/>
+            <a:ext cx="624069" cy="392206"/>
           </a:xfrm>
           <a:prstGeom prst="roundRect">
             <a:avLst/>
@@ -13638,7 +13626,7 @@
           <a:lstStyle/>
           <a:p>
             <a:pPr algn="ctr"/>
-            <a:endParaRPr lang="zh-CN" altLang="en-US"/>
+            <a:endParaRPr lang="zh-CN" altLang="en-US" sz="2600"/>
           </a:p>
         </p:txBody>
       </p:sp>
@@ -13650,8 +13638,8 @@
         </p:nvSpPr>
         <p:spPr>
           <a:xfrm>
-            <a:off x="1652574" y="718692"/>
-            <a:ext cx="174068" cy="152400"/>
+            <a:off x="3128139" y="601793"/>
+            <a:ext cx="251432" cy="220133"/>
           </a:xfrm>
           <a:prstGeom prst="ellipse">
             <a:avLst/>
@@ -13684,7 +13672,7 @@
           <a:lstStyle/>
           <a:p>
             <a:pPr algn="ctr"/>
-            <a:endParaRPr lang="zh-CN" altLang="en-US"/>
+            <a:endParaRPr lang="zh-CN" altLang="en-US" sz="2600"/>
           </a:p>
         </p:txBody>
       </p:sp>
@@ -13696,8 +13684,8 @@
         </p:nvSpPr>
         <p:spPr>
           <a:xfrm>
-            <a:off x="1780922" y="587121"/>
-            <a:ext cx="102702" cy="72008"/>
+            <a:off x="3313531" y="411745"/>
+            <a:ext cx="148347" cy="104012"/>
           </a:xfrm>
           <a:prstGeom prst="rect">
             <a:avLst/>
@@ -13730,7 +13718,7 @@
           <a:lstStyle/>
           <a:p>
             <a:pPr algn="ctr"/>
-            <a:endParaRPr lang="zh-CN" altLang="en-US"/>
+            <a:endParaRPr lang="zh-CN" altLang="en-US" sz="2600"/>
           </a:p>
         </p:txBody>
       </p:sp>
@@ -13742,8 +13730,8 @@
         </p:nvSpPr>
         <p:spPr>
           <a:xfrm rot="10800000">
-            <a:off x="-175121" y="714419"/>
-            <a:ext cx="1080120" cy="541815"/>
+            <a:off x="488136" y="595621"/>
+            <a:ext cx="1560173" cy="782622"/>
           </a:xfrm>
           <a:prstGeom prst="flowChartInputOutput">
             <a:avLst/>
@@ -13778,7 +13766,7 @@
           <a:lstStyle/>
           <a:p>
             <a:pPr algn="ctr"/>
-            <a:endParaRPr lang="zh-CN" altLang="en-US"/>
+            <a:endParaRPr lang="zh-CN" altLang="en-US" sz="2600"/>
           </a:p>
         </p:txBody>
       </p:sp>
@@ -13790,8 +13778,8 @@
         </p:nvSpPr>
         <p:spPr>
           <a:xfrm>
-            <a:off x="-9401" y="839281"/>
-            <a:ext cx="831538" cy="54006"/>
+            <a:off x="727509" y="775977"/>
+            <a:ext cx="1201110" cy="78009"/>
           </a:xfrm>
           <a:prstGeom prst="rect">
             <a:avLst/>
@@ -13826,7 +13814,7 @@
           <a:lstStyle/>
           <a:p>
             <a:pPr algn="ctr"/>
-            <a:endParaRPr lang="zh-CN" altLang="en-US"/>
+            <a:endParaRPr lang="zh-CN" altLang="en-US" sz="2600"/>
           </a:p>
         </p:txBody>
       </p:sp>
@@ -13838,8 +13826,8 @@
         </p:nvSpPr>
         <p:spPr>
           <a:xfrm>
-            <a:off x="-50831" y="975884"/>
-            <a:ext cx="831538" cy="54006"/>
+            <a:off x="667666" y="973292"/>
+            <a:ext cx="1201110" cy="78009"/>
           </a:xfrm>
           <a:prstGeom prst="rect">
             <a:avLst/>
@@ -13874,7 +13862,7 @@
           <a:lstStyle/>
           <a:p>
             <a:pPr algn="ctr"/>
-            <a:endParaRPr lang="zh-CN" altLang="en-US"/>
+            <a:endParaRPr lang="zh-CN" altLang="en-US" sz="2600"/>
           </a:p>
         </p:txBody>
       </p:sp>
@@ -13886,8 +13874,8 @@
         </p:nvSpPr>
         <p:spPr>
           <a:xfrm>
-            <a:off x="-120370" y="1099693"/>
-            <a:ext cx="831538" cy="54006"/>
+            <a:off x="567220" y="1152127"/>
+            <a:ext cx="1201110" cy="78009"/>
           </a:xfrm>
           <a:prstGeom prst="rect">
             <a:avLst/>
@@ -13922,7 +13910,7 @@
           <a:lstStyle/>
           <a:p>
             <a:pPr algn="ctr"/>
-            <a:endParaRPr lang="zh-CN" altLang="en-US"/>
+            <a:endParaRPr lang="zh-CN" altLang="en-US" sz="2600"/>
           </a:p>
         </p:txBody>
       </p:sp>
@@ -13934,8 +13922,8 @@
         </p:nvSpPr>
         <p:spPr>
           <a:xfrm>
-            <a:off x="-324446" y="417610"/>
-            <a:ext cx="3407967" cy="2666674"/>
+            <a:off x="272444" y="166897"/>
+            <a:ext cx="4922619" cy="3851862"/>
           </a:xfrm>
           <a:prstGeom prst="rect">
             <a:avLst/>
@@ -13969,7 +13957,7 @@
           <a:lstStyle/>
           <a:p>
             <a:pPr algn="ctr"/>
-            <a:endParaRPr lang="zh-CN" altLang="en-US"/>
+            <a:endParaRPr lang="zh-CN" altLang="en-US" sz="2600"/>
           </a:p>
         </p:txBody>
       </p:sp>
@@ -13981,8 +13969,8 @@
         </p:nvSpPr>
         <p:spPr>
           <a:xfrm>
-            <a:off x="562763" y="2526511"/>
-            <a:ext cx="797088" cy="246221"/>
+            <a:off x="1553968" y="3213088"/>
+            <a:ext cx="1151349" cy="314573"/>
           </a:xfrm>
           <a:prstGeom prst="rect">
             <a:avLst/>
@@ -13996,7 +13984,7 @@
           <a:lstStyle/>
           <a:p>
             <a:r>
-              <a:rPr lang="zh-CN" altLang="en-US" sz="1000" dirty="0"/>
+              <a:rPr lang="zh-CN" altLang="en-US" sz="1444" dirty="0"/>
               <a:t>投影仪</a:t>
             </a:r>
           </a:p>
@@ -14010,8 +13998,8 @@
         </p:nvSpPr>
         <p:spPr>
           <a:xfrm>
-            <a:off x="1189883" y="396272"/>
-            <a:ext cx="797088" cy="246221"/>
+            <a:off x="2459808" y="136076"/>
+            <a:ext cx="1151349" cy="314573"/>
           </a:xfrm>
           <a:prstGeom prst="rect">
             <a:avLst/>
@@ -14025,7 +14013,7 @@
           <a:lstStyle/>
           <a:p>
             <a:r>
-              <a:rPr lang="zh-CN" altLang="en-US" sz="1000" dirty="0"/>
+              <a:rPr lang="zh-CN" altLang="en-US" sz="1444" dirty="0"/>
               <a:t>相机</a:t>
             </a:r>
           </a:p>
@@ -14039,8 +14027,8 @@
         </p:nvSpPr>
         <p:spPr>
           <a:xfrm>
-            <a:off x="-328348" y="1357083"/>
-            <a:ext cx="1171512" cy="246221"/>
+            <a:off x="266808" y="1523914"/>
+            <a:ext cx="1692184" cy="314573"/>
           </a:xfrm>
           <a:prstGeom prst="rect">
             <a:avLst/>
@@ -14054,7 +14042,7 @@
           <a:lstStyle/>
           <a:p>
             <a:r>
-              <a:rPr lang="zh-CN" altLang="en-US" sz="1000" dirty="0"/>
+              <a:rPr lang="zh-CN" altLang="en-US" sz="1444" dirty="0"/>
               <a:t>平移台</a:t>
             </a:r>
           </a:p>
@@ -14068,8 +14056,8 @@
         </p:nvSpPr>
         <p:spPr>
           <a:xfrm>
-            <a:off x="103457" y="458598"/>
-            <a:ext cx="923486" cy="246221"/>
+            <a:off x="890526" y="226102"/>
+            <a:ext cx="1333924" cy="314573"/>
           </a:xfrm>
           <a:prstGeom prst="rect">
             <a:avLst/>
@@ -14083,7 +14071,7 @@
           <a:lstStyle/>
           <a:p>
             <a:r>
-              <a:rPr lang="zh-CN" altLang="en-US" sz="1000" dirty="0"/>
+              <a:rPr lang="zh-CN" altLang="en-US" sz="1444" dirty="0"/>
               <a:t>校准平面</a:t>
             </a:r>
           </a:p>
@@ -14096,9 +14084,9 @@
           <p:nvPr/>
         </p:nvSpPr>
         <p:spPr>
-          <a:xfrm>
-            <a:off x="6991713" y="1788904"/>
-            <a:ext cx="277115" cy="253634"/>
+          <a:xfrm rot="5400000">
+            <a:off x="7020990" y="9243437"/>
+            <a:ext cx="400277" cy="366360"/>
           </a:xfrm>
           <a:prstGeom prst="rightArrow">
             <a:avLst/>
@@ -14133,7 +14121,7 @@
           <a:lstStyle/>
           <a:p>
             <a:pPr algn="ctr"/>
-            <a:endParaRPr lang="zh-CN" altLang="en-US"/>
+            <a:endParaRPr lang="zh-CN" altLang="en-US" sz="2600"/>
           </a:p>
         </p:txBody>
       </p:sp>
@@ -14145,8 +14133,8 @@
         </p:nvSpPr>
         <p:spPr>
           <a:xfrm>
-            <a:off x="3141064" y="1601281"/>
-            <a:ext cx="277115" cy="253634"/>
+            <a:off x="5338261" y="6060472"/>
+            <a:ext cx="400277" cy="366360"/>
           </a:xfrm>
           <a:prstGeom prst="rightArrow">
             <a:avLst/>
@@ -14181,7 +14169,7 @@
           <a:lstStyle/>
           <a:p>
             <a:pPr algn="ctr"/>
-            <a:endParaRPr lang="zh-CN" altLang="en-US"/>
+            <a:endParaRPr lang="zh-CN" altLang="en-US" sz="2600"/>
           </a:p>
         </p:txBody>
       </p:sp>
@@ -14192,9 +14180,9 @@
           <p:nvPr/>
         </p:nvSpPr>
         <p:spPr>
-          <a:xfrm rot="5400000">
-            <a:off x="8158655" y="3891684"/>
-            <a:ext cx="277115" cy="253634"/>
+          <a:xfrm rot="10800000">
+            <a:off x="5551199" y="10259396"/>
+            <a:ext cx="400277" cy="366360"/>
           </a:xfrm>
           <a:prstGeom prst="rightArrow">
             <a:avLst/>
@@ -14229,20 +14217,20 @@
           <a:lstStyle/>
           <a:p>
             <a:pPr algn="ctr"/>
-            <a:endParaRPr lang="zh-CN" altLang="en-US"/>
-          </a:p>
-        </p:txBody>
-      </p:sp>
-      <p:sp>
-        <p:nvSpPr>
-          <p:cNvPr id="105" name="右箭头 104"/>
+            <a:endParaRPr lang="zh-CN" altLang="en-US" sz="2600"/>
+          </a:p>
+        </p:txBody>
+      </p:sp>
+      <p:sp>
+        <p:nvSpPr>
+          <p:cNvPr id="106" name="右箭头 105"/>
           <p:cNvSpPr/>
           <p:nvPr/>
         </p:nvSpPr>
         <p:spPr>
           <a:xfrm rot="10800000">
-            <a:off x="7171808" y="4487297"/>
-            <a:ext cx="277115" cy="253634"/>
+            <a:off x="3205371" y="10228093"/>
+            <a:ext cx="400277" cy="366360"/>
           </a:xfrm>
           <a:prstGeom prst="rightArrow">
             <a:avLst/>
@@ -14277,20 +14265,20 @@
           <a:lstStyle/>
           <a:p>
             <a:pPr algn="ctr"/>
-            <a:endParaRPr lang="zh-CN" altLang="en-US"/>
-          </a:p>
-        </p:txBody>
-      </p:sp>
-      <p:sp>
-        <p:nvSpPr>
-          <p:cNvPr id="106" name="右箭头 105"/>
+            <a:endParaRPr lang="zh-CN" altLang="en-US" sz="2600"/>
+          </a:p>
+        </p:txBody>
+      </p:sp>
+      <p:sp>
+        <p:nvSpPr>
+          <p:cNvPr id="109" name="右箭头 108"/>
           <p:cNvSpPr/>
           <p:nvPr/>
         </p:nvSpPr>
         <p:spPr>
-          <a:xfrm rot="10800000">
-            <a:off x="5709634" y="4428385"/>
-            <a:ext cx="277115" cy="253634"/>
+          <a:xfrm rot="5400000">
+            <a:off x="4175048" y="6944745"/>
+            <a:ext cx="728082" cy="366360"/>
           </a:xfrm>
           <a:prstGeom prst="rightArrow">
             <a:avLst/>
@@ -14325,20 +14313,26 @@
           <a:lstStyle/>
           <a:p>
             <a:pPr algn="ctr"/>
-            <a:endParaRPr lang="zh-CN" altLang="en-US"/>
-          </a:p>
-        </p:txBody>
-      </p:sp>
-      <p:sp>
-        <p:nvSpPr>
-          <p:cNvPr id="107" name="右箭头 106"/>
+            <a:endParaRPr lang="zh-CN" altLang="en-US" sz="2600"/>
+          </a:p>
+        </p:txBody>
+      </p:sp>
+      <p:sp>
+        <p:nvSpPr>
+          <p:cNvPr id="95" name="右箭头 105">
+            <a:extLst>
+              <a:ext uri="{FF2B5EF4-FFF2-40B4-BE49-F238E27FC236}">
+                <a16:creationId xmlns:a16="http://schemas.microsoft.com/office/drawing/2014/main" id="{F5ACDC6F-90FC-4C95-A37F-E8E0A2FD883A}"/>
+              </a:ext>
+            </a:extLst>
+          </p:cNvPr>
           <p:cNvSpPr/>
           <p:nvPr/>
         </p:nvSpPr>
         <p:spPr>
           <a:xfrm rot="10800000">
-            <a:off x="4167084" y="4484844"/>
-            <a:ext cx="277115" cy="253634"/>
+            <a:off x="1056305" y="10151565"/>
+            <a:ext cx="400277" cy="366360"/>
           </a:xfrm>
           <a:prstGeom prst="rightArrow">
             <a:avLst/>
@@ -14373,55 +14367,88 @@
           <a:lstStyle/>
           <a:p>
             <a:pPr algn="ctr"/>
-            <a:endParaRPr lang="zh-CN" altLang="en-US"/>
-          </a:p>
-        </p:txBody>
-      </p:sp>
-      <p:sp>
-        <p:nvSpPr>
-          <p:cNvPr id="109" name="右箭头 108"/>
-          <p:cNvSpPr/>
-          <p:nvPr/>
-        </p:nvSpPr>
-        <p:spPr>
-          <a:xfrm rot="5400000">
-            <a:off x="2745867" y="3510068"/>
-            <a:ext cx="504057" cy="253634"/>
-          </a:xfrm>
-          <a:prstGeom prst="rightArrow">
-            <a:avLst/>
-          </a:prstGeom>
-          <a:solidFill>
-            <a:schemeClr val="bg1"/>
-          </a:solidFill>
-          <a:ln>
-            <a:solidFill>
-              <a:schemeClr val="tx1"/>
-            </a:solidFill>
-          </a:ln>
-        </p:spPr>
-        <p:style>
-          <a:lnRef idx="2">
-            <a:schemeClr val="accent1">
-              <a:shade val="50000"/>
-            </a:schemeClr>
-          </a:lnRef>
-          <a:fillRef idx="1">
-            <a:schemeClr val="accent1"/>
-          </a:fillRef>
-          <a:effectRef idx="0">
-            <a:schemeClr val="accent1"/>
-          </a:effectRef>
-          <a:fontRef idx="minor">
-            <a:schemeClr val="lt1"/>
-          </a:fontRef>
-        </p:style>
-        <p:txBody>
-          <a:bodyPr rtlCol="0" anchor="ctr"/>
-          <a:lstStyle/>
-          <a:p>
-            <a:pPr algn="ctr"/>
-            <a:endParaRPr lang="zh-CN" altLang="en-US"/>
+            <a:endParaRPr lang="zh-CN" altLang="en-US" sz="2600"/>
+          </a:p>
+        </p:txBody>
+      </p:sp>
+      <p:cxnSp>
+        <p:nvCxnSpPr>
+          <p:cNvPr id="2058" name="连接符: 肘形 2057">
+            <a:extLst>
+              <a:ext uri="{FF2B5EF4-FFF2-40B4-BE49-F238E27FC236}">
+                <a16:creationId xmlns:a16="http://schemas.microsoft.com/office/drawing/2014/main" id="{D510B40A-C51E-455C-9B2B-64921EE8695D}"/>
+              </a:ext>
+            </a:extLst>
+          </p:cNvPr>
+          <p:cNvCxnSpPr>
+            <a:cxnSpLocks/>
+            <a:stCxn id="92" idx="1"/>
+          </p:cNvCxnSpPr>
+          <p:nvPr/>
+        </p:nvCxnSpPr>
+        <p:spPr>
+          <a:xfrm rot="10800000" flipV="1">
+            <a:off x="-521602" y="1681201"/>
+            <a:ext cx="788411" cy="8152336"/>
+          </a:xfrm>
+          <a:prstGeom prst="bentConnector2">
+            <a:avLst/>
+          </a:prstGeom>
+          <a:ln w="76200">
+            <a:solidFill>
+              <a:schemeClr val="tx1"/>
+            </a:solidFill>
+            <a:prstDash val="sysDash"/>
+            <a:tailEnd type="triangle"/>
+          </a:ln>
+        </p:spPr>
+        <p:style>
+          <a:lnRef idx="1">
+            <a:schemeClr val="accent1"/>
+          </a:lnRef>
+          <a:fillRef idx="0">
+            <a:schemeClr val="accent1"/>
+          </a:fillRef>
+          <a:effectRef idx="0">
+            <a:schemeClr val="accent1"/>
+          </a:effectRef>
+          <a:fontRef idx="minor">
+            <a:schemeClr val="tx1"/>
+          </a:fontRef>
+        </p:style>
+      </p:cxnSp>
+      <p:sp>
+        <p:nvSpPr>
+          <p:cNvPr id="2060" name="文本框 2059">
+            <a:extLst>
+              <a:ext uri="{FF2B5EF4-FFF2-40B4-BE49-F238E27FC236}">
+                <a16:creationId xmlns:a16="http://schemas.microsoft.com/office/drawing/2014/main" id="{4EB76A7D-B736-4B67-B3C2-994A78E438E8}"/>
+              </a:ext>
+            </a:extLst>
+          </p:cNvPr>
+          <p:cNvSpPr txBox="1"/>
+          <p:nvPr/>
+        </p:nvSpPr>
+        <p:spPr>
+          <a:xfrm>
+            <a:off x="-436210" y="3734115"/>
+            <a:ext cx="425706" cy="1754326"/>
+          </a:xfrm>
+          <a:prstGeom prst="rect">
+            <a:avLst/>
+          </a:prstGeom>
+          <a:noFill/>
+        </p:spPr>
+        <p:txBody>
+          <a:bodyPr wrap="square" rtlCol="0">
+            <a:spAutoFit/>
+          </a:bodyPr>
+          <a:lstStyle/>
+          <a:p>
+            <a:r>
+              <a:rPr lang="zh-CN" altLang="en-US" dirty="0"/>
+              <a:t>相位高度关系</a:t>
+            </a:r>
           </a:p>
         </p:txBody>
       </p:sp>
@@ -14463,8 +14490,8 @@
         </p:nvSpPr>
         <p:spPr>
           <a:xfrm>
-            <a:off x="2338689" y="2097578"/>
-            <a:ext cx="720080" cy="288032"/>
+            <a:off x="203106" y="3029835"/>
+            <a:ext cx="1040116" cy="416046"/>
           </a:xfrm>
           <a:prstGeom prst="flowChartAlternateProcess">
             <a:avLst/>
@@ -14500,7 +14527,7 @@
           <a:p>
             <a:pPr algn="ctr"/>
             <a:r>
-              <a:rPr lang="zh-CN" altLang="en-US" sz="900" dirty="0">
+              <a:rPr lang="zh-CN" altLang="en-US" sz="1300" dirty="0">
                 <a:solidFill>
                   <a:schemeClr val="tx1"/>
                 </a:solidFill>
@@ -14518,8 +14545,8 @@
         </p:nvSpPr>
         <p:spPr>
           <a:xfrm>
-            <a:off x="3491880" y="1138836"/>
-            <a:ext cx="720080" cy="288032"/>
+            <a:off x="1868826" y="1644985"/>
+            <a:ext cx="1040116" cy="416046"/>
           </a:xfrm>
           <a:prstGeom prst="flowChartAlternateProcess">
             <a:avLst/>
@@ -14555,7 +14582,7 @@
           <a:p>
             <a:pPr algn="ctr"/>
             <a:r>
-              <a:rPr lang="zh-CN" altLang="en-US" sz="900" dirty="0">
+              <a:rPr lang="zh-CN" altLang="en-US" sz="1300" dirty="0">
                 <a:solidFill>
                   <a:schemeClr val="tx1"/>
                 </a:solidFill>
@@ -14573,8 +14600,8 @@
         </p:nvSpPr>
         <p:spPr>
           <a:xfrm>
-            <a:off x="3491880" y="1646397"/>
-            <a:ext cx="720080" cy="288032"/>
+            <a:off x="1868826" y="2378129"/>
+            <a:ext cx="1040116" cy="416046"/>
           </a:xfrm>
           <a:prstGeom prst="flowChartAlternateProcess">
             <a:avLst/>
@@ -14610,14 +14637,14 @@
           <a:p>
             <a:pPr algn="ctr"/>
             <a:r>
-              <a:rPr lang="zh-CN" altLang="en-US" sz="900" dirty="0">
+              <a:rPr lang="zh-CN" altLang="en-US" sz="1300" dirty="0">
                 <a:solidFill>
                   <a:schemeClr val="tx1"/>
                 </a:solidFill>
               </a:rPr>
               <a:t>数字相移</a:t>
             </a:r>
-            <a:endParaRPr lang="en-US" altLang="zh-CN" sz="900" dirty="0">
+            <a:endParaRPr lang="en-US" altLang="zh-CN" sz="1300" dirty="0">
               <a:solidFill>
                 <a:schemeClr val="tx1"/>
               </a:solidFill>
@@ -14633,8 +14660,8 @@
         </p:nvSpPr>
         <p:spPr>
           <a:xfrm>
-            <a:off x="2428169" y="1139839"/>
-            <a:ext cx="648072" cy="286027"/>
+            <a:off x="332355" y="1646435"/>
+            <a:ext cx="936104" cy="413150"/>
           </a:xfrm>
           <a:prstGeom prst="flowChartMultidocument">
             <a:avLst/>
@@ -14667,7 +14694,7 @@
           <a:lstStyle/>
           <a:p>
             <a:pPr algn="ctr"/>
-            <a:endParaRPr lang="zh-CN" altLang="en-US"/>
+            <a:endParaRPr lang="zh-CN" altLang="en-US" sz="2600"/>
           </a:p>
         </p:txBody>
       </p:sp>
@@ -14679,8 +14706,8 @@
         </p:nvSpPr>
         <p:spPr>
           <a:xfrm>
-            <a:off x="2428169" y="1237133"/>
-            <a:ext cx="541122" cy="45719"/>
+            <a:off x="332355" y="1786970"/>
+            <a:ext cx="781621" cy="66039"/>
           </a:xfrm>
           <a:prstGeom prst="rect">
             <a:avLst/>
@@ -14715,7 +14742,7 @@
           <a:lstStyle/>
           <a:p>
             <a:pPr algn="ctr"/>
-            <a:endParaRPr lang="zh-CN" altLang="en-US">
+            <a:endParaRPr lang="zh-CN" altLang="en-US" sz="2600">
               <a:solidFill>
                 <a:schemeClr val="tx1"/>
               </a:solidFill>
@@ -14731,8 +14758,8 @@
         </p:nvSpPr>
         <p:spPr>
           <a:xfrm>
-            <a:off x="2428169" y="1361249"/>
-            <a:ext cx="541122" cy="45719"/>
+            <a:off x="332355" y="1966249"/>
+            <a:ext cx="781621" cy="66039"/>
           </a:xfrm>
           <a:prstGeom prst="rect">
             <a:avLst/>
@@ -14767,7 +14794,7 @@
           <a:lstStyle/>
           <a:p>
             <a:pPr algn="ctr"/>
-            <a:endParaRPr lang="zh-CN" altLang="en-US">
+            <a:endParaRPr lang="zh-CN" altLang="en-US" sz="2600">
               <a:solidFill>
                 <a:schemeClr val="tx1"/>
               </a:solidFill>
@@ -14783,8 +14810,8 @@
         </p:nvSpPr>
         <p:spPr>
           <a:xfrm>
-            <a:off x="2085600" y="836712"/>
-            <a:ext cx="1333210" cy="230832"/>
+            <a:off x="-162467" y="1208585"/>
+            <a:ext cx="1925748" cy="292388"/>
           </a:xfrm>
           <a:prstGeom prst="rect">
             <a:avLst/>
@@ -14798,7 +14825,7 @@
           <a:lstStyle/>
           <a:p>
             <a:r>
-              <a:rPr lang="zh-CN" altLang="en-US" sz="900" dirty="0"/>
+              <a:rPr lang="zh-CN" altLang="en-US" sz="1300" dirty="0"/>
               <a:t>不同频率的条文图样</a:t>
             </a:r>
           </a:p>
@@ -14812,8 +14839,8 @@
         </p:nvSpPr>
         <p:spPr>
           <a:xfrm>
-            <a:off x="4394484" y="1138836"/>
-            <a:ext cx="720080" cy="288032"/>
+            <a:off x="3172588" y="1644985"/>
+            <a:ext cx="1040116" cy="416046"/>
           </a:xfrm>
           <a:prstGeom prst="flowChartAlternateProcess">
             <a:avLst/>
@@ -14849,7 +14876,7 @@
           <a:p>
             <a:pPr algn="ctr"/>
             <a:r>
-              <a:rPr lang="zh-CN" altLang="en-US" sz="900" dirty="0">
+              <a:rPr lang="zh-CN" altLang="en-US" sz="1300" dirty="0">
                 <a:solidFill>
                   <a:schemeClr val="tx1"/>
                 </a:solidFill>
@@ -14867,8 +14894,8 @@
         </p:nvSpPr>
         <p:spPr>
           <a:xfrm>
-            <a:off x="4394484" y="1674205"/>
-            <a:ext cx="720080" cy="288032"/>
+            <a:off x="3172588" y="2418296"/>
+            <a:ext cx="1040116" cy="416046"/>
           </a:xfrm>
           <a:prstGeom prst="flowChartAlternateProcess">
             <a:avLst/>
@@ -14904,7 +14931,7 @@
           <a:p>
             <a:pPr algn="ctr"/>
             <a:r>
-              <a:rPr lang="zh-CN" altLang="en-US" sz="900" dirty="0">
+              <a:rPr lang="zh-CN" altLang="en-US" sz="1300" dirty="0">
                 <a:solidFill>
                   <a:schemeClr val="tx1"/>
                 </a:solidFill>
@@ -14922,8 +14949,8 @@
         </p:nvSpPr>
         <p:spPr>
           <a:xfrm>
-            <a:off x="3491880" y="2276872"/>
-            <a:ext cx="720080" cy="288032"/>
+            <a:off x="1868826" y="3288815"/>
+            <a:ext cx="1040116" cy="416046"/>
           </a:xfrm>
           <a:prstGeom prst="flowChartAlternateProcess">
             <a:avLst/>
@@ -14959,7 +14986,7 @@
           <a:p>
             <a:pPr algn="ctr"/>
             <a:r>
-              <a:rPr lang="zh-CN" altLang="en-US" sz="900" dirty="0">
+              <a:rPr lang="zh-CN" altLang="en-US" sz="1300" dirty="0">
                 <a:solidFill>
                   <a:schemeClr val="tx1"/>
                 </a:solidFill>
@@ -14977,8 +15004,8 @@
         </p:nvSpPr>
         <p:spPr>
           <a:xfrm>
-            <a:off x="3578269" y="393132"/>
-            <a:ext cx="475402" cy="443580"/>
+            <a:off x="1993611" y="567857"/>
+            <a:ext cx="686692" cy="640727"/>
           </a:xfrm>
           <a:prstGeom prst="flowChartMagneticDisk">
             <a:avLst/>
@@ -15013,7 +15040,7 @@
           <a:lstStyle/>
           <a:p>
             <a:pPr algn="ctr"/>
-            <a:endParaRPr lang="zh-CN" altLang="en-US"/>
+            <a:endParaRPr lang="zh-CN" altLang="en-US" sz="2600"/>
           </a:p>
         </p:txBody>
       </p:sp>
@@ -15025,8 +15052,8 @@
         </p:nvSpPr>
         <p:spPr>
           <a:xfrm>
-            <a:off x="3522485" y="116632"/>
-            <a:ext cx="720080" cy="230832"/>
+            <a:off x="1913034" y="168469"/>
+            <a:ext cx="1040116" cy="292388"/>
           </a:xfrm>
           <a:prstGeom prst="rect">
             <a:avLst/>
@@ -15040,7 +15067,7 @@
           <a:lstStyle/>
           <a:p>
             <a:r>
-              <a:rPr lang="zh-CN" altLang="en-US" sz="900" dirty="0"/>
+              <a:rPr lang="zh-CN" altLang="en-US" sz="1300" dirty="0"/>
               <a:t>被测物体</a:t>
             </a:r>
           </a:p>
@@ -15054,8 +15081,8 @@
         </p:nvSpPr>
         <p:spPr>
           <a:xfrm>
-            <a:off x="4516823" y="2420888"/>
-            <a:ext cx="475402" cy="443580"/>
+            <a:off x="3349300" y="3496838"/>
+            <a:ext cx="686692" cy="640727"/>
           </a:xfrm>
           <a:prstGeom prst="flowChartMagneticDisk">
             <a:avLst/>
@@ -15091,7 +15118,7 @@
           <a:lstStyle/>
           <a:p>
             <a:pPr algn="ctr"/>
-            <a:endParaRPr lang="zh-CN" altLang="en-US"/>
+            <a:endParaRPr lang="zh-CN" altLang="en-US" sz="2600"/>
           </a:p>
         </p:txBody>
       </p:sp>
@@ -15103,8 +15130,8 @@
         </p:nvSpPr>
         <p:spPr>
           <a:xfrm>
-            <a:off x="4411624" y="2161456"/>
-            <a:ext cx="952464" cy="230832"/>
+            <a:off x="3197346" y="3122104"/>
+            <a:ext cx="1375781" cy="292388"/>
           </a:xfrm>
           <a:prstGeom prst="rect">
             <a:avLst/>
@@ -15118,7 +15145,7 @@
           <a:lstStyle/>
           <a:p>
             <a:r>
-              <a:rPr lang="zh-CN" altLang="en-US" sz="900" dirty="0"/>
+              <a:rPr lang="zh-CN" altLang="en-US" sz="1300" dirty="0"/>
               <a:t>绝对三维模型</a:t>
             </a:r>
           </a:p>
@@ -15135,8 +15162,8 @@
         </p:nvCxnSpPr>
         <p:spPr>
           <a:xfrm flipV="1">
-            <a:off x="3076241" y="1282852"/>
-            <a:ext cx="415639" cy="1"/>
+            <a:off x="1268460" y="1853009"/>
+            <a:ext cx="600367" cy="1"/>
           </a:xfrm>
           <a:prstGeom prst="straightConnector1">
             <a:avLst/>
@@ -15174,8 +15201,8 @@
         </p:nvCxnSpPr>
         <p:spPr>
           <a:xfrm rot="5400000">
-            <a:off x="2353425" y="1752273"/>
-            <a:ext cx="690610" cy="1"/>
+            <a:off x="224392" y="2531062"/>
+            <a:ext cx="997548" cy="1"/>
           </a:xfrm>
           <a:prstGeom prst="bentConnector3">
             <a:avLst/>
@@ -15213,8 +15240,8 @@
         </p:nvCxnSpPr>
         <p:spPr>
           <a:xfrm>
-            <a:off x="3058769" y="2241594"/>
-            <a:ext cx="433111" cy="179294"/>
+            <a:off x="1243223" y="3237858"/>
+            <a:ext cx="625605" cy="258980"/>
           </a:xfrm>
           <a:prstGeom prst="bentConnector3">
             <a:avLst/>
@@ -15249,8 +15276,8 @@
         </p:nvCxnSpPr>
         <p:spPr>
           <a:xfrm rot="5400000">
-            <a:off x="3947253" y="1290309"/>
-            <a:ext cx="135341" cy="1479200"/>
+            <a:off x="2526588" y="1863780"/>
+            <a:ext cx="195493" cy="2136622"/>
           </a:xfrm>
           <a:prstGeom prst="bentConnector2">
             <a:avLst/>
@@ -15284,8 +15311,8 @@
         </p:nvCxnSpPr>
         <p:spPr>
           <a:xfrm>
-            <a:off x="3275324" y="2097578"/>
-            <a:ext cx="0" cy="144016"/>
+            <a:off x="1556024" y="3029835"/>
+            <a:ext cx="0" cy="208023"/>
           </a:xfrm>
           <a:prstGeom prst="line">
             <a:avLst/>
@@ -15322,8 +15349,8 @@
         </p:nvCxnSpPr>
         <p:spPr>
           <a:xfrm>
-            <a:off x="3851920" y="1426868"/>
-            <a:ext cx="0" cy="219529"/>
+            <a:off x="2388884" y="2061033"/>
+            <a:ext cx="0" cy="317097"/>
           </a:xfrm>
           <a:prstGeom prst="straightConnector1">
             <a:avLst/>
@@ -15361,8 +15388,8 @@
         </p:nvCxnSpPr>
         <p:spPr>
           <a:xfrm flipV="1">
-            <a:off x="4211960" y="1282852"/>
-            <a:ext cx="182524" cy="507561"/>
+            <a:off x="2908942" y="1853009"/>
+            <a:ext cx="263646" cy="733144"/>
           </a:xfrm>
           <a:prstGeom prst="bentConnector3">
             <a:avLst/>
@@ -15400,8 +15427,8 @@
         </p:nvCxnSpPr>
         <p:spPr>
           <a:xfrm>
-            <a:off x="4754524" y="1426868"/>
-            <a:ext cx="0" cy="247337"/>
+            <a:off x="3692646" y="2061032"/>
+            <a:ext cx="0" cy="357265"/>
           </a:xfrm>
           <a:prstGeom prst="straightConnector1">
             <a:avLst/>
@@ -15438,8 +15465,8 @@
         </p:nvCxnSpPr>
         <p:spPr>
           <a:xfrm>
-            <a:off x="4211960" y="2420888"/>
-            <a:ext cx="199664" cy="0"/>
+            <a:off x="2908942" y="3496838"/>
+            <a:ext cx="288404" cy="0"/>
           </a:xfrm>
           <a:prstGeom prst="straightConnector1">
             <a:avLst/>
@@ -15474,8 +15501,8 @@
         </p:nvCxnSpPr>
         <p:spPr>
           <a:xfrm>
-            <a:off x="3854587" y="953131"/>
-            <a:ext cx="0" cy="186708"/>
+            <a:off x="2392737" y="1376745"/>
+            <a:ext cx="0" cy="269689"/>
           </a:xfrm>
           <a:prstGeom prst="straightConnector1">
             <a:avLst/>
@@ -15540,8 +15567,8 @@
         </p:nvSpPr>
         <p:spPr>
           <a:xfrm>
-            <a:off x="4453217" y="3244334"/>
-            <a:ext cx="237566" cy="369332"/>
+            <a:off x="3257425" y="4686261"/>
+            <a:ext cx="260008" cy="492443"/>
           </a:xfrm>
           <a:prstGeom prst="rect">
             <a:avLst/>
@@ -15554,7 +15581,7 @@
           <a:lstStyle/>
           <a:p>
             <a:r>
-              <a:rPr lang="zh-CN" altLang="en-US" dirty="0"/>
+              <a:rPr lang="zh-CN" altLang="en-US" sz="2600" dirty="0"/>
               <a:t> </a:t>
             </a:r>
           </a:p>
@@ -15568,8 +15595,8 @@
         </p:nvSpPr>
         <p:spPr>
           <a:xfrm>
-            <a:off x="4453217" y="3244334"/>
-            <a:ext cx="237566" cy="369332"/>
+            <a:off x="3257425" y="4686261"/>
+            <a:ext cx="260008" cy="492443"/>
           </a:xfrm>
           <a:prstGeom prst="rect">
             <a:avLst/>
@@ -15582,7 +15609,7 @@
           <a:lstStyle/>
           <a:p>
             <a:r>
-              <a:rPr lang="zh-CN" altLang="en-US" dirty="0"/>
+              <a:rPr lang="zh-CN" altLang="en-US" sz="2600" dirty="0"/>
               <a:t> </a:t>
             </a:r>
           </a:p>
@@ -15610,8 +15637,8 @@
         </p:blipFill>
         <p:spPr>
           <a:xfrm>
-            <a:off x="0" y="0"/>
-            <a:ext cx="9144000" cy="6858000"/>
+            <a:off x="-3175000" y="0"/>
+            <a:ext cx="13208000" cy="9906000"/>
           </a:xfrm>
           <a:prstGeom prst="rect">
             <a:avLst/>
@@ -15656,8 +15683,8 @@
         </p:nvSpPr>
         <p:spPr>
           <a:xfrm rot="480000">
-            <a:off x="3323213" y="1037554"/>
-            <a:ext cx="45719" cy="3773742"/>
+            <a:off x="1625197" y="1498689"/>
+            <a:ext cx="66039" cy="5450961"/>
           </a:xfrm>
           <a:prstGeom prst="rect">
             <a:avLst/>
@@ -15692,7 +15719,7 @@
           <a:lstStyle/>
           <a:p>
             <a:pPr algn="ctr"/>
-            <a:endParaRPr lang="zh-CN" altLang="en-US"/>
+            <a:endParaRPr lang="zh-CN" altLang="en-US" sz="2600"/>
           </a:p>
         </p:txBody>
       </p:sp>
@@ -15704,8 +15731,8 @@
         </p:nvSpPr>
         <p:spPr>
           <a:xfrm rot="480000">
-            <a:off x="3475613" y="1037554"/>
-            <a:ext cx="45719" cy="3773742"/>
+            <a:off x="1845330" y="1498689"/>
+            <a:ext cx="66039" cy="5450961"/>
           </a:xfrm>
           <a:prstGeom prst="rect">
             <a:avLst/>
@@ -15740,7 +15767,7 @@
           <a:lstStyle/>
           <a:p>
             <a:pPr algn="ctr"/>
-            <a:endParaRPr lang="zh-CN" altLang="en-US"/>
+            <a:endParaRPr lang="zh-CN" altLang="en-US" sz="2600"/>
           </a:p>
         </p:txBody>
       </p:sp>
@@ -15752,8 +15779,8 @@
         </p:nvSpPr>
         <p:spPr>
           <a:xfrm rot="480000">
-            <a:off x="3628013" y="1037554"/>
-            <a:ext cx="45719" cy="3773742"/>
+            <a:off x="2065464" y="1498689"/>
+            <a:ext cx="66039" cy="5450961"/>
           </a:xfrm>
           <a:prstGeom prst="rect">
             <a:avLst/>
@@ -15788,7 +15815,7 @@
           <a:lstStyle/>
           <a:p>
             <a:pPr algn="ctr"/>
-            <a:endParaRPr lang="zh-CN" altLang="en-US"/>
+            <a:endParaRPr lang="zh-CN" altLang="en-US" sz="2600"/>
           </a:p>
         </p:txBody>
       </p:sp>
@@ -15800,8 +15827,8 @@
         </p:nvSpPr>
         <p:spPr>
           <a:xfrm rot="480000">
-            <a:off x="3780413" y="1037554"/>
-            <a:ext cx="45719" cy="3773742"/>
+            <a:off x="2285597" y="1498689"/>
+            <a:ext cx="66039" cy="5450961"/>
           </a:xfrm>
           <a:prstGeom prst="rect">
             <a:avLst/>
@@ -15836,7 +15863,7 @@
           <a:lstStyle/>
           <a:p>
             <a:pPr algn="ctr"/>
-            <a:endParaRPr lang="zh-CN" altLang="en-US"/>
+            <a:endParaRPr lang="zh-CN" altLang="en-US" sz="2600"/>
           </a:p>
         </p:txBody>
       </p:sp>
@@ -15848,8 +15875,8 @@
         </p:nvSpPr>
         <p:spPr>
           <a:xfrm rot="480000">
-            <a:off x="3932813" y="1037554"/>
-            <a:ext cx="45719" cy="3773742"/>
+            <a:off x="2505730" y="1498689"/>
+            <a:ext cx="66039" cy="5450961"/>
           </a:xfrm>
           <a:prstGeom prst="rect">
             <a:avLst/>
@@ -15884,7 +15911,7 @@
           <a:lstStyle/>
           <a:p>
             <a:pPr algn="ctr"/>
-            <a:endParaRPr lang="zh-CN" altLang="en-US"/>
+            <a:endParaRPr lang="zh-CN" altLang="en-US" sz="2600"/>
           </a:p>
         </p:txBody>
       </p:sp>
@@ -15896,8 +15923,8 @@
         </p:nvSpPr>
         <p:spPr>
           <a:xfrm rot="480000">
-            <a:off x="4085213" y="1037554"/>
-            <a:ext cx="45719" cy="3773742"/>
+            <a:off x="2725864" y="1498689"/>
+            <a:ext cx="66039" cy="5450961"/>
           </a:xfrm>
           <a:prstGeom prst="rect">
             <a:avLst/>
@@ -15932,7 +15959,7 @@
           <a:lstStyle/>
           <a:p>
             <a:pPr algn="ctr"/>
-            <a:endParaRPr lang="zh-CN" altLang="en-US"/>
+            <a:endParaRPr lang="zh-CN" altLang="en-US" sz="2600"/>
           </a:p>
         </p:txBody>
       </p:sp>
@@ -15944,8 +15971,8 @@
         </p:nvSpPr>
         <p:spPr>
           <a:xfrm rot="480000">
-            <a:off x="4237613" y="1037554"/>
-            <a:ext cx="45719" cy="3773742"/>
+            <a:off x="2945997" y="1498689"/>
+            <a:ext cx="66039" cy="5450961"/>
           </a:xfrm>
           <a:prstGeom prst="rect">
             <a:avLst/>
@@ -15980,7 +16007,7 @@
           <a:lstStyle/>
           <a:p>
             <a:pPr algn="ctr"/>
-            <a:endParaRPr lang="zh-CN" altLang="en-US"/>
+            <a:endParaRPr lang="zh-CN" altLang="en-US" sz="2600"/>
           </a:p>
         </p:txBody>
       </p:sp>
@@ -15992,8 +16019,8 @@
         </p:nvSpPr>
         <p:spPr>
           <a:xfrm rot="480000">
-            <a:off x="4390013" y="1037554"/>
-            <a:ext cx="45719" cy="3773742"/>
+            <a:off x="3166130" y="1498689"/>
+            <a:ext cx="66039" cy="5450961"/>
           </a:xfrm>
           <a:prstGeom prst="rect">
             <a:avLst/>
@@ -16028,7 +16055,7 @@
           <a:lstStyle/>
           <a:p>
             <a:pPr algn="ctr"/>
-            <a:endParaRPr lang="zh-CN" altLang="en-US"/>
+            <a:endParaRPr lang="zh-CN" altLang="en-US" sz="2600"/>
           </a:p>
         </p:txBody>
       </p:sp>
@@ -16040,8 +16067,8 @@
         </p:nvSpPr>
         <p:spPr>
           <a:xfrm rot="480000">
-            <a:off x="4542413" y="1037554"/>
-            <a:ext cx="45719" cy="3773742"/>
+            <a:off x="3386264" y="1498689"/>
+            <a:ext cx="66039" cy="5450961"/>
           </a:xfrm>
           <a:prstGeom prst="rect">
             <a:avLst/>
@@ -16076,7 +16103,7 @@
           <a:lstStyle/>
           <a:p>
             <a:pPr algn="ctr"/>
-            <a:endParaRPr lang="zh-CN" altLang="en-US"/>
+            <a:endParaRPr lang="zh-CN" altLang="en-US" sz="2600"/>
           </a:p>
         </p:txBody>
       </p:sp>
@@ -16088,8 +16115,8 @@
         </p:nvSpPr>
         <p:spPr>
           <a:xfrm rot="480000">
-            <a:off x="4694813" y="1037554"/>
-            <a:ext cx="45719" cy="3773742"/>
+            <a:off x="3606397" y="1498689"/>
+            <a:ext cx="66039" cy="5450961"/>
           </a:xfrm>
           <a:prstGeom prst="rect">
             <a:avLst/>
@@ -16124,7 +16151,7 @@
           <a:lstStyle/>
           <a:p>
             <a:pPr algn="ctr"/>
-            <a:endParaRPr lang="zh-CN" altLang="en-US"/>
+            <a:endParaRPr lang="zh-CN" altLang="en-US" sz="2600"/>
           </a:p>
         </p:txBody>
       </p:sp>
@@ -16136,8 +16163,8 @@
         </p:nvSpPr>
         <p:spPr>
           <a:xfrm rot="480000">
-            <a:off x="4847213" y="1037554"/>
-            <a:ext cx="45719" cy="3773742"/>
+            <a:off x="3826530" y="1498689"/>
+            <a:ext cx="66039" cy="5450961"/>
           </a:xfrm>
           <a:prstGeom prst="rect">
             <a:avLst/>
@@ -16172,7 +16199,7 @@
           <a:lstStyle/>
           <a:p>
             <a:pPr algn="ctr"/>
-            <a:endParaRPr lang="zh-CN" altLang="en-US"/>
+            <a:endParaRPr lang="zh-CN" altLang="en-US" sz="2600"/>
           </a:p>
         </p:txBody>
       </p:sp>
@@ -16184,8 +16211,8 @@
         </p:nvSpPr>
         <p:spPr>
           <a:xfrm rot="480000">
-            <a:off x="4999613" y="1037554"/>
-            <a:ext cx="45719" cy="3773742"/>
+            <a:off x="4046664" y="1498689"/>
+            <a:ext cx="66039" cy="5450961"/>
           </a:xfrm>
           <a:prstGeom prst="rect">
             <a:avLst/>
@@ -16220,7 +16247,7 @@
           <a:lstStyle/>
           <a:p>
             <a:pPr algn="ctr"/>
-            <a:endParaRPr lang="zh-CN" altLang="en-US"/>
+            <a:endParaRPr lang="zh-CN" altLang="en-US" sz="2600"/>
           </a:p>
         </p:txBody>
       </p:sp>
@@ -16232,8 +16259,8 @@
         </p:nvSpPr>
         <p:spPr>
           <a:xfrm>
-            <a:off x="3433192" y="1145178"/>
-            <a:ext cx="45719" cy="3773742"/>
+            <a:off x="1784056" y="1654146"/>
+            <a:ext cx="66039" cy="5450961"/>
           </a:xfrm>
           <a:prstGeom prst="rect">
             <a:avLst/>
@@ -16268,7 +16295,7 @@
           <a:lstStyle/>
           <a:p>
             <a:pPr algn="ctr"/>
-            <a:endParaRPr lang="zh-CN" altLang="en-US"/>
+            <a:endParaRPr lang="zh-CN" altLang="en-US" sz="2600"/>
           </a:p>
         </p:txBody>
       </p:sp>
@@ -16280,8 +16307,8 @@
         </p:nvSpPr>
         <p:spPr>
           <a:xfrm>
-            <a:off x="3585592" y="1145178"/>
-            <a:ext cx="45719" cy="3773742"/>
+            <a:off x="2004189" y="1654146"/>
+            <a:ext cx="66039" cy="5450961"/>
           </a:xfrm>
           <a:prstGeom prst="rect">
             <a:avLst/>
@@ -16316,7 +16343,7 @@
           <a:lstStyle/>
           <a:p>
             <a:pPr algn="ctr"/>
-            <a:endParaRPr lang="zh-CN" altLang="en-US"/>
+            <a:endParaRPr lang="zh-CN" altLang="en-US" sz="2600"/>
           </a:p>
         </p:txBody>
       </p:sp>
@@ -16328,8 +16355,8 @@
         </p:nvSpPr>
         <p:spPr>
           <a:xfrm>
-            <a:off x="3737992" y="1145178"/>
-            <a:ext cx="45719" cy="3773742"/>
+            <a:off x="2224322" y="1654146"/>
+            <a:ext cx="66039" cy="5450961"/>
           </a:xfrm>
           <a:prstGeom prst="rect">
             <a:avLst/>
@@ -16364,7 +16391,7 @@
           <a:lstStyle/>
           <a:p>
             <a:pPr algn="ctr"/>
-            <a:endParaRPr lang="zh-CN" altLang="en-US"/>
+            <a:endParaRPr lang="zh-CN" altLang="en-US" sz="2600"/>
           </a:p>
         </p:txBody>
       </p:sp>
@@ -16376,8 +16403,8 @@
         </p:nvSpPr>
         <p:spPr>
           <a:xfrm>
-            <a:off x="3890392" y="1145178"/>
-            <a:ext cx="45719" cy="3773742"/>
+            <a:off x="2444456" y="1654146"/>
+            <a:ext cx="66039" cy="5450961"/>
           </a:xfrm>
           <a:prstGeom prst="rect">
             <a:avLst/>
@@ -16412,7 +16439,7 @@
           <a:lstStyle/>
           <a:p>
             <a:pPr algn="ctr"/>
-            <a:endParaRPr lang="zh-CN" altLang="en-US"/>
+            <a:endParaRPr lang="zh-CN" altLang="en-US" sz="2600"/>
           </a:p>
         </p:txBody>
       </p:sp>
@@ -16424,8 +16451,8 @@
         </p:nvSpPr>
         <p:spPr>
           <a:xfrm>
-            <a:off x="4042792" y="1145178"/>
-            <a:ext cx="45719" cy="3773742"/>
+            <a:off x="2664589" y="1654146"/>
+            <a:ext cx="66039" cy="5450961"/>
           </a:xfrm>
           <a:prstGeom prst="rect">
             <a:avLst/>
@@ -16460,7 +16487,7 @@
           <a:lstStyle/>
           <a:p>
             <a:pPr algn="ctr"/>
-            <a:endParaRPr lang="zh-CN" altLang="en-US"/>
+            <a:endParaRPr lang="zh-CN" altLang="en-US" sz="2600"/>
           </a:p>
         </p:txBody>
       </p:sp>
@@ -16472,8 +16499,8 @@
         </p:nvSpPr>
         <p:spPr>
           <a:xfrm>
-            <a:off x="4195192" y="1145178"/>
-            <a:ext cx="45719" cy="3773742"/>
+            <a:off x="2884722" y="1654146"/>
+            <a:ext cx="66039" cy="5450961"/>
           </a:xfrm>
           <a:prstGeom prst="rect">
             <a:avLst/>
@@ -16508,7 +16535,7 @@
           <a:lstStyle/>
           <a:p>
             <a:pPr algn="ctr"/>
-            <a:endParaRPr lang="zh-CN" altLang="en-US"/>
+            <a:endParaRPr lang="zh-CN" altLang="en-US" sz="2600"/>
           </a:p>
         </p:txBody>
       </p:sp>
@@ -16520,8 +16547,8 @@
         </p:nvSpPr>
         <p:spPr>
           <a:xfrm>
-            <a:off x="4347592" y="1145178"/>
-            <a:ext cx="45719" cy="3773742"/>
+            <a:off x="3104856" y="1654146"/>
+            <a:ext cx="66039" cy="5450961"/>
           </a:xfrm>
           <a:prstGeom prst="rect">
             <a:avLst/>
@@ -16556,7 +16583,7 @@
           <a:lstStyle/>
           <a:p>
             <a:pPr algn="ctr"/>
-            <a:endParaRPr lang="zh-CN" altLang="en-US"/>
+            <a:endParaRPr lang="zh-CN" altLang="en-US" sz="2600"/>
           </a:p>
         </p:txBody>
       </p:sp>
@@ -16568,8 +16595,8 @@
         </p:nvSpPr>
         <p:spPr>
           <a:xfrm>
-            <a:off x="4499992" y="1145178"/>
-            <a:ext cx="45719" cy="3773742"/>
+            <a:off x="3324989" y="1654146"/>
+            <a:ext cx="66039" cy="5450961"/>
           </a:xfrm>
           <a:prstGeom prst="rect">
             <a:avLst/>
@@ -16604,7 +16631,7 @@
           <a:lstStyle/>
           <a:p>
             <a:pPr algn="ctr"/>
-            <a:endParaRPr lang="zh-CN" altLang="en-US"/>
+            <a:endParaRPr lang="zh-CN" altLang="en-US" sz="2600"/>
           </a:p>
         </p:txBody>
       </p:sp>
@@ -16616,8 +16643,8 @@
         </p:nvSpPr>
         <p:spPr>
           <a:xfrm>
-            <a:off x="4652392" y="1145178"/>
-            <a:ext cx="45719" cy="3773742"/>
+            <a:off x="3545122" y="1654146"/>
+            <a:ext cx="66039" cy="5450961"/>
           </a:xfrm>
           <a:prstGeom prst="rect">
             <a:avLst/>
@@ -16652,7 +16679,7 @@
           <a:lstStyle/>
           <a:p>
             <a:pPr algn="ctr"/>
-            <a:endParaRPr lang="zh-CN" altLang="en-US"/>
+            <a:endParaRPr lang="zh-CN" altLang="en-US" sz="2600"/>
           </a:p>
         </p:txBody>
       </p:sp>
@@ -16664,8 +16691,8 @@
         </p:nvSpPr>
         <p:spPr>
           <a:xfrm>
-            <a:off x="4804792" y="1145178"/>
-            <a:ext cx="45719" cy="3773742"/>
+            <a:off x="3765256" y="1654146"/>
+            <a:ext cx="66039" cy="5450961"/>
           </a:xfrm>
           <a:prstGeom prst="rect">
             <a:avLst/>
@@ -16700,7 +16727,7 @@
           <a:lstStyle/>
           <a:p>
             <a:pPr algn="ctr"/>
-            <a:endParaRPr lang="zh-CN" altLang="en-US"/>
+            <a:endParaRPr lang="zh-CN" altLang="en-US" sz="2600"/>
           </a:p>
         </p:txBody>
       </p:sp>
@@ -16712,8 +16739,8 @@
         </p:nvSpPr>
         <p:spPr>
           <a:xfrm>
-            <a:off x="4957192" y="1145178"/>
-            <a:ext cx="45719" cy="3773742"/>
+            <a:off x="3985389" y="1654146"/>
+            <a:ext cx="66039" cy="5450961"/>
           </a:xfrm>
           <a:prstGeom prst="rect">
             <a:avLst/>
@@ -16748,7 +16775,7 @@
           <a:lstStyle/>
           <a:p>
             <a:pPr algn="ctr"/>
-            <a:endParaRPr lang="zh-CN" altLang="en-US"/>
+            <a:endParaRPr lang="zh-CN" altLang="en-US" sz="2600"/>
           </a:p>
         </p:txBody>
       </p:sp>
@@ -16760,8 +16787,8 @@
         </p:nvSpPr>
         <p:spPr>
           <a:xfrm>
-            <a:off x="5109592" y="1145178"/>
-            <a:ext cx="45719" cy="3773742"/>
+            <a:off x="4205522" y="1654146"/>
+            <a:ext cx="66039" cy="5450961"/>
           </a:xfrm>
           <a:prstGeom prst="rect">
             <a:avLst/>
@@ -16796,7 +16823,7 @@
           <a:lstStyle/>
           <a:p>
             <a:pPr algn="ctr"/>
-            <a:endParaRPr lang="zh-CN" altLang="en-US"/>
+            <a:endParaRPr lang="zh-CN" altLang="en-US" sz="2600"/>
           </a:p>
         </p:txBody>
       </p:sp>
@@ -16845,8 +16872,8 @@
           </p:nvPr>
         </p:nvGraphicFramePr>
         <p:xfrm>
-          <a:off x="1879600" y="2389188"/>
-          <a:ext cx="5384801" cy="2263948"/>
+          <a:off x="-460022" y="3451049"/>
+          <a:ext cx="7778046" cy="3270148"/>
         </p:xfrm>
         <a:graphic>
           <a:graphicData uri="http://schemas.openxmlformats.org/drawingml/2006/table">
@@ -16855,21 +16882,21 @@
                 <a:tableStyleId>{5C22544A-7EE6-4342-B048-85BDC9FD1C3A}</a:tableStyleId>
               </a:tblPr>
               <a:tblGrid>
-                <a:gridCol w="825014">
+                <a:gridCol w="1191687">
                   <a:extLst>
                     <a:ext uri="{9D8B030D-6E8A-4147-A177-3AD203B41FA5}">
                       <a16:colId xmlns:a16="http://schemas.microsoft.com/office/drawing/2014/main" val="20000"/>
                     </a:ext>
                   </a:extLst>
                 </a:gridCol>
-                <a:gridCol w="2208498">
+                <a:gridCol w="3190053">
                   <a:extLst>
                     <a:ext uri="{9D8B030D-6E8A-4147-A177-3AD203B41FA5}">
                       <a16:colId xmlns:a16="http://schemas.microsoft.com/office/drawing/2014/main" val="20001"/>
                     </a:ext>
                   </a:extLst>
                 </a:gridCol>
-                <a:gridCol w="2351289">
+                <a:gridCol w="3396306">
                   <a:extLst>
                     <a:ext uri="{9D8B030D-6E8A-4147-A177-3AD203B41FA5}">
                       <a16:colId xmlns:a16="http://schemas.microsoft.com/office/drawing/2014/main" val="20002"/>
@@ -16877,7 +16904,7 @@
                   </a:extLst>
                 </a:gridCol>
               </a:tblGrid>
-              <a:tr h="171450">
+              <a:tr h="247650">
                 <a:tc>
                   <a:txBody>
                     <a:bodyPr/>
@@ -16885,12 +16912,12 @@
                     <a:p>
                       <a:pPr algn="l" fontAlgn="b"/>
                       <a:r>
-                        <a:rPr lang="zh-CN" altLang="en-US" sz="1100" u="none" strike="noStrike" dirty="0">
+                        <a:rPr lang="zh-CN" altLang="en-US" sz="1600" u="none" strike="noStrike" dirty="0">
                           <a:effectLst/>
                         </a:rPr>
                         <a:t>函数名称</a:t>
                       </a:r>
-                      <a:endParaRPr lang="zh-CN" altLang="en-US" sz="1100" b="0" i="0" u="none" strike="noStrike" dirty="0">
+                      <a:endParaRPr lang="zh-CN" altLang="en-US" sz="1600" b="0" i="0" u="none" strike="noStrike" dirty="0">
                         <a:solidFill>
                           <a:srgbClr val="000000"/>
                         </a:solidFill>
@@ -16927,12 +16954,12 @@
                     <a:p>
                       <a:pPr algn="l" fontAlgn="b"/>
                       <a:r>
-                        <a:rPr lang="zh-CN" altLang="en-US" sz="1100" u="none" strike="noStrike">
+                        <a:rPr lang="zh-CN" altLang="en-US" sz="1600" u="none" strike="noStrike">
                           <a:effectLst/>
                         </a:rPr>
                         <a:t>单周期函数表达式</a:t>
                       </a:r>
-                      <a:endParaRPr lang="zh-CN" altLang="en-US" sz="1100" b="0" i="0" u="none" strike="noStrike">
+                      <a:endParaRPr lang="zh-CN" altLang="en-US" sz="1600" b="0" i="0" u="none" strike="noStrike">
                         <a:solidFill>
                           <a:srgbClr val="000000"/>
                         </a:solidFill>
@@ -16969,12 +16996,12 @@
                     <a:p>
                       <a:pPr algn="l" fontAlgn="b"/>
                       <a:r>
-                        <a:rPr lang="zh-CN" altLang="en-US" sz="1100" u="none" strike="noStrike" dirty="0">
+                        <a:rPr lang="zh-CN" altLang="en-US" sz="1600" u="none" strike="noStrike" dirty="0">
                           <a:effectLst/>
                         </a:rPr>
                         <a:t>单周期傅立叶级数</a:t>
                       </a:r>
-                      <a:endParaRPr lang="zh-CN" altLang="en-US" sz="1100" b="0" i="0" u="none" strike="noStrike" dirty="0">
+                      <a:endParaRPr lang="zh-CN" altLang="en-US" sz="1600" b="0" i="0" u="none" strike="noStrike" dirty="0">
                         <a:solidFill>
                           <a:srgbClr val="000000"/>
                         </a:solidFill>
@@ -17010,7 +17037,7 @@
                   </a:ext>
                 </a:extLst>
               </a:tr>
-              <a:tr h="636270">
+              <a:tr h="919057">
                 <a:tc>
                   <a:txBody>
                     <a:bodyPr/>
@@ -17018,12 +17045,12 @@
                     <a:p>
                       <a:pPr algn="l" fontAlgn="b"/>
                       <a:r>
-                        <a:rPr lang="zh-CN" altLang="en-US" sz="1100" u="none" strike="noStrike" dirty="0">
+                        <a:rPr lang="zh-CN" altLang="en-US" sz="1600" u="none" strike="noStrike" dirty="0">
                           <a:effectLst/>
                         </a:rPr>
                         <a:t>方波</a:t>
                       </a:r>
-                      <a:endParaRPr lang="zh-CN" altLang="en-US" sz="1100" b="0" i="0" u="none" strike="noStrike" dirty="0">
+                      <a:endParaRPr lang="zh-CN" altLang="en-US" sz="1600" b="0" i="0" u="none" strike="noStrike" dirty="0">
                         <a:solidFill>
                           <a:srgbClr val="000000"/>
                         </a:solidFill>
@@ -17050,7 +17077,7 @@
                     <a:lstStyle/>
                     <a:p>
                       <a:pPr algn="l" fontAlgn="b"/>
-                      <a:endParaRPr lang="zh-CN" altLang="en-US" sz="1100" b="0" i="0" u="none" strike="noStrike" dirty="0">
+                      <a:endParaRPr lang="zh-CN" altLang="en-US" sz="1600" b="0" i="0" u="none" strike="noStrike" dirty="0">
                         <a:solidFill>
                           <a:srgbClr val="000000"/>
                         </a:solidFill>
@@ -17077,7 +17104,7 @@
                     <a:lstStyle/>
                     <a:p>
                       <a:pPr algn="l" fontAlgn="b"/>
-                      <a:endParaRPr lang="zh-CN" altLang="en-US" sz="1100" b="0" i="0" u="none" strike="noStrike" dirty="0">
+                      <a:endParaRPr lang="zh-CN" altLang="en-US" sz="1600" b="0" i="0" u="none" strike="noStrike" dirty="0">
                         <a:solidFill>
                           <a:srgbClr val="000000"/>
                         </a:solidFill>
@@ -17104,7 +17131,7 @@
                   </a:ext>
                 </a:extLst>
               </a:tr>
-              <a:tr h="636270">
+              <a:tr h="919057">
                 <a:tc>
                   <a:txBody>
                     <a:bodyPr/>
@@ -17112,12 +17139,12 @@
                     <a:p>
                       <a:pPr algn="l" fontAlgn="b"/>
                       <a:r>
-                        <a:rPr lang="zh-CN" altLang="en-US" sz="1100" u="none" strike="noStrike" dirty="0">
+                        <a:rPr lang="zh-CN" altLang="en-US" sz="1600" u="none" strike="noStrike" dirty="0">
                           <a:effectLst/>
                         </a:rPr>
                         <a:t>锯齿波</a:t>
                       </a:r>
-                      <a:endParaRPr lang="zh-CN" altLang="en-US" sz="1100" b="0" i="0" u="none" strike="noStrike" dirty="0">
+                      <a:endParaRPr lang="zh-CN" altLang="en-US" sz="1600" b="0" i="0" u="none" strike="noStrike" dirty="0">
                         <a:solidFill>
                           <a:srgbClr val="000000"/>
                         </a:solidFill>
@@ -17134,7 +17161,7 @@
                     <a:lstStyle/>
                     <a:p>
                       <a:pPr algn="l" fontAlgn="b"/>
-                      <a:endParaRPr lang="zh-CN" altLang="en-US" sz="1100" b="0" i="0" u="none" strike="noStrike" dirty="0">
+                      <a:endParaRPr lang="zh-CN" altLang="en-US" sz="1600" b="0" i="0" u="none" strike="noStrike" dirty="0">
                         <a:solidFill>
                           <a:srgbClr val="000000"/>
                         </a:solidFill>
@@ -17151,7 +17178,7 @@
                     <a:lstStyle/>
                     <a:p>
                       <a:pPr algn="l" fontAlgn="b"/>
-                      <a:endParaRPr lang="zh-CN" altLang="en-US" sz="1100" b="0" i="0" u="none" strike="noStrike" dirty="0">
+                      <a:endParaRPr lang="zh-CN" altLang="en-US" sz="1600" b="0" i="0" u="none" strike="noStrike" dirty="0">
                         <a:solidFill>
                           <a:srgbClr val="000000"/>
                         </a:solidFill>
@@ -17168,7 +17195,7 @@
                   </a:ext>
                 </a:extLst>
               </a:tr>
-              <a:tr h="819958">
+              <a:tr h="1184384">
                 <a:tc>
                   <a:txBody>
                     <a:bodyPr/>
@@ -17176,12 +17203,12 @@
                     <a:p>
                       <a:pPr algn="l" fontAlgn="b"/>
                       <a:r>
-                        <a:rPr lang="zh-CN" altLang="en-US" sz="1100" u="none" strike="noStrike" dirty="0">
+                        <a:rPr lang="zh-CN" altLang="en-US" sz="1600" u="none" strike="noStrike" dirty="0">
                           <a:effectLst/>
                         </a:rPr>
                         <a:t>三角波</a:t>
                       </a:r>
-                      <a:endParaRPr lang="zh-CN" altLang="en-US" sz="1100" b="0" i="0" u="none" strike="noStrike" dirty="0">
+                      <a:endParaRPr lang="zh-CN" altLang="en-US" sz="1600" b="0" i="0" u="none" strike="noStrike" dirty="0">
                         <a:solidFill>
                           <a:srgbClr val="000000"/>
                         </a:solidFill>
@@ -17208,7 +17235,7 @@
                     <a:lstStyle/>
                     <a:p>
                       <a:pPr algn="l" fontAlgn="b"/>
-                      <a:endParaRPr lang="zh-CN" altLang="en-US" sz="1100" b="0" i="0" u="none" strike="noStrike" dirty="0">
+                      <a:endParaRPr lang="zh-CN" altLang="en-US" sz="1600" b="0" i="0" u="none" strike="noStrike" dirty="0">
                         <a:solidFill>
                           <a:srgbClr val="000000"/>
                         </a:solidFill>
@@ -17249,8 +17276,8 @@
           </a:graphicData>
         </a:graphic>
       </p:graphicFrame>
-      <mc:AlternateContent xmlns:mc="http://schemas.openxmlformats.org/markup-compatibility/2006" xmlns:a14="http://schemas.microsoft.com/office/drawing/2010/main">
-        <mc:Choice Requires="a14">
+      <mc:AlternateContent xmlns:mc="http://schemas.openxmlformats.org/markup-compatibility/2006">
+        <mc:Choice xmlns:a14="http://schemas.microsoft.com/office/drawing/2010/main" Requires="a14">
           <p:sp>
             <p:nvSpPr>
               <p:cNvPr id="3" name="TextBox 4"/>
@@ -17259,8 +17286,8 @@
             </p:nvSpPr>
             <p:spPr>
               <a:xfrm>
-                <a:off x="2577144" y="2770448"/>
-                <a:ext cx="2228850" cy="381000"/>
+                <a:off x="547541" y="4001759"/>
+                <a:ext cx="3219450" cy="509755"/>
               </a:xfrm>
               <a:prstGeom prst="rect">
                 <a:avLst/>
@@ -17386,7 +17413,7 @@
                     </m:oMathParaPr>
                     <m:oMath xmlns:m="http://schemas.openxmlformats.org/officeDocument/2006/math">
                       <m:r>
-                        <a:rPr lang="en-US" altLang="zh-CN" sz="1100" b="0" i="1">
+                        <a:rPr lang="en-US" altLang="zh-CN" sz="1589" i="1">
                           <a:latin typeface="Cambria Math"/>
                         </a:rPr>
                         <m:t>2</m:t>
@@ -17396,41 +17423,23 @@
                           <m:begChr m:val="["/>
                           <m:endChr m:val="]"/>
                           <m:ctrlPr>
-                            <a:rPr lang="en-US" altLang="zh-CN" sz="1100" b="0" i="1">
-                              <a:solidFill>
-                                <a:schemeClr val="tx1"/>
-                              </a:solidFill>
-                              <a:effectLst/>
+                            <a:rPr lang="en-US" altLang="zh-CN" sz="1589" i="1">
                               <a:latin typeface="Cambria Math" panose="02040503050406030204" pitchFamily="18" charset="0"/>
-                              <a:ea typeface="+mn-ea"/>
-                              <a:cs typeface="+mn-cs"/>
                             </a:rPr>
                           </m:ctrlPr>
                         </m:dPr>
                         <m:e>
                           <m:r>
-                            <a:rPr lang="en-US" altLang="zh-CN" sz="1100" b="0" i="1">
-                              <a:solidFill>
-                                <a:schemeClr val="tx1"/>
-                              </a:solidFill>
-                              <a:effectLst/>
+                            <a:rPr lang="en-US" altLang="zh-CN" sz="1589" i="1">
                               <a:latin typeface="Cambria Math"/>
-                              <a:ea typeface="+mn-ea"/>
-                              <a:cs typeface="+mn-cs"/>
                             </a:rPr>
                             <m:t>𝐻</m:t>
                           </m:r>
                           <m:d>
                             <m:dPr>
                               <m:ctrlPr>
-                                <a:rPr lang="en-US" altLang="zh-CN" sz="1100" b="0" i="1">
-                                  <a:solidFill>
-                                    <a:schemeClr val="tx1"/>
-                                  </a:solidFill>
-                                  <a:effectLst/>
+                                <a:rPr lang="en-US" altLang="zh-CN" sz="1589" i="1">
                                   <a:latin typeface="Cambria Math" panose="02040503050406030204" pitchFamily="18" charset="0"/>
-                                  <a:ea typeface="+mn-ea"/>
-                                  <a:cs typeface="+mn-cs"/>
                                 </a:rPr>
                               </m:ctrlPr>
                             </m:dPr>
@@ -17438,41 +17447,23 @@
                               <m:f>
                                 <m:fPr>
                                   <m:ctrlPr>
-                                    <a:rPr lang="en-US" altLang="zh-CN" sz="1100" b="0" i="1">
-                                      <a:solidFill>
-                                        <a:schemeClr val="tx1"/>
-                                      </a:solidFill>
-                                      <a:effectLst/>
+                                    <a:rPr lang="en-US" altLang="zh-CN" sz="1589" i="1">
                                       <a:latin typeface="Cambria Math" panose="02040503050406030204" pitchFamily="18" charset="0"/>
-                                      <a:ea typeface="+mn-ea"/>
-                                      <a:cs typeface="+mn-cs"/>
                                     </a:rPr>
                                   </m:ctrlPr>
                                 </m:fPr>
                                 <m:num>
                                   <m:r>
-                                    <a:rPr lang="en-US" altLang="zh-CN" sz="1100" b="0" i="1">
-                                      <a:solidFill>
-                                        <a:schemeClr val="tx1"/>
-                                      </a:solidFill>
-                                      <a:effectLst/>
+                                    <a:rPr lang="en-US" altLang="zh-CN" sz="1589" i="1">
                                       <a:latin typeface="Cambria Math"/>
-                                      <a:ea typeface="+mn-ea"/>
-                                      <a:cs typeface="+mn-cs"/>
                                     </a:rPr>
                                     <m:t>𝑥</m:t>
                                   </m:r>
                                 </m:num>
                                 <m:den>
                                   <m:r>
-                                    <a:rPr lang="en-US" altLang="zh-CN" sz="1100" b="0" i="1">
-                                      <a:solidFill>
-                                        <a:schemeClr val="tx1"/>
-                                      </a:solidFill>
-                                      <a:effectLst/>
+                                    <a:rPr lang="en-US" altLang="zh-CN" sz="1589" i="1">
                                       <a:latin typeface="Cambria Math"/>
-                                      <a:ea typeface="+mn-ea"/>
-                                      <a:cs typeface="+mn-cs"/>
                                     </a:rPr>
                                     <m:t>𝐿</m:t>
                                   </m:r>
@@ -17481,13 +17472,13 @@
                             </m:e>
                           </m:d>
                           <m:r>
-                            <a:rPr lang="en-US" altLang="zh-CN" sz="1100" b="0" i="1">
+                            <a:rPr lang="en-US" altLang="zh-CN" sz="1589" i="1">
                               <a:latin typeface="Cambria Math"/>
                             </a:rPr>
                             <m:t>−</m:t>
                           </m:r>
                           <m:r>
-                            <a:rPr lang="en-US" altLang="zh-CN" sz="1100" b="0" i="1">
+                            <a:rPr lang="en-US" altLang="zh-CN" sz="1589" i="1">
                               <a:latin typeface="Cambria Math"/>
                             </a:rPr>
                             <m:t>𝐻</m:t>
@@ -17495,7 +17486,7 @@
                           <m:d>
                             <m:dPr>
                               <m:ctrlPr>
-                                <a:rPr lang="en-US" altLang="zh-CN" sz="1100" b="0" i="1">
+                                <a:rPr lang="en-US" altLang="zh-CN" sz="1589" i="1">
                                   <a:latin typeface="Cambria Math" panose="02040503050406030204" pitchFamily="18" charset="0"/>
                                 </a:rPr>
                               </m:ctrlPr>
@@ -17504,14 +17495,14 @@
                               <m:f>
                                 <m:fPr>
                                   <m:ctrlPr>
-                                    <a:rPr lang="en-US" altLang="zh-CN" sz="1100" b="0" i="1">
+                                    <a:rPr lang="en-US" altLang="zh-CN" sz="1589" i="1">
                                       <a:latin typeface="Cambria Math" panose="02040503050406030204" pitchFamily="18" charset="0"/>
                                     </a:rPr>
                                   </m:ctrlPr>
                                 </m:fPr>
                                 <m:num>
                                   <m:r>
-                                    <a:rPr lang="en-US" altLang="zh-CN" sz="1100" b="0" i="1">
+                                    <a:rPr lang="en-US" altLang="zh-CN" sz="1589" i="1">
                                       <a:latin typeface="Cambria Math"/>
                                     </a:rPr>
                                     <m:t>𝑥</m:t>
@@ -17519,7 +17510,7 @@
                                 </m:num>
                                 <m:den>
                                   <m:r>
-                                    <a:rPr lang="en-US" altLang="zh-CN" sz="1100" b="0" i="1">
+                                    <a:rPr lang="en-US" altLang="zh-CN" sz="1589" i="1">
                                       <a:latin typeface="Cambria Math"/>
                                     </a:rPr>
                                     <m:t>𝐿</m:t>
@@ -17527,7 +17518,7 @@
                                 </m:den>
                               </m:f>
                               <m:r>
-                                <a:rPr lang="en-US" altLang="zh-CN" sz="1100" b="0" i="1">
+                                <a:rPr lang="en-US" altLang="zh-CN" sz="1589" i="1">
                                   <a:latin typeface="Cambria Math"/>
                                 </a:rPr>
                                 <m:t>−1</m:t>
@@ -17537,7 +17528,7 @@
                         </m:e>
                       </m:d>
                       <m:r>
-                        <a:rPr lang="en-US" altLang="zh-CN" sz="1100" b="0" i="0">
+                        <a:rPr lang="en-US" altLang="zh-CN" sz="1589">
                           <a:latin typeface="Cambria Math"/>
                         </a:rPr>
                         <m:t>−1</m:t>
@@ -17545,12 +17536,12 @@
                     </m:oMath>
                   </m:oMathPara>
                 </a14:m>
-                <a:endParaRPr lang="zh-CN" altLang="en-US" sz="1100" dirty="0"/>
+                <a:endParaRPr lang="zh-CN" altLang="en-US" sz="1589" dirty="0"/>
               </a:p>
             </p:txBody>
           </p:sp>
         </mc:Choice>
-        <mc:Fallback xmlns="">
+        <mc:Fallback>
           <p:sp>
             <p:nvSpPr>
               <p:cNvPr id="3" name="TextBox 4"/>
@@ -17561,16 +17552,16 @@
             </p:nvSpPr>
             <p:spPr>
               <a:xfrm>
-                <a:off x="2577144" y="2770448"/>
-                <a:ext cx="2228850" cy="381000"/>
+                <a:off x="547541" y="4001759"/>
+                <a:ext cx="3219450" cy="509755"/>
               </a:xfrm>
               <a:prstGeom prst="rect">
                 <a:avLst/>
               </a:prstGeom>
-              <a:blipFill rotWithShape="1">
+              <a:blipFill>
                 <a:blip r:embed="rId2"/>
                 <a:stretch>
-                  <a:fillRect/>
+                  <a:fillRect b="-3571"/>
                 </a:stretch>
               </a:blipFill>
             </p:spPr>
@@ -17589,8 +17580,8 @@
           </p:sp>
         </mc:Fallback>
       </mc:AlternateContent>
-      <mc:AlternateContent xmlns:mc="http://schemas.openxmlformats.org/markup-compatibility/2006" xmlns:a14="http://schemas.microsoft.com/office/drawing/2010/main">
-        <mc:Choice Requires="a14">
+      <mc:AlternateContent xmlns:mc="http://schemas.openxmlformats.org/markup-compatibility/2006">
+        <mc:Choice xmlns:a14="http://schemas.microsoft.com/office/drawing/2010/main" Requires="a14">
           <p:sp>
             <p:nvSpPr>
               <p:cNvPr id="4" name="TextBox 5"/>
@@ -17599,8 +17590,8 @@
             </p:nvSpPr>
             <p:spPr>
               <a:xfrm>
-                <a:off x="4797742" y="2677579"/>
-                <a:ext cx="2281237" cy="566737"/>
+                <a:off x="3755073" y="3867614"/>
+                <a:ext cx="3295120" cy="777842"/>
               </a:xfrm>
               <a:prstGeom prst="rect">
                 <a:avLst/>
@@ -17728,14 +17719,14 @@
                       <m:f>
                         <m:fPr>
                           <m:ctrlPr>
-                            <a:rPr lang="en-US" altLang="zh-CN" sz="1100" i="1">
+                            <a:rPr lang="en-US" altLang="zh-CN" sz="1589" i="1">
                               <a:latin typeface="Cambria Math" panose="02040503050406030204" pitchFamily="18" charset="0"/>
                             </a:rPr>
                           </m:ctrlPr>
                         </m:fPr>
                         <m:num>
                           <m:r>
-                            <a:rPr lang="en-US" altLang="zh-CN" sz="1100" b="0" i="1">
+                            <a:rPr lang="en-US" altLang="zh-CN" sz="1589" i="1">
                               <a:latin typeface="Cambria Math"/>
                             </a:rPr>
                             <m:t>4</m:t>
@@ -17743,7 +17734,7 @@
                         </m:num>
                         <m:den>
                           <m:r>
-                            <a:rPr lang="zh-CN" altLang="en-US" sz="1100" i="1">
+                            <a:rPr lang="zh-CN" altLang="en-US" sz="1589" i="1">
                               <a:latin typeface="Cambria Math"/>
                             </a:rPr>
                             <m:t>𝜋</m:t>
@@ -17754,7 +17745,7 @@
                         <m:naryPr>
                           <m:chr m:val="∑"/>
                           <m:ctrlPr>
-                            <a:rPr lang="en-US" altLang="zh-CN" sz="1100" i="1">
+                            <a:rPr lang="en-US" altLang="zh-CN" sz="1589" i="1">
                               <a:latin typeface="Cambria Math" panose="02040503050406030204" pitchFamily="18" charset="0"/>
                               <a:ea typeface="Cambria Math"/>
                             </a:rPr>
@@ -17765,14 +17756,14 @@
                             <m:rPr>
                               <m:brk m:alnAt="23"/>
                             </m:rPr>
-                            <a:rPr lang="en-US" altLang="zh-CN" sz="1100" b="0" i="1">
+                            <a:rPr lang="en-US" altLang="zh-CN" sz="1589" i="1">
                               <a:latin typeface="Cambria Math"/>
                               <a:ea typeface="Cambria Math"/>
                             </a:rPr>
                             <m:t>𝑛</m:t>
                           </m:r>
                           <m:r>
-                            <a:rPr lang="en-US" altLang="zh-CN" sz="1100" b="0" i="1">
+                            <a:rPr lang="en-US" altLang="zh-CN" sz="1589" i="1">
                               <a:latin typeface="Cambria Math"/>
                               <a:ea typeface="Cambria Math"/>
                             </a:rPr>
@@ -17781,7 +17772,7 @@
                         </m:sub>
                         <m:sup>
                           <m:r>
-                            <a:rPr lang="en-US" altLang="zh-CN" sz="1100" i="1">
+                            <a:rPr lang="en-US" altLang="zh-CN" sz="1589" i="1">
                               <a:latin typeface="Cambria Math"/>
                               <a:ea typeface="Cambria Math"/>
                             </a:rPr>
@@ -17792,7 +17783,7 @@
                           <m:f>
                             <m:fPr>
                               <m:ctrlPr>
-                                <a:rPr lang="en-US" altLang="zh-CN" sz="1100" i="1">
+                                <a:rPr lang="en-US" altLang="zh-CN" sz="1589" i="1">
                                   <a:latin typeface="Cambria Math" panose="02040503050406030204" pitchFamily="18" charset="0"/>
                                   <a:ea typeface="Cambria Math"/>
                                 </a:rPr>
@@ -17800,7 +17791,7 @@
                             </m:fPr>
                             <m:num>
                               <m:r>
-                                <a:rPr lang="en-US" altLang="zh-CN" sz="1100" b="0" i="1">
+                                <a:rPr lang="en-US" altLang="zh-CN" sz="1589" i="1">
                                   <a:latin typeface="Cambria Math"/>
                                   <a:ea typeface="Cambria Math"/>
                                 </a:rPr>
@@ -17809,7 +17800,7 @@
                             </m:num>
                             <m:den>
                               <m:r>
-                                <a:rPr lang="en-US" altLang="zh-CN" sz="1100" b="0" i="1">
+                                <a:rPr lang="en-US" altLang="zh-CN" sz="1589" i="1">
                                   <a:latin typeface="Cambria Math"/>
                                   <a:ea typeface="Cambria Math"/>
                                 </a:rPr>
@@ -17821,14 +17812,14 @@
                             <m:rPr>
                               <m:sty m:val="p"/>
                             </m:rPr>
-                            <a:rPr lang="en-US" altLang="zh-CN" sz="1100" b="0" i="0">
+                            <a:rPr lang="en-US" altLang="zh-CN" sz="1589">
                               <a:latin typeface="Cambria Math"/>
                               <a:ea typeface="Cambria Math"/>
                             </a:rPr>
                             <m:t>sin</m:t>
                           </m:r>
                           <m:r>
-                            <a:rPr lang="en-US" altLang="zh-CN" sz="1100" b="0" i="1">
+                            <a:rPr lang="en-US" altLang="zh-CN" sz="1589" i="1">
                               <a:latin typeface="Cambria Math"/>
                               <a:ea typeface="Cambria Math"/>
                             </a:rPr>
@@ -17837,7 +17828,7 @@
                           <m:f>
                             <m:fPr>
                               <m:ctrlPr>
-                                <a:rPr lang="en-US" altLang="zh-CN" sz="1100" b="0" i="1">
+                                <a:rPr lang="en-US" altLang="zh-CN" sz="1589" i="1">
                                   <a:latin typeface="Cambria Math" panose="02040503050406030204" pitchFamily="18" charset="0"/>
                                   <a:ea typeface="Cambria Math"/>
                                 </a:rPr>
@@ -17845,21 +17836,21 @@
                             </m:fPr>
                             <m:num>
                               <m:r>
-                                <a:rPr lang="en-US" altLang="zh-CN" sz="1100" b="0" i="1">
+                                <a:rPr lang="en-US" altLang="zh-CN" sz="1589" i="1">
                                   <a:latin typeface="Cambria Math"/>
                                   <a:ea typeface="Cambria Math"/>
                                 </a:rPr>
                                 <m:t>𝑛</m:t>
                               </m:r>
                               <m:r>
-                                <a:rPr lang="zh-CN" altLang="en-US" sz="1100" b="0" i="1">
+                                <a:rPr lang="zh-CN" altLang="en-US" sz="1589" i="1">
                                   <a:latin typeface="Cambria Math"/>
                                   <a:ea typeface="Cambria Math"/>
                                 </a:rPr>
                                 <m:t>𝜋</m:t>
                               </m:r>
                               <m:r>
-                                <a:rPr lang="en-US" altLang="zh-CN" sz="1100" b="0" i="1">
+                                <a:rPr lang="en-US" altLang="zh-CN" sz="1589" i="1">
                                   <a:latin typeface="Cambria Math"/>
                                   <a:ea typeface="Cambria Math"/>
                                 </a:rPr>
@@ -17868,7 +17859,7 @@
                             </m:num>
                             <m:den>
                               <m:r>
-                                <a:rPr lang="en-US" altLang="zh-CN" sz="1100" b="0" i="1">
+                                <a:rPr lang="en-US" altLang="zh-CN" sz="1589" i="1">
                                   <a:latin typeface="Cambria Math"/>
                                   <a:ea typeface="Cambria Math"/>
                                 </a:rPr>
@@ -17877,7 +17868,7 @@
                             </m:den>
                           </m:f>
                           <m:r>
-                            <a:rPr lang="en-US" altLang="zh-CN" sz="1100" b="0" i="1">
+                            <a:rPr lang="en-US" altLang="zh-CN" sz="1589" i="1">
                               <a:latin typeface="Cambria Math"/>
                               <a:ea typeface="Cambria Math"/>
                             </a:rPr>
@@ -17888,12 +17879,12 @@
                     </m:oMath>
                   </m:oMathPara>
                 </a14:m>
-                <a:endParaRPr lang="zh-CN" altLang="en-US" sz="1100" dirty="0"/>
+                <a:endParaRPr lang="zh-CN" altLang="en-US" sz="1589" dirty="0"/>
               </a:p>
             </p:txBody>
           </p:sp>
         </mc:Choice>
-        <mc:Fallback xmlns="">
+        <mc:Fallback>
           <p:sp>
             <p:nvSpPr>
               <p:cNvPr id="4" name="TextBox 5"/>
@@ -17904,16 +17895,16 @@
             </p:nvSpPr>
             <p:spPr>
               <a:xfrm>
-                <a:off x="4797742" y="2677579"/>
-                <a:ext cx="2281237" cy="566737"/>
+                <a:off x="3755073" y="3867614"/>
+                <a:ext cx="3295120" cy="777842"/>
               </a:xfrm>
               <a:prstGeom prst="rect">
                 <a:avLst/>
               </a:prstGeom>
-              <a:blipFill rotWithShape="1">
+              <a:blipFill>
                 <a:blip r:embed="rId3"/>
                 <a:stretch>
-                  <a:fillRect t="-92473" b="-139785"/>
+                  <a:fillRect/>
                 </a:stretch>
               </a:blipFill>
             </p:spPr>
@@ -17932,8 +17923,8 @@
           </p:sp>
         </mc:Fallback>
       </mc:AlternateContent>
-      <mc:AlternateContent xmlns:mc="http://schemas.openxmlformats.org/markup-compatibility/2006" xmlns:a14="http://schemas.microsoft.com/office/drawing/2010/main">
-        <mc:Choice Requires="a14">
+      <mc:AlternateContent xmlns:mc="http://schemas.openxmlformats.org/markup-compatibility/2006">
+        <mc:Choice xmlns:a14="http://schemas.microsoft.com/office/drawing/2010/main" Requires="a14">
           <p:sp>
             <p:nvSpPr>
               <p:cNvPr id="5" name="TextBox 6"/>
@@ -17942,8 +17933,8 @@
             </p:nvSpPr>
             <p:spPr>
               <a:xfrm>
-                <a:off x="2609864" y="3455286"/>
-                <a:ext cx="2209800" cy="381000"/>
+                <a:off x="594804" y="4990969"/>
+                <a:ext cx="3191933" cy="509755"/>
               </a:xfrm>
               <a:prstGeom prst="rect">
                 <a:avLst/>
@@ -18071,14 +18062,14 @@
                       <m:f>
                         <m:fPr>
                           <m:ctrlPr>
-                            <a:rPr lang="en-US" altLang="zh-CN" sz="1100" i="1">
+                            <a:rPr lang="en-US" altLang="zh-CN" sz="1589" i="1">
                               <a:latin typeface="Cambria Math" panose="02040503050406030204" pitchFamily="18" charset="0"/>
                             </a:rPr>
                           </m:ctrlPr>
                         </m:fPr>
                         <m:num>
                           <m:r>
-                            <a:rPr lang="en-US" altLang="zh-CN" sz="1100" b="0" i="1">
+                            <a:rPr lang="en-US" altLang="zh-CN" sz="1589" i="1">
                               <a:latin typeface="Cambria Math"/>
                             </a:rPr>
                             <m:t>𝑥</m:t>
@@ -18086,13 +18077,13 @@
                         </m:num>
                         <m:den>
                           <m:r>
-                            <a:rPr lang="en-US" altLang="zh-CN" sz="1100" b="0" i="1">
+                            <a:rPr lang="en-US" altLang="zh-CN" sz="1589" i="1">
                               <a:latin typeface="Cambria Math"/>
                             </a:rPr>
                             <m:t>2</m:t>
                           </m:r>
                           <m:r>
-                            <a:rPr lang="en-US" altLang="zh-CN" sz="1100" b="0" i="1">
+                            <a:rPr lang="en-US" altLang="zh-CN" sz="1589" i="1">
                               <a:latin typeface="Cambria Math"/>
                             </a:rPr>
                             <m:t>𝐿</m:t>
@@ -18102,12 +18093,12 @@
                     </m:oMath>
                   </m:oMathPara>
                 </a14:m>
-                <a:endParaRPr lang="zh-CN" altLang="en-US" sz="1100" dirty="0"/>
+                <a:endParaRPr lang="zh-CN" altLang="en-US" sz="1589" dirty="0"/>
               </a:p>
             </p:txBody>
           </p:sp>
         </mc:Choice>
-        <mc:Fallback xmlns="">
+        <mc:Fallback>
           <p:sp>
             <p:nvSpPr>
               <p:cNvPr id="5" name="TextBox 6"/>
@@ -18118,16 +18109,16 @@
             </p:nvSpPr>
             <p:spPr>
               <a:xfrm>
-                <a:off x="2609864" y="3455286"/>
-                <a:ext cx="2209800" cy="381000"/>
+                <a:off x="594804" y="4990969"/>
+                <a:ext cx="3191933" cy="509755"/>
               </a:xfrm>
               <a:prstGeom prst="rect">
                 <a:avLst/>
               </a:prstGeom>
-              <a:blipFill rotWithShape="1">
+              <a:blipFill>
                 <a:blip r:embed="rId4"/>
                 <a:stretch>
-                  <a:fillRect/>
+                  <a:fillRect b="-4819"/>
                 </a:stretch>
               </a:blipFill>
             </p:spPr>
@@ -18146,8 +18137,8 @@
           </p:sp>
         </mc:Fallback>
       </mc:AlternateContent>
-      <mc:AlternateContent xmlns:mc="http://schemas.openxmlformats.org/markup-compatibility/2006" xmlns:a14="http://schemas.microsoft.com/office/drawing/2010/main">
-        <mc:Choice Requires="a14">
+      <mc:AlternateContent xmlns:mc="http://schemas.openxmlformats.org/markup-compatibility/2006">
+        <mc:Choice xmlns:a14="http://schemas.microsoft.com/office/drawing/2010/main" Requires="a14">
           <p:sp>
             <p:nvSpPr>
               <p:cNvPr id="6" name="TextBox 7"/>
@@ -18156,8 +18147,8 @@
             </p:nvSpPr>
             <p:spPr>
               <a:xfrm>
-                <a:off x="4796798" y="3362418"/>
-                <a:ext cx="2281237" cy="566737"/>
+                <a:off x="3753709" y="4856827"/>
+                <a:ext cx="3295120" cy="759119"/>
               </a:xfrm>
               <a:prstGeom prst="rect">
                 <a:avLst/>
@@ -18285,14 +18276,14 @@
                       <m:f>
                         <m:fPr>
                           <m:ctrlPr>
-                            <a:rPr lang="en-US" altLang="zh-CN" sz="1100" i="1">
+                            <a:rPr lang="en-US" altLang="zh-CN" sz="1589" i="1">
                               <a:latin typeface="Cambria Math" panose="02040503050406030204" pitchFamily="18" charset="0"/>
                             </a:rPr>
                           </m:ctrlPr>
                         </m:fPr>
                         <m:num>
                           <m:r>
-                            <a:rPr lang="en-US" altLang="zh-CN" sz="1100" b="0" i="1">
+                            <a:rPr lang="en-US" altLang="zh-CN" sz="1589" i="1">
                               <a:latin typeface="Cambria Math"/>
                             </a:rPr>
                             <m:t>1</m:t>
@@ -18300,7 +18291,7 @@
                         </m:num>
                         <m:den>
                           <m:r>
-                            <a:rPr lang="en-US" altLang="zh-CN" sz="1100" b="0" i="1">
+                            <a:rPr lang="en-US" altLang="zh-CN" sz="1589" i="1">
                               <a:latin typeface="Cambria Math"/>
                             </a:rPr>
                             <m:t>2</m:t>
@@ -18308,7 +18299,7 @@
                         </m:den>
                       </m:f>
                       <m:r>
-                        <a:rPr lang="en-US" altLang="zh-CN" sz="1100" b="0" i="1">
+                        <a:rPr lang="en-US" altLang="zh-CN" sz="1589" i="1">
                           <a:latin typeface="Cambria Math"/>
                         </a:rPr>
                         <m:t>−</m:t>
@@ -18316,14 +18307,14 @@
                       <m:f>
                         <m:fPr>
                           <m:ctrlPr>
-                            <a:rPr lang="en-US" altLang="zh-CN" sz="1100" i="1">
+                            <a:rPr lang="en-US" altLang="zh-CN" sz="1589" i="1">
                               <a:latin typeface="Cambria Math" panose="02040503050406030204" pitchFamily="18" charset="0"/>
                             </a:rPr>
                           </m:ctrlPr>
                         </m:fPr>
                         <m:num>
                           <m:r>
-                            <a:rPr lang="en-US" altLang="zh-CN" sz="1100" b="0" i="1">
+                            <a:rPr lang="en-US" altLang="zh-CN" sz="1589" i="1">
                               <a:latin typeface="Cambria Math"/>
                             </a:rPr>
                             <m:t>1</m:t>
@@ -18331,7 +18322,7 @@
                         </m:num>
                         <m:den>
                           <m:r>
-                            <a:rPr lang="zh-CN" altLang="en-US" sz="1100" i="1">
+                            <a:rPr lang="zh-CN" altLang="en-US" sz="1589" i="1">
                               <a:latin typeface="Cambria Math"/>
                             </a:rPr>
                             <m:t>𝜋</m:t>
@@ -18342,7 +18333,7 @@
                         <m:naryPr>
                           <m:chr m:val="∑"/>
                           <m:ctrlPr>
-                            <a:rPr lang="en-US" altLang="zh-CN" sz="1100" i="1">
+                            <a:rPr lang="en-US" altLang="zh-CN" sz="1589" i="1">
                               <a:latin typeface="Cambria Math" panose="02040503050406030204" pitchFamily="18" charset="0"/>
                               <a:ea typeface="Cambria Math"/>
                             </a:rPr>
@@ -18353,14 +18344,14 @@
                             <m:rPr>
                               <m:brk m:alnAt="23"/>
                             </m:rPr>
-                            <a:rPr lang="en-US" altLang="zh-CN" sz="1100" b="0" i="1">
+                            <a:rPr lang="en-US" altLang="zh-CN" sz="1589" i="1">
                               <a:latin typeface="Cambria Math"/>
                               <a:ea typeface="Cambria Math"/>
                             </a:rPr>
                             <m:t>𝑛</m:t>
                           </m:r>
                           <m:r>
-                            <a:rPr lang="en-US" altLang="zh-CN" sz="1100" b="0" i="1">
+                            <a:rPr lang="en-US" altLang="zh-CN" sz="1589" i="1">
                               <a:latin typeface="Cambria Math"/>
                               <a:ea typeface="Cambria Math"/>
                             </a:rPr>
@@ -18369,7 +18360,7 @@
                         </m:sub>
                         <m:sup>
                           <m:r>
-                            <a:rPr lang="en-US" altLang="zh-CN" sz="1100" i="1">
+                            <a:rPr lang="en-US" altLang="zh-CN" sz="1589" i="1">
                               <a:latin typeface="Cambria Math"/>
                               <a:ea typeface="Cambria Math"/>
                             </a:rPr>
@@ -18380,7 +18371,7 @@
                           <m:f>
                             <m:fPr>
                               <m:ctrlPr>
-                                <a:rPr lang="en-US" altLang="zh-CN" sz="1100" i="1">
+                                <a:rPr lang="en-US" altLang="zh-CN" sz="1589" i="1">
                                   <a:latin typeface="Cambria Math" panose="02040503050406030204" pitchFamily="18" charset="0"/>
                                   <a:ea typeface="Cambria Math"/>
                                 </a:rPr>
@@ -18388,7 +18379,7 @@
                             </m:fPr>
                             <m:num>
                               <m:r>
-                                <a:rPr lang="en-US" altLang="zh-CN" sz="1100" b="0" i="1">
+                                <a:rPr lang="en-US" altLang="zh-CN" sz="1589" i="1">
                                   <a:latin typeface="Cambria Math"/>
                                   <a:ea typeface="Cambria Math"/>
                                 </a:rPr>
@@ -18397,7 +18388,7 @@
                             </m:num>
                             <m:den>
                               <m:r>
-                                <a:rPr lang="en-US" altLang="zh-CN" sz="1100" b="0" i="1">
+                                <a:rPr lang="en-US" altLang="zh-CN" sz="1589" i="1">
                                   <a:latin typeface="Cambria Math"/>
                                   <a:ea typeface="Cambria Math"/>
                                 </a:rPr>
@@ -18409,14 +18400,14 @@
                             <m:rPr>
                               <m:sty m:val="p"/>
                             </m:rPr>
-                            <a:rPr lang="en-US" altLang="zh-CN" sz="1100" b="0" i="0">
+                            <a:rPr lang="en-US" altLang="zh-CN" sz="1589">
                               <a:latin typeface="Cambria Math"/>
                               <a:ea typeface="Cambria Math"/>
                             </a:rPr>
                             <m:t>sin</m:t>
                           </m:r>
                           <m:r>
-                            <a:rPr lang="en-US" altLang="zh-CN" sz="1100" b="0" i="1">
+                            <a:rPr lang="en-US" altLang="zh-CN" sz="1589" i="1">
                               <a:latin typeface="Cambria Math"/>
                               <a:ea typeface="Cambria Math"/>
                             </a:rPr>
@@ -18425,7 +18416,7 @@
                           <m:f>
                             <m:fPr>
                               <m:ctrlPr>
-                                <a:rPr lang="en-US" altLang="zh-CN" sz="1100" b="0" i="1">
+                                <a:rPr lang="en-US" altLang="zh-CN" sz="1589" i="1">
                                   <a:latin typeface="Cambria Math" panose="02040503050406030204" pitchFamily="18" charset="0"/>
                                   <a:ea typeface="Cambria Math"/>
                                 </a:rPr>
@@ -18433,21 +18424,21 @@
                             </m:fPr>
                             <m:num>
                               <m:r>
-                                <a:rPr lang="en-US" altLang="zh-CN" sz="1100" b="0" i="1">
+                                <a:rPr lang="en-US" altLang="zh-CN" sz="1589" i="1">
                                   <a:latin typeface="Cambria Math"/>
                                   <a:ea typeface="Cambria Math"/>
                                 </a:rPr>
                                 <m:t>𝑛</m:t>
                               </m:r>
                               <m:r>
-                                <a:rPr lang="zh-CN" altLang="en-US" sz="1100" b="0" i="1">
+                                <a:rPr lang="zh-CN" altLang="en-US" sz="1589" i="1">
                                   <a:latin typeface="Cambria Math"/>
                                   <a:ea typeface="Cambria Math"/>
                                 </a:rPr>
                                 <m:t>𝜋</m:t>
                               </m:r>
                               <m:r>
-                                <a:rPr lang="en-US" altLang="zh-CN" sz="1100" b="0" i="1">
+                                <a:rPr lang="en-US" altLang="zh-CN" sz="1589" i="1">
                                   <a:latin typeface="Cambria Math"/>
                                   <a:ea typeface="Cambria Math"/>
                                 </a:rPr>
@@ -18456,7 +18447,7 @@
                             </m:num>
                             <m:den>
                               <m:r>
-                                <a:rPr lang="en-US" altLang="zh-CN" sz="1100" b="0" i="1">
+                                <a:rPr lang="en-US" altLang="zh-CN" sz="1589" i="1">
                                   <a:latin typeface="Cambria Math"/>
                                   <a:ea typeface="Cambria Math"/>
                                 </a:rPr>
@@ -18465,7 +18456,7 @@
                             </m:den>
                           </m:f>
                           <m:r>
-                            <a:rPr lang="en-US" altLang="zh-CN" sz="1100" b="0" i="1">
+                            <a:rPr lang="en-US" altLang="zh-CN" sz="1589" i="1">
                               <a:latin typeface="Cambria Math"/>
                               <a:ea typeface="Cambria Math"/>
                             </a:rPr>
@@ -18476,12 +18467,12 @@
                     </m:oMath>
                   </m:oMathPara>
                 </a14:m>
-                <a:endParaRPr lang="zh-CN" altLang="en-US" sz="1100" dirty="0"/>
+                <a:endParaRPr lang="zh-CN" altLang="en-US" sz="1589" dirty="0"/>
               </a:p>
             </p:txBody>
           </p:sp>
         </mc:Choice>
-        <mc:Fallback xmlns="">
+        <mc:Fallback>
           <p:sp>
             <p:nvSpPr>
               <p:cNvPr id="6" name="TextBox 7"/>
@@ -18492,16 +18483,16 @@
             </p:nvSpPr>
             <p:spPr>
               <a:xfrm>
-                <a:off x="4796798" y="3362418"/>
-                <a:ext cx="2281237" cy="566737"/>
+                <a:off x="3753709" y="4856827"/>
+                <a:ext cx="3295120" cy="759119"/>
               </a:xfrm>
               <a:prstGeom prst="rect">
                 <a:avLst/>
               </a:prstGeom>
-              <a:blipFill rotWithShape="1">
+              <a:blipFill>
                 <a:blip r:embed="rId5"/>
                 <a:stretch>
-                  <a:fillRect t="-92473" b="-139785"/>
+                  <a:fillRect/>
                 </a:stretch>
               </a:blipFill>
             </p:spPr>
@@ -18520,8 +18511,8 @@
           </p:sp>
         </mc:Fallback>
       </mc:AlternateContent>
-      <mc:AlternateContent xmlns:mc="http://schemas.openxmlformats.org/markup-compatibility/2006" xmlns:a14="http://schemas.microsoft.com/office/drawing/2010/main">
-        <mc:Choice Requires="a14">
+      <mc:AlternateContent xmlns:mc="http://schemas.openxmlformats.org/markup-compatibility/2006">
+        <mc:Choice xmlns:a14="http://schemas.microsoft.com/office/drawing/2010/main" Requires="a14">
           <p:sp>
             <p:nvSpPr>
               <p:cNvPr id="7" name="TextBox 9"/>
@@ -18530,8 +18521,8 @@
             </p:nvSpPr>
             <p:spPr>
               <a:xfrm>
-                <a:off x="4654638" y="4082185"/>
-                <a:ext cx="2281238" cy="566738"/>
+                <a:off x="3548366" y="5896489"/>
+                <a:ext cx="3295122" cy="777842"/>
               </a:xfrm>
               <a:prstGeom prst="rect">
                 <a:avLst/>
@@ -18659,14 +18650,14 @@
                       <m:f>
                         <m:fPr>
                           <m:ctrlPr>
-                            <a:rPr lang="en-US" altLang="zh-CN" sz="1100" i="1">
+                            <a:rPr lang="en-US" altLang="zh-CN" sz="1589" i="1">
                               <a:latin typeface="Cambria Math" panose="02040503050406030204" pitchFamily="18" charset="0"/>
                             </a:rPr>
                           </m:ctrlPr>
                         </m:fPr>
                         <m:num>
                           <m:r>
-                            <a:rPr lang="en-US" altLang="zh-CN" sz="1100" b="0" i="1">
+                            <a:rPr lang="en-US" altLang="zh-CN" sz="1589" i="1">
                               <a:latin typeface="Cambria Math"/>
                             </a:rPr>
                             <m:t>8</m:t>
@@ -18676,14 +18667,14 @@
                           <m:sSup>
                             <m:sSupPr>
                               <m:ctrlPr>
-                                <a:rPr lang="en-US" altLang="zh-CN" sz="1100" i="1">
+                                <a:rPr lang="en-US" altLang="zh-CN" sz="1589" i="1">
                                   <a:latin typeface="Cambria Math" panose="02040503050406030204" pitchFamily="18" charset="0"/>
                                 </a:rPr>
                               </m:ctrlPr>
                             </m:sSupPr>
                             <m:e>
                               <m:r>
-                                <a:rPr lang="zh-CN" altLang="en-US" sz="1100" i="1">
+                                <a:rPr lang="zh-CN" altLang="en-US" sz="1589" i="1">
                                   <a:latin typeface="Cambria Math"/>
                                 </a:rPr>
                                 <m:t>𝜋</m:t>
@@ -18691,7 +18682,7 @@
                             </m:e>
                             <m:sup>
                               <m:r>
-                                <a:rPr lang="en-US" altLang="zh-CN" sz="1100" b="0" i="1">
+                                <a:rPr lang="en-US" altLang="zh-CN" sz="1589" i="1">
                                   <a:latin typeface="Cambria Math"/>
                                 </a:rPr>
                                 <m:t>2</m:t>
@@ -18704,7 +18695,7 @@
                         <m:naryPr>
                           <m:chr m:val="∑"/>
                           <m:ctrlPr>
-                            <a:rPr lang="en-US" altLang="zh-CN" sz="1100" i="1">
+                            <a:rPr lang="en-US" altLang="zh-CN" sz="1589" i="1">
                               <a:latin typeface="Cambria Math" panose="02040503050406030204" pitchFamily="18" charset="0"/>
                               <a:ea typeface="Cambria Math"/>
                             </a:rPr>
@@ -18715,14 +18706,14 @@
                             <m:rPr>
                               <m:brk m:alnAt="23"/>
                             </m:rPr>
-                            <a:rPr lang="en-US" altLang="zh-CN" sz="1100" b="0" i="1">
+                            <a:rPr lang="en-US" altLang="zh-CN" sz="1589" i="1">
                               <a:latin typeface="Cambria Math"/>
                               <a:ea typeface="Cambria Math"/>
                             </a:rPr>
                             <m:t>𝑛</m:t>
                           </m:r>
                           <m:r>
-                            <a:rPr lang="en-US" altLang="zh-CN" sz="1100" b="0" i="1">
+                            <a:rPr lang="en-US" altLang="zh-CN" sz="1589" i="1">
                               <a:latin typeface="Cambria Math"/>
                               <a:ea typeface="Cambria Math"/>
                             </a:rPr>
@@ -18731,7 +18722,7 @@
                         </m:sub>
                         <m:sup>
                           <m:r>
-                            <a:rPr lang="en-US" altLang="zh-CN" sz="1100" i="1">
+                            <a:rPr lang="en-US" altLang="zh-CN" sz="1589" i="1">
                               <a:latin typeface="Cambria Math"/>
                               <a:ea typeface="Cambria Math"/>
                             </a:rPr>
@@ -18742,7 +18733,7 @@
                           <m:f>
                             <m:fPr>
                               <m:ctrlPr>
-                                <a:rPr lang="en-US" altLang="zh-CN" sz="1100" i="1">
+                                <a:rPr lang="en-US" altLang="zh-CN" sz="1589" i="1">
                                   <a:latin typeface="Cambria Math" panose="02040503050406030204" pitchFamily="18" charset="0"/>
                                   <a:ea typeface="Cambria Math"/>
                                 </a:rPr>
@@ -18752,7 +18743,7 @@
                               <m:sSup>
                                 <m:sSupPr>
                                   <m:ctrlPr>
-                                    <a:rPr lang="en-US" altLang="zh-CN" sz="1100" i="1">
+                                    <a:rPr lang="en-US" altLang="zh-CN" sz="1589" i="1">
                                       <a:latin typeface="Cambria Math" panose="02040503050406030204" pitchFamily="18" charset="0"/>
                                       <a:ea typeface="Cambria Math"/>
                                     </a:rPr>
@@ -18760,7 +18751,7 @@
                                 </m:sSupPr>
                                 <m:e>
                                   <m:r>
-                                    <a:rPr lang="en-US" altLang="zh-CN" sz="1100" b="0" i="1">
+                                    <a:rPr lang="en-US" altLang="zh-CN" sz="1589" i="1">
                                       <a:latin typeface="Cambria Math"/>
                                       <a:ea typeface="Cambria Math"/>
                                     </a:rPr>
@@ -18769,21 +18760,21 @@
                                 </m:e>
                                 <m:sup>
                                   <m:r>
-                                    <a:rPr lang="en-US" altLang="zh-CN" sz="1100" b="0" i="1">
+                                    <a:rPr lang="en-US" altLang="zh-CN" sz="1589" i="1">
                                       <a:latin typeface="Cambria Math"/>
                                       <a:ea typeface="Cambria Math"/>
                                     </a:rPr>
                                     <m:t>(</m:t>
                                   </m:r>
                                   <m:r>
-                                    <a:rPr lang="en-US" altLang="zh-CN" sz="1100" b="0" i="1">
+                                    <a:rPr lang="en-US" altLang="zh-CN" sz="1589" i="1">
                                       <a:latin typeface="Cambria Math"/>
                                       <a:ea typeface="Cambria Math"/>
                                     </a:rPr>
                                     <m:t>𝑛</m:t>
                                   </m:r>
                                   <m:r>
-                                    <a:rPr lang="en-US" altLang="zh-CN" sz="1100" b="0" i="1">
+                                    <a:rPr lang="en-US" altLang="zh-CN" sz="1589" i="1">
                                       <a:latin typeface="Cambria Math"/>
                                       <a:ea typeface="Cambria Math"/>
                                     </a:rPr>
@@ -18796,7 +18787,7 @@
                               <m:sSup>
                                 <m:sSupPr>
                                   <m:ctrlPr>
-                                    <a:rPr lang="en-US" altLang="zh-CN" sz="1100" b="0" i="1">
+                                    <a:rPr lang="en-US" altLang="zh-CN" sz="1589" i="1">
                                       <a:latin typeface="Cambria Math" panose="02040503050406030204" pitchFamily="18" charset="0"/>
                                       <a:ea typeface="Cambria Math"/>
                                     </a:rPr>
@@ -18804,7 +18795,7 @@
                                 </m:sSupPr>
                                 <m:e>
                                   <m:r>
-                                    <a:rPr lang="en-US" altLang="zh-CN" sz="1100" b="0" i="1">
+                                    <a:rPr lang="en-US" altLang="zh-CN" sz="1589" i="1">
                                       <a:latin typeface="Cambria Math"/>
                                       <a:ea typeface="Cambria Math"/>
                                     </a:rPr>
@@ -18813,7 +18804,7 @@
                                 </m:e>
                                 <m:sup>
                                   <m:r>
-                                    <a:rPr lang="en-US" altLang="zh-CN" sz="1100" b="0" i="1">
+                                    <a:rPr lang="en-US" altLang="zh-CN" sz="1589" i="1">
                                       <a:latin typeface="Cambria Math"/>
                                       <a:ea typeface="Cambria Math"/>
                                     </a:rPr>
@@ -18827,14 +18818,14 @@
                             <m:rPr>
                               <m:sty m:val="p"/>
                             </m:rPr>
-                            <a:rPr lang="en-US" altLang="zh-CN" sz="1100" b="0" i="0">
+                            <a:rPr lang="en-US" altLang="zh-CN" sz="1589">
                               <a:latin typeface="Cambria Math"/>
                               <a:ea typeface="Cambria Math"/>
                             </a:rPr>
                             <m:t>sin</m:t>
                           </m:r>
                           <m:r>
-                            <a:rPr lang="en-US" altLang="zh-CN" sz="1100" b="0" i="1">
+                            <a:rPr lang="en-US" altLang="zh-CN" sz="1589" i="1">
                               <a:latin typeface="Cambria Math"/>
                               <a:ea typeface="Cambria Math"/>
                             </a:rPr>
@@ -18843,7 +18834,7 @@
                           <m:f>
                             <m:fPr>
                               <m:ctrlPr>
-                                <a:rPr lang="en-US" altLang="zh-CN" sz="1100" b="0" i="1">
+                                <a:rPr lang="en-US" altLang="zh-CN" sz="1589" i="1">
                                   <a:latin typeface="Cambria Math" panose="02040503050406030204" pitchFamily="18" charset="0"/>
                                   <a:ea typeface="Cambria Math"/>
                                 </a:rPr>
@@ -18851,21 +18842,21 @@
                             </m:fPr>
                             <m:num>
                               <m:r>
-                                <a:rPr lang="en-US" altLang="zh-CN" sz="1100" b="0" i="1">
+                                <a:rPr lang="en-US" altLang="zh-CN" sz="1589" i="1">
                                   <a:latin typeface="Cambria Math"/>
                                   <a:ea typeface="Cambria Math"/>
                                 </a:rPr>
                                 <m:t>𝑛</m:t>
                               </m:r>
                               <m:r>
-                                <a:rPr lang="zh-CN" altLang="en-US" sz="1100" b="0" i="1">
+                                <a:rPr lang="zh-CN" altLang="en-US" sz="1589" i="1">
                                   <a:latin typeface="Cambria Math"/>
                                   <a:ea typeface="Cambria Math"/>
                                 </a:rPr>
                                 <m:t>𝜋</m:t>
                               </m:r>
                               <m:r>
-                                <a:rPr lang="en-US" altLang="zh-CN" sz="1100" b="0" i="1">
+                                <a:rPr lang="en-US" altLang="zh-CN" sz="1589" i="1">
                                   <a:latin typeface="Cambria Math"/>
                                   <a:ea typeface="Cambria Math"/>
                                 </a:rPr>
@@ -18874,7 +18865,7 @@
                             </m:num>
                             <m:den>
                               <m:r>
-                                <a:rPr lang="en-US" altLang="zh-CN" sz="1100" b="0" i="1">
+                                <a:rPr lang="en-US" altLang="zh-CN" sz="1589" i="1">
                                   <a:latin typeface="Cambria Math"/>
                                   <a:ea typeface="Cambria Math"/>
                                 </a:rPr>
@@ -18883,7 +18874,7 @@
                             </m:den>
                           </m:f>
                           <m:r>
-                            <a:rPr lang="en-US" altLang="zh-CN" sz="1100" b="0" i="1">
+                            <a:rPr lang="en-US" altLang="zh-CN" sz="1589" i="1">
                               <a:latin typeface="Cambria Math"/>
                               <a:ea typeface="Cambria Math"/>
                             </a:rPr>
@@ -18894,12 +18885,12 @@
                     </m:oMath>
                   </m:oMathPara>
                 </a14:m>
-                <a:endParaRPr lang="zh-CN" altLang="en-US" sz="1100" dirty="0"/>
+                <a:endParaRPr lang="zh-CN" altLang="en-US" sz="1589" dirty="0"/>
               </a:p>
             </p:txBody>
           </p:sp>
         </mc:Choice>
-        <mc:Fallback xmlns="">
+        <mc:Fallback>
           <p:sp>
             <p:nvSpPr>
               <p:cNvPr id="7" name="TextBox 9"/>
@@ -18910,16 +18901,16 @@
             </p:nvSpPr>
             <p:spPr>
               <a:xfrm>
-                <a:off x="4654638" y="4082185"/>
-                <a:ext cx="2281238" cy="566738"/>
+                <a:off x="3548366" y="5896489"/>
+                <a:ext cx="3295122" cy="777842"/>
               </a:xfrm>
               <a:prstGeom prst="rect">
                 <a:avLst/>
               </a:prstGeom>
-              <a:blipFill rotWithShape="1">
+              <a:blipFill>
                 <a:blip r:embed="rId6"/>
                 <a:stretch>
-                  <a:fillRect l="-1872" t="-92473" b="-139785"/>
+                  <a:fillRect/>
                 </a:stretch>
               </a:blipFill>
             </p:spPr>
@@ -18938,8 +18929,8 @@
           </p:sp>
         </mc:Fallback>
       </mc:AlternateContent>
-      <mc:AlternateContent xmlns:mc="http://schemas.openxmlformats.org/markup-compatibility/2006" xmlns:a14="http://schemas.microsoft.com/office/drawing/2010/main">
-        <mc:Choice Requires="a14">
+      <mc:AlternateContent xmlns:mc="http://schemas.openxmlformats.org/markup-compatibility/2006">
+        <mc:Choice xmlns:a14="http://schemas.microsoft.com/office/drawing/2010/main" Requires="a14">
           <p:sp>
             <p:nvSpPr>
               <p:cNvPr id="8" name="TextBox 10"/>
@@ -18948,8 +18939,8 @@
             </p:nvSpPr>
             <p:spPr>
               <a:xfrm>
-                <a:off x="2609864" y="4232998"/>
-                <a:ext cx="2228850" cy="265112"/>
+                <a:off x="594804" y="6114331"/>
+                <a:ext cx="3219450" cy="336887"/>
               </a:xfrm>
               <a:prstGeom prst="rect">
                 <a:avLst/>
@@ -19075,25 +19066,25 @@
                     </m:oMathParaPr>
                     <m:oMath xmlns:m="http://schemas.openxmlformats.org/officeDocument/2006/math">
                       <m:r>
-                        <a:rPr lang="en-US" altLang="zh-CN" sz="1100" b="0" i="1">
+                        <a:rPr lang="en-US" altLang="zh-CN" sz="1589" i="1">
                           <a:latin typeface="Cambria Math"/>
                         </a:rPr>
                         <m:t>𝑇</m:t>
                       </m:r>
                       <m:r>
-                        <a:rPr lang="en-US" altLang="zh-CN" sz="1100" b="0" i="1">
+                        <a:rPr lang="en-US" altLang="zh-CN" sz="1589" i="1">
                           <a:latin typeface="Cambria Math"/>
                         </a:rPr>
                         <m:t>(</m:t>
                       </m:r>
                       <m:r>
-                        <a:rPr lang="en-US" altLang="zh-CN" sz="1100" b="0" i="1">
+                        <a:rPr lang="en-US" altLang="zh-CN" sz="1589" i="1">
                           <a:latin typeface="Cambria Math"/>
                         </a:rPr>
                         <m:t>𝑥</m:t>
                       </m:r>
                       <m:r>
-                        <a:rPr lang="en-US" altLang="zh-CN" sz="1100" b="0" i="1">
+                        <a:rPr lang="en-US" altLang="zh-CN" sz="1589" i="1">
                           <a:latin typeface="Cambria Math"/>
                         </a:rPr>
                         <m:t>)</m:t>
@@ -19101,12 +19092,12 @@
                     </m:oMath>
                   </m:oMathPara>
                 </a14:m>
-                <a:endParaRPr lang="zh-CN" altLang="en-US" sz="1100" dirty="0"/>
+                <a:endParaRPr lang="zh-CN" altLang="en-US" sz="1589" dirty="0"/>
               </a:p>
             </p:txBody>
           </p:sp>
         </mc:Choice>
-        <mc:Fallback xmlns="">
+        <mc:Fallback>
           <p:sp>
             <p:nvSpPr>
               <p:cNvPr id="8" name="TextBox 10"/>
@@ -19117,16 +19108,16 @@
             </p:nvSpPr>
             <p:spPr>
               <a:xfrm>
-                <a:off x="2609864" y="4232998"/>
-                <a:ext cx="2228850" cy="265112"/>
+                <a:off x="594804" y="6114331"/>
+                <a:ext cx="3219450" cy="336887"/>
               </a:xfrm>
               <a:prstGeom prst="rect">
                 <a:avLst/>
               </a:prstGeom>
-              <a:blipFill rotWithShape="1">
+              <a:blipFill>
                 <a:blip r:embed="rId7"/>
                 <a:stretch>
-                  <a:fillRect b="-2273"/>
+                  <a:fillRect b="-10909"/>
                 </a:stretch>
               </a:blipFill>
             </p:spPr>
@@ -19183,8 +19174,8 @@
         </p:nvCxnSpPr>
         <p:spPr>
           <a:xfrm flipV="1">
-            <a:off x="251520" y="512676"/>
-            <a:ext cx="0" cy="5796644"/>
+            <a:off x="-2811693" y="740532"/>
+            <a:ext cx="0" cy="8372930"/>
           </a:xfrm>
           <a:prstGeom prst="straightConnector1">
             <a:avLst/>
@@ -19219,8 +19210,8 @@
         </p:nvCxnSpPr>
         <p:spPr>
           <a:xfrm>
-            <a:off x="251520" y="6293937"/>
-            <a:ext cx="8640960" cy="0"/>
+            <a:off x="-2811694" y="9091242"/>
+            <a:ext cx="12481387" cy="0"/>
           </a:xfrm>
           <a:prstGeom prst="straightConnector1">
             <a:avLst/>
@@ -19255,8 +19246,8 @@
         </p:nvSpPr>
         <p:spPr>
           <a:xfrm>
-            <a:off x="740664" y="4437112"/>
-            <a:ext cx="7159752" cy="1872248"/>
+            <a:off x="-2105152" y="6409162"/>
+            <a:ext cx="10341864" cy="2704358"/>
           </a:xfrm>
           <a:custGeom>
             <a:avLst/>
@@ -19377,7 +19368,7 @@
           <a:lstStyle/>
           <a:p>
             <a:pPr algn="ctr"/>
-            <a:endParaRPr lang="zh-CN" altLang="en-US"/>
+            <a:endParaRPr lang="zh-CN" altLang="en-US" sz="2600"/>
           </a:p>
         </p:txBody>
       </p:sp>
@@ -19389,8 +19380,8 @@
         </p:nvSpPr>
         <p:spPr>
           <a:xfrm>
-            <a:off x="1475656" y="5805264"/>
-            <a:ext cx="2484276" cy="369332"/>
+            <a:off x="-1043497" y="8385382"/>
+            <a:ext cx="3588399" cy="492443"/>
           </a:xfrm>
           <a:prstGeom prst="rect">
             <a:avLst/>
@@ -19404,7 +19395,7 @@
           <a:lstStyle/>
           <a:p>
             <a:r>
-              <a:rPr lang="zh-CN" altLang="en-US" dirty="0"/>
+              <a:rPr lang="zh-CN" altLang="en-US" sz="2600" dirty="0"/>
               <a:t>待测物体 </a:t>
             </a:r>
           </a:p>
@@ -19418,8 +19409,8 @@
         </p:nvSpPr>
         <p:spPr>
           <a:xfrm>
-            <a:off x="0" y="656692"/>
-            <a:ext cx="252028" cy="369332"/>
+            <a:off x="-3175000" y="948556"/>
+            <a:ext cx="364040" cy="492443"/>
           </a:xfrm>
           <a:prstGeom prst="rect">
             <a:avLst/>
@@ -19433,10 +19424,10 @@
           <a:lstStyle/>
           <a:p>
             <a:r>
-              <a:rPr lang="en-US" altLang="zh-CN" dirty="0"/>
+              <a:rPr lang="en-US" altLang="zh-CN" sz="2600" dirty="0"/>
               <a:t>Z</a:t>
             </a:r>
-            <a:endParaRPr lang="zh-CN" altLang="en-US" dirty="0"/>
+            <a:endParaRPr lang="zh-CN" altLang="en-US" sz="2600" dirty="0"/>
           </a:p>
         </p:txBody>
       </p:sp>
@@ -19448,8 +19439,8 @@
         </p:nvSpPr>
         <p:spPr>
           <a:xfrm>
-            <a:off x="7992380" y="6381328"/>
-            <a:ext cx="468052" cy="369332"/>
+            <a:off x="8369549" y="9217474"/>
+            <a:ext cx="676075" cy="492443"/>
           </a:xfrm>
           <a:prstGeom prst="rect">
             <a:avLst/>
@@ -19463,10 +19454,10 @@
           <a:lstStyle/>
           <a:p>
             <a:r>
-              <a:rPr lang="en-US" altLang="zh-CN" dirty="0"/>
+              <a:rPr lang="en-US" altLang="zh-CN" sz="2600" dirty="0"/>
               <a:t>X</a:t>
             </a:r>
-            <a:endParaRPr lang="zh-CN" altLang="en-US" dirty="0"/>
+            <a:endParaRPr lang="zh-CN" altLang="en-US" sz="2600" dirty="0"/>
           </a:p>
         </p:txBody>
       </p:sp>
@@ -19478,8 +19469,8 @@
         </p:nvSpPr>
         <p:spPr>
           <a:xfrm>
-            <a:off x="1619672" y="512676"/>
-            <a:ext cx="936104" cy="646331"/>
+            <a:off x="-835474" y="740532"/>
+            <a:ext cx="1352150" cy="892552"/>
           </a:xfrm>
           <a:prstGeom prst="rect">
             <a:avLst/>
@@ -19493,14 +19484,14 @@
           <a:lstStyle/>
           <a:p>
             <a:r>
-              <a:rPr lang="zh-CN" altLang="en-US" dirty="0"/>
+              <a:rPr lang="zh-CN" altLang="en-US" sz="2600" dirty="0"/>
               <a:t>投影仪 </a:t>
             </a:r>
             <a:r>
-              <a:rPr lang="en-US" altLang="zh-CN" dirty="0"/>
+              <a:rPr lang="en-US" altLang="zh-CN" sz="2600" dirty="0"/>
               <a:t>P</a:t>
             </a:r>
-            <a:endParaRPr lang="zh-CN" altLang="en-US" dirty="0"/>
+            <a:endParaRPr lang="zh-CN" altLang="en-US" sz="2600" dirty="0"/>
           </a:p>
         </p:txBody>
       </p:sp>
@@ -19512,8 +19503,8 @@
         </p:nvSpPr>
         <p:spPr>
           <a:xfrm>
-            <a:off x="6768244" y="473664"/>
-            <a:ext cx="936104" cy="646331"/>
+            <a:off x="6601353" y="684181"/>
+            <a:ext cx="1352150" cy="892552"/>
           </a:xfrm>
           <a:prstGeom prst="rect">
             <a:avLst/>
@@ -19527,17 +19518,17 @@
           <a:lstStyle/>
           <a:p>
             <a:r>
-              <a:rPr lang="zh-CN" altLang="en-US" dirty="0"/>
+              <a:rPr lang="zh-CN" altLang="en-US" sz="2600" dirty="0"/>
               <a:t>相机</a:t>
             </a:r>
-            <a:endParaRPr lang="en-US" altLang="zh-CN" dirty="0"/>
+            <a:endParaRPr lang="en-US" altLang="zh-CN" sz="2600" dirty="0"/>
           </a:p>
           <a:p>
             <a:r>
-              <a:rPr lang="en-US" altLang="zh-CN" dirty="0"/>
+              <a:rPr lang="en-US" altLang="zh-CN" sz="2600" dirty="0"/>
               <a:t>C</a:t>
             </a:r>
-            <a:endParaRPr lang="zh-CN" altLang="en-US" dirty="0"/>
+            <a:endParaRPr lang="zh-CN" altLang="en-US" sz="2600" dirty="0"/>
           </a:p>
         </p:txBody>
       </p:sp>
@@ -19549,8 +19540,8 @@
         </p:nvSpPr>
         <p:spPr>
           <a:xfrm>
-            <a:off x="1619672" y="1159007"/>
-            <a:ext cx="144016" cy="109753"/>
+            <a:off x="-835474" y="1674122"/>
+            <a:ext cx="208023" cy="158532"/>
           </a:xfrm>
           <a:prstGeom prst="triangle">
             <a:avLst/>
@@ -19585,7 +19576,7 @@
           <a:lstStyle/>
           <a:p>
             <a:pPr algn="ctr"/>
-            <a:endParaRPr lang="zh-CN" altLang="en-US"/>
+            <a:endParaRPr lang="zh-CN" altLang="en-US" sz="2600"/>
           </a:p>
         </p:txBody>
       </p:sp>
@@ -19597,8 +19588,8 @@
         </p:nvSpPr>
         <p:spPr>
           <a:xfrm>
-            <a:off x="6630364" y="1159006"/>
-            <a:ext cx="144016" cy="109753"/>
+            <a:off x="6402193" y="1674121"/>
+            <a:ext cx="208023" cy="158532"/>
           </a:xfrm>
           <a:prstGeom prst="triangle">
             <a:avLst/>
@@ -19633,7 +19624,7 @@
           <a:lstStyle/>
           <a:p>
             <a:pPr algn="ctr"/>
-            <a:endParaRPr lang="zh-CN" altLang="en-US"/>
+            <a:endParaRPr lang="zh-CN" altLang="en-US" sz="2600"/>
           </a:p>
         </p:txBody>
       </p:sp>
@@ -19647,8 +19638,8 @@
         </p:nvCxnSpPr>
         <p:spPr>
           <a:xfrm flipV="1">
-            <a:off x="4208226" y="1268759"/>
-            <a:ext cx="2422138" cy="1"/>
+            <a:off x="2903549" y="1832653"/>
+            <a:ext cx="3498644" cy="1"/>
           </a:xfrm>
           <a:prstGeom prst="straightConnector1">
             <a:avLst/>
@@ -19685,8 +19676,8 @@
         </p:nvCxnSpPr>
         <p:spPr>
           <a:xfrm flipH="1">
-            <a:off x="1763688" y="1268760"/>
-            <a:ext cx="2052228" cy="0"/>
+            <a:off x="-627451" y="1832653"/>
+            <a:ext cx="2964329" cy="0"/>
           </a:xfrm>
           <a:prstGeom prst="straightConnector1">
             <a:avLst/>
@@ -19721,8 +19712,8 @@
         </p:nvSpPr>
         <p:spPr>
           <a:xfrm>
-            <a:off x="3815916" y="1119995"/>
-            <a:ext cx="392310" cy="369332"/>
+            <a:off x="2336879" y="1617771"/>
+            <a:ext cx="566670" cy="492443"/>
           </a:xfrm>
           <a:prstGeom prst="rect">
             <a:avLst/>
@@ -19736,10 +19727,10 @@
           <a:lstStyle/>
           <a:p>
             <a:r>
-              <a:rPr lang="en-US" altLang="zh-CN" dirty="0"/>
+              <a:rPr lang="en-US" altLang="zh-CN" sz="2600" dirty="0"/>
               <a:t>d</a:t>
             </a:r>
-            <a:endParaRPr lang="zh-CN" altLang="en-US" dirty="0"/>
+            <a:endParaRPr lang="zh-CN" altLang="en-US" sz="2600" dirty="0"/>
           </a:p>
         </p:txBody>
       </p:sp>
@@ -19754,8 +19745,8 @@
         </p:nvCxnSpPr>
         <p:spPr>
           <a:xfrm>
-            <a:off x="1691680" y="1268760"/>
-            <a:ext cx="3303367" cy="5080302"/>
+            <a:off x="-731462" y="1832654"/>
+            <a:ext cx="4771530" cy="7338214"/>
           </a:xfrm>
           <a:prstGeom prst="straightConnector1">
             <a:avLst/>
@@ -19793,8 +19784,8 @@
         </p:nvCxnSpPr>
         <p:spPr>
           <a:xfrm flipH="1">
-            <a:off x="3943797" y="1268759"/>
-            <a:ext cx="2686567" cy="5000594"/>
+            <a:off x="2521596" y="1832652"/>
+            <a:ext cx="3880597" cy="7223080"/>
           </a:xfrm>
           <a:prstGeom prst="straightConnector1">
             <a:avLst/>
@@ -19830,8 +19821,8 @@
         </p:nvSpPr>
         <p:spPr>
           <a:xfrm>
-            <a:off x="3943797" y="5118954"/>
-            <a:ext cx="628203" cy="369332"/>
+            <a:off x="2521597" y="7394045"/>
+            <a:ext cx="907404" cy="492443"/>
           </a:xfrm>
           <a:prstGeom prst="rect">
             <a:avLst/>
@@ -19845,7 +19836,7 @@
           <a:lstStyle/>
           <a:p>
             <a:r>
-              <a:rPr lang="en-US" altLang="zh-CN" dirty="0"/>
+              <a:rPr lang="en-US" altLang="zh-CN" sz="2600" dirty="0"/>
               <a:t>O</a:t>
             </a:r>
           </a:p>
@@ -19859,8 +19850,8 @@
         </p:nvSpPr>
         <p:spPr>
           <a:xfrm>
-            <a:off x="3746234" y="6343044"/>
-            <a:ext cx="630070" cy="369332"/>
+            <a:off x="2236227" y="9162175"/>
+            <a:ext cx="910101" cy="492443"/>
           </a:xfrm>
           <a:prstGeom prst="rect">
             <a:avLst/>
@@ -19874,10 +19865,10 @@
           <a:lstStyle/>
           <a:p>
             <a:r>
-              <a:rPr lang="en-US" altLang="zh-CN" dirty="0"/>
+              <a:rPr lang="en-US" altLang="zh-CN" sz="2600" dirty="0"/>
               <a:t>A</a:t>
             </a:r>
-            <a:endParaRPr lang="zh-CN" altLang="en-US" dirty="0"/>
+            <a:endParaRPr lang="zh-CN" altLang="en-US" sz="2600" dirty="0"/>
           </a:p>
         </p:txBody>
       </p:sp>
@@ -19889,8 +19880,8 @@
         </p:nvSpPr>
         <p:spPr>
           <a:xfrm>
-            <a:off x="4680012" y="6349062"/>
-            <a:ext cx="630070" cy="369332"/>
+            <a:off x="3585017" y="9170868"/>
+            <a:ext cx="910101" cy="492443"/>
           </a:xfrm>
           <a:prstGeom prst="rect">
             <a:avLst/>
@@ -19904,10 +19895,10 @@
           <a:lstStyle/>
           <a:p>
             <a:r>
-              <a:rPr lang="en-US" altLang="zh-CN" dirty="0"/>
+              <a:rPr lang="en-US" altLang="zh-CN" sz="2600" dirty="0"/>
               <a:t>B</a:t>
             </a:r>
-            <a:endParaRPr lang="zh-CN" altLang="en-US" dirty="0"/>
+            <a:endParaRPr lang="zh-CN" altLang="en-US" sz="2600" dirty="0"/>
           </a:p>
         </p:txBody>
       </p:sp>
@@ -19919,8 +19910,8 @@
         </p:nvCxnSpPr>
         <p:spPr>
           <a:xfrm flipV="1">
-            <a:off x="4376303" y="5397820"/>
-            <a:ext cx="1" cy="263428"/>
+            <a:off x="3146328" y="7796851"/>
+            <a:ext cx="1" cy="380507"/>
           </a:xfrm>
           <a:prstGeom prst="straightConnector1">
             <a:avLst/>
@@ -19955,8 +19946,8 @@
         </p:nvCxnSpPr>
         <p:spPr>
           <a:xfrm>
-            <a:off x="4391980" y="5979280"/>
-            <a:ext cx="0" cy="324952"/>
+            <a:off x="3168971" y="8636738"/>
+            <a:ext cx="0" cy="469375"/>
           </a:xfrm>
           <a:prstGeom prst="straightConnector1">
             <a:avLst/>
@@ -19993,8 +19984,8 @@
         </p:nvCxnSpPr>
         <p:spPr>
           <a:xfrm>
-            <a:off x="1691680" y="1268760"/>
-            <a:ext cx="2252117" cy="5035472"/>
+            <a:off x="-731462" y="1832653"/>
+            <a:ext cx="3253058" cy="7273460"/>
           </a:xfrm>
           <a:prstGeom prst="line">
             <a:avLst/>
@@ -20021,8 +20012,8 @@
           </a:fontRef>
         </p:style>
       </p:cxnSp>
-      <mc:AlternateContent xmlns:mc="http://schemas.openxmlformats.org/markup-compatibility/2006" xmlns:a14="http://schemas.microsoft.com/office/drawing/2010/main">
-        <mc:Choice Requires="a14">
+      <mc:AlternateContent xmlns:mc="http://schemas.openxmlformats.org/markup-compatibility/2006">
+        <mc:Choice xmlns:a14="http://schemas.microsoft.com/office/drawing/2010/main" Requires="a14">
           <p:sp>
             <p:nvSpPr>
               <p:cNvPr id="78" name="TextBox 77"/>
@@ -20031,8 +20022,8 @@
             </p:nvSpPr>
             <p:spPr>
               <a:xfrm>
-                <a:off x="30691" y="6084687"/>
-                <a:ext cx="466794" cy="369332"/>
+                <a:off x="-3130668" y="8788993"/>
+                <a:ext cx="591829" cy="492443"/>
               </a:xfrm>
               <a:prstGeom prst="rect">
                 <a:avLst/>
@@ -20053,7 +20044,7 @@
                     </m:oMathParaPr>
                     <m:oMath xmlns:m="http://schemas.openxmlformats.org/officeDocument/2006/math">
                       <m:r>
-                        <a:rPr lang="zh-CN" altLang="en-US" i="1" smtClean="0">
+                        <a:rPr lang="zh-CN" altLang="en-US" sz="2600" i="1">
                           <a:latin typeface="Cambria Math"/>
                         </a:rPr>
                         <m:t>⊙</m:t>
@@ -20061,12 +20052,12 @@
                     </m:oMath>
                   </m:oMathPara>
                 </a14:m>
-                <a:endParaRPr lang="zh-CN" altLang="en-US" dirty="0"/>
+                <a:endParaRPr lang="zh-CN" altLang="en-US" sz="2600" dirty="0"/>
               </a:p>
             </p:txBody>
           </p:sp>
         </mc:Choice>
-        <mc:Fallback xmlns="">
+        <mc:Fallback>
           <p:sp>
             <p:nvSpPr>
               <p:cNvPr id="78" name="TextBox 77"/>
@@ -20077,16 +20068,16 @@
             </p:nvSpPr>
             <p:spPr>
               <a:xfrm>
-                <a:off x="30691" y="6084687"/>
-                <a:ext cx="466794" cy="369332"/>
+                <a:off x="-3130668" y="8788993"/>
+                <a:ext cx="591829" cy="492443"/>
               </a:xfrm>
               <a:prstGeom prst="rect">
                 <a:avLst/>
               </a:prstGeom>
-              <a:blipFill rotWithShape="1">
+              <a:blipFill>
                 <a:blip r:embed="rId2"/>
                 <a:stretch>
-                  <a:fillRect b="-4918"/>
+                  <a:fillRect/>
                 </a:stretch>
               </a:blipFill>
             </p:spPr>
@@ -20113,8 +20104,8 @@
         </p:nvSpPr>
         <p:spPr>
           <a:xfrm>
-            <a:off x="203789" y="6415798"/>
-            <a:ext cx="347472" cy="369332"/>
+            <a:off x="-2880638" y="9267264"/>
+            <a:ext cx="501904" cy="492443"/>
           </a:xfrm>
           <a:prstGeom prst="rect">
             <a:avLst/>
@@ -20128,10 +20119,10 @@
           <a:lstStyle/>
           <a:p>
             <a:r>
-              <a:rPr lang="en-US" altLang="zh-CN" dirty="0"/>
+              <a:rPr lang="en-US" altLang="zh-CN" sz="2600" dirty="0"/>
               <a:t>Y</a:t>
             </a:r>
-            <a:endParaRPr lang="zh-CN" altLang="en-US" dirty="0"/>
+            <a:endParaRPr lang="zh-CN" altLang="en-US" sz="2600" dirty="0"/>
           </a:p>
         </p:txBody>
       </p:sp>
@@ -20143,8 +20134,8 @@
         </p:nvCxnSpPr>
         <p:spPr>
           <a:xfrm flipV="1">
-            <a:off x="497485" y="1268759"/>
-            <a:ext cx="0" cy="1440161"/>
+            <a:off x="-2456411" y="1832652"/>
+            <a:ext cx="0" cy="2080233"/>
           </a:xfrm>
           <a:prstGeom prst="straightConnector1">
             <a:avLst/>
@@ -20180,9 +20171,9 @@
           <p:nvPr/>
         </p:nvCxnSpPr>
         <p:spPr>
-          <a:xfrm>
-            <a:off x="497485" y="3429000"/>
-            <a:ext cx="0" cy="2840353"/>
+          <a:xfrm flipH="1">
+            <a:off x="-2538839" y="4953001"/>
+            <a:ext cx="82429" cy="4082214"/>
           </a:xfrm>
           <a:prstGeom prst="straightConnector1">
             <a:avLst/>
@@ -20217,8 +20208,8 @@
         </p:nvSpPr>
         <p:spPr>
           <a:xfrm>
-            <a:off x="377525" y="2938950"/>
-            <a:ext cx="328936" cy="369332"/>
+            <a:off x="-2629686" y="4245151"/>
+            <a:ext cx="393056" cy="492443"/>
           </a:xfrm>
           <a:prstGeom prst="rect">
             <a:avLst/>
@@ -20232,10 +20223,10 @@
           <a:lstStyle/>
           <a:p>
             <a:r>
-              <a:rPr lang="en-US" altLang="zh-CN" dirty="0"/>
+              <a:rPr lang="en-US" altLang="zh-CN" sz="2600" dirty="0"/>
               <a:t>H</a:t>
             </a:r>
-            <a:endParaRPr lang="zh-CN" altLang="en-US" dirty="0"/>
+            <a:endParaRPr lang="zh-CN" altLang="en-US" sz="2600" dirty="0"/>
           </a:p>
         </p:txBody>
       </p:sp>
@@ -20247,8 +20238,8 @@
         </p:nvSpPr>
         <p:spPr>
           <a:xfrm>
-            <a:off x="4267222" y="5661248"/>
-            <a:ext cx="306494" cy="369332"/>
+            <a:off x="2988765" y="8177359"/>
+            <a:ext cx="359394" cy="492443"/>
           </a:xfrm>
           <a:prstGeom prst="rect">
             <a:avLst/>
@@ -20262,10 +20253,10 @@
           <a:lstStyle/>
           <a:p>
             <a:r>
-              <a:rPr lang="en-US" altLang="zh-CN" dirty="0"/>
+              <a:rPr lang="en-US" altLang="zh-CN" sz="2600" dirty="0"/>
               <a:t>h</a:t>
             </a:r>
-            <a:endParaRPr lang="zh-CN" altLang="en-US" dirty="0"/>
+            <a:endParaRPr lang="zh-CN" altLang="en-US" sz="2600" dirty="0"/>
           </a:p>
         </p:txBody>
       </p:sp>
@@ -20307,8 +20298,8 @@
         </p:nvSpPr>
         <p:spPr>
           <a:xfrm>
-            <a:off x="971600" y="548680"/>
-            <a:ext cx="324036" cy="5796644"/>
+            <a:off x="-1771578" y="792538"/>
+            <a:ext cx="468052" cy="8372930"/>
           </a:xfrm>
           <a:prstGeom prst="rect">
             <a:avLst/>
@@ -20343,7 +20334,7 @@
           <a:lstStyle/>
           <a:p>
             <a:pPr algn="ctr"/>
-            <a:endParaRPr lang="zh-CN" altLang="en-US"/>
+            <a:endParaRPr lang="zh-CN" altLang="en-US" sz="2600"/>
           </a:p>
         </p:txBody>
       </p:sp>
@@ -20355,8 +20346,8 @@
         </p:nvSpPr>
         <p:spPr>
           <a:xfrm>
-            <a:off x="1691680" y="530678"/>
-            <a:ext cx="324036" cy="5796644"/>
+            <a:off x="-731462" y="766535"/>
+            <a:ext cx="468052" cy="8372930"/>
           </a:xfrm>
           <a:prstGeom prst="rect">
             <a:avLst/>
@@ -20391,7 +20382,7 @@
           <a:lstStyle/>
           <a:p>
             <a:pPr algn="ctr"/>
-            <a:endParaRPr lang="zh-CN" altLang="en-US" b="1" dirty="0"/>
+            <a:endParaRPr lang="zh-CN" altLang="en-US" sz="2600" b="1" dirty="0"/>
           </a:p>
         </p:txBody>
       </p:sp>
@@ -20403,8 +20394,8 @@
         </p:nvSpPr>
         <p:spPr>
           <a:xfrm>
-            <a:off x="2411760" y="530678"/>
-            <a:ext cx="324036" cy="5796644"/>
+            <a:off x="308653" y="766535"/>
+            <a:ext cx="468052" cy="8372930"/>
           </a:xfrm>
           <a:prstGeom prst="rect">
             <a:avLst/>
@@ -20439,7 +20430,7 @@
           <a:lstStyle/>
           <a:p>
             <a:pPr algn="ctr"/>
-            <a:endParaRPr lang="zh-CN" altLang="en-US"/>
+            <a:endParaRPr lang="zh-CN" altLang="en-US" sz="2600"/>
           </a:p>
         </p:txBody>
       </p:sp>
@@ -20451,8 +20442,8 @@
         </p:nvSpPr>
         <p:spPr>
           <a:xfrm>
-            <a:off x="3167844" y="532974"/>
-            <a:ext cx="324036" cy="5796644"/>
+            <a:off x="1400775" y="769851"/>
+            <a:ext cx="468052" cy="8372930"/>
           </a:xfrm>
           <a:prstGeom prst="rect">
             <a:avLst/>
@@ -20487,7 +20478,7 @@
           <a:lstStyle/>
           <a:p>
             <a:pPr algn="ctr"/>
-            <a:endParaRPr lang="zh-CN" altLang="en-US"/>
+            <a:endParaRPr lang="zh-CN" altLang="en-US" sz="2600"/>
           </a:p>
         </p:txBody>
       </p:sp>
@@ -20499,8 +20490,8 @@
         </p:nvSpPr>
         <p:spPr>
           <a:xfrm>
-            <a:off x="3855948" y="507544"/>
-            <a:ext cx="324036" cy="5796644"/>
+            <a:off x="2394703" y="733119"/>
+            <a:ext cx="468052" cy="8372930"/>
           </a:xfrm>
           <a:prstGeom prst="rect">
             <a:avLst/>
@@ -20535,7 +20526,7 @@
           <a:lstStyle/>
           <a:p>
             <a:pPr algn="ctr"/>
-            <a:endParaRPr lang="zh-CN" altLang="en-US" b="1" dirty="0"/>
+            <a:endParaRPr lang="zh-CN" altLang="en-US" sz="2600" b="1" dirty="0"/>
           </a:p>
         </p:txBody>
       </p:sp>
@@ -20547,8 +20538,8 @@
         </p:nvSpPr>
         <p:spPr>
           <a:xfrm>
-            <a:off x="4576028" y="507544"/>
-            <a:ext cx="324036" cy="5796644"/>
+            <a:off x="3434818" y="733119"/>
+            <a:ext cx="468052" cy="8372930"/>
           </a:xfrm>
           <a:prstGeom prst="rect">
             <a:avLst/>
@@ -20583,7 +20574,7 @@
           <a:lstStyle/>
           <a:p>
             <a:pPr algn="ctr"/>
-            <a:endParaRPr lang="zh-CN" altLang="en-US"/>
+            <a:endParaRPr lang="zh-CN" altLang="en-US" sz="2600"/>
           </a:p>
         </p:txBody>
       </p:sp>
@@ -20595,8 +20586,8 @@
         </p:nvSpPr>
         <p:spPr>
           <a:xfrm>
-            <a:off x="5292080" y="507544"/>
-            <a:ext cx="324036" cy="5796644"/>
+            <a:off x="4469116" y="733119"/>
+            <a:ext cx="468052" cy="8372930"/>
           </a:xfrm>
           <a:prstGeom prst="rect">
             <a:avLst/>
@@ -20631,7 +20622,7 @@
           <a:lstStyle/>
           <a:p>
             <a:pPr algn="ctr"/>
-            <a:endParaRPr lang="zh-CN" altLang="en-US"/>
+            <a:endParaRPr lang="zh-CN" altLang="en-US" sz="2600"/>
           </a:p>
         </p:txBody>
       </p:sp>
@@ -20643,8 +20634,8 @@
         </p:nvSpPr>
         <p:spPr>
           <a:xfrm>
-            <a:off x="6012160" y="552692"/>
-            <a:ext cx="324036" cy="5796644"/>
+            <a:off x="5509231" y="798333"/>
+            <a:ext cx="468052" cy="8372930"/>
           </a:xfrm>
           <a:prstGeom prst="rect">
             <a:avLst/>
@@ -20679,7 +20670,7 @@
           <a:lstStyle/>
           <a:p>
             <a:pPr algn="ctr"/>
-            <a:endParaRPr lang="zh-CN" altLang="en-US" b="1" dirty="0"/>
+            <a:endParaRPr lang="zh-CN" altLang="en-US" sz="2600" b="1" dirty="0"/>
           </a:p>
         </p:txBody>
       </p:sp>
@@ -20691,8 +20682,8 @@
         </p:nvSpPr>
         <p:spPr>
           <a:xfrm>
-            <a:off x="6732240" y="532974"/>
-            <a:ext cx="324036" cy="5796644"/>
+            <a:off x="6549347" y="769851"/>
+            <a:ext cx="468052" cy="8372930"/>
           </a:xfrm>
           <a:prstGeom prst="rect">
             <a:avLst/>
@@ -20727,7 +20718,7 @@
           <a:lstStyle/>
           <a:p>
             <a:pPr algn="ctr"/>
-            <a:endParaRPr lang="zh-CN" altLang="en-US"/>
+            <a:endParaRPr lang="zh-CN" altLang="en-US" sz="2600"/>
           </a:p>
         </p:txBody>
       </p:sp>
@@ -20739,8 +20730,8 @@
         </p:nvSpPr>
         <p:spPr>
           <a:xfrm>
-            <a:off x="7452320" y="550698"/>
-            <a:ext cx="324036" cy="5796644"/>
+            <a:off x="7589462" y="795453"/>
+            <a:ext cx="468052" cy="8372930"/>
           </a:xfrm>
           <a:prstGeom prst="rect">
             <a:avLst/>
@@ -20775,7 +20766,7 @@
           <a:lstStyle/>
           <a:p>
             <a:pPr algn="ctr"/>
-            <a:endParaRPr lang="zh-CN" altLang="en-US"/>
+            <a:endParaRPr lang="zh-CN" altLang="en-US" sz="2600"/>
           </a:p>
         </p:txBody>
       </p:sp>
@@ -20787,8 +20778,8 @@
         </p:nvSpPr>
         <p:spPr>
           <a:xfrm>
-            <a:off x="8208404" y="552692"/>
-            <a:ext cx="324036" cy="5796644"/>
+            <a:off x="8681584" y="798333"/>
+            <a:ext cx="468052" cy="8372930"/>
           </a:xfrm>
           <a:prstGeom prst="rect">
             <a:avLst/>
@@ -20823,7 +20814,7 @@
           <a:lstStyle/>
           <a:p>
             <a:pPr algn="ctr"/>
-            <a:endParaRPr lang="zh-CN" altLang="en-US"/>
+            <a:endParaRPr lang="zh-CN" altLang="en-US" sz="2600"/>
           </a:p>
         </p:txBody>
       </p:sp>
@@ -20835,8 +20826,8 @@
         </p:nvCxnSpPr>
         <p:spPr>
           <a:xfrm flipH="1">
-            <a:off x="971600" y="6597352"/>
-            <a:ext cx="162018" cy="0"/>
+            <a:off x="-1771578" y="9529508"/>
+            <a:ext cx="234026" cy="0"/>
           </a:xfrm>
           <a:prstGeom prst="straightConnector1">
             <a:avLst/>
@@ -20871,8 +20862,8 @@
         </p:nvCxnSpPr>
         <p:spPr>
           <a:xfrm>
-            <a:off x="1439652" y="6597352"/>
-            <a:ext cx="252028" cy="0"/>
+            <a:off x="-1095502" y="9529508"/>
+            <a:ext cx="364040" cy="0"/>
           </a:xfrm>
           <a:prstGeom prst="straightConnector1">
             <a:avLst/>
@@ -20907,8 +20898,8 @@
         </p:nvSpPr>
         <p:spPr>
           <a:xfrm>
-            <a:off x="1203270" y="6456620"/>
-            <a:ext cx="282450" cy="369332"/>
+            <a:off x="-1436943" y="9326229"/>
+            <a:ext cx="324128" cy="492443"/>
           </a:xfrm>
           <a:prstGeom prst="rect">
             <a:avLst/>
@@ -20922,10 +20913,10 @@
           <a:lstStyle/>
           <a:p>
             <a:r>
-              <a:rPr lang="en-US" altLang="zh-CN" dirty="0"/>
+              <a:rPr lang="en-US" altLang="zh-CN" sz="2600" dirty="0"/>
               <a:t>L</a:t>
             </a:r>
-            <a:endParaRPr lang="zh-CN" altLang="en-US" dirty="0"/>
+            <a:endParaRPr lang="zh-CN" altLang="en-US" sz="2600" dirty="0"/>
           </a:p>
         </p:txBody>
       </p:sp>
@@ -20937,8 +20928,8 @@
         </p:nvSpPr>
         <p:spPr>
           <a:xfrm>
-            <a:off x="3599892" y="2420888"/>
-            <a:ext cx="144016" cy="109753"/>
+            <a:off x="2024844" y="3496839"/>
+            <a:ext cx="208023" cy="158532"/>
           </a:xfrm>
           <a:prstGeom prst="triangle">
             <a:avLst/>
@@ -20973,7 +20964,7 @@
           <a:lstStyle/>
           <a:p>
             <a:pPr algn="ctr"/>
-            <a:endParaRPr lang="zh-CN" altLang="en-US"/>
+            <a:endParaRPr lang="zh-CN" altLang="en-US" sz="2600"/>
           </a:p>
         </p:txBody>
       </p:sp>
@@ -20985,8 +20976,8 @@
         </p:nvSpPr>
         <p:spPr>
           <a:xfrm>
-            <a:off x="6030162" y="2420887"/>
-            <a:ext cx="144016" cy="109753"/>
+            <a:off x="5535234" y="3496838"/>
+            <a:ext cx="208023" cy="158532"/>
           </a:xfrm>
           <a:prstGeom prst="triangle">
             <a:avLst/>
@@ -21021,7 +21012,7 @@
           <a:lstStyle/>
           <a:p>
             <a:pPr algn="ctr"/>
-            <a:endParaRPr lang="zh-CN" altLang="en-US"/>
+            <a:endParaRPr lang="zh-CN" altLang="en-US" sz="2600"/>
           </a:p>
         </p:txBody>
       </p:sp>
@@ -21033,8 +21024,8 @@
         </p:nvSpPr>
         <p:spPr>
           <a:xfrm>
-            <a:off x="3538232" y="2106431"/>
-            <a:ext cx="317716" cy="369332"/>
+            <a:off x="1935780" y="3042623"/>
+            <a:ext cx="377026" cy="492443"/>
           </a:xfrm>
           <a:prstGeom prst="rect">
             <a:avLst/>
@@ -21048,10 +21039,10 @@
           <a:lstStyle/>
           <a:p>
             <a:r>
-              <a:rPr lang="en-US" altLang="zh-CN" dirty="0"/>
+              <a:rPr lang="en-US" altLang="zh-CN" sz="2600" dirty="0"/>
               <a:t>A</a:t>
             </a:r>
-            <a:endParaRPr lang="zh-CN" altLang="en-US" dirty="0"/>
+            <a:endParaRPr lang="zh-CN" altLang="en-US" sz="2600" dirty="0"/>
           </a:p>
         </p:txBody>
       </p:sp>
@@ -21063,8 +21054,8 @@
         </p:nvSpPr>
         <p:spPr>
           <a:xfrm>
-            <a:off x="6012160" y="2047508"/>
-            <a:ext cx="309700" cy="369332"/>
+            <a:off x="5509231" y="2957512"/>
+            <a:ext cx="365806" cy="492443"/>
           </a:xfrm>
           <a:prstGeom prst="rect">
             <a:avLst/>
@@ -21078,14 +21069,14 @@
           <a:lstStyle/>
           <a:p>
             <a:r>
-              <a:rPr lang="en-US" altLang="zh-CN" dirty="0">
+              <a:rPr lang="en-US" altLang="zh-CN" sz="2600" dirty="0">
                 <a:solidFill>
                   <a:schemeClr val="bg1"/>
                 </a:solidFill>
               </a:rPr>
               <a:t>B</a:t>
             </a:r>
-            <a:endParaRPr lang="zh-CN" altLang="en-US" dirty="0">
+            <a:endParaRPr lang="zh-CN" altLang="en-US" sz="2600" dirty="0">
               <a:solidFill>
                 <a:schemeClr val="bg1"/>
               </a:solidFill>
@@ -21101,8 +21092,8 @@
         </p:nvCxnSpPr>
         <p:spPr>
           <a:xfrm>
-            <a:off x="251520" y="6456620"/>
-            <a:ext cx="8640960" cy="0"/>
+            <a:off x="-2811694" y="9326229"/>
+            <a:ext cx="12481387" cy="0"/>
           </a:xfrm>
           <a:prstGeom prst="straightConnector1">
             <a:avLst/>
@@ -21137,8 +21128,8 @@
         </p:nvCxnSpPr>
         <p:spPr>
           <a:xfrm flipV="1">
-            <a:off x="251520" y="152636"/>
-            <a:ext cx="0" cy="6303984"/>
+            <a:off x="-2811693" y="220474"/>
+            <a:ext cx="0" cy="9105755"/>
           </a:xfrm>
           <a:prstGeom prst="straightConnector1">
             <a:avLst/>
@@ -21173,8 +21164,8 @@
         </p:nvSpPr>
         <p:spPr>
           <a:xfrm>
-            <a:off x="8498660" y="6488668"/>
-            <a:ext cx="468052" cy="369332"/>
+            <a:off x="9100842" y="9372521"/>
+            <a:ext cx="676075" cy="492443"/>
           </a:xfrm>
           <a:prstGeom prst="rect">
             <a:avLst/>
@@ -21188,10 +21179,10 @@
           <a:lstStyle/>
           <a:p>
             <a:r>
-              <a:rPr lang="en-US" altLang="zh-CN" dirty="0"/>
+              <a:rPr lang="en-US" altLang="zh-CN" sz="2600" dirty="0"/>
               <a:t>X</a:t>
             </a:r>
-            <a:endParaRPr lang="zh-CN" altLang="en-US" dirty="0"/>
+            <a:endParaRPr lang="zh-CN" altLang="en-US" sz="2600" dirty="0"/>
           </a:p>
         </p:txBody>
       </p:sp>
@@ -21203,8 +21194,8 @@
         </p:nvSpPr>
         <p:spPr>
           <a:xfrm>
-            <a:off x="323528" y="204172"/>
-            <a:ext cx="468052" cy="369332"/>
+            <a:off x="-2707682" y="294916"/>
+            <a:ext cx="676075" cy="492443"/>
           </a:xfrm>
           <a:prstGeom prst="rect">
             <a:avLst/>
@@ -21218,10 +21209,10 @@
           <a:lstStyle/>
           <a:p>
             <a:r>
-              <a:rPr lang="en-US" altLang="zh-CN" dirty="0"/>
+              <a:rPr lang="en-US" altLang="zh-CN" sz="2600" dirty="0"/>
               <a:t>Y</a:t>
             </a:r>
-            <a:endParaRPr lang="zh-CN" altLang="en-US" dirty="0"/>
+            <a:endParaRPr lang="zh-CN" altLang="en-US" sz="2600" dirty="0"/>
           </a:p>
         </p:txBody>
       </p:sp>
